--- a/docs/part1ca/04_Instructions/CA_Lecture_04.pptx
+++ b/docs/part1ca/04_Instructions/CA_Lecture_04.pptx
@@ -5,19 +5,20 @@
     <p:sldMasterId id="2147483648" r:id="rId1"/>
   </p:sldMasterIdLst>
   <p:notesMasterIdLst>
-    <p:notesMasterId r:id="rId9"/>
+    <p:notesMasterId r:id="rId10"/>
   </p:notesMasterIdLst>
   <p:handoutMasterIdLst>
-    <p:handoutMasterId r:id="rId10"/>
+    <p:handoutMasterId r:id="rId11"/>
   </p:handoutMasterIdLst>
   <p:sldIdLst>
     <p:sldId id="256" r:id="rId2"/>
-    <p:sldId id="311" r:id="rId3"/>
-    <p:sldId id="309" r:id="rId4"/>
-    <p:sldId id="310" r:id="rId5"/>
-    <p:sldId id="312" r:id="rId6"/>
-    <p:sldId id="313" r:id="rId7"/>
-    <p:sldId id="272" r:id="rId8"/>
+    <p:sldId id="314" r:id="rId3"/>
+    <p:sldId id="311" r:id="rId4"/>
+    <p:sldId id="315" r:id="rId5"/>
+    <p:sldId id="309" r:id="rId6"/>
+    <p:sldId id="312" r:id="rId7"/>
+    <p:sldId id="313" r:id="rId8"/>
+    <p:sldId id="272" r:id="rId9"/>
   </p:sldIdLst>
   <p:sldSz cx="12192000" cy="6858000"/>
   <p:notesSz cx="6858000" cy="9144000"/>
@@ -118,7 +119,7 @@
   </p:defaultTextStyle>
   <p:extLst>
     <p:ext uri="{EFAFB233-063F-42B5-8137-9DF3F51BA10A}">
-      <p15:sldGuideLst xmlns:p15="http://schemas.microsoft.com/office/powerpoint/2012/main" xmlns="">
+      <p15:sldGuideLst xmlns="" xmlns:p15="http://schemas.microsoft.com/office/powerpoint/2012/main">
         <p15:guide id="1" orient="horz" pos="2160">
           <p15:clr>
             <a:srgbClr val="A4A3A4"/>
@@ -132,7 +133,7 @@
       </p15:sldGuideLst>
     </p:ext>
     <p:ext uri="{2D200454-40CA-4A62-9FC3-DE9A4176ACB9}">
-      <p15:notesGuideLst xmlns:p15="http://schemas.microsoft.com/office/powerpoint/2012/main" xmlns="">
+      <p15:notesGuideLst xmlns="" xmlns:p15="http://schemas.microsoft.com/office/powerpoint/2012/main">
         <p15:guide id="1" orient="horz" pos="2880">
           <p15:clr>
             <a:srgbClr val="A4A3A4"/>
@@ -240,7 +241,7 @@
             <a:fld id="{D0106195-8D78-4F6F-B8E4-FA67975ACEF5}" type="datetimeFigureOut">
               <a:rPr lang="ru-RU" smtClean="0"/>
               <a:pPr/>
-              <a:t>29.10.2020</a:t>
+              <a:t>30.10.2020</a:t>
             </a:fld>
             <a:endParaRPr lang="ru-RU"/>
           </a:p>
@@ -316,7 +317,7 @@
     </p:spTree>
     <p:extLst>
       <p:ext uri="{BB962C8B-B14F-4D97-AF65-F5344CB8AC3E}">
-        <p14:creationId xmlns:p14="http://schemas.microsoft.com/office/powerpoint/2010/main" xmlns="" val="827279973"/>
+        <p14:creationId xmlns="" xmlns:p14="http://schemas.microsoft.com/office/powerpoint/2010/main" val="827279973"/>
       </p:ext>
     </p:extLst>
   </p:cSld>
@@ -408,7 +409,7 @@
             <a:fld id="{878212F1-C3D9-4F2B-8F42-5E960FE8BE51}" type="datetimeFigureOut">
               <a:rPr lang="ru-RU" smtClean="0"/>
               <a:pPr/>
-              <a:t>29.10.2020</a:t>
+              <a:t>30.10.2020</a:t>
             </a:fld>
             <a:endParaRPr lang="ru-RU"/>
           </a:p>
@@ -577,7 +578,7 @@
     </p:spTree>
     <p:extLst>
       <p:ext uri="{BB962C8B-B14F-4D97-AF65-F5344CB8AC3E}">
-        <p14:creationId xmlns:p14="http://schemas.microsoft.com/office/powerpoint/2010/main" xmlns="" val="3865021395"/>
+        <p14:creationId xmlns="" xmlns:p14="http://schemas.microsoft.com/office/powerpoint/2010/main" val="3865021395"/>
       </p:ext>
     </p:extLst>
   </p:cSld>
@@ -791,7 +792,7 @@
     </p:spTree>
     <p:extLst>
       <p:ext uri="{BB962C8B-B14F-4D97-AF65-F5344CB8AC3E}">
-        <p14:creationId xmlns:p14="http://schemas.microsoft.com/office/powerpoint/2010/main" xmlns="" val="2381791527"/>
+        <p14:creationId xmlns="" xmlns:p14="http://schemas.microsoft.com/office/powerpoint/2010/main" val="2381791527"/>
       </p:ext>
     </p:extLst>
   </p:cSld>
@@ -905,7 +906,7 @@
             <a:fld id="{5583B3A5-99BF-45D9-956B-DC57CC23AD97}" type="slidenum">
               <a:rPr lang="ru-RU" smtClean="0"/>
               <a:pPr/>
-              <a:t>7</a:t>
+              <a:t>8</a:t>
             </a:fld>
             <a:endParaRPr lang="ru-RU"/>
           </a:p>
@@ -914,7 +915,7 @@
     </p:spTree>
     <p:extLst>
       <p:ext uri="{BB962C8B-B14F-4D97-AF65-F5344CB8AC3E}">
-        <p14:creationId xmlns:p14="http://schemas.microsoft.com/office/powerpoint/2010/main" xmlns="" val="1915950851"/>
+        <p14:creationId xmlns="" xmlns:p14="http://schemas.microsoft.com/office/powerpoint/2010/main" val="1915950851"/>
       </p:ext>
     </p:extLst>
   </p:cSld>
@@ -1174,7 +1175,7 @@
     </p:spTree>
     <p:extLst>
       <p:ext uri="{BB962C8B-B14F-4D97-AF65-F5344CB8AC3E}">
-        <p14:creationId xmlns:p14="http://schemas.microsoft.com/office/powerpoint/2010/main" xmlns="" val="322455162"/>
+        <p14:creationId xmlns="" xmlns:p14="http://schemas.microsoft.com/office/powerpoint/2010/main" val="322455162"/>
       </p:ext>
     </p:extLst>
   </p:cSld>
@@ -1348,7 +1349,7 @@
     </p:spTree>
     <p:extLst>
       <p:ext uri="{BB962C8B-B14F-4D97-AF65-F5344CB8AC3E}">
-        <p14:creationId xmlns:p14="http://schemas.microsoft.com/office/powerpoint/2010/main" xmlns="" val="971117636"/>
+        <p14:creationId xmlns="" xmlns:p14="http://schemas.microsoft.com/office/powerpoint/2010/main" val="971117636"/>
       </p:ext>
     </p:extLst>
   </p:cSld>
@@ -1525,7 +1526,7 @@
     </p:spTree>
     <p:extLst>
       <p:ext uri="{BB962C8B-B14F-4D97-AF65-F5344CB8AC3E}">
-        <p14:creationId xmlns:p14="http://schemas.microsoft.com/office/powerpoint/2010/main" xmlns="" val="3348877825"/>
+        <p14:creationId xmlns="" xmlns:p14="http://schemas.microsoft.com/office/powerpoint/2010/main" val="3348877825"/>
       </p:ext>
     </p:extLst>
   </p:cSld>
@@ -1850,7 +1851,7 @@
     </p:spTree>
     <p:extLst>
       <p:ext uri="{BB962C8B-B14F-4D97-AF65-F5344CB8AC3E}">
-        <p14:creationId xmlns:p14="http://schemas.microsoft.com/office/powerpoint/2010/main" xmlns="" val="3256953994"/>
+        <p14:creationId xmlns="" xmlns:p14="http://schemas.microsoft.com/office/powerpoint/2010/main" val="3256953994"/>
       </p:ext>
     </p:extLst>
   </p:cSld>
@@ -2100,7 +2101,7 @@
     </p:spTree>
     <p:extLst>
       <p:ext uri="{BB962C8B-B14F-4D97-AF65-F5344CB8AC3E}">
-        <p14:creationId xmlns:p14="http://schemas.microsoft.com/office/powerpoint/2010/main" xmlns="" val="3067076846"/>
+        <p14:creationId xmlns="" xmlns:p14="http://schemas.microsoft.com/office/powerpoint/2010/main" val="3067076846"/>
       </p:ext>
     </p:extLst>
   </p:cSld>
@@ -2336,7 +2337,7 @@
     </p:spTree>
     <p:extLst>
       <p:ext uri="{BB962C8B-B14F-4D97-AF65-F5344CB8AC3E}">
-        <p14:creationId xmlns:p14="http://schemas.microsoft.com/office/powerpoint/2010/main" xmlns="" val="3710015975"/>
+        <p14:creationId xmlns="" xmlns:p14="http://schemas.microsoft.com/office/powerpoint/2010/main" val="3710015975"/>
       </p:ext>
     </p:extLst>
   </p:cSld>
@@ -2707,7 +2708,7 @@
     </p:spTree>
     <p:extLst>
       <p:ext uri="{BB962C8B-B14F-4D97-AF65-F5344CB8AC3E}">
-        <p14:creationId xmlns:p14="http://schemas.microsoft.com/office/powerpoint/2010/main" xmlns="" val="4075590966"/>
+        <p14:creationId xmlns="" xmlns:p14="http://schemas.microsoft.com/office/powerpoint/2010/main" val="4075590966"/>
       </p:ext>
     </p:extLst>
   </p:cSld>
@@ -2829,7 +2830,7 @@
     </p:spTree>
     <p:extLst>
       <p:ext uri="{BB962C8B-B14F-4D97-AF65-F5344CB8AC3E}">
-        <p14:creationId xmlns:p14="http://schemas.microsoft.com/office/powerpoint/2010/main" xmlns="" val="2889604898"/>
+        <p14:creationId xmlns="" xmlns:p14="http://schemas.microsoft.com/office/powerpoint/2010/main" val="2889604898"/>
       </p:ext>
     </p:extLst>
   </p:cSld>
@@ -2928,7 +2929,7 @@
     </p:spTree>
     <p:extLst>
       <p:ext uri="{BB962C8B-B14F-4D97-AF65-F5344CB8AC3E}">
-        <p14:creationId xmlns:p14="http://schemas.microsoft.com/office/powerpoint/2010/main" xmlns="" val="152384765"/>
+        <p14:creationId xmlns="" xmlns:p14="http://schemas.microsoft.com/office/powerpoint/2010/main" val="152384765"/>
       </p:ext>
     </p:extLst>
   </p:cSld>
@@ -3209,7 +3210,7 @@
     </p:spTree>
     <p:extLst>
       <p:ext uri="{BB962C8B-B14F-4D97-AF65-F5344CB8AC3E}">
-        <p14:creationId xmlns:p14="http://schemas.microsoft.com/office/powerpoint/2010/main" xmlns="" val="2127791886"/>
+        <p14:creationId xmlns="" xmlns:p14="http://schemas.microsoft.com/office/powerpoint/2010/main" val="2127791886"/>
       </p:ext>
     </p:extLst>
   </p:cSld>
@@ -3466,7 +3467,7 @@
     </p:spTree>
     <p:extLst>
       <p:ext uri="{BB962C8B-B14F-4D97-AF65-F5344CB8AC3E}">
-        <p14:creationId xmlns:p14="http://schemas.microsoft.com/office/powerpoint/2010/main" xmlns="" val="1752705130"/>
+        <p14:creationId xmlns="" xmlns:p14="http://schemas.microsoft.com/office/powerpoint/2010/main" val="1752705130"/>
       </p:ext>
     </p:extLst>
   </p:cSld>
@@ -3719,7 +3720,7 @@
     </p:spTree>
     <p:extLst>
       <p:ext uri="{BB962C8B-B14F-4D97-AF65-F5344CB8AC3E}">
-        <p14:creationId xmlns:p14="http://schemas.microsoft.com/office/powerpoint/2010/main" xmlns="" val="968833914"/>
+        <p14:creationId xmlns="" xmlns:p14="http://schemas.microsoft.com/office/powerpoint/2010/main" val="968833914"/>
       </p:ext>
     </p:extLst>
   </p:cSld>
@@ -4097,7 +4098,7 @@
             </a:r>
             <a:r>
               <a:rPr lang="en-US" b="1" dirty="0" smtClean="0"/>
-              <a:t>Instructions</a:t>
+              <a:t>Instruction Set Architecture</a:t>
             </a:r>
             <a:endParaRPr lang="ru-RU" b="1" dirty="0"/>
           </a:p>
@@ -4200,7 +4201,7 @@
     </p:spTree>
     <p:extLst>
       <p:ext uri="{BB962C8B-B14F-4D97-AF65-F5344CB8AC3E}">
-        <p14:creationId xmlns:p14="http://schemas.microsoft.com/office/powerpoint/2010/main" xmlns="" val="2492894732"/>
+        <p14:creationId xmlns="" xmlns:p14="http://schemas.microsoft.com/office/powerpoint/2010/main" val="2492894732"/>
       </p:ext>
     </p:extLst>
   </p:cSld>
@@ -4234,130 +4235,1828 @@
           <a:chExt cx="0" cy="0"/>
         </a:xfrm>
       </p:grpSpPr>
-      <p:sp>
-        <p:nvSpPr>
-          <p:cNvPr id="2" name="Содержимое 1"/>
-          <p:cNvSpPr>
-            <a:spLocks noGrp="1"/>
-          </p:cNvSpPr>
+      <p:graphicFrame>
+        <p:nvGraphicFramePr>
+          <p:cNvPr id="6" name="Содержимое 5"/>
+          <p:cNvGraphicFramePr>
+            <a:graphicFrameLocks noGrp="1"/>
+          </p:cNvGraphicFramePr>
           <p:nvPr>
             <p:ph idx="1"/>
           </p:nvPr>
-        </p:nvSpPr>
-        <p:spPr>
-          <a:xfrm>
-            <a:off x="838199" y="1178052"/>
-            <a:ext cx="10502463" cy="5464485"/>
-          </a:xfrm>
-        </p:spPr>
-        <p:txBody>
-          <a:bodyPr>
-            <a:normAutofit/>
-          </a:bodyPr>
-          <a:lstStyle/>
-          <a:p>
-            <a:r>
-              <a:rPr lang="en-US" altLang="en-US" i="1" dirty="0" smtClean="0"/>
-              <a:t>Design Principle 1:</a:t>
-            </a:r>
-            <a:r>
-              <a:rPr lang="en-US" altLang="en-US" dirty="0" smtClean="0"/>
-              <a:t> Simplicity </a:t>
-            </a:r>
-            <a:r>
-              <a:rPr lang="en-US" altLang="en-US" dirty="0" smtClean="0"/>
-              <a:t>favors </a:t>
-            </a:r>
-            <a:r>
-              <a:rPr lang="en-US" altLang="en-US" dirty="0" smtClean="0"/>
-              <a:t>regularity</a:t>
-            </a:r>
-          </a:p>
-          <a:p>
-            <a:pPr lvl="1"/>
-            <a:r>
-              <a:rPr lang="en-US" altLang="en-US" dirty="0" smtClean="0"/>
-              <a:t>Regularity makes implementation simpler</a:t>
-            </a:r>
-          </a:p>
-          <a:p>
-            <a:pPr lvl="1"/>
-            <a:r>
-              <a:rPr lang="en-US" altLang="en-US" dirty="0" smtClean="0"/>
-              <a:t>Simplicity enables higher performance at lower cost</a:t>
-            </a:r>
-            <a:endParaRPr lang="en-AU" altLang="en-US" dirty="0" smtClean="0"/>
-          </a:p>
-          <a:p>
-            <a:pPr>
-              <a:defRPr/>
-            </a:pPr>
-            <a:r>
-              <a:rPr lang="en-US" altLang="en-US" i="1" dirty="0" smtClean="0"/>
-              <a:t>Design Principle 2:</a:t>
-            </a:r>
-            <a:r>
-              <a:rPr lang="en-US" altLang="en-US" dirty="0" smtClean="0"/>
-              <a:t> Smaller is faster</a:t>
-            </a:r>
-          </a:p>
-          <a:p>
-            <a:pPr lvl="1">
-              <a:defRPr/>
-            </a:pPr>
-            <a:r>
-              <a:rPr lang="en-US" altLang="en-US" dirty="0" smtClean="0"/>
-              <a:t>c.f. main memory: millions of </a:t>
-            </a:r>
-            <a:r>
-              <a:rPr lang="en-US" altLang="en-US" dirty="0" smtClean="0"/>
-              <a:t>locations</a:t>
-            </a:r>
-          </a:p>
-          <a:p>
-            <a:r>
-              <a:rPr lang="en-US" altLang="en-US" i="1" dirty="0" smtClean="0"/>
-              <a:t>Design </a:t>
-            </a:r>
-            <a:r>
-              <a:rPr lang="en-US" altLang="en-US" i="1" dirty="0" smtClean="0"/>
-              <a:t>Principle 3: </a:t>
-            </a:r>
-            <a:r>
-              <a:rPr lang="en-US" altLang="en-US" dirty="0" smtClean="0"/>
-              <a:t>Good design demands good </a:t>
-            </a:r>
-            <a:r>
-              <a:rPr lang="en-US" altLang="en-US" dirty="0" smtClean="0"/>
-              <a:t>compromises</a:t>
-            </a:r>
-            <a:endParaRPr lang="en-US" altLang="en-US" dirty="0" smtClean="0"/>
-          </a:p>
-          <a:p>
-            <a:pPr lvl="1"/>
-            <a:r>
-              <a:rPr lang="en-US" altLang="en-US" dirty="0" smtClean="0"/>
-              <a:t>Different formats complicate decoding, but allow 32-bit instructions uniformly</a:t>
-            </a:r>
-          </a:p>
-          <a:p>
-            <a:pPr lvl="1"/>
-            <a:r>
-              <a:rPr lang="en-US" altLang="en-US" dirty="0" smtClean="0"/>
-              <a:t>Keep formats as similar as possible</a:t>
-            </a:r>
-          </a:p>
-          <a:p>
-            <a:pPr lvl="1">
-              <a:defRPr/>
-            </a:pPr>
-            <a:endParaRPr lang="en-US" altLang="en-US" dirty="0" smtClean="0"/>
-          </a:p>
-          <a:p>
-            <a:endParaRPr lang="ru-RU" dirty="0"/>
-          </a:p>
-        </p:txBody>
-      </p:sp>
+        </p:nvGraphicFramePr>
+        <p:xfrm>
+          <a:off x="1384735" y="1072377"/>
+          <a:ext cx="9253954" cy="5509768"/>
+        </p:xfrm>
+        <a:graphic>
+          <a:graphicData uri="http://schemas.openxmlformats.org/drawingml/2006/table">
+            <a:tbl>
+              <a:tblPr firstRow="1" bandRow="1">
+                <a:tableStyleId>{5C22544A-7EE6-4342-B048-85BDC9FD1C3A}</a:tableStyleId>
+              </a:tblPr>
+              <a:tblGrid>
+                <a:gridCol w="940271"/>
+                <a:gridCol w="6180083"/>
+                <a:gridCol w="1019503"/>
+                <a:gridCol w="1114097"/>
+              </a:tblGrid>
+              <a:tr h="146824">
+                <a:tc>
+                  <a:txBody>
+                    <a:bodyPr/>
+                    <a:lstStyle/>
+                    <a:p>
+                      <a:r>
+                        <a:rPr lang="en-US" sz="1800" dirty="0" smtClean="0">
+                          <a:solidFill>
+                            <a:srgbClr val="F7B217"/>
+                          </a:solidFill>
+                        </a:rPr>
+                        <a:t>Name</a:t>
+                      </a:r>
+                      <a:endParaRPr lang="ru-RU" sz="1800" dirty="0">
+                        <a:solidFill>
+                          <a:srgbClr val="F7B217"/>
+                        </a:solidFill>
+                      </a:endParaRPr>
+                    </a:p>
+                  </a:txBody>
+                  <a:tcPr>
+                    <a:solidFill>
+                      <a:srgbClr val="2F5CB5"/>
+                    </a:solidFill>
+                  </a:tcPr>
+                </a:tc>
+                <a:tc>
+                  <a:txBody>
+                    <a:bodyPr/>
+                    <a:lstStyle/>
+                    <a:p>
+                      <a:r>
+                        <a:rPr lang="en-US" sz="1800" dirty="0" smtClean="0">
+                          <a:solidFill>
+                            <a:srgbClr val="F7B217"/>
+                          </a:solidFill>
+                        </a:rPr>
+                        <a:t>Description</a:t>
+                      </a:r>
+                      <a:endParaRPr lang="ru-RU" sz="1800" dirty="0">
+                        <a:solidFill>
+                          <a:srgbClr val="F7B217"/>
+                        </a:solidFill>
+                      </a:endParaRPr>
+                    </a:p>
+                  </a:txBody>
+                  <a:tcPr>
+                    <a:solidFill>
+                      <a:srgbClr val="2F5CB5"/>
+                    </a:solidFill>
+                  </a:tcPr>
+                </a:tc>
+                <a:tc>
+                  <a:txBody>
+                    <a:bodyPr/>
+                    <a:lstStyle/>
+                    <a:p>
+                      <a:r>
+                        <a:rPr lang="en-US" sz="1800" dirty="0" smtClean="0">
+                          <a:solidFill>
+                            <a:srgbClr val="F7B217"/>
+                          </a:solidFill>
+                        </a:rPr>
+                        <a:t>Version</a:t>
+                      </a:r>
+                      <a:endParaRPr lang="ru-RU" sz="1800" dirty="0">
+                        <a:solidFill>
+                          <a:srgbClr val="F7B217"/>
+                        </a:solidFill>
+                      </a:endParaRPr>
+                    </a:p>
+                  </a:txBody>
+                  <a:tcPr>
+                    <a:solidFill>
+                      <a:srgbClr val="2F5CB5"/>
+                    </a:solidFill>
+                  </a:tcPr>
+                </a:tc>
+                <a:tc>
+                  <a:txBody>
+                    <a:bodyPr/>
+                    <a:lstStyle/>
+                    <a:p>
+                      <a:r>
+                        <a:rPr lang="en-US" sz="1800" dirty="0" smtClean="0">
+                          <a:solidFill>
+                            <a:srgbClr val="F7B217"/>
+                          </a:solidFill>
+                        </a:rPr>
+                        <a:t>Status</a:t>
+                      </a:r>
+                      <a:endParaRPr lang="ru-RU" sz="1800" dirty="0">
+                        <a:solidFill>
+                          <a:srgbClr val="F7B217"/>
+                        </a:solidFill>
+                      </a:endParaRPr>
+                    </a:p>
+                  </a:txBody>
+                  <a:tcPr>
+                    <a:solidFill>
+                      <a:srgbClr val="2F5CB5"/>
+                    </a:solidFill>
+                  </a:tcPr>
+                </a:tc>
+              </a:tr>
+              <a:tr h="0">
+                <a:tc gridSpan="4">
+                  <a:txBody>
+                    <a:bodyPr/>
+                    <a:lstStyle/>
+                    <a:p>
+                      <a:pPr algn="ctr"/>
+                      <a:r>
+                        <a:rPr lang="en-US" sz="1800" b="1" dirty="0" smtClean="0">
+                          <a:solidFill>
+                            <a:srgbClr val="1E3272"/>
+                          </a:solidFill>
+                        </a:rPr>
+                        <a:t>Base</a:t>
+                      </a:r>
+                      <a:endParaRPr lang="ru-RU" sz="1800" b="1" dirty="0">
+                        <a:solidFill>
+                          <a:srgbClr val="1E3272"/>
+                        </a:solidFill>
+                      </a:endParaRPr>
+                    </a:p>
+                  </a:txBody>
+                  <a:tcPr>
+                    <a:solidFill>
+                      <a:srgbClr val="F7B217"/>
+                    </a:solidFill>
+                  </a:tcPr>
+                </a:tc>
+                <a:tc hMerge="1">
+                  <a:txBody>
+                    <a:bodyPr/>
+                    <a:lstStyle/>
+                    <a:p>
+                      <a:endParaRPr lang="ru-RU"/>
+                    </a:p>
+                  </a:txBody>
+                  <a:tcPr/>
+                </a:tc>
+                <a:tc hMerge="1">
+                  <a:txBody>
+                    <a:bodyPr/>
+                    <a:lstStyle/>
+                    <a:p>
+                      <a:endParaRPr lang="ru-RU"/>
+                    </a:p>
+                  </a:txBody>
+                  <a:tcPr/>
+                </a:tc>
+                <a:tc hMerge="1">
+                  <a:txBody>
+                    <a:bodyPr/>
+                    <a:lstStyle/>
+                    <a:p>
+                      <a:endParaRPr lang="ru-RU"/>
+                    </a:p>
+                  </a:txBody>
+                  <a:tcPr/>
+                </a:tc>
+              </a:tr>
+              <a:tr h="0">
+                <a:tc>
+                  <a:txBody>
+                    <a:bodyPr/>
+                    <a:lstStyle/>
+                    <a:p>
+                      <a:pPr>
+                        <a:lnSpc>
+                          <a:spcPct val="90000"/>
+                        </a:lnSpc>
+                      </a:pPr>
+                      <a:r>
+                        <a:rPr lang="en-US" sz="1600" b="1" dirty="0" smtClean="0">
+                          <a:solidFill>
+                            <a:srgbClr val="273272"/>
+                          </a:solidFill>
+                        </a:rPr>
+                        <a:t>RVWMO</a:t>
+                      </a:r>
+                      <a:endParaRPr lang="ru-RU" sz="1600" b="1" dirty="0">
+                        <a:solidFill>
+                          <a:srgbClr val="273272"/>
+                        </a:solidFill>
+                      </a:endParaRPr>
+                    </a:p>
+                  </a:txBody>
+                  <a:tcPr/>
+                </a:tc>
+                <a:tc>
+                  <a:txBody>
+                    <a:bodyPr/>
+                    <a:lstStyle/>
+                    <a:p>
+                      <a:pPr>
+                        <a:lnSpc>
+                          <a:spcPct val="90000"/>
+                        </a:lnSpc>
+                      </a:pPr>
+                      <a:r>
+                        <a:rPr lang="en-US" sz="1600" b="1" dirty="0" smtClean="0">
+                          <a:solidFill>
+                            <a:srgbClr val="273272"/>
+                          </a:solidFill>
+                        </a:rPr>
+                        <a:t>Weak Memory Ordering</a:t>
+                      </a:r>
+                      <a:endParaRPr lang="ru-RU" sz="1600" b="1" dirty="0">
+                        <a:solidFill>
+                          <a:srgbClr val="273272"/>
+                        </a:solidFill>
+                      </a:endParaRPr>
+                    </a:p>
+                  </a:txBody>
+                  <a:tcPr/>
+                </a:tc>
+                <a:tc>
+                  <a:txBody>
+                    <a:bodyPr/>
+                    <a:lstStyle/>
+                    <a:p>
+                      <a:pPr>
+                        <a:lnSpc>
+                          <a:spcPct val="90000"/>
+                        </a:lnSpc>
+                      </a:pPr>
+                      <a:r>
+                        <a:rPr lang="en-US" sz="1600" b="1" dirty="0" smtClean="0">
+                          <a:solidFill>
+                            <a:srgbClr val="273272"/>
+                          </a:solidFill>
+                        </a:rPr>
+                        <a:t>2.0</a:t>
+                      </a:r>
+                      <a:endParaRPr lang="ru-RU" sz="1600" b="1" dirty="0">
+                        <a:solidFill>
+                          <a:srgbClr val="273272"/>
+                        </a:solidFill>
+                      </a:endParaRPr>
+                    </a:p>
+                  </a:txBody>
+                  <a:tcPr/>
+                </a:tc>
+                <a:tc>
+                  <a:txBody>
+                    <a:bodyPr/>
+                    <a:lstStyle/>
+                    <a:p>
+                      <a:pPr>
+                        <a:lnSpc>
+                          <a:spcPct val="90000"/>
+                        </a:lnSpc>
+                      </a:pPr>
+                      <a:r>
+                        <a:rPr lang="en-US" sz="1600" b="1" dirty="0" smtClean="0">
+                          <a:solidFill>
+                            <a:srgbClr val="273272"/>
+                          </a:solidFill>
+                        </a:rPr>
+                        <a:t>Ratified</a:t>
+                      </a:r>
+                      <a:endParaRPr lang="ru-RU" sz="1600" b="1" dirty="0">
+                        <a:solidFill>
+                          <a:srgbClr val="273272"/>
+                        </a:solidFill>
+                      </a:endParaRPr>
+                    </a:p>
+                  </a:txBody>
+                  <a:tcPr/>
+                </a:tc>
+              </a:tr>
+              <a:tr h="0">
+                <a:tc>
+                  <a:txBody>
+                    <a:bodyPr/>
+                    <a:lstStyle/>
+                    <a:p>
+                      <a:pPr>
+                        <a:lnSpc>
+                          <a:spcPct val="90000"/>
+                        </a:lnSpc>
+                      </a:pPr>
+                      <a:r>
+                        <a:rPr lang="en-US" sz="1600" b="1" dirty="0" smtClean="0">
+                          <a:solidFill>
+                            <a:srgbClr val="1E3272"/>
+                          </a:solidFill>
+                        </a:rPr>
+                        <a:t>RV32I</a:t>
+                      </a:r>
+                      <a:endParaRPr lang="ru-RU" sz="1600" b="1" dirty="0">
+                        <a:solidFill>
+                          <a:srgbClr val="1E3272"/>
+                        </a:solidFill>
+                      </a:endParaRPr>
+                    </a:p>
+                  </a:txBody>
+                  <a:tcPr/>
+                </a:tc>
+                <a:tc>
+                  <a:txBody>
+                    <a:bodyPr/>
+                    <a:lstStyle/>
+                    <a:p>
+                      <a:pPr>
+                        <a:lnSpc>
+                          <a:spcPct val="90000"/>
+                        </a:lnSpc>
+                      </a:pPr>
+                      <a:r>
+                        <a:rPr lang="en-US" sz="1600" b="1" dirty="0" smtClean="0">
+                          <a:solidFill>
+                            <a:srgbClr val="1E3272"/>
+                          </a:solidFill>
+                        </a:rPr>
+                        <a:t>Base Integer Instruction Set, 32-bit</a:t>
+                      </a:r>
+                      <a:endParaRPr lang="ru-RU" sz="1600" b="1" dirty="0">
+                        <a:solidFill>
+                          <a:srgbClr val="1E3272"/>
+                        </a:solidFill>
+                      </a:endParaRPr>
+                    </a:p>
+                  </a:txBody>
+                  <a:tcPr/>
+                </a:tc>
+                <a:tc>
+                  <a:txBody>
+                    <a:bodyPr/>
+                    <a:lstStyle/>
+                    <a:p>
+                      <a:pPr>
+                        <a:lnSpc>
+                          <a:spcPct val="90000"/>
+                        </a:lnSpc>
+                      </a:pPr>
+                      <a:r>
+                        <a:rPr lang="en-US" sz="1600" b="1" dirty="0" smtClean="0">
+                          <a:solidFill>
+                            <a:srgbClr val="1E3272"/>
+                          </a:solidFill>
+                        </a:rPr>
+                        <a:t>2.1</a:t>
+                      </a:r>
+                      <a:endParaRPr lang="ru-RU" sz="1600" b="1" dirty="0">
+                        <a:solidFill>
+                          <a:srgbClr val="1E3272"/>
+                        </a:solidFill>
+                      </a:endParaRPr>
+                    </a:p>
+                  </a:txBody>
+                  <a:tcPr/>
+                </a:tc>
+                <a:tc>
+                  <a:txBody>
+                    <a:bodyPr/>
+                    <a:lstStyle/>
+                    <a:p>
+                      <a:pPr>
+                        <a:lnSpc>
+                          <a:spcPct val="90000"/>
+                        </a:lnSpc>
+                      </a:pPr>
+                      <a:r>
+                        <a:rPr lang="en-US" sz="1600" b="1" dirty="0" smtClean="0">
+                          <a:solidFill>
+                            <a:srgbClr val="1E3272"/>
+                          </a:solidFill>
+                        </a:rPr>
+                        <a:t>Ratified</a:t>
+                      </a:r>
+                      <a:endParaRPr lang="ru-RU" sz="1600" b="1" dirty="0">
+                        <a:solidFill>
+                          <a:srgbClr val="1E3272"/>
+                        </a:solidFill>
+                      </a:endParaRPr>
+                    </a:p>
+                  </a:txBody>
+                  <a:tcPr/>
+                </a:tc>
+              </a:tr>
+              <a:tr h="0">
+                <a:tc>
+                  <a:txBody>
+                    <a:bodyPr/>
+                    <a:lstStyle/>
+                    <a:p>
+                      <a:pPr>
+                        <a:lnSpc>
+                          <a:spcPct val="90000"/>
+                        </a:lnSpc>
+                      </a:pPr>
+                      <a:r>
+                        <a:rPr lang="en-US" sz="1600" b="1" dirty="0" smtClean="0">
+                          <a:solidFill>
+                            <a:srgbClr val="1E3272"/>
+                          </a:solidFill>
+                        </a:rPr>
+                        <a:t>RV64I</a:t>
+                      </a:r>
+                      <a:endParaRPr lang="ru-RU" sz="1600" b="1" dirty="0">
+                        <a:solidFill>
+                          <a:srgbClr val="1E3272"/>
+                        </a:solidFill>
+                      </a:endParaRPr>
+                    </a:p>
+                  </a:txBody>
+                  <a:tcPr/>
+                </a:tc>
+                <a:tc>
+                  <a:txBody>
+                    <a:bodyPr/>
+                    <a:lstStyle/>
+                    <a:p>
+                      <a:pPr>
+                        <a:lnSpc>
+                          <a:spcPct val="90000"/>
+                        </a:lnSpc>
+                      </a:pPr>
+                      <a:r>
+                        <a:rPr lang="en-US" sz="1600" b="1" dirty="0" smtClean="0">
+                          <a:solidFill>
+                            <a:srgbClr val="1E3272"/>
+                          </a:solidFill>
+                        </a:rPr>
+                        <a:t>Base Integer Instruction Set, 64-bit</a:t>
+                      </a:r>
+                      <a:endParaRPr lang="ru-RU" sz="1600" b="1" dirty="0">
+                        <a:solidFill>
+                          <a:srgbClr val="1E3272"/>
+                        </a:solidFill>
+                      </a:endParaRPr>
+                    </a:p>
+                  </a:txBody>
+                  <a:tcPr/>
+                </a:tc>
+                <a:tc>
+                  <a:txBody>
+                    <a:bodyPr/>
+                    <a:lstStyle/>
+                    <a:p>
+                      <a:pPr>
+                        <a:lnSpc>
+                          <a:spcPct val="90000"/>
+                        </a:lnSpc>
+                      </a:pPr>
+                      <a:r>
+                        <a:rPr lang="en-US" sz="1600" b="1" dirty="0" smtClean="0">
+                          <a:solidFill>
+                            <a:srgbClr val="1E3272"/>
+                          </a:solidFill>
+                        </a:rPr>
+                        <a:t>2.1</a:t>
+                      </a:r>
+                      <a:endParaRPr lang="ru-RU" sz="1600" b="1" dirty="0">
+                        <a:solidFill>
+                          <a:srgbClr val="1E3272"/>
+                        </a:solidFill>
+                      </a:endParaRPr>
+                    </a:p>
+                  </a:txBody>
+                  <a:tcPr/>
+                </a:tc>
+                <a:tc>
+                  <a:txBody>
+                    <a:bodyPr/>
+                    <a:lstStyle/>
+                    <a:p>
+                      <a:pPr>
+                        <a:lnSpc>
+                          <a:spcPct val="90000"/>
+                        </a:lnSpc>
+                      </a:pPr>
+                      <a:r>
+                        <a:rPr lang="en-US" sz="1600" b="1" dirty="0" smtClean="0">
+                          <a:solidFill>
+                            <a:srgbClr val="1E3272"/>
+                          </a:solidFill>
+                        </a:rPr>
+                        <a:t>Ratified</a:t>
+                      </a:r>
+                      <a:endParaRPr lang="ru-RU" sz="1600" b="1" dirty="0">
+                        <a:solidFill>
+                          <a:srgbClr val="1E3272"/>
+                        </a:solidFill>
+                      </a:endParaRPr>
+                    </a:p>
+                  </a:txBody>
+                  <a:tcPr/>
+                </a:tc>
+              </a:tr>
+              <a:tr h="0">
+                <a:tc>
+                  <a:txBody>
+                    <a:bodyPr/>
+                    <a:lstStyle/>
+                    <a:p>
+                      <a:pPr>
+                        <a:lnSpc>
+                          <a:spcPct val="90000"/>
+                        </a:lnSpc>
+                      </a:pPr>
+                      <a:r>
+                        <a:rPr lang="en-US" sz="1600" b="1" dirty="0" smtClean="0">
+                          <a:solidFill>
+                            <a:srgbClr val="1E3272"/>
+                          </a:solidFill>
+                        </a:rPr>
+                        <a:t>RV128I</a:t>
+                      </a:r>
+                      <a:endParaRPr lang="ru-RU" sz="1600" b="1" dirty="0">
+                        <a:solidFill>
+                          <a:srgbClr val="1E3272"/>
+                        </a:solidFill>
+                      </a:endParaRPr>
+                    </a:p>
+                  </a:txBody>
+                  <a:tcPr/>
+                </a:tc>
+                <a:tc>
+                  <a:txBody>
+                    <a:bodyPr/>
+                    <a:lstStyle/>
+                    <a:p>
+                      <a:pPr>
+                        <a:lnSpc>
+                          <a:spcPct val="90000"/>
+                        </a:lnSpc>
+                      </a:pPr>
+                      <a:r>
+                        <a:rPr lang="en-US" sz="1600" b="1" dirty="0" smtClean="0">
+                          <a:solidFill>
+                            <a:srgbClr val="1E3272"/>
+                          </a:solidFill>
+                        </a:rPr>
+                        <a:t>Base Integer Instruction Set, 128-bit</a:t>
+                      </a:r>
+                      <a:endParaRPr lang="ru-RU" sz="1600" b="1" dirty="0">
+                        <a:solidFill>
+                          <a:srgbClr val="1E3272"/>
+                        </a:solidFill>
+                      </a:endParaRPr>
+                    </a:p>
+                  </a:txBody>
+                  <a:tcPr/>
+                </a:tc>
+                <a:tc>
+                  <a:txBody>
+                    <a:bodyPr/>
+                    <a:lstStyle/>
+                    <a:p>
+                      <a:pPr>
+                        <a:lnSpc>
+                          <a:spcPct val="90000"/>
+                        </a:lnSpc>
+                      </a:pPr>
+                      <a:r>
+                        <a:rPr lang="en-US" sz="1600" b="1" dirty="0" smtClean="0">
+                          <a:solidFill>
+                            <a:srgbClr val="1E3272"/>
+                          </a:solidFill>
+                        </a:rPr>
+                        <a:t>1.7</a:t>
+                      </a:r>
+                      <a:endParaRPr lang="ru-RU" sz="1600" b="1" dirty="0">
+                        <a:solidFill>
+                          <a:srgbClr val="1E3272"/>
+                        </a:solidFill>
+                      </a:endParaRPr>
+                    </a:p>
+                  </a:txBody>
+                  <a:tcPr/>
+                </a:tc>
+                <a:tc>
+                  <a:txBody>
+                    <a:bodyPr/>
+                    <a:lstStyle/>
+                    <a:p>
+                      <a:pPr>
+                        <a:lnSpc>
+                          <a:spcPct val="90000"/>
+                        </a:lnSpc>
+                      </a:pPr>
+                      <a:r>
+                        <a:rPr lang="en-US" sz="1600" b="1" dirty="0" smtClean="0">
+                          <a:solidFill>
+                            <a:srgbClr val="1E3272"/>
+                          </a:solidFill>
+                        </a:rPr>
+                        <a:t>Open</a:t>
+                      </a:r>
+                      <a:endParaRPr lang="ru-RU" sz="1600" b="1" dirty="0">
+                        <a:solidFill>
+                          <a:srgbClr val="1E3272"/>
+                        </a:solidFill>
+                      </a:endParaRPr>
+                    </a:p>
+                  </a:txBody>
+                  <a:tcPr/>
+                </a:tc>
+              </a:tr>
+              <a:tr h="0">
+                <a:tc gridSpan="4">
+                  <a:txBody>
+                    <a:bodyPr/>
+                    <a:lstStyle/>
+                    <a:p>
+                      <a:pPr algn="ctr"/>
+                      <a:r>
+                        <a:rPr lang="en-US" sz="1800" b="1" dirty="0" smtClean="0">
+                          <a:solidFill>
+                            <a:srgbClr val="1E3272"/>
+                          </a:solidFill>
+                        </a:rPr>
+                        <a:t>Extensions</a:t>
+                      </a:r>
+                      <a:endParaRPr lang="ru-RU" sz="1800" b="1" dirty="0">
+                        <a:solidFill>
+                          <a:srgbClr val="1E3272"/>
+                        </a:solidFill>
+                      </a:endParaRPr>
+                    </a:p>
+                  </a:txBody>
+                  <a:tcPr>
+                    <a:solidFill>
+                      <a:srgbClr val="F7B217"/>
+                    </a:solidFill>
+                  </a:tcPr>
+                </a:tc>
+                <a:tc hMerge="1">
+                  <a:txBody>
+                    <a:bodyPr/>
+                    <a:lstStyle/>
+                    <a:p>
+                      <a:endParaRPr lang="ru-RU"/>
+                    </a:p>
+                  </a:txBody>
+                  <a:tcPr/>
+                </a:tc>
+                <a:tc hMerge="1">
+                  <a:txBody>
+                    <a:bodyPr/>
+                    <a:lstStyle/>
+                    <a:p>
+                      <a:endParaRPr lang="ru-RU"/>
+                    </a:p>
+                  </a:txBody>
+                  <a:tcPr/>
+                </a:tc>
+                <a:tc hMerge="1">
+                  <a:txBody>
+                    <a:bodyPr/>
+                    <a:lstStyle/>
+                    <a:p>
+                      <a:endParaRPr lang="ru-RU"/>
+                    </a:p>
+                  </a:txBody>
+                  <a:tcPr/>
+                </a:tc>
+              </a:tr>
+              <a:tr h="0">
+                <a:tc>
+                  <a:txBody>
+                    <a:bodyPr/>
+                    <a:lstStyle/>
+                    <a:p>
+                      <a:pPr>
+                        <a:lnSpc>
+                          <a:spcPct val="90000"/>
+                        </a:lnSpc>
+                      </a:pPr>
+                      <a:r>
+                        <a:rPr lang="en-US" sz="1600" b="1" dirty="0" smtClean="0">
+                          <a:solidFill>
+                            <a:srgbClr val="273272"/>
+                          </a:solidFill>
+                        </a:rPr>
+                        <a:t>M</a:t>
+                      </a:r>
+                      <a:endParaRPr lang="ru-RU" sz="1600" b="1" dirty="0">
+                        <a:solidFill>
+                          <a:srgbClr val="273272"/>
+                        </a:solidFill>
+                      </a:endParaRPr>
+                    </a:p>
+                  </a:txBody>
+                  <a:tcPr/>
+                </a:tc>
+                <a:tc>
+                  <a:txBody>
+                    <a:bodyPr/>
+                    <a:lstStyle/>
+                    <a:p>
+                      <a:pPr>
+                        <a:lnSpc>
+                          <a:spcPct val="90000"/>
+                        </a:lnSpc>
+                      </a:pPr>
+                      <a:r>
+                        <a:rPr lang="en-US" sz="1600" b="1" dirty="0" smtClean="0">
+                          <a:solidFill>
+                            <a:srgbClr val="273272"/>
+                          </a:solidFill>
+                        </a:rPr>
+                        <a:t>Standard Extension for Integer Multiplication and Division	</a:t>
+                      </a:r>
+                      <a:endParaRPr lang="ru-RU" sz="1600" b="1" dirty="0">
+                        <a:solidFill>
+                          <a:srgbClr val="273272"/>
+                        </a:solidFill>
+                      </a:endParaRPr>
+                    </a:p>
+                  </a:txBody>
+                  <a:tcPr/>
+                </a:tc>
+                <a:tc>
+                  <a:txBody>
+                    <a:bodyPr/>
+                    <a:lstStyle/>
+                    <a:p>
+                      <a:pPr>
+                        <a:lnSpc>
+                          <a:spcPct val="90000"/>
+                        </a:lnSpc>
+                      </a:pPr>
+                      <a:r>
+                        <a:rPr lang="en-US" sz="1600" b="1" dirty="0" smtClean="0">
+                          <a:solidFill>
+                            <a:srgbClr val="273272"/>
+                          </a:solidFill>
+                        </a:rPr>
+                        <a:t>2.0</a:t>
+                      </a:r>
+                      <a:endParaRPr lang="ru-RU" sz="1600" b="1" dirty="0">
+                        <a:solidFill>
+                          <a:srgbClr val="273272"/>
+                        </a:solidFill>
+                      </a:endParaRPr>
+                    </a:p>
+                  </a:txBody>
+                  <a:tcPr/>
+                </a:tc>
+                <a:tc>
+                  <a:txBody>
+                    <a:bodyPr/>
+                    <a:lstStyle/>
+                    <a:p>
+                      <a:pPr>
+                        <a:lnSpc>
+                          <a:spcPct val="90000"/>
+                        </a:lnSpc>
+                      </a:pPr>
+                      <a:r>
+                        <a:rPr lang="en-US" sz="1600" b="1" dirty="0" smtClean="0">
+                          <a:solidFill>
+                            <a:srgbClr val="273272"/>
+                          </a:solidFill>
+                        </a:rPr>
+                        <a:t>Ratified</a:t>
+                      </a:r>
+                      <a:endParaRPr lang="ru-RU" sz="1600" b="1" dirty="0">
+                        <a:solidFill>
+                          <a:srgbClr val="273272"/>
+                        </a:solidFill>
+                      </a:endParaRPr>
+                    </a:p>
+                  </a:txBody>
+                  <a:tcPr/>
+                </a:tc>
+              </a:tr>
+              <a:tr h="0">
+                <a:tc>
+                  <a:txBody>
+                    <a:bodyPr/>
+                    <a:lstStyle/>
+                    <a:p>
+                      <a:pPr>
+                        <a:lnSpc>
+                          <a:spcPct val="90000"/>
+                        </a:lnSpc>
+                      </a:pPr>
+                      <a:r>
+                        <a:rPr lang="en-US" sz="1600" b="1" dirty="0" smtClean="0">
+                          <a:solidFill>
+                            <a:srgbClr val="273272"/>
+                          </a:solidFill>
+                        </a:rPr>
+                        <a:t>A</a:t>
+                      </a:r>
+                      <a:endParaRPr lang="ru-RU" sz="1600" b="1" dirty="0">
+                        <a:solidFill>
+                          <a:srgbClr val="273272"/>
+                        </a:solidFill>
+                      </a:endParaRPr>
+                    </a:p>
+                  </a:txBody>
+                  <a:tcPr/>
+                </a:tc>
+                <a:tc>
+                  <a:txBody>
+                    <a:bodyPr/>
+                    <a:lstStyle/>
+                    <a:p>
+                      <a:pPr>
+                        <a:lnSpc>
+                          <a:spcPct val="90000"/>
+                        </a:lnSpc>
+                      </a:pPr>
+                      <a:r>
+                        <a:rPr lang="en-US" sz="1600" b="1" dirty="0" smtClean="0">
+                          <a:solidFill>
+                            <a:srgbClr val="273272"/>
+                          </a:solidFill>
+                        </a:rPr>
+                        <a:t>Standard Extension for Atomic Instructions	</a:t>
+                      </a:r>
+                      <a:endParaRPr lang="ru-RU" sz="1600" b="1" dirty="0">
+                        <a:solidFill>
+                          <a:srgbClr val="273272"/>
+                        </a:solidFill>
+                      </a:endParaRPr>
+                    </a:p>
+                  </a:txBody>
+                  <a:tcPr/>
+                </a:tc>
+                <a:tc>
+                  <a:txBody>
+                    <a:bodyPr/>
+                    <a:lstStyle/>
+                    <a:p>
+                      <a:pPr>
+                        <a:lnSpc>
+                          <a:spcPct val="90000"/>
+                        </a:lnSpc>
+                      </a:pPr>
+                      <a:r>
+                        <a:rPr lang="en-US" sz="1600" b="1" dirty="0" smtClean="0">
+                          <a:solidFill>
+                            <a:srgbClr val="273272"/>
+                          </a:solidFill>
+                        </a:rPr>
+                        <a:t>2.1</a:t>
+                      </a:r>
+                      <a:endParaRPr lang="ru-RU" sz="1600" b="1" dirty="0">
+                        <a:solidFill>
+                          <a:srgbClr val="273272"/>
+                        </a:solidFill>
+                      </a:endParaRPr>
+                    </a:p>
+                  </a:txBody>
+                  <a:tcPr/>
+                </a:tc>
+                <a:tc>
+                  <a:txBody>
+                    <a:bodyPr/>
+                    <a:lstStyle/>
+                    <a:p>
+                      <a:pPr>
+                        <a:lnSpc>
+                          <a:spcPct val="90000"/>
+                        </a:lnSpc>
+                      </a:pPr>
+                      <a:r>
+                        <a:rPr lang="en-US" sz="1600" b="1" dirty="0" smtClean="0">
+                          <a:solidFill>
+                            <a:srgbClr val="273272"/>
+                          </a:solidFill>
+                        </a:rPr>
+                        <a:t>Ratified</a:t>
+                      </a:r>
+                      <a:endParaRPr lang="ru-RU" sz="1600" b="1" dirty="0">
+                        <a:solidFill>
+                          <a:srgbClr val="273272"/>
+                        </a:solidFill>
+                      </a:endParaRPr>
+                    </a:p>
+                  </a:txBody>
+                  <a:tcPr/>
+                </a:tc>
+              </a:tr>
+              <a:tr h="0">
+                <a:tc>
+                  <a:txBody>
+                    <a:bodyPr/>
+                    <a:lstStyle/>
+                    <a:p>
+                      <a:pPr>
+                        <a:lnSpc>
+                          <a:spcPct val="90000"/>
+                        </a:lnSpc>
+                      </a:pPr>
+                      <a:r>
+                        <a:rPr lang="en-US" sz="1600" b="1" dirty="0" smtClean="0">
+                          <a:solidFill>
+                            <a:srgbClr val="273272"/>
+                          </a:solidFill>
+                        </a:rPr>
+                        <a:t>F</a:t>
+                      </a:r>
+                      <a:endParaRPr lang="ru-RU" sz="1600" b="1" dirty="0">
+                        <a:solidFill>
+                          <a:srgbClr val="273272"/>
+                        </a:solidFill>
+                      </a:endParaRPr>
+                    </a:p>
+                  </a:txBody>
+                  <a:tcPr/>
+                </a:tc>
+                <a:tc>
+                  <a:txBody>
+                    <a:bodyPr/>
+                    <a:lstStyle/>
+                    <a:p>
+                      <a:pPr>
+                        <a:lnSpc>
+                          <a:spcPct val="90000"/>
+                        </a:lnSpc>
+                      </a:pPr>
+                      <a:r>
+                        <a:rPr lang="en-US" sz="1600" b="1" dirty="0" smtClean="0">
+                          <a:solidFill>
+                            <a:srgbClr val="273272"/>
+                          </a:solidFill>
+                        </a:rPr>
+                        <a:t>Standard Extension for Single-Precision Floating-Point</a:t>
+                      </a:r>
+                      <a:endParaRPr lang="ru-RU" sz="1600" b="1" dirty="0">
+                        <a:solidFill>
+                          <a:srgbClr val="273272"/>
+                        </a:solidFill>
+                      </a:endParaRPr>
+                    </a:p>
+                  </a:txBody>
+                  <a:tcPr/>
+                </a:tc>
+                <a:tc>
+                  <a:txBody>
+                    <a:bodyPr/>
+                    <a:lstStyle/>
+                    <a:p>
+                      <a:pPr>
+                        <a:lnSpc>
+                          <a:spcPct val="90000"/>
+                        </a:lnSpc>
+                      </a:pPr>
+                      <a:r>
+                        <a:rPr lang="en-US" sz="1600" b="1" dirty="0" smtClean="0">
+                          <a:solidFill>
+                            <a:srgbClr val="273272"/>
+                          </a:solidFill>
+                        </a:rPr>
+                        <a:t>2.2</a:t>
+                      </a:r>
+                      <a:endParaRPr lang="ru-RU" sz="1600" b="1" dirty="0">
+                        <a:solidFill>
+                          <a:srgbClr val="273272"/>
+                        </a:solidFill>
+                      </a:endParaRPr>
+                    </a:p>
+                  </a:txBody>
+                  <a:tcPr/>
+                </a:tc>
+                <a:tc>
+                  <a:txBody>
+                    <a:bodyPr/>
+                    <a:lstStyle/>
+                    <a:p>
+                      <a:pPr>
+                        <a:lnSpc>
+                          <a:spcPct val="90000"/>
+                        </a:lnSpc>
+                      </a:pPr>
+                      <a:r>
+                        <a:rPr lang="en-US" sz="1600" b="1" dirty="0" smtClean="0">
+                          <a:solidFill>
+                            <a:srgbClr val="273272"/>
+                          </a:solidFill>
+                        </a:rPr>
+                        <a:t>Ratified</a:t>
+                      </a:r>
+                      <a:endParaRPr lang="ru-RU" sz="1600" b="1" dirty="0">
+                        <a:solidFill>
+                          <a:srgbClr val="273272"/>
+                        </a:solidFill>
+                      </a:endParaRPr>
+                    </a:p>
+                  </a:txBody>
+                  <a:tcPr/>
+                </a:tc>
+              </a:tr>
+              <a:tr h="0">
+                <a:tc>
+                  <a:txBody>
+                    <a:bodyPr/>
+                    <a:lstStyle/>
+                    <a:p>
+                      <a:pPr>
+                        <a:lnSpc>
+                          <a:spcPct val="90000"/>
+                        </a:lnSpc>
+                      </a:pPr>
+                      <a:r>
+                        <a:rPr lang="en-US" sz="1600" b="1" dirty="0" smtClean="0">
+                          <a:solidFill>
+                            <a:srgbClr val="273272"/>
+                          </a:solidFill>
+                        </a:rPr>
+                        <a:t>D</a:t>
+                      </a:r>
+                      <a:endParaRPr lang="ru-RU" sz="1600" b="1" dirty="0">
+                        <a:solidFill>
+                          <a:srgbClr val="273272"/>
+                        </a:solidFill>
+                      </a:endParaRPr>
+                    </a:p>
+                  </a:txBody>
+                  <a:tcPr/>
+                </a:tc>
+                <a:tc>
+                  <a:txBody>
+                    <a:bodyPr/>
+                    <a:lstStyle/>
+                    <a:p>
+                      <a:pPr>
+                        <a:lnSpc>
+                          <a:spcPct val="90000"/>
+                        </a:lnSpc>
+                      </a:pPr>
+                      <a:r>
+                        <a:rPr lang="en-US" sz="1600" b="1" dirty="0" smtClean="0">
+                          <a:solidFill>
+                            <a:srgbClr val="273272"/>
+                          </a:solidFill>
+                        </a:rPr>
+                        <a:t>Standard Extension for Double-Precision Floating-Point</a:t>
+                      </a:r>
+                      <a:endParaRPr lang="ru-RU" sz="1600" b="1" dirty="0">
+                        <a:solidFill>
+                          <a:srgbClr val="273272"/>
+                        </a:solidFill>
+                      </a:endParaRPr>
+                    </a:p>
+                  </a:txBody>
+                  <a:tcPr/>
+                </a:tc>
+                <a:tc>
+                  <a:txBody>
+                    <a:bodyPr/>
+                    <a:lstStyle/>
+                    <a:p>
+                      <a:pPr>
+                        <a:lnSpc>
+                          <a:spcPct val="90000"/>
+                        </a:lnSpc>
+                      </a:pPr>
+                      <a:r>
+                        <a:rPr lang="en-US" sz="1600" b="1" dirty="0" smtClean="0">
+                          <a:solidFill>
+                            <a:srgbClr val="273272"/>
+                          </a:solidFill>
+                        </a:rPr>
+                        <a:t>2.2</a:t>
+                      </a:r>
+                      <a:endParaRPr lang="ru-RU" sz="1600" b="1" dirty="0">
+                        <a:solidFill>
+                          <a:srgbClr val="273272"/>
+                        </a:solidFill>
+                      </a:endParaRPr>
+                    </a:p>
+                  </a:txBody>
+                  <a:tcPr/>
+                </a:tc>
+                <a:tc>
+                  <a:txBody>
+                    <a:bodyPr/>
+                    <a:lstStyle/>
+                    <a:p>
+                      <a:pPr>
+                        <a:lnSpc>
+                          <a:spcPct val="90000"/>
+                        </a:lnSpc>
+                      </a:pPr>
+                      <a:r>
+                        <a:rPr lang="en-US" sz="1600" b="1" dirty="0" smtClean="0">
+                          <a:solidFill>
+                            <a:srgbClr val="273272"/>
+                          </a:solidFill>
+                        </a:rPr>
+                        <a:t>Ratified</a:t>
+                      </a:r>
+                      <a:endParaRPr lang="ru-RU" sz="1600" b="1" dirty="0">
+                        <a:solidFill>
+                          <a:srgbClr val="273272"/>
+                        </a:solidFill>
+                      </a:endParaRPr>
+                    </a:p>
+                  </a:txBody>
+                  <a:tcPr/>
+                </a:tc>
+              </a:tr>
+              <a:tr h="0">
+                <a:tc>
+                  <a:txBody>
+                    <a:bodyPr/>
+                    <a:lstStyle/>
+                    <a:p>
+                      <a:pPr>
+                        <a:lnSpc>
+                          <a:spcPct val="90000"/>
+                        </a:lnSpc>
+                      </a:pPr>
+                      <a:r>
+                        <a:rPr lang="en-US" sz="1600" b="1" dirty="0" smtClean="0">
+                          <a:solidFill>
+                            <a:srgbClr val="273272"/>
+                          </a:solidFill>
+                        </a:rPr>
+                        <a:t>G</a:t>
+                      </a:r>
+                      <a:endParaRPr lang="ru-RU" sz="1600" b="1" dirty="0">
+                        <a:solidFill>
+                          <a:srgbClr val="273272"/>
+                        </a:solidFill>
+                      </a:endParaRPr>
+                    </a:p>
+                  </a:txBody>
+                  <a:tcPr/>
+                </a:tc>
+                <a:tc>
+                  <a:txBody>
+                    <a:bodyPr/>
+                    <a:lstStyle/>
+                    <a:p>
+                      <a:pPr>
+                        <a:lnSpc>
+                          <a:spcPct val="90000"/>
+                        </a:lnSpc>
+                      </a:pPr>
+                      <a:r>
+                        <a:rPr lang="en-US" sz="1600" b="1" dirty="0" smtClean="0">
+                          <a:solidFill>
+                            <a:srgbClr val="273272"/>
+                          </a:solidFill>
+                        </a:rPr>
+                        <a:t>Shorthand for the base integer set (I) and above extensions (MAFD)</a:t>
+                      </a:r>
+                      <a:endParaRPr lang="ru-RU" sz="1600" b="1" dirty="0">
+                        <a:solidFill>
+                          <a:srgbClr val="273272"/>
+                        </a:solidFill>
+                      </a:endParaRPr>
+                    </a:p>
+                  </a:txBody>
+                  <a:tcPr/>
+                </a:tc>
+                <a:tc>
+                  <a:txBody>
+                    <a:bodyPr/>
+                    <a:lstStyle/>
+                    <a:p>
+                      <a:pPr>
+                        <a:lnSpc>
+                          <a:spcPct val="90000"/>
+                        </a:lnSpc>
+                      </a:pPr>
+                      <a:r>
+                        <a:rPr lang="en-US" sz="1600" b="1" dirty="0" smtClean="0">
+                          <a:solidFill>
+                            <a:srgbClr val="273272"/>
+                          </a:solidFill>
+                        </a:rPr>
+                        <a:t>N/A</a:t>
+                      </a:r>
+                      <a:endParaRPr lang="ru-RU" sz="1600" b="1" dirty="0">
+                        <a:solidFill>
+                          <a:srgbClr val="273272"/>
+                        </a:solidFill>
+                      </a:endParaRPr>
+                    </a:p>
+                  </a:txBody>
+                  <a:tcPr/>
+                </a:tc>
+                <a:tc>
+                  <a:txBody>
+                    <a:bodyPr/>
+                    <a:lstStyle/>
+                    <a:p>
+                      <a:pPr>
+                        <a:lnSpc>
+                          <a:spcPct val="90000"/>
+                        </a:lnSpc>
+                      </a:pPr>
+                      <a:r>
+                        <a:rPr lang="en-US" sz="1600" b="1" dirty="0" smtClean="0">
+                          <a:solidFill>
+                            <a:srgbClr val="273272"/>
+                          </a:solidFill>
+                        </a:rPr>
+                        <a:t>N/A</a:t>
+                      </a:r>
+                      <a:endParaRPr lang="ru-RU" sz="1600" b="1" dirty="0">
+                        <a:solidFill>
+                          <a:srgbClr val="273272"/>
+                        </a:solidFill>
+                      </a:endParaRPr>
+                    </a:p>
+                  </a:txBody>
+                  <a:tcPr/>
+                </a:tc>
+              </a:tr>
+              <a:tr h="0">
+                <a:tc>
+                  <a:txBody>
+                    <a:bodyPr/>
+                    <a:lstStyle/>
+                    <a:p>
+                      <a:pPr>
+                        <a:lnSpc>
+                          <a:spcPct val="90000"/>
+                        </a:lnSpc>
+                      </a:pPr>
+                      <a:r>
+                        <a:rPr lang="en-US" sz="1600" b="1" dirty="0" smtClean="0">
+                          <a:solidFill>
+                            <a:srgbClr val="273272"/>
+                          </a:solidFill>
+                        </a:rPr>
+                        <a:t>Q</a:t>
+                      </a:r>
+                      <a:endParaRPr lang="ru-RU" sz="1600" b="1" dirty="0">
+                        <a:solidFill>
+                          <a:srgbClr val="273272"/>
+                        </a:solidFill>
+                      </a:endParaRPr>
+                    </a:p>
+                  </a:txBody>
+                  <a:tcPr/>
+                </a:tc>
+                <a:tc>
+                  <a:txBody>
+                    <a:bodyPr/>
+                    <a:lstStyle/>
+                    <a:p>
+                      <a:pPr>
+                        <a:lnSpc>
+                          <a:spcPct val="90000"/>
+                        </a:lnSpc>
+                      </a:pPr>
+                      <a:r>
+                        <a:rPr lang="en-US" sz="1600" b="1" dirty="0" smtClean="0">
+                          <a:solidFill>
+                            <a:srgbClr val="273272"/>
+                          </a:solidFill>
+                        </a:rPr>
+                        <a:t>Standard Extension for Quad-Precision Floating-Point</a:t>
+                      </a:r>
+                      <a:endParaRPr lang="ru-RU" sz="1600" b="1" dirty="0">
+                        <a:solidFill>
+                          <a:srgbClr val="273272"/>
+                        </a:solidFill>
+                      </a:endParaRPr>
+                    </a:p>
+                  </a:txBody>
+                  <a:tcPr/>
+                </a:tc>
+                <a:tc>
+                  <a:txBody>
+                    <a:bodyPr/>
+                    <a:lstStyle/>
+                    <a:p>
+                      <a:pPr>
+                        <a:lnSpc>
+                          <a:spcPct val="90000"/>
+                        </a:lnSpc>
+                      </a:pPr>
+                      <a:r>
+                        <a:rPr lang="en-US" sz="1600" b="1" dirty="0" smtClean="0">
+                          <a:solidFill>
+                            <a:srgbClr val="273272"/>
+                          </a:solidFill>
+                        </a:rPr>
+                        <a:t>2.2</a:t>
+                      </a:r>
+                      <a:endParaRPr lang="ru-RU" sz="1600" b="1" dirty="0">
+                        <a:solidFill>
+                          <a:srgbClr val="273272"/>
+                        </a:solidFill>
+                      </a:endParaRPr>
+                    </a:p>
+                  </a:txBody>
+                  <a:tcPr/>
+                </a:tc>
+                <a:tc>
+                  <a:txBody>
+                    <a:bodyPr/>
+                    <a:lstStyle/>
+                    <a:p>
+                      <a:pPr>
+                        <a:lnSpc>
+                          <a:spcPct val="90000"/>
+                        </a:lnSpc>
+                      </a:pPr>
+                      <a:r>
+                        <a:rPr lang="en-US" sz="1600" b="1" dirty="0" smtClean="0">
+                          <a:solidFill>
+                            <a:srgbClr val="273272"/>
+                          </a:solidFill>
+                        </a:rPr>
+                        <a:t>Ratified</a:t>
+                      </a:r>
+                      <a:endParaRPr lang="ru-RU" sz="1600" b="1" dirty="0">
+                        <a:solidFill>
+                          <a:srgbClr val="273272"/>
+                        </a:solidFill>
+                      </a:endParaRPr>
+                    </a:p>
+                  </a:txBody>
+                  <a:tcPr/>
+                </a:tc>
+              </a:tr>
+              <a:tr h="0">
+                <a:tc>
+                  <a:txBody>
+                    <a:bodyPr/>
+                    <a:lstStyle/>
+                    <a:p>
+                      <a:pPr>
+                        <a:lnSpc>
+                          <a:spcPct val="90000"/>
+                        </a:lnSpc>
+                      </a:pPr>
+                      <a:r>
+                        <a:rPr lang="en-US" sz="1600" b="1" dirty="0" smtClean="0">
+                          <a:solidFill>
+                            <a:srgbClr val="273272"/>
+                          </a:solidFill>
+                        </a:rPr>
+                        <a:t>C</a:t>
+                      </a:r>
+                      <a:endParaRPr lang="ru-RU" sz="1600" b="1" dirty="0">
+                        <a:solidFill>
+                          <a:srgbClr val="273272"/>
+                        </a:solidFill>
+                      </a:endParaRPr>
+                    </a:p>
+                  </a:txBody>
+                  <a:tcPr/>
+                </a:tc>
+                <a:tc>
+                  <a:txBody>
+                    <a:bodyPr/>
+                    <a:lstStyle/>
+                    <a:p>
+                      <a:pPr>
+                        <a:lnSpc>
+                          <a:spcPct val="90000"/>
+                        </a:lnSpc>
+                      </a:pPr>
+                      <a:r>
+                        <a:rPr lang="en-US" sz="1600" b="1" dirty="0" smtClean="0">
+                          <a:solidFill>
+                            <a:srgbClr val="273272"/>
+                          </a:solidFill>
+                        </a:rPr>
+                        <a:t>Standard Extension for Compressed Instructions	</a:t>
+                      </a:r>
+                      <a:endParaRPr lang="ru-RU" sz="1600" b="1" dirty="0">
+                        <a:solidFill>
+                          <a:srgbClr val="273272"/>
+                        </a:solidFill>
+                      </a:endParaRPr>
+                    </a:p>
+                  </a:txBody>
+                  <a:tcPr/>
+                </a:tc>
+                <a:tc>
+                  <a:txBody>
+                    <a:bodyPr/>
+                    <a:lstStyle/>
+                    <a:p>
+                      <a:pPr marL="0" marR="0" indent="0" algn="l" defTabSz="914400" rtl="0" eaLnBrk="1" fontAlgn="auto" latinLnBrk="0" hangingPunct="1">
+                        <a:lnSpc>
+                          <a:spcPct val="90000"/>
+                        </a:lnSpc>
+                        <a:spcBef>
+                          <a:spcPts val="0"/>
+                        </a:spcBef>
+                        <a:spcAft>
+                          <a:spcPts val="0"/>
+                        </a:spcAft>
+                        <a:buClrTx/>
+                        <a:buSzTx/>
+                        <a:buFontTx/>
+                        <a:buNone/>
+                        <a:tabLst/>
+                        <a:defRPr/>
+                      </a:pPr>
+                      <a:r>
+                        <a:rPr lang="en-US" sz="1600" b="1" dirty="0" smtClean="0">
+                          <a:solidFill>
+                            <a:srgbClr val="273272"/>
+                          </a:solidFill>
+                        </a:rPr>
+                        <a:t>2.0</a:t>
+                      </a:r>
+                      <a:endParaRPr lang="ru-RU" sz="1600" b="1" dirty="0" smtClean="0">
+                        <a:solidFill>
+                          <a:srgbClr val="273272"/>
+                        </a:solidFill>
+                      </a:endParaRPr>
+                    </a:p>
+                  </a:txBody>
+                  <a:tcPr/>
+                </a:tc>
+                <a:tc>
+                  <a:txBody>
+                    <a:bodyPr/>
+                    <a:lstStyle/>
+                    <a:p>
+                      <a:pPr>
+                        <a:lnSpc>
+                          <a:spcPct val="90000"/>
+                        </a:lnSpc>
+                      </a:pPr>
+                      <a:r>
+                        <a:rPr lang="en-US" sz="1600" b="1" dirty="0" smtClean="0">
+                          <a:solidFill>
+                            <a:srgbClr val="273272"/>
+                          </a:solidFill>
+                        </a:rPr>
+                        <a:t>Ratified</a:t>
+                      </a:r>
+                      <a:endParaRPr lang="ru-RU" sz="1600" b="1" dirty="0">
+                        <a:solidFill>
+                          <a:srgbClr val="273272"/>
+                        </a:solidFill>
+                      </a:endParaRPr>
+                    </a:p>
+                  </a:txBody>
+                  <a:tcPr/>
+                </a:tc>
+              </a:tr>
+              <a:tr h="0">
+                <a:tc>
+                  <a:txBody>
+                    <a:bodyPr/>
+                    <a:lstStyle/>
+                    <a:p>
+                      <a:pPr>
+                        <a:lnSpc>
+                          <a:spcPct val="90000"/>
+                        </a:lnSpc>
+                      </a:pPr>
+                      <a:r>
+                        <a:rPr lang="en-US" sz="1600" b="1" dirty="0" err="1" smtClean="0">
+                          <a:solidFill>
+                            <a:srgbClr val="273272"/>
+                          </a:solidFill>
+                        </a:rPr>
+                        <a:t>ZiCSR</a:t>
+                      </a:r>
+                      <a:endParaRPr lang="ru-RU" sz="1600" b="1" dirty="0">
+                        <a:solidFill>
+                          <a:srgbClr val="273272"/>
+                        </a:solidFill>
+                      </a:endParaRPr>
+                    </a:p>
+                  </a:txBody>
+                  <a:tcPr/>
+                </a:tc>
+                <a:tc>
+                  <a:txBody>
+                    <a:bodyPr/>
+                    <a:lstStyle/>
+                    <a:p>
+                      <a:pPr>
+                        <a:lnSpc>
+                          <a:spcPct val="90000"/>
+                        </a:lnSpc>
+                      </a:pPr>
+                      <a:r>
+                        <a:rPr lang="en-US" sz="1600" b="1" dirty="0" smtClean="0">
+                          <a:solidFill>
+                            <a:srgbClr val="273272"/>
+                          </a:solidFill>
+                        </a:rPr>
+                        <a:t>Control and Status Register (CSR)</a:t>
+                      </a:r>
+                      <a:endParaRPr lang="ru-RU" sz="1600" b="1" dirty="0">
+                        <a:solidFill>
+                          <a:srgbClr val="273272"/>
+                        </a:solidFill>
+                      </a:endParaRPr>
+                    </a:p>
+                  </a:txBody>
+                  <a:tcPr/>
+                </a:tc>
+                <a:tc>
+                  <a:txBody>
+                    <a:bodyPr/>
+                    <a:lstStyle/>
+                    <a:p>
+                      <a:pPr marL="0" marR="0" indent="0" algn="l" defTabSz="914400" rtl="0" eaLnBrk="1" fontAlgn="auto" latinLnBrk="0" hangingPunct="1">
+                        <a:lnSpc>
+                          <a:spcPct val="90000"/>
+                        </a:lnSpc>
+                        <a:spcBef>
+                          <a:spcPts val="0"/>
+                        </a:spcBef>
+                        <a:spcAft>
+                          <a:spcPts val="0"/>
+                        </a:spcAft>
+                        <a:buClrTx/>
+                        <a:buSzTx/>
+                        <a:buFontTx/>
+                        <a:buNone/>
+                        <a:tabLst/>
+                        <a:defRPr/>
+                      </a:pPr>
+                      <a:r>
+                        <a:rPr lang="en-US" sz="1600" b="1" dirty="0" smtClean="0">
+                          <a:solidFill>
+                            <a:srgbClr val="273272"/>
+                          </a:solidFill>
+                        </a:rPr>
+                        <a:t>2.0</a:t>
+                      </a:r>
+                      <a:endParaRPr lang="ru-RU" sz="1600" b="1" dirty="0" smtClean="0">
+                        <a:solidFill>
+                          <a:srgbClr val="273272"/>
+                        </a:solidFill>
+                      </a:endParaRPr>
+                    </a:p>
+                  </a:txBody>
+                  <a:tcPr/>
+                </a:tc>
+                <a:tc>
+                  <a:txBody>
+                    <a:bodyPr/>
+                    <a:lstStyle/>
+                    <a:p>
+                      <a:pPr>
+                        <a:lnSpc>
+                          <a:spcPct val="90000"/>
+                        </a:lnSpc>
+                      </a:pPr>
+                      <a:r>
+                        <a:rPr lang="en-US" sz="1600" b="1" dirty="0" smtClean="0">
+                          <a:solidFill>
+                            <a:srgbClr val="273272"/>
+                          </a:solidFill>
+                        </a:rPr>
+                        <a:t>Ratified</a:t>
+                      </a:r>
+                      <a:endParaRPr lang="ru-RU" sz="1600" b="1" dirty="0">
+                        <a:solidFill>
+                          <a:srgbClr val="273272"/>
+                        </a:solidFill>
+                      </a:endParaRPr>
+                    </a:p>
+                  </a:txBody>
+                  <a:tcPr/>
+                </a:tc>
+              </a:tr>
+              <a:tr h="185079">
+                <a:tc>
+                  <a:txBody>
+                    <a:bodyPr/>
+                    <a:lstStyle/>
+                    <a:p>
+                      <a:pPr>
+                        <a:lnSpc>
+                          <a:spcPct val="90000"/>
+                        </a:lnSpc>
+                      </a:pPr>
+                      <a:r>
+                        <a:rPr lang="en-US" sz="1600" b="1" dirty="0" err="1" smtClean="0">
+                          <a:solidFill>
+                            <a:srgbClr val="273272"/>
+                          </a:solidFill>
+                        </a:rPr>
+                        <a:t>Zifencei</a:t>
+                      </a:r>
+                      <a:endParaRPr lang="ru-RU" sz="1600" b="1" dirty="0">
+                        <a:solidFill>
+                          <a:srgbClr val="273272"/>
+                        </a:solidFill>
+                      </a:endParaRPr>
+                    </a:p>
+                  </a:txBody>
+                  <a:tcPr/>
+                </a:tc>
+                <a:tc>
+                  <a:txBody>
+                    <a:bodyPr/>
+                    <a:lstStyle/>
+                    <a:p>
+                      <a:pPr>
+                        <a:lnSpc>
+                          <a:spcPct val="90000"/>
+                        </a:lnSpc>
+                      </a:pPr>
+                      <a:r>
+                        <a:rPr lang="en-US" sz="1600" b="1" dirty="0" smtClean="0">
+                          <a:solidFill>
+                            <a:srgbClr val="273272"/>
+                          </a:solidFill>
+                        </a:rPr>
+                        <a:t>Instruction-Fetch Fence</a:t>
+                      </a:r>
+                      <a:endParaRPr lang="ru-RU" sz="1600" b="1" dirty="0">
+                        <a:solidFill>
+                          <a:srgbClr val="273272"/>
+                        </a:solidFill>
+                      </a:endParaRPr>
+                    </a:p>
+                  </a:txBody>
+                  <a:tcPr/>
+                </a:tc>
+                <a:tc>
+                  <a:txBody>
+                    <a:bodyPr/>
+                    <a:lstStyle/>
+                    <a:p>
+                      <a:pPr marL="0" marR="0" indent="0" algn="l" defTabSz="914400" rtl="0" eaLnBrk="1" fontAlgn="auto" latinLnBrk="0" hangingPunct="1">
+                        <a:lnSpc>
+                          <a:spcPct val="90000"/>
+                        </a:lnSpc>
+                        <a:spcBef>
+                          <a:spcPts val="0"/>
+                        </a:spcBef>
+                        <a:spcAft>
+                          <a:spcPts val="0"/>
+                        </a:spcAft>
+                        <a:buClrTx/>
+                        <a:buSzTx/>
+                        <a:buFontTx/>
+                        <a:buNone/>
+                        <a:tabLst/>
+                        <a:defRPr/>
+                      </a:pPr>
+                      <a:r>
+                        <a:rPr lang="en-US" sz="1600" b="1" dirty="0" smtClean="0">
+                          <a:solidFill>
+                            <a:srgbClr val="273272"/>
+                          </a:solidFill>
+                        </a:rPr>
+                        <a:t>2.0</a:t>
+                      </a:r>
+                      <a:endParaRPr lang="ru-RU" sz="1600" b="1" dirty="0" smtClean="0">
+                        <a:solidFill>
+                          <a:srgbClr val="273272"/>
+                        </a:solidFill>
+                      </a:endParaRPr>
+                    </a:p>
+                  </a:txBody>
+                  <a:tcPr/>
+                </a:tc>
+                <a:tc>
+                  <a:txBody>
+                    <a:bodyPr/>
+                    <a:lstStyle/>
+                    <a:p>
+                      <a:pPr>
+                        <a:lnSpc>
+                          <a:spcPct val="90000"/>
+                        </a:lnSpc>
+                      </a:pPr>
+                      <a:r>
+                        <a:rPr lang="en-US" sz="1600" b="1" dirty="0" smtClean="0">
+                          <a:solidFill>
+                            <a:srgbClr val="273272"/>
+                          </a:solidFill>
+                        </a:rPr>
+                        <a:t>Ratified</a:t>
+                      </a:r>
+                      <a:endParaRPr lang="ru-RU" sz="1600" b="1" dirty="0">
+                        <a:solidFill>
+                          <a:srgbClr val="273272"/>
+                        </a:solidFill>
+                      </a:endParaRPr>
+                    </a:p>
+                  </a:txBody>
+                  <a:tcPr/>
+                </a:tc>
+              </a:tr>
+              <a:tr h="370840">
+                <a:tc gridSpan="4">
+                  <a:txBody>
+                    <a:bodyPr/>
+                    <a:lstStyle/>
+                    <a:p>
+                      <a:pPr algn="ctr">
+                        <a:lnSpc>
+                          <a:spcPct val="90000"/>
+                        </a:lnSpc>
+                      </a:pPr>
+                      <a:r>
+                        <a:rPr lang="en-US" sz="1800" b="1" dirty="0" smtClean="0">
+                          <a:solidFill>
+                            <a:srgbClr val="273272"/>
+                          </a:solidFill>
+                        </a:rPr>
+                        <a:t>And more standard and custom extensions…</a:t>
+                      </a:r>
+                      <a:endParaRPr lang="ru-RU" sz="1800" b="1" dirty="0">
+                        <a:solidFill>
+                          <a:srgbClr val="273272"/>
+                        </a:solidFill>
+                      </a:endParaRPr>
+                    </a:p>
+                  </a:txBody>
+                  <a:tcPr>
+                    <a:solidFill>
+                      <a:srgbClr val="F7B217"/>
+                    </a:solidFill>
+                  </a:tcPr>
+                </a:tc>
+                <a:tc hMerge="1">
+                  <a:txBody>
+                    <a:bodyPr/>
+                    <a:lstStyle/>
+                    <a:p>
+                      <a:pPr>
+                        <a:lnSpc>
+                          <a:spcPct val="90000"/>
+                        </a:lnSpc>
+                      </a:pPr>
+                      <a:endParaRPr lang="ru-RU" sz="1600" b="1" dirty="0">
+                        <a:solidFill>
+                          <a:srgbClr val="273272"/>
+                        </a:solidFill>
+                      </a:endParaRPr>
+                    </a:p>
+                  </a:txBody>
+                  <a:tcPr/>
+                </a:tc>
+                <a:tc hMerge="1">
+                  <a:txBody>
+                    <a:bodyPr/>
+                    <a:lstStyle/>
+                    <a:p>
+                      <a:pPr marL="0" marR="0" indent="0" algn="l" defTabSz="914400" rtl="0" eaLnBrk="1" fontAlgn="auto" latinLnBrk="0" hangingPunct="1">
+                        <a:lnSpc>
+                          <a:spcPct val="90000"/>
+                        </a:lnSpc>
+                        <a:spcBef>
+                          <a:spcPts val="0"/>
+                        </a:spcBef>
+                        <a:spcAft>
+                          <a:spcPts val="0"/>
+                        </a:spcAft>
+                        <a:buClrTx/>
+                        <a:buSzTx/>
+                        <a:buFontTx/>
+                        <a:buNone/>
+                        <a:tabLst/>
+                        <a:defRPr/>
+                      </a:pPr>
+                      <a:endParaRPr lang="ru-RU" sz="1600" b="1" dirty="0" smtClean="0">
+                        <a:solidFill>
+                          <a:srgbClr val="273272"/>
+                        </a:solidFill>
+                      </a:endParaRPr>
+                    </a:p>
+                  </a:txBody>
+                  <a:tcPr/>
+                </a:tc>
+                <a:tc hMerge="1">
+                  <a:txBody>
+                    <a:bodyPr/>
+                    <a:lstStyle/>
+                    <a:p>
+                      <a:pPr>
+                        <a:lnSpc>
+                          <a:spcPct val="90000"/>
+                        </a:lnSpc>
+                      </a:pPr>
+                      <a:endParaRPr lang="ru-RU" sz="1600" b="1" dirty="0">
+                        <a:solidFill>
+                          <a:srgbClr val="273272"/>
+                        </a:solidFill>
+                      </a:endParaRPr>
+                    </a:p>
+                  </a:txBody>
+                  <a:tcPr/>
+                </a:tc>
+              </a:tr>
+            </a:tbl>
+          </a:graphicData>
+        </a:graphic>
+      </p:graphicFrame>
       <p:sp>
         <p:nvSpPr>
           <p:cNvPr id="3" name="Номер слайда 2"/>
@@ -4400,7 +6099,7 @@
           <a:p>
             <a:r>
               <a:rPr lang="en-US" dirty="0" smtClean="0"/>
-              <a:t>ISA Design Principles</a:t>
+              <a:t>RISC-V ISA Base and Extensions</a:t>
             </a:r>
             <a:endParaRPr lang="ru-RU" dirty="0"/>
           </a:p>
@@ -4411,6 +6110,13 @@
   <p:clrMapOvr>
     <a:masterClrMapping/>
   </p:clrMapOvr>
+  <p:timing>
+    <p:tnLst>
+      <p:par>
+        <p:cTn id="1" dur="indefinite" restart="never" nodeType="tmRoot"/>
+      </p:par>
+    </p:tnLst>
+  </p:timing>
 </p:sld>
 </file>
 
@@ -4443,6 +6149,885 @@
         </p:nvSpPr>
         <p:spPr>
           <a:xfrm>
+            <a:off x="838199" y="1178052"/>
+            <a:ext cx="10502463" cy="5464485"/>
+          </a:xfrm>
+        </p:spPr>
+        <p:txBody>
+          <a:bodyPr>
+            <a:normAutofit/>
+          </a:bodyPr>
+          <a:lstStyle/>
+          <a:p>
+            <a:r>
+              <a:rPr lang="en-US" altLang="en-US" b="1" dirty="0" smtClean="0"/>
+              <a:t>Design Principle 1: </a:t>
+            </a:r>
+            <a:r>
+              <a:rPr lang="en-US" altLang="en-US" dirty="0" smtClean="0"/>
+              <a:t>Simplicity favors regularity</a:t>
+            </a:r>
+          </a:p>
+          <a:p>
+            <a:pPr lvl="1"/>
+            <a:r>
+              <a:rPr lang="en-US" altLang="en-US" dirty="0" smtClean="0"/>
+              <a:t>Regularity makes implementation simpler</a:t>
+            </a:r>
+          </a:p>
+          <a:p>
+            <a:pPr lvl="1"/>
+            <a:r>
+              <a:rPr lang="en-US" altLang="en-US" dirty="0" smtClean="0"/>
+              <a:t>Simplicity enables higher performance at lower cost</a:t>
+            </a:r>
+            <a:endParaRPr lang="en-AU" altLang="en-US" dirty="0" smtClean="0"/>
+          </a:p>
+          <a:p>
+            <a:pPr>
+              <a:defRPr/>
+            </a:pPr>
+            <a:r>
+              <a:rPr lang="en-US" altLang="en-US" b="1" dirty="0" smtClean="0"/>
+              <a:t>Design Principle 2: </a:t>
+            </a:r>
+            <a:r>
+              <a:rPr lang="en-US" altLang="en-US" dirty="0" smtClean="0"/>
+              <a:t>Smaller is faster</a:t>
+            </a:r>
+          </a:p>
+          <a:p>
+            <a:pPr lvl="1">
+              <a:defRPr/>
+            </a:pPr>
+            <a:r>
+              <a:rPr lang="en-US" altLang="en-US" dirty="0" smtClean="0"/>
+              <a:t>c.f. main memory: millions of locations</a:t>
+            </a:r>
+          </a:p>
+          <a:p>
+            <a:r>
+              <a:rPr lang="en-US" altLang="en-US" b="1" dirty="0" smtClean="0"/>
+              <a:t>Design Principle 3: </a:t>
+            </a:r>
+            <a:r>
+              <a:rPr lang="en-US" altLang="en-US" dirty="0" smtClean="0"/>
+              <a:t>Good design demands good compromises</a:t>
+            </a:r>
+          </a:p>
+          <a:p>
+            <a:pPr lvl="1"/>
+            <a:r>
+              <a:rPr lang="en-US" altLang="en-US" dirty="0" smtClean="0"/>
+              <a:t>Different formats complicate decoding, but allow 32-bit instructions uniformly</a:t>
+            </a:r>
+          </a:p>
+          <a:p>
+            <a:pPr lvl="1"/>
+            <a:r>
+              <a:rPr lang="en-US" altLang="en-US" dirty="0" smtClean="0"/>
+              <a:t>Keep formats as similar as possible</a:t>
+            </a:r>
+          </a:p>
+          <a:p>
+            <a:pPr lvl="1">
+              <a:defRPr/>
+            </a:pPr>
+            <a:endParaRPr lang="en-US" altLang="en-US" dirty="0" smtClean="0"/>
+          </a:p>
+          <a:p>
+            <a:endParaRPr lang="ru-RU" dirty="0"/>
+          </a:p>
+        </p:txBody>
+      </p:sp>
+      <p:sp>
+        <p:nvSpPr>
+          <p:cNvPr id="3" name="Номер слайда 2"/>
+          <p:cNvSpPr>
+            <a:spLocks noGrp="1"/>
+          </p:cNvSpPr>
+          <p:nvPr>
+            <p:ph type="sldNum" sz="quarter" idx="12"/>
+          </p:nvPr>
+        </p:nvSpPr>
+        <p:spPr/>
+        <p:txBody>
+          <a:bodyPr/>
+          <a:lstStyle/>
+          <a:p>
+            <a:pPr algn="ctr"/>
+            <a:fld id="{1397BFD8-F312-4EF2-A268-44FB4BDDBBB0}" type="slidenum">
+              <a:rPr lang="ru-RU" smtClean="0"/>
+              <a:pPr algn="ctr"/>
+              <a:t>3</a:t>
+            </a:fld>
+            <a:endParaRPr lang="ru-RU" dirty="0"/>
+          </a:p>
+        </p:txBody>
+      </p:sp>
+      <p:sp>
+        <p:nvSpPr>
+          <p:cNvPr id="4" name="Заголовок 3"/>
+          <p:cNvSpPr>
+            <a:spLocks noGrp="1"/>
+          </p:cNvSpPr>
+          <p:nvPr>
+            <p:ph type="title"/>
+          </p:nvPr>
+        </p:nvSpPr>
+        <p:spPr/>
+        <p:txBody>
+          <a:bodyPr/>
+          <a:lstStyle/>
+          <a:p>
+            <a:r>
+              <a:rPr lang="en-US" dirty="0" smtClean="0"/>
+              <a:t>ISA Design Principles</a:t>
+            </a:r>
+            <a:endParaRPr lang="ru-RU" dirty="0"/>
+          </a:p>
+        </p:txBody>
+      </p:sp>
+    </p:spTree>
+  </p:cSld>
+  <p:clrMapOvr>
+    <a:masterClrMapping/>
+  </p:clrMapOvr>
+  <p:timing>
+    <p:tnLst>
+      <p:par>
+        <p:cTn id="1" dur="indefinite" restart="never" nodeType="tmRoot"/>
+      </p:par>
+    </p:tnLst>
+  </p:timing>
+</p:sld>
+</file>
+
+<file path=ppt/slides/slide4.xml><?xml version="1.0" encoding="utf-8"?>
+<p:sld xmlns:a="http://schemas.openxmlformats.org/drawingml/2006/main" xmlns:r="http://schemas.openxmlformats.org/officeDocument/2006/relationships" xmlns:p="http://schemas.openxmlformats.org/presentationml/2006/main">
+  <p:cSld>
+    <p:spTree>
+      <p:nvGrpSpPr>
+        <p:cNvPr id="1" name=""/>
+        <p:cNvGrpSpPr/>
+        <p:nvPr/>
+      </p:nvGrpSpPr>
+      <p:grpSpPr>
+        <a:xfrm>
+          <a:off x="0" y="0"/>
+          <a:ext cx="0" cy="0"/>
+          <a:chOff x="0" y="0"/>
+          <a:chExt cx="0" cy="0"/>
+        </a:xfrm>
+      </p:grpSpPr>
+      <p:sp>
+        <p:nvSpPr>
+          <p:cNvPr id="2" name="Содержимое 1"/>
+          <p:cNvSpPr>
+            <a:spLocks noGrp="1"/>
+          </p:cNvSpPr>
+          <p:nvPr>
+            <p:ph idx="1"/>
+          </p:nvPr>
+        </p:nvSpPr>
+        <p:spPr>
+          <a:xfrm>
+            <a:off x="838200" y="1040524"/>
+            <a:ext cx="10515600" cy="5770176"/>
+          </a:xfrm>
+        </p:spPr>
+        <p:txBody>
+          <a:bodyPr>
+            <a:normAutofit fontScale="77500" lnSpcReduction="20000"/>
+          </a:bodyPr>
+          <a:lstStyle/>
+          <a:p>
+            <a:pPr>
+              <a:lnSpc>
+                <a:spcPct val="120000"/>
+              </a:lnSpc>
+              <a:spcBef>
+                <a:spcPts val="600"/>
+              </a:spcBef>
+            </a:pPr>
+            <a:r>
+              <a:rPr lang="en-US" sz="4100" b="1" dirty="0" smtClean="0">
+                <a:solidFill>
+                  <a:srgbClr val="1E3272"/>
+                </a:solidFill>
+              </a:rPr>
+              <a:t>R-format</a:t>
+            </a:r>
+            <a:r>
+              <a:rPr lang="en-US" sz="4100" b="1" dirty="0" smtClean="0">
+                <a:solidFill>
+                  <a:srgbClr val="1E3272"/>
+                </a:solidFill>
+              </a:rPr>
+              <a:t>: </a:t>
+            </a:r>
+            <a:r>
+              <a:rPr lang="en-US" sz="4100" dirty="0" smtClean="0">
+                <a:solidFill>
+                  <a:srgbClr val="1E3272"/>
+                </a:solidFill>
+              </a:rPr>
+              <a:t>instructions using 3 register </a:t>
+            </a:r>
+            <a:r>
+              <a:rPr lang="en-US" sz="4100" dirty="0" smtClean="0">
+                <a:solidFill>
+                  <a:srgbClr val="1E3272"/>
+                </a:solidFill>
+              </a:rPr>
+              <a:t>inputs</a:t>
+            </a:r>
+          </a:p>
+          <a:p>
+            <a:pPr lvl="1">
+              <a:lnSpc>
+                <a:spcPct val="110000"/>
+              </a:lnSpc>
+              <a:spcBef>
+                <a:spcPts val="0"/>
+              </a:spcBef>
+            </a:pPr>
+            <a:r>
+              <a:rPr lang="en-US" sz="3600" dirty="0" smtClean="0">
+                <a:solidFill>
+                  <a:srgbClr val="1E3272"/>
+                </a:solidFill>
+              </a:rPr>
+              <a:t>add</a:t>
+            </a:r>
+            <a:r>
+              <a:rPr lang="en-US" sz="3600" dirty="0" smtClean="0">
+                <a:solidFill>
+                  <a:srgbClr val="1E3272"/>
+                </a:solidFill>
+              </a:rPr>
+              <a:t>, </a:t>
+            </a:r>
+            <a:r>
+              <a:rPr lang="en-US" sz="3600" dirty="0" err="1" smtClean="0">
+                <a:solidFill>
+                  <a:srgbClr val="1E3272"/>
+                </a:solidFill>
+              </a:rPr>
+              <a:t>xor</a:t>
+            </a:r>
+            <a:r>
+              <a:rPr lang="en-US" sz="3600" dirty="0" smtClean="0">
+                <a:solidFill>
+                  <a:srgbClr val="1E3272"/>
+                </a:solidFill>
+              </a:rPr>
+              <a:t>, </a:t>
+            </a:r>
+            <a:r>
+              <a:rPr lang="en-US" sz="3600" dirty="0" err="1" smtClean="0">
+                <a:solidFill>
+                  <a:srgbClr val="1E3272"/>
+                </a:solidFill>
+              </a:rPr>
+              <a:t>mul</a:t>
+            </a:r>
+            <a:r>
+              <a:rPr lang="en-US" sz="3600" dirty="0" smtClean="0">
+                <a:solidFill>
+                  <a:srgbClr val="1E3272"/>
+                </a:solidFill>
+              </a:rPr>
+              <a:t> </a:t>
+            </a:r>
+            <a:r>
+              <a:rPr lang="en-US" sz="3600" dirty="0" smtClean="0">
+                <a:solidFill>
+                  <a:srgbClr val="1E3272"/>
+                </a:solidFill>
+              </a:rPr>
+              <a:t>- arithmetic/logical </a:t>
+            </a:r>
+            <a:r>
+              <a:rPr lang="en-US" sz="3600" dirty="0" smtClean="0">
+                <a:solidFill>
+                  <a:srgbClr val="1E3272"/>
+                </a:solidFill>
+              </a:rPr>
+              <a:t>ops</a:t>
+            </a:r>
+          </a:p>
+          <a:p>
+            <a:pPr>
+              <a:lnSpc>
+                <a:spcPct val="120000"/>
+              </a:lnSpc>
+              <a:spcBef>
+                <a:spcPts val="600"/>
+              </a:spcBef>
+            </a:pPr>
+            <a:r>
+              <a:rPr lang="en-US" sz="4100" b="1" dirty="0" smtClean="0">
+                <a:solidFill>
+                  <a:srgbClr val="1E3272"/>
+                </a:solidFill>
+              </a:rPr>
+              <a:t>I-format</a:t>
+            </a:r>
+            <a:r>
+              <a:rPr lang="en-US" sz="4100" b="1" dirty="0" smtClean="0">
+                <a:solidFill>
+                  <a:srgbClr val="1E3272"/>
+                </a:solidFill>
+              </a:rPr>
+              <a:t>: </a:t>
+            </a:r>
+            <a:r>
+              <a:rPr lang="en-US" sz="4100" dirty="0" smtClean="0">
+                <a:solidFill>
+                  <a:srgbClr val="1E3272"/>
+                </a:solidFill>
+              </a:rPr>
+              <a:t>instructions with </a:t>
+            </a:r>
+            <a:r>
+              <a:rPr lang="en-US" sz="4100" dirty="0" err="1" smtClean="0">
+                <a:solidFill>
+                  <a:srgbClr val="1E3272"/>
+                </a:solidFill>
+              </a:rPr>
+              <a:t>immediates</a:t>
+            </a:r>
+            <a:r>
+              <a:rPr lang="en-US" sz="4100" dirty="0" smtClean="0">
+                <a:solidFill>
+                  <a:srgbClr val="1E3272"/>
+                </a:solidFill>
+              </a:rPr>
+              <a:t>, </a:t>
+            </a:r>
+            <a:r>
+              <a:rPr lang="en-US" sz="4100" dirty="0" smtClean="0">
+                <a:solidFill>
+                  <a:srgbClr val="1E3272"/>
+                </a:solidFill>
+              </a:rPr>
+              <a:t>loads</a:t>
+            </a:r>
+          </a:p>
+          <a:p>
+            <a:pPr lvl="1">
+              <a:lnSpc>
+                <a:spcPct val="110000"/>
+              </a:lnSpc>
+              <a:spcBef>
+                <a:spcPts val="0"/>
+              </a:spcBef>
+            </a:pPr>
+            <a:r>
+              <a:rPr lang="en-US" sz="3600" dirty="0" smtClean="0">
+                <a:solidFill>
+                  <a:srgbClr val="1E3272"/>
+                </a:solidFill>
+              </a:rPr>
+              <a:t> addi</a:t>
+            </a:r>
+            <a:r>
+              <a:rPr lang="en-US" sz="3600" dirty="0" smtClean="0">
+                <a:solidFill>
+                  <a:srgbClr val="1E3272"/>
+                </a:solidFill>
+              </a:rPr>
+              <a:t>, </a:t>
+            </a:r>
+            <a:r>
+              <a:rPr lang="en-US" sz="3600" dirty="0" err="1" smtClean="0">
+                <a:solidFill>
+                  <a:srgbClr val="1E3272"/>
+                </a:solidFill>
+              </a:rPr>
+              <a:t>lw</a:t>
+            </a:r>
+            <a:r>
+              <a:rPr lang="en-US" sz="3600" dirty="0" smtClean="0">
+                <a:solidFill>
+                  <a:srgbClr val="1E3272"/>
+                </a:solidFill>
+              </a:rPr>
+              <a:t>, </a:t>
+            </a:r>
+            <a:r>
+              <a:rPr lang="en-US" sz="3600" dirty="0" err="1" smtClean="0">
+                <a:solidFill>
+                  <a:srgbClr val="1E3272"/>
+                </a:solidFill>
+              </a:rPr>
+              <a:t>jalr</a:t>
+            </a:r>
+            <a:r>
+              <a:rPr lang="en-US" sz="3600" dirty="0" smtClean="0">
+                <a:solidFill>
+                  <a:srgbClr val="1E3272"/>
+                </a:solidFill>
+              </a:rPr>
+              <a:t>, </a:t>
+            </a:r>
+            <a:r>
+              <a:rPr lang="en-US" sz="3600" dirty="0" err="1" smtClean="0">
+                <a:solidFill>
+                  <a:srgbClr val="1E3272"/>
+                </a:solidFill>
+              </a:rPr>
+              <a:t>slli</a:t>
+            </a:r>
+            <a:endParaRPr lang="en-US" sz="3600" dirty="0" smtClean="0">
+              <a:solidFill>
+                <a:srgbClr val="1E3272"/>
+              </a:solidFill>
+            </a:endParaRPr>
+          </a:p>
+          <a:p>
+            <a:pPr>
+              <a:lnSpc>
+                <a:spcPct val="120000"/>
+              </a:lnSpc>
+              <a:spcBef>
+                <a:spcPts val="600"/>
+              </a:spcBef>
+            </a:pPr>
+            <a:r>
+              <a:rPr lang="en-US" sz="4100" b="1" dirty="0" smtClean="0">
+                <a:solidFill>
+                  <a:srgbClr val="1E3272"/>
+                </a:solidFill>
+              </a:rPr>
+              <a:t>S-format</a:t>
+            </a:r>
+            <a:r>
+              <a:rPr lang="en-US" sz="4100" b="1" dirty="0" smtClean="0">
+                <a:solidFill>
+                  <a:srgbClr val="1E3272"/>
+                </a:solidFill>
+              </a:rPr>
+              <a:t>: </a:t>
+            </a:r>
+            <a:r>
+              <a:rPr lang="en-US" sz="4100" dirty="0" smtClean="0">
+                <a:solidFill>
+                  <a:srgbClr val="1E3272"/>
+                </a:solidFill>
+              </a:rPr>
+              <a:t>store </a:t>
+            </a:r>
+            <a:r>
+              <a:rPr lang="en-US" sz="4100" dirty="0" smtClean="0">
+                <a:solidFill>
+                  <a:srgbClr val="1E3272"/>
+                </a:solidFill>
+              </a:rPr>
+              <a:t>instructions</a:t>
+            </a:r>
+          </a:p>
+          <a:p>
+            <a:pPr lvl="1">
+              <a:lnSpc>
+                <a:spcPct val="110000"/>
+              </a:lnSpc>
+              <a:spcBef>
+                <a:spcPts val="0"/>
+              </a:spcBef>
+            </a:pPr>
+            <a:r>
+              <a:rPr lang="en-US" sz="3600" dirty="0" smtClean="0">
+                <a:solidFill>
+                  <a:srgbClr val="1E3272"/>
+                </a:solidFill>
+              </a:rPr>
+              <a:t> </a:t>
+            </a:r>
+            <a:r>
+              <a:rPr lang="en-US" sz="3600" dirty="0" smtClean="0">
+                <a:solidFill>
+                  <a:srgbClr val="1E3272"/>
+                </a:solidFill>
+              </a:rPr>
+              <a:t>sw, </a:t>
+            </a:r>
+            <a:r>
+              <a:rPr lang="en-US" sz="3600" dirty="0" err="1" smtClean="0">
+                <a:solidFill>
+                  <a:srgbClr val="1E3272"/>
+                </a:solidFill>
+              </a:rPr>
+              <a:t>sb</a:t>
+            </a:r>
+            <a:endParaRPr lang="en-US" sz="3600" dirty="0" smtClean="0">
+              <a:solidFill>
+                <a:srgbClr val="1E3272"/>
+              </a:solidFill>
+            </a:endParaRPr>
+          </a:p>
+          <a:p>
+            <a:pPr>
+              <a:lnSpc>
+                <a:spcPct val="120000"/>
+              </a:lnSpc>
+              <a:spcBef>
+                <a:spcPts val="600"/>
+              </a:spcBef>
+            </a:pPr>
+            <a:r>
+              <a:rPr lang="en-US" sz="4100" b="1" dirty="0" smtClean="0">
+                <a:solidFill>
+                  <a:srgbClr val="1E3272"/>
+                </a:solidFill>
+              </a:rPr>
+              <a:t>SB-format</a:t>
+            </a:r>
+            <a:r>
+              <a:rPr lang="en-US" sz="4100" b="1" dirty="0" smtClean="0">
+                <a:solidFill>
+                  <a:srgbClr val="1E3272"/>
+                </a:solidFill>
+              </a:rPr>
+              <a:t>: </a:t>
+            </a:r>
+            <a:r>
+              <a:rPr lang="en-US" sz="4100" dirty="0" smtClean="0">
+                <a:solidFill>
+                  <a:srgbClr val="1E3272"/>
+                </a:solidFill>
+              </a:rPr>
+              <a:t>branch </a:t>
+            </a:r>
+            <a:r>
+              <a:rPr lang="en-US" sz="4100" dirty="0" smtClean="0">
+                <a:solidFill>
+                  <a:srgbClr val="1E3272"/>
+                </a:solidFill>
+              </a:rPr>
+              <a:t>instructions</a:t>
+            </a:r>
+          </a:p>
+          <a:p>
+            <a:pPr lvl="1">
+              <a:lnSpc>
+                <a:spcPct val="110000"/>
+              </a:lnSpc>
+              <a:spcBef>
+                <a:spcPts val="0"/>
+              </a:spcBef>
+            </a:pPr>
+            <a:r>
+              <a:rPr lang="en-US" dirty="0" smtClean="0">
+                <a:solidFill>
+                  <a:srgbClr val="1E3272"/>
+                </a:solidFill>
+              </a:rPr>
+              <a:t> </a:t>
+            </a:r>
+            <a:r>
+              <a:rPr lang="en-US" sz="3600" dirty="0" err="1" smtClean="0">
+                <a:solidFill>
+                  <a:srgbClr val="1E3272"/>
+                </a:solidFill>
+              </a:rPr>
+              <a:t>beq</a:t>
+            </a:r>
+            <a:r>
+              <a:rPr lang="en-US" sz="3600" dirty="0" smtClean="0">
+                <a:solidFill>
+                  <a:srgbClr val="1E3272"/>
+                </a:solidFill>
+              </a:rPr>
+              <a:t>, </a:t>
+            </a:r>
+            <a:r>
+              <a:rPr lang="en-US" sz="3600" dirty="0" err="1" smtClean="0">
+                <a:solidFill>
+                  <a:srgbClr val="1E3272"/>
+                </a:solidFill>
+              </a:rPr>
+              <a:t>bge</a:t>
+            </a:r>
+            <a:endParaRPr lang="en-US" sz="3600" dirty="0" smtClean="0">
+              <a:solidFill>
+                <a:srgbClr val="1E3272"/>
+              </a:solidFill>
+            </a:endParaRPr>
+          </a:p>
+          <a:p>
+            <a:pPr>
+              <a:lnSpc>
+                <a:spcPct val="120000"/>
+              </a:lnSpc>
+              <a:spcBef>
+                <a:spcPts val="600"/>
+              </a:spcBef>
+            </a:pPr>
+            <a:r>
+              <a:rPr lang="en-US" sz="4100" b="1" dirty="0" smtClean="0">
+                <a:solidFill>
+                  <a:srgbClr val="1E3272"/>
+                </a:solidFill>
+              </a:rPr>
+              <a:t>U-format</a:t>
+            </a:r>
+            <a:r>
+              <a:rPr lang="en-US" sz="4100" b="1" dirty="0" smtClean="0">
+                <a:solidFill>
+                  <a:srgbClr val="1E3272"/>
+                </a:solidFill>
+              </a:rPr>
+              <a:t>: </a:t>
+            </a:r>
+            <a:r>
+              <a:rPr lang="en-US" sz="4100" dirty="0" smtClean="0">
+                <a:solidFill>
+                  <a:srgbClr val="1E3272"/>
+                </a:solidFill>
+              </a:rPr>
+              <a:t>instructions with upper </a:t>
+            </a:r>
+            <a:r>
+              <a:rPr lang="en-US" sz="4100" dirty="0" err="1" smtClean="0">
+                <a:solidFill>
+                  <a:srgbClr val="1E3272"/>
+                </a:solidFill>
+              </a:rPr>
+              <a:t>immediates</a:t>
+            </a:r>
+            <a:endParaRPr lang="en-US" sz="4100" dirty="0" smtClean="0">
+              <a:solidFill>
+                <a:srgbClr val="1E3272"/>
+              </a:solidFill>
+            </a:endParaRPr>
+          </a:p>
+          <a:p>
+            <a:pPr lvl="1">
+              <a:lnSpc>
+                <a:spcPct val="110000"/>
+              </a:lnSpc>
+              <a:spcBef>
+                <a:spcPts val="0"/>
+              </a:spcBef>
+            </a:pPr>
+            <a:r>
+              <a:rPr lang="en-US" sz="3600" dirty="0" smtClean="0">
+                <a:solidFill>
+                  <a:srgbClr val="1E3272"/>
+                </a:solidFill>
+              </a:rPr>
+              <a:t>lui</a:t>
+            </a:r>
+            <a:r>
+              <a:rPr lang="en-US" sz="3600" dirty="0" smtClean="0">
+                <a:solidFill>
+                  <a:srgbClr val="1E3272"/>
+                </a:solidFill>
+              </a:rPr>
+              <a:t>, </a:t>
+            </a:r>
+            <a:r>
+              <a:rPr lang="en-US" sz="3600" dirty="0" err="1" smtClean="0">
+                <a:solidFill>
+                  <a:srgbClr val="1E3272"/>
+                </a:solidFill>
+              </a:rPr>
+              <a:t>auipc</a:t>
+            </a:r>
+            <a:r>
+              <a:rPr lang="en-US" sz="3600" dirty="0" smtClean="0">
+                <a:solidFill>
+                  <a:srgbClr val="1E3272"/>
+                </a:solidFill>
+              </a:rPr>
+              <a:t> </a:t>
+            </a:r>
+            <a:r>
+              <a:rPr lang="en-US" sz="3600" dirty="0" smtClean="0">
+                <a:solidFill>
+                  <a:srgbClr val="1E3272"/>
+                </a:solidFill>
+              </a:rPr>
+              <a:t>- upper </a:t>
+            </a:r>
+            <a:r>
+              <a:rPr lang="en-US" sz="3600" dirty="0" smtClean="0">
+                <a:solidFill>
+                  <a:srgbClr val="1E3272"/>
+                </a:solidFill>
+              </a:rPr>
+              <a:t>immediate is 20-bits</a:t>
+            </a:r>
+          </a:p>
+          <a:p>
+            <a:pPr>
+              <a:lnSpc>
+                <a:spcPct val="120000"/>
+              </a:lnSpc>
+              <a:spcBef>
+                <a:spcPts val="600"/>
+              </a:spcBef>
+            </a:pPr>
+            <a:r>
+              <a:rPr lang="en-US" sz="4100" b="1" dirty="0" smtClean="0">
+                <a:solidFill>
+                  <a:srgbClr val="1E3272"/>
+                </a:solidFill>
+              </a:rPr>
+              <a:t>UJ-format</a:t>
+            </a:r>
+            <a:r>
+              <a:rPr lang="en-US" sz="4100" b="1" dirty="0" smtClean="0">
+                <a:solidFill>
+                  <a:srgbClr val="1E3272"/>
+                </a:solidFill>
+              </a:rPr>
+              <a:t>: </a:t>
+            </a:r>
+            <a:r>
+              <a:rPr lang="en-US" sz="4100" dirty="0" smtClean="0">
+                <a:solidFill>
+                  <a:srgbClr val="1E3272"/>
+                </a:solidFill>
+              </a:rPr>
+              <a:t>the jump </a:t>
+            </a:r>
+            <a:r>
+              <a:rPr lang="en-US" sz="4100" dirty="0" smtClean="0">
+                <a:solidFill>
+                  <a:srgbClr val="1E3272"/>
+                </a:solidFill>
+              </a:rPr>
+              <a:t>instruction</a:t>
+            </a:r>
+          </a:p>
+          <a:p>
+            <a:pPr lvl="1">
+              <a:lnSpc>
+                <a:spcPct val="110000"/>
+              </a:lnSpc>
+              <a:spcBef>
+                <a:spcPts val="0"/>
+              </a:spcBef>
+            </a:pPr>
+            <a:r>
+              <a:rPr lang="en-US" sz="3600" dirty="0" smtClean="0">
+                <a:solidFill>
+                  <a:srgbClr val="1E3272"/>
+                </a:solidFill>
+              </a:rPr>
+              <a:t> </a:t>
+            </a:r>
+            <a:r>
+              <a:rPr lang="en-US" sz="3600" dirty="0" err="1" smtClean="0">
+                <a:solidFill>
+                  <a:srgbClr val="1E3272"/>
+                </a:solidFill>
+              </a:rPr>
+              <a:t>jal</a:t>
+            </a:r>
+            <a:endParaRPr lang="ru-RU" sz="3600" dirty="0">
+              <a:solidFill>
+                <a:srgbClr val="1E3272"/>
+              </a:solidFill>
+            </a:endParaRPr>
+          </a:p>
+        </p:txBody>
+      </p:sp>
+      <p:sp>
+        <p:nvSpPr>
+          <p:cNvPr id="3" name="Номер слайда 2"/>
+          <p:cNvSpPr>
+            <a:spLocks noGrp="1"/>
+          </p:cNvSpPr>
+          <p:nvPr>
+            <p:ph type="sldNum" sz="quarter" idx="12"/>
+          </p:nvPr>
+        </p:nvSpPr>
+        <p:spPr/>
+        <p:txBody>
+          <a:bodyPr/>
+          <a:lstStyle/>
+          <a:p>
+            <a:pPr algn="ctr"/>
+            <a:fld id="{1397BFD8-F312-4EF2-A268-44FB4BDDBBB0}" type="slidenum">
+              <a:rPr lang="ru-RU" smtClean="0"/>
+              <a:pPr algn="ctr"/>
+              <a:t>4</a:t>
+            </a:fld>
+            <a:endParaRPr lang="ru-RU" dirty="0"/>
+          </a:p>
+        </p:txBody>
+      </p:sp>
+      <p:sp>
+        <p:nvSpPr>
+          <p:cNvPr id="4" name="Заголовок 3"/>
+          <p:cNvSpPr>
+            <a:spLocks noGrp="1"/>
+          </p:cNvSpPr>
+          <p:nvPr>
+            <p:ph type="title"/>
+          </p:nvPr>
+        </p:nvSpPr>
+        <p:spPr/>
+        <p:txBody>
+          <a:bodyPr/>
+          <a:lstStyle/>
+          <a:p>
+            <a:r>
+              <a:rPr lang="en-US" dirty="0" smtClean="0"/>
+              <a:t>Six Instruction Formats</a:t>
+            </a:r>
+            <a:endParaRPr lang="ru-RU" dirty="0"/>
+          </a:p>
+        </p:txBody>
+      </p:sp>
+    </p:spTree>
+  </p:cSld>
+  <p:clrMapOvr>
+    <a:masterClrMapping/>
+  </p:clrMapOvr>
+  <p:timing>
+    <p:tnLst>
+      <p:par>
+        <p:cTn id="1" dur="indefinite" restart="never" nodeType="tmRoot"/>
+      </p:par>
+    </p:tnLst>
+  </p:timing>
+</p:sld>
+</file>
+
+<file path=ppt/slides/slide5.xml><?xml version="1.0" encoding="utf-8"?>
+<p:sld xmlns:a="http://schemas.openxmlformats.org/drawingml/2006/main" xmlns:r="http://schemas.openxmlformats.org/officeDocument/2006/relationships" xmlns:p="http://schemas.openxmlformats.org/presentationml/2006/main">
+  <p:cSld>
+    <p:spTree>
+      <p:nvGrpSpPr>
+        <p:cNvPr id="1" name=""/>
+        <p:cNvGrpSpPr/>
+        <p:nvPr/>
+      </p:nvGrpSpPr>
+      <p:grpSpPr>
+        <a:xfrm>
+          <a:off x="0" y="0"/>
+          <a:ext cx="0" cy="0"/>
+          <a:chOff x="0" y="0"/>
+          <a:chExt cx="0" cy="0"/>
+        </a:xfrm>
+      </p:grpSpPr>
+      <p:sp>
+        <p:nvSpPr>
+          <p:cNvPr id="2" name="Содержимое 1"/>
+          <p:cNvSpPr>
+            <a:spLocks noGrp="1"/>
+          </p:cNvSpPr>
+          <p:nvPr>
+            <p:ph idx="1"/>
+          </p:nvPr>
+        </p:nvSpPr>
+        <p:spPr>
+          <a:xfrm>
             <a:off x="838199" y="3836273"/>
             <a:ext cx="10702159" cy="2995448"/>
           </a:xfrm>
@@ -4465,7 +7050,6 @@
               <a:rPr lang="en-US" altLang="en-US" dirty="0" smtClean="0"/>
               <a:t>Arithmetic Instructions</a:t>
             </a:r>
-            <a:endParaRPr lang="en-US" altLang="en-US" dirty="0" smtClean="0"/>
           </a:p>
           <a:p>
             <a:pPr lvl="1">
@@ -4508,17 +7092,8 @@
             </a:pPr>
             <a:r>
               <a:rPr lang="en-US" altLang="en-US" dirty="0" smtClean="0"/>
-              <a:t>rs1 and rs2: first and second source </a:t>
-            </a:r>
-            <a:r>
-              <a:rPr lang="en-US" altLang="en-US" dirty="0" smtClean="0"/>
-              <a:t>register </a:t>
-            </a:r>
-            <a:r>
-              <a:rPr lang="en-US" altLang="en-US" dirty="0" smtClean="0"/>
-              <a:t>5-bit numbers</a:t>
-            </a:r>
-            <a:endParaRPr lang="en-US" altLang="en-US" dirty="0" smtClean="0"/>
+              <a:t>rs1 and rs2: first and second source register 5-bit numbers</a:t>
+            </a:r>
           </a:p>
           <a:p>
             <a:pPr lvl="1">
@@ -4528,11 +7103,7 @@
             </a:pPr>
             <a:r>
               <a:rPr lang="en-US" altLang="en-US" dirty="0" smtClean="0"/>
-              <a:t>funct7</a:t>
-            </a:r>
-            <a:r>
-              <a:rPr lang="en-US" altLang="en-US" dirty="0" smtClean="0"/>
-              <a:t>: 7-bit function code (additional opcode)</a:t>
+              <a:t>funct7: 7-bit function code (additional opcode)</a:t>
             </a:r>
           </a:p>
           <a:p>
@@ -4559,7 +7130,7 @@
             <a:fld id="{1397BFD8-F312-4EF2-A268-44FB4BDDBBB0}" type="slidenum">
               <a:rPr lang="ru-RU" smtClean="0"/>
               <a:pPr algn="ctr"/>
-              <a:t>3</a:t>
+              <a:t>5</a:t>
             </a:fld>
             <a:endParaRPr lang="ru-RU" dirty="0"/>
           </a:p>
@@ -4582,11 +7153,7 @@
           <a:p>
             <a:r>
               <a:rPr lang="en-US" altLang="en-US" dirty="0" smtClean="0"/>
-              <a:t>R-format </a:t>
-            </a:r>
-            <a:r>
-              <a:rPr lang="en-US" altLang="en-US" dirty="0" smtClean="0"/>
-              <a:t>Instructions</a:t>
+              <a:t>R-format Instructions</a:t>
             </a:r>
             <a:endParaRPr lang="ru-RU" dirty="0"/>
           </a:p>
@@ -5953,7 +8520,7 @@
 </p:sld>
 </file>
 
-<file path=ppt/slides/slide4.xml><?xml version="1.0" encoding="utf-8"?>
+<file path=ppt/slides/slide6.xml><?xml version="1.0" encoding="utf-8"?>
 <p:sld xmlns:a="http://schemas.openxmlformats.org/drawingml/2006/main" xmlns:r="http://schemas.openxmlformats.org/officeDocument/2006/relationships" xmlns:p="http://schemas.openxmlformats.org/presentationml/2006/main">
   <p:cSld>
     <p:spTree>
@@ -5972,6 +8539,57 @@
       </p:grpSpPr>
       <p:sp>
         <p:nvSpPr>
+          <p:cNvPr id="2" name="Содержимое 1"/>
+          <p:cNvSpPr>
+            <a:spLocks noGrp="1"/>
+          </p:cNvSpPr>
+          <p:nvPr>
+            <p:ph idx="1"/>
+          </p:nvPr>
+        </p:nvSpPr>
+        <p:spPr>
+          <a:xfrm>
+            <a:off x="901262" y="2691542"/>
+            <a:ext cx="10515600" cy="2784347"/>
+          </a:xfrm>
+        </p:spPr>
+        <p:txBody>
+          <a:bodyPr/>
+          <a:lstStyle/>
+          <a:p>
+            <a:r>
+              <a:rPr lang="en-US" altLang="en-US" dirty="0" smtClean="0"/>
+              <a:t>Immediate arithmetic and load instructions</a:t>
+            </a:r>
+          </a:p>
+          <a:p>
+            <a:pPr lvl="1"/>
+            <a:r>
+              <a:rPr lang="en-US" altLang="en-US" dirty="0" smtClean="0"/>
+              <a:t>rs1: source or base address register number</a:t>
+            </a:r>
+          </a:p>
+          <a:p>
+            <a:pPr lvl="1"/>
+            <a:r>
+              <a:rPr lang="en-US" altLang="en-US" dirty="0" smtClean="0"/>
+              <a:t>immediate: constant operand, or offset added to base address</a:t>
+            </a:r>
+          </a:p>
+          <a:p>
+            <a:pPr lvl="2"/>
+            <a:r>
+              <a:rPr lang="en-US" altLang="en-US" sz="2800" dirty="0" smtClean="0"/>
+              <a:t>2s-complement, sign extended</a:t>
+            </a:r>
+          </a:p>
+          <a:p>
+            <a:endParaRPr lang="ru-RU" dirty="0"/>
+          </a:p>
+        </p:txBody>
+      </p:sp>
+      <p:sp>
+        <p:nvSpPr>
           <p:cNvPr id="3" name="Номер слайда 2"/>
           <p:cNvSpPr>
             <a:spLocks noGrp="1"/>
@@ -5989,7 +8607,7 @@
             <a:fld id="{1397BFD8-F312-4EF2-A268-44FB4BDDBBB0}" type="slidenum">
               <a:rPr lang="ru-RU" smtClean="0"/>
               <a:pPr algn="ctr"/>
-              <a:t>4</a:t>
+              <a:t>6</a:t>
             </a:fld>
             <a:endParaRPr lang="ru-RU" dirty="0"/>
           </a:p>
@@ -6012,161 +8630,15 @@
           <a:p>
             <a:r>
               <a:rPr lang="en-US" altLang="en-US" dirty="0" smtClean="0"/>
-              <a:t>R-format Example</a:t>
+              <a:t>I-format Instructions</a:t>
             </a:r>
             <a:endParaRPr lang="ru-RU" dirty="0"/>
-          </a:p>
-        </p:txBody>
-      </p:sp>
-      <p:sp>
-        <p:nvSpPr>
-          <p:cNvPr id="5" name="Rectangle 37"/>
-          <p:cNvSpPr txBox="1">
-            <a:spLocks noChangeArrowheads="1"/>
-          </p:cNvSpPr>
-          <p:nvPr/>
-        </p:nvSpPr>
-        <p:spPr>
-          <a:xfrm>
-            <a:off x="683170" y="3228078"/>
-            <a:ext cx="5490817" cy="649288"/>
-          </a:xfrm>
-          <a:prstGeom prst="rect">
-            <a:avLst/>
-          </a:prstGeom>
-        </p:spPr>
-        <p:txBody>
-          <a:bodyPr vert="horz" lIns="91440" tIns="45720" rIns="91440" bIns="45720" rtlCol="0" anchor="ctr">
-            <a:normAutofit/>
-          </a:bodyPr>
-          <a:lstStyle/>
-          <a:p>
-            <a:pPr marL="228600" marR="0" lvl="0" indent="-228600" defTabSz="914400" rtl="0" eaLnBrk="1" fontAlgn="auto" latinLnBrk="0" hangingPunct="1">
-              <a:lnSpc>
-                <a:spcPct val="90000"/>
-              </a:lnSpc>
-              <a:spcBef>
-                <a:spcPts val="1000"/>
-              </a:spcBef>
-              <a:spcAft>
-                <a:spcPts val="0"/>
-              </a:spcAft>
-              <a:buClrTx/>
-              <a:buSzTx/>
-              <a:buFont typeface="Wingdings" pitchFamily="2" charset="2"/>
-              <a:buNone/>
-              <a:tabLst/>
-              <a:defRPr/>
-            </a:pPr>
-            <a:r>
-              <a:rPr kumimoji="0" lang="en-US" altLang="en-US" sz="3200" b="0" i="0" u="none" strike="noStrike" kern="1200" cap="none" spc="0" normalizeH="0" baseline="0" noProof="0" dirty="0" smtClean="0">
-                <a:ln>
-                  <a:noFill/>
-                </a:ln>
-                <a:solidFill>
-                  <a:srgbClr val="273272"/>
-                </a:solidFill>
-                <a:effectLst/>
-                <a:uLnTx/>
-                <a:uFillTx/>
-                <a:ea typeface="+mn-ea"/>
-                <a:cs typeface="+mn-cs"/>
-              </a:rPr>
-              <a:t>	add x9, x20, x21</a:t>
-            </a:r>
-          </a:p>
-        </p:txBody>
-      </p:sp>
-      <p:sp>
-        <p:nvSpPr>
-          <p:cNvPr id="6" name="Rectangle 35"/>
-          <p:cNvSpPr>
-            <a:spLocks noChangeArrowheads="1"/>
-          </p:cNvSpPr>
-          <p:nvPr/>
-        </p:nvSpPr>
-        <p:spPr bwMode="auto">
-          <a:xfrm>
-            <a:off x="865078" y="4730257"/>
-            <a:ext cx="10486094" cy="577474"/>
-          </a:xfrm>
-          <a:prstGeom prst="rect">
-            <a:avLst/>
-          </a:prstGeom>
-          <a:noFill/>
-          <a:ln w="9525">
-            <a:noFill/>
-            <a:miter lim="800000"/>
-            <a:headEnd/>
-            <a:tailEnd/>
-          </a:ln>
-        </p:spPr>
-        <p:txBody>
-          <a:bodyPr/>
-          <a:lstStyle/>
-          <a:p>
-            <a:pPr marL="342900" indent="-342900" eaLnBrk="1" hangingPunct="1">
-              <a:spcBef>
-                <a:spcPct val="20000"/>
-              </a:spcBef>
-              <a:buClr>
-                <a:schemeClr val="folHlink"/>
-              </a:buClr>
-              <a:buSzPct val="60000"/>
-              <a:buFont typeface="Wingdings" pitchFamily="2" charset="2"/>
-              <a:buNone/>
-            </a:pPr>
-            <a:r>
-              <a:rPr lang="en-US" altLang="en-US" sz="3200" dirty="0">
-                <a:solidFill>
-                  <a:srgbClr val="1E3272"/>
-                </a:solidFill>
-              </a:rPr>
-              <a:t>0000 0001 0101 1010 0000 0100 1011 0011</a:t>
-            </a:r>
-            <a:r>
-              <a:rPr lang="en-US" altLang="en-US" sz="3200" baseline="-25000" dirty="0">
-                <a:solidFill>
-                  <a:srgbClr val="1E3272"/>
-                </a:solidFill>
-              </a:rPr>
-              <a:t>two</a:t>
-            </a:r>
-            <a:r>
-              <a:rPr lang="en-US" altLang="en-US" sz="3200" dirty="0">
-                <a:solidFill>
-                  <a:srgbClr val="1E3272"/>
-                </a:solidFill>
-              </a:rPr>
-              <a:t> </a:t>
-            </a:r>
-            <a:r>
-              <a:rPr lang="en-US" altLang="en-US" sz="3200" dirty="0" smtClean="0">
-                <a:solidFill>
-                  <a:srgbClr val="1E3272"/>
-                </a:solidFill>
-              </a:rPr>
-              <a:t>= 015A04B3</a:t>
-            </a:r>
-            <a:r>
-              <a:rPr lang="en-US" altLang="en-US" sz="3200" baseline="-25000" dirty="0" smtClean="0">
-                <a:solidFill>
-                  <a:srgbClr val="1E3272"/>
-                </a:solidFill>
-              </a:rPr>
-              <a:t>16</a:t>
-            </a:r>
-            <a:endParaRPr lang="en-AU" altLang="en-US" sz="3200" dirty="0">
-              <a:solidFill>
-                <a:srgbClr val="1E3272"/>
-              </a:solidFill>
-            </a:endParaRPr>
           </a:p>
         </p:txBody>
       </p:sp>
       <p:grpSp>
         <p:nvGrpSpPr>
-          <p:cNvPr id="7" name="Group 26"/>
+          <p:cNvPr id="5" name="Group 1"/>
           <p:cNvGrpSpPr>
             <a:grpSpLocks/>
           </p:cNvGrpSpPr>
@@ -6174,15 +8646,15 @@
         </p:nvGrpSpPr>
         <p:grpSpPr bwMode="auto">
           <a:xfrm>
-            <a:off x="2834893" y="1371218"/>
-            <a:ext cx="6801485" cy="776901"/>
+            <a:off x="2918975" y="1097959"/>
+            <a:ext cx="6772275" cy="838457"/>
             <a:chOff x="1331640" y="1391533"/>
-            <a:chExt cx="6771978" cy="778313"/>
+            <a:chExt cx="6771978" cy="839981"/>
           </a:xfrm>
         </p:grpSpPr>
         <p:sp>
           <p:nvSpPr>
-            <p:cNvPr id="8" name="Text Box 5"/>
+            <p:cNvPr id="6" name="Text Box 5"/>
             <p:cNvSpPr txBox="1">
               <a:spLocks noChangeArrowheads="1"/>
             </p:cNvSpPr>
@@ -6191,15 +8663,17 @@
           <p:spPr bwMode="auto">
             <a:xfrm>
               <a:off x="1331640" y="1391533"/>
-              <a:ext cx="1296987" cy="415925"/>
+              <a:ext cx="2374899" cy="431670"/>
             </a:xfrm>
             <a:prstGeom prst="rect">
               <a:avLst/>
             </a:prstGeom>
-            <a:noFill/>
+            <a:solidFill>
+              <a:srgbClr val="F7B217"/>
+            </a:solidFill>
             <a:ln w="19050">
               <a:solidFill>
-                <a:srgbClr val="1E3272"/>
+                <a:srgbClr val="273272"/>
               </a:solidFill>
               <a:miter lim="800000"/>
               <a:headEnd/>
@@ -6214,24 +8688,16 @@
             <a:p>
               <a:pPr algn="ctr"/>
               <a:r>
-                <a:rPr lang="en-US" altLang="en-US" sz="2000" dirty="0">
-                  <a:solidFill>
-                    <a:srgbClr val="1E3272"/>
-                  </a:solidFill>
-                </a:rPr>
-                <a:t>funct7</a:t>
+                <a:rPr lang="en-US" altLang="en-US" sz="2200" dirty="0"/>
+                <a:t>immediate</a:t>
               </a:r>
-              <a:endParaRPr lang="en-AU" altLang="en-US" sz="2000" dirty="0">
-                <a:solidFill>
-                  <a:srgbClr val="1E3272"/>
-                </a:solidFill>
-              </a:endParaRPr>
+              <a:endParaRPr lang="en-AU" altLang="en-US" sz="2200" dirty="0"/>
             </a:p>
           </p:txBody>
         </p:sp>
         <p:sp>
           <p:nvSpPr>
-            <p:cNvPr id="9" name="Text Box 6"/>
+            <p:cNvPr id="7" name="Text Box 7"/>
             <p:cNvSpPr txBox="1">
               <a:spLocks noChangeArrowheads="1"/>
             </p:cNvSpPr>
@@ -6239,16 +8705,18 @@
           </p:nvSpPr>
           <p:spPr bwMode="auto">
             <a:xfrm>
-              <a:off x="2628627" y="1391533"/>
-              <a:ext cx="1079500" cy="415925"/>
+              <a:off x="3708127" y="1391533"/>
+              <a:ext cx="1079500" cy="431670"/>
             </a:xfrm>
             <a:prstGeom prst="rect">
               <a:avLst/>
             </a:prstGeom>
-            <a:noFill/>
+            <a:solidFill>
+              <a:srgbClr val="F7B217"/>
+            </a:solidFill>
             <a:ln w="19050">
               <a:solidFill>
-                <a:srgbClr val="1E3272"/>
+                <a:srgbClr val="273272"/>
               </a:solidFill>
               <a:miter lim="800000"/>
               <a:headEnd/>
@@ -6263,24 +8731,16 @@
             <a:p>
               <a:pPr algn="ctr"/>
               <a:r>
-                <a:rPr lang="en-US" altLang="en-US" sz="2000" dirty="0">
-                  <a:solidFill>
-                    <a:srgbClr val="1E3272"/>
-                  </a:solidFill>
-                </a:rPr>
-                <a:t>rs2</a:t>
+                <a:rPr lang="en-US" altLang="en-US" sz="2200" dirty="0"/>
+                <a:t>rs1</a:t>
               </a:r>
-              <a:endParaRPr lang="en-AU" altLang="en-US" sz="2000" dirty="0">
-                <a:solidFill>
-                  <a:srgbClr val="1E3272"/>
-                </a:solidFill>
-              </a:endParaRPr>
+              <a:endParaRPr lang="en-AU" altLang="en-US" sz="2200" dirty="0"/>
             </a:p>
           </p:txBody>
         </p:sp>
         <p:sp>
           <p:nvSpPr>
-            <p:cNvPr id="10" name="Text Box 7"/>
+            <p:cNvPr id="8" name="Text Box 8"/>
             <p:cNvSpPr txBox="1">
               <a:spLocks noChangeArrowheads="1"/>
             </p:cNvSpPr>
@@ -6288,16 +8748,18 @@
           </p:nvSpPr>
           <p:spPr bwMode="auto">
             <a:xfrm>
-              <a:off x="3708127" y="1391533"/>
-              <a:ext cx="1079500" cy="415925"/>
+              <a:off x="5727131" y="1391533"/>
+              <a:ext cx="1079500" cy="431670"/>
             </a:xfrm>
             <a:prstGeom prst="rect">
               <a:avLst/>
             </a:prstGeom>
-            <a:noFill/>
+            <a:solidFill>
+              <a:srgbClr val="F7B217"/>
+            </a:solidFill>
             <a:ln w="19050">
               <a:solidFill>
-                <a:srgbClr val="1E3272"/>
+                <a:srgbClr val="273272"/>
               </a:solidFill>
               <a:miter lim="800000"/>
               <a:headEnd/>
@@ -6312,24 +8774,16 @@
             <a:p>
               <a:pPr algn="ctr"/>
               <a:r>
-                <a:rPr lang="en-US" altLang="en-US" sz="2000" dirty="0">
-                  <a:solidFill>
-                    <a:srgbClr val="1E3272"/>
-                  </a:solidFill>
-                </a:rPr>
-                <a:t>rs1</a:t>
+                <a:rPr lang="en-US" altLang="en-US" sz="2200" dirty="0" smtClean="0"/>
+                <a:t>rd</a:t>
               </a:r>
-              <a:endParaRPr lang="en-AU" altLang="en-US" sz="2000" dirty="0">
-                <a:solidFill>
-                  <a:srgbClr val="1E3272"/>
-                </a:solidFill>
-              </a:endParaRPr>
+              <a:endParaRPr lang="en-AU" altLang="en-US" sz="2200" dirty="0"/>
             </a:p>
           </p:txBody>
         </p:sp>
         <p:sp>
           <p:nvSpPr>
-            <p:cNvPr id="11" name="Text Box 8"/>
+            <p:cNvPr id="9" name="Text Box 9"/>
             <p:cNvSpPr txBox="1">
               <a:spLocks noChangeArrowheads="1"/>
             </p:cNvSpPr>
@@ -6337,16 +8791,18 @@
           </p:nvSpPr>
           <p:spPr bwMode="auto">
             <a:xfrm>
-              <a:off x="5727131" y="1391533"/>
-              <a:ext cx="1079500" cy="415925"/>
+              <a:off x="4789215" y="1391533"/>
+              <a:ext cx="936328" cy="431670"/>
             </a:xfrm>
             <a:prstGeom prst="rect">
               <a:avLst/>
             </a:prstGeom>
-            <a:noFill/>
+            <a:solidFill>
+              <a:srgbClr val="F7B217"/>
+            </a:solidFill>
             <a:ln w="19050">
               <a:solidFill>
-                <a:srgbClr val="1E3272"/>
+                <a:srgbClr val="273272"/>
               </a:solidFill>
               <a:miter lim="800000"/>
               <a:headEnd/>
@@ -6361,24 +8817,16 @@
             <a:p>
               <a:pPr algn="ctr"/>
               <a:r>
-                <a:rPr lang="en-US" altLang="en-US" sz="2000" dirty="0">
-                  <a:solidFill>
-                    <a:srgbClr val="1E3272"/>
-                  </a:solidFill>
-                </a:rPr>
-                <a:t>rd</a:t>
+                <a:rPr lang="en-US" altLang="en-US" sz="2200" dirty="0"/>
+                <a:t>funct3</a:t>
               </a:r>
-              <a:endParaRPr lang="en-AU" altLang="en-US" sz="2000" dirty="0">
-                <a:solidFill>
-                  <a:srgbClr val="1E3272"/>
-                </a:solidFill>
-              </a:endParaRPr>
+              <a:endParaRPr lang="en-AU" altLang="en-US" sz="2200" dirty="0"/>
             </a:p>
           </p:txBody>
         </p:sp>
         <p:sp>
           <p:nvSpPr>
-            <p:cNvPr id="12" name="Text Box 9"/>
+            <p:cNvPr id="10" name="Text Box 10"/>
             <p:cNvSpPr txBox="1">
               <a:spLocks noChangeArrowheads="1"/>
             </p:cNvSpPr>
@@ -6386,16 +8834,18 @@
           </p:nvSpPr>
           <p:spPr bwMode="auto">
             <a:xfrm>
-              <a:off x="4789215" y="1391533"/>
-              <a:ext cx="936328" cy="415925"/>
+              <a:off x="6806631" y="1391533"/>
+              <a:ext cx="1296987" cy="431670"/>
             </a:xfrm>
             <a:prstGeom prst="rect">
               <a:avLst/>
             </a:prstGeom>
-            <a:noFill/>
+            <a:solidFill>
+              <a:srgbClr val="F7B217"/>
+            </a:solidFill>
             <a:ln w="19050">
               <a:solidFill>
-                <a:srgbClr val="1E3272"/>
+                <a:srgbClr val="273272"/>
               </a:solidFill>
               <a:miter lim="800000"/>
               <a:headEnd/>
@@ -6410,24 +8860,16 @@
             <a:p>
               <a:pPr algn="ctr"/>
               <a:r>
-                <a:rPr lang="en-US" altLang="en-US" sz="2000" dirty="0">
-                  <a:solidFill>
-                    <a:srgbClr val="1E3272"/>
-                  </a:solidFill>
-                </a:rPr>
-                <a:t>funct3</a:t>
+                <a:rPr lang="en-US" altLang="en-US" sz="2200" dirty="0"/>
+                <a:t>opcode</a:t>
               </a:r>
-              <a:endParaRPr lang="en-AU" altLang="en-US" sz="2000" dirty="0">
-                <a:solidFill>
-                  <a:srgbClr val="1E3272"/>
-                </a:solidFill>
-              </a:endParaRPr>
+              <a:endParaRPr lang="en-AU" altLang="en-US" sz="2200" dirty="0"/>
             </a:p>
           </p:txBody>
         </p:sp>
         <p:sp>
           <p:nvSpPr>
-            <p:cNvPr id="13" name="Text Box 10"/>
+            <p:cNvPr id="11" name="Text Box 11"/>
             <p:cNvSpPr txBox="1">
               <a:spLocks noChangeArrowheads="1"/>
             </p:cNvSpPr>
@@ -6435,57 +8877,8 @@
           </p:nvSpPr>
           <p:spPr bwMode="auto">
             <a:xfrm>
-              <a:off x="6806631" y="1391533"/>
-              <a:ext cx="1296987" cy="415925"/>
-            </a:xfrm>
-            <a:prstGeom prst="rect">
-              <a:avLst/>
-            </a:prstGeom>
-            <a:noFill/>
-            <a:ln w="19050">
-              <a:solidFill>
-                <a:srgbClr val="1E3272"/>
-              </a:solidFill>
-              <a:miter lim="800000"/>
-              <a:headEnd/>
-              <a:tailEnd/>
-            </a:ln>
-          </p:spPr>
-          <p:txBody>
-            <a:bodyPr>
-              <a:spAutoFit/>
-            </a:bodyPr>
-            <a:lstStyle/>
-            <a:p>
-              <a:pPr algn="ctr"/>
-              <a:r>
-                <a:rPr lang="en-US" altLang="en-US" sz="2000" dirty="0">
-                  <a:solidFill>
-                    <a:srgbClr val="1E3272"/>
-                  </a:solidFill>
-                </a:rPr>
-                <a:t>opcode</a:t>
-              </a:r>
-              <a:endParaRPr lang="en-AU" altLang="en-US" sz="2000" dirty="0">
-                <a:solidFill>
-                  <a:srgbClr val="1E3272"/>
-                </a:solidFill>
-              </a:endParaRPr>
-            </a:p>
-          </p:txBody>
-        </p:sp>
-        <p:sp>
-          <p:nvSpPr>
-            <p:cNvPr id="14" name="Text Box 11"/>
-            <p:cNvSpPr txBox="1">
-              <a:spLocks noChangeArrowheads="1"/>
-            </p:cNvSpPr>
-            <p:nvPr/>
-          </p:nvSpPr>
-          <p:spPr bwMode="auto">
-            <a:xfrm>
-              <a:off x="1634552" y="1828096"/>
-              <a:ext cx="645123" cy="339169"/>
+              <a:off x="2026228" y="1828096"/>
+              <a:ext cx="893154" cy="400837"/>
             </a:xfrm>
             <a:prstGeom prst="rect">
               <a:avLst/>
@@ -6506,16 +8899,16 @@
             <a:p>
               <a:pPr algn="ctr"/>
               <a:r>
-                <a:rPr lang="en-US" altLang="en-US" sz="1600" b="1" dirty="0">
+                <a:rPr lang="en-US" altLang="en-US" sz="2000" b="1" dirty="0">
                   <a:solidFill>
-                    <a:srgbClr val="1E3272"/>
+                    <a:srgbClr val="273272"/>
                   </a:solidFill>
                 </a:rPr>
-                <a:t>7 bits</a:t>
+                <a:t>12 bits</a:t>
               </a:r>
-              <a:endParaRPr lang="en-AU" altLang="en-US" sz="1600" b="1" dirty="0">
-                <a:solidFill>
-                  <a:srgbClr val="1E3272"/>
+              <a:endParaRPr lang="en-AU" altLang="en-US" sz="2000" b="1" dirty="0">
+                <a:solidFill>
+                  <a:srgbClr val="273272"/>
                 </a:solidFill>
               </a:endParaRPr>
             </a:p>
@@ -6523,7 +8916,7 @@
         </p:sp>
         <p:sp>
           <p:nvSpPr>
-            <p:cNvPr id="15" name="Text Box 12"/>
+            <p:cNvPr id="12" name="Text Box 12"/>
             <p:cNvSpPr txBox="1">
               <a:spLocks noChangeArrowheads="1"/>
             </p:cNvSpPr>
@@ -6531,8 +8924,8 @@
           </p:nvSpPr>
           <p:spPr bwMode="auto">
             <a:xfrm>
-              <a:off x="7109544" y="1830677"/>
-              <a:ext cx="645122" cy="339169"/>
+              <a:off x="7050447" y="1830677"/>
+              <a:ext cx="763318" cy="400837"/>
             </a:xfrm>
             <a:prstGeom prst="rect">
               <a:avLst/>
@@ -6553,16 +8946,16 @@
             <a:p>
               <a:pPr algn="ctr"/>
               <a:r>
-                <a:rPr lang="en-US" altLang="en-US" sz="1600" b="1" dirty="0">
+                <a:rPr lang="en-US" altLang="en-US" sz="2000" b="1" dirty="0">
                   <a:solidFill>
-                    <a:srgbClr val="1E3272"/>
+                    <a:srgbClr val="273272"/>
                   </a:solidFill>
                 </a:rPr>
                 <a:t>7 bits</a:t>
               </a:r>
-              <a:endParaRPr lang="en-AU" altLang="en-US" sz="1600" b="1" dirty="0">
-                <a:solidFill>
-                  <a:srgbClr val="1E3272"/>
+              <a:endParaRPr lang="en-AU" altLang="en-US" sz="2000" b="1" dirty="0">
+                <a:solidFill>
+                  <a:srgbClr val="273272"/>
                 </a:solidFill>
               </a:endParaRPr>
             </a:p>
@@ -6570,7 +8963,7 @@
         </p:sp>
         <p:sp>
           <p:nvSpPr>
-            <p:cNvPr id="16" name="Text Box 13"/>
+            <p:cNvPr id="13" name="Text Box 14"/>
             <p:cNvSpPr txBox="1">
               <a:spLocks noChangeArrowheads="1"/>
             </p:cNvSpPr>
@@ -6578,8 +8971,8 @@
           </p:nvSpPr>
           <p:spPr bwMode="auto">
             <a:xfrm>
-              <a:off x="2846115" y="1828096"/>
-              <a:ext cx="669925" cy="336550"/>
+              <a:off x="3880506" y="1828095"/>
+              <a:ext cx="763318" cy="400837"/>
             </a:xfrm>
             <a:prstGeom prst="rect">
               <a:avLst/>
@@ -6600,16 +8993,16 @@
             <a:p>
               <a:pPr algn="ctr"/>
               <a:r>
-                <a:rPr lang="en-US" altLang="en-US" sz="1600" b="1" dirty="0">
+                <a:rPr lang="en-US" altLang="en-US" sz="2000" b="1" dirty="0">
                   <a:solidFill>
-                    <a:srgbClr val="1E3272"/>
+                    <a:srgbClr val="273272"/>
                   </a:solidFill>
                 </a:rPr>
                 <a:t>5 bits</a:t>
               </a:r>
-              <a:endParaRPr lang="en-AU" altLang="en-US" sz="1600" b="1" dirty="0">
-                <a:solidFill>
-                  <a:srgbClr val="1E3272"/>
+              <a:endParaRPr lang="en-AU" altLang="en-US" sz="2000" b="1" dirty="0">
+                <a:solidFill>
+                  <a:srgbClr val="273272"/>
                 </a:solidFill>
               </a:endParaRPr>
             </a:p>
@@ -6617,7 +9010,7 @@
         </p:sp>
         <p:sp>
           <p:nvSpPr>
-            <p:cNvPr id="17" name="Text Box 14"/>
+            <p:cNvPr id="14" name="Text Box 15"/>
             <p:cNvSpPr txBox="1">
               <a:spLocks noChangeArrowheads="1"/>
             </p:cNvSpPr>
@@ -6625,8 +9018,8 @@
           </p:nvSpPr>
           <p:spPr bwMode="auto">
             <a:xfrm>
-              <a:off x="3927202" y="1828096"/>
-              <a:ext cx="669925" cy="336550"/>
+              <a:off x="5899510" y="1830676"/>
+              <a:ext cx="763318" cy="400837"/>
             </a:xfrm>
             <a:prstGeom prst="rect">
               <a:avLst/>
@@ -6647,16 +9040,16 @@
             <a:p>
               <a:pPr algn="ctr"/>
               <a:r>
-                <a:rPr lang="en-US" altLang="en-US" sz="1600" b="1" dirty="0">
+                <a:rPr lang="en-US" altLang="en-US" sz="2000" b="1" dirty="0">
                   <a:solidFill>
-                    <a:srgbClr val="1E3272"/>
+                    <a:srgbClr val="273272"/>
                   </a:solidFill>
                 </a:rPr>
                 <a:t>5 bits</a:t>
               </a:r>
-              <a:endParaRPr lang="en-AU" altLang="en-US" sz="1600" b="1" dirty="0">
-                <a:solidFill>
-                  <a:srgbClr val="1E3272"/>
+              <a:endParaRPr lang="en-AU" altLang="en-US" sz="2000" b="1" dirty="0">
+                <a:solidFill>
+                  <a:srgbClr val="273272"/>
                 </a:solidFill>
               </a:endParaRPr>
             </a:p>
@@ -6664,7 +9057,7 @@
         </p:sp>
         <p:sp>
           <p:nvSpPr>
-            <p:cNvPr id="18" name="Text Box 15"/>
+            <p:cNvPr id="15" name="Text Box 16"/>
             <p:cNvSpPr txBox="1">
               <a:spLocks noChangeArrowheads="1"/>
             </p:cNvSpPr>
@@ -6672,8 +9065,8 @@
           </p:nvSpPr>
           <p:spPr bwMode="auto">
             <a:xfrm>
-              <a:off x="5946206" y="1830677"/>
-              <a:ext cx="669925" cy="336550"/>
+              <a:off x="4816834" y="1828095"/>
+              <a:ext cx="763318" cy="400837"/>
             </a:xfrm>
             <a:prstGeom prst="rect">
               <a:avLst/>
@@ -6694,673 +9087,31 @@
             <a:p>
               <a:pPr algn="ctr"/>
               <a:r>
-                <a:rPr lang="en-US" altLang="en-US" sz="1600" b="1" dirty="0">
+                <a:rPr lang="en-US" altLang="en-US" sz="2000" b="1" dirty="0">
                   <a:solidFill>
-                    <a:srgbClr val="1E3272"/>
-                  </a:solidFill>
-                </a:rPr>
-                <a:t>5 bits</a:t>
-              </a:r>
-              <a:endParaRPr lang="en-AU" altLang="en-US" sz="1600" b="1" dirty="0">
-                <a:solidFill>
-                  <a:srgbClr val="1E3272"/>
-                </a:solidFill>
-              </a:endParaRPr>
-            </a:p>
-          </p:txBody>
-        </p:sp>
-        <p:sp>
-          <p:nvSpPr>
-            <p:cNvPr id="19" name="Text Box 16"/>
-            <p:cNvSpPr txBox="1">
-              <a:spLocks noChangeArrowheads="1"/>
-            </p:cNvSpPr>
-            <p:nvPr/>
-          </p:nvSpPr>
-          <p:spPr bwMode="auto">
-            <a:xfrm>
-              <a:off x="4875932" y="1828096"/>
-              <a:ext cx="645122" cy="339169"/>
-            </a:xfrm>
-            <a:prstGeom prst="rect">
-              <a:avLst/>
-            </a:prstGeom>
-            <a:noFill/>
-            <a:ln w="9525">
-              <a:noFill/>
-              <a:miter lim="800000"/>
-              <a:headEnd/>
-              <a:tailEnd/>
-            </a:ln>
-          </p:spPr>
-          <p:txBody>
-            <a:bodyPr wrap="none">
-              <a:spAutoFit/>
-            </a:bodyPr>
-            <a:lstStyle/>
-            <a:p>
-              <a:pPr algn="ctr"/>
-              <a:r>
-                <a:rPr lang="en-US" altLang="en-US" sz="1600" b="1" dirty="0">
-                  <a:solidFill>
-                    <a:srgbClr val="1E3272"/>
+                    <a:srgbClr val="273272"/>
                   </a:solidFill>
                 </a:rPr>
                 <a:t>3 bits</a:t>
               </a:r>
-              <a:endParaRPr lang="en-AU" altLang="en-US" sz="1600" b="1" dirty="0">
-                <a:solidFill>
-                  <a:srgbClr val="1E3272"/>
+              <a:endParaRPr lang="en-AU" altLang="en-US" sz="2000" b="1" dirty="0">
+                <a:solidFill>
+                  <a:srgbClr val="273272"/>
                 </a:solidFill>
               </a:endParaRPr>
             </a:p>
           </p:txBody>
         </p:sp>
       </p:grpSp>
-      <p:sp>
-        <p:nvSpPr>
-          <p:cNvPr id="20" name="Text Box 5"/>
-          <p:cNvSpPr txBox="1">
-            <a:spLocks noChangeArrowheads="1"/>
-          </p:cNvSpPr>
-          <p:nvPr/>
-        </p:nvSpPr>
-        <p:spPr bwMode="auto">
-          <a:xfrm>
-            <a:off x="985071" y="3865329"/>
-            <a:ext cx="1302581" cy="415925"/>
-          </a:xfrm>
-          <a:prstGeom prst="rect">
-            <a:avLst/>
-          </a:prstGeom>
-          <a:noFill/>
-          <a:ln w="19050">
-            <a:solidFill>
-              <a:srgbClr val="1E3272"/>
-            </a:solidFill>
-            <a:miter lim="800000"/>
-            <a:headEnd/>
-            <a:tailEnd/>
-          </a:ln>
-        </p:spPr>
-        <p:txBody>
-          <a:bodyPr wrap="square">
-            <a:spAutoFit/>
-          </a:bodyPr>
-          <a:lstStyle/>
-          <a:p>
-            <a:pPr algn="ctr"/>
-            <a:r>
-              <a:rPr lang="en-US" altLang="en-US" sz="2000" dirty="0">
-                <a:solidFill>
-                  <a:srgbClr val="1E3272"/>
-                </a:solidFill>
-              </a:rPr>
-              <a:t>0</a:t>
-            </a:r>
-            <a:endParaRPr lang="en-AU" altLang="en-US" sz="2000" dirty="0">
-              <a:solidFill>
-                <a:srgbClr val="1E3272"/>
-              </a:solidFill>
-            </a:endParaRPr>
-          </a:p>
-        </p:txBody>
-      </p:sp>
-      <p:sp>
-        <p:nvSpPr>
-          <p:cNvPr id="21" name="Text Box 6"/>
-          <p:cNvSpPr txBox="1">
-            <a:spLocks noChangeArrowheads="1"/>
-          </p:cNvSpPr>
-          <p:nvPr/>
-        </p:nvSpPr>
-        <p:spPr bwMode="auto">
-          <a:xfrm>
-            <a:off x="2292568" y="3865329"/>
-            <a:ext cx="1084156" cy="415925"/>
-          </a:xfrm>
-          <a:prstGeom prst="rect">
-            <a:avLst/>
-          </a:prstGeom>
-          <a:noFill/>
-          <a:ln w="19050">
-            <a:solidFill>
-              <a:srgbClr val="1E3272"/>
-            </a:solidFill>
-            <a:miter lim="800000"/>
-            <a:headEnd/>
-            <a:tailEnd/>
-          </a:ln>
-        </p:spPr>
-        <p:txBody>
-          <a:bodyPr wrap="square">
-            <a:spAutoFit/>
-          </a:bodyPr>
-          <a:lstStyle/>
-          <a:p>
-            <a:pPr algn="ctr"/>
-            <a:r>
-              <a:rPr lang="en-US" altLang="en-US" sz="2000" dirty="0">
-                <a:solidFill>
-                  <a:srgbClr val="1E3272"/>
-                </a:solidFill>
-              </a:rPr>
-              <a:t>21</a:t>
-            </a:r>
-            <a:endParaRPr lang="en-AU" altLang="en-US" sz="2000" dirty="0">
-              <a:solidFill>
-                <a:srgbClr val="1E3272"/>
-              </a:solidFill>
-            </a:endParaRPr>
-          </a:p>
-        </p:txBody>
-      </p:sp>
-      <p:sp>
-        <p:nvSpPr>
-          <p:cNvPr id="22" name="Text Box 7"/>
-          <p:cNvSpPr txBox="1">
-            <a:spLocks noChangeArrowheads="1"/>
-          </p:cNvSpPr>
-          <p:nvPr/>
-        </p:nvSpPr>
-        <p:spPr bwMode="auto">
-          <a:xfrm>
-            <a:off x="3372068" y="3865329"/>
-            <a:ext cx="1084156" cy="415925"/>
-          </a:xfrm>
-          <a:prstGeom prst="rect">
-            <a:avLst/>
-          </a:prstGeom>
-          <a:noFill/>
-          <a:ln w="19050">
-            <a:solidFill>
-              <a:srgbClr val="1E3272"/>
-            </a:solidFill>
-            <a:miter lim="800000"/>
-            <a:headEnd/>
-            <a:tailEnd/>
-          </a:ln>
-        </p:spPr>
-        <p:txBody>
-          <a:bodyPr wrap="square">
-            <a:spAutoFit/>
-          </a:bodyPr>
-          <a:lstStyle/>
-          <a:p>
-            <a:pPr algn="ctr"/>
-            <a:r>
-              <a:rPr lang="en-US" altLang="en-US" sz="2000" dirty="0">
-                <a:solidFill>
-                  <a:srgbClr val="1E3272"/>
-                </a:solidFill>
-              </a:rPr>
-              <a:t>20</a:t>
-            </a:r>
-            <a:endParaRPr lang="en-AU" altLang="en-US" sz="2000" dirty="0">
-              <a:solidFill>
-                <a:srgbClr val="1E3272"/>
-              </a:solidFill>
-            </a:endParaRPr>
-          </a:p>
-        </p:txBody>
-      </p:sp>
-      <p:sp>
-        <p:nvSpPr>
-          <p:cNvPr id="23" name="Text Box 8"/>
-          <p:cNvSpPr txBox="1">
-            <a:spLocks noChangeArrowheads="1"/>
-          </p:cNvSpPr>
-          <p:nvPr/>
-        </p:nvSpPr>
-        <p:spPr bwMode="auto">
-          <a:xfrm>
-            <a:off x="5391368" y="3865329"/>
-            <a:ext cx="1084156" cy="415925"/>
-          </a:xfrm>
-          <a:prstGeom prst="rect">
-            <a:avLst/>
-          </a:prstGeom>
-          <a:noFill/>
-          <a:ln w="19050">
-            <a:solidFill>
-              <a:srgbClr val="1E3272"/>
-            </a:solidFill>
-            <a:miter lim="800000"/>
-            <a:headEnd/>
-            <a:tailEnd/>
-          </a:ln>
-        </p:spPr>
-        <p:txBody>
-          <a:bodyPr wrap="square">
-            <a:spAutoFit/>
-          </a:bodyPr>
-          <a:lstStyle/>
-          <a:p>
-            <a:pPr algn="ctr"/>
-            <a:r>
-              <a:rPr lang="en-US" altLang="en-US" sz="2000" dirty="0">
-                <a:solidFill>
-                  <a:srgbClr val="1E3272"/>
-                </a:solidFill>
-              </a:rPr>
-              <a:t>9</a:t>
-            </a:r>
-            <a:endParaRPr lang="en-AU" altLang="en-US" sz="2000" dirty="0">
-              <a:solidFill>
-                <a:srgbClr val="1E3272"/>
-              </a:solidFill>
-            </a:endParaRPr>
-          </a:p>
-        </p:txBody>
-      </p:sp>
-      <p:sp>
-        <p:nvSpPr>
-          <p:cNvPr id="24" name="Text Box 9"/>
-          <p:cNvSpPr txBox="1">
-            <a:spLocks noChangeArrowheads="1"/>
-          </p:cNvSpPr>
-          <p:nvPr/>
-        </p:nvSpPr>
-        <p:spPr bwMode="auto">
-          <a:xfrm>
-            <a:off x="4453156" y="3865329"/>
-            <a:ext cx="940665" cy="415925"/>
-          </a:xfrm>
-          <a:prstGeom prst="rect">
-            <a:avLst/>
-          </a:prstGeom>
-          <a:noFill/>
-          <a:ln w="19050">
-            <a:solidFill>
-              <a:srgbClr val="1E3272"/>
-            </a:solidFill>
-            <a:miter lim="800000"/>
-            <a:headEnd/>
-            <a:tailEnd/>
-          </a:ln>
-        </p:spPr>
-        <p:txBody>
-          <a:bodyPr wrap="square">
-            <a:spAutoFit/>
-          </a:bodyPr>
-          <a:lstStyle/>
-          <a:p>
-            <a:pPr algn="ctr"/>
-            <a:r>
-              <a:rPr lang="en-US" altLang="en-US" sz="2000" dirty="0">
-                <a:solidFill>
-                  <a:srgbClr val="1E3272"/>
-                </a:solidFill>
-              </a:rPr>
-              <a:t>0</a:t>
-            </a:r>
-            <a:endParaRPr lang="en-AU" altLang="en-US" sz="2000" dirty="0">
-              <a:solidFill>
-                <a:srgbClr val="1E3272"/>
-              </a:solidFill>
-            </a:endParaRPr>
-          </a:p>
-        </p:txBody>
-      </p:sp>
-      <p:sp>
-        <p:nvSpPr>
-          <p:cNvPr id="25" name="Text Box 10"/>
-          <p:cNvSpPr txBox="1">
-            <a:spLocks noChangeArrowheads="1"/>
-          </p:cNvSpPr>
-          <p:nvPr/>
-        </p:nvSpPr>
-        <p:spPr bwMode="auto">
-          <a:xfrm>
-            <a:off x="6470868" y="3865329"/>
-            <a:ext cx="1302582" cy="415925"/>
-          </a:xfrm>
-          <a:prstGeom prst="rect">
-            <a:avLst/>
-          </a:prstGeom>
-          <a:noFill/>
-          <a:ln w="19050">
-            <a:solidFill>
-              <a:srgbClr val="1E3272"/>
-            </a:solidFill>
-            <a:miter lim="800000"/>
-            <a:headEnd/>
-            <a:tailEnd/>
-          </a:ln>
-        </p:spPr>
-        <p:txBody>
-          <a:bodyPr wrap="square">
-            <a:spAutoFit/>
-          </a:bodyPr>
-          <a:lstStyle/>
-          <a:p>
-            <a:pPr algn="ctr"/>
-            <a:r>
-              <a:rPr lang="en-US" altLang="en-US" sz="2000" dirty="0">
-                <a:solidFill>
-                  <a:srgbClr val="1E3272"/>
-                </a:solidFill>
-              </a:rPr>
-              <a:t>51</a:t>
-            </a:r>
-            <a:endParaRPr lang="en-AU" altLang="en-US" sz="2000" dirty="0">
-              <a:solidFill>
-                <a:srgbClr val="1E3272"/>
-              </a:solidFill>
-            </a:endParaRPr>
-          </a:p>
-        </p:txBody>
-      </p:sp>
-      <p:sp>
-        <p:nvSpPr>
-          <p:cNvPr id="26" name="Text Box 5"/>
-          <p:cNvSpPr txBox="1">
-            <a:spLocks noChangeArrowheads="1"/>
-          </p:cNvSpPr>
-          <p:nvPr/>
-        </p:nvSpPr>
-        <p:spPr bwMode="auto">
-          <a:xfrm>
-            <a:off x="985071" y="4276664"/>
-            <a:ext cx="1302581" cy="415925"/>
-          </a:xfrm>
-          <a:prstGeom prst="rect">
-            <a:avLst/>
-          </a:prstGeom>
-          <a:noFill/>
-          <a:ln w="19050">
-            <a:solidFill>
-              <a:srgbClr val="1E3272"/>
-            </a:solidFill>
-            <a:miter lim="800000"/>
-            <a:headEnd/>
-            <a:tailEnd/>
-          </a:ln>
-        </p:spPr>
-        <p:txBody>
-          <a:bodyPr wrap="square">
-            <a:spAutoFit/>
-          </a:bodyPr>
-          <a:lstStyle/>
-          <a:p>
-            <a:pPr algn="ctr"/>
-            <a:r>
-              <a:rPr lang="en-US" altLang="en-US" sz="2000" dirty="0">
-                <a:solidFill>
-                  <a:srgbClr val="1E3272"/>
-                </a:solidFill>
-              </a:rPr>
-              <a:t>0000000</a:t>
-            </a:r>
-            <a:endParaRPr lang="en-AU" altLang="en-US" sz="2000" dirty="0">
-              <a:solidFill>
-                <a:srgbClr val="1E3272"/>
-              </a:solidFill>
-            </a:endParaRPr>
-          </a:p>
-        </p:txBody>
-      </p:sp>
-      <p:sp>
-        <p:nvSpPr>
-          <p:cNvPr id="27" name="Text Box 6"/>
-          <p:cNvSpPr txBox="1">
-            <a:spLocks noChangeArrowheads="1"/>
-          </p:cNvSpPr>
-          <p:nvPr/>
-        </p:nvSpPr>
-        <p:spPr bwMode="auto">
-          <a:xfrm>
-            <a:off x="2292568" y="4276664"/>
-            <a:ext cx="1084156" cy="415925"/>
-          </a:xfrm>
-          <a:prstGeom prst="rect">
-            <a:avLst/>
-          </a:prstGeom>
-          <a:noFill/>
-          <a:ln w="19050">
-            <a:solidFill>
-              <a:srgbClr val="1E3272"/>
-            </a:solidFill>
-            <a:miter lim="800000"/>
-            <a:headEnd/>
-            <a:tailEnd/>
-          </a:ln>
-        </p:spPr>
-        <p:txBody>
-          <a:bodyPr wrap="square">
-            <a:spAutoFit/>
-          </a:bodyPr>
-          <a:lstStyle/>
-          <a:p>
-            <a:pPr algn="ctr"/>
-            <a:r>
-              <a:rPr lang="en-US" altLang="en-US" sz="2000" dirty="0">
-                <a:solidFill>
-                  <a:srgbClr val="1E3272"/>
-                </a:solidFill>
-              </a:rPr>
-              <a:t>10101</a:t>
-            </a:r>
-            <a:endParaRPr lang="en-AU" altLang="en-US" sz="2000" dirty="0">
-              <a:solidFill>
-                <a:srgbClr val="1E3272"/>
-              </a:solidFill>
-            </a:endParaRPr>
-          </a:p>
-        </p:txBody>
-      </p:sp>
-      <p:sp>
-        <p:nvSpPr>
-          <p:cNvPr id="28" name="Text Box 7"/>
-          <p:cNvSpPr txBox="1">
-            <a:spLocks noChangeArrowheads="1"/>
-          </p:cNvSpPr>
-          <p:nvPr/>
-        </p:nvSpPr>
-        <p:spPr bwMode="auto">
-          <a:xfrm>
-            <a:off x="3372068" y="4276664"/>
-            <a:ext cx="1084156" cy="415925"/>
-          </a:xfrm>
-          <a:prstGeom prst="rect">
-            <a:avLst/>
-          </a:prstGeom>
-          <a:noFill/>
-          <a:ln w="19050">
-            <a:solidFill>
-              <a:srgbClr val="1E3272"/>
-            </a:solidFill>
-            <a:miter lim="800000"/>
-            <a:headEnd/>
-            <a:tailEnd/>
-          </a:ln>
-        </p:spPr>
-        <p:txBody>
-          <a:bodyPr wrap="square">
-            <a:spAutoFit/>
-          </a:bodyPr>
-          <a:lstStyle/>
-          <a:p>
-            <a:pPr algn="ctr"/>
-            <a:r>
-              <a:rPr lang="en-US" altLang="en-US" sz="2000" dirty="0">
-                <a:solidFill>
-                  <a:srgbClr val="1E3272"/>
-                </a:solidFill>
-              </a:rPr>
-              <a:t>10100</a:t>
-            </a:r>
-            <a:endParaRPr lang="en-AU" altLang="en-US" sz="2000" dirty="0">
-              <a:solidFill>
-                <a:srgbClr val="1E3272"/>
-              </a:solidFill>
-            </a:endParaRPr>
-          </a:p>
-        </p:txBody>
-      </p:sp>
-      <p:sp>
-        <p:nvSpPr>
-          <p:cNvPr id="29" name="Text Box 8"/>
-          <p:cNvSpPr txBox="1">
-            <a:spLocks noChangeArrowheads="1"/>
-          </p:cNvSpPr>
-          <p:nvPr/>
-        </p:nvSpPr>
-        <p:spPr bwMode="auto">
-          <a:xfrm>
-            <a:off x="5391368" y="4276664"/>
-            <a:ext cx="1084156" cy="415925"/>
-          </a:xfrm>
-          <a:prstGeom prst="rect">
-            <a:avLst/>
-          </a:prstGeom>
-          <a:noFill/>
-          <a:ln w="19050">
-            <a:solidFill>
-              <a:srgbClr val="1E3272"/>
-            </a:solidFill>
-            <a:miter lim="800000"/>
-            <a:headEnd/>
-            <a:tailEnd/>
-          </a:ln>
-        </p:spPr>
-        <p:txBody>
-          <a:bodyPr wrap="square">
-            <a:spAutoFit/>
-          </a:bodyPr>
-          <a:lstStyle/>
-          <a:p>
-            <a:pPr algn="ctr"/>
-            <a:r>
-              <a:rPr lang="en-US" altLang="en-US" sz="2000" dirty="0">
-                <a:solidFill>
-                  <a:srgbClr val="1E3272"/>
-                </a:solidFill>
-              </a:rPr>
-              <a:t>01001</a:t>
-            </a:r>
-            <a:endParaRPr lang="en-AU" altLang="en-US" sz="2000" dirty="0">
-              <a:solidFill>
-                <a:srgbClr val="1E3272"/>
-              </a:solidFill>
-            </a:endParaRPr>
-          </a:p>
-        </p:txBody>
-      </p:sp>
-      <p:sp>
-        <p:nvSpPr>
-          <p:cNvPr id="30" name="Text Box 9"/>
-          <p:cNvSpPr txBox="1">
-            <a:spLocks noChangeArrowheads="1"/>
-          </p:cNvSpPr>
-          <p:nvPr/>
-        </p:nvSpPr>
-        <p:spPr bwMode="auto">
-          <a:xfrm>
-            <a:off x="4453156" y="4276664"/>
-            <a:ext cx="940665" cy="415925"/>
-          </a:xfrm>
-          <a:prstGeom prst="rect">
-            <a:avLst/>
-          </a:prstGeom>
-          <a:noFill/>
-          <a:ln w="19050">
-            <a:solidFill>
-              <a:srgbClr val="1E3272"/>
-            </a:solidFill>
-            <a:miter lim="800000"/>
-            <a:headEnd/>
-            <a:tailEnd/>
-          </a:ln>
-        </p:spPr>
-        <p:txBody>
-          <a:bodyPr wrap="square">
-            <a:spAutoFit/>
-          </a:bodyPr>
-          <a:lstStyle/>
-          <a:p>
-            <a:pPr algn="ctr"/>
-            <a:r>
-              <a:rPr lang="en-US" altLang="en-US" sz="2000" dirty="0">
-                <a:solidFill>
-                  <a:srgbClr val="1E3272"/>
-                </a:solidFill>
-              </a:rPr>
-              <a:t>000</a:t>
-            </a:r>
-            <a:endParaRPr lang="en-AU" altLang="en-US" sz="2000" dirty="0">
-              <a:solidFill>
-                <a:srgbClr val="1E3272"/>
-              </a:solidFill>
-            </a:endParaRPr>
-          </a:p>
-        </p:txBody>
-      </p:sp>
-      <p:sp>
-        <p:nvSpPr>
-          <p:cNvPr id="31" name="Text Box 10"/>
-          <p:cNvSpPr txBox="1">
-            <a:spLocks noChangeArrowheads="1"/>
-          </p:cNvSpPr>
-          <p:nvPr/>
-        </p:nvSpPr>
-        <p:spPr bwMode="auto">
-          <a:xfrm>
-            <a:off x="6470868" y="4276664"/>
-            <a:ext cx="1302582" cy="415925"/>
-          </a:xfrm>
-          <a:prstGeom prst="rect">
-            <a:avLst/>
-          </a:prstGeom>
-          <a:noFill/>
-          <a:ln w="19050">
-            <a:solidFill>
-              <a:schemeClr val="tx1"/>
-            </a:solidFill>
-            <a:miter lim="800000"/>
-            <a:headEnd/>
-            <a:tailEnd/>
-          </a:ln>
-        </p:spPr>
-        <p:txBody>
-          <a:bodyPr wrap="square">
-            <a:spAutoFit/>
-          </a:bodyPr>
-          <a:lstStyle/>
-          <a:p>
-            <a:pPr algn="ctr"/>
-            <a:r>
-              <a:rPr lang="en-US" altLang="en-US" sz="2000" dirty="0">
-                <a:solidFill>
-                  <a:srgbClr val="1E3272"/>
-                </a:solidFill>
-              </a:rPr>
-              <a:t>0110011</a:t>
-            </a:r>
-            <a:endParaRPr lang="en-AU" altLang="en-US" sz="2000" dirty="0">
-              <a:solidFill>
-                <a:srgbClr val="1E3272"/>
-              </a:solidFill>
-            </a:endParaRPr>
-          </a:p>
-        </p:txBody>
-      </p:sp>
     </p:spTree>
   </p:cSld>
   <p:clrMapOvr>
     <a:masterClrMapping/>
   </p:clrMapOvr>
-  <p:timing>
-    <p:tnLst>
-      <p:par>
-        <p:cTn id="1" dur="indefinite" restart="never" nodeType="tmRoot"/>
-      </p:par>
-    </p:tnLst>
-  </p:timing>
 </p:sld>
 </file>
 
-<file path=ppt/slides/slide5.xml><?xml version="1.0" encoding="utf-8"?>
+<file path=ppt/slides/slide7.xml><?xml version="1.0" encoding="utf-8"?>
 <p:sld xmlns:a="http://schemas.openxmlformats.org/drawingml/2006/main" xmlns:r="http://schemas.openxmlformats.org/officeDocument/2006/relationships" xmlns:p="http://schemas.openxmlformats.org/presentationml/2006/main">
   <p:cSld>
     <p:spTree>
@@ -7389,38 +9140,47 @@
         </p:nvSpPr>
         <p:spPr>
           <a:xfrm>
-            <a:off x="901262" y="2691542"/>
-            <a:ext cx="10515600" cy="2784347"/>
+            <a:off x="838200" y="2511973"/>
+            <a:ext cx="10515600" cy="3663976"/>
           </a:xfrm>
         </p:spPr>
         <p:txBody>
-          <a:bodyPr/>
+          <a:bodyPr>
+            <a:normAutofit/>
+          </a:bodyPr>
           <a:lstStyle/>
           <a:p>
             <a:r>
               <a:rPr lang="en-US" altLang="en-US" dirty="0" smtClean="0"/>
-              <a:t>Immediate arithmetic and load instructions</a:t>
+              <a:t>Different immediate format for store instructions</a:t>
             </a:r>
           </a:p>
           <a:p>
             <a:pPr lvl="1"/>
             <a:r>
               <a:rPr lang="en-US" altLang="en-US" dirty="0" smtClean="0"/>
-              <a:t>rs1: source or base address register number</a:t>
+              <a:t>rs1: base address register number</a:t>
             </a:r>
           </a:p>
           <a:p>
             <a:pPr lvl="1"/>
             <a:r>
               <a:rPr lang="en-US" altLang="en-US" dirty="0" smtClean="0"/>
-              <a:t>immediate: constant operand, or offset added to base address</a:t>
+              <a:t>rs2: source operand register number</a:t>
+            </a:r>
+          </a:p>
+          <a:p>
+            <a:pPr lvl="1"/>
+            <a:r>
+              <a:rPr lang="en-US" altLang="en-US" dirty="0" smtClean="0"/>
+              <a:t>immediate: offset added to base address</a:t>
             </a:r>
           </a:p>
           <a:p>
             <a:pPr lvl="2"/>
             <a:r>
               <a:rPr lang="en-US" altLang="en-US" sz="2800" dirty="0" smtClean="0"/>
-              <a:t>2s-complement, sign extended</a:t>
+              <a:t>Split so that rs1 and rs2 fields always in the same place</a:t>
             </a:r>
           </a:p>
           <a:p>
@@ -7447,561 +9207,7 @@
             <a:fld id="{1397BFD8-F312-4EF2-A268-44FB4BDDBBB0}" type="slidenum">
               <a:rPr lang="ru-RU" smtClean="0"/>
               <a:pPr algn="ctr"/>
-              <a:t>5</a:t>
-            </a:fld>
-            <a:endParaRPr lang="ru-RU" dirty="0"/>
-          </a:p>
-        </p:txBody>
-      </p:sp>
-      <p:sp>
-        <p:nvSpPr>
-          <p:cNvPr id="4" name="Заголовок 3"/>
-          <p:cNvSpPr>
-            <a:spLocks noGrp="1"/>
-          </p:cNvSpPr>
-          <p:nvPr>
-            <p:ph type="title"/>
-          </p:nvPr>
-        </p:nvSpPr>
-        <p:spPr/>
-        <p:txBody>
-          <a:bodyPr/>
-          <a:lstStyle/>
-          <a:p>
-            <a:r>
-              <a:rPr lang="en-US" altLang="en-US" dirty="0" smtClean="0"/>
-              <a:t>I-format </a:t>
-            </a:r>
-            <a:r>
-              <a:rPr lang="en-US" altLang="en-US" dirty="0" smtClean="0"/>
-              <a:t>Instructions</a:t>
-            </a:r>
-            <a:endParaRPr lang="ru-RU" dirty="0"/>
-          </a:p>
-        </p:txBody>
-      </p:sp>
-      <p:grpSp>
-        <p:nvGrpSpPr>
-          <p:cNvPr id="5" name="Group 1"/>
-          <p:cNvGrpSpPr>
-            <a:grpSpLocks/>
-          </p:cNvGrpSpPr>
-          <p:nvPr/>
-        </p:nvGrpSpPr>
-        <p:grpSpPr bwMode="auto">
-          <a:xfrm>
-            <a:off x="2918975" y="1402749"/>
-            <a:ext cx="6772275" cy="776287"/>
-            <a:chOff x="1331640" y="1391533"/>
-            <a:chExt cx="6771978" cy="777698"/>
-          </a:xfrm>
-        </p:grpSpPr>
-        <p:sp>
-          <p:nvSpPr>
-            <p:cNvPr id="6" name="Text Box 5"/>
-            <p:cNvSpPr txBox="1">
-              <a:spLocks noChangeArrowheads="1"/>
-            </p:cNvSpPr>
-            <p:nvPr/>
-          </p:nvSpPr>
-          <p:spPr bwMode="auto">
-            <a:xfrm>
-              <a:off x="1331640" y="1391533"/>
-              <a:ext cx="2374899" cy="415925"/>
-            </a:xfrm>
-            <a:prstGeom prst="rect">
-              <a:avLst/>
-            </a:prstGeom>
-            <a:noFill/>
-            <a:ln w="19050">
-              <a:solidFill>
-                <a:schemeClr val="tx1"/>
-              </a:solidFill>
-              <a:miter lim="800000"/>
-              <a:headEnd/>
-              <a:tailEnd/>
-            </a:ln>
-          </p:spPr>
-          <p:txBody>
-            <a:bodyPr>
-              <a:spAutoFit/>
-            </a:bodyPr>
-            <a:lstStyle/>
-            <a:p>
-              <a:pPr algn="ctr"/>
-              <a:r>
-                <a:rPr lang="en-US" altLang="en-US" sz="2000"/>
-                <a:t>immediate</a:t>
-              </a:r>
-              <a:endParaRPr lang="en-AU" altLang="en-US" sz="2000"/>
-            </a:p>
-          </p:txBody>
-        </p:sp>
-        <p:sp>
-          <p:nvSpPr>
-            <p:cNvPr id="7" name="Text Box 7"/>
-            <p:cNvSpPr txBox="1">
-              <a:spLocks noChangeArrowheads="1"/>
-            </p:cNvSpPr>
-            <p:nvPr/>
-          </p:nvSpPr>
-          <p:spPr bwMode="auto">
-            <a:xfrm>
-              <a:off x="3708127" y="1391533"/>
-              <a:ext cx="1079500" cy="415925"/>
-            </a:xfrm>
-            <a:prstGeom prst="rect">
-              <a:avLst/>
-            </a:prstGeom>
-            <a:noFill/>
-            <a:ln w="19050">
-              <a:solidFill>
-                <a:schemeClr val="tx1"/>
-              </a:solidFill>
-              <a:miter lim="800000"/>
-              <a:headEnd/>
-              <a:tailEnd/>
-            </a:ln>
-          </p:spPr>
-          <p:txBody>
-            <a:bodyPr>
-              <a:spAutoFit/>
-            </a:bodyPr>
-            <a:lstStyle/>
-            <a:p>
-              <a:pPr algn="ctr"/>
-              <a:r>
-                <a:rPr lang="en-US" altLang="en-US" sz="2000"/>
-                <a:t>rs1</a:t>
-              </a:r>
-              <a:endParaRPr lang="en-AU" altLang="en-US" sz="2000"/>
-            </a:p>
-          </p:txBody>
-        </p:sp>
-        <p:sp>
-          <p:nvSpPr>
-            <p:cNvPr id="8" name="Text Box 8"/>
-            <p:cNvSpPr txBox="1">
-              <a:spLocks noChangeArrowheads="1"/>
-            </p:cNvSpPr>
-            <p:nvPr/>
-          </p:nvSpPr>
-          <p:spPr bwMode="auto">
-            <a:xfrm>
-              <a:off x="5727131" y="1391533"/>
-              <a:ext cx="1079500" cy="415925"/>
-            </a:xfrm>
-            <a:prstGeom prst="rect">
-              <a:avLst/>
-            </a:prstGeom>
-            <a:noFill/>
-            <a:ln w="19050">
-              <a:solidFill>
-                <a:schemeClr val="tx1"/>
-              </a:solidFill>
-              <a:miter lim="800000"/>
-              <a:headEnd/>
-              <a:tailEnd/>
-            </a:ln>
-          </p:spPr>
-          <p:txBody>
-            <a:bodyPr>
-              <a:spAutoFit/>
-            </a:bodyPr>
-            <a:lstStyle/>
-            <a:p>
-              <a:pPr algn="ctr"/>
-              <a:r>
-                <a:rPr lang="en-US" altLang="en-US" sz="2000"/>
-                <a:t>rd</a:t>
-              </a:r>
-              <a:endParaRPr lang="en-AU" altLang="en-US" sz="2000"/>
-            </a:p>
-          </p:txBody>
-        </p:sp>
-        <p:sp>
-          <p:nvSpPr>
-            <p:cNvPr id="9" name="Text Box 9"/>
-            <p:cNvSpPr txBox="1">
-              <a:spLocks noChangeArrowheads="1"/>
-            </p:cNvSpPr>
-            <p:nvPr/>
-          </p:nvSpPr>
-          <p:spPr bwMode="auto">
-            <a:xfrm>
-              <a:off x="4789215" y="1391533"/>
-              <a:ext cx="936328" cy="415925"/>
-            </a:xfrm>
-            <a:prstGeom prst="rect">
-              <a:avLst/>
-            </a:prstGeom>
-            <a:noFill/>
-            <a:ln w="19050">
-              <a:solidFill>
-                <a:schemeClr val="tx1"/>
-              </a:solidFill>
-              <a:miter lim="800000"/>
-              <a:headEnd/>
-              <a:tailEnd/>
-            </a:ln>
-          </p:spPr>
-          <p:txBody>
-            <a:bodyPr>
-              <a:spAutoFit/>
-            </a:bodyPr>
-            <a:lstStyle/>
-            <a:p>
-              <a:pPr algn="ctr"/>
-              <a:r>
-                <a:rPr lang="en-US" altLang="en-US" sz="2000"/>
-                <a:t>funct3</a:t>
-              </a:r>
-              <a:endParaRPr lang="en-AU" altLang="en-US" sz="2000"/>
-            </a:p>
-          </p:txBody>
-        </p:sp>
-        <p:sp>
-          <p:nvSpPr>
-            <p:cNvPr id="10" name="Text Box 10"/>
-            <p:cNvSpPr txBox="1">
-              <a:spLocks noChangeArrowheads="1"/>
-            </p:cNvSpPr>
-            <p:nvPr/>
-          </p:nvSpPr>
-          <p:spPr bwMode="auto">
-            <a:xfrm>
-              <a:off x="6806631" y="1391533"/>
-              <a:ext cx="1296987" cy="415925"/>
-            </a:xfrm>
-            <a:prstGeom prst="rect">
-              <a:avLst/>
-            </a:prstGeom>
-            <a:noFill/>
-            <a:ln w="19050">
-              <a:solidFill>
-                <a:schemeClr val="tx1"/>
-              </a:solidFill>
-              <a:miter lim="800000"/>
-              <a:headEnd/>
-              <a:tailEnd/>
-            </a:ln>
-          </p:spPr>
-          <p:txBody>
-            <a:bodyPr>
-              <a:spAutoFit/>
-            </a:bodyPr>
-            <a:lstStyle/>
-            <a:p>
-              <a:pPr algn="ctr"/>
-              <a:r>
-                <a:rPr lang="en-US" altLang="en-US" sz="2000" dirty="0"/>
-                <a:t>opcode</a:t>
-              </a:r>
-              <a:endParaRPr lang="en-AU" altLang="en-US" sz="2000" dirty="0"/>
-            </a:p>
-          </p:txBody>
-        </p:sp>
-        <p:sp>
-          <p:nvSpPr>
-            <p:cNvPr id="11" name="Text Box 11"/>
-            <p:cNvSpPr txBox="1">
-              <a:spLocks noChangeArrowheads="1"/>
-            </p:cNvSpPr>
-            <p:nvPr/>
-          </p:nvSpPr>
-          <p:spPr bwMode="auto">
-            <a:xfrm>
-              <a:off x="2078304" y="1828096"/>
-              <a:ext cx="788999" cy="338554"/>
-            </a:xfrm>
-            <a:prstGeom prst="rect">
-              <a:avLst/>
-            </a:prstGeom>
-            <a:noFill/>
-            <a:ln w="9525">
-              <a:noFill/>
-              <a:miter lim="800000"/>
-              <a:headEnd/>
-              <a:tailEnd/>
-            </a:ln>
-          </p:spPr>
-          <p:txBody>
-            <a:bodyPr wrap="none">
-              <a:spAutoFit/>
-            </a:bodyPr>
-            <a:lstStyle/>
-            <a:p>
-              <a:pPr algn="ctr"/>
-              <a:r>
-                <a:rPr lang="en-US" altLang="en-US" sz="1600"/>
-                <a:t>12 bits</a:t>
-              </a:r>
-              <a:endParaRPr lang="en-AU" altLang="en-US" sz="1600"/>
-            </a:p>
-          </p:txBody>
-        </p:sp>
-        <p:sp>
-          <p:nvSpPr>
-            <p:cNvPr id="12" name="Text Box 12"/>
-            <p:cNvSpPr txBox="1">
-              <a:spLocks noChangeArrowheads="1"/>
-            </p:cNvSpPr>
-            <p:nvPr/>
-          </p:nvSpPr>
-          <p:spPr bwMode="auto">
-            <a:xfrm>
-              <a:off x="7094513" y="1830677"/>
-              <a:ext cx="675185" cy="338554"/>
-            </a:xfrm>
-            <a:prstGeom prst="rect">
-              <a:avLst/>
-            </a:prstGeom>
-            <a:noFill/>
-            <a:ln w="9525">
-              <a:noFill/>
-              <a:miter lim="800000"/>
-              <a:headEnd/>
-              <a:tailEnd/>
-            </a:ln>
-          </p:spPr>
-          <p:txBody>
-            <a:bodyPr wrap="none">
-              <a:spAutoFit/>
-            </a:bodyPr>
-            <a:lstStyle/>
-            <a:p>
-              <a:pPr algn="ctr"/>
-              <a:r>
-                <a:rPr lang="en-US" altLang="en-US" sz="1600"/>
-                <a:t>7 bits</a:t>
-              </a:r>
-              <a:endParaRPr lang="en-AU" altLang="en-US" sz="1600"/>
-            </a:p>
-          </p:txBody>
-        </p:sp>
-        <p:sp>
-          <p:nvSpPr>
-            <p:cNvPr id="13" name="Text Box 14"/>
-            <p:cNvSpPr txBox="1">
-              <a:spLocks noChangeArrowheads="1"/>
-            </p:cNvSpPr>
-            <p:nvPr/>
-          </p:nvSpPr>
-          <p:spPr bwMode="auto">
-            <a:xfrm>
-              <a:off x="3927202" y="1828096"/>
-              <a:ext cx="669925" cy="336550"/>
-            </a:xfrm>
-            <a:prstGeom prst="rect">
-              <a:avLst/>
-            </a:prstGeom>
-            <a:noFill/>
-            <a:ln w="9525">
-              <a:noFill/>
-              <a:miter lim="800000"/>
-              <a:headEnd/>
-              <a:tailEnd/>
-            </a:ln>
-          </p:spPr>
-          <p:txBody>
-            <a:bodyPr wrap="none">
-              <a:spAutoFit/>
-            </a:bodyPr>
-            <a:lstStyle/>
-            <a:p>
-              <a:pPr algn="ctr"/>
-              <a:r>
-                <a:rPr lang="en-US" altLang="en-US" sz="1600"/>
-                <a:t>5 bits</a:t>
-              </a:r>
-              <a:endParaRPr lang="en-AU" altLang="en-US" sz="1600"/>
-            </a:p>
-          </p:txBody>
-        </p:sp>
-        <p:sp>
-          <p:nvSpPr>
-            <p:cNvPr id="14" name="Text Box 15"/>
-            <p:cNvSpPr txBox="1">
-              <a:spLocks noChangeArrowheads="1"/>
-            </p:cNvSpPr>
-            <p:nvPr/>
-          </p:nvSpPr>
-          <p:spPr bwMode="auto">
-            <a:xfrm>
-              <a:off x="5946206" y="1830677"/>
-              <a:ext cx="669925" cy="336550"/>
-            </a:xfrm>
-            <a:prstGeom prst="rect">
-              <a:avLst/>
-            </a:prstGeom>
-            <a:noFill/>
-            <a:ln w="9525">
-              <a:noFill/>
-              <a:miter lim="800000"/>
-              <a:headEnd/>
-              <a:tailEnd/>
-            </a:ln>
-          </p:spPr>
-          <p:txBody>
-            <a:bodyPr wrap="none">
-              <a:spAutoFit/>
-            </a:bodyPr>
-            <a:lstStyle/>
-            <a:p>
-              <a:pPr algn="ctr"/>
-              <a:r>
-                <a:rPr lang="en-US" altLang="en-US" sz="1600"/>
-                <a:t>5 bits</a:t>
-              </a:r>
-              <a:endParaRPr lang="en-AU" altLang="en-US" sz="1600"/>
-            </a:p>
-          </p:txBody>
-        </p:sp>
-        <p:sp>
-          <p:nvSpPr>
-            <p:cNvPr id="15" name="Text Box 16"/>
-            <p:cNvSpPr txBox="1">
-              <a:spLocks noChangeArrowheads="1"/>
-            </p:cNvSpPr>
-            <p:nvPr/>
-          </p:nvSpPr>
-          <p:spPr bwMode="auto">
-            <a:xfrm>
-              <a:off x="4860900" y="1828096"/>
-              <a:ext cx="675185" cy="338554"/>
-            </a:xfrm>
-            <a:prstGeom prst="rect">
-              <a:avLst/>
-            </a:prstGeom>
-            <a:noFill/>
-            <a:ln w="9525">
-              <a:noFill/>
-              <a:miter lim="800000"/>
-              <a:headEnd/>
-              <a:tailEnd/>
-            </a:ln>
-          </p:spPr>
-          <p:txBody>
-            <a:bodyPr wrap="none">
-              <a:spAutoFit/>
-            </a:bodyPr>
-            <a:lstStyle/>
-            <a:p>
-              <a:pPr algn="ctr"/>
-              <a:r>
-                <a:rPr lang="en-US" altLang="en-US" sz="1600"/>
-                <a:t>3 bits</a:t>
-              </a:r>
-              <a:endParaRPr lang="en-AU" altLang="en-US" sz="1600"/>
-            </a:p>
-          </p:txBody>
-        </p:sp>
-      </p:grpSp>
-    </p:spTree>
-  </p:cSld>
-  <p:clrMapOvr>
-    <a:masterClrMapping/>
-  </p:clrMapOvr>
-</p:sld>
-</file>
-
-<file path=ppt/slides/slide6.xml><?xml version="1.0" encoding="utf-8"?>
-<p:sld xmlns:a="http://schemas.openxmlformats.org/drawingml/2006/main" xmlns:r="http://schemas.openxmlformats.org/officeDocument/2006/relationships" xmlns:p="http://schemas.openxmlformats.org/presentationml/2006/main">
-  <p:cSld>
-    <p:spTree>
-      <p:nvGrpSpPr>
-        <p:cNvPr id="1" name=""/>
-        <p:cNvGrpSpPr/>
-        <p:nvPr/>
-      </p:nvGrpSpPr>
-      <p:grpSpPr>
-        <a:xfrm>
-          <a:off x="0" y="0"/>
-          <a:ext cx="0" cy="0"/>
-          <a:chOff x="0" y="0"/>
-          <a:chExt cx="0" cy="0"/>
-        </a:xfrm>
-      </p:grpSpPr>
-      <p:sp>
-        <p:nvSpPr>
-          <p:cNvPr id="2" name="Содержимое 1"/>
-          <p:cNvSpPr>
-            <a:spLocks noGrp="1"/>
-          </p:cNvSpPr>
-          <p:nvPr>
-            <p:ph idx="1"/>
-          </p:nvPr>
-        </p:nvSpPr>
-        <p:spPr>
-          <a:xfrm>
-            <a:off x="838200" y="2511973"/>
-            <a:ext cx="10515600" cy="3663976"/>
-          </a:xfrm>
-        </p:spPr>
-        <p:txBody>
-          <a:bodyPr>
-            <a:normAutofit/>
-          </a:bodyPr>
-          <a:lstStyle/>
-          <a:p>
-            <a:r>
-              <a:rPr lang="en-US" altLang="en-US" dirty="0" smtClean="0"/>
-              <a:t>Different immediate format for store instructions</a:t>
-            </a:r>
-          </a:p>
-          <a:p>
-            <a:pPr lvl="1"/>
-            <a:r>
-              <a:rPr lang="en-US" altLang="en-US" dirty="0" smtClean="0"/>
-              <a:t>rs1: base address register number</a:t>
-            </a:r>
-          </a:p>
-          <a:p>
-            <a:pPr lvl="1"/>
-            <a:r>
-              <a:rPr lang="en-US" altLang="en-US" dirty="0" smtClean="0"/>
-              <a:t>rs2: source operand register number</a:t>
-            </a:r>
-          </a:p>
-          <a:p>
-            <a:pPr lvl="1"/>
-            <a:r>
-              <a:rPr lang="en-US" altLang="en-US" dirty="0" smtClean="0"/>
-              <a:t>immediate: offset added to base address</a:t>
-            </a:r>
-          </a:p>
-          <a:p>
-            <a:pPr lvl="2"/>
-            <a:r>
-              <a:rPr lang="en-US" altLang="en-US" sz="2800" dirty="0" smtClean="0"/>
-              <a:t>Split so that rs1 and rs2 fields always in the same place</a:t>
-            </a:r>
-          </a:p>
-          <a:p>
-            <a:endParaRPr lang="ru-RU" dirty="0"/>
-          </a:p>
-        </p:txBody>
-      </p:sp>
-      <p:sp>
-        <p:nvSpPr>
-          <p:cNvPr id="3" name="Номер слайда 2"/>
-          <p:cNvSpPr>
-            <a:spLocks noGrp="1"/>
-          </p:cNvSpPr>
-          <p:nvPr>
-            <p:ph type="sldNum" sz="quarter" idx="12"/>
-          </p:nvPr>
-        </p:nvSpPr>
-        <p:spPr/>
-        <p:txBody>
-          <a:bodyPr/>
-          <a:lstStyle/>
-          <a:p>
-            <a:pPr algn="ctr"/>
-            <a:fld id="{1397BFD8-F312-4EF2-A268-44FB4BDDBBB0}" type="slidenum">
-              <a:rPr lang="ru-RU" smtClean="0"/>
-              <a:pPr algn="ctr"/>
-              <a:t>6</a:t>
+              <a:t>7</a:t>
             </a:fld>
             <a:endParaRPr lang="ru-RU" dirty="0"/>
           </a:p>
@@ -8715,7 +9921,7 @@
 </p:sld>
 </file>
 
-<file path=ppt/slides/slide7.xml><?xml version="1.0" encoding="utf-8"?>
+<file path=ppt/slides/slide8.xml><?xml version="1.0" encoding="utf-8"?>
 <p:sld xmlns:a="http://schemas.openxmlformats.org/drawingml/2006/main" xmlns:r="http://schemas.openxmlformats.org/officeDocument/2006/relationships" xmlns:p="http://schemas.openxmlformats.org/presentationml/2006/main">
   <p:cSld>
     <p:spTree>
@@ -8805,10 +10011,12 @@
                 <a:latin typeface="Courier New" pitchFamily="49" charset="0"/>
                 <a:cs typeface="Courier New" pitchFamily="49" charset="0"/>
               </a:rPr>
-              <a:t>__start:	</a:t>
-            </a:r>
-            <a:r>
-              <a:rPr lang="en-US" sz="2400" dirty="0" err="1" smtClean="0">
+              <a:t>__start:	addi t1, zero, 0x18</a:t>
+            </a:r>
+          </a:p>
+          <a:p>
+            <a:r>
+              <a:rPr lang="en-US" sz="2400" dirty="0" smtClean="0">
                 <a:ln w="0"/>
                 <a:solidFill>
                   <a:srgbClr val="273272"/>
@@ -8819,65 +10027,7 @@
                 <a:latin typeface="Courier New" pitchFamily="49" charset="0"/>
                 <a:cs typeface="Courier New" pitchFamily="49" charset="0"/>
               </a:rPr>
-              <a:t>addi</a:t>
-            </a:r>
-            <a:r>
-              <a:rPr lang="en-US" sz="2400" dirty="0" smtClean="0">
-                <a:ln w="0"/>
-                <a:solidFill>
-                  <a:srgbClr val="273272"/>
-                </a:solidFill>
-                <a:effectLst>
-                  <a:reflection blurRad="6350" stA="53000" endA="300" endPos="35500" dir="5400000" sy="-90000" algn="bl" rotWithShape="0"/>
-                </a:effectLst>
-                <a:latin typeface="Courier New" pitchFamily="49" charset="0"/>
-                <a:cs typeface="Courier New" pitchFamily="49" charset="0"/>
-              </a:rPr>
-              <a:t> t1, zero, 0x18</a:t>
-            </a:r>
-          </a:p>
-          <a:p>
-            <a:r>
-              <a:rPr lang="en-US" sz="2400" dirty="0" smtClean="0">
-                <a:ln w="0"/>
-                <a:solidFill>
-                  <a:srgbClr val="273272"/>
-                </a:solidFill>
-                <a:effectLst>
-                  <a:reflection blurRad="6350" stA="53000" endA="300" endPos="35500" dir="5400000" sy="-90000" algn="bl" rotWithShape="0"/>
-                </a:effectLst>
-                <a:latin typeface="Courier New" pitchFamily="49" charset="0"/>
-                <a:cs typeface="Courier New" pitchFamily="49" charset="0"/>
-              </a:rPr>
-              <a:t>		</a:t>
-            </a:r>
-            <a:r>
-              <a:rPr lang="en-US" sz="2400" dirty="0" err="1" smtClean="0">
-                <a:ln w="0"/>
-                <a:solidFill>
-                  <a:srgbClr val="273272"/>
-                </a:solidFill>
-                <a:effectLst>
-                  <a:reflection blurRad="6350" stA="53000" endA="300" endPos="35500" dir="5400000" sy="-90000" algn="bl" rotWithShape="0"/>
-                </a:effectLst>
-                <a:latin typeface="Courier New" pitchFamily="49" charset="0"/>
-                <a:cs typeface="Courier New" pitchFamily="49" charset="0"/>
-              </a:rPr>
-              <a:t>addi</a:t>
-            </a:r>
-            <a:r>
-              <a:rPr lang="en-US" sz="2400" dirty="0" smtClean="0">
-                <a:ln w="0"/>
-                <a:solidFill>
-                  <a:srgbClr val="273272"/>
-                </a:solidFill>
-                <a:effectLst>
-                  <a:reflection blurRad="6350" stA="53000" endA="300" endPos="35500" dir="5400000" sy="-90000" algn="bl" rotWithShape="0"/>
-                </a:effectLst>
-                <a:latin typeface="Courier New" pitchFamily="49" charset="0"/>
-                <a:cs typeface="Courier New" pitchFamily="49" charset="0"/>
-              </a:rPr>
-              <a:t> t2, zero, 0x21</a:t>
+              <a:t>		addi t2, zero, 0x21</a:t>
             </a:r>
           </a:p>
           <a:p>
@@ -9270,7 +10420,7 @@
             <a:fld id="{1397BFD8-F312-4EF2-A268-44FB4BDDBBB0}" type="slidenum">
               <a:rPr lang="ru-RU" smtClean="0"/>
               <a:pPr algn="ctr"/>
-              <a:t>7</a:t>
+              <a:t>8</a:t>
             </a:fld>
             <a:endParaRPr lang="ru-RU" dirty="0"/>
           </a:p>
@@ -9279,7 +10429,7 @@
     </p:spTree>
     <p:extLst>
       <p:ext uri="{BB962C8B-B14F-4D97-AF65-F5344CB8AC3E}">
-        <p14:creationId xmlns:p14="http://schemas.microsoft.com/office/powerpoint/2010/main" xmlns="" val="4217875043"/>
+        <p14:creationId xmlns="" xmlns:p14="http://schemas.microsoft.com/office/powerpoint/2010/main" val="4217875043"/>
       </p:ext>
     </p:extLst>
   </p:cSld>
@@ -9571,7 +10721,7 @@
   <a:extraClrSchemeLst/>
   <a:extLst>
     <a:ext uri="{05A4C25C-085E-4340-85A3-A5531E510DB2}">
-      <thm15:themeFamily xmlns:thm15="http://schemas.microsoft.com/office/thememl/2012/main" xmlns="" name="Office Theme" id="{62F939B6-93AF-4DB8-9C6B-D6C7DFDC589F}" vid="{4A3C46E8-61CC-4603-A589-7422A47A8E4A}"/>
+      <thm15:themeFamily xmlns="" xmlns:thm15="http://schemas.microsoft.com/office/thememl/2012/main" name="Office Theme" id="{62F939B6-93AF-4DB8-9C6B-D6C7DFDC589F}" vid="{4A3C46E8-61CC-4603-A589-7422A47A8E4A}"/>
     </a:ext>
   </a:extLst>
 </a:theme>
@@ -9832,7 +10982,7 @@
   <a:extraClrSchemeLst/>
   <a:extLst>
     <a:ext uri="{05A4C25C-085E-4340-85A3-A5531E510DB2}">
-      <thm15:themeFamily xmlns:thm15="http://schemas.microsoft.com/office/thememl/2012/main" xmlns="" name="Office Theme" id="{62F939B6-93AF-4DB8-9C6B-D6C7DFDC589F}" vid="{4A3C46E8-61CC-4603-A589-7422A47A8E4A}"/>
+      <thm15:themeFamily xmlns="" xmlns:thm15="http://schemas.microsoft.com/office/thememl/2012/main" name="Office Theme" id="{62F939B6-93AF-4DB8-9C6B-D6C7DFDC589F}" vid="{4A3C46E8-61CC-4603-A589-7422A47A8E4A}"/>
     </a:ext>
   </a:extLst>
 </a:theme>
@@ -10093,7 +11243,7 @@
   <a:extraClrSchemeLst/>
   <a:extLst>
     <a:ext uri="{05A4C25C-085E-4340-85A3-A5531E510DB2}">
-      <thm15:themeFamily xmlns:thm15="http://schemas.microsoft.com/office/thememl/2012/main" xmlns="" name="Office Theme" id="{62F939B6-93AF-4DB8-9C6B-D6C7DFDC589F}" vid="{4A3C46E8-61CC-4603-A589-7422A47A8E4A}"/>
+      <thm15:themeFamily xmlns="" xmlns:thm15="http://schemas.microsoft.com/office/thememl/2012/main" name="Office Theme" id="{62F939B6-93AF-4DB8-9C6B-D6C7DFDC589F}" vid="{4A3C46E8-61CC-4603-A589-7422A47A8E4A}"/>
     </a:ext>
   </a:extLst>
 </a:theme>

--- a/docs/part1ca/04_Instructions/CA_Lecture_04.pptx
+++ b/docs/part1ca/04_Instructions/CA_Lecture_04.pptx
@@ -5,10 +5,10 @@
     <p:sldMasterId id="2147483648" r:id="rId1"/>
   </p:sldMasterIdLst>
   <p:notesMasterIdLst>
-    <p:notesMasterId r:id="rId10"/>
+    <p:notesMasterId r:id="rId15"/>
   </p:notesMasterIdLst>
   <p:handoutMasterIdLst>
-    <p:handoutMasterId r:id="rId11"/>
+    <p:handoutMasterId r:id="rId16"/>
   </p:handoutMasterIdLst>
   <p:sldIdLst>
     <p:sldId id="256" r:id="rId2"/>
@@ -18,7 +18,12 @@
     <p:sldId id="309" r:id="rId6"/>
     <p:sldId id="312" r:id="rId7"/>
     <p:sldId id="313" r:id="rId8"/>
-    <p:sldId id="272" r:id="rId9"/>
+    <p:sldId id="318" r:id="rId9"/>
+    <p:sldId id="319" r:id="rId10"/>
+    <p:sldId id="320" r:id="rId11"/>
+    <p:sldId id="317" r:id="rId12"/>
+    <p:sldId id="316" r:id="rId13"/>
+    <p:sldId id="272" r:id="rId14"/>
   </p:sldIdLst>
   <p:sldSz cx="12192000" cy="6858000"/>
   <p:notesSz cx="6858000" cy="9144000"/>
@@ -119,7 +124,7 @@
   </p:defaultTextStyle>
   <p:extLst>
     <p:ext uri="{EFAFB233-063F-42B5-8137-9DF3F51BA10A}">
-      <p15:sldGuideLst xmlns="" xmlns:p15="http://schemas.microsoft.com/office/powerpoint/2012/main">
+      <p15:sldGuideLst xmlns:p15="http://schemas.microsoft.com/office/powerpoint/2012/main" xmlns="">
         <p15:guide id="1" orient="horz" pos="2160">
           <p15:clr>
             <a:srgbClr val="A4A3A4"/>
@@ -133,7 +138,7 @@
       </p15:sldGuideLst>
     </p:ext>
     <p:ext uri="{2D200454-40CA-4A62-9FC3-DE9A4176ACB9}">
-      <p15:notesGuideLst xmlns="" xmlns:p15="http://schemas.microsoft.com/office/powerpoint/2012/main">
+      <p15:notesGuideLst xmlns:p15="http://schemas.microsoft.com/office/powerpoint/2012/main" xmlns="">
         <p15:guide id="1" orient="horz" pos="2880">
           <p15:clr>
             <a:srgbClr val="A4A3A4"/>
@@ -241,7 +246,7 @@
             <a:fld id="{D0106195-8D78-4F6F-B8E4-FA67975ACEF5}" type="datetimeFigureOut">
               <a:rPr lang="ru-RU" smtClean="0"/>
               <a:pPr/>
-              <a:t>30.10.2020</a:t>
+              <a:t>15.11.2020</a:t>
             </a:fld>
             <a:endParaRPr lang="ru-RU"/>
           </a:p>
@@ -317,7 +322,7 @@
     </p:spTree>
     <p:extLst>
       <p:ext uri="{BB962C8B-B14F-4D97-AF65-F5344CB8AC3E}">
-        <p14:creationId xmlns="" xmlns:p14="http://schemas.microsoft.com/office/powerpoint/2010/main" val="827279973"/>
+        <p14:creationId xmlns:p14="http://schemas.microsoft.com/office/powerpoint/2010/main" xmlns="" val="827279973"/>
       </p:ext>
     </p:extLst>
   </p:cSld>
@@ -409,7 +414,7 @@
             <a:fld id="{878212F1-C3D9-4F2B-8F42-5E960FE8BE51}" type="datetimeFigureOut">
               <a:rPr lang="ru-RU" smtClean="0"/>
               <a:pPr/>
-              <a:t>30.10.2020</a:t>
+              <a:t>15.11.2020</a:t>
             </a:fld>
             <a:endParaRPr lang="ru-RU"/>
           </a:p>
@@ -578,7 +583,7 @@
     </p:spTree>
     <p:extLst>
       <p:ext uri="{BB962C8B-B14F-4D97-AF65-F5344CB8AC3E}">
-        <p14:creationId xmlns="" xmlns:p14="http://schemas.microsoft.com/office/powerpoint/2010/main" val="3865021395"/>
+        <p14:creationId xmlns:p14="http://schemas.microsoft.com/office/powerpoint/2010/main" xmlns="" val="3865021395"/>
       </p:ext>
     </p:extLst>
   </p:cSld>
@@ -792,7 +797,7 @@
     </p:spTree>
     <p:extLst>
       <p:ext uri="{BB962C8B-B14F-4D97-AF65-F5344CB8AC3E}">
-        <p14:creationId xmlns="" xmlns:p14="http://schemas.microsoft.com/office/powerpoint/2010/main" val="2381791527"/>
+        <p14:creationId xmlns:p14="http://schemas.microsoft.com/office/powerpoint/2010/main" xmlns="" val="2381791527"/>
       </p:ext>
     </p:extLst>
   </p:cSld>
@@ -906,7 +911,7 @@
             <a:fld id="{5583B3A5-99BF-45D9-956B-DC57CC23AD97}" type="slidenum">
               <a:rPr lang="ru-RU" smtClean="0"/>
               <a:pPr/>
-              <a:t>8</a:t>
+              <a:t>13</a:t>
             </a:fld>
             <a:endParaRPr lang="ru-RU"/>
           </a:p>
@@ -915,7 +920,7 @@
     </p:spTree>
     <p:extLst>
       <p:ext uri="{BB962C8B-B14F-4D97-AF65-F5344CB8AC3E}">
-        <p14:creationId xmlns="" xmlns:p14="http://schemas.microsoft.com/office/powerpoint/2010/main" val="1915950851"/>
+        <p14:creationId xmlns:p14="http://schemas.microsoft.com/office/powerpoint/2010/main" xmlns="" val="1915950851"/>
       </p:ext>
     </p:extLst>
   </p:cSld>
@@ -1175,7 +1180,7 @@
     </p:spTree>
     <p:extLst>
       <p:ext uri="{BB962C8B-B14F-4D97-AF65-F5344CB8AC3E}">
-        <p14:creationId xmlns="" xmlns:p14="http://schemas.microsoft.com/office/powerpoint/2010/main" val="322455162"/>
+        <p14:creationId xmlns:p14="http://schemas.microsoft.com/office/powerpoint/2010/main" xmlns="" val="322455162"/>
       </p:ext>
     </p:extLst>
   </p:cSld>
@@ -1349,7 +1354,7 @@
     </p:spTree>
     <p:extLst>
       <p:ext uri="{BB962C8B-B14F-4D97-AF65-F5344CB8AC3E}">
-        <p14:creationId xmlns="" xmlns:p14="http://schemas.microsoft.com/office/powerpoint/2010/main" val="971117636"/>
+        <p14:creationId xmlns:p14="http://schemas.microsoft.com/office/powerpoint/2010/main" xmlns="" val="971117636"/>
       </p:ext>
     </p:extLst>
   </p:cSld>
@@ -1526,7 +1531,7 @@
     </p:spTree>
     <p:extLst>
       <p:ext uri="{BB962C8B-B14F-4D97-AF65-F5344CB8AC3E}">
-        <p14:creationId xmlns="" xmlns:p14="http://schemas.microsoft.com/office/powerpoint/2010/main" val="3348877825"/>
+        <p14:creationId xmlns:p14="http://schemas.microsoft.com/office/powerpoint/2010/main" xmlns="" val="3348877825"/>
       </p:ext>
     </p:extLst>
   </p:cSld>
@@ -1851,7 +1856,7 @@
     </p:spTree>
     <p:extLst>
       <p:ext uri="{BB962C8B-B14F-4D97-AF65-F5344CB8AC3E}">
-        <p14:creationId xmlns="" xmlns:p14="http://schemas.microsoft.com/office/powerpoint/2010/main" val="3256953994"/>
+        <p14:creationId xmlns:p14="http://schemas.microsoft.com/office/powerpoint/2010/main" xmlns="" val="3256953994"/>
       </p:ext>
     </p:extLst>
   </p:cSld>
@@ -2101,7 +2106,7 @@
     </p:spTree>
     <p:extLst>
       <p:ext uri="{BB962C8B-B14F-4D97-AF65-F5344CB8AC3E}">
-        <p14:creationId xmlns="" xmlns:p14="http://schemas.microsoft.com/office/powerpoint/2010/main" val="3067076846"/>
+        <p14:creationId xmlns:p14="http://schemas.microsoft.com/office/powerpoint/2010/main" xmlns="" val="3067076846"/>
       </p:ext>
     </p:extLst>
   </p:cSld>
@@ -2337,7 +2342,7 @@
     </p:spTree>
     <p:extLst>
       <p:ext uri="{BB962C8B-B14F-4D97-AF65-F5344CB8AC3E}">
-        <p14:creationId xmlns="" xmlns:p14="http://schemas.microsoft.com/office/powerpoint/2010/main" val="3710015975"/>
+        <p14:creationId xmlns:p14="http://schemas.microsoft.com/office/powerpoint/2010/main" xmlns="" val="3710015975"/>
       </p:ext>
     </p:extLst>
   </p:cSld>
@@ -2708,7 +2713,7 @@
     </p:spTree>
     <p:extLst>
       <p:ext uri="{BB962C8B-B14F-4D97-AF65-F5344CB8AC3E}">
-        <p14:creationId xmlns="" xmlns:p14="http://schemas.microsoft.com/office/powerpoint/2010/main" val="4075590966"/>
+        <p14:creationId xmlns:p14="http://schemas.microsoft.com/office/powerpoint/2010/main" xmlns="" val="4075590966"/>
       </p:ext>
     </p:extLst>
   </p:cSld>
@@ -2830,7 +2835,7 @@
     </p:spTree>
     <p:extLst>
       <p:ext uri="{BB962C8B-B14F-4D97-AF65-F5344CB8AC3E}">
-        <p14:creationId xmlns="" xmlns:p14="http://schemas.microsoft.com/office/powerpoint/2010/main" val="2889604898"/>
+        <p14:creationId xmlns:p14="http://schemas.microsoft.com/office/powerpoint/2010/main" xmlns="" val="2889604898"/>
       </p:ext>
     </p:extLst>
   </p:cSld>
@@ -2929,7 +2934,7 @@
     </p:spTree>
     <p:extLst>
       <p:ext uri="{BB962C8B-B14F-4D97-AF65-F5344CB8AC3E}">
-        <p14:creationId xmlns="" xmlns:p14="http://schemas.microsoft.com/office/powerpoint/2010/main" val="152384765"/>
+        <p14:creationId xmlns:p14="http://schemas.microsoft.com/office/powerpoint/2010/main" xmlns="" val="152384765"/>
       </p:ext>
     </p:extLst>
   </p:cSld>
@@ -3210,7 +3215,7 @@
     </p:spTree>
     <p:extLst>
       <p:ext uri="{BB962C8B-B14F-4D97-AF65-F5344CB8AC3E}">
-        <p14:creationId xmlns="" xmlns:p14="http://schemas.microsoft.com/office/powerpoint/2010/main" val="2127791886"/>
+        <p14:creationId xmlns:p14="http://schemas.microsoft.com/office/powerpoint/2010/main" xmlns="" val="2127791886"/>
       </p:ext>
     </p:extLst>
   </p:cSld>
@@ -3467,7 +3472,7 @@
     </p:spTree>
     <p:extLst>
       <p:ext uri="{BB962C8B-B14F-4D97-AF65-F5344CB8AC3E}">
-        <p14:creationId xmlns="" xmlns:p14="http://schemas.microsoft.com/office/powerpoint/2010/main" val="1752705130"/>
+        <p14:creationId xmlns:p14="http://schemas.microsoft.com/office/powerpoint/2010/main" xmlns="" val="1752705130"/>
       </p:ext>
     </p:extLst>
   </p:cSld>
@@ -3720,7 +3725,7 @@
     </p:spTree>
     <p:extLst>
       <p:ext uri="{BB962C8B-B14F-4D97-AF65-F5344CB8AC3E}">
-        <p14:creationId xmlns="" xmlns:p14="http://schemas.microsoft.com/office/powerpoint/2010/main" val="968833914"/>
+        <p14:creationId xmlns:p14="http://schemas.microsoft.com/office/powerpoint/2010/main" xmlns="" val="968833914"/>
       </p:ext>
     </p:extLst>
   </p:cSld>
@@ -4094,11 +4099,7 @@
             </a:r>
             <a:r>
               <a:rPr lang="en-US" b="1" dirty="0" smtClean="0"/>
-              <a:t>: </a:t>
-            </a:r>
-            <a:r>
-              <a:rPr lang="en-US" b="1" dirty="0" smtClean="0"/>
-              <a:t>Instruction Set Architecture</a:t>
+              <a:t>: Instruction Set Architecture</a:t>
             </a:r>
             <a:endParaRPr lang="ru-RU" b="1" dirty="0"/>
           </a:p>
@@ -4201,7 +4202,854 @@
     </p:spTree>
     <p:extLst>
       <p:ext uri="{BB962C8B-B14F-4D97-AF65-F5344CB8AC3E}">
-        <p14:creationId xmlns="" xmlns:p14="http://schemas.microsoft.com/office/powerpoint/2010/main" val="2492894732"/>
+        <p14:creationId xmlns:p14="http://schemas.microsoft.com/office/powerpoint/2010/main" xmlns="" val="2492894732"/>
+      </p:ext>
+    </p:extLst>
+  </p:cSld>
+  <p:clrMapOvr>
+    <a:masterClrMapping/>
+  </p:clrMapOvr>
+  <p:timing>
+    <p:tnLst>
+      <p:par>
+        <p:cTn id="1" dur="indefinite" restart="never" nodeType="tmRoot"/>
+      </p:par>
+    </p:tnLst>
+  </p:timing>
+</p:sld>
+</file>
+
+<file path=ppt/slides/slide10.xml><?xml version="1.0" encoding="utf-8"?>
+<p:sld xmlns:a="http://schemas.openxmlformats.org/drawingml/2006/main" xmlns:r="http://schemas.openxmlformats.org/officeDocument/2006/relationships" xmlns:p="http://schemas.openxmlformats.org/presentationml/2006/main">
+  <p:cSld>
+    <p:spTree>
+      <p:nvGrpSpPr>
+        <p:cNvPr id="1" name=""/>
+        <p:cNvGrpSpPr/>
+        <p:nvPr/>
+      </p:nvGrpSpPr>
+      <p:grpSpPr>
+        <a:xfrm>
+          <a:off x="0" y="0"/>
+          <a:ext cx="0" cy="0"/>
+          <a:chOff x="0" y="0"/>
+          <a:chExt cx="0" cy="0"/>
+        </a:xfrm>
+      </p:grpSpPr>
+      <p:sp>
+        <p:nvSpPr>
+          <p:cNvPr id="2" name="Содержимое 1"/>
+          <p:cNvSpPr>
+            <a:spLocks noGrp="1"/>
+          </p:cNvSpPr>
+          <p:nvPr>
+            <p:ph idx="1"/>
+          </p:nvPr>
+        </p:nvSpPr>
+        <p:spPr/>
+        <p:txBody>
+          <a:bodyPr/>
+          <a:lstStyle/>
+          <a:p>
+            <a:endParaRPr lang="ru-RU"/>
+          </a:p>
+        </p:txBody>
+      </p:sp>
+      <p:sp>
+        <p:nvSpPr>
+          <p:cNvPr id="3" name="Номер слайда 2"/>
+          <p:cNvSpPr>
+            <a:spLocks noGrp="1"/>
+          </p:cNvSpPr>
+          <p:nvPr>
+            <p:ph type="sldNum" sz="quarter" idx="12"/>
+          </p:nvPr>
+        </p:nvSpPr>
+        <p:spPr/>
+        <p:txBody>
+          <a:bodyPr/>
+          <a:lstStyle/>
+          <a:p>
+            <a:pPr algn="ctr"/>
+            <a:fld id="{1397BFD8-F312-4EF2-A268-44FB4BDDBBB0}" type="slidenum">
+              <a:rPr lang="ru-RU" smtClean="0"/>
+              <a:pPr algn="ctr"/>
+              <a:t>10</a:t>
+            </a:fld>
+            <a:endParaRPr lang="ru-RU" dirty="0"/>
+          </a:p>
+        </p:txBody>
+      </p:sp>
+      <p:sp>
+        <p:nvSpPr>
+          <p:cNvPr id="4" name="Заголовок 3"/>
+          <p:cNvSpPr>
+            <a:spLocks noGrp="1"/>
+          </p:cNvSpPr>
+          <p:nvPr>
+            <p:ph type="title"/>
+          </p:nvPr>
+        </p:nvSpPr>
+        <p:spPr/>
+        <p:txBody>
+          <a:bodyPr/>
+          <a:lstStyle/>
+          <a:p>
+            <a:r>
+              <a:rPr lang="en-US" altLang="en-US" dirty="0" smtClean="0"/>
+              <a:t>U-format </a:t>
+            </a:r>
+            <a:r>
+              <a:rPr lang="en-US" altLang="en-US" dirty="0" smtClean="0"/>
+              <a:t>Instructions</a:t>
+            </a:r>
+            <a:endParaRPr lang="ru-RU" dirty="0"/>
+          </a:p>
+        </p:txBody>
+      </p:sp>
+    </p:spTree>
+  </p:cSld>
+  <p:clrMapOvr>
+    <a:masterClrMapping/>
+  </p:clrMapOvr>
+</p:sld>
+</file>
+
+<file path=ppt/slides/slide11.xml><?xml version="1.0" encoding="utf-8"?>
+<p:sld xmlns:a="http://schemas.openxmlformats.org/drawingml/2006/main" xmlns:r="http://schemas.openxmlformats.org/officeDocument/2006/relationships" xmlns:p="http://schemas.openxmlformats.org/presentationml/2006/main">
+  <p:cSld>
+    <p:spTree>
+      <p:nvGrpSpPr>
+        <p:cNvPr id="1" name=""/>
+        <p:cNvGrpSpPr/>
+        <p:nvPr/>
+      </p:nvGrpSpPr>
+      <p:grpSpPr>
+        <a:xfrm>
+          <a:off x="0" y="0"/>
+          <a:ext cx="0" cy="0"/>
+          <a:chOff x="0" y="0"/>
+          <a:chExt cx="0" cy="0"/>
+        </a:xfrm>
+      </p:grpSpPr>
+      <p:sp>
+        <p:nvSpPr>
+          <p:cNvPr id="3" name="Номер слайда 2"/>
+          <p:cNvSpPr>
+            <a:spLocks noGrp="1"/>
+          </p:cNvSpPr>
+          <p:nvPr>
+            <p:ph type="sldNum" sz="quarter" idx="12"/>
+          </p:nvPr>
+        </p:nvSpPr>
+        <p:spPr/>
+        <p:txBody>
+          <a:bodyPr/>
+          <a:lstStyle/>
+          <a:p>
+            <a:pPr algn="ctr"/>
+            <a:fld id="{1397BFD8-F312-4EF2-A268-44FB4BDDBBB0}" type="slidenum">
+              <a:rPr lang="ru-RU" smtClean="0"/>
+              <a:pPr algn="ctr"/>
+              <a:t>11</a:t>
+            </a:fld>
+            <a:endParaRPr lang="ru-RU" dirty="0"/>
+          </a:p>
+        </p:txBody>
+      </p:sp>
+      <p:sp>
+        <p:nvSpPr>
+          <p:cNvPr id="4" name="Заголовок 3"/>
+          <p:cNvSpPr>
+            <a:spLocks noGrp="1"/>
+          </p:cNvSpPr>
+          <p:nvPr>
+            <p:ph type="title"/>
+          </p:nvPr>
+        </p:nvSpPr>
+        <p:spPr/>
+        <p:txBody>
+          <a:bodyPr/>
+          <a:lstStyle/>
+          <a:p>
+            <a:r>
+              <a:rPr lang="en-US" altLang="en-US" dirty="0" smtClean="0"/>
+              <a:t>RISC-V Addressing Summary</a:t>
+            </a:r>
+            <a:endParaRPr lang="ru-RU" dirty="0"/>
+          </a:p>
+        </p:txBody>
+      </p:sp>
+      <p:pic>
+        <p:nvPicPr>
+          <p:cNvPr id="5" name="Picture 1"/>
+          <p:cNvPicPr>
+            <a:picLocks noChangeAspect="1"/>
+          </p:cNvPicPr>
+          <p:nvPr/>
+        </p:nvPicPr>
+        <p:blipFill>
+          <a:blip r:embed="rId2" cstate="print"/>
+          <a:srcRect/>
+          <a:stretch>
+            <a:fillRect/>
+          </a:stretch>
+        </p:blipFill>
+        <p:spPr bwMode="auto">
+          <a:xfrm>
+            <a:off x="2360611" y="1230311"/>
+            <a:ext cx="8022352" cy="5184050"/>
+          </a:xfrm>
+          <a:prstGeom prst="rect">
+            <a:avLst/>
+          </a:prstGeom>
+          <a:noFill/>
+          <a:ln w="9525">
+            <a:noFill/>
+            <a:miter lim="800000"/>
+            <a:headEnd/>
+            <a:tailEnd/>
+          </a:ln>
+        </p:spPr>
+      </p:pic>
+    </p:spTree>
+  </p:cSld>
+  <p:clrMapOvr>
+    <a:masterClrMapping/>
+  </p:clrMapOvr>
+  <p:timing>
+    <p:tnLst>
+      <p:par>
+        <p:cTn id="1" dur="indefinite" restart="never" nodeType="tmRoot"/>
+      </p:par>
+    </p:tnLst>
+  </p:timing>
+</p:sld>
+</file>
+
+<file path=ppt/slides/slide12.xml><?xml version="1.0" encoding="utf-8"?>
+<p:sld xmlns:a="http://schemas.openxmlformats.org/drawingml/2006/main" xmlns:r="http://schemas.openxmlformats.org/officeDocument/2006/relationships" xmlns:p="http://schemas.openxmlformats.org/presentationml/2006/main">
+  <p:cSld>
+    <p:spTree>
+      <p:nvGrpSpPr>
+        <p:cNvPr id="1" name=""/>
+        <p:cNvGrpSpPr/>
+        <p:nvPr/>
+      </p:nvGrpSpPr>
+      <p:grpSpPr>
+        <a:xfrm>
+          <a:off x="0" y="0"/>
+          <a:ext cx="0" cy="0"/>
+          <a:chOff x="0" y="0"/>
+          <a:chExt cx="0" cy="0"/>
+        </a:xfrm>
+      </p:grpSpPr>
+      <p:sp>
+        <p:nvSpPr>
+          <p:cNvPr id="3" name="Номер слайда 2"/>
+          <p:cNvSpPr>
+            <a:spLocks noGrp="1"/>
+          </p:cNvSpPr>
+          <p:nvPr>
+            <p:ph type="sldNum" sz="quarter" idx="12"/>
+          </p:nvPr>
+        </p:nvSpPr>
+        <p:spPr/>
+        <p:txBody>
+          <a:bodyPr/>
+          <a:lstStyle/>
+          <a:p>
+            <a:pPr algn="ctr"/>
+            <a:fld id="{1397BFD8-F312-4EF2-A268-44FB4BDDBBB0}" type="slidenum">
+              <a:rPr lang="ru-RU" smtClean="0"/>
+              <a:pPr algn="ctr"/>
+              <a:t>12</a:t>
+            </a:fld>
+            <a:endParaRPr lang="ru-RU" dirty="0"/>
+          </a:p>
+        </p:txBody>
+      </p:sp>
+      <p:sp>
+        <p:nvSpPr>
+          <p:cNvPr id="4" name="Заголовок 3"/>
+          <p:cNvSpPr>
+            <a:spLocks noGrp="1"/>
+          </p:cNvSpPr>
+          <p:nvPr>
+            <p:ph type="title"/>
+          </p:nvPr>
+        </p:nvSpPr>
+        <p:spPr/>
+        <p:txBody>
+          <a:bodyPr/>
+          <a:lstStyle/>
+          <a:p>
+            <a:r>
+              <a:rPr lang="en-US" altLang="en-US" dirty="0" smtClean="0"/>
+              <a:t>RISC-V Encoding Summary</a:t>
+            </a:r>
+            <a:endParaRPr lang="ru-RU" dirty="0"/>
+          </a:p>
+        </p:txBody>
+      </p:sp>
+      <p:pic>
+        <p:nvPicPr>
+          <p:cNvPr id="5" name="Picture 1"/>
+          <p:cNvPicPr>
+            <a:picLocks noGrp="1" noChangeAspect="1"/>
+          </p:cNvPicPr>
+          <p:nvPr>
+            <p:ph idx="1"/>
+          </p:nvPr>
+        </p:nvPicPr>
+        <p:blipFill>
+          <a:blip r:embed="rId2" cstate="print"/>
+          <a:srcRect/>
+          <a:stretch>
+            <a:fillRect/>
+          </a:stretch>
+        </p:blipFill>
+        <p:spPr bwMode="auto">
+          <a:xfrm>
+            <a:off x="842731" y="2252344"/>
+            <a:ext cx="10533177" cy="2148813"/>
+          </a:xfrm>
+          <a:prstGeom prst="rect">
+            <a:avLst/>
+          </a:prstGeom>
+          <a:noFill/>
+          <a:ln w="9525">
+            <a:noFill/>
+            <a:miter lim="800000"/>
+            <a:headEnd/>
+            <a:tailEnd/>
+          </a:ln>
+        </p:spPr>
+      </p:pic>
+    </p:spTree>
+  </p:cSld>
+  <p:clrMapOvr>
+    <a:masterClrMapping/>
+  </p:clrMapOvr>
+  <p:timing>
+    <p:tnLst>
+      <p:par>
+        <p:cTn id="1" dur="indefinite" restart="never" nodeType="tmRoot"/>
+      </p:par>
+    </p:tnLst>
+  </p:timing>
+</p:sld>
+</file>
+
+<file path=ppt/slides/slide13.xml><?xml version="1.0" encoding="utf-8"?>
+<p:sld xmlns:a="http://schemas.openxmlformats.org/drawingml/2006/main" xmlns:r="http://schemas.openxmlformats.org/officeDocument/2006/relationships" xmlns:p="http://schemas.openxmlformats.org/presentationml/2006/main">
+  <p:cSld>
+    <p:spTree>
+      <p:nvGrpSpPr>
+        <p:cNvPr id="1" name=""/>
+        <p:cNvGrpSpPr/>
+        <p:nvPr/>
+      </p:nvGrpSpPr>
+      <p:grpSpPr>
+        <a:xfrm>
+          <a:off x="0" y="0"/>
+          <a:ext cx="0" cy="0"/>
+          <a:chOff x="0" y="0"/>
+          <a:chExt cx="0" cy="0"/>
+        </a:xfrm>
+      </p:grpSpPr>
+      <p:sp>
+        <p:nvSpPr>
+          <p:cNvPr id="4" name="Прямоугольник 3"/>
+          <p:cNvSpPr/>
+          <p:nvPr/>
+        </p:nvSpPr>
+        <p:spPr>
+          <a:xfrm>
+            <a:off x="2664999" y="472120"/>
+            <a:ext cx="7524751" cy="5262979"/>
+          </a:xfrm>
+          <a:prstGeom prst="rect">
+            <a:avLst/>
+          </a:prstGeom>
+          <a:noFill/>
+          <a:ln>
+            <a:noFill/>
+          </a:ln>
+          <a:scene3d>
+            <a:camera prst="perspectiveRelaxed"/>
+            <a:lightRig rig="threePt" dir="t"/>
+          </a:scene3d>
+        </p:spPr>
+        <p:txBody>
+          <a:bodyPr wrap="square" lIns="91440" tIns="45720" rIns="91440" bIns="45720">
+            <a:spAutoFit/>
+          </a:bodyPr>
+          <a:lstStyle/>
+          <a:p>
+            <a:r>
+              <a:rPr lang="en-US" sz="2400" dirty="0" smtClean="0">
+                <a:ln w="0"/>
+                <a:solidFill>
+                  <a:srgbClr val="273272"/>
+                </a:solidFill>
+                <a:effectLst>
+                  <a:reflection blurRad="6350" stA="53000" endA="300" endPos="35500" dir="5400000" sy="-90000" algn="bl" rotWithShape="0"/>
+                </a:effectLst>
+                <a:latin typeface="Courier New" pitchFamily="49" charset="0"/>
+                <a:cs typeface="Courier New" pitchFamily="49" charset="0"/>
+              </a:rPr>
+              <a:t>		</a:t>
+            </a:r>
+          </a:p>
+          <a:p>
+            <a:r>
+              <a:rPr lang="en-US" sz="2400" dirty="0" smtClean="0">
+                <a:ln w="0"/>
+                <a:solidFill>
+                  <a:srgbClr val="273272"/>
+                </a:solidFill>
+                <a:effectLst>
+                  <a:reflection blurRad="6350" stA="53000" endA="300" endPos="35500" dir="5400000" sy="-90000" algn="bl" rotWithShape="0"/>
+                </a:effectLst>
+                <a:latin typeface="Courier New" pitchFamily="49" charset="0"/>
+                <a:cs typeface="Courier New" pitchFamily="49" charset="0"/>
+              </a:rPr>
+              <a:t>		.text</a:t>
+            </a:r>
+          </a:p>
+          <a:p>
+            <a:r>
+              <a:rPr lang="en-US" sz="2400" dirty="0" smtClean="0">
+                <a:ln w="0"/>
+                <a:solidFill>
+                  <a:srgbClr val="273272"/>
+                </a:solidFill>
+                <a:effectLst>
+                  <a:reflection blurRad="6350" stA="53000" endA="300" endPos="35500" dir="5400000" sy="-90000" algn="bl" rotWithShape="0"/>
+                </a:effectLst>
+                <a:latin typeface="Courier New" pitchFamily="49" charset="0"/>
+                <a:cs typeface="Courier New" pitchFamily="49" charset="0"/>
+              </a:rPr>
+              <a:t>__start:	addi t1, zero, 0x18</a:t>
+            </a:r>
+          </a:p>
+          <a:p>
+            <a:r>
+              <a:rPr lang="en-US" sz="2400" dirty="0" smtClean="0">
+                <a:ln w="0"/>
+                <a:solidFill>
+                  <a:srgbClr val="273272"/>
+                </a:solidFill>
+                <a:effectLst>
+                  <a:reflection blurRad="6350" stA="53000" endA="300" endPos="35500" dir="5400000" sy="-90000" algn="bl" rotWithShape="0"/>
+                </a:effectLst>
+                <a:latin typeface="Courier New" pitchFamily="49" charset="0"/>
+                <a:cs typeface="Courier New" pitchFamily="49" charset="0"/>
+              </a:rPr>
+              <a:t>		addi t2, zero, 0x21</a:t>
+            </a:r>
+          </a:p>
+          <a:p>
+            <a:r>
+              <a:rPr lang="en-US" sz="2400" dirty="0" smtClean="0">
+                <a:ln w="0"/>
+                <a:solidFill>
+                  <a:srgbClr val="273272"/>
+                </a:solidFill>
+                <a:effectLst>
+                  <a:reflection blurRad="6350" stA="53000" endA="300" endPos="35500" dir="5400000" sy="-90000" algn="bl" rotWithShape="0"/>
+                </a:effectLst>
+                <a:latin typeface="Courier New" pitchFamily="49" charset="0"/>
+                <a:cs typeface="Courier New" pitchFamily="49" charset="0"/>
+              </a:rPr>
+              <a:t>cycle:	</a:t>
+            </a:r>
+            <a:r>
+              <a:rPr lang="en-US" sz="2400" dirty="0" err="1" smtClean="0">
+                <a:ln w="0"/>
+                <a:solidFill>
+                  <a:srgbClr val="273272"/>
+                </a:solidFill>
+                <a:effectLst>
+                  <a:reflection blurRad="6350" stA="53000" endA="300" endPos="35500" dir="5400000" sy="-90000" algn="bl" rotWithShape="0"/>
+                </a:effectLst>
+                <a:latin typeface="Courier New" pitchFamily="49" charset="0"/>
+                <a:cs typeface="Courier New" pitchFamily="49" charset="0"/>
+              </a:rPr>
+              <a:t>beq</a:t>
+            </a:r>
+            <a:r>
+              <a:rPr lang="en-US" sz="2400" dirty="0" smtClean="0">
+                <a:ln w="0"/>
+                <a:solidFill>
+                  <a:srgbClr val="273272"/>
+                </a:solidFill>
+                <a:effectLst>
+                  <a:reflection blurRad="6350" stA="53000" endA="300" endPos="35500" dir="5400000" sy="-90000" algn="bl" rotWithShape="0"/>
+                </a:effectLst>
+                <a:latin typeface="Courier New" pitchFamily="49" charset="0"/>
+                <a:cs typeface="Courier New" pitchFamily="49" charset="0"/>
+              </a:rPr>
+              <a:t> t1, t2, done</a:t>
+            </a:r>
+          </a:p>
+          <a:p>
+            <a:r>
+              <a:rPr lang="en-US" sz="2400" dirty="0" smtClean="0">
+                <a:ln w="0"/>
+                <a:solidFill>
+                  <a:srgbClr val="273272"/>
+                </a:solidFill>
+                <a:effectLst>
+                  <a:reflection blurRad="6350" stA="53000" endA="300" endPos="35500" dir="5400000" sy="-90000" algn="bl" rotWithShape="0"/>
+                </a:effectLst>
+                <a:latin typeface="Courier New" pitchFamily="49" charset="0"/>
+                <a:cs typeface="Courier New" pitchFamily="49" charset="0"/>
+              </a:rPr>
+              <a:t>		</a:t>
+            </a:r>
+            <a:r>
+              <a:rPr lang="en-US" sz="2400" dirty="0" err="1" smtClean="0">
+                <a:ln w="0"/>
+                <a:solidFill>
+                  <a:srgbClr val="273272"/>
+                </a:solidFill>
+                <a:effectLst>
+                  <a:reflection blurRad="6350" stA="53000" endA="300" endPos="35500" dir="5400000" sy="-90000" algn="bl" rotWithShape="0"/>
+                </a:effectLst>
+                <a:latin typeface="Courier New" pitchFamily="49" charset="0"/>
+                <a:cs typeface="Courier New" pitchFamily="49" charset="0"/>
+              </a:rPr>
+              <a:t>slt</a:t>
+            </a:r>
+            <a:r>
+              <a:rPr lang="en-US" sz="2400" dirty="0" smtClean="0">
+                <a:ln w="0"/>
+                <a:solidFill>
+                  <a:srgbClr val="273272"/>
+                </a:solidFill>
+                <a:effectLst>
+                  <a:reflection blurRad="6350" stA="53000" endA="300" endPos="35500" dir="5400000" sy="-90000" algn="bl" rotWithShape="0"/>
+                </a:effectLst>
+                <a:latin typeface="Courier New" pitchFamily="49" charset="0"/>
+                <a:cs typeface="Courier New" pitchFamily="49" charset="0"/>
+              </a:rPr>
+              <a:t> t0, t1, t2</a:t>
+            </a:r>
+          </a:p>
+          <a:p>
+            <a:r>
+              <a:rPr lang="en-US" sz="2400" dirty="0" smtClean="0">
+                <a:ln w="0"/>
+                <a:solidFill>
+                  <a:srgbClr val="273272"/>
+                </a:solidFill>
+                <a:effectLst>
+                  <a:reflection blurRad="6350" stA="53000" endA="300" endPos="35500" dir="5400000" sy="-90000" algn="bl" rotWithShape="0"/>
+                </a:effectLst>
+                <a:latin typeface="Courier New" pitchFamily="49" charset="0"/>
+                <a:cs typeface="Courier New" pitchFamily="49" charset="0"/>
+              </a:rPr>
+              <a:t>		</a:t>
+            </a:r>
+            <a:r>
+              <a:rPr lang="en-US" sz="2400" dirty="0" err="1" smtClean="0">
+                <a:ln w="0"/>
+                <a:solidFill>
+                  <a:srgbClr val="273272"/>
+                </a:solidFill>
+                <a:effectLst>
+                  <a:reflection blurRad="6350" stA="53000" endA="300" endPos="35500" dir="5400000" sy="-90000" algn="bl" rotWithShape="0"/>
+                </a:effectLst>
+                <a:latin typeface="Courier New" pitchFamily="49" charset="0"/>
+                <a:cs typeface="Courier New" pitchFamily="49" charset="0"/>
+              </a:rPr>
+              <a:t>bne</a:t>
+            </a:r>
+            <a:r>
+              <a:rPr lang="en-US" sz="2400" dirty="0" smtClean="0">
+                <a:ln w="0"/>
+                <a:solidFill>
+                  <a:srgbClr val="273272"/>
+                </a:solidFill>
+                <a:effectLst>
+                  <a:reflection blurRad="6350" stA="53000" endA="300" endPos="35500" dir="5400000" sy="-90000" algn="bl" rotWithShape="0"/>
+                </a:effectLst>
+                <a:latin typeface="Courier New" pitchFamily="49" charset="0"/>
+                <a:cs typeface="Courier New" pitchFamily="49" charset="0"/>
+              </a:rPr>
+              <a:t> t0, zero, </a:t>
+            </a:r>
+            <a:r>
+              <a:rPr lang="en-US" sz="2400" dirty="0" err="1" smtClean="0">
+                <a:ln w="0"/>
+                <a:solidFill>
+                  <a:srgbClr val="273272"/>
+                </a:solidFill>
+                <a:effectLst>
+                  <a:reflection blurRad="6350" stA="53000" endA="300" endPos="35500" dir="5400000" sy="-90000" algn="bl" rotWithShape="0"/>
+                </a:effectLst>
+                <a:latin typeface="Courier New" pitchFamily="49" charset="0"/>
+                <a:cs typeface="Courier New" pitchFamily="49" charset="0"/>
+              </a:rPr>
+              <a:t>if_less</a:t>
+            </a:r>
+            <a:endParaRPr lang="en-US" sz="2400" dirty="0" smtClean="0">
+              <a:ln w="0"/>
+              <a:solidFill>
+                <a:srgbClr val="273272"/>
+              </a:solidFill>
+              <a:effectLst>
+                <a:reflection blurRad="6350" stA="53000" endA="300" endPos="35500" dir="5400000" sy="-90000" algn="bl" rotWithShape="0"/>
+              </a:effectLst>
+              <a:latin typeface="Courier New" pitchFamily="49" charset="0"/>
+              <a:cs typeface="Courier New" pitchFamily="49" charset="0"/>
+            </a:endParaRPr>
+          </a:p>
+          <a:p>
+            <a:r>
+              <a:rPr lang="en-US" sz="2400" dirty="0" smtClean="0">
+                <a:ln w="0"/>
+                <a:solidFill>
+                  <a:srgbClr val="273272"/>
+                </a:solidFill>
+                <a:effectLst>
+                  <a:reflection blurRad="6350" stA="53000" endA="300" endPos="35500" dir="5400000" sy="-90000" algn="bl" rotWithShape="0"/>
+                </a:effectLst>
+                <a:latin typeface="Courier New" pitchFamily="49" charset="0"/>
+                <a:cs typeface="Courier New" pitchFamily="49" charset="0"/>
+              </a:rPr>
+              <a:t>		</a:t>
+            </a:r>
+            <a:r>
+              <a:rPr lang="en-US" sz="2400" dirty="0" err="1" smtClean="0">
+                <a:ln w="0"/>
+                <a:solidFill>
+                  <a:srgbClr val="273272"/>
+                </a:solidFill>
+                <a:effectLst>
+                  <a:reflection blurRad="6350" stA="53000" endA="300" endPos="35500" dir="5400000" sy="-90000" algn="bl" rotWithShape="0"/>
+                </a:effectLst>
+                <a:latin typeface="Courier New" pitchFamily="49" charset="0"/>
+                <a:cs typeface="Courier New" pitchFamily="49" charset="0"/>
+              </a:rPr>
+              <a:t>nop</a:t>
+            </a:r>
+            <a:endParaRPr lang="en-US" sz="2400" dirty="0" smtClean="0">
+              <a:ln w="0"/>
+              <a:solidFill>
+                <a:srgbClr val="273272"/>
+              </a:solidFill>
+              <a:effectLst>
+                <a:reflection blurRad="6350" stA="53000" endA="300" endPos="35500" dir="5400000" sy="-90000" algn="bl" rotWithShape="0"/>
+              </a:effectLst>
+              <a:latin typeface="Courier New" pitchFamily="49" charset="0"/>
+              <a:cs typeface="Courier New" pitchFamily="49" charset="0"/>
+            </a:endParaRPr>
+          </a:p>
+          <a:p>
+            <a:r>
+              <a:rPr lang="en-US" sz="2400" dirty="0" smtClean="0">
+                <a:ln w="0"/>
+                <a:solidFill>
+                  <a:srgbClr val="273272"/>
+                </a:solidFill>
+                <a:effectLst>
+                  <a:reflection blurRad="6350" stA="53000" endA="300" endPos="35500" dir="5400000" sy="-90000" algn="bl" rotWithShape="0"/>
+                </a:effectLst>
+                <a:latin typeface="Courier New" pitchFamily="49" charset="0"/>
+                <a:cs typeface="Courier New" pitchFamily="49" charset="0"/>
+              </a:rPr>
+              <a:t>		sub t1, t1, t2</a:t>
+            </a:r>
+          </a:p>
+          <a:p>
+            <a:r>
+              <a:rPr lang="en-US" sz="2400" dirty="0" smtClean="0">
+                <a:ln w="0"/>
+                <a:solidFill>
+                  <a:srgbClr val="273272"/>
+                </a:solidFill>
+                <a:effectLst>
+                  <a:reflection blurRad="6350" stA="53000" endA="300" endPos="35500" dir="5400000" sy="-90000" algn="bl" rotWithShape="0"/>
+                </a:effectLst>
+                <a:latin typeface="Courier New" pitchFamily="49" charset="0"/>
+                <a:cs typeface="Courier New" pitchFamily="49" charset="0"/>
+              </a:rPr>
+              <a:t>		j cycle</a:t>
+            </a:r>
+          </a:p>
+          <a:p>
+            <a:r>
+              <a:rPr lang="en-US" sz="2400" dirty="0" smtClean="0">
+                <a:ln w="0"/>
+                <a:solidFill>
+                  <a:srgbClr val="273272"/>
+                </a:solidFill>
+                <a:effectLst>
+                  <a:reflection blurRad="6350" stA="53000" endA="300" endPos="35500" dir="5400000" sy="-90000" algn="bl" rotWithShape="0"/>
+                </a:effectLst>
+                <a:latin typeface="Courier New" pitchFamily="49" charset="0"/>
+                <a:cs typeface="Courier New" pitchFamily="49" charset="0"/>
+              </a:rPr>
+              <a:t>		</a:t>
+            </a:r>
+            <a:r>
+              <a:rPr lang="en-US" sz="2400" dirty="0" err="1" smtClean="0">
+                <a:ln w="0"/>
+                <a:solidFill>
+                  <a:srgbClr val="273272"/>
+                </a:solidFill>
+                <a:effectLst>
+                  <a:reflection blurRad="6350" stA="53000" endA="300" endPos="35500" dir="5400000" sy="-90000" algn="bl" rotWithShape="0"/>
+                </a:effectLst>
+                <a:latin typeface="Courier New" pitchFamily="49" charset="0"/>
+                <a:cs typeface="Courier New" pitchFamily="49" charset="0"/>
+              </a:rPr>
+              <a:t>nop</a:t>
+            </a:r>
+            <a:endParaRPr lang="en-US" sz="2400" dirty="0" smtClean="0">
+              <a:ln w="0"/>
+              <a:solidFill>
+                <a:srgbClr val="273272"/>
+              </a:solidFill>
+              <a:effectLst>
+                <a:reflection blurRad="6350" stA="53000" endA="300" endPos="35500" dir="5400000" sy="-90000" algn="bl" rotWithShape="0"/>
+              </a:effectLst>
+              <a:latin typeface="Courier New" pitchFamily="49" charset="0"/>
+              <a:cs typeface="Courier New" pitchFamily="49" charset="0"/>
+            </a:endParaRPr>
+          </a:p>
+          <a:p>
+            <a:r>
+              <a:rPr lang="en-US" sz="2400" dirty="0" err="1" smtClean="0">
+                <a:ln w="0"/>
+                <a:solidFill>
+                  <a:srgbClr val="273272"/>
+                </a:solidFill>
+                <a:effectLst>
+                  <a:reflection blurRad="6350" stA="53000" endA="300" endPos="35500" dir="5400000" sy="-90000" algn="bl" rotWithShape="0"/>
+                </a:effectLst>
+                <a:latin typeface="Courier New" pitchFamily="49" charset="0"/>
+                <a:cs typeface="Courier New" pitchFamily="49" charset="0"/>
+              </a:rPr>
+              <a:t>if_less</a:t>
+            </a:r>
+            <a:r>
+              <a:rPr lang="en-US" sz="2400" dirty="0" smtClean="0">
+                <a:ln w="0"/>
+                <a:solidFill>
+                  <a:srgbClr val="273272"/>
+                </a:solidFill>
+                <a:effectLst>
+                  <a:reflection blurRad="6350" stA="53000" endA="300" endPos="35500" dir="5400000" sy="-90000" algn="bl" rotWithShape="0"/>
+                </a:effectLst>
+                <a:latin typeface="Courier New" pitchFamily="49" charset="0"/>
+                <a:cs typeface="Courier New" pitchFamily="49" charset="0"/>
+              </a:rPr>
+              <a:t>:	sub t2, t2, t1</a:t>
+            </a:r>
+          </a:p>
+          <a:p>
+            <a:r>
+              <a:rPr lang="en-US" sz="2400" dirty="0" smtClean="0">
+                <a:ln w="0"/>
+                <a:solidFill>
+                  <a:srgbClr val="273272"/>
+                </a:solidFill>
+                <a:effectLst>
+                  <a:reflection blurRad="6350" stA="53000" endA="300" endPos="35500" dir="5400000" sy="-90000" algn="bl" rotWithShape="0"/>
+                </a:effectLst>
+                <a:latin typeface="Courier New" pitchFamily="49" charset="0"/>
+                <a:cs typeface="Courier New" pitchFamily="49" charset="0"/>
+              </a:rPr>
+              <a:t>		j cycle</a:t>
+            </a:r>
+          </a:p>
+          <a:p>
+            <a:r>
+              <a:rPr lang="en-US" sz="2400" dirty="0" smtClean="0">
+                <a:ln w="0"/>
+                <a:solidFill>
+                  <a:srgbClr val="273272"/>
+                </a:solidFill>
+                <a:effectLst>
+                  <a:reflection blurRad="6350" stA="53000" endA="300" endPos="35500" dir="5400000" sy="-90000" algn="bl" rotWithShape="0"/>
+                </a:effectLst>
+                <a:latin typeface="Courier New" pitchFamily="49" charset="0"/>
+                <a:cs typeface="Courier New" pitchFamily="49" charset="0"/>
+              </a:rPr>
+              <a:t>done:		add t3, t1, zero</a:t>
+            </a:r>
+            <a:endParaRPr lang="ru-RU" sz="2400" b="0" cap="none" spc="0" dirty="0">
+              <a:ln w="0"/>
+              <a:solidFill>
+                <a:srgbClr val="273272"/>
+              </a:solidFill>
+              <a:effectLst>
+                <a:reflection blurRad="6350" stA="53000" endA="300" endPos="35500" dir="5400000" sy="-90000" algn="bl" rotWithShape="0"/>
+              </a:effectLst>
+              <a:latin typeface="Courier New" pitchFamily="49" charset="0"/>
+              <a:cs typeface="Courier New" pitchFamily="49" charset="0"/>
+            </a:endParaRPr>
+          </a:p>
+        </p:txBody>
+      </p:sp>
+      <p:sp>
+        <p:nvSpPr>
+          <p:cNvPr id="2" name="Заголовок 1"/>
+          <p:cNvSpPr>
+            <a:spLocks noGrp="1"/>
+          </p:cNvSpPr>
+          <p:nvPr>
+            <p:ph type="title"/>
+          </p:nvPr>
+        </p:nvSpPr>
+        <p:spPr/>
+        <p:txBody>
+          <a:bodyPr>
+            <a:normAutofit/>
+          </a:bodyPr>
+          <a:lstStyle/>
+          <a:p>
+            <a:r>
+              <a:rPr lang="en-US" dirty="0" smtClean="0"/>
+              <a:t>Any Questions?</a:t>
+            </a:r>
+            <a:endParaRPr lang="ru-RU" sz="4000" dirty="0"/>
+          </a:p>
+        </p:txBody>
+      </p:sp>
+      <p:sp>
+        <p:nvSpPr>
+          <p:cNvPr id="6" name="Номер слайда 5"/>
+          <p:cNvSpPr>
+            <a:spLocks noGrp="1"/>
+          </p:cNvSpPr>
+          <p:nvPr>
+            <p:ph type="sldNum" sz="quarter" idx="12"/>
+          </p:nvPr>
+        </p:nvSpPr>
+        <p:spPr/>
+        <p:txBody>
+          <a:bodyPr/>
+          <a:lstStyle/>
+          <a:p>
+            <a:pPr algn="ctr"/>
+            <a:fld id="{1397BFD8-F312-4EF2-A268-44FB4BDDBBB0}" type="slidenum">
+              <a:rPr lang="ru-RU" smtClean="0"/>
+              <a:pPr algn="ctr"/>
+              <a:t>13</a:t>
+            </a:fld>
+            <a:endParaRPr lang="ru-RU" dirty="0"/>
+          </a:p>
+        </p:txBody>
+      </p:sp>
+    </p:spTree>
+    <p:extLst>
+      <p:ext uri="{BB962C8B-B14F-4D97-AF65-F5344CB8AC3E}">
+        <p14:creationId xmlns:p14="http://schemas.microsoft.com/office/powerpoint/2010/main" xmlns="" val="4217875043"/>
       </p:ext>
     </p:extLst>
   </p:cSld>
@@ -6356,31 +7204,15 @@
                   <a:srgbClr val="1E3272"/>
                 </a:solidFill>
               </a:rPr>
-              <a:t>R-format</a:t>
-            </a:r>
-            <a:r>
-              <a:rPr lang="en-US" sz="4100" b="1" dirty="0" smtClean="0">
+              <a:t>R-format: </a:t>
+            </a:r>
+            <a:r>
+              <a:rPr lang="en-US" sz="4100" dirty="0" smtClean="0">
                 <a:solidFill>
                   <a:srgbClr val="1E3272"/>
                 </a:solidFill>
               </a:rPr>
-              <a:t>: </a:t>
-            </a:r>
-            <a:r>
-              <a:rPr lang="en-US" sz="4100" dirty="0" smtClean="0">
-                <a:solidFill>
-                  <a:srgbClr val="1E3272"/>
-                </a:solidFill>
-              </a:rPr>
-              <a:t>instructions using 3 register </a:t>
-            </a:r>
-            <a:r>
-              <a:rPr lang="en-US" sz="4100" dirty="0" smtClean="0">
-                <a:solidFill>
-                  <a:srgbClr val="1E3272"/>
-                </a:solidFill>
-              </a:rPr>
-              <a:t>inputs</a:t>
+              <a:t>instructions using 3 register inputs</a:t>
             </a:r>
           </a:p>
           <a:p>
@@ -6398,7 +7230,15 @@
                   <a:srgbClr val="1E3272"/>
                 </a:solidFill>
               </a:rPr>
-              <a:t>add</a:t>
+              <a:t>add, </a:t>
+            </a:r>
+            <a:r>
+              <a:rPr lang="en-US" sz="3600" dirty="0" err="1" smtClean="0">
+                <a:solidFill>
+                  <a:srgbClr val="1E3272"/>
+                </a:solidFill>
+              </a:rPr>
+              <a:t>xor</a:t>
             </a:r>
             <a:r>
               <a:rPr lang="en-US" sz="3600" dirty="0" smtClean="0">
@@ -6414,7 +7254,7 @@
                   <a:srgbClr val="1E3272"/>
                 </a:solidFill>
               </a:rPr>
-              <a:t>xor</a:t>
+              <a:t>mul</a:t>
             </a:r>
             <a:r>
               <a:rPr lang="en-US" sz="3600" dirty="0" smtClean="0">
@@ -6422,39 +7262,7 @@
                   <a:srgbClr val="1E3272"/>
                 </a:solidFill>
               </a:rPr>
-              <a:t>, </a:t>
-            </a:r>
-            <a:r>
-              <a:rPr lang="en-US" sz="3600" dirty="0" err="1" smtClean="0">
-                <a:solidFill>
-                  <a:srgbClr val="1E3272"/>
-                </a:solidFill>
-              </a:rPr>
-              <a:t>mul</a:t>
-            </a:r>
-            <a:r>
-              <a:rPr lang="en-US" sz="3600" dirty="0" smtClean="0">
-                <a:solidFill>
-                  <a:srgbClr val="1E3272"/>
-                </a:solidFill>
-              </a:rPr>
-              <a:t> </a:t>
-            </a:r>
-            <a:r>
-              <a:rPr lang="en-US" sz="3600" dirty="0" smtClean="0">
-                <a:solidFill>
-                  <a:srgbClr val="1E3272"/>
-                </a:solidFill>
-              </a:rPr>
-              <a:t>- arithmetic/logical </a:t>
-            </a:r>
-            <a:r>
-              <a:rPr lang="en-US" sz="3600" dirty="0" smtClean="0">
-                <a:solidFill>
-                  <a:srgbClr val="1E3272"/>
-                </a:solidFill>
-              </a:rPr>
-              <a:t>ops</a:t>
+              <a:t> - arithmetic/logical ops</a:t>
             </a:r>
           </a:p>
           <a:p>
@@ -6472,15 +7280,7 @@
                   <a:srgbClr val="1E3272"/>
                 </a:solidFill>
               </a:rPr>
-              <a:t>I-format</a:t>
-            </a:r>
-            <a:r>
-              <a:rPr lang="en-US" sz="4100" b="1" dirty="0" smtClean="0">
-                <a:solidFill>
-                  <a:srgbClr val="1E3272"/>
-                </a:solidFill>
-              </a:rPr>
-              <a:t>: </a:t>
+              <a:t>I-format: </a:t>
             </a:r>
             <a:r>
               <a:rPr lang="en-US" sz="4100" dirty="0" smtClean="0">
@@ -6504,15 +7304,7 @@
                   <a:srgbClr val="1E3272"/>
                 </a:solidFill>
               </a:rPr>
-              <a:t>, </a:t>
-            </a:r>
-            <a:r>
-              <a:rPr lang="en-US" sz="4100" dirty="0" smtClean="0">
-                <a:solidFill>
-                  <a:srgbClr val="1E3272"/>
-                </a:solidFill>
-              </a:rPr>
-              <a:t>loads</a:t>
+              <a:t>, loads</a:t>
             </a:r>
           </a:p>
           <a:p>
@@ -6530,15 +7322,7 @@
                   <a:srgbClr val="1E3272"/>
                 </a:solidFill>
               </a:rPr>
-              <a:t> addi</a:t>
-            </a:r>
-            <a:r>
-              <a:rPr lang="en-US" sz="3600" dirty="0" smtClean="0">
-                <a:solidFill>
-                  <a:srgbClr val="1E3272"/>
-                </a:solidFill>
-              </a:rPr>
-              <a:t>, </a:t>
+              <a:t> addi, </a:t>
             </a:r>
             <a:r>
               <a:rPr lang="en-US" sz="3600" dirty="0" err="1" smtClean="0">
@@ -6601,31 +7385,15 @@
                   <a:srgbClr val="1E3272"/>
                 </a:solidFill>
               </a:rPr>
-              <a:t>S-format</a:t>
-            </a:r>
-            <a:r>
-              <a:rPr lang="en-US" sz="4100" b="1" dirty="0" smtClean="0">
+              <a:t>S-format: </a:t>
+            </a:r>
+            <a:r>
+              <a:rPr lang="en-US" sz="4100" dirty="0" smtClean="0">
                 <a:solidFill>
                   <a:srgbClr val="1E3272"/>
                 </a:solidFill>
               </a:rPr>
-              <a:t>: </a:t>
-            </a:r>
-            <a:r>
-              <a:rPr lang="en-US" sz="4100" dirty="0" smtClean="0">
-                <a:solidFill>
-                  <a:srgbClr val="1E3272"/>
-                </a:solidFill>
-              </a:rPr>
-              <a:t>store </a:t>
-            </a:r>
-            <a:r>
-              <a:rPr lang="en-US" sz="4100" dirty="0" smtClean="0">
-                <a:solidFill>
-                  <a:srgbClr val="1E3272"/>
-                </a:solidFill>
-              </a:rPr>
-              <a:t>instructions</a:t>
+              <a:t>store instructions</a:t>
             </a:r>
           </a:p>
           <a:p>
@@ -6643,15 +7411,7 @@
                   <a:srgbClr val="1E3272"/>
                 </a:solidFill>
               </a:rPr>
-              <a:t> </a:t>
-            </a:r>
-            <a:r>
-              <a:rPr lang="en-US" sz="3600" dirty="0" smtClean="0">
-                <a:solidFill>
-                  <a:srgbClr val="1E3272"/>
-                </a:solidFill>
-              </a:rPr>
-              <a:t>sw, </a:t>
+              <a:t> sw, </a:t>
             </a:r>
             <a:r>
               <a:rPr lang="en-US" sz="3600" dirty="0" err="1" smtClean="0">
@@ -6682,31 +7442,15 @@
                   <a:srgbClr val="1E3272"/>
                 </a:solidFill>
               </a:rPr>
-              <a:t>SB-format</a:t>
-            </a:r>
-            <a:r>
-              <a:rPr lang="en-US" sz="4100" b="1" dirty="0" smtClean="0">
+              <a:t>SB-format: </a:t>
+            </a:r>
+            <a:r>
+              <a:rPr lang="en-US" sz="4100" dirty="0" smtClean="0">
                 <a:solidFill>
                   <a:srgbClr val="1E3272"/>
                 </a:solidFill>
               </a:rPr>
-              <a:t>: </a:t>
-            </a:r>
-            <a:r>
-              <a:rPr lang="en-US" sz="4100" dirty="0" smtClean="0">
-                <a:solidFill>
-                  <a:srgbClr val="1E3272"/>
-                </a:solidFill>
-              </a:rPr>
-              <a:t>branch </a:t>
-            </a:r>
-            <a:r>
-              <a:rPr lang="en-US" sz="4100" dirty="0" smtClean="0">
-                <a:solidFill>
-                  <a:srgbClr val="1E3272"/>
-                </a:solidFill>
-              </a:rPr>
-              <a:t>instructions</a:t>
+              <a:t>branch instructions</a:t>
             </a:r>
           </a:p>
           <a:p>
@@ -6771,15 +7515,7 @@
                   <a:srgbClr val="1E3272"/>
                 </a:solidFill>
               </a:rPr>
-              <a:t>U-format</a:t>
-            </a:r>
-            <a:r>
-              <a:rPr lang="en-US" sz="4100" b="1" dirty="0" smtClean="0">
-                <a:solidFill>
-                  <a:srgbClr val="1E3272"/>
-                </a:solidFill>
-              </a:rPr>
-              <a:t>: </a:t>
+              <a:t>U-format: </a:t>
             </a:r>
             <a:r>
               <a:rPr lang="en-US" sz="4100" dirty="0" smtClean="0">
@@ -6818,15 +7554,7 @@
                   <a:srgbClr val="1E3272"/>
                 </a:solidFill>
               </a:rPr>
-              <a:t>lui</a:t>
-            </a:r>
-            <a:r>
-              <a:rPr lang="en-US" sz="3600" dirty="0" smtClean="0">
-                <a:solidFill>
-                  <a:srgbClr val="1E3272"/>
-                </a:solidFill>
-              </a:rPr>
-              <a:t>, </a:t>
+              <a:t>lui, </a:t>
             </a:r>
             <a:r>
               <a:rPr lang="en-US" sz="3600" dirty="0" err="1" smtClean="0">
@@ -6842,23 +7570,7 @@
                   <a:srgbClr val="1E3272"/>
                 </a:solidFill>
               </a:rPr>
-              <a:t> </a:t>
-            </a:r>
-            <a:r>
-              <a:rPr lang="en-US" sz="3600" dirty="0" smtClean="0">
-                <a:solidFill>
-                  <a:srgbClr val="1E3272"/>
-                </a:solidFill>
-              </a:rPr>
-              <a:t>- upper </a:t>
-            </a:r>
-            <a:r>
-              <a:rPr lang="en-US" sz="3600" dirty="0" smtClean="0">
-                <a:solidFill>
-                  <a:srgbClr val="1E3272"/>
-                </a:solidFill>
-              </a:rPr>
-              <a:t>immediate is 20-bits</a:t>
+              <a:t> - upper immediate is 20-bits</a:t>
             </a:r>
           </a:p>
           <a:p>
@@ -6876,31 +7588,15 @@
                   <a:srgbClr val="1E3272"/>
                 </a:solidFill>
               </a:rPr>
-              <a:t>UJ-format</a:t>
-            </a:r>
-            <a:r>
-              <a:rPr lang="en-US" sz="4100" b="1" dirty="0" smtClean="0">
+              <a:t>UJ-format: </a:t>
+            </a:r>
+            <a:r>
+              <a:rPr lang="en-US" sz="4100" dirty="0" smtClean="0">
                 <a:solidFill>
                   <a:srgbClr val="1E3272"/>
                 </a:solidFill>
               </a:rPr>
-              <a:t>: </a:t>
-            </a:r>
-            <a:r>
-              <a:rPr lang="en-US" sz="4100" dirty="0" smtClean="0">
-                <a:solidFill>
-                  <a:srgbClr val="1E3272"/>
-                </a:solidFill>
-              </a:rPr>
-              <a:t>the jump </a:t>
-            </a:r>
-            <a:r>
-              <a:rPr lang="en-US" sz="4100" dirty="0" smtClean="0">
-                <a:solidFill>
-                  <a:srgbClr val="1E3272"/>
-                </a:solidFill>
-              </a:rPr>
-              <a:t>instruction</a:t>
+              <a:t>the jump instruction</a:t>
             </a:r>
           </a:p>
           <a:p>
@@ -9108,6 +9804,13 @@
   <p:clrMapOvr>
     <a:masterClrMapping/>
   </p:clrMapOvr>
+  <p:timing>
+    <p:tnLst>
+      <p:par>
+        <p:cTn id="1" dur="indefinite" restart="never" nodeType="tmRoot"/>
+      </p:par>
+    </p:tnLst>
+  </p:timing>
 </p:sld>
 </file>
 
@@ -9238,18 +9941,16 @@
       </p:sp>
       <p:grpSp>
         <p:nvGrpSpPr>
-          <p:cNvPr id="5" name="Group 15"/>
-          <p:cNvGrpSpPr>
-            <a:grpSpLocks/>
-          </p:cNvGrpSpPr>
+          <p:cNvPr id="22" name="Группа 21"/>
+          <p:cNvGrpSpPr/>
           <p:nvPr/>
         </p:nvGrpSpPr>
-        <p:grpSpPr bwMode="auto">
+        <p:grpSpPr>
           <a:xfrm>
-            <a:off x="2614176" y="1402748"/>
-            <a:ext cx="6772275" cy="776901"/>
-            <a:chOff x="1331640" y="1391533"/>
-            <a:chExt cx="6771978" cy="778313"/>
+            <a:off x="2493637" y="1159216"/>
+            <a:ext cx="7161328" cy="787168"/>
+            <a:chOff x="2341237" y="1130641"/>
+            <a:chExt cx="7161328" cy="787168"/>
           </a:xfrm>
         </p:grpSpPr>
         <p:sp>
@@ -9262,16 +9963,18 @@
           </p:nvSpPr>
           <p:spPr bwMode="auto">
             <a:xfrm>
-              <a:off x="1331640" y="1391533"/>
-              <a:ext cx="1296987" cy="415925"/>
+              <a:off x="2341237" y="1134084"/>
+              <a:ext cx="1469171" cy="430887"/>
             </a:xfrm>
             <a:prstGeom prst="rect">
               <a:avLst/>
             </a:prstGeom>
-            <a:noFill/>
+            <a:solidFill>
+              <a:srgbClr val="F7B217"/>
+            </a:solidFill>
             <a:ln w="19050">
               <a:solidFill>
-                <a:schemeClr val="tx1"/>
+                <a:srgbClr val="273272"/>
               </a:solidFill>
               <a:miter lim="800000"/>
               <a:headEnd/>
@@ -9279,17 +9982,25 @@
             </a:ln>
           </p:spPr>
           <p:txBody>
-            <a:bodyPr>
+            <a:bodyPr wrap="square">
               <a:spAutoFit/>
             </a:bodyPr>
             <a:lstStyle/>
             <a:p>
               <a:pPr algn="ctr"/>
               <a:r>
-                <a:rPr lang="en-US" altLang="en-US"/>
-                <a:t> </a:t>
+                <a:rPr lang="en-US" altLang="en-US" sz="2200" dirty="0" smtClean="0">
+                  <a:solidFill>
+                    <a:srgbClr val="1E3272"/>
+                  </a:solidFill>
+                </a:rPr>
+                <a:t>imm[11:5]</a:t>
               </a:r>
-              <a:endParaRPr lang="en-AU" altLang="en-US" sz="2000"/>
+              <a:endParaRPr lang="en-US" altLang="en-US" sz="2200" dirty="0">
+                <a:solidFill>
+                  <a:srgbClr val="1E3272"/>
+                </a:solidFill>
+              </a:endParaRPr>
             </a:p>
           </p:txBody>
         </p:sp>
@@ -9303,16 +10014,69 @@
           </p:nvSpPr>
           <p:spPr bwMode="auto">
             <a:xfrm>
-              <a:off x="2628627" y="1391533"/>
-              <a:ext cx="1079500" cy="415925"/>
+              <a:off x="3806580" y="1130641"/>
+              <a:ext cx="1079547" cy="430887"/>
             </a:xfrm>
             <a:prstGeom prst="rect">
               <a:avLst/>
             </a:prstGeom>
-            <a:noFill/>
+            <a:solidFill>
+              <a:srgbClr val="F7B217"/>
+            </a:solidFill>
             <a:ln w="19050">
               <a:solidFill>
-                <a:schemeClr val="tx1"/>
+                <a:srgbClr val="273272"/>
+              </a:solidFill>
+              <a:miter lim="800000"/>
+              <a:headEnd/>
+              <a:tailEnd/>
+            </a:ln>
+          </p:spPr>
+          <p:txBody>
+            <a:bodyPr wrap="square" anchor="ctr">
+              <a:spAutoFit/>
+            </a:bodyPr>
+            <a:lstStyle/>
+            <a:p>
+              <a:pPr algn="ctr"/>
+              <a:r>
+                <a:rPr lang="en-US" altLang="en-US" sz="2200" dirty="0">
+                  <a:solidFill>
+                    <a:srgbClr val="1E3272"/>
+                  </a:solidFill>
+                </a:rPr>
+                <a:t>rs2</a:t>
+              </a:r>
+              <a:endParaRPr lang="en-AU" altLang="en-US" sz="2200" dirty="0">
+                <a:solidFill>
+                  <a:srgbClr val="1E3272"/>
+                </a:solidFill>
+              </a:endParaRPr>
+            </a:p>
+          </p:txBody>
+        </p:sp>
+        <p:sp>
+          <p:nvSpPr>
+            <p:cNvPr id="8" name="Text Box 7"/>
+            <p:cNvSpPr txBox="1">
+              <a:spLocks noChangeArrowheads="1"/>
+            </p:cNvSpPr>
+            <p:nvPr/>
+          </p:nvSpPr>
+          <p:spPr bwMode="auto">
+            <a:xfrm>
+              <a:off x="4871497" y="1133049"/>
+              <a:ext cx="1079547" cy="430887"/>
+            </a:xfrm>
+            <a:prstGeom prst="rect">
+              <a:avLst/>
+            </a:prstGeom>
+            <a:solidFill>
+              <a:srgbClr val="F7B217"/>
+            </a:solidFill>
+            <a:ln w="19050">
+              <a:solidFill>
+                <a:srgbClr val="273272"/>
               </a:solidFill>
               <a:miter lim="800000"/>
               <a:headEnd/>
@@ -9327,14 +10091,14 @@
             <a:p>
               <a:pPr algn="ctr"/>
               <a:r>
-                <a:rPr lang="en-US" altLang="en-US" sz="2000" dirty="0">
+                <a:rPr lang="en-US" altLang="en-US" sz="2200" dirty="0" smtClean="0">
                   <a:solidFill>
                     <a:srgbClr val="1E3272"/>
                   </a:solidFill>
                 </a:rPr>
-                <a:t>rs2</a:t>
+                <a:t>rs1</a:t>
               </a:r>
-              <a:endParaRPr lang="en-AU" altLang="en-US" sz="2000" dirty="0">
+              <a:endParaRPr lang="en-AU" altLang="en-US" sz="2200" dirty="0">
                 <a:solidFill>
                   <a:srgbClr val="1E3272"/>
                 </a:solidFill>
@@ -9344,7 +10108,7 @@
         </p:sp>
         <p:sp>
           <p:nvSpPr>
-            <p:cNvPr id="8" name="Text Box 7"/>
+            <p:cNvPr id="9" name="Text Box 8"/>
             <p:cNvSpPr txBox="1">
               <a:spLocks noChangeArrowheads="1"/>
             </p:cNvSpPr>
@@ -9352,16 +10116,120 @@
           </p:nvSpPr>
           <p:spPr bwMode="auto">
             <a:xfrm>
-              <a:off x="3708127" y="1391533"/>
-              <a:ext cx="1079500" cy="415925"/>
+              <a:off x="6882474" y="1130863"/>
+              <a:ext cx="1321757" cy="430887"/>
             </a:xfrm>
             <a:prstGeom prst="rect">
               <a:avLst/>
             </a:prstGeom>
-            <a:noFill/>
+            <a:solidFill>
+              <a:srgbClr val="F7B217"/>
+            </a:solidFill>
             <a:ln w="19050">
               <a:solidFill>
-                <a:schemeClr val="tx1"/>
+                <a:srgbClr val="273272"/>
+              </a:solidFill>
+              <a:miter lim="800000"/>
+              <a:headEnd/>
+              <a:tailEnd/>
+            </a:ln>
+          </p:spPr>
+          <p:txBody>
+            <a:bodyPr wrap="square">
+              <a:spAutoFit/>
+            </a:bodyPr>
+            <a:lstStyle/>
+            <a:p>
+              <a:pPr algn="ctr"/>
+              <a:r>
+                <a:rPr lang="en-US" altLang="en-US" sz="2200" dirty="0" smtClean="0">
+                  <a:solidFill>
+                    <a:srgbClr val="1E3272"/>
+                  </a:solidFill>
+                </a:rPr>
+                <a:t>imm[4:0]</a:t>
+              </a:r>
+              <a:endParaRPr lang="en-US" altLang="en-US" sz="2200" dirty="0">
+                <a:solidFill>
+                  <a:srgbClr val="1E3272"/>
+                </a:solidFill>
+              </a:endParaRPr>
+            </a:p>
+          </p:txBody>
+        </p:sp>
+        <p:sp>
+          <p:nvSpPr>
+            <p:cNvPr id="10" name="Text Box 9"/>
+            <p:cNvSpPr txBox="1">
+              <a:spLocks noChangeArrowheads="1"/>
+            </p:cNvSpPr>
+            <p:nvPr/>
+          </p:nvSpPr>
+          <p:spPr bwMode="auto">
+            <a:xfrm>
+              <a:off x="5950957" y="1131791"/>
+              <a:ext cx="936369" cy="430887"/>
+            </a:xfrm>
+            <a:prstGeom prst="rect">
+              <a:avLst/>
+            </a:prstGeom>
+            <a:solidFill>
+              <a:srgbClr val="F7B217"/>
+            </a:solidFill>
+            <a:ln w="19050">
+              <a:solidFill>
+                <a:srgbClr val="273272"/>
+              </a:solidFill>
+              <a:miter lim="800000"/>
+              <a:headEnd/>
+              <a:tailEnd/>
+            </a:ln>
+          </p:spPr>
+          <p:txBody>
+            <a:bodyPr wrap="square" anchor="ctr">
+              <a:spAutoFit/>
+            </a:bodyPr>
+            <a:lstStyle/>
+            <a:p>
+              <a:pPr algn="ctr"/>
+              <a:r>
+                <a:rPr lang="en-US" altLang="en-US" sz="2200" dirty="0">
+                  <a:solidFill>
+                    <a:srgbClr val="1E3272"/>
+                  </a:solidFill>
+                </a:rPr>
+                <a:t>funct3</a:t>
+              </a:r>
+              <a:endParaRPr lang="en-AU" altLang="en-US" sz="2200" dirty="0">
+                <a:solidFill>
+                  <a:srgbClr val="1E3272"/>
+                </a:solidFill>
+              </a:endParaRPr>
+            </a:p>
+          </p:txBody>
+        </p:sp>
+        <p:sp>
+          <p:nvSpPr>
+            <p:cNvPr id="11" name="Text Box 10"/>
+            <p:cNvSpPr txBox="1">
+              <a:spLocks noChangeArrowheads="1"/>
+            </p:cNvSpPr>
+            <p:nvPr/>
+          </p:nvSpPr>
+          <p:spPr bwMode="auto">
+            <a:xfrm>
+              <a:off x="8205521" y="1133540"/>
+              <a:ext cx="1297044" cy="430887"/>
+            </a:xfrm>
+            <a:prstGeom prst="rect">
+              <a:avLst/>
+            </a:prstGeom>
+            <a:solidFill>
+              <a:srgbClr val="F7B217"/>
+            </a:solidFill>
+            <a:ln w="19050">
+              <a:solidFill>
+                <a:srgbClr val="273272"/>
               </a:solidFill>
               <a:miter lim="800000"/>
               <a:headEnd/>
@@ -9376,153 +10244,14 @@
             <a:p>
               <a:pPr algn="ctr"/>
               <a:r>
-                <a:rPr lang="en-US" altLang="en-US" sz="2000" dirty="0">
-                  <a:solidFill>
-                    <a:srgbClr val="1E3272"/>
-                  </a:solidFill>
-                </a:rPr>
-                <a:t>rs1</a:t>
-              </a:r>
-              <a:endParaRPr lang="en-AU" altLang="en-US" sz="2000" dirty="0">
-                <a:solidFill>
-                  <a:srgbClr val="1E3272"/>
-                </a:solidFill>
-              </a:endParaRPr>
-            </a:p>
-          </p:txBody>
-        </p:sp>
-        <p:sp>
-          <p:nvSpPr>
-            <p:cNvPr id="9" name="Text Box 8"/>
-            <p:cNvSpPr txBox="1">
-              <a:spLocks noChangeArrowheads="1"/>
-            </p:cNvSpPr>
-            <p:nvPr/>
-          </p:nvSpPr>
-          <p:spPr bwMode="auto">
-            <a:xfrm>
-              <a:off x="5727131" y="1391533"/>
-              <a:ext cx="1079500" cy="415925"/>
-            </a:xfrm>
-            <a:prstGeom prst="rect">
-              <a:avLst/>
-            </a:prstGeom>
-            <a:noFill/>
-            <a:ln w="19050">
-              <a:solidFill>
-                <a:schemeClr val="tx1"/>
-              </a:solidFill>
-              <a:miter lim="800000"/>
-              <a:headEnd/>
-              <a:tailEnd/>
-            </a:ln>
-          </p:spPr>
-          <p:txBody>
-            <a:bodyPr>
-              <a:spAutoFit/>
-            </a:bodyPr>
-            <a:lstStyle/>
-            <a:p>
-              <a:pPr algn="ctr"/>
-              <a:r>
-                <a:rPr lang="en-US" altLang="en-US" sz="2000"/>
-                <a:t> </a:t>
-              </a:r>
-              <a:endParaRPr lang="en-AU" altLang="en-US" sz="2000"/>
-            </a:p>
-          </p:txBody>
-        </p:sp>
-        <p:sp>
-          <p:nvSpPr>
-            <p:cNvPr id="10" name="Text Box 9"/>
-            <p:cNvSpPr txBox="1">
-              <a:spLocks noChangeArrowheads="1"/>
-            </p:cNvSpPr>
-            <p:nvPr/>
-          </p:nvSpPr>
-          <p:spPr bwMode="auto">
-            <a:xfrm>
-              <a:off x="4789215" y="1391533"/>
-              <a:ext cx="936328" cy="415925"/>
-            </a:xfrm>
-            <a:prstGeom prst="rect">
-              <a:avLst/>
-            </a:prstGeom>
-            <a:noFill/>
-            <a:ln w="19050">
-              <a:solidFill>
-                <a:schemeClr val="tx1"/>
-              </a:solidFill>
-              <a:miter lim="800000"/>
-              <a:headEnd/>
-              <a:tailEnd/>
-            </a:ln>
-          </p:spPr>
-          <p:txBody>
-            <a:bodyPr anchor="ctr">
-              <a:spAutoFit/>
-            </a:bodyPr>
-            <a:lstStyle/>
-            <a:p>
-              <a:pPr algn="ctr"/>
-              <a:r>
-                <a:rPr lang="en-US" altLang="en-US" sz="2000" dirty="0">
-                  <a:solidFill>
-                    <a:srgbClr val="1E3272"/>
-                  </a:solidFill>
-                </a:rPr>
-                <a:t>funct3</a:t>
-              </a:r>
-              <a:endParaRPr lang="en-AU" altLang="en-US" sz="2000" dirty="0">
-                <a:solidFill>
-                  <a:srgbClr val="1E3272"/>
-                </a:solidFill>
-              </a:endParaRPr>
-            </a:p>
-          </p:txBody>
-        </p:sp>
-        <p:sp>
-          <p:nvSpPr>
-            <p:cNvPr id="11" name="Text Box 10"/>
-            <p:cNvSpPr txBox="1">
-              <a:spLocks noChangeArrowheads="1"/>
-            </p:cNvSpPr>
-            <p:nvPr/>
-          </p:nvSpPr>
-          <p:spPr bwMode="auto">
-            <a:xfrm>
-              <a:off x="6806631" y="1391533"/>
-              <a:ext cx="1296987" cy="415925"/>
-            </a:xfrm>
-            <a:prstGeom prst="rect">
-              <a:avLst/>
-            </a:prstGeom>
-            <a:noFill/>
-            <a:ln w="19050">
-              <a:solidFill>
-                <a:schemeClr val="tx1"/>
-              </a:solidFill>
-              <a:miter lim="800000"/>
-              <a:headEnd/>
-              <a:tailEnd/>
-            </a:ln>
-          </p:spPr>
-          <p:txBody>
-            <a:bodyPr anchor="ctr">
-              <a:spAutoFit/>
-            </a:bodyPr>
-            <a:lstStyle/>
-            <a:p>
-              <a:pPr algn="ctr"/>
-              <a:r>
-                <a:rPr lang="en-US" altLang="en-US" sz="2000" dirty="0">
+                <a:rPr lang="en-US" altLang="en-US" sz="2200" dirty="0">
                   <a:solidFill>
                     <a:srgbClr val="1E3272"/>
                   </a:solidFill>
                 </a:rPr>
                 <a:t>opcode</a:t>
               </a:r>
-              <a:endParaRPr lang="en-AU" altLang="en-US" sz="2000" dirty="0">
+              <a:endParaRPr lang="en-AU" altLang="en-US" sz="2200" dirty="0">
                 <a:solidFill>
                   <a:srgbClr val="1E3272"/>
                 </a:solidFill>
@@ -9540,8 +10269,8 @@
           </p:nvSpPr>
           <p:spPr bwMode="auto">
             <a:xfrm>
-              <a:off x="1633163" y="1828096"/>
-              <a:ext cx="647906" cy="339169"/>
+              <a:off x="2796442" y="1576679"/>
+              <a:ext cx="647934" cy="338554"/>
             </a:xfrm>
             <a:prstGeom prst="rect">
               <a:avLst/>
@@ -9587,8 +10316,8 @@
           </p:nvSpPr>
           <p:spPr bwMode="auto">
             <a:xfrm>
-              <a:off x="7108153" y="1830677"/>
-              <a:ext cx="647906" cy="339169"/>
+              <a:off x="8476392" y="1579255"/>
+              <a:ext cx="647934" cy="338554"/>
             </a:xfrm>
             <a:prstGeom prst="rect">
               <a:avLst/>
@@ -9634,8 +10363,8 @@
           </p:nvSpPr>
           <p:spPr bwMode="auto">
             <a:xfrm>
-              <a:off x="2846115" y="1828096"/>
-              <a:ext cx="669925" cy="336550"/>
+              <a:off x="4009447" y="1576679"/>
+              <a:ext cx="669954" cy="335940"/>
             </a:xfrm>
             <a:prstGeom prst="rect">
               <a:avLst/>
@@ -9681,8 +10410,8 @@
           </p:nvSpPr>
           <p:spPr bwMode="auto">
             <a:xfrm>
-              <a:off x="3938212" y="1828096"/>
-              <a:ext cx="647906" cy="339169"/>
+              <a:off x="5101592" y="1576679"/>
+              <a:ext cx="647934" cy="338554"/>
             </a:xfrm>
             <a:prstGeom prst="rect">
               <a:avLst/>
@@ -9728,8 +10457,8 @@
           </p:nvSpPr>
           <p:spPr bwMode="auto">
             <a:xfrm>
-              <a:off x="5946206" y="1830677"/>
-              <a:ext cx="669925" cy="336550"/>
+              <a:off x="7109674" y="1579255"/>
+              <a:ext cx="669954" cy="335940"/>
             </a:xfrm>
             <a:prstGeom prst="rect">
               <a:avLst/>
@@ -9775,8 +10504,8 @@
           </p:nvSpPr>
           <p:spPr bwMode="auto">
             <a:xfrm>
-              <a:off x="4874540" y="1828096"/>
-              <a:ext cx="647906" cy="339169"/>
+              <a:off x="6037961" y="1576679"/>
+              <a:ext cx="647934" cy="338554"/>
             </a:xfrm>
             <a:prstGeom prst="rect">
               <a:avLst/>
@@ -9813,111 +10542,18 @@
           </p:txBody>
         </p:sp>
       </p:grpSp>
-      <p:sp>
-        <p:nvSpPr>
-          <p:cNvPr id="18" name="TextBox 2"/>
-          <p:cNvSpPr txBox="1">
-            <a:spLocks noChangeArrowheads="1"/>
-          </p:cNvSpPr>
-          <p:nvPr/>
-        </p:nvSpPr>
-        <p:spPr bwMode="auto">
-          <a:xfrm>
-            <a:off x="2671326" y="1424973"/>
-            <a:ext cx="1181100" cy="369887"/>
-          </a:xfrm>
-          <a:prstGeom prst="rect">
-            <a:avLst/>
-          </a:prstGeom>
-          <a:noFill/>
-          <a:ln w="9525">
-            <a:noFill/>
-            <a:miter lim="800000"/>
-            <a:headEnd/>
-            <a:tailEnd/>
-          </a:ln>
-        </p:spPr>
-        <p:txBody>
-          <a:bodyPr wrap="none" anchor="ctr">
-            <a:spAutoFit/>
-          </a:bodyPr>
-          <a:lstStyle/>
-          <a:p>
-            <a:pPr algn="ctr"/>
-            <a:r>
-              <a:rPr lang="en-US" altLang="en-US" dirty="0" err="1">
-                <a:solidFill>
-                  <a:srgbClr val="1E3272"/>
-                </a:solidFill>
-              </a:rPr>
-              <a:t>imm</a:t>
-            </a:r>
-            <a:r>
-              <a:rPr lang="en-US" altLang="en-US" dirty="0">
-                <a:solidFill>
-                  <a:srgbClr val="1E3272"/>
-                </a:solidFill>
-              </a:rPr>
-              <a:t>[11:5]</a:t>
-            </a:r>
-          </a:p>
-        </p:txBody>
-      </p:sp>
-      <p:sp>
-        <p:nvSpPr>
-          <p:cNvPr id="19" name="TextBox 37"/>
-          <p:cNvSpPr txBox="1">
-            <a:spLocks noChangeArrowheads="1"/>
-          </p:cNvSpPr>
-          <p:nvPr/>
-        </p:nvSpPr>
-        <p:spPr bwMode="auto">
-          <a:xfrm>
-            <a:off x="7017901" y="1424973"/>
-            <a:ext cx="1069975" cy="369887"/>
-          </a:xfrm>
-          <a:prstGeom prst="rect">
-            <a:avLst/>
-          </a:prstGeom>
-          <a:noFill/>
-          <a:ln w="9525">
-            <a:noFill/>
-            <a:miter lim="800000"/>
-            <a:headEnd/>
-            <a:tailEnd/>
-          </a:ln>
-        </p:spPr>
-        <p:txBody>
-          <a:bodyPr wrap="none" anchor="ctr">
-            <a:spAutoFit/>
-          </a:bodyPr>
-          <a:lstStyle/>
-          <a:p>
-            <a:pPr algn="ctr"/>
-            <a:r>
-              <a:rPr lang="en-US" altLang="en-US" dirty="0" err="1">
-                <a:solidFill>
-                  <a:srgbClr val="1E3272"/>
-                </a:solidFill>
-              </a:rPr>
-              <a:t>imm</a:t>
-            </a:r>
-            <a:r>
-              <a:rPr lang="en-US" altLang="en-US" dirty="0">
-                <a:solidFill>
-                  <a:srgbClr val="1E3272"/>
-                </a:solidFill>
-              </a:rPr>
-              <a:t>[4:0]</a:t>
-            </a:r>
-          </a:p>
-        </p:txBody>
-      </p:sp>
     </p:spTree>
   </p:cSld>
   <p:clrMapOvr>
     <a:masterClrMapping/>
   </p:clrMapOvr>
+  <p:timing>
+    <p:tnLst>
+      <p:par>
+        <p:cTn id="1" dur="indefinite" restart="never" nodeType="tmRoot"/>
+      </p:par>
+    </p:tnLst>
+  </p:timing>
 </p:sld>
 </file>
 
@@ -9940,470 +10576,26 @@
       </p:grpSpPr>
       <p:sp>
         <p:nvSpPr>
-          <p:cNvPr id="4" name="Прямоугольник 3"/>
-          <p:cNvSpPr/>
-          <p:nvPr/>
-        </p:nvSpPr>
-        <p:spPr>
-          <a:xfrm>
-            <a:off x="2664999" y="472120"/>
-            <a:ext cx="7524751" cy="5262979"/>
-          </a:xfrm>
-          <a:prstGeom prst="rect">
-            <a:avLst/>
-          </a:prstGeom>
-          <a:noFill/>
-          <a:ln>
-            <a:noFill/>
-          </a:ln>
-          <a:scene3d>
-            <a:camera prst="perspectiveRelaxed"/>
-            <a:lightRig rig="threePt" dir="t"/>
-          </a:scene3d>
-        </p:spPr>
-        <p:txBody>
-          <a:bodyPr wrap="square" lIns="91440" tIns="45720" rIns="91440" bIns="45720">
-            <a:spAutoFit/>
-          </a:bodyPr>
-          <a:lstStyle/>
-          <a:p>
-            <a:r>
-              <a:rPr lang="en-US" sz="2400" dirty="0" smtClean="0">
-                <a:ln w="0"/>
-                <a:solidFill>
-                  <a:srgbClr val="273272"/>
-                </a:solidFill>
-                <a:effectLst>
-                  <a:reflection blurRad="6350" stA="53000" endA="300" endPos="35500" dir="5400000" sy="-90000" algn="bl" rotWithShape="0"/>
-                </a:effectLst>
-                <a:latin typeface="Courier New" pitchFamily="49" charset="0"/>
-                <a:cs typeface="Courier New" pitchFamily="49" charset="0"/>
-              </a:rPr>
-              <a:t>		</a:t>
-            </a:r>
-          </a:p>
-          <a:p>
-            <a:r>
-              <a:rPr lang="en-US" sz="2400" dirty="0" smtClean="0">
-                <a:ln w="0"/>
-                <a:solidFill>
-                  <a:srgbClr val="273272"/>
-                </a:solidFill>
-                <a:effectLst>
-                  <a:reflection blurRad="6350" stA="53000" endA="300" endPos="35500" dir="5400000" sy="-90000" algn="bl" rotWithShape="0"/>
-                </a:effectLst>
-                <a:latin typeface="Courier New" pitchFamily="49" charset="0"/>
-                <a:cs typeface="Courier New" pitchFamily="49" charset="0"/>
-              </a:rPr>
-              <a:t>		.text</a:t>
-            </a:r>
-          </a:p>
-          <a:p>
-            <a:r>
-              <a:rPr lang="en-US" sz="2400" dirty="0" smtClean="0">
-                <a:ln w="0"/>
-                <a:solidFill>
-                  <a:srgbClr val="273272"/>
-                </a:solidFill>
-                <a:effectLst>
-                  <a:reflection blurRad="6350" stA="53000" endA="300" endPos="35500" dir="5400000" sy="-90000" algn="bl" rotWithShape="0"/>
-                </a:effectLst>
-                <a:latin typeface="Courier New" pitchFamily="49" charset="0"/>
-                <a:cs typeface="Courier New" pitchFamily="49" charset="0"/>
-              </a:rPr>
-              <a:t>__start:	addi t1, zero, 0x18</a:t>
-            </a:r>
-          </a:p>
-          <a:p>
-            <a:r>
-              <a:rPr lang="en-US" sz="2400" dirty="0" smtClean="0">
-                <a:ln w="0"/>
-                <a:solidFill>
-                  <a:srgbClr val="273272"/>
-                </a:solidFill>
-                <a:effectLst>
-                  <a:reflection blurRad="6350" stA="53000" endA="300" endPos="35500" dir="5400000" sy="-90000" algn="bl" rotWithShape="0"/>
-                </a:effectLst>
-                <a:latin typeface="Courier New" pitchFamily="49" charset="0"/>
-                <a:cs typeface="Courier New" pitchFamily="49" charset="0"/>
-              </a:rPr>
-              <a:t>		addi t2, zero, 0x21</a:t>
-            </a:r>
-          </a:p>
-          <a:p>
-            <a:r>
-              <a:rPr lang="en-US" sz="2400" dirty="0" smtClean="0">
-                <a:ln w="0"/>
-                <a:solidFill>
-                  <a:srgbClr val="273272"/>
-                </a:solidFill>
-                <a:effectLst>
-                  <a:reflection blurRad="6350" stA="53000" endA="300" endPos="35500" dir="5400000" sy="-90000" algn="bl" rotWithShape="0"/>
-                </a:effectLst>
-                <a:latin typeface="Courier New" pitchFamily="49" charset="0"/>
-                <a:cs typeface="Courier New" pitchFamily="49" charset="0"/>
-              </a:rPr>
-              <a:t>cycle:	</a:t>
-            </a:r>
-            <a:r>
-              <a:rPr lang="en-US" sz="2400" dirty="0" err="1" smtClean="0">
-                <a:ln w="0"/>
-                <a:solidFill>
-                  <a:srgbClr val="273272"/>
-                </a:solidFill>
-                <a:effectLst>
-                  <a:reflection blurRad="6350" stA="53000" endA="300" endPos="35500" dir="5400000" sy="-90000" algn="bl" rotWithShape="0"/>
-                </a:effectLst>
-                <a:latin typeface="Courier New" pitchFamily="49" charset="0"/>
-                <a:cs typeface="Courier New" pitchFamily="49" charset="0"/>
-              </a:rPr>
-              <a:t>beq</a:t>
-            </a:r>
-            <a:r>
-              <a:rPr lang="en-US" sz="2400" dirty="0" smtClean="0">
-                <a:ln w="0"/>
-                <a:solidFill>
-                  <a:srgbClr val="273272"/>
-                </a:solidFill>
-                <a:effectLst>
-                  <a:reflection blurRad="6350" stA="53000" endA="300" endPos="35500" dir="5400000" sy="-90000" algn="bl" rotWithShape="0"/>
-                </a:effectLst>
-                <a:latin typeface="Courier New" pitchFamily="49" charset="0"/>
-                <a:cs typeface="Courier New" pitchFamily="49" charset="0"/>
-              </a:rPr>
-              <a:t> t1, t2, done</a:t>
-            </a:r>
-          </a:p>
-          <a:p>
-            <a:r>
-              <a:rPr lang="en-US" sz="2400" dirty="0" smtClean="0">
-                <a:ln w="0"/>
-                <a:solidFill>
-                  <a:srgbClr val="273272"/>
-                </a:solidFill>
-                <a:effectLst>
-                  <a:reflection blurRad="6350" stA="53000" endA="300" endPos="35500" dir="5400000" sy="-90000" algn="bl" rotWithShape="0"/>
-                </a:effectLst>
-                <a:latin typeface="Courier New" pitchFamily="49" charset="0"/>
-                <a:cs typeface="Courier New" pitchFamily="49" charset="0"/>
-              </a:rPr>
-              <a:t>		</a:t>
-            </a:r>
-            <a:r>
-              <a:rPr lang="en-US" sz="2400" dirty="0" err="1" smtClean="0">
-                <a:ln w="0"/>
-                <a:solidFill>
-                  <a:srgbClr val="273272"/>
-                </a:solidFill>
-                <a:effectLst>
-                  <a:reflection blurRad="6350" stA="53000" endA="300" endPos="35500" dir="5400000" sy="-90000" algn="bl" rotWithShape="0"/>
-                </a:effectLst>
-                <a:latin typeface="Courier New" pitchFamily="49" charset="0"/>
-                <a:cs typeface="Courier New" pitchFamily="49" charset="0"/>
-              </a:rPr>
-              <a:t>slt</a:t>
-            </a:r>
-            <a:r>
-              <a:rPr lang="en-US" sz="2400" dirty="0" smtClean="0">
-                <a:ln w="0"/>
-                <a:solidFill>
-                  <a:srgbClr val="273272"/>
-                </a:solidFill>
-                <a:effectLst>
-                  <a:reflection blurRad="6350" stA="53000" endA="300" endPos="35500" dir="5400000" sy="-90000" algn="bl" rotWithShape="0"/>
-                </a:effectLst>
-                <a:latin typeface="Courier New" pitchFamily="49" charset="0"/>
-                <a:cs typeface="Courier New" pitchFamily="49" charset="0"/>
-              </a:rPr>
-              <a:t> t0, t1, t2</a:t>
-            </a:r>
-          </a:p>
-          <a:p>
-            <a:r>
-              <a:rPr lang="en-US" sz="2400" dirty="0" smtClean="0">
-                <a:ln w="0"/>
-                <a:solidFill>
-                  <a:srgbClr val="273272"/>
-                </a:solidFill>
-                <a:effectLst>
-                  <a:reflection blurRad="6350" stA="53000" endA="300" endPos="35500" dir="5400000" sy="-90000" algn="bl" rotWithShape="0"/>
-                </a:effectLst>
-                <a:latin typeface="Courier New" pitchFamily="49" charset="0"/>
-                <a:cs typeface="Courier New" pitchFamily="49" charset="0"/>
-              </a:rPr>
-              <a:t>		</a:t>
-            </a:r>
-            <a:r>
-              <a:rPr lang="en-US" sz="2400" dirty="0" err="1" smtClean="0">
-                <a:ln w="0"/>
-                <a:solidFill>
-                  <a:srgbClr val="273272"/>
-                </a:solidFill>
-                <a:effectLst>
-                  <a:reflection blurRad="6350" stA="53000" endA="300" endPos="35500" dir="5400000" sy="-90000" algn="bl" rotWithShape="0"/>
-                </a:effectLst>
-                <a:latin typeface="Courier New" pitchFamily="49" charset="0"/>
-                <a:cs typeface="Courier New" pitchFamily="49" charset="0"/>
-              </a:rPr>
-              <a:t>bne</a:t>
-            </a:r>
-            <a:r>
-              <a:rPr lang="en-US" sz="2400" dirty="0" smtClean="0">
-                <a:ln w="0"/>
-                <a:solidFill>
-                  <a:srgbClr val="273272"/>
-                </a:solidFill>
-                <a:effectLst>
-                  <a:reflection blurRad="6350" stA="53000" endA="300" endPos="35500" dir="5400000" sy="-90000" algn="bl" rotWithShape="0"/>
-                </a:effectLst>
-                <a:latin typeface="Courier New" pitchFamily="49" charset="0"/>
-                <a:cs typeface="Courier New" pitchFamily="49" charset="0"/>
-              </a:rPr>
-              <a:t> t0, zero, </a:t>
-            </a:r>
-            <a:r>
-              <a:rPr lang="en-US" sz="2400" dirty="0" err="1" smtClean="0">
-                <a:ln w="0"/>
-                <a:solidFill>
-                  <a:srgbClr val="273272"/>
-                </a:solidFill>
-                <a:effectLst>
-                  <a:reflection blurRad="6350" stA="53000" endA="300" endPos="35500" dir="5400000" sy="-90000" algn="bl" rotWithShape="0"/>
-                </a:effectLst>
-                <a:latin typeface="Courier New" pitchFamily="49" charset="0"/>
-                <a:cs typeface="Courier New" pitchFamily="49" charset="0"/>
-              </a:rPr>
-              <a:t>if_less</a:t>
-            </a:r>
-            <a:endParaRPr lang="en-US" sz="2400" dirty="0" smtClean="0">
-              <a:ln w="0"/>
-              <a:solidFill>
-                <a:srgbClr val="273272"/>
-              </a:solidFill>
-              <a:effectLst>
-                <a:reflection blurRad="6350" stA="53000" endA="300" endPos="35500" dir="5400000" sy="-90000" algn="bl" rotWithShape="0"/>
-              </a:effectLst>
-              <a:latin typeface="Courier New" pitchFamily="49" charset="0"/>
-              <a:cs typeface="Courier New" pitchFamily="49" charset="0"/>
-            </a:endParaRPr>
-          </a:p>
-          <a:p>
-            <a:r>
-              <a:rPr lang="en-US" sz="2400" dirty="0" smtClean="0">
-                <a:ln w="0"/>
-                <a:solidFill>
-                  <a:srgbClr val="273272"/>
-                </a:solidFill>
-                <a:effectLst>
-                  <a:reflection blurRad="6350" stA="53000" endA="300" endPos="35500" dir="5400000" sy="-90000" algn="bl" rotWithShape="0"/>
-                </a:effectLst>
-                <a:latin typeface="Courier New" pitchFamily="49" charset="0"/>
-                <a:cs typeface="Courier New" pitchFamily="49" charset="0"/>
-              </a:rPr>
-              <a:t>		</a:t>
-            </a:r>
-            <a:r>
-              <a:rPr lang="en-US" sz="2400" dirty="0" err="1" smtClean="0">
-                <a:ln w="0"/>
-                <a:solidFill>
-                  <a:srgbClr val="273272"/>
-                </a:solidFill>
-                <a:effectLst>
-                  <a:reflection blurRad="6350" stA="53000" endA="300" endPos="35500" dir="5400000" sy="-90000" algn="bl" rotWithShape="0"/>
-                </a:effectLst>
-                <a:latin typeface="Courier New" pitchFamily="49" charset="0"/>
-                <a:cs typeface="Courier New" pitchFamily="49" charset="0"/>
-              </a:rPr>
-              <a:t>nop</a:t>
-            </a:r>
-            <a:endParaRPr lang="en-US" sz="2400" dirty="0" smtClean="0">
-              <a:ln w="0"/>
-              <a:solidFill>
-                <a:srgbClr val="273272"/>
-              </a:solidFill>
-              <a:effectLst>
-                <a:reflection blurRad="6350" stA="53000" endA="300" endPos="35500" dir="5400000" sy="-90000" algn="bl" rotWithShape="0"/>
-              </a:effectLst>
-              <a:latin typeface="Courier New" pitchFamily="49" charset="0"/>
-              <a:cs typeface="Courier New" pitchFamily="49" charset="0"/>
-            </a:endParaRPr>
-          </a:p>
-          <a:p>
-            <a:r>
-              <a:rPr lang="en-US" sz="2400" dirty="0" smtClean="0">
-                <a:ln w="0"/>
-                <a:solidFill>
-                  <a:srgbClr val="273272"/>
-                </a:solidFill>
-                <a:effectLst>
-                  <a:reflection blurRad="6350" stA="53000" endA="300" endPos="35500" dir="5400000" sy="-90000" algn="bl" rotWithShape="0"/>
-                </a:effectLst>
-                <a:latin typeface="Courier New" pitchFamily="49" charset="0"/>
-                <a:cs typeface="Courier New" pitchFamily="49" charset="0"/>
-              </a:rPr>
-              <a:t>		sub t1, t1, t2</a:t>
-            </a:r>
-          </a:p>
-          <a:p>
-            <a:r>
-              <a:rPr lang="en-US" sz="2400" dirty="0" smtClean="0">
-                <a:ln w="0"/>
-                <a:solidFill>
-                  <a:srgbClr val="273272"/>
-                </a:solidFill>
-                <a:effectLst>
-                  <a:reflection blurRad="6350" stA="53000" endA="300" endPos="35500" dir="5400000" sy="-90000" algn="bl" rotWithShape="0"/>
-                </a:effectLst>
-                <a:latin typeface="Courier New" pitchFamily="49" charset="0"/>
-                <a:cs typeface="Courier New" pitchFamily="49" charset="0"/>
-              </a:rPr>
-              <a:t>		j cycle</a:t>
-            </a:r>
-          </a:p>
-          <a:p>
-            <a:r>
-              <a:rPr lang="en-US" sz="2400" dirty="0" smtClean="0">
-                <a:ln w="0"/>
-                <a:solidFill>
-                  <a:srgbClr val="273272"/>
-                </a:solidFill>
-                <a:effectLst>
-                  <a:reflection blurRad="6350" stA="53000" endA="300" endPos="35500" dir="5400000" sy="-90000" algn="bl" rotWithShape="0"/>
-                </a:effectLst>
-                <a:latin typeface="Courier New" pitchFamily="49" charset="0"/>
-                <a:cs typeface="Courier New" pitchFamily="49" charset="0"/>
-              </a:rPr>
-              <a:t>		</a:t>
-            </a:r>
-            <a:r>
-              <a:rPr lang="en-US" sz="2400" dirty="0" err="1" smtClean="0">
-                <a:ln w="0"/>
-                <a:solidFill>
-                  <a:srgbClr val="273272"/>
-                </a:solidFill>
-                <a:effectLst>
-                  <a:reflection blurRad="6350" stA="53000" endA="300" endPos="35500" dir="5400000" sy="-90000" algn="bl" rotWithShape="0"/>
-                </a:effectLst>
-                <a:latin typeface="Courier New" pitchFamily="49" charset="0"/>
-                <a:cs typeface="Courier New" pitchFamily="49" charset="0"/>
-              </a:rPr>
-              <a:t>nop</a:t>
-            </a:r>
-            <a:endParaRPr lang="en-US" sz="2400" dirty="0" smtClean="0">
-              <a:ln w="0"/>
-              <a:solidFill>
-                <a:srgbClr val="273272"/>
-              </a:solidFill>
-              <a:effectLst>
-                <a:reflection blurRad="6350" stA="53000" endA="300" endPos="35500" dir="5400000" sy="-90000" algn="bl" rotWithShape="0"/>
-              </a:effectLst>
-              <a:latin typeface="Courier New" pitchFamily="49" charset="0"/>
-              <a:cs typeface="Courier New" pitchFamily="49" charset="0"/>
-            </a:endParaRPr>
-          </a:p>
-          <a:p>
-            <a:r>
-              <a:rPr lang="en-US" sz="2400" dirty="0" err="1" smtClean="0">
-                <a:ln w="0"/>
-                <a:solidFill>
-                  <a:srgbClr val="273272"/>
-                </a:solidFill>
-                <a:effectLst>
-                  <a:reflection blurRad="6350" stA="53000" endA="300" endPos="35500" dir="5400000" sy="-90000" algn="bl" rotWithShape="0"/>
-                </a:effectLst>
-                <a:latin typeface="Courier New" pitchFamily="49" charset="0"/>
-                <a:cs typeface="Courier New" pitchFamily="49" charset="0"/>
-              </a:rPr>
-              <a:t>if_less</a:t>
-            </a:r>
-            <a:r>
-              <a:rPr lang="en-US" sz="2400" dirty="0" smtClean="0">
-                <a:ln w="0"/>
-                <a:solidFill>
-                  <a:srgbClr val="273272"/>
-                </a:solidFill>
-                <a:effectLst>
-                  <a:reflection blurRad="6350" stA="53000" endA="300" endPos="35500" dir="5400000" sy="-90000" algn="bl" rotWithShape="0"/>
-                </a:effectLst>
-                <a:latin typeface="Courier New" pitchFamily="49" charset="0"/>
-                <a:cs typeface="Courier New" pitchFamily="49" charset="0"/>
-              </a:rPr>
-              <a:t>:	sub t2, t2, t1</a:t>
-            </a:r>
-          </a:p>
-          <a:p>
-            <a:r>
-              <a:rPr lang="en-US" sz="2400" dirty="0" smtClean="0">
-                <a:ln w="0"/>
-                <a:solidFill>
-                  <a:srgbClr val="273272"/>
-                </a:solidFill>
-                <a:effectLst>
-                  <a:reflection blurRad="6350" stA="53000" endA="300" endPos="35500" dir="5400000" sy="-90000" algn="bl" rotWithShape="0"/>
-                </a:effectLst>
-                <a:latin typeface="Courier New" pitchFamily="49" charset="0"/>
-                <a:cs typeface="Courier New" pitchFamily="49" charset="0"/>
-              </a:rPr>
-              <a:t>		j cycle</a:t>
-            </a:r>
-          </a:p>
-          <a:p>
-            <a:r>
-              <a:rPr lang="en-US" sz="2400" dirty="0" smtClean="0">
-                <a:ln w="0"/>
-                <a:solidFill>
-                  <a:srgbClr val="273272"/>
-                </a:solidFill>
-                <a:effectLst>
-                  <a:reflection blurRad="6350" stA="53000" endA="300" endPos="35500" dir="5400000" sy="-90000" algn="bl" rotWithShape="0"/>
-                </a:effectLst>
-                <a:latin typeface="Courier New" pitchFamily="49" charset="0"/>
-                <a:cs typeface="Courier New" pitchFamily="49" charset="0"/>
-              </a:rPr>
-              <a:t>done:		add t3, t1, zero</a:t>
-            </a:r>
-            <a:endParaRPr lang="ru-RU" sz="2400" b="0" cap="none" spc="0" dirty="0">
-              <a:ln w="0"/>
-              <a:solidFill>
-                <a:srgbClr val="273272"/>
-              </a:solidFill>
-              <a:effectLst>
-                <a:reflection blurRad="6350" stA="53000" endA="300" endPos="35500" dir="5400000" sy="-90000" algn="bl" rotWithShape="0"/>
-              </a:effectLst>
-              <a:latin typeface="Courier New" pitchFamily="49" charset="0"/>
-              <a:cs typeface="Courier New" pitchFamily="49" charset="0"/>
-            </a:endParaRPr>
-          </a:p>
-        </p:txBody>
-      </p:sp>
-      <p:sp>
-        <p:nvSpPr>
-          <p:cNvPr id="2" name="Заголовок 1"/>
+          <p:cNvPr id="2" name="Содержимое 1"/>
           <p:cNvSpPr>
             <a:spLocks noGrp="1"/>
           </p:cNvSpPr>
           <p:nvPr>
-            <p:ph type="title"/>
+            <p:ph idx="1"/>
           </p:nvPr>
         </p:nvSpPr>
         <p:spPr/>
         <p:txBody>
-          <a:bodyPr>
-            <a:normAutofit/>
-          </a:bodyPr>
+          <a:bodyPr/>
           <a:lstStyle/>
           <a:p>
-            <a:r>
-              <a:rPr lang="en-US" dirty="0" smtClean="0"/>
-              <a:t>Any Questions?</a:t>
-            </a:r>
-            <a:endParaRPr lang="ru-RU" sz="4000" dirty="0"/>
-          </a:p>
-        </p:txBody>
-      </p:sp>
-      <p:sp>
-        <p:nvSpPr>
-          <p:cNvPr id="6" name="Номер слайда 5"/>
+            <a:endParaRPr lang="ru-RU"/>
+          </a:p>
+        </p:txBody>
+      </p:sp>
+      <p:sp>
+        <p:nvSpPr>
+          <p:cNvPr id="3" name="Номер слайда 2"/>
           <p:cNvSpPr>
             <a:spLocks noGrp="1"/>
           </p:cNvSpPr>
@@ -10426,23 +10618,134 @@
           </a:p>
         </p:txBody>
       </p:sp>
+      <p:sp>
+        <p:nvSpPr>
+          <p:cNvPr id="4" name="Заголовок 3"/>
+          <p:cNvSpPr>
+            <a:spLocks noGrp="1"/>
+          </p:cNvSpPr>
+          <p:nvPr>
+            <p:ph type="title"/>
+          </p:nvPr>
+        </p:nvSpPr>
+        <p:spPr/>
+        <p:txBody>
+          <a:bodyPr/>
+          <a:lstStyle/>
+          <a:p>
+            <a:r>
+              <a:rPr lang="en-US" altLang="en-US" dirty="0" smtClean="0"/>
+              <a:t>SB-format </a:t>
+            </a:r>
+            <a:r>
+              <a:rPr lang="en-US" altLang="en-US" dirty="0" smtClean="0"/>
+              <a:t>Instructions</a:t>
+            </a:r>
+            <a:endParaRPr lang="ru-RU" dirty="0"/>
+          </a:p>
+        </p:txBody>
+      </p:sp>
     </p:spTree>
-    <p:extLst>
-      <p:ext uri="{BB962C8B-B14F-4D97-AF65-F5344CB8AC3E}">
-        <p14:creationId xmlns="" xmlns:p14="http://schemas.microsoft.com/office/powerpoint/2010/main" val="4217875043"/>
-      </p:ext>
-    </p:extLst>
   </p:cSld>
   <p:clrMapOvr>
     <a:masterClrMapping/>
   </p:clrMapOvr>
-  <p:timing>
-    <p:tnLst>
-      <p:par>
-        <p:cTn id="1" dur="indefinite" restart="never" nodeType="tmRoot"/>
-      </p:par>
-    </p:tnLst>
-  </p:timing>
+</p:sld>
+</file>
+
+<file path=ppt/slides/slide9.xml><?xml version="1.0" encoding="utf-8"?>
+<p:sld xmlns:a="http://schemas.openxmlformats.org/drawingml/2006/main" xmlns:r="http://schemas.openxmlformats.org/officeDocument/2006/relationships" xmlns:p="http://schemas.openxmlformats.org/presentationml/2006/main">
+  <p:cSld>
+    <p:spTree>
+      <p:nvGrpSpPr>
+        <p:cNvPr id="1" name=""/>
+        <p:cNvGrpSpPr/>
+        <p:nvPr/>
+      </p:nvGrpSpPr>
+      <p:grpSpPr>
+        <a:xfrm>
+          <a:off x="0" y="0"/>
+          <a:ext cx="0" cy="0"/>
+          <a:chOff x="0" y="0"/>
+          <a:chExt cx="0" cy="0"/>
+        </a:xfrm>
+      </p:grpSpPr>
+      <p:sp>
+        <p:nvSpPr>
+          <p:cNvPr id="2" name="Содержимое 1"/>
+          <p:cNvSpPr>
+            <a:spLocks noGrp="1"/>
+          </p:cNvSpPr>
+          <p:nvPr>
+            <p:ph idx="1"/>
+          </p:nvPr>
+        </p:nvSpPr>
+        <p:spPr/>
+        <p:txBody>
+          <a:bodyPr/>
+          <a:lstStyle/>
+          <a:p>
+            <a:endParaRPr lang="ru-RU"/>
+          </a:p>
+        </p:txBody>
+      </p:sp>
+      <p:sp>
+        <p:nvSpPr>
+          <p:cNvPr id="3" name="Номер слайда 2"/>
+          <p:cNvSpPr>
+            <a:spLocks noGrp="1"/>
+          </p:cNvSpPr>
+          <p:nvPr>
+            <p:ph type="sldNum" sz="quarter" idx="12"/>
+          </p:nvPr>
+        </p:nvSpPr>
+        <p:spPr/>
+        <p:txBody>
+          <a:bodyPr/>
+          <a:lstStyle/>
+          <a:p>
+            <a:pPr algn="ctr"/>
+            <a:fld id="{1397BFD8-F312-4EF2-A268-44FB4BDDBBB0}" type="slidenum">
+              <a:rPr lang="ru-RU" smtClean="0"/>
+              <a:pPr algn="ctr"/>
+              <a:t>9</a:t>
+            </a:fld>
+            <a:endParaRPr lang="ru-RU" dirty="0"/>
+          </a:p>
+        </p:txBody>
+      </p:sp>
+      <p:sp>
+        <p:nvSpPr>
+          <p:cNvPr id="4" name="Заголовок 3"/>
+          <p:cNvSpPr>
+            <a:spLocks noGrp="1"/>
+          </p:cNvSpPr>
+          <p:nvPr>
+            <p:ph type="title"/>
+          </p:nvPr>
+        </p:nvSpPr>
+        <p:spPr/>
+        <p:txBody>
+          <a:bodyPr/>
+          <a:lstStyle/>
+          <a:p>
+            <a:r>
+              <a:rPr lang="en-US" altLang="en-US" dirty="0" smtClean="0"/>
+              <a:t>UJ-format </a:t>
+            </a:r>
+            <a:r>
+              <a:rPr lang="en-US" altLang="en-US" dirty="0" smtClean="0"/>
+              <a:t>Instructions</a:t>
+            </a:r>
+            <a:endParaRPr lang="ru-RU" dirty="0"/>
+          </a:p>
+        </p:txBody>
+      </p:sp>
+    </p:spTree>
+  </p:cSld>
+  <p:clrMapOvr>
+    <a:masterClrMapping/>
+  </p:clrMapOvr>
 </p:sld>
 </file>
 
@@ -10721,7 +11024,7 @@
   <a:extraClrSchemeLst/>
   <a:extLst>
     <a:ext uri="{05A4C25C-085E-4340-85A3-A5531E510DB2}">
-      <thm15:themeFamily xmlns="" xmlns:thm15="http://schemas.microsoft.com/office/thememl/2012/main" name="Office Theme" id="{62F939B6-93AF-4DB8-9C6B-D6C7DFDC589F}" vid="{4A3C46E8-61CC-4603-A589-7422A47A8E4A}"/>
+      <thm15:themeFamily xmlns:thm15="http://schemas.microsoft.com/office/thememl/2012/main" xmlns="" name="Office Theme" id="{62F939B6-93AF-4DB8-9C6B-D6C7DFDC589F}" vid="{4A3C46E8-61CC-4603-A589-7422A47A8E4A}"/>
     </a:ext>
   </a:extLst>
 </a:theme>
@@ -10982,7 +11285,7 @@
   <a:extraClrSchemeLst/>
   <a:extLst>
     <a:ext uri="{05A4C25C-085E-4340-85A3-A5531E510DB2}">
-      <thm15:themeFamily xmlns="" xmlns:thm15="http://schemas.microsoft.com/office/thememl/2012/main" name="Office Theme" id="{62F939B6-93AF-4DB8-9C6B-D6C7DFDC589F}" vid="{4A3C46E8-61CC-4603-A589-7422A47A8E4A}"/>
+      <thm15:themeFamily xmlns:thm15="http://schemas.microsoft.com/office/thememl/2012/main" xmlns="" name="Office Theme" id="{62F939B6-93AF-4DB8-9C6B-D6C7DFDC589F}" vid="{4A3C46E8-61CC-4603-A589-7422A47A8E4A}"/>
     </a:ext>
   </a:extLst>
 </a:theme>
@@ -11243,7 +11546,7 @@
   <a:extraClrSchemeLst/>
   <a:extLst>
     <a:ext uri="{05A4C25C-085E-4340-85A3-A5531E510DB2}">
-      <thm15:themeFamily xmlns="" xmlns:thm15="http://schemas.microsoft.com/office/thememl/2012/main" name="Office Theme" id="{62F939B6-93AF-4DB8-9C6B-D6C7DFDC589F}" vid="{4A3C46E8-61CC-4603-A589-7422A47A8E4A}"/>
+      <thm15:themeFamily xmlns:thm15="http://schemas.microsoft.com/office/thememl/2012/main" xmlns="" name="Office Theme" id="{62F939B6-93AF-4DB8-9C6B-D6C7DFDC589F}" vid="{4A3C46E8-61CC-4603-A589-7422A47A8E4A}"/>
     </a:ext>
   </a:extLst>
 </a:theme>

--- a/docs/part1ca/04_Instructions/CA_Lecture_04.pptx
+++ b/docs/part1ca/04_Instructions/CA_Lecture_04.pptx
@@ -124,7 +124,7 @@
   </p:defaultTextStyle>
   <p:extLst>
     <p:ext uri="{EFAFB233-063F-42B5-8137-9DF3F51BA10A}">
-      <p15:sldGuideLst xmlns:p15="http://schemas.microsoft.com/office/powerpoint/2012/main" xmlns="">
+      <p15:sldGuideLst xmlns="" xmlns:p15="http://schemas.microsoft.com/office/powerpoint/2012/main">
         <p15:guide id="1" orient="horz" pos="2160">
           <p15:clr>
             <a:srgbClr val="A4A3A4"/>
@@ -138,7 +138,7 @@
       </p15:sldGuideLst>
     </p:ext>
     <p:ext uri="{2D200454-40CA-4A62-9FC3-DE9A4176ACB9}">
-      <p15:notesGuideLst xmlns:p15="http://schemas.microsoft.com/office/powerpoint/2012/main" xmlns="">
+      <p15:notesGuideLst xmlns="" xmlns:p15="http://schemas.microsoft.com/office/powerpoint/2012/main">
         <p15:guide id="1" orient="horz" pos="2880">
           <p15:clr>
             <a:srgbClr val="A4A3A4"/>
@@ -322,7 +322,7 @@
     </p:spTree>
     <p:extLst>
       <p:ext uri="{BB962C8B-B14F-4D97-AF65-F5344CB8AC3E}">
-        <p14:creationId xmlns:p14="http://schemas.microsoft.com/office/powerpoint/2010/main" xmlns="" val="827279973"/>
+        <p14:creationId xmlns="" xmlns:p14="http://schemas.microsoft.com/office/powerpoint/2010/main" val="827279973"/>
       </p:ext>
     </p:extLst>
   </p:cSld>
@@ -583,7 +583,7 @@
     </p:spTree>
     <p:extLst>
       <p:ext uri="{BB962C8B-B14F-4D97-AF65-F5344CB8AC3E}">
-        <p14:creationId xmlns:p14="http://schemas.microsoft.com/office/powerpoint/2010/main" xmlns="" val="3865021395"/>
+        <p14:creationId xmlns="" xmlns:p14="http://schemas.microsoft.com/office/powerpoint/2010/main" val="3865021395"/>
       </p:ext>
     </p:extLst>
   </p:cSld>
@@ -797,7 +797,7 @@
     </p:spTree>
     <p:extLst>
       <p:ext uri="{BB962C8B-B14F-4D97-AF65-F5344CB8AC3E}">
-        <p14:creationId xmlns:p14="http://schemas.microsoft.com/office/powerpoint/2010/main" xmlns="" val="2381791527"/>
+        <p14:creationId xmlns="" xmlns:p14="http://schemas.microsoft.com/office/powerpoint/2010/main" val="2381791527"/>
       </p:ext>
     </p:extLst>
   </p:cSld>
@@ -920,7 +920,7 @@
     </p:spTree>
     <p:extLst>
       <p:ext uri="{BB962C8B-B14F-4D97-AF65-F5344CB8AC3E}">
-        <p14:creationId xmlns:p14="http://schemas.microsoft.com/office/powerpoint/2010/main" xmlns="" val="1915950851"/>
+        <p14:creationId xmlns="" xmlns:p14="http://schemas.microsoft.com/office/powerpoint/2010/main" val="1915950851"/>
       </p:ext>
     </p:extLst>
   </p:cSld>
@@ -1180,7 +1180,7 @@
     </p:spTree>
     <p:extLst>
       <p:ext uri="{BB962C8B-B14F-4D97-AF65-F5344CB8AC3E}">
-        <p14:creationId xmlns:p14="http://schemas.microsoft.com/office/powerpoint/2010/main" xmlns="" val="322455162"/>
+        <p14:creationId xmlns="" xmlns:p14="http://schemas.microsoft.com/office/powerpoint/2010/main" val="322455162"/>
       </p:ext>
     </p:extLst>
   </p:cSld>
@@ -1354,7 +1354,7 @@
     </p:spTree>
     <p:extLst>
       <p:ext uri="{BB962C8B-B14F-4D97-AF65-F5344CB8AC3E}">
-        <p14:creationId xmlns:p14="http://schemas.microsoft.com/office/powerpoint/2010/main" xmlns="" val="971117636"/>
+        <p14:creationId xmlns="" xmlns:p14="http://schemas.microsoft.com/office/powerpoint/2010/main" val="971117636"/>
       </p:ext>
     </p:extLst>
   </p:cSld>
@@ -1531,7 +1531,7 @@
     </p:spTree>
     <p:extLst>
       <p:ext uri="{BB962C8B-B14F-4D97-AF65-F5344CB8AC3E}">
-        <p14:creationId xmlns:p14="http://schemas.microsoft.com/office/powerpoint/2010/main" xmlns="" val="3348877825"/>
+        <p14:creationId xmlns="" xmlns:p14="http://schemas.microsoft.com/office/powerpoint/2010/main" val="3348877825"/>
       </p:ext>
     </p:extLst>
   </p:cSld>
@@ -1856,7 +1856,7 @@
     </p:spTree>
     <p:extLst>
       <p:ext uri="{BB962C8B-B14F-4D97-AF65-F5344CB8AC3E}">
-        <p14:creationId xmlns:p14="http://schemas.microsoft.com/office/powerpoint/2010/main" xmlns="" val="3256953994"/>
+        <p14:creationId xmlns="" xmlns:p14="http://schemas.microsoft.com/office/powerpoint/2010/main" val="3256953994"/>
       </p:ext>
     </p:extLst>
   </p:cSld>
@@ -2106,7 +2106,7 @@
     </p:spTree>
     <p:extLst>
       <p:ext uri="{BB962C8B-B14F-4D97-AF65-F5344CB8AC3E}">
-        <p14:creationId xmlns:p14="http://schemas.microsoft.com/office/powerpoint/2010/main" xmlns="" val="3067076846"/>
+        <p14:creationId xmlns="" xmlns:p14="http://schemas.microsoft.com/office/powerpoint/2010/main" val="3067076846"/>
       </p:ext>
     </p:extLst>
   </p:cSld>
@@ -2342,7 +2342,7 @@
     </p:spTree>
     <p:extLst>
       <p:ext uri="{BB962C8B-B14F-4D97-AF65-F5344CB8AC3E}">
-        <p14:creationId xmlns:p14="http://schemas.microsoft.com/office/powerpoint/2010/main" xmlns="" val="3710015975"/>
+        <p14:creationId xmlns="" xmlns:p14="http://schemas.microsoft.com/office/powerpoint/2010/main" val="3710015975"/>
       </p:ext>
     </p:extLst>
   </p:cSld>
@@ -2713,7 +2713,7 @@
     </p:spTree>
     <p:extLst>
       <p:ext uri="{BB962C8B-B14F-4D97-AF65-F5344CB8AC3E}">
-        <p14:creationId xmlns:p14="http://schemas.microsoft.com/office/powerpoint/2010/main" xmlns="" val="4075590966"/>
+        <p14:creationId xmlns="" xmlns:p14="http://schemas.microsoft.com/office/powerpoint/2010/main" val="4075590966"/>
       </p:ext>
     </p:extLst>
   </p:cSld>
@@ -2835,7 +2835,7 @@
     </p:spTree>
     <p:extLst>
       <p:ext uri="{BB962C8B-B14F-4D97-AF65-F5344CB8AC3E}">
-        <p14:creationId xmlns:p14="http://schemas.microsoft.com/office/powerpoint/2010/main" xmlns="" val="2889604898"/>
+        <p14:creationId xmlns="" xmlns:p14="http://schemas.microsoft.com/office/powerpoint/2010/main" val="2889604898"/>
       </p:ext>
     </p:extLst>
   </p:cSld>
@@ -2934,7 +2934,7 @@
     </p:spTree>
     <p:extLst>
       <p:ext uri="{BB962C8B-B14F-4D97-AF65-F5344CB8AC3E}">
-        <p14:creationId xmlns:p14="http://schemas.microsoft.com/office/powerpoint/2010/main" xmlns="" val="152384765"/>
+        <p14:creationId xmlns="" xmlns:p14="http://schemas.microsoft.com/office/powerpoint/2010/main" val="152384765"/>
       </p:ext>
     </p:extLst>
   </p:cSld>
@@ -3215,7 +3215,7 @@
     </p:spTree>
     <p:extLst>
       <p:ext uri="{BB962C8B-B14F-4D97-AF65-F5344CB8AC3E}">
-        <p14:creationId xmlns:p14="http://schemas.microsoft.com/office/powerpoint/2010/main" xmlns="" val="2127791886"/>
+        <p14:creationId xmlns="" xmlns:p14="http://schemas.microsoft.com/office/powerpoint/2010/main" val="2127791886"/>
       </p:ext>
     </p:extLst>
   </p:cSld>
@@ -3472,7 +3472,7 @@
     </p:spTree>
     <p:extLst>
       <p:ext uri="{BB962C8B-B14F-4D97-AF65-F5344CB8AC3E}">
-        <p14:creationId xmlns:p14="http://schemas.microsoft.com/office/powerpoint/2010/main" xmlns="" val="1752705130"/>
+        <p14:creationId xmlns="" xmlns:p14="http://schemas.microsoft.com/office/powerpoint/2010/main" val="1752705130"/>
       </p:ext>
     </p:extLst>
   </p:cSld>
@@ -3725,7 +3725,7 @@
     </p:spTree>
     <p:extLst>
       <p:ext uri="{BB962C8B-B14F-4D97-AF65-F5344CB8AC3E}">
-        <p14:creationId xmlns:p14="http://schemas.microsoft.com/office/powerpoint/2010/main" xmlns="" val="968833914"/>
+        <p14:creationId xmlns="" xmlns:p14="http://schemas.microsoft.com/office/powerpoint/2010/main" val="968833914"/>
       </p:ext>
     </p:extLst>
   </p:cSld>
@@ -4202,7 +4202,7 @@
     </p:spTree>
     <p:extLst>
       <p:ext uri="{BB962C8B-B14F-4D97-AF65-F5344CB8AC3E}">
-        <p14:creationId xmlns:p14="http://schemas.microsoft.com/office/powerpoint/2010/main" xmlns="" val="2492894732"/>
+        <p14:creationId xmlns="" xmlns:p14="http://schemas.microsoft.com/office/powerpoint/2010/main" val="2492894732"/>
       </p:ext>
     </p:extLst>
   </p:cSld>
@@ -4297,11 +4297,7 @@
           <a:p>
             <a:r>
               <a:rPr lang="en-US" altLang="en-US" dirty="0" smtClean="0"/>
-              <a:t>U-format </a:t>
-            </a:r>
-            <a:r>
-              <a:rPr lang="en-US" altLang="en-US" dirty="0" smtClean="0"/>
-              <a:t>Instructions</a:t>
+              <a:t>U-format Instructions</a:t>
             </a:r>
             <a:endParaRPr lang="ru-RU" dirty="0"/>
           </a:p>
@@ -5049,7 +5045,7 @@
     </p:spTree>
     <p:extLst>
       <p:ext uri="{BB962C8B-B14F-4D97-AF65-F5344CB8AC3E}">
-        <p14:creationId xmlns:p14="http://schemas.microsoft.com/office/powerpoint/2010/main" xmlns="" val="4217875043"/>
+        <p14:creationId xmlns="" xmlns:p14="http://schemas.microsoft.com/office/powerpoint/2010/main" val="4217875043"/>
       </p:ext>
     </p:extLst>
   </p:cSld>
@@ -9245,7 +9241,7 @@
         </p:nvSpPr>
         <p:spPr>
           <a:xfrm>
-            <a:off x="901262" y="2691542"/>
+            <a:off x="901262" y="3985917"/>
             <a:ext cx="10515600" cy="2784347"/>
           </a:xfrm>
         </p:spPr>
@@ -9276,10 +9272,12 @@
             <a:pPr lvl="2"/>
             <a:r>
               <a:rPr lang="en-US" altLang="en-US" sz="2800" dirty="0" smtClean="0"/>
-              <a:t>2s-complement, sign extended</a:t>
-            </a:r>
-          </a:p>
-          <a:p>
+              <a:t>2s-complement, sign </a:t>
+            </a:r>
+            <a:r>
+              <a:rPr lang="en-US" altLang="en-US" sz="2800" dirty="0" smtClean="0"/>
+              <a:t>extended</a:t>
+            </a:r>
             <a:endParaRPr lang="ru-RU" dirty="0"/>
           </a:p>
         </p:txBody>
@@ -9799,6 +9797,595 @@
           </p:txBody>
         </p:sp>
       </p:grpSp>
+      <p:sp>
+        <p:nvSpPr>
+          <p:cNvPr id="16" name="Text Box 5"/>
+          <p:cNvSpPr txBox="1">
+            <a:spLocks noChangeArrowheads="1"/>
+          </p:cNvSpPr>
+          <p:nvPr/>
+        </p:nvSpPr>
+        <p:spPr bwMode="auto">
+          <a:xfrm>
+            <a:off x="2926525" y="2449149"/>
+            <a:ext cx="2375003" cy="400110"/>
+          </a:xfrm>
+          <a:prstGeom prst="rect">
+            <a:avLst/>
+          </a:prstGeom>
+          <a:noFill/>
+          <a:ln w="19050">
+            <a:solidFill>
+              <a:srgbClr val="273272"/>
+            </a:solidFill>
+            <a:miter lim="800000"/>
+            <a:headEnd/>
+            <a:tailEnd/>
+          </a:ln>
+        </p:spPr>
+        <p:txBody>
+          <a:bodyPr>
+            <a:spAutoFit/>
+          </a:bodyPr>
+          <a:lstStyle/>
+          <a:p>
+            <a:pPr algn="ctr"/>
+            <a:r>
+              <a:rPr lang="en-US" altLang="en-US" sz="2000" dirty="0" smtClean="0">
+                <a:solidFill>
+                  <a:srgbClr val="273272"/>
+                </a:solidFill>
+              </a:rPr>
+              <a:t>0x123</a:t>
+            </a:r>
+            <a:endParaRPr lang="en-AU" altLang="en-US" sz="2000" dirty="0">
+              <a:solidFill>
+                <a:srgbClr val="273272"/>
+              </a:solidFill>
+            </a:endParaRPr>
+          </a:p>
+        </p:txBody>
+      </p:sp>
+      <p:sp>
+        <p:nvSpPr>
+          <p:cNvPr id="17" name="Text Box 7"/>
+          <p:cNvSpPr txBox="1">
+            <a:spLocks noChangeArrowheads="1"/>
+          </p:cNvSpPr>
+          <p:nvPr/>
+        </p:nvSpPr>
+        <p:spPr bwMode="auto">
+          <a:xfrm>
+            <a:off x="5297582" y="2449149"/>
+            <a:ext cx="1079547" cy="400110"/>
+          </a:xfrm>
+          <a:prstGeom prst="rect">
+            <a:avLst/>
+          </a:prstGeom>
+          <a:noFill/>
+          <a:ln w="19050">
+            <a:solidFill>
+              <a:srgbClr val="273272"/>
+            </a:solidFill>
+            <a:miter lim="800000"/>
+            <a:headEnd/>
+            <a:tailEnd/>
+          </a:ln>
+        </p:spPr>
+        <p:txBody>
+          <a:bodyPr>
+            <a:spAutoFit/>
+          </a:bodyPr>
+          <a:lstStyle/>
+          <a:p>
+            <a:pPr algn="ctr"/>
+            <a:r>
+              <a:rPr lang="en-US" altLang="en-US" sz="2000" dirty="0" smtClean="0">
+                <a:solidFill>
+                  <a:srgbClr val="273272"/>
+                </a:solidFill>
+              </a:rPr>
+              <a:t>6</a:t>
+            </a:r>
+            <a:endParaRPr lang="en-AU" altLang="en-US" sz="2000" dirty="0">
+              <a:solidFill>
+                <a:srgbClr val="273272"/>
+              </a:solidFill>
+            </a:endParaRPr>
+          </a:p>
+        </p:txBody>
+      </p:sp>
+      <p:sp>
+        <p:nvSpPr>
+          <p:cNvPr id="18" name="Text Box 8"/>
+          <p:cNvSpPr txBox="1">
+            <a:spLocks noChangeArrowheads="1"/>
+          </p:cNvSpPr>
+          <p:nvPr/>
+        </p:nvSpPr>
+        <p:spPr bwMode="auto">
+          <a:xfrm>
+            <a:off x="7322209" y="2449149"/>
+            <a:ext cx="1079547" cy="400110"/>
+          </a:xfrm>
+          <a:prstGeom prst="rect">
+            <a:avLst/>
+          </a:prstGeom>
+          <a:noFill/>
+          <a:ln w="19050">
+            <a:solidFill>
+              <a:srgbClr val="273272"/>
+            </a:solidFill>
+            <a:miter lim="800000"/>
+            <a:headEnd/>
+            <a:tailEnd/>
+          </a:ln>
+        </p:spPr>
+        <p:txBody>
+          <a:bodyPr>
+            <a:spAutoFit/>
+          </a:bodyPr>
+          <a:lstStyle/>
+          <a:p>
+            <a:pPr algn="ctr"/>
+            <a:r>
+              <a:rPr lang="en-US" altLang="en-US" sz="2000" dirty="0" smtClean="0">
+                <a:solidFill>
+                  <a:srgbClr val="273272"/>
+                </a:solidFill>
+              </a:rPr>
+              <a:t>5</a:t>
+            </a:r>
+            <a:endParaRPr lang="en-AU" altLang="en-US" sz="2000" dirty="0">
+              <a:solidFill>
+                <a:srgbClr val="273272"/>
+              </a:solidFill>
+            </a:endParaRPr>
+          </a:p>
+        </p:txBody>
+      </p:sp>
+      <p:sp>
+        <p:nvSpPr>
+          <p:cNvPr id="19" name="Text Box 9"/>
+          <p:cNvSpPr txBox="1">
+            <a:spLocks noChangeArrowheads="1"/>
+          </p:cNvSpPr>
+          <p:nvPr/>
+        </p:nvSpPr>
+        <p:spPr bwMode="auto">
+          <a:xfrm>
+            <a:off x="6374798" y="2449149"/>
+            <a:ext cx="945823" cy="400110"/>
+          </a:xfrm>
+          <a:prstGeom prst="rect">
+            <a:avLst/>
+          </a:prstGeom>
+          <a:noFill/>
+          <a:ln w="19050">
+            <a:solidFill>
+              <a:srgbClr val="273272"/>
+            </a:solidFill>
+            <a:miter lim="800000"/>
+            <a:headEnd/>
+            <a:tailEnd/>
+          </a:ln>
+        </p:spPr>
+        <p:txBody>
+          <a:bodyPr wrap="square">
+            <a:spAutoFit/>
+          </a:bodyPr>
+          <a:lstStyle/>
+          <a:p>
+            <a:pPr algn="ctr"/>
+            <a:r>
+              <a:rPr lang="en-US" altLang="en-US" sz="2000" dirty="0" smtClean="0">
+                <a:solidFill>
+                  <a:srgbClr val="273272"/>
+                </a:solidFill>
+              </a:rPr>
+              <a:t>0</a:t>
+            </a:r>
+            <a:endParaRPr lang="en-AU" altLang="en-US" sz="2000" dirty="0">
+              <a:solidFill>
+                <a:srgbClr val="273272"/>
+              </a:solidFill>
+            </a:endParaRPr>
+          </a:p>
+        </p:txBody>
+      </p:sp>
+      <p:sp>
+        <p:nvSpPr>
+          <p:cNvPr id="20" name="Text Box 10"/>
+          <p:cNvSpPr txBox="1">
+            <a:spLocks noChangeArrowheads="1"/>
+          </p:cNvSpPr>
+          <p:nvPr/>
+        </p:nvSpPr>
+        <p:spPr bwMode="auto">
+          <a:xfrm>
+            <a:off x="8401756" y="2449149"/>
+            <a:ext cx="1297044" cy="400110"/>
+          </a:xfrm>
+          <a:prstGeom prst="rect">
+            <a:avLst/>
+          </a:prstGeom>
+          <a:noFill/>
+          <a:ln w="19050">
+            <a:solidFill>
+              <a:srgbClr val="273272"/>
+            </a:solidFill>
+            <a:miter lim="800000"/>
+            <a:headEnd/>
+            <a:tailEnd/>
+          </a:ln>
+        </p:spPr>
+        <p:txBody>
+          <a:bodyPr>
+            <a:spAutoFit/>
+          </a:bodyPr>
+          <a:lstStyle/>
+          <a:p>
+            <a:pPr algn="ctr"/>
+            <a:r>
+              <a:rPr lang="en-US" altLang="en-US" sz="2000" dirty="0" smtClean="0">
+                <a:solidFill>
+                  <a:srgbClr val="273272"/>
+                </a:solidFill>
+              </a:rPr>
+              <a:t>19</a:t>
+            </a:r>
+            <a:endParaRPr lang="en-AU" altLang="en-US" sz="2000" dirty="0">
+              <a:solidFill>
+                <a:srgbClr val="273272"/>
+              </a:solidFill>
+            </a:endParaRPr>
+          </a:p>
+        </p:txBody>
+      </p:sp>
+      <p:sp>
+        <p:nvSpPr>
+          <p:cNvPr id="21" name="Text Box 5"/>
+          <p:cNvSpPr txBox="1">
+            <a:spLocks noChangeArrowheads="1"/>
+          </p:cNvSpPr>
+          <p:nvPr/>
+        </p:nvSpPr>
+        <p:spPr bwMode="auto">
+          <a:xfrm>
+            <a:off x="2922200" y="2844341"/>
+            <a:ext cx="2375003" cy="400110"/>
+          </a:xfrm>
+          <a:prstGeom prst="rect">
+            <a:avLst/>
+          </a:prstGeom>
+          <a:noFill/>
+          <a:ln w="19050">
+            <a:solidFill>
+              <a:srgbClr val="273272"/>
+            </a:solidFill>
+            <a:miter lim="800000"/>
+            <a:headEnd/>
+            <a:tailEnd/>
+          </a:ln>
+        </p:spPr>
+        <p:txBody>
+          <a:bodyPr>
+            <a:spAutoFit/>
+          </a:bodyPr>
+          <a:lstStyle/>
+          <a:p>
+            <a:pPr algn="ctr"/>
+            <a:r>
+              <a:rPr lang="en-US" altLang="en-US" sz="2000" dirty="0" smtClean="0">
+                <a:solidFill>
+                  <a:srgbClr val="273272"/>
+                </a:solidFill>
+              </a:rPr>
+              <a:t>000100100011</a:t>
+            </a:r>
+            <a:endParaRPr lang="en-AU" altLang="en-US" sz="2000" dirty="0">
+              <a:solidFill>
+                <a:srgbClr val="273272"/>
+              </a:solidFill>
+            </a:endParaRPr>
+          </a:p>
+        </p:txBody>
+      </p:sp>
+      <p:sp>
+        <p:nvSpPr>
+          <p:cNvPr id="22" name="Text Box 7"/>
+          <p:cNvSpPr txBox="1">
+            <a:spLocks noChangeArrowheads="1"/>
+          </p:cNvSpPr>
+          <p:nvPr/>
+        </p:nvSpPr>
+        <p:spPr bwMode="auto">
+          <a:xfrm>
+            <a:off x="5293477" y="2844341"/>
+            <a:ext cx="1079547" cy="400110"/>
+          </a:xfrm>
+          <a:prstGeom prst="rect">
+            <a:avLst/>
+          </a:prstGeom>
+          <a:noFill/>
+          <a:ln w="19050">
+            <a:solidFill>
+              <a:srgbClr val="273272"/>
+            </a:solidFill>
+            <a:miter lim="800000"/>
+            <a:headEnd/>
+            <a:tailEnd/>
+          </a:ln>
+        </p:spPr>
+        <p:txBody>
+          <a:bodyPr>
+            <a:spAutoFit/>
+          </a:bodyPr>
+          <a:lstStyle/>
+          <a:p>
+            <a:pPr algn="ctr"/>
+            <a:r>
+              <a:rPr lang="en-US" altLang="en-US" sz="2000" dirty="0" smtClean="0">
+                <a:solidFill>
+                  <a:srgbClr val="273272"/>
+                </a:solidFill>
+              </a:rPr>
+              <a:t>00110</a:t>
+            </a:r>
+            <a:endParaRPr lang="en-AU" altLang="en-US" sz="2000" dirty="0">
+              <a:solidFill>
+                <a:srgbClr val="273272"/>
+              </a:solidFill>
+            </a:endParaRPr>
+          </a:p>
+        </p:txBody>
+      </p:sp>
+      <p:sp>
+        <p:nvSpPr>
+          <p:cNvPr id="23" name="Text Box 8"/>
+          <p:cNvSpPr txBox="1">
+            <a:spLocks noChangeArrowheads="1"/>
+          </p:cNvSpPr>
+          <p:nvPr/>
+        </p:nvSpPr>
+        <p:spPr bwMode="auto">
+          <a:xfrm>
+            <a:off x="7327854" y="2844341"/>
+            <a:ext cx="1079547" cy="400110"/>
+          </a:xfrm>
+          <a:prstGeom prst="rect">
+            <a:avLst/>
+          </a:prstGeom>
+          <a:noFill/>
+          <a:ln w="19050">
+            <a:solidFill>
+              <a:srgbClr val="273272"/>
+            </a:solidFill>
+            <a:miter lim="800000"/>
+            <a:headEnd/>
+            <a:tailEnd/>
+          </a:ln>
+        </p:spPr>
+        <p:txBody>
+          <a:bodyPr>
+            <a:spAutoFit/>
+          </a:bodyPr>
+          <a:lstStyle/>
+          <a:p>
+            <a:pPr algn="ctr"/>
+            <a:r>
+              <a:rPr lang="en-US" altLang="en-US" sz="2000" dirty="0" smtClean="0">
+                <a:solidFill>
+                  <a:srgbClr val="273272"/>
+                </a:solidFill>
+              </a:rPr>
+              <a:t>00101</a:t>
+            </a:r>
+            <a:endParaRPr lang="en-AU" altLang="en-US" sz="2000" dirty="0">
+              <a:solidFill>
+                <a:srgbClr val="273272"/>
+              </a:solidFill>
+            </a:endParaRPr>
+          </a:p>
+        </p:txBody>
+      </p:sp>
+      <p:sp>
+        <p:nvSpPr>
+          <p:cNvPr id="24" name="Text Box 9"/>
+          <p:cNvSpPr txBox="1">
+            <a:spLocks noChangeArrowheads="1"/>
+          </p:cNvSpPr>
+          <p:nvPr/>
+        </p:nvSpPr>
+        <p:spPr bwMode="auto">
+          <a:xfrm>
+            <a:off x="6374656" y="2844341"/>
+            <a:ext cx="955784" cy="400110"/>
+          </a:xfrm>
+          <a:prstGeom prst="rect">
+            <a:avLst/>
+          </a:prstGeom>
+          <a:noFill/>
+          <a:ln w="19050">
+            <a:solidFill>
+              <a:srgbClr val="273272"/>
+            </a:solidFill>
+            <a:miter lim="800000"/>
+            <a:headEnd/>
+            <a:tailEnd/>
+          </a:ln>
+        </p:spPr>
+        <p:txBody>
+          <a:bodyPr wrap="square">
+            <a:spAutoFit/>
+          </a:bodyPr>
+          <a:lstStyle/>
+          <a:p>
+            <a:pPr algn="ctr"/>
+            <a:r>
+              <a:rPr lang="en-US" altLang="en-US" sz="2000" dirty="0" smtClean="0">
+                <a:solidFill>
+                  <a:srgbClr val="273272"/>
+                </a:solidFill>
+              </a:rPr>
+              <a:t>000</a:t>
+            </a:r>
+            <a:endParaRPr lang="en-AU" altLang="en-US" sz="2000" dirty="0">
+              <a:solidFill>
+                <a:srgbClr val="273272"/>
+              </a:solidFill>
+            </a:endParaRPr>
+          </a:p>
+        </p:txBody>
+      </p:sp>
+      <p:sp>
+        <p:nvSpPr>
+          <p:cNvPr id="25" name="Text Box 10"/>
+          <p:cNvSpPr txBox="1">
+            <a:spLocks noChangeArrowheads="1"/>
+          </p:cNvSpPr>
+          <p:nvPr/>
+        </p:nvSpPr>
+        <p:spPr bwMode="auto">
+          <a:xfrm>
+            <a:off x="8407732" y="2844341"/>
+            <a:ext cx="1297044" cy="400110"/>
+          </a:xfrm>
+          <a:prstGeom prst="rect">
+            <a:avLst/>
+          </a:prstGeom>
+          <a:noFill/>
+          <a:ln w="19050">
+            <a:solidFill>
+              <a:srgbClr val="273272"/>
+            </a:solidFill>
+            <a:miter lim="800000"/>
+            <a:headEnd/>
+            <a:tailEnd/>
+          </a:ln>
+        </p:spPr>
+        <p:txBody>
+          <a:bodyPr>
+            <a:spAutoFit/>
+          </a:bodyPr>
+          <a:lstStyle/>
+          <a:p>
+            <a:pPr algn="ctr"/>
+            <a:r>
+              <a:rPr lang="en-US" altLang="en-US" sz="2000" dirty="0" smtClean="0">
+                <a:solidFill>
+                  <a:srgbClr val="273272"/>
+                </a:solidFill>
+              </a:rPr>
+              <a:t>0010011</a:t>
+            </a:r>
+            <a:endParaRPr lang="en-AU" altLang="en-US" sz="2000" dirty="0">
+              <a:solidFill>
+                <a:srgbClr val="273272"/>
+              </a:solidFill>
+            </a:endParaRPr>
+          </a:p>
+        </p:txBody>
+      </p:sp>
+      <p:sp>
+        <p:nvSpPr>
+          <p:cNvPr id="26" name="Прямоугольник 25"/>
+          <p:cNvSpPr/>
+          <p:nvPr/>
+        </p:nvSpPr>
+        <p:spPr>
+          <a:xfrm>
+            <a:off x="4913384" y="1829489"/>
+            <a:ext cx="3063659" cy="646331"/>
+          </a:xfrm>
+          <a:prstGeom prst="rect">
+            <a:avLst/>
+          </a:prstGeom>
+        </p:spPr>
+        <p:txBody>
+          <a:bodyPr wrap="none">
+            <a:spAutoFit/>
+          </a:bodyPr>
+          <a:lstStyle/>
+          <a:p>
+            <a:r>
+              <a:rPr lang="en-US" altLang="en-US" sz="3600" b="1" dirty="0" err="1" smtClean="0">
+                <a:solidFill>
+                  <a:schemeClr val="accent6"/>
+                </a:solidFill>
+              </a:rPr>
+              <a:t>addi</a:t>
+            </a:r>
+            <a:r>
+              <a:rPr lang="en-US" altLang="en-US" sz="3600" b="1" dirty="0" smtClean="0">
+                <a:solidFill>
+                  <a:schemeClr val="accent6"/>
+                </a:solidFill>
+              </a:rPr>
+              <a:t> t0, t1, 123</a:t>
+            </a:r>
+            <a:endParaRPr lang="ru-RU" sz="3600" dirty="0"/>
+          </a:p>
+        </p:txBody>
+      </p:sp>
+      <p:sp>
+        <p:nvSpPr>
+          <p:cNvPr id="27" name="Прямоугольник 26"/>
+          <p:cNvSpPr/>
+          <p:nvPr/>
+        </p:nvSpPr>
+        <p:spPr>
+          <a:xfrm>
+            <a:off x="985137" y="3363088"/>
+            <a:ext cx="10723936" cy="584775"/>
+          </a:xfrm>
+          <a:prstGeom prst="rect">
+            <a:avLst/>
+          </a:prstGeom>
+        </p:spPr>
+        <p:txBody>
+          <a:bodyPr wrap="square">
+            <a:spAutoFit/>
+          </a:bodyPr>
+          <a:lstStyle/>
+          <a:p>
+            <a:pPr algn="ctr"/>
+            <a:r>
+              <a:rPr lang="en-US" altLang="en-US" sz="3200" b="1" dirty="0" smtClean="0">
+                <a:solidFill>
+                  <a:schemeClr val="accent6"/>
+                </a:solidFill>
+              </a:rPr>
+              <a:t>0001 0010 0011 0011 0000 0010 1001 0011</a:t>
+            </a:r>
+            <a:r>
+              <a:rPr lang="en-US" altLang="en-US" sz="3200" b="1" baseline="-25000" dirty="0" smtClean="0">
+                <a:solidFill>
+                  <a:schemeClr val="accent6"/>
+                </a:solidFill>
+              </a:rPr>
+              <a:t>two</a:t>
+            </a:r>
+            <a:r>
+              <a:rPr lang="en-US" altLang="en-US" sz="3200" b="1" dirty="0" smtClean="0">
+                <a:solidFill>
+                  <a:schemeClr val="accent6"/>
+                </a:solidFill>
+              </a:rPr>
+              <a:t> = 0x12330293</a:t>
+            </a:r>
+            <a:r>
+              <a:rPr lang="en-US" altLang="en-US" sz="3200" b="1" baseline="-25000" dirty="0" smtClean="0">
+                <a:solidFill>
+                  <a:schemeClr val="accent6"/>
+                </a:solidFill>
+              </a:rPr>
+              <a:t>16</a:t>
+            </a:r>
+            <a:endParaRPr lang="ru-RU" sz="3200" dirty="0"/>
+          </a:p>
+        </p:txBody>
+      </p:sp>
     </p:spTree>
   </p:cSld>
   <p:clrMapOvr>
@@ -10635,11 +11222,7 @@
           <a:p>
             <a:r>
               <a:rPr lang="en-US" altLang="en-US" dirty="0" smtClean="0"/>
-              <a:t>SB-format </a:t>
-            </a:r>
-            <a:r>
-              <a:rPr lang="en-US" altLang="en-US" dirty="0" smtClean="0"/>
-              <a:t>Instructions</a:t>
+              <a:t>SB-format Instructions</a:t>
             </a:r>
             <a:endParaRPr lang="ru-RU" dirty="0"/>
           </a:p>
@@ -10731,11 +11314,7 @@
           <a:p>
             <a:r>
               <a:rPr lang="en-US" altLang="en-US" dirty="0" smtClean="0"/>
-              <a:t>UJ-format </a:t>
-            </a:r>
-            <a:r>
-              <a:rPr lang="en-US" altLang="en-US" dirty="0" smtClean="0"/>
-              <a:t>Instructions</a:t>
+              <a:t>UJ-format Instructions</a:t>
             </a:r>
             <a:endParaRPr lang="ru-RU" dirty="0"/>
           </a:p>
@@ -11024,7 +11603,7 @@
   <a:extraClrSchemeLst/>
   <a:extLst>
     <a:ext uri="{05A4C25C-085E-4340-85A3-A5531E510DB2}">
-      <thm15:themeFamily xmlns:thm15="http://schemas.microsoft.com/office/thememl/2012/main" xmlns="" name="Office Theme" id="{62F939B6-93AF-4DB8-9C6B-D6C7DFDC589F}" vid="{4A3C46E8-61CC-4603-A589-7422A47A8E4A}"/>
+      <thm15:themeFamily xmlns="" xmlns:thm15="http://schemas.microsoft.com/office/thememl/2012/main" name="Office Theme" id="{62F939B6-93AF-4DB8-9C6B-D6C7DFDC589F}" vid="{4A3C46E8-61CC-4603-A589-7422A47A8E4A}"/>
     </a:ext>
   </a:extLst>
 </a:theme>
@@ -11285,7 +11864,7 @@
   <a:extraClrSchemeLst/>
   <a:extLst>
     <a:ext uri="{05A4C25C-085E-4340-85A3-A5531E510DB2}">
-      <thm15:themeFamily xmlns:thm15="http://schemas.microsoft.com/office/thememl/2012/main" xmlns="" name="Office Theme" id="{62F939B6-93AF-4DB8-9C6B-D6C7DFDC589F}" vid="{4A3C46E8-61CC-4603-A589-7422A47A8E4A}"/>
+      <thm15:themeFamily xmlns="" xmlns:thm15="http://schemas.microsoft.com/office/thememl/2012/main" name="Office Theme" id="{62F939B6-93AF-4DB8-9C6B-D6C7DFDC589F}" vid="{4A3C46E8-61CC-4603-A589-7422A47A8E4A}"/>
     </a:ext>
   </a:extLst>
 </a:theme>
@@ -11546,7 +12125,7 @@
   <a:extraClrSchemeLst/>
   <a:extLst>
     <a:ext uri="{05A4C25C-085E-4340-85A3-A5531E510DB2}">
-      <thm15:themeFamily xmlns:thm15="http://schemas.microsoft.com/office/thememl/2012/main" xmlns="" name="Office Theme" id="{62F939B6-93AF-4DB8-9C6B-D6C7DFDC589F}" vid="{4A3C46E8-61CC-4603-A589-7422A47A8E4A}"/>
+      <thm15:themeFamily xmlns="" xmlns:thm15="http://schemas.microsoft.com/office/thememl/2012/main" name="Office Theme" id="{62F939B6-93AF-4DB8-9C6B-D6C7DFDC589F}" vid="{4A3C46E8-61CC-4603-A589-7422A47A8E4A}"/>
     </a:ext>
   </a:extLst>
 </a:theme>

--- a/docs/part1ca/04_Instructions/CA_Lecture_04.pptx
+++ b/docs/part1ca/04_Instructions/CA_Lecture_04.pptx
@@ -124,7 +124,7 @@
   </p:defaultTextStyle>
   <p:extLst>
     <p:ext uri="{EFAFB233-063F-42B5-8137-9DF3F51BA10A}">
-      <p15:sldGuideLst xmlns="" xmlns:p15="http://schemas.microsoft.com/office/powerpoint/2012/main">
+      <p15:sldGuideLst xmlns:p15="http://schemas.microsoft.com/office/powerpoint/2012/main" xmlns="">
         <p15:guide id="1" orient="horz" pos="2160">
           <p15:clr>
             <a:srgbClr val="A4A3A4"/>
@@ -138,7 +138,7 @@
       </p15:sldGuideLst>
     </p:ext>
     <p:ext uri="{2D200454-40CA-4A62-9FC3-DE9A4176ACB9}">
-      <p15:notesGuideLst xmlns="" xmlns:p15="http://schemas.microsoft.com/office/powerpoint/2012/main">
+      <p15:notesGuideLst xmlns:p15="http://schemas.microsoft.com/office/powerpoint/2012/main" xmlns="">
         <p15:guide id="1" orient="horz" pos="2880">
           <p15:clr>
             <a:srgbClr val="A4A3A4"/>
@@ -322,7 +322,7 @@
     </p:spTree>
     <p:extLst>
       <p:ext uri="{BB962C8B-B14F-4D97-AF65-F5344CB8AC3E}">
-        <p14:creationId xmlns="" xmlns:p14="http://schemas.microsoft.com/office/powerpoint/2010/main" val="827279973"/>
+        <p14:creationId xmlns:p14="http://schemas.microsoft.com/office/powerpoint/2010/main" xmlns="" val="827279973"/>
       </p:ext>
     </p:extLst>
   </p:cSld>
@@ -583,7 +583,7 @@
     </p:spTree>
     <p:extLst>
       <p:ext uri="{BB962C8B-B14F-4D97-AF65-F5344CB8AC3E}">
-        <p14:creationId xmlns="" xmlns:p14="http://schemas.microsoft.com/office/powerpoint/2010/main" val="3865021395"/>
+        <p14:creationId xmlns:p14="http://schemas.microsoft.com/office/powerpoint/2010/main" xmlns="" val="3865021395"/>
       </p:ext>
     </p:extLst>
   </p:cSld>
@@ -797,7 +797,7 @@
     </p:spTree>
     <p:extLst>
       <p:ext uri="{BB962C8B-B14F-4D97-AF65-F5344CB8AC3E}">
-        <p14:creationId xmlns="" xmlns:p14="http://schemas.microsoft.com/office/powerpoint/2010/main" val="2381791527"/>
+        <p14:creationId xmlns:p14="http://schemas.microsoft.com/office/powerpoint/2010/main" xmlns="" val="2381791527"/>
       </p:ext>
     </p:extLst>
   </p:cSld>
@@ -920,7 +920,7 @@
     </p:spTree>
     <p:extLst>
       <p:ext uri="{BB962C8B-B14F-4D97-AF65-F5344CB8AC3E}">
-        <p14:creationId xmlns="" xmlns:p14="http://schemas.microsoft.com/office/powerpoint/2010/main" val="1915950851"/>
+        <p14:creationId xmlns:p14="http://schemas.microsoft.com/office/powerpoint/2010/main" xmlns="" val="1915950851"/>
       </p:ext>
     </p:extLst>
   </p:cSld>
@@ -1180,7 +1180,7 @@
     </p:spTree>
     <p:extLst>
       <p:ext uri="{BB962C8B-B14F-4D97-AF65-F5344CB8AC3E}">
-        <p14:creationId xmlns="" xmlns:p14="http://schemas.microsoft.com/office/powerpoint/2010/main" val="322455162"/>
+        <p14:creationId xmlns:p14="http://schemas.microsoft.com/office/powerpoint/2010/main" xmlns="" val="322455162"/>
       </p:ext>
     </p:extLst>
   </p:cSld>
@@ -1354,7 +1354,7 @@
     </p:spTree>
     <p:extLst>
       <p:ext uri="{BB962C8B-B14F-4D97-AF65-F5344CB8AC3E}">
-        <p14:creationId xmlns="" xmlns:p14="http://schemas.microsoft.com/office/powerpoint/2010/main" val="971117636"/>
+        <p14:creationId xmlns:p14="http://schemas.microsoft.com/office/powerpoint/2010/main" xmlns="" val="971117636"/>
       </p:ext>
     </p:extLst>
   </p:cSld>
@@ -1531,7 +1531,7 @@
     </p:spTree>
     <p:extLst>
       <p:ext uri="{BB962C8B-B14F-4D97-AF65-F5344CB8AC3E}">
-        <p14:creationId xmlns="" xmlns:p14="http://schemas.microsoft.com/office/powerpoint/2010/main" val="3348877825"/>
+        <p14:creationId xmlns:p14="http://schemas.microsoft.com/office/powerpoint/2010/main" xmlns="" val="3348877825"/>
       </p:ext>
     </p:extLst>
   </p:cSld>
@@ -1856,7 +1856,7 @@
     </p:spTree>
     <p:extLst>
       <p:ext uri="{BB962C8B-B14F-4D97-AF65-F5344CB8AC3E}">
-        <p14:creationId xmlns="" xmlns:p14="http://schemas.microsoft.com/office/powerpoint/2010/main" val="3256953994"/>
+        <p14:creationId xmlns:p14="http://schemas.microsoft.com/office/powerpoint/2010/main" xmlns="" val="3256953994"/>
       </p:ext>
     </p:extLst>
   </p:cSld>
@@ -2106,7 +2106,7 @@
     </p:spTree>
     <p:extLst>
       <p:ext uri="{BB962C8B-B14F-4D97-AF65-F5344CB8AC3E}">
-        <p14:creationId xmlns="" xmlns:p14="http://schemas.microsoft.com/office/powerpoint/2010/main" val="3067076846"/>
+        <p14:creationId xmlns:p14="http://schemas.microsoft.com/office/powerpoint/2010/main" xmlns="" val="3067076846"/>
       </p:ext>
     </p:extLst>
   </p:cSld>
@@ -2342,7 +2342,7 @@
     </p:spTree>
     <p:extLst>
       <p:ext uri="{BB962C8B-B14F-4D97-AF65-F5344CB8AC3E}">
-        <p14:creationId xmlns="" xmlns:p14="http://schemas.microsoft.com/office/powerpoint/2010/main" val="3710015975"/>
+        <p14:creationId xmlns:p14="http://schemas.microsoft.com/office/powerpoint/2010/main" xmlns="" val="3710015975"/>
       </p:ext>
     </p:extLst>
   </p:cSld>
@@ -2713,7 +2713,7 @@
     </p:spTree>
     <p:extLst>
       <p:ext uri="{BB962C8B-B14F-4D97-AF65-F5344CB8AC3E}">
-        <p14:creationId xmlns="" xmlns:p14="http://schemas.microsoft.com/office/powerpoint/2010/main" val="4075590966"/>
+        <p14:creationId xmlns:p14="http://schemas.microsoft.com/office/powerpoint/2010/main" xmlns="" val="4075590966"/>
       </p:ext>
     </p:extLst>
   </p:cSld>
@@ -2835,7 +2835,7 @@
     </p:spTree>
     <p:extLst>
       <p:ext uri="{BB962C8B-B14F-4D97-AF65-F5344CB8AC3E}">
-        <p14:creationId xmlns="" xmlns:p14="http://schemas.microsoft.com/office/powerpoint/2010/main" val="2889604898"/>
+        <p14:creationId xmlns:p14="http://schemas.microsoft.com/office/powerpoint/2010/main" xmlns="" val="2889604898"/>
       </p:ext>
     </p:extLst>
   </p:cSld>
@@ -2934,7 +2934,7 @@
     </p:spTree>
     <p:extLst>
       <p:ext uri="{BB962C8B-B14F-4D97-AF65-F5344CB8AC3E}">
-        <p14:creationId xmlns="" xmlns:p14="http://schemas.microsoft.com/office/powerpoint/2010/main" val="152384765"/>
+        <p14:creationId xmlns:p14="http://schemas.microsoft.com/office/powerpoint/2010/main" xmlns="" val="152384765"/>
       </p:ext>
     </p:extLst>
   </p:cSld>
@@ -3215,7 +3215,7 @@
     </p:spTree>
     <p:extLst>
       <p:ext uri="{BB962C8B-B14F-4D97-AF65-F5344CB8AC3E}">
-        <p14:creationId xmlns="" xmlns:p14="http://schemas.microsoft.com/office/powerpoint/2010/main" val="2127791886"/>
+        <p14:creationId xmlns:p14="http://schemas.microsoft.com/office/powerpoint/2010/main" xmlns="" val="2127791886"/>
       </p:ext>
     </p:extLst>
   </p:cSld>
@@ -3472,7 +3472,7 @@
     </p:spTree>
     <p:extLst>
       <p:ext uri="{BB962C8B-B14F-4D97-AF65-F5344CB8AC3E}">
-        <p14:creationId xmlns="" xmlns:p14="http://schemas.microsoft.com/office/powerpoint/2010/main" val="1752705130"/>
+        <p14:creationId xmlns:p14="http://schemas.microsoft.com/office/powerpoint/2010/main" xmlns="" val="1752705130"/>
       </p:ext>
     </p:extLst>
   </p:cSld>
@@ -3725,7 +3725,7 @@
     </p:spTree>
     <p:extLst>
       <p:ext uri="{BB962C8B-B14F-4D97-AF65-F5344CB8AC3E}">
-        <p14:creationId xmlns="" xmlns:p14="http://schemas.microsoft.com/office/powerpoint/2010/main" val="968833914"/>
+        <p14:creationId xmlns:p14="http://schemas.microsoft.com/office/powerpoint/2010/main" xmlns="" val="968833914"/>
       </p:ext>
     </p:extLst>
   </p:cSld>
@@ -4202,7 +4202,7 @@
     </p:spTree>
     <p:extLst>
       <p:ext uri="{BB962C8B-B14F-4D97-AF65-F5344CB8AC3E}">
-        <p14:creationId xmlns="" xmlns:p14="http://schemas.microsoft.com/office/powerpoint/2010/main" val="2492894732"/>
+        <p14:creationId xmlns:p14="http://schemas.microsoft.com/office/powerpoint/2010/main" xmlns="" val="2492894732"/>
       </p:ext>
     </p:extLst>
   </p:cSld>
@@ -4308,6 +4308,13 @@
   <p:clrMapOvr>
     <a:masterClrMapping/>
   </p:clrMapOvr>
+  <p:timing>
+    <p:tnLst>
+      <p:par>
+        <p:cTn id="1" dur="indefinite" restart="never" nodeType="tmRoot"/>
+      </p:par>
+    </p:tnLst>
+  </p:timing>
 </p:sld>
 </file>
 
@@ -5045,7 +5052,7 @@
     </p:spTree>
     <p:extLst>
       <p:ext uri="{BB962C8B-B14F-4D97-AF65-F5344CB8AC3E}">
-        <p14:creationId xmlns="" xmlns:p14="http://schemas.microsoft.com/office/powerpoint/2010/main" val="4217875043"/>
+        <p14:creationId xmlns:p14="http://schemas.microsoft.com/office/powerpoint/2010/main" xmlns="" val="4217875043"/>
       </p:ext>
     </p:extLst>
   </p:cSld>
@@ -9241,7 +9248,7 @@
         </p:nvSpPr>
         <p:spPr>
           <a:xfrm>
-            <a:off x="901262" y="3985917"/>
+            <a:off x="901262" y="4000431"/>
             <a:ext cx="10515600" cy="2784347"/>
           </a:xfrm>
         </p:spPr>
@@ -9272,11 +9279,7 @@
             <a:pPr lvl="2"/>
             <a:r>
               <a:rPr lang="en-US" altLang="en-US" sz="2800" dirty="0" smtClean="0"/>
-              <a:t>2s-complement, sign </a:t>
-            </a:r>
-            <a:r>
-              <a:rPr lang="en-US" altLang="en-US" sz="2800" dirty="0" smtClean="0"/>
-              <a:t>extended</a:t>
+              <a:t>2s-complement, sign extended</a:t>
             </a:r>
             <a:endParaRPr lang="ru-RU" dirty="0"/>
           </a:p>
@@ -9807,7 +9810,7 @@
         </p:nvSpPr>
         <p:spPr bwMode="auto">
           <a:xfrm>
-            <a:off x="2926525" y="2449149"/>
+            <a:off x="2926525" y="2507205"/>
             <a:ext cx="2375003" cy="400110"/>
           </a:xfrm>
           <a:prstGeom prst="rect">
@@ -9856,7 +9859,7 @@
         </p:nvSpPr>
         <p:spPr bwMode="auto">
           <a:xfrm>
-            <a:off x="5297582" y="2449149"/>
+            <a:off x="5297582" y="2507205"/>
             <a:ext cx="1079547" cy="400110"/>
           </a:xfrm>
           <a:prstGeom prst="rect">
@@ -9905,7 +9908,7 @@
         </p:nvSpPr>
         <p:spPr bwMode="auto">
           <a:xfrm>
-            <a:off x="7322209" y="2449149"/>
+            <a:off x="7322209" y="2507205"/>
             <a:ext cx="1079547" cy="400110"/>
           </a:xfrm>
           <a:prstGeom prst="rect">
@@ -9954,7 +9957,7 @@
         </p:nvSpPr>
         <p:spPr bwMode="auto">
           <a:xfrm>
-            <a:off x="6374798" y="2449149"/>
+            <a:off x="6374798" y="2507205"/>
             <a:ext cx="945823" cy="400110"/>
           </a:xfrm>
           <a:prstGeom prst="rect">
@@ -10003,7 +10006,7 @@
         </p:nvSpPr>
         <p:spPr bwMode="auto">
           <a:xfrm>
-            <a:off x="8401756" y="2449149"/>
+            <a:off x="8401756" y="2507205"/>
             <a:ext cx="1297044" cy="400110"/>
           </a:xfrm>
           <a:prstGeom prst="rect">
@@ -10052,7 +10055,7 @@
         </p:nvSpPr>
         <p:spPr bwMode="auto">
           <a:xfrm>
-            <a:off x="2922200" y="2844341"/>
+            <a:off x="2922200" y="2902397"/>
             <a:ext cx="2375003" cy="400110"/>
           </a:xfrm>
           <a:prstGeom prst="rect">
@@ -10101,7 +10104,7 @@
         </p:nvSpPr>
         <p:spPr bwMode="auto">
           <a:xfrm>
-            <a:off x="5293477" y="2844341"/>
+            <a:off x="5293477" y="2902397"/>
             <a:ext cx="1079547" cy="400110"/>
           </a:xfrm>
           <a:prstGeom prst="rect">
@@ -10150,7 +10153,7 @@
         </p:nvSpPr>
         <p:spPr bwMode="auto">
           <a:xfrm>
-            <a:off x="7327854" y="2844341"/>
+            <a:off x="7327854" y="2902397"/>
             <a:ext cx="1079547" cy="400110"/>
           </a:xfrm>
           <a:prstGeom prst="rect">
@@ -10199,7 +10202,7 @@
         </p:nvSpPr>
         <p:spPr bwMode="auto">
           <a:xfrm>
-            <a:off x="6374656" y="2844341"/>
+            <a:off x="6374656" y="2902397"/>
             <a:ext cx="955784" cy="400110"/>
           </a:xfrm>
           <a:prstGeom prst="rect">
@@ -10248,7 +10251,7 @@
         </p:nvSpPr>
         <p:spPr bwMode="auto">
           <a:xfrm>
-            <a:off x="8407732" y="2844341"/>
+            <a:off x="8407732" y="2902397"/>
             <a:ext cx="1297044" cy="400110"/>
           </a:xfrm>
           <a:prstGeom prst="rect">
@@ -10295,7 +10298,7 @@
         </p:nvSpPr>
         <p:spPr>
           <a:xfrm>
-            <a:off x="4913384" y="1829489"/>
+            <a:off x="4913384" y="1887545"/>
             <a:ext cx="3063659" cy="646331"/>
           </a:xfrm>
           <a:prstGeom prst="rect">
@@ -10336,7 +10339,7 @@
         </p:nvSpPr>
         <p:spPr>
           <a:xfrm>
-            <a:off x="985137" y="3363088"/>
+            <a:off x="985137" y="3319546"/>
             <a:ext cx="10723936" cy="584775"/>
           </a:xfrm>
           <a:prstGeom prst="rect">
@@ -10430,8 +10433,8 @@
         </p:nvSpPr>
         <p:spPr>
           <a:xfrm>
-            <a:off x="838200" y="2511973"/>
-            <a:ext cx="10515600" cy="3663976"/>
+            <a:off x="838200" y="4034615"/>
+            <a:ext cx="10515600" cy="2611570"/>
           </a:xfrm>
         </p:spPr>
         <p:txBody>
@@ -10535,9 +10538,9 @@
         <p:grpSpPr>
           <a:xfrm>
             <a:off x="2493637" y="1159216"/>
-            <a:ext cx="7161328" cy="787168"/>
+            <a:ext cx="7161328" cy="848724"/>
             <a:chOff x="2341237" y="1130641"/>
-            <a:chExt cx="7161328" cy="787168"/>
+            <a:chExt cx="7161328" cy="848724"/>
           </a:xfrm>
         </p:grpSpPr>
         <p:sp>
@@ -10856,8 +10859,8 @@
           </p:nvSpPr>
           <p:spPr bwMode="auto">
             <a:xfrm>
-              <a:off x="2796442" y="1576679"/>
-              <a:ext cx="647934" cy="338554"/>
+              <a:off x="2738734" y="1576679"/>
+              <a:ext cx="763351" cy="400110"/>
             </a:xfrm>
             <a:prstGeom prst="rect">
               <a:avLst/>
@@ -10878,14 +10881,14 @@
             <a:p>
               <a:pPr algn="ctr"/>
               <a:r>
-                <a:rPr lang="en-US" altLang="en-US" sz="1600" b="1" dirty="0">
+                <a:rPr lang="en-US" altLang="en-US" sz="2000" b="1" dirty="0">
                   <a:solidFill>
                     <a:srgbClr val="1E3272"/>
                   </a:solidFill>
                 </a:rPr>
                 <a:t>7 bits</a:t>
               </a:r>
-              <a:endParaRPr lang="en-AU" altLang="en-US" sz="1600" b="1" dirty="0">
+              <a:endParaRPr lang="en-AU" altLang="en-US" sz="2000" b="1" dirty="0">
                 <a:solidFill>
                   <a:srgbClr val="1E3272"/>
                 </a:solidFill>
@@ -10903,8 +10906,8 @@
           </p:nvSpPr>
           <p:spPr bwMode="auto">
             <a:xfrm>
-              <a:off x="8476392" y="1579255"/>
-              <a:ext cx="647934" cy="338554"/>
+              <a:off x="8418684" y="1579255"/>
+              <a:ext cx="763351" cy="400110"/>
             </a:xfrm>
             <a:prstGeom prst="rect">
               <a:avLst/>
@@ -10925,14 +10928,14 @@
             <a:p>
               <a:pPr algn="ctr"/>
               <a:r>
-                <a:rPr lang="en-US" altLang="en-US" sz="1600" b="1" dirty="0">
+                <a:rPr lang="en-US" altLang="en-US" sz="2000" b="1" dirty="0">
                   <a:solidFill>
                     <a:srgbClr val="1E3272"/>
                   </a:solidFill>
                 </a:rPr>
                 <a:t>7 bits</a:t>
               </a:r>
-              <a:endParaRPr lang="en-AU" altLang="en-US" sz="1600" b="1" dirty="0">
+              <a:endParaRPr lang="en-AU" altLang="en-US" sz="2000" b="1" dirty="0">
                 <a:solidFill>
                   <a:srgbClr val="1E3272"/>
                 </a:solidFill>
@@ -10950,8 +10953,8 @@
           </p:nvSpPr>
           <p:spPr bwMode="auto">
             <a:xfrm>
-              <a:off x="4009447" y="1576679"/>
-              <a:ext cx="669954" cy="335940"/>
+              <a:off x="3962749" y="1576679"/>
+              <a:ext cx="763351" cy="400110"/>
             </a:xfrm>
             <a:prstGeom prst="rect">
               <a:avLst/>
@@ -10972,14 +10975,14 @@
             <a:p>
               <a:pPr algn="ctr"/>
               <a:r>
-                <a:rPr lang="en-US" altLang="en-US" sz="1600" b="1" dirty="0">
+                <a:rPr lang="en-US" altLang="en-US" sz="2000" b="1" dirty="0">
                   <a:solidFill>
                     <a:srgbClr val="1E3272"/>
                   </a:solidFill>
                 </a:rPr>
                 <a:t>5 bits</a:t>
               </a:r>
-              <a:endParaRPr lang="en-AU" altLang="en-US" sz="1600" b="1" dirty="0">
+              <a:endParaRPr lang="en-AU" altLang="en-US" sz="2000" b="1" dirty="0">
                 <a:solidFill>
                   <a:srgbClr val="1E3272"/>
                 </a:solidFill>
@@ -10997,8 +11000,8 @@
           </p:nvSpPr>
           <p:spPr bwMode="auto">
             <a:xfrm>
-              <a:off x="5101592" y="1576679"/>
-              <a:ext cx="647934" cy="338554"/>
+              <a:off x="5043884" y="1576679"/>
+              <a:ext cx="763351" cy="400110"/>
             </a:xfrm>
             <a:prstGeom prst="rect">
               <a:avLst/>
@@ -11019,14 +11022,14 @@
             <a:p>
               <a:pPr algn="ctr"/>
               <a:r>
-                <a:rPr lang="en-US" altLang="en-US" sz="1600" b="1" dirty="0">
+                <a:rPr lang="en-US" altLang="en-US" sz="2000" b="1" dirty="0">
                   <a:solidFill>
                     <a:srgbClr val="1E3272"/>
                   </a:solidFill>
                 </a:rPr>
                 <a:t>5 bits</a:t>
               </a:r>
-              <a:endParaRPr lang="en-AU" altLang="en-US" sz="1600" b="1" dirty="0">
+              <a:endParaRPr lang="en-AU" altLang="en-US" sz="2000" b="1" dirty="0">
                 <a:solidFill>
                   <a:srgbClr val="1E3272"/>
                 </a:solidFill>
@@ -11044,8 +11047,8 @@
           </p:nvSpPr>
           <p:spPr bwMode="auto">
             <a:xfrm>
-              <a:off x="7109674" y="1579255"/>
-              <a:ext cx="669954" cy="335940"/>
+              <a:off x="7062976" y="1579255"/>
+              <a:ext cx="763351" cy="400110"/>
             </a:xfrm>
             <a:prstGeom prst="rect">
               <a:avLst/>
@@ -11066,14 +11069,14 @@
             <a:p>
               <a:pPr algn="ctr"/>
               <a:r>
-                <a:rPr lang="en-US" altLang="en-US" sz="1600" b="1" dirty="0">
+                <a:rPr lang="en-US" altLang="en-US" sz="2000" b="1" dirty="0">
                   <a:solidFill>
                     <a:srgbClr val="1E3272"/>
                   </a:solidFill>
                 </a:rPr>
                 <a:t>5 bits</a:t>
               </a:r>
-              <a:endParaRPr lang="en-AU" altLang="en-US" sz="1600" b="1" dirty="0">
+              <a:endParaRPr lang="en-AU" altLang="en-US" sz="2000" b="1" dirty="0">
                 <a:solidFill>
                   <a:srgbClr val="1E3272"/>
                 </a:solidFill>
@@ -11091,8 +11094,8 @@
           </p:nvSpPr>
           <p:spPr bwMode="auto">
             <a:xfrm>
-              <a:off x="6037961" y="1576679"/>
-              <a:ext cx="647934" cy="338554"/>
+              <a:off x="5980253" y="1576679"/>
+              <a:ext cx="763351" cy="400110"/>
             </a:xfrm>
             <a:prstGeom prst="rect">
               <a:avLst/>
@@ -11113,14 +11116,14 @@
             <a:p>
               <a:pPr algn="ctr"/>
               <a:r>
-                <a:rPr lang="en-US" altLang="en-US" sz="1600" b="1" dirty="0">
+                <a:rPr lang="en-US" altLang="en-US" sz="2000" b="1" dirty="0">
                   <a:solidFill>
                     <a:srgbClr val="1E3272"/>
                   </a:solidFill>
                 </a:rPr>
                 <a:t>3 bits</a:t>
               </a:r>
-              <a:endParaRPr lang="en-AU" altLang="en-US" sz="1600" b="1" dirty="0">
+              <a:endParaRPr lang="en-AU" altLang="en-US" sz="2000" b="1" dirty="0">
                 <a:solidFill>
                   <a:srgbClr val="1E3272"/>
                 </a:solidFill>
@@ -11129,6 +11132,709 @@
           </p:txBody>
         </p:sp>
       </p:grpSp>
+      <p:sp>
+        <p:nvSpPr>
+          <p:cNvPr id="18" name="Text Box 5"/>
+          <p:cNvSpPr txBox="1">
+            <a:spLocks noChangeArrowheads="1"/>
+          </p:cNvSpPr>
+          <p:nvPr/>
+        </p:nvSpPr>
+        <p:spPr bwMode="auto">
+          <a:xfrm>
+            <a:off x="2488668" y="2420567"/>
+            <a:ext cx="1469171" cy="400110"/>
+          </a:xfrm>
+          <a:prstGeom prst="rect">
+            <a:avLst/>
+          </a:prstGeom>
+          <a:noFill/>
+          <a:ln w="19050">
+            <a:solidFill>
+              <a:srgbClr val="273272"/>
+            </a:solidFill>
+            <a:miter lim="800000"/>
+            <a:headEnd/>
+            <a:tailEnd/>
+          </a:ln>
+        </p:spPr>
+        <p:txBody>
+          <a:bodyPr wrap="square">
+            <a:spAutoFit/>
+          </a:bodyPr>
+          <a:lstStyle/>
+          <a:p>
+            <a:pPr algn="ctr"/>
+            <a:r>
+              <a:rPr lang="en-US" altLang="en-US" sz="2000" dirty="0" smtClean="0">
+                <a:solidFill>
+                  <a:srgbClr val="1E3272"/>
+                </a:solidFill>
+              </a:rPr>
+              <a:t>0</a:t>
+            </a:r>
+            <a:endParaRPr lang="en-US" altLang="en-US" sz="2000" dirty="0">
+              <a:solidFill>
+                <a:srgbClr val="1E3272"/>
+              </a:solidFill>
+            </a:endParaRPr>
+          </a:p>
+        </p:txBody>
+      </p:sp>
+      <p:sp>
+        <p:nvSpPr>
+          <p:cNvPr id="19" name="Text Box 6"/>
+          <p:cNvSpPr txBox="1">
+            <a:spLocks noChangeArrowheads="1"/>
+          </p:cNvSpPr>
+          <p:nvPr/>
+        </p:nvSpPr>
+        <p:spPr bwMode="auto">
+          <a:xfrm>
+            <a:off x="3960835" y="2424851"/>
+            <a:ext cx="1079547" cy="400110"/>
+          </a:xfrm>
+          <a:prstGeom prst="rect">
+            <a:avLst/>
+          </a:prstGeom>
+          <a:noFill/>
+          <a:ln w="19050">
+            <a:solidFill>
+              <a:srgbClr val="273272"/>
+            </a:solidFill>
+            <a:miter lim="800000"/>
+            <a:headEnd/>
+            <a:tailEnd/>
+          </a:ln>
+        </p:spPr>
+        <p:txBody>
+          <a:bodyPr wrap="square" anchor="ctr">
+            <a:spAutoFit/>
+          </a:bodyPr>
+          <a:lstStyle/>
+          <a:p>
+            <a:pPr algn="ctr"/>
+            <a:r>
+              <a:rPr lang="en-US" altLang="en-US" sz="2000" dirty="0" smtClean="0">
+                <a:solidFill>
+                  <a:srgbClr val="1E3272"/>
+                </a:solidFill>
+              </a:rPr>
+              <a:t>5</a:t>
+            </a:r>
+            <a:endParaRPr lang="en-AU" altLang="en-US" sz="2000" dirty="0">
+              <a:solidFill>
+                <a:srgbClr val="1E3272"/>
+              </a:solidFill>
+            </a:endParaRPr>
+          </a:p>
+        </p:txBody>
+      </p:sp>
+      <p:sp>
+        <p:nvSpPr>
+          <p:cNvPr id="20" name="Text Box 7"/>
+          <p:cNvSpPr txBox="1">
+            <a:spLocks noChangeArrowheads="1"/>
+          </p:cNvSpPr>
+          <p:nvPr/>
+        </p:nvSpPr>
+        <p:spPr bwMode="auto">
+          <a:xfrm>
+            <a:off x="5039400" y="2427372"/>
+            <a:ext cx="1079547" cy="400110"/>
+          </a:xfrm>
+          <a:prstGeom prst="rect">
+            <a:avLst/>
+          </a:prstGeom>
+          <a:noFill/>
+          <a:ln w="19050">
+            <a:solidFill>
+              <a:srgbClr val="273272"/>
+            </a:solidFill>
+            <a:miter lim="800000"/>
+            <a:headEnd/>
+            <a:tailEnd/>
+          </a:ln>
+        </p:spPr>
+        <p:txBody>
+          <a:bodyPr anchor="ctr">
+            <a:spAutoFit/>
+          </a:bodyPr>
+          <a:lstStyle/>
+          <a:p>
+            <a:pPr algn="ctr"/>
+            <a:r>
+              <a:rPr lang="en-US" altLang="en-US" sz="2000" dirty="0" smtClean="0">
+                <a:solidFill>
+                  <a:srgbClr val="1E3272"/>
+                </a:solidFill>
+              </a:rPr>
+              <a:t>6</a:t>
+            </a:r>
+            <a:endParaRPr lang="en-AU" altLang="en-US" sz="2000" dirty="0">
+              <a:solidFill>
+                <a:srgbClr val="1E3272"/>
+              </a:solidFill>
+            </a:endParaRPr>
+          </a:p>
+        </p:txBody>
+      </p:sp>
+      <p:sp>
+        <p:nvSpPr>
+          <p:cNvPr id="21" name="Text Box 8"/>
+          <p:cNvSpPr txBox="1">
+            <a:spLocks noChangeArrowheads="1"/>
+          </p:cNvSpPr>
+          <p:nvPr/>
+        </p:nvSpPr>
+        <p:spPr bwMode="auto">
+          <a:xfrm>
+            <a:off x="7057997" y="2427050"/>
+            <a:ext cx="1321757" cy="400110"/>
+          </a:xfrm>
+          <a:prstGeom prst="rect">
+            <a:avLst/>
+          </a:prstGeom>
+          <a:noFill/>
+          <a:ln w="19050">
+            <a:solidFill>
+              <a:srgbClr val="273272"/>
+            </a:solidFill>
+            <a:miter lim="800000"/>
+            <a:headEnd/>
+            <a:tailEnd/>
+          </a:ln>
+        </p:spPr>
+        <p:txBody>
+          <a:bodyPr wrap="square">
+            <a:spAutoFit/>
+          </a:bodyPr>
+          <a:lstStyle/>
+          <a:p>
+            <a:pPr algn="ctr"/>
+            <a:r>
+              <a:rPr lang="en-US" altLang="en-US" sz="2000" dirty="0" smtClean="0">
+                <a:solidFill>
+                  <a:srgbClr val="1E3272"/>
+                </a:solidFill>
+              </a:rPr>
+              <a:t>4</a:t>
+            </a:r>
+            <a:endParaRPr lang="en-US" altLang="en-US" sz="2000" dirty="0">
+              <a:solidFill>
+                <a:srgbClr val="1E3272"/>
+              </a:solidFill>
+            </a:endParaRPr>
+          </a:p>
+        </p:txBody>
+      </p:sp>
+      <p:sp>
+        <p:nvSpPr>
+          <p:cNvPr id="23" name="Text Box 9"/>
+          <p:cNvSpPr txBox="1">
+            <a:spLocks noChangeArrowheads="1"/>
+          </p:cNvSpPr>
+          <p:nvPr/>
+        </p:nvSpPr>
+        <p:spPr bwMode="auto">
+          <a:xfrm>
+            <a:off x="6118860" y="2425527"/>
+            <a:ext cx="936369" cy="400110"/>
+          </a:xfrm>
+          <a:prstGeom prst="rect">
+            <a:avLst/>
+          </a:prstGeom>
+          <a:noFill/>
+          <a:ln w="19050">
+            <a:solidFill>
+              <a:srgbClr val="273272"/>
+            </a:solidFill>
+            <a:miter lim="800000"/>
+            <a:headEnd/>
+            <a:tailEnd/>
+          </a:ln>
+        </p:spPr>
+        <p:txBody>
+          <a:bodyPr wrap="square" anchor="ctr">
+            <a:spAutoFit/>
+          </a:bodyPr>
+          <a:lstStyle/>
+          <a:p>
+            <a:pPr algn="ctr"/>
+            <a:r>
+              <a:rPr lang="en-US" altLang="en-US" sz="2000" dirty="0" smtClean="0">
+                <a:solidFill>
+                  <a:srgbClr val="1E3272"/>
+                </a:solidFill>
+              </a:rPr>
+              <a:t>2</a:t>
+            </a:r>
+            <a:endParaRPr lang="en-AU" altLang="en-US" sz="2000" dirty="0">
+              <a:solidFill>
+                <a:srgbClr val="1E3272"/>
+              </a:solidFill>
+            </a:endParaRPr>
+          </a:p>
+        </p:txBody>
+      </p:sp>
+      <p:sp>
+        <p:nvSpPr>
+          <p:cNvPr id="24" name="Text Box 10"/>
+          <p:cNvSpPr txBox="1">
+            <a:spLocks noChangeArrowheads="1"/>
+          </p:cNvSpPr>
+          <p:nvPr/>
+        </p:nvSpPr>
+        <p:spPr bwMode="auto">
+          <a:xfrm>
+            <a:off x="8381349" y="2427276"/>
+            <a:ext cx="1297044" cy="400110"/>
+          </a:xfrm>
+          <a:prstGeom prst="rect">
+            <a:avLst/>
+          </a:prstGeom>
+          <a:noFill/>
+          <a:ln w="19050">
+            <a:solidFill>
+              <a:srgbClr val="273272"/>
+            </a:solidFill>
+            <a:miter lim="800000"/>
+            <a:headEnd/>
+            <a:tailEnd/>
+          </a:ln>
+        </p:spPr>
+        <p:txBody>
+          <a:bodyPr anchor="ctr">
+            <a:spAutoFit/>
+          </a:bodyPr>
+          <a:lstStyle/>
+          <a:p>
+            <a:pPr algn="ctr"/>
+            <a:r>
+              <a:rPr lang="en-US" altLang="en-US" sz="2000" dirty="0" smtClean="0">
+                <a:solidFill>
+                  <a:srgbClr val="1E3272"/>
+                </a:solidFill>
+              </a:rPr>
+              <a:t>35</a:t>
+            </a:r>
+            <a:endParaRPr lang="en-AU" altLang="en-US" sz="2000" dirty="0">
+              <a:solidFill>
+                <a:srgbClr val="1E3272"/>
+              </a:solidFill>
+            </a:endParaRPr>
+          </a:p>
+        </p:txBody>
+      </p:sp>
+      <p:sp>
+        <p:nvSpPr>
+          <p:cNvPr id="25" name="Text Box 5"/>
+          <p:cNvSpPr txBox="1">
+            <a:spLocks noChangeArrowheads="1"/>
+          </p:cNvSpPr>
+          <p:nvPr/>
+        </p:nvSpPr>
+        <p:spPr bwMode="auto">
+          <a:xfrm>
+            <a:off x="2487453" y="2821677"/>
+            <a:ext cx="1469171" cy="400110"/>
+          </a:xfrm>
+          <a:prstGeom prst="rect">
+            <a:avLst/>
+          </a:prstGeom>
+          <a:noFill/>
+          <a:ln w="19050">
+            <a:solidFill>
+              <a:srgbClr val="273272"/>
+            </a:solidFill>
+            <a:miter lim="800000"/>
+            <a:headEnd/>
+            <a:tailEnd/>
+          </a:ln>
+        </p:spPr>
+        <p:txBody>
+          <a:bodyPr wrap="square">
+            <a:spAutoFit/>
+          </a:bodyPr>
+          <a:lstStyle/>
+          <a:p>
+            <a:pPr algn="ctr"/>
+            <a:r>
+              <a:rPr lang="en-US" altLang="en-US" sz="2000" dirty="0" smtClean="0">
+                <a:solidFill>
+                  <a:srgbClr val="1E3272"/>
+                </a:solidFill>
+              </a:rPr>
+              <a:t>0000000</a:t>
+            </a:r>
+            <a:endParaRPr lang="en-US" altLang="en-US" sz="2000" dirty="0">
+              <a:solidFill>
+                <a:srgbClr val="1E3272"/>
+              </a:solidFill>
+            </a:endParaRPr>
+          </a:p>
+        </p:txBody>
+      </p:sp>
+      <p:sp>
+        <p:nvSpPr>
+          <p:cNvPr id="26" name="Text Box 6"/>
+          <p:cNvSpPr txBox="1">
+            <a:spLocks noChangeArrowheads="1"/>
+          </p:cNvSpPr>
+          <p:nvPr/>
+        </p:nvSpPr>
+        <p:spPr bwMode="auto">
+          <a:xfrm>
+            <a:off x="3959620" y="2825961"/>
+            <a:ext cx="1079547" cy="400110"/>
+          </a:xfrm>
+          <a:prstGeom prst="rect">
+            <a:avLst/>
+          </a:prstGeom>
+          <a:noFill/>
+          <a:ln w="19050">
+            <a:solidFill>
+              <a:srgbClr val="273272"/>
+            </a:solidFill>
+            <a:miter lim="800000"/>
+            <a:headEnd/>
+            <a:tailEnd/>
+          </a:ln>
+        </p:spPr>
+        <p:txBody>
+          <a:bodyPr wrap="square" anchor="ctr">
+            <a:spAutoFit/>
+          </a:bodyPr>
+          <a:lstStyle/>
+          <a:p>
+            <a:pPr algn="ctr"/>
+            <a:r>
+              <a:rPr lang="en-US" altLang="en-US" sz="2000" dirty="0" smtClean="0">
+                <a:solidFill>
+                  <a:srgbClr val="1E3272"/>
+                </a:solidFill>
+              </a:rPr>
+              <a:t>00101</a:t>
+            </a:r>
+            <a:endParaRPr lang="en-AU" altLang="en-US" sz="2000" dirty="0">
+              <a:solidFill>
+                <a:srgbClr val="1E3272"/>
+              </a:solidFill>
+            </a:endParaRPr>
+          </a:p>
+        </p:txBody>
+      </p:sp>
+      <p:sp>
+        <p:nvSpPr>
+          <p:cNvPr id="27" name="Text Box 7"/>
+          <p:cNvSpPr txBox="1">
+            <a:spLocks noChangeArrowheads="1"/>
+          </p:cNvSpPr>
+          <p:nvPr/>
+        </p:nvSpPr>
+        <p:spPr bwMode="auto">
+          <a:xfrm>
+            <a:off x="5038185" y="2826190"/>
+            <a:ext cx="1079547" cy="400110"/>
+          </a:xfrm>
+          <a:prstGeom prst="rect">
+            <a:avLst/>
+          </a:prstGeom>
+          <a:noFill/>
+          <a:ln w="19050">
+            <a:solidFill>
+              <a:srgbClr val="273272"/>
+            </a:solidFill>
+            <a:miter lim="800000"/>
+            <a:headEnd/>
+            <a:tailEnd/>
+          </a:ln>
+        </p:spPr>
+        <p:txBody>
+          <a:bodyPr anchor="ctr">
+            <a:spAutoFit/>
+          </a:bodyPr>
+          <a:lstStyle/>
+          <a:p>
+            <a:pPr algn="ctr"/>
+            <a:r>
+              <a:rPr lang="en-US" altLang="en-US" sz="2000" dirty="0" smtClean="0">
+                <a:solidFill>
+                  <a:srgbClr val="1E3272"/>
+                </a:solidFill>
+              </a:rPr>
+              <a:t>00110</a:t>
+            </a:r>
+            <a:endParaRPr lang="en-AU" altLang="en-US" sz="2000" dirty="0">
+              <a:solidFill>
+                <a:srgbClr val="1E3272"/>
+              </a:solidFill>
+            </a:endParaRPr>
+          </a:p>
+        </p:txBody>
+      </p:sp>
+      <p:sp>
+        <p:nvSpPr>
+          <p:cNvPr id="28" name="Text Box 8"/>
+          <p:cNvSpPr txBox="1">
+            <a:spLocks noChangeArrowheads="1"/>
+          </p:cNvSpPr>
+          <p:nvPr/>
+        </p:nvSpPr>
+        <p:spPr bwMode="auto">
+          <a:xfrm>
+            <a:off x="7056782" y="2825868"/>
+            <a:ext cx="1321757" cy="400110"/>
+          </a:xfrm>
+          <a:prstGeom prst="rect">
+            <a:avLst/>
+          </a:prstGeom>
+          <a:noFill/>
+          <a:ln w="19050">
+            <a:solidFill>
+              <a:srgbClr val="273272"/>
+            </a:solidFill>
+            <a:miter lim="800000"/>
+            <a:headEnd/>
+            <a:tailEnd/>
+          </a:ln>
+        </p:spPr>
+        <p:txBody>
+          <a:bodyPr wrap="square">
+            <a:spAutoFit/>
+          </a:bodyPr>
+          <a:lstStyle/>
+          <a:p>
+            <a:pPr algn="ctr"/>
+            <a:r>
+              <a:rPr lang="en-US" altLang="en-US" sz="2000" dirty="0" smtClean="0">
+                <a:solidFill>
+                  <a:srgbClr val="1E3272"/>
+                </a:solidFill>
+              </a:rPr>
+              <a:t>00100</a:t>
+            </a:r>
+            <a:endParaRPr lang="en-US" altLang="en-US" sz="2000" dirty="0">
+              <a:solidFill>
+                <a:srgbClr val="1E3272"/>
+              </a:solidFill>
+            </a:endParaRPr>
+          </a:p>
+        </p:txBody>
+      </p:sp>
+      <p:sp>
+        <p:nvSpPr>
+          <p:cNvPr id="29" name="Text Box 9"/>
+          <p:cNvSpPr txBox="1">
+            <a:spLocks noChangeArrowheads="1"/>
+          </p:cNvSpPr>
+          <p:nvPr/>
+        </p:nvSpPr>
+        <p:spPr bwMode="auto">
+          <a:xfrm>
+            <a:off x="6117645" y="2826637"/>
+            <a:ext cx="936369" cy="400110"/>
+          </a:xfrm>
+          <a:prstGeom prst="rect">
+            <a:avLst/>
+          </a:prstGeom>
+          <a:noFill/>
+          <a:ln w="19050">
+            <a:solidFill>
+              <a:srgbClr val="273272"/>
+            </a:solidFill>
+            <a:miter lim="800000"/>
+            <a:headEnd/>
+            <a:tailEnd/>
+          </a:ln>
+        </p:spPr>
+        <p:txBody>
+          <a:bodyPr wrap="square" anchor="ctr">
+            <a:spAutoFit/>
+          </a:bodyPr>
+          <a:lstStyle/>
+          <a:p>
+            <a:pPr algn="ctr"/>
+            <a:r>
+              <a:rPr lang="en-US" altLang="en-US" sz="2000" dirty="0" smtClean="0">
+                <a:solidFill>
+                  <a:srgbClr val="1E3272"/>
+                </a:solidFill>
+              </a:rPr>
+              <a:t>010</a:t>
+            </a:r>
+            <a:endParaRPr lang="en-AU" altLang="en-US" sz="2000" dirty="0">
+              <a:solidFill>
+                <a:srgbClr val="1E3272"/>
+              </a:solidFill>
+            </a:endParaRPr>
+          </a:p>
+        </p:txBody>
+      </p:sp>
+      <p:sp>
+        <p:nvSpPr>
+          <p:cNvPr id="30" name="Text Box 10"/>
+          <p:cNvSpPr txBox="1">
+            <a:spLocks noChangeArrowheads="1"/>
+          </p:cNvSpPr>
+          <p:nvPr/>
+        </p:nvSpPr>
+        <p:spPr bwMode="auto">
+          <a:xfrm>
+            <a:off x="8379829" y="2828386"/>
+            <a:ext cx="1297044" cy="400110"/>
+          </a:xfrm>
+          <a:prstGeom prst="rect">
+            <a:avLst/>
+          </a:prstGeom>
+          <a:noFill/>
+          <a:ln w="19050">
+            <a:solidFill>
+              <a:srgbClr val="273272"/>
+            </a:solidFill>
+            <a:miter lim="800000"/>
+            <a:headEnd/>
+            <a:tailEnd/>
+          </a:ln>
+        </p:spPr>
+        <p:txBody>
+          <a:bodyPr anchor="ctr">
+            <a:spAutoFit/>
+          </a:bodyPr>
+          <a:lstStyle/>
+          <a:p>
+            <a:pPr algn="ctr"/>
+            <a:r>
+              <a:rPr lang="en-US" altLang="en-US" sz="2000" dirty="0" smtClean="0">
+                <a:solidFill>
+                  <a:srgbClr val="1E3272"/>
+                </a:solidFill>
+              </a:rPr>
+              <a:t>100011</a:t>
+            </a:r>
+            <a:endParaRPr lang="en-AU" altLang="en-US" sz="2000" dirty="0">
+              <a:solidFill>
+                <a:srgbClr val="1E3272"/>
+              </a:solidFill>
+            </a:endParaRPr>
+          </a:p>
+        </p:txBody>
+      </p:sp>
+      <p:sp>
+        <p:nvSpPr>
+          <p:cNvPr id="31" name="Прямоугольник 30"/>
+          <p:cNvSpPr/>
+          <p:nvPr/>
+        </p:nvSpPr>
+        <p:spPr>
+          <a:xfrm>
+            <a:off x="4971906" y="1850970"/>
+            <a:ext cx="2349682" cy="646331"/>
+          </a:xfrm>
+          <a:prstGeom prst="rect">
+            <a:avLst/>
+          </a:prstGeom>
+        </p:spPr>
+        <p:txBody>
+          <a:bodyPr wrap="none">
+            <a:spAutoFit/>
+          </a:bodyPr>
+          <a:lstStyle/>
+          <a:p>
+            <a:r>
+              <a:rPr lang="en-US" altLang="en-US" sz="3600" b="1" dirty="0" err="1" smtClean="0">
+                <a:solidFill>
+                  <a:schemeClr val="accent6"/>
+                </a:solidFill>
+              </a:rPr>
+              <a:t>sw</a:t>
+            </a:r>
+            <a:r>
+              <a:rPr lang="en-US" altLang="en-US" sz="3600" b="1" dirty="0" smtClean="0">
+                <a:solidFill>
+                  <a:schemeClr val="accent6"/>
+                </a:solidFill>
+              </a:rPr>
+              <a:t> t0, 4(t1)</a:t>
+            </a:r>
+            <a:endParaRPr lang="ru-RU" sz="3600" dirty="0"/>
+          </a:p>
+        </p:txBody>
+      </p:sp>
+      <p:sp>
+        <p:nvSpPr>
+          <p:cNvPr id="32" name="Прямоугольник 31"/>
+          <p:cNvSpPr/>
+          <p:nvPr/>
+        </p:nvSpPr>
+        <p:spPr>
+          <a:xfrm>
+            <a:off x="815009" y="3308913"/>
+            <a:ext cx="10723936" cy="584775"/>
+          </a:xfrm>
+          <a:prstGeom prst="rect">
+            <a:avLst/>
+          </a:prstGeom>
+        </p:spPr>
+        <p:txBody>
+          <a:bodyPr wrap="square">
+            <a:spAutoFit/>
+          </a:bodyPr>
+          <a:lstStyle/>
+          <a:p>
+            <a:pPr algn="ctr"/>
+            <a:r>
+              <a:rPr lang="en-US" altLang="en-US" sz="3200" b="1" dirty="0" smtClean="0">
+                <a:solidFill>
+                  <a:schemeClr val="accent6"/>
+                </a:solidFill>
+              </a:rPr>
+              <a:t>0000 0000 0101 0011 0010 0010 0010 0011</a:t>
+            </a:r>
+            <a:r>
+              <a:rPr lang="en-US" altLang="en-US" sz="3200" b="1" baseline="-25000" dirty="0" smtClean="0">
+                <a:solidFill>
+                  <a:schemeClr val="accent6"/>
+                </a:solidFill>
+              </a:rPr>
+              <a:t>two</a:t>
+            </a:r>
+            <a:r>
+              <a:rPr lang="en-US" altLang="en-US" sz="3200" b="1" dirty="0" smtClean="0">
+                <a:solidFill>
+                  <a:schemeClr val="accent6"/>
+                </a:solidFill>
+              </a:rPr>
+              <a:t> </a:t>
+            </a:r>
+            <a:r>
+              <a:rPr lang="en-US" altLang="en-US" sz="3200" b="1" dirty="0" smtClean="0">
+                <a:solidFill>
+                  <a:schemeClr val="accent6"/>
+                </a:solidFill>
+              </a:rPr>
+              <a:t>= </a:t>
+            </a:r>
+            <a:r>
+              <a:rPr lang="en-US" altLang="en-US" sz="3200" b="1" dirty="0" smtClean="0">
+                <a:solidFill>
+                  <a:schemeClr val="accent6"/>
+                </a:solidFill>
+              </a:rPr>
+              <a:t>0x00532223</a:t>
+            </a:r>
+            <a:r>
+              <a:rPr lang="en-US" altLang="en-US" sz="3200" b="1" baseline="-25000" dirty="0" smtClean="0">
+                <a:solidFill>
+                  <a:schemeClr val="accent6"/>
+                </a:solidFill>
+              </a:rPr>
+              <a:t>16</a:t>
+            </a:r>
+            <a:endParaRPr lang="ru-RU" sz="3200" dirty="0"/>
+          </a:p>
+        </p:txBody>
+      </p:sp>
     </p:spTree>
   </p:cSld>
   <p:clrMapOvr>
@@ -11233,6 +11939,13 @@
   <p:clrMapOvr>
     <a:masterClrMapping/>
   </p:clrMapOvr>
+  <p:timing>
+    <p:tnLst>
+      <p:par>
+        <p:cTn id="1" dur="indefinite" restart="never" nodeType="tmRoot"/>
+      </p:par>
+    </p:tnLst>
+  </p:timing>
 </p:sld>
 </file>
 
@@ -11325,6 +12038,13 @@
   <p:clrMapOvr>
     <a:masterClrMapping/>
   </p:clrMapOvr>
+  <p:timing>
+    <p:tnLst>
+      <p:par>
+        <p:cTn id="1" dur="indefinite" restart="never" nodeType="tmRoot"/>
+      </p:par>
+    </p:tnLst>
+  </p:timing>
 </p:sld>
 </file>
 
@@ -11603,7 +12323,7 @@
   <a:extraClrSchemeLst/>
   <a:extLst>
     <a:ext uri="{05A4C25C-085E-4340-85A3-A5531E510DB2}">
-      <thm15:themeFamily xmlns="" xmlns:thm15="http://schemas.microsoft.com/office/thememl/2012/main" name="Office Theme" id="{62F939B6-93AF-4DB8-9C6B-D6C7DFDC589F}" vid="{4A3C46E8-61CC-4603-A589-7422A47A8E4A}"/>
+      <thm15:themeFamily xmlns:thm15="http://schemas.microsoft.com/office/thememl/2012/main" xmlns="" name="Office Theme" id="{62F939B6-93AF-4DB8-9C6B-D6C7DFDC589F}" vid="{4A3C46E8-61CC-4603-A589-7422A47A8E4A}"/>
     </a:ext>
   </a:extLst>
 </a:theme>
@@ -11864,7 +12584,7 @@
   <a:extraClrSchemeLst/>
   <a:extLst>
     <a:ext uri="{05A4C25C-085E-4340-85A3-A5531E510DB2}">
-      <thm15:themeFamily xmlns="" xmlns:thm15="http://schemas.microsoft.com/office/thememl/2012/main" name="Office Theme" id="{62F939B6-93AF-4DB8-9C6B-D6C7DFDC589F}" vid="{4A3C46E8-61CC-4603-A589-7422A47A8E4A}"/>
+      <thm15:themeFamily xmlns:thm15="http://schemas.microsoft.com/office/thememl/2012/main" xmlns="" name="Office Theme" id="{62F939B6-93AF-4DB8-9C6B-D6C7DFDC589F}" vid="{4A3C46E8-61CC-4603-A589-7422A47A8E4A}"/>
     </a:ext>
   </a:extLst>
 </a:theme>
@@ -12125,7 +12845,7 @@
   <a:extraClrSchemeLst/>
   <a:extLst>
     <a:ext uri="{05A4C25C-085E-4340-85A3-A5531E510DB2}">
-      <thm15:themeFamily xmlns="" xmlns:thm15="http://schemas.microsoft.com/office/thememl/2012/main" name="Office Theme" id="{62F939B6-93AF-4DB8-9C6B-D6C7DFDC589F}" vid="{4A3C46E8-61CC-4603-A589-7422A47A8E4A}"/>
+      <thm15:themeFamily xmlns:thm15="http://schemas.microsoft.com/office/thememl/2012/main" xmlns="" name="Office Theme" id="{62F939B6-93AF-4DB8-9C6B-D6C7DFDC589F}" vid="{4A3C46E8-61CC-4603-A589-7422A47A8E4A}"/>
     </a:ext>
   </a:extLst>
 </a:theme>

--- a/docs/part1ca/04_Instructions/CA_Lecture_04.pptx
+++ b/docs/part1ca/04_Instructions/CA_Lecture_04.pptx
@@ -5,25 +5,27 @@
     <p:sldMasterId id="2147483648" r:id="rId1"/>
   </p:sldMasterIdLst>
   <p:notesMasterIdLst>
-    <p:notesMasterId r:id="rId15"/>
+    <p:notesMasterId r:id="rId17"/>
   </p:notesMasterIdLst>
   <p:handoutMasterIdLst>
-    <p:handoutMasterId r:id="rId16"/>
+    <p:handoutMasterId r:id="rId18"/>
   </p:handoutMasterIdLst>
   <p:sldIdLst>
     <p:sldId id="256" r:id="rId2"/>
-    <p:sldId id="314" r:id="rId3"/>
-    <p:sldId id="311" r:id="rId4"/>
-    <p:sldId id="315" r:id="rId5"/>
-    <p:sldId id="309" r:id="rId6"/>
-    <p:sldId id="312" r:id="rId7"/>
-    <p:sldId id="313" r:id="rId8"/>
-    <p:sldId id="318" r:id="rId9"/>
-    <p:sldId id="319" r:id="rId10"/>
-    <p:sldId id="320" r:id="rId11"/>
-    <p:sldId id="317" r:id="rId12"/>
-    <p:sldId id="316" r:id="rId13"/>
-    <p:sldId id="272" r:id="rId14"/>
+    <p:sldId id="321" r:id="rId3"/>
+    <p:sldId id="322" r:id="rId4"/>
+    <p:sldId id="314" r:id="rId5"/>
+    <p:sldId id="311" r:id="rId6"/>
+    <p:sldId id="315" r:id="rId7"/>
+    <p:sldId id="309" r:id="rId8"/>
+    <p:sldId id="312" r:id="rId9"/>
+    <p:sldId id="313" r:id="rId10"/>
+    <p:sldId id="318" r:id="rId11"/>
+    <p:sldId id="319" r:id="rId12"/>
+    <p:sldId id="320" r:id="rId13"/>
+    <p:sldId id="317" r:id="rId14"/>
+    <p:sldId id="316" r:id="rId15"/>
+    <p:sldId id="272" r:id="rId16"/>
   </p:sldIdLst>
   <p:sldSz cx="12192000" cy="6858000"/>
   <p:notesSz cx="6858000" cy="9144000"/>
@@ -124,7 +126,7 @@
   </p:defaultTextStyle>
   <p:extLst>
     <p:ext uri="{EFAFB233-063F-42B5-8137-9DF3F51BA10A}">
-      <p15:sldGuideLst xmlns:p15="http://schemas.microsoft.com/office/powerpoint/2012/main" xmlns="">
+      <p15:sldGuideLst xmlns="" xmlns:p15="http://schemas.microsoft.com/office/powerpoint/2012/main">
         <p15:guide id="1" orient="horz" pos="2160">
           <p15:clr>
             <a:srgbClr val="A4A3A4"/>
@@ -138,7 +140,7 @@
       </p15:sldGuideLst>
     </p:ext>
     <p:ext uri="{2D200454-40CA-4A62-9FC3-DE9A4176ACB9}">
-      <p15:notesGuideLst xmlns:p15="http://schemas.microsoft.com/office/powerpoint/2012/main" xmlns="">
+      <p15:notesGuideLst xmlns="" xmlns:p15="http://schemas.microsoft.com/office/powerpoint/2012/main">
         <p15:guide id="1" orient="horz" pos="2880">
           <p15:clr>
             <a:srgbClr val="A4A3A4"/>
@@ -322,7 +324,7 @@
     </p:spTree>
     <p:extLst>
       <p:ext uri="{BB962C8B-B14F-4D97-AF65-F5344CB8AC3E}">
-        <p14:creationId xmlns:p14="http://schemas.microsoft.com/office/powerpoint/2010/main" xmlns="" val="827279973"/>
+        <p14:creationId xmlns="" xmlns:p14="http://schemas.microsoft.com/office/powerpoint/2010/main" val="827279973"/>
       </p:ext>
     </p:extLst>
   </p:cSld>
@@ -583,7 +585,7 @@
     </p:spTree>
     <p:extLst>
       <p:ext uri="{BB962C8B-B14F-4D97-AF65-F5344CB8AC3E}">
-        <p14:creationId xmlns:p14="http://schemas.microsoft.com/office/powerpoint/2010/main" xmlns="" val="3865021395"/>
+        <p14:creationId xmlns="" xmlns:p14="http://schemas.microsoft.com/office/powerpoint/2010/main" val="3865021395"/>
       </p:ext>
     </p:extLst>
   </p:cSld>
@@ -797,7 +799,7 @@
     </p:spTree>
     <p:extLst>
       <p:ext uri="{BB962C8B-B14F-4D97-AF65-F5344CB8AC3E}">
-        <p14:creationId xmlns:p14="http://schemas.microsoft.com/office/powerpoint/2010/main" xmlns="" val="2381791527"/>
+        <p14:creationId xmlns="" xmlns:p14="http://schemas.microsoft.com/office/powerpoint/2010/main" val="2381791527"/>
       </p:ext>
     </p:extLst>
   </p:cSld>
@@ -911,7 +913,7 @@
             <a:fld id="{5583B3A5-99BF-45D9-956B-DC57CC23AD97}" type="slidenum">
               <a:rPr lang="ru-RU" smtClean="0"/>
               <a:pPr/>
-              <a:t>13</a:t>
+              <a:t>15</a:t>
             </a:fld>
             <a:endParaRPr lang="ru-RU"/>
           </a:p>
@@ -920,7 +922,7 @@
     </p:spTree>
     <p:extLst>
       <p:ext uri="{BB962C8B-B14F-4D97-AF65-F5344CB8AC3E}">
-        <p14:creationId xmlns:p14="http://schemas.microsoft.com/office/powerpoint/2010/main" xmlns="" val="1915950851"/>
+        <p14:creationId xmlns="" xmlns:p14="http://schemas.microsoft.com/office/powerpoint/2010/main" val="1915950851"/>
       </p:ext>
     </p:extLst>
   </p:cSld>
@@ -1180,7 +1182,7 @@
     </p:spTree>
     <p:extLst>
       <p:ext uri="{BB962C8B-B14F-4D97-AF65-F5344CB8AC3E}">
-        <p14:creationId xmlns:p14="http://schemas.microsoft.com/office/powerpoint/2010/main" xmlns="" val="322455162"/>
+        <p14:creationId xmlns="" xmlns:p14="http://schemas.microsoft.com/office/powerpoint/2010/main" val="322455162"/>
       </p:ext>
     </p:extLst>
   </p:cSld>
@@ -1354,7 +1356,7 @@
     </p:spTree>
     <p:extLst>
       <p:ext uri="{BB962C8B-B14F-4D97-AF65-F5344CB8AC3E}">
-        <p14:creationId xmlns:p14="http://schemas.microsoft.com/office/powerpoint/2010/main" xmlns="" val="971117636"/>
+        <p14:creationId xmlns="" xmlns:p14="http://schemas.microsoft.com/office/powerpoint/2010/main" val="971117636"/>
       </p:ext>
     </p:extLst>
   </p:cSld>
@@ -1531,7 +1533,7 @@
     </p:spTree>
     <p:extLst>
       <p:ext uri="{BB962C8B-B14F-4D97-AF65-F5344CB8AC3E}">
-        <p14:creationId xmlns:p14="http://schemas.microsoft.com/office/powerpoint/2010/main" xmlns="" val="3348877825"/>
+        <p14:creationId xmlns="" xmlns:p14="http://schemas.microsoft.com/office/powerpoint/2010/main" val="3348877825"/>
       </p:ext>
     </p:extLst>
   </p:cSld>
@@ -1856,7 +1858,7 @@
     </p:spTree>
     <p:extLst>
       <p:ext uri="{BB962C8B-B14F-4D97-AF65-F5344CB8AC3E}">
-        <p14:creationId xmlns:p14="http://schemas.microsoft.com/office/powerpoint/2010/main" xmlns="" val="3256953994"/>
+        <p14:creationId xmlns="" xmlns:p14="http://schemas.microsoft.com/office/powerpoint/2010/main" val="3256953994"/>
       </p:ext>
     </p:extLst>
   </p:cSld>
@@ -2106,7 +2108,7 @@
     </p:spTree>
     <p:extLst>
       <p:ext uri="{BB962C8B-B14F-4D97-AF65-F5344CB8AC3E}">
-        <p14:creationId xmlns:p14="http://schemas.microsoft.com/office/powerpoint/2010/main" xmlns="" val="3067076846"/>
+        <p14:creationId xmlns="" xmlns:p14="http://schemas.microsoft.com/office/powerpoint/2010/main" val="3067076846"/>
       </p:ext>
     </p:extLst>
   </p:cSld>
@@ -2342,7 +2344,7 @@
     </p:spTree>
     <p:extLst>
       <p:ext uri="{BB962C8B-B14F-4D97-AF65-F5344CB8AC3E}">
-        <p14:creationId xmlns:p14="http://schemas.microsoft.com/office/powerpoint/2010/main" xmlns="" val="3710015975"/>
+        <p14:creationId xmlns="" xmlns:p14="http://schemas.microsoft.com/office/powerpoint/2010/main" val="3710015975"/>
       </p:ext>
     </p:extLst>
   </p:cSld>
@@ -2713,7 +2715,7 @@
     </p:spTree>
     <p:extLst>
       <p:ext uri="{BB962C8B-B14F-4D97-AF65-F5344CB8AC3E}">
-        <p14:creationId xmlns:p14="http://schemas.microsoft.com/office/powerpoint/2010/main" xmlns="" val="4075590966"/>
+        <p14:creationId xmlns="" xmlns:p14="http://schemas.microsoft.com/office/powerpoint/2010/main" val="4075590966"/>
       </p:ext>
     </p:extLst>
   </p:cSld>
@@ -2835,7 +2837,7 @@
     </p:spTree>
     <p:extLst>
       <p:ext uri="{BB962C8B-B14F-4D97-AF65-F5344CB8AC3E}">
-        <p14:creationId xmlns:p14="http://schemas.microsoft.com/office/powerpoint/2010/main" xmlns="" val="2889604898"/>
+        <p14:creationId xmlns="" xmlns:p14="http://schemas.microsoft.com/office/powerpoint/2010/main" val="2889604898"/>
       </p:ext>
     </p:extLst>
   </p:cSld>
@@ -2934,7 +2936,7 @@
     </p:spTree>
     <p:extLst>
       <p:ext uri="{BB962C8B-B14F-4D97-AF65-F5344CB8AC3E}">
-        <p14:creationId xmlns:p14="http://schemas.microsoft.com/office/powerpoint/2010/main" xmlns="" val="152384765"/>
+        <p14:creationId xmlns="" xmlns:p14="http://schemas.microsoft.com/office/powerpoint/2010/main" val="152384765"/>
       </p:ext>
     </p:extLst>
   </p:cSld>
@@ -3215,7 +3217,7 @@
     </p:spTree>
     <p:extLst>
       <p:ext uri="{BB962C8B-B14F-4D97-AF65-F5344CB8AC3E}">
-        <p14:creationId xmlns:p14="http://schemas.microsoft.com/office/powerpoint/2010/main" xmlns="" val="2127791886"/>
+        <p14:creationId xmlns="" xmlns:p14="http://schemas.microsoft.com/office/powerpoint/2010/main" val="2127791886"/>
       </p:ext>
     </p:extLst>
   </p:cSld>
@@ -3472,7 +3474,7 @@
     </p:spTree>
     <p:extLst>
       <p:ext uri="{BB962C8B-B14F-4D97-AF65-F5344CB8AC3E}">
-        <p14:creationId xmlns:p14="http://schemas.microsoft.com/office/powerpoint/2010/main" xmlns="" val="1752705130"/>
+        <p14:creationId xmlns="" xmlns:p14="http://schemas.microsoft.com/office/powerpoint/2010/main" val="1752705130"/>
       </p:ext>
     </p:extLst>
   </p:cSld>
@@ -3725,7 +3727,7 @@
     </p:spTree>
     <p:extLst>
       <p:ext uri="{BB962C8B-B14F-4D97-AF65-F5344CB8AC3E}">
-        <p14:creationId xmlns:p14="http://schemas.microsoft.com/office/powerpoint/2010/main" xmlns="" val="968833914"/>
+        <p14:creationId xmlns="" xmlns:p14="http://schemas.microsoft.com/office/powerpoint/2010/main" val="968833914"/>
       </p:ext>
     </p:extLst>
   </p:cSld>
@@ -4202,7 +4204,7 @@
     </p:spTree>
     <p:extLst>
       <p:ext uri="{BB962C8B-B14F-4D97-AF65-F5344CB8AC3E}">
-        <p14:creationId xmlns:p14="http://schemas.microsoft.com/office/powerpoint/2010/main" xmlns="" val="2492894732"/>
+        <p14:creationId xmlns="" xmlns:p14="http://schemas.microsoft.com/office/powerpoint/2010/main" val="2492894732"/>
       </p:ext>
     </p:extLst>
   </p:cSld>
@@ -4246,12 +4248,99 @@
             <p:ph idx="1"/>
           </p:nvPr>
         </p:nvSpPr>
-        <p:spPr/>
+        <p:spPr>
+          <a:xfrm>
+            <a:off x="838200" y="3357898"/>
+            <a:ext cx="10515600" cy="3274803"/>
+          </a:xfrm>
+        </p:spPr>
         <p:txBody>
           <a:bodyPr/>
           <a:lstStyle/>
           <a:p>
-            <a:endParaRPr lang="ru-RU"/>
+            <a:pPr>
+              <a:spcBef>
+                <a:spcPts val="600"/>
+              </a:spcBef>
+            </a:pPr>
+            <a:r>
+              <a:rPr lang="en-US" altLang="en-US" dirty="0" smtClean="0"/>
+              <a:t>Branch instructions specify</a:t>
+            </a:r>
+          </a:p>
+          <a:p>
+            <a:pPr lvl="1">
+              <a:spcBef>
+                <a:spcPts val="600"/>
+              </a:spcBef>
+            </a:pPr>
+            <a:r>
+              <a:rPr lang="en-US" altLang="en-US" dirty="0" err="1" smtClean="0"/>
+              <a:t>Opcode</a:t>
+            </a:r>
+            <a:r>
+              <a:rPr lang="en-US" altLang="en-US" dirty="0" smtClean="0"/>
+              <a:t>, two registers, target address</a:t>
+            </a:r>
+          </a:p>
+          <a:p>
+            <a:pPr>
+              <a:spcBef>
+                <a:spcPts val="600"/>
+              </a:spcBef>
+            </a:pPr>
+            <a:r>
+              <a:rPr lang="en-US" altLang="en-US" dirty="0" smtClean="0"/>
+              <a:t>Most branch targets are near branch</a:t>
+            </a:r>
+          </a:p>
+          <a:p>
+            <a:pPr lvl="1">
+              <a:spcBef>
+                <a:spcPts val="600"/>
+              </a:spcBef>
+            </a:pPr>
+            <a:r>
+              <a:rPr lang="en-US" altLang="en-US" dirty="0" smtClean="0"/>
+              <a:t>Forward or </a:t>
+            </a:r>
+            <a:r>
+              <a:rPr lang="en-US" altLang="en-US" dirty="0" smtClean="0"/>
+              <a:t>backward</a:t>
+            </a:r>
+          </a:p>
+          <a:p>
+            <a:pPr>
+              <a:spcBef>
+                <a:spcPts val="600"/>
+              </a:spcBef>
+            </a:pPr>
+            <a:r>
+              <a:rPr lang="en-US" altLang="en-US" dirty="0" smtClean="0"/>
+              <a:t>PC-relative addressing</a:t>
+            </a:r>
+          </a:p>
+          <a:p>
+            <a:pPr lvl="1">
+              <a:spcBef>
+                <a:spcPts val="600"/>
+              </a:spcBef>
+            </a:pPr>
+            <a:r>
+              <a:rPr lang="en-US" altLang="en-US" dirty="0" smtClean="0"/>
+              <a:t>Target address = PC + immediate × 2</a:t>
+            </a:r>
+          </a:p>
+          <a:p>
+            <a:pPr lvl="1"/>
+            <a:endParaRPr lang="en-US" altLang="en-US" dirty="0" smtClean="0"/>
+          </a:p>
+          <a:p>
+            <a:pPr lvl="1"/>
+            <a:endParaRPr lang="en-US" altLang="en-US" dirty="0" smtClean="0"/>
+          </a:p>
+          <a:p>
+            <a:endParaRPr lang="ru-RU" dirty="0"/>
           </a:p>
         </p:txBody>
       </p:sp>
@@ -4297,9 +4386,952 @@
           <a:p>
             <a:r>
               <a:rPr lang="en-US" altLang="en-US" dirty="0" smtClean="0"/>
-              <a:t>U-format Instructions</a:t>
+              <a:t>SB-format Instructions</a:t>
             </a:r>
             <a:endParaRPr lang="ru-RU" dirty="0"/>
+          </a:p>
+        </p:txBody>
+      </p:sp>
+      <p:sp>
+        <p:nvSpPr>
+          <p:cNvPr id="5" name="Text Box 5"/>
+          <p:cNvSpPr txBox="1">
+            <a:spLocks noChangeArrowheads="1"/>
+          </p:cNvSpPr>
+          <p:nvPr/>
+        </p:nvSpPr>
+        <p:spPr bwMode="auto">
+          <a:xfrm>
+            <a:off x="2750025" y="1214323"/>
+            <a:ext cx="1367496" cy="430887"/>
+          </a:xfrm>
+          <a:prstGeom prst="rect">
+            <a:avLst/>
+          </a:prstGeom>
+          <a:solidFill>
+            <a:srgbClr val="F7B217"/>
+          </a:solidFill>
+          <a:ln w="19050">
+            <a:solidFill>
+              <a:srgbClr val="273272"/>
+            </a:solidFill>
+            <a:miter lim="800000"/>
+            <a:headEnd/>
+            <a:tailEnd/>
+          </a:ln>
+        </p:spPr>
+        <p:txBody>
+          <a:bodyPr wrap="square">
+            <a:spAutoFit/>
+          </a:bodyPr>
+          <a:lstStyle/>
+          <a:p>
+            <a:pPr algn="ctr"/>
+            <a:r>
+              <a:rPr lang="en-US" altLang="en-US" sz="2200" dirty="0" smtClean="0">
+                <a:solidFill>
+                  <a:srgbClr val="273272"/>
+                </a:solidFill>
+              </a:rPr>
+              <a:t>imm[10:5</a:t>
+            </a:r>
+            <a:r>
+              <a:rPr lang="en-US" altLang="en-US" sz="2200" dirty="0" smtClean="0">
+                <a:solidFill>
+                  <a:srgbClr val="273272"/>
+                </a:solidFill>
+              </a:rPr>
+              <a:t>]</a:t>
+            </a:r>
+            <a:endParaRPr lang="en-AU" altLang="en-US" sz="2200" dirty="0">
+              <a:solidFill>
+                <a:srgbClr val="273272"/>
+              </a:solidFill>
+            </a:endParaRPr>
+          </a:p>
+        </p:txBody>
+      </p:sp>
+      <p:sp>
+        <p:nvSpPr>
+          <p:cNvPr id="6" name="Text Box 6"/>
+          <p:cNvSpPr txBox="1">
+            <a:spLocks noChangeArrowheads="1"/>
+          </p:cNvSpPr>
+          <p:nvPr/>
+        </p:nvSpPr>
+        <p:spPr bwMode="auto">
+          <a:xfrm>
+            <a:off x="4117520" y="1214324"/>
+            <a:ext cx="1079500" cy="430887"/>
+          </a:xfrm>
+          <a:prstGeom prst="rect">
+            <a:avLst/>
+          </a:prstGeom>
+          <a:solidFill>
+            <a:srgbClr val="F7B217"/>
+          </a:solidFill>
+          <a:ln w="19050">
+            <a:solidFill>
+              <a:srgbClr val="273272"/>
+            </a:solidFill>
+            <a:miter lim="800000"/>
+            <a:headEnd/>
+            <a:tailEnd/>
+          </a:ln>
+        </p:spPr>
+        <p:txBody>
+          <a:bodyPr>
+            <a:spAutoFit/>
+          </a:bodyPr>
+          <a:lstStyle/>
+          <a:p>
+            <a:pPr algn="ctr"/>
+            <a:r>
+              <a:rPr lang="en-US" altLang="en-US" sz="2200" dirty="0">
+                <a:solidFill>
+                  <a:srgbClr val="273272"/>
+                </a:solidFill>
+              </a:rPr>
+              <a:t>rs2</a:t>
+            </a:r>
+            <a:endParaRPr lang="en-AU" altLang="en-US" sz="2200" dirty="0">
+              <a:solidFill>
+                <a:srgbClr val="273272"/>
+              </a:solidFill>
+            </a:endParaRPr>
+          </a:p>
+        </p:txBody>
+      </p:sp>
+      <p:sp>
+        <p:nvSpPr>
+          <p:cNvPr id="7" name="Text Box 7"/>
+          <p:cNvSpPr txBox="1">
+            <a:spLocks noChangeArrowheads="1"/>
+          </p:cNvSpPr>
+          <p:nvPr/>
+        </p:nvSpPr>
+        <p:spPr bwMode="auto">
+          <a:xfrm>
+            <a:off x="5197020" y="1214324"/>
+            <a:ext cx="1079500" cy="430887"/>
+          </a:xfrm>
+          <a:prstGeom prst="rect">
+            <a:avLst/>
+          </a:prstGeom>
+          <a:solidFill>
+            <a:srgbClr val="F7B217"/>
+          </a:solidFill>
+          <a:ln w="19050">
+            <a:solidFill>
+              <a:srgbClr val="273272"/>
+            </a:solidFill>
+            <a:miter lim="800000"/>
+            <a:headEnd/>
+            <a:tailEnd/>
+          </a:ln>
+        </p:spPr>
+        <p:txBody>
+          <a:bodyPr>
+            <a:spAutoFit/>
+          </a:bodyPr>
+          <a:lstStyle/>
+          <a:p>
+            <a:pPr algn="ctr"/>
+            <a:r>
+              <a:rPr lang="en-US" altLang="en-US" sz="2200" dirty="0" smtClean="0">
+                <a:solidFill>
+                  <a:srgbClr val="273272"/>
+                </a:solidFill>
+              </a:rPr>
+              <a:t>rs1</a:t>
+            </a:r>
+            <a:endParaRPr lang="en-AU" altLang="en-US" sz="2200" dirty="0">
+              <a:solidFill>
+                <a:srgbClr val="273272"/>
+              </a:solidFill>
+            </a:endParaRPr>
+          </a:p>
+        </p:txBody>
+      </p:sp>
+      <p:sp>
+        <p:nvSpPr>
+          <p:cNvPr id="8" name="Text Box 8"/>
+          <p:cNvSpPr txBox="1">
+            <a:spLocks noChangeArrowheads="1"/>
+          </p:cNvSpPr>
+          <p:nvPr/>
+        </p:nvSpPr>
+        <p:spPr bwMode="auto">
+          <a:xfrm>
+            <a:off x="7216318" y="1214324"/>
+            <a:ext cx="1250788" cy="430887"/>
+          </a:xfrm>
+          <a:prstGeom prst="rect">
+            <a:avLst/>
+          </a:prstGeom>
+          <a:solidFill>
+            <a:srgbClr val="F7B217"/>
+          </a:solidFill>
+          <a:ln w="19050">
+            <a:solidFill>
+              <a:srgbClr val="273272"/>
+            </a:solidFill>
+            <a:miter lim="800000"/>
+            <a:headEnd/>
+            <a:tailEnd/>
+          </a:ln>
+        </p:spPr>
+        <p:txBody>
+          <a:bodyPr wrap="square">
+            <a:spAutoFit/>
+          </a:bodyPr>
+          <a:lstStyle/>
+          <a:p>
+            <a:pPr algn="ctr"/>
+            <a:r>
+              <a:rPr lang="en-US" altLang="en-US" sz="2200" dirty="0" smtClean="0">
+                <a:solidFill>
+                  <a:srgbClr val="273272"/>
+                </a:solidFill>
+              </a:rPr>
+              <a:t>imm[4:1</a:t>
+            </a:r>
+            <a:r>
+              <a:rPr lang="en-US" altLang="en-US" sz="2200" dirty="0" smtClean="0">
+                <a:solidFill>
+                  <a:srgbClr val="273272"/>
+                </a:solidFill>
+              </a:rPr>
+              <a:t>]</a:t>
+            </a:r>
+            <a:endParaRPr lang="en-AU" altLang="en-US" sz="2200" dirty="0">
+              <a:solidFill>
+                <a:srgbClr val="273272"/>
+              </a:solidFill>
+            </a:endParaRPr>
+          </a:p>
+        </p:txBody>
+      </p:sp>
+      <p:sp>
+        <p:nvSpPr>
+          <p:cNvPr id="9" name="Text Box 9"/>
+          <p:cNvSpPr txBox="1">
+            <a:spLocks noChangeArrowheads="1"/>
+          </p:cNvSpPr>
+          <p:nvPr/>
+        </p:nvSpPr>
+        <p:spPr bwMode="auto">
+          <a:xfrm>
+            <a:off x="6278108" y="1214324"/>
+            <a:ext cx="936625" cy="430887"/>
+          </a:xfrm>
+          <a:prstGeom prst="rect">
+            <a:avLst/>
+          </a:prstGeom>
+          <a:solidFill>
+            <a:srgbClr val="F7B217"/>
+          </a:solidFill>
+          <a:ln w="19050">
+            <a:solidFill>
+              <a:srgbClr val="273272"/>
+            </a:solidFill>
+            <a:miter lim="800000"/>
+            <a:headEnd/>
+            <a:tailEnd/>
+          </a:ln>
+        </p:spPr>
+        <p:txBody>
+          <a:bodyPr>
+            <a:spAutoFit/>
+          </a:bodyPr>
+          <a:lstStyle/>
+          <a:p>
+            <a:pPr algn="ctr"/>
+            <a:r>
+              <a:rPr lang="en-US" altLang="en-US" sz="2200" dirty="0">
+                <a:solidFill>
+                  <a:srgbClr val="273272"/>
+                </a:solidFill>
+              </a:rPr>
+              <a:t>funct3</a:t>
+            </a:r>
+            <a:endParaRPr lang="en-AU" altLang="en-US" sz="2200" dirty="0">
+              <a:solidFill>
+                <a:srgbClr val="273272"/>
+              </a:solidFill>
+            </a:endParaRPr>
+          </a:p>
+        </p:txBody>
+      </p:sp>
+      <p:sp>
+        <p:nvSpPr>
+          <p:cNvPr id="10" name="Text Box 10"/>
+          <p:cNvSpPr txBox="1">
+            <a:spLocks noChangeArrowheads="1"/>
+          </p:cNvSpPr>
+          <p:nvPr/>
+        </p:nvSpPr>
+        <p:spPr bwMode="auto">
+          <a:xfrm>
+            <a:off x="8758984" y="1214324"/>
+            <a:ext cx="1296988" cy="430887"/>
+          </a:xfrm>
+          <a:prstGeom prst="rect">
+            <a:avLst/>
+          </a:prstGeom>
+          <a:solidFill>
+            <a:srgbClr val="F7B217"/>
+          </a:solidFill>
+          <a:ln w="19050">
+            <a:solidFill>
+              <a:srgbClr val="273272"/>
+            </a:solidFill>
+            <a:miter lim="800000"/>
+            <a:headEnd/>
+            <a:tailEnd/>
+          </a:ln>
+        </p:spPr>
+        <p:txBody>
+          <a:bodyPr>
+            <a:spAutoFit/>
+          </a:bodyPr>
+          <a:lstStyle/>
+          <a:p>
+            <a:pPr algn="ctr"/>
+            <a:r>
+              <a:rPr lang="en-US" altLang="en-US" sz="2200" dirty="0" err="1">
+                <a:solidFill>
+                  <a:srgbClr val="273272"/>
+                </a:solidFill>
+              </a:rPr>
+              <a:t>opcode</a:t>
+            </a:r>
+            <a:endParaRPr lang="en-AU" altLang="en-US" sz="2200" dirty="0">
+              <a:solidFill>
+                <a:srgbClr val="273272"/>
+              </a:solidFill>
+            </a:endParaRPr>
+          </a:p>
+        </p:txBody>
+      </p:sp>
+      <p:sp>
+        <p:nvSpPr>
+          <p:cNvPr id="13" name="Text Box 8"/>
+          <p:cNvSpPr txBox="1">
+            <a:spLocks noChangeArrowheads="1"/>
+          </p:cNvSpPr>
+          <p:nvPr/>
+        </p:nvSpPr>
+        <p:spPr bwMode="auto">
+          <a:xfrm>
+            <a:off x="8468472" y="1214324"/>
+            <a:ext cx="290512" cy="430887"/>
+          </a:xfrm>
+          <a:prstGeom prst="rect">
+            <a:avLst/>
+          </a:prstGeom>
+          <a:solidFill>
+            <a:srgbClr val="F7B217"/>
+          </a:solidFill>
+          <a:ln w="19050">
+            <a:solidFill>
+              <a:srgbClr val="273272"/>
+            </a:solidFill>
+            <a:miter lim="800000"/>
+            <a:headEnd/>
+            <a:tailEnd/>
+          </a:ln>
+        </p:spPr>
+        <p:txBody>
+          <a:bodyPr>
+            <a:spAutoFit/>
+          </a:bodyPr>
+          <a:lstStyle/>
+          <a:p>
+            <a:pPr algn="ctr"/>
+            <a:r>
+              <a:rPr lang="en-US" altLang="en-US" sz="2200"/>
+              <a:t> </a:t>
+            </a:r>
+            <a:endParaRPr lang="en-AU" altLang="en-US" sz="2200"/>
+          </a:p>
+        </p:txBody>
+      </p:sp>
+      <p:sp>
+        <p:nvSpPr>
+          <p:cNvPr id="14" name="Text Box 8"/>
+          <p:cNvSpPr txBox="1">
+            <a:spLocks noChangeArrowheads="1"/>
+          </p:cNvSpPr>
+          <p:nvPr/>
+        </p:nvSpPr>
+        <p:spPr bwMode="auto">
+          <a:xfrm>
+            <a:off x="2461780" y="1214324"/>
+            <a:ext cx="290513" cy="430887"/>
+          </a:xfrm>
+          <a:prstGeom prst="rect">
+            <a:avLst/>
+          </a:prstGeom>
+          <a:solidFill>
+            <a:srgbClr val="F7B217"/>
+          </a:solidFill>
+          <a:ln w="19050">
+            <a:solidFill>
+              <a:srgbClr val="273272"/>
+            </a:solidFill>
+            <a:miter lim="800000"/>
+            <a:headEnd/>
+            <a:tailEnd/>
+          </a:ln>
+        </p:spPr>
+        <p:txBody>
+          <a:bodyPr wrap="square">
+            <a:spAutoFit/>
+          </a:bodyPr>
+          <a:lstStyle/>
+          <a:p>
+            <a:pPr algn="ctr"/>
+            <a:r>
+              <a:rPr lang="en-US" altLang="en-US" sz="2200"/>
+              <a:t> </a:t>
+            </a:r>
+            <a:endParaRPr lang="en-AU" altLang="en-US" sz="2200"/>
+          </a:p>
+        </p:txBody>
+      </p:sp>
+      <p:sp>
+        <p:nvSpPr>
+          <p:cNvPr id="15" name="Text Box 11"/>
+          <p:cNvSpPr txBox="1">
+            <a:spLocks noChangeArrowheads="1"/>
+          </p:cNvSpPr>
+          <p:nvPr/>
+        </p:nvSpPr>
+        <p:spPr bwMode="auto">
+          <a:xfrm>
+            <a:off x="2180628" y="1828686"/>
+            <a:ext cx="981359" cy="307135"/>
+          </a:xfrm>
+          <a:prstGeom prst="rect">
+            <a:avLst/>
+          </a:prstGeom>
+          <a:noFill/>
+          <a:ln w="9525">
+            <a:noFill/>
+            <a:miter lim="800000"/>
+            <a:headEnd/>
+            <a:tailEnd/>
+          </a:ln>
+        </p:spPr>
+        <p:txBody>
+          <a:bodyPr wrap="none">
+            <a:spAutoFit/>
+          </a:bodyPr>
+          <a:lstStyle/>
+          <a:p>
+            <a:pPr algn="ctr">
+              <a:lnSpc>
+                <a:spcPts val="1600"/>
+              </a:lnSpc>
+            </a:pPr>
+            <a:r>
+              <a:rPr lang="en-US" altLang="en-US" dirty="0">
+                <a:solidFill>
+                  <a:srgbClr val="273272"/>
+                </a:solidFill>
+              </a:rPr>
+              <a:t>imm[12]</a:t>
+            </a:r>
+            <a:endParaRPr lang="en-AU" altLang="en-US" dirty="0">
+              <a:solidFill>
+                <a:srgbClr val="273272"/>
+              </a:solidFill>
+            </a:endParaRPr>
+          </a:p>
+        </p:txBody>
+      </p:sp>
+      <p:cxnSp>
+        <p:nvCxnSpPr>
+          <p:cNvPr id="16" name="Straight Arrow Connector 2"/>
+          <p:cNvCxnSpPr>
+            <a:cxnSpLocks noChangeShapeType="1"/>
+          </p:cNvCxnSpPr>
+          <p:nvPr/>
+        </p:nvCxnSpPr>
+        <p:spPr bwMode="auto">
+          <a:xfrm flipV="1">
+            <a:off x="2601458" y="1487374"/>
+            <a:ext cx="0" cy="341312"/>
+          </a:xfrm>
+          <a:prstGeom prst="straightConnector1">
+            <a:avLst/>
+          </a:prstGeom>
+          <a:noFill/>
+          <a:ln w="25400" algn="ctr">
+            <a:solidFill>
+              <a:srgbClr val="273272"/>
+            </a:solidFill>
+            <a:round/>
+            <a:headEnd/>
+            <a:tailEnd type="triangle" w="med" len="med"/>
+          </a:ln>
+        </p:spPr>
+      </p:cxnSp>
+      <p:sp>
+        <p:nvSpPr>
+          <p:cNvPr id="17" name="Text Box 11"/>
+          <p:cNvSpPr txBox="1">
+            <a:spLocks noChangeArrowheads="1"/>
+          </p:cNvSpPr>
+          <p:nvPr/>
+        </p:nvSpPr>
+        <p:spPr bwMode="auto">
+          <a:xfrm>
+            <a:off x="8123049" y="1828686"/>
+            <a:ext cx="981359" cy="307135"/>
+          </a:xfrm>
+          <a:prstGeom prst="rect">
+            <a:avLst/>
+          </a:prstGeom>
+          <a:noFill/>
+          <a:ln w="9525">
+            <a:noFill/>
+            <a:miter lim="800000"/>
+            <a:headEnd/>
+            <a:tailEnd/>
+          </a:ln>
+        </p:spPr>
+        <p:txBody>
+          <a:bodyPr wrap="none">
+            <a:spAutoFit/>
+          </a:bodyPr>
+          <a:lstStyle/>
+          <a:p>
+            <a:pPr algn="ctr">
+              <a:lnSpc>
+                <a:spcPts val="1600"/>
+              </a:lnSpc>
+            </a:pPr>
+            <a:r>
+              <a:rPr lang="en-US" altLang="en-US" dirty="0">
+                <a:solidFill>
+                  <a:srgbClr val="273272"/>
+                </a:solidFill>
+              </a:rPr>
+              <a:t>imm[11]</a:t>
+            </a:r>
+            <a:endParaRPr lang="en-AU" altLang="en-US" dirty="0">
+              <a:solidFill>
+                <a:srgbClr val="273272"/>
+              </a:solidFill>
+            </a:endParaRPr>
+          </a:p>
+        </p:txBody>
+      </p:sp>
+      <p:cxnSp>
+        <p:nvCxnSpPr>
+          <p:cNvPr id="18" name="Straight Arrow Connector 33"/>
+          <p:cNvCxnSpPr>
+            <a:cxnSpLocks noChangeShapeType="1"/>
+            <a:stCxn id="17" idx="0"/>
+          </p:cNvCxnSpPr>
+          <p:nvPr/>
+        </p:nvCxnSpPr>
+        <p:spPr bwMode="auto">
+          <a:xfrm flipH="1" flipV="1">
+            <a:off x="8612934" y="1487374"/>
+            <a:ext cx="795" cy="341312"/>
+          </a:xfrm>
+          <a:prstGeom prst="straightConnector1">
+            <a:avLst/>
+          </a:prstGeom>
+          <a:noFill/>
+          <a:ln w="25400" algn="ctr">
+            <a:solidFill>
+              <a:srgbClr val="273272"/>
+            </a:solidFill>
+            <a:round/>
+            <a:headEnd/>
+            <a:tailEnd type="triangle" w="med" len="med"/>
+          </a:ln>
+        </p:spPr>
+      </p:cxnSp>
+      <p:sp>
+        <p:nvSpPr>
+          <p:cNvPr id="19" name="Text Box 5"/>
+          <p:cNvSpPr txBox="1">
+            <a:spLocks noChangeArrowheads="1"/>
+          </p:cNvSpPr>
+          <p:nvPr/>
+        </p:nvSpPr>
+        <p:spPr bwMode="auto">
+          <a:xfrm>
+            <a:off x="2782933" y="2494849"/>
+            <a:ext cx="1296987" cy="415925"/>
+          </a:xfrm>
+          <a:prstGeom prst="rect">
+            <a:avLst/>
+          </a:prstGeom>
+          <a:noFill/>
+          <a:ln w="19050">
+            <a:solidFill>
+              <a:schemeClr val="tx1"/>
+            </a:solidFill>
+            <a:miter lim="800000"/>
+            <a:headEnd/>
+            <a:tailEnd/>
+          </a:ln>
+        </p:spPr>
+        <p:txBody>
+          <a:bodyPr>
+            <a:spAutoFit/>
+          </a:bodyPr>
+          <a:lstStyle/>
+          <a:p>
+            <a:pPr algn="ctr"/>
+            <a:r>
+              <a:rPr lang="en-US" altLang="en-US"/>
+              <a:t> </a:t>
+            </a:r>
+            <a:endParaRPr lang="en-AU" altLang="en-US" sz="2000"/>
+          </a:p>
+        </p:txBody>
+      </p:sp>
+      <p:sp>
+        <p:nvSpPr>
+          <p:cNvPr id="20" name="Text Box 6"/>
+          <p:cNvSpPr txBox="1">
+            <a:spLocks noChangeArrowheads="1"/>
+          </p:cNvSpPr>
+          <p:nvPr/>
+        </p:nvSpPr>
+        <p:spPr bwMode="auto">
+          <a:xfrm>
+            <a:off x="4079920" y="2494849"/>
+            <a:ext cx="1079500" cy="415925"/>
+          </a:xfrm>
+          <a:prstGeom prst="rect">
+            <a:avLst/>
+          </a:prstGeom>
+          <a:noFill/>
+          <a:ln w="19050">
+            <a:solidFill>
+              <a:schemeClr val="tx1"/>
+            </a:solidFill>
+            <a:miter lim="800000"/>
+            <a:headEnd/>
+            <a:tailEnd/>
+          </a:ln>
+        </p:spPr>
+        <p:txBody>
+          <a:bodyPr>
+            <a:spAutoFit/>
+          </a:bodyPr>
+          <a:lstStyle/>
+          <a:p>
+            <a:pPr algn="ctr"/>
+            <a:r>
+              <a:rPr lang="en-US" altLang="en-US" sz="2000" dirty="0"/>
+              <a:t>rs2</a:t>
+            </a:r>
+            <a:endParaRPr lang="en-AU" altLang="en-US" sz="2000" dirty="0"/>
+          </a:p>
+        </p:txBody>
+      </p:sp>
+      <p:sp>
+        <p:nvSpPr>
+          <p:cNvPr id="21" name="Text Box 7"/>
+          <p:cNvSpPr txBox="1">
+            <a:spLocks noChangeArrowheads="1"/>
+          </p:cNvSpPr>
+          <p:nvPr/>
+        </p:nvSpPr>
+        <p:spPr bwMode="auto">
+          <a:xfrm>
+            <a:off x="5159420" y="2494849"/>
+            <a:ext cx="1079500" cy="415925"/>
+          </a:xfrm>
+          <a:prstGeom prst="rect">
+            <a:avLst/>
+          </a:prstGeom>
+          <a:noFill/>
+          <a:ln w="19050">
+            <a:solidFill>
+              <a:schemeClr val="tx1"/>
+            </a:solidFill>
+            <a:miter lim="800000"/>
+            <a:headEnd/>
+            <a:tailEnd/>
+          </a:ln>
+        </p:spPr>
+        <p:txBody>
+          <a:bodyPr>
+            <a:spAutoFit/>
+          </a:bodyPr>
+          <a:lstStyle/>
+          <a:p>
+            <a:pPr algn="ctr"/>
+            <a:r>
+              <a:rPr lang="en-US" altLang="en-US" sz="2000"/>
+              <a:t>rs1</a:t>
+            </a:r>
+            <a:endParaRPr lang="en-AU" altLang="en-US" sz="2000"/>
+          </a:p>
+        </p:txBody>
+      </p:sp>
+      <p:sp>
+        <p:nvSpPr>
+          <p:cNvPr id="22" name="Text Box 9"/>
+          <p:cNvSpPr txBox="1">
+            <a:spLocks noChangeArrowheads="1"/>
+          </p:cNvSpPr>
+          <p:nvPr/>
+        </p:nvSpPr>
+        <p:spPr bwMode="auto">
+          <a:xfrm>
+            <a:off x="6240508" y="2494849"/>
+            <a:ext cx="936625" cy="415925"/>
+          </a:xfrm>
+          <a:prstGeom prst="rect">
+            <a:avLst/>
+          </a:prstGeom>
+          <a:noFill/>
+          <a:ln w="19050">
+            <a:solidFill>
+              <a:schemeClr val="tx1"/>
+            </a:solidFill>
+            <a:miter lim="800000"/>
+            <a:headEnd/>
+            <a:tailEnd/>
+          </a:ln>
+        </p:spPr>
+        <p:txBody>
+          <a:bodyPr>
+            <a:spAutoFit/>
+          </a:bodyPr>
+          <a:lstStyle/>
+          <a:p>
+            <a:pPr algn="ctr"/>
+            <a:r>
+              <a:rPr lang="en-US" altLang="en-US" sz="2000"/>
+              <a:t>funct3</a:t>
+            </a:r>
+            <a:endParaRPr lang="en-AU" altLang="en-US" sz="2000"/>
+          </a:p>
+        </p:txBody>
+      </p:sp>
+      <p:sp>
+        <p:nvSpPr>
+          <p:cNvPr id="23" name="Text Box 10"/>
+          <p:cNvSpPr txBox="1">
+            <a:spLocks noChangeArrowheads="1"/>
+          </p:cNvSpPr>
+          <p:nvPr/>
+        </p:nvSpPr>
+        <p:spPr bwMode="auto">
+          <a:xfrm>
+            <a:off x="8258220" y="2494849"/>
+            <a:ext cx="1296988" cy="415925"/>
+          </a:xfrm>
+          <a:prstGeom prst="rect">
+            <a:avLst/>
+          </a:prstGeom>
+          <a:noFill/>
+          <a:ln w="19050">
+            <a:solidFill>
+              <a:schemeClr val="tx1"/>
+            </a:solidFill>
+            <a:miter lim="800000"/>
+            <a:headEnd/>
+            <a:tailEnd/>
+          </a:ln>
+        </p:spPr>
+        <p:txBody>
+          <a:bodyPr>
+            <a:spAutoFit/>
+          </a:bodyPr>
+          <a:lstStyle/>
+          <a:p>
+            <a:pPr algn="ctr"/>
+            <a:r>
+              <a:rPr lang="en-US" altLang="en-US" sz="2000"/>
+              <a:t>opcode</a:t>
+            </a:r>
+            <a:endParaRPr lang="en-AU" altLang="en-US" sz="2000"/>
+          </a:p>
+        </p:txBody>
+      </p:sp>
+      <p:sp>
+        <p:nvSpPr>
+          <p:cNvPr id="24" name="Text Box 15"/>
+          <p:cNvSpPr txBox="1">
+            <a:spLocks noChangeArrowheads="1"/>
+          </p:cNvSpPr>
+          <p:nvPr/>
+        </p:nvSpPr>
+        <p:spPr bwMode="auto">
+          <a:xfrm>
+            <a:off x="7318420" y="2431349"/>
+            <a:ext cx="531813" cy="501650"/>
+          </a:xfrm>
+          <a:prstGeom prst="rect">
+            <a:avLst/>
+          </a:prstGeom>
+          <a:noFill/>
+          <a:ln w="9525">
+            <a:noFill/>
+            <a:miter lim="800000"/>
+            <a:headEnd/>
+            <a:tailEnd/>
+          </a:ln>
+        </p:spPr>
+        <p:txBody>
+          <a:bodyPr wrap="none">
+            <a:spAutoFit/>
+          </a:bodyPr>
+          <a:lstStyle/>
+          <a:p>
+            <a:pPr algn="ctr">
+              <a:lnSpc>
+                <a:spcPts val="1600"/>
+              </a:lnSpc>
+            </a:pPr>
+            <a:r>
+              <a:rPr lang="en-US" altLang="en-US" sz="1400"/>
+              <a:t>imm</a:t>
+            </a:r>
+            <a:br>
+              <a:rPr lang="en-US" altLang="en-US" sz="1400"/>
+            </a:br>
+            <a:r>
+              <a:rPr lang="en-US" altLang="en-US" sz="1400"/>
+              <a:t>[4:1]</a:t>
+            </a:r>
+            <a:endParaRPr lang="en-AU" altLang="en-US" sz="1400"/>
+          </a:p>
+        </p:txBody>
+      </p:sp>
+      <p:sp>
+        <p:nvSpPr>
+          <p:cNvPr id="25" name="Text Box 8"/>
+          <p:cNvSpPr txBox="1">
+            <a:spLocks noChangeArrowheads="1"/>
+          </p:cNvSpPr>
+          <p:nvPr/>
+        </p:nvSpPr>
+        <p:spPr bwMode="auto">
+          <a:xfrm>
+            <a:off x="7967708" y="2494849"/>
+            <a:ext cx="290512" cy="415925"/>
+          </a:xfrm>
+          <a:prstGeom prst="rect">
+            <a:avLst/>
+          </a:prstGeom>
+          <a:noFill/>
+          <a:ln w="19050">
+            <a:solidFill>
+              <a:schemeClr val="tx1"/>
+            </a:solidFill>
+            <a:miter lim="800000"/>
+            <a:headEnd/>
+            <a:tailEnd/>
+          </a:ln>
+        </p:spPr>
+        <p:txBody>
+          <a:bodyPr>
+            <a:spAutoFit/>
+          </a:bodyPr>
+          <a:lstStyle/>
+          <a:p>
+            <a:pPr algn="ctr"/>
+            <a:r>
+              <a:rPr lang="en-US" altLang="en-US" sz="2000"/>
+              <a:t> </a:t>
+            </a:r>
+            <a:endParaRPr lang="en-AU" altLang="en-US" sz="2000"/>
+          </a:p>
+        </p:txBody>
+      </p:sp>
+      <p:sp>
+        <p:nvSpPr>
+          <p:cNvPr id="26" name="Text Box 8"/>
+          <p:cNvSpPr txBox="1">
+            <a:spLocks noChangeArrowheads="1"/>
+          </p:cNvSpPr>
+          <p:nvPr/>
+        </p:nvSpPr>
+        <p:spPr bwMode="auto">
+          <a:xfrm>
+            <a:off x="2492420" y="2494849"/>
+            <a:ext cx="290513" cy="415925"/>
+          </a:xfrm>
+          <a:prstGeom prst="rect">
+            <a:avLst/>
+          </a:prstGeom>
+          <a:noFill/>
+          <a:ln w="19050">
+            <a:solidFill>
+              <a:schemeClr val="tx1"/>
+            </a:solidFill>
+            <a:miter lim="800000"/>
+            <a:headEnd/>
+            <a:tailEnd/>
+          </a:ln>
+        </p:spPr>
+        <p:txBody>
+          <a:bodyPr>
+            <a:spAutoFit/>
+          </a:bodyPr>
+          <a:lstStyle/>
+          <a:p>
+            <a:pPr algn="ctr"/>
+            <a:r>
+              <a:rPr lang="en-US" altLang="en-US" sz="2000"/>
+              <a:t> </a:t>
+            </a:r>
+            <a:endParaRPr lang="en-AU" altLang="en-US" sz="2000"/>
+          </a:p>
+        </p:txBody>
+      </p:sp>
+      <p:sp>
+        <p:nvSpPr>
+          <p:cNvPr id="27" name="Text Box 8"/>
+          <p:cNvSpPr txBox="1">
+            <a:spLocks noChangeArrowheads="1"/>
+          </p:cNvSpPr>
+          <p:nvPr/>
+        </p:nvSpPr>
+        <p:spPr bwMode="auto">
+          <a:xfrm>
+            <a:off x="7166845" y="2494849"/>
+            <a:ext cx="788988" cy="415925"/>
+          </a:xfrm>
+          <a:prstGeom prst="rect">
+            <a:avLst/>
+          </a:prstGeom>
+          <a:noFill/>
+          <a:ln w="19050">
+            <a:solidFill>
+              <a:schemeClr val="tx1"/>
+            </a:solidFill>
+            <a:miter lim="800000"/>
+            <a:headEnd/>
+            <a:tailEnd/>
+          </a:ln>
+        </p:spPr>
+        <p:txBody>
+          <a:bodyPr>
+            <a:spAutoFit/>
+          </a:bodyPr>
+          <a:lstStyle/>
+          <a:p>
+            <a:pPr algn="ctr"/>
+            <a:r>
+              <a:rPr lang="en-US" altLang="en-US" sz="2000"/>
+              <a:t> </a:t>
+            </a:r>
+            <a:endParaRPr lang="en-AU" altLang="en-US" sz="2000"/>
           </a:p>
         </p:txBody>
       </p:sp>
@@ -4337,6 +5369,30 @@
       </p:grpSpPr>
       <p:sp>
         <p:nvSpPr>
+          <p:cNvPr id="2" name="Содержимое 1"/>
+          <p:cNvSpPr>
+            <a:spLocks noGrp="1"/>
+          </p:cNvSpPr>
+          <p:nvPr>
+            <p:ph idx="1"/>
+          </p:nvPr>
+        </p:nvSpPr>
+        <p:spPr>
+          <a:xfrm>
+            <a:off x="838200" y="2989943"/>
+            <a:ext cx="10515600" cy="3186006"/>
+          </a:xfrm>
+        </p:spPr>
+        <p:txBody>
+          <a:bodyPr/>
+          <a:lstStyle/>
+          <a:p>
+            <a:endParaRPr lang="ru-RU" dirty="0"/>
+          </a:p>
+        </p:txBody>
+      </p:sp>
+      <p:sp>
+        <p:nvSpPr>
           <p:cNvPr id="3" name="Номер слайда 2"/>
           <p:cNvSpPr>
             <a:spLocks noGrp="1"/>
@@ -4355,6 +5411,729 @@
               <a:rPr lang="ru-RU" smtClean="0"/>
               <a:pPr algn="ctr"/>
               <a:t>11</a:t>
+            </a:fld>
+            <a:endParaRPr lang="ru-RU" dirty="0"/>
+          </a:p>
+        </p:txBody>
+      </p:sp>
+      <p:sp>
+        <p:nvSpPr>
+          <p:cNvPr id="4" name="Заголовок 3"/>
+          <p:cNvSpPr>
+            <a:spLocks noGrp="1"/>
+          </p:cNvSpPr>
+          <p:nvPr>
+            <p:ph type="title"/>
+          </p:nvPr>
+        </p:nvSpPr>
+        <p:spPr/>
+        <p:txBody>
+          <a:bodyPr/>
+          <a:lstStyle/>
+          <a:p>
+            <a:r>
+              <a:rPr lang="en-US" altLang="en-US" dirty="0" smtClean="0"/>
+              <a:t>UJ-format Instructions</a:t>
+            </a:r>
+            <a:endParaRPr lang="ru-RU" dirty="0"/>
+          </a:p>
+        </p:txBody>
+      </p:sp>
+      <p:sp>
+        <p:nvSpPr>
+          <p:cNvPr id="5" name="Text Box 8"/>
+          <p:cNvSpPr txBox="1">
+            <a:spLocks noChangeArrowheads="1"/>
+          </p:cNvSpPr>
+          <p:nvPr/>
+        </p:nvSpPr>
+        <p:spPr bwMode="auto">
+          <a:xfrm>
+            <a:off x="7353268" y="1122170"/>
+            <a:ext cx="1079500" cy="415925"/>
+          </a:xfrm>
+          <a:prstGeom prst="rect">
+            <a:avLst/>
+          </a:prstGeom>
+          <a:noFill/>
+          <a:ln w="19050">
+            <a:solidFill>
+              <a:schemeClr val="tx1"/>
+            </a:solidFill>
+            <a:miter lim="800000"/>
+            <a:headEnd/>
+            <a:tailEnd/>
+          </a:ln>
+        </p:spPr>
+        <p:txBody>
+          <a:bodyPr>
+            <a:spAutoFit/>
+          </a:bodyPr>
+          <a:lstStyle/>
+          <a:p>
+            <a:pPr algn="ctr"/>
+            <a:r>
+              <a:rPr lang="en-US" altLang="en-US" sz="2000"/>
+              <a:t>rd</a:t>
+            </a:r>
+            <a:endParaRPr lang="en-AU" altLang="en-US" sz="2000"/>
+          </a:p>
+        </p:txBody>
+      </p:sp>
+      <p:sp>
+        <p:nvSpPr>
+          <p:cNvPr id="6" name="Text Box 10"/>
+          <p:cNvSpPr txBox="1">
+            <a:spLocks noChangeArrowheads="1"/>
+          </p:cNvSpPr>
+          <p:nvPr/>
+        </p:nvSpPr>
+        <p:spPr bwMode="auto">
+          <a:xfrm>
+            <a:off x="8432768" y="1122170"/>
+            <a:ext cx="1296988" cy="415925"/>
+          </a:xfrm>
+          <a:prstGeom prst="rect">
+            <a:avLst/>
+          </a:prstGeom>
+          <a:noFill/>
+          <a:ln w="19050">
+            <a:solidFill>
+              <a:schemeClr val="tx1"/>
+            </a:solidFill>
+            <a:miter lim="800000"/>
+            <a:headEnd/>
+            <a:tailEnd/>
+          </a:ln>
+        </p:spPr>
+        <p:txBody>
+          <a:bodyPr>
+            <a:spAutoFit/>
+          </a:bodyPr>
+          <a:lstStyle/>
+          <a:p>
+            <a:pPr algn="ctr"/>
+            <a:r>
+              <a:rPr lang="en-US" altLang="en-US" sz="2000"/>
+              <a:t>opcode</a:t>
+            </a:r>
+            <a:endParaRPr lang="en-AU" altLang="en-US" sz="2000"/>
+          </a:p>
+        </p:txBody>
+      </p:sp>
+      <p:sp>
+        <p:nvSpPr>
+          <p:cNvPr id="7" name="Text Box 12"/>
+          <p:cNvSpPr txBox="1">
+            <a:spLocks noChangeArrowheads="1"/>
+          </p:cNvSpPr>
+          <p:nvPr/>
+        </p:nvSpPr>
+        <p:spPr bwMode="auto">
+          <a:xfrm>
+            <a:off x="8720106" y="1565083"/>
+            <a:ext cx="674687" cy="338137"/>
+          </a:xfrm>
+          <a:prstGeom prst="rect">
+            <a:avLst/>
+          </a:prstGeom>
+          <a:noFill/>
+          <a:ln w="9525">
+            <a:noFill/>
+            <a:miter lim="800000"/>
+            <a:headEnd/>
+            <a:tailEnd/>
+          </a:ln>
+        </p:spPr>
+        <p:txBody>
+          <a:bodyPr wrap="none">
+            <a:spAutoFit/>
+          </a:bodyPr>
+          <a:lstStyle/>
+          <a:p>
+            <a:pPr algn="ctr"/>
+            <a:r>
+              <a:rPr lang="en-US" altLang="en-US" sz="1600"/>
+              <a:t>7 bits</a:t>
+            </a:r>
+            <a:endParaRPr lang="en-AU" altLang="en-US" sz="1600"/>
+          </a:p>
+        </p:txBody>
+      </p:sp>
+      <p:sp>
+        <p:nvSpPr>
+          <p:cNvPr id="8" name="Text Box 15"/>
+          <p:cNvSpPr txBox="1">
+            <a:spLocks noChangeArrowheads="1"/>
+          </p:cNvSpPr>
+          <p:nvPr/>
+        </p:nvSpPr>
+        <p:spPr bwMode="auto">
+          <a:xfrm>
+            <a:off x="7572343" y="1565083"/>
+            <a:ext cx="669925" cy="336550"/>
+          </a:xfrm>
+          <a:prstGeom prst="rect">
+            <a:avLst/>
+          </a:prstGeom>
+          <a:noFill/>
+          <a:ln w="9525">
+            <a:noFill/>
+            <a:miter lim="800000"/>
+            <a:headEnd/>
+            <a:tailEnd/>
+          </a:ln>
+        </p:spPr>
+        <p:txBody>
+          <a:bodyPr wrap="none">
+            <a:spAutoFit/>
+          </a:bodyPr>
+          <a:lstStyle/>
+          <a:p>
+            <a:pPr algn="ctr"/>
+            <a:r>
+              <a:rPr lang="en-US" altLang="en-US" sz="1600"/>
+              <a:t>5 bits</a:t>
+            </a:r>
+            <a:endParaRPr lang="en-AU" altLang="en-US" sz="1600"/>
+          </a:p>
+        </p:txBody>
+      </p:sp>
+      <p:sp>
+        <p:nvSpPr>
+          <p:cNvPr id="9" name="Text Box 8"/>
+          <p:cNvSpPr txBox="1">
+            <a:spLocks noChangeArrowheads="1"/>
+          </p:cNvSpPr>
+          <p:nvPr/>
+        </p:nvSpPr>
+        <p:spPr bwMode="auto">
+          <a:xfrm>
+            <a:off x="5570506" y="1122170"/>
+            <a:ext cx="290512" cy="415925"/>
+          </a:xfrm>
+          <a:prstGeom prst="rect">
+            <a:avLst/>
+          </a:prstGeom>
+          <a:noFill/>
+          <a:ln w="19050">
+            <a:solidFill>
+              <a:schemeClr val="tx1"/>
+            </a:solidFill>
+            <a:miter lim="800000"/>
+            <a:headEnd/>
+            <a:tailEnd/>
+          </a:ln>
+        </p:spPr>
+        <p:txBody>
+          <a:bodyPr>
+            <a:spAutoFit/>
+          </a:bodyPr>
+          <a:lstStyle/>
+          <a:p>
+            <a:pPr algn="ctr"/>
+            <a:r>
+              <a:rPr lang="en-US" altLang="en-US" sz="2000"/>
+              <a:t> </a:t>
+            </a:r>
+            <a:endParaRPr lang="en-AU" altLang="en-US" sz="2000"/>
+          </a:p>
+        </p:txBody>
+      </p:sp>
+      <p:sp>
+        <p:nvSpPr>
+          <p:cNvPr id="10" name="Text Box 11"/>
+          <p:cNvSpPr txBox="1">
+            <a:spLocks noChangeArrowheads="1"/>
+          </p:cNvSpPr>
+          <p:nvPr/>
+        </p:nvSpPr>
+        <p:spPr bwMode="auto">
+          <a:xfrm>
+            <a:off x="5311743" y="1736533"/>
+            <a:ext cx="808038" cy="298450"/>
+          </a:xfrm>
+          <a:prstGeom prst="rect">
+            <a:avLst/>
+          </a:prstGeom>
+          <a:noFill/>
+          <a:ln w="9525">
+            <a:noFill/>
+            <a:miter lim="800000"/>
+            <a:headEnd/>
+            <a:tailEnd/>
+          </a:ln>
+        </p:spPr>
+        <p:txBody>
+          <a:bodyPr wrap="none">
+            <a:spAutoFit/>
+          </a:bodyPr>
+          <a:lstStyle/>
+          <a:p>
+            <a:pPr algn="ctr">
+              <a:lnSpc>
+                <a:spcPts val="1600"/>
+              </a:lnSpc>
+            </a:pPr>
+            <a:r>
+              <a:rPr lang="en-US" altLang="en-US" sz="1400"/>
+              <a:t>imm[11]</a:t>
+            </a:r>
+            <a:endParaRPr lang="en-AU" altLang="en-US" sz="1400"/>
+          </a:p>
+        </p:txBody>
+      </p:sp>
+      <p:cxnSp>
+        <p:nvCxnSpPr>
+          <p:cNvPr id="11" name="Straight Arrow Connector 38"/>
+          <p:cNvCxnSpPr>
+            <a:cxnSpLocks noChangeShapeType="1"/>
+            <a:stCxn id="10" idx="0"/>
+          </p:cNvCxnSpPr>
+          <p:nvPr/>
+        </p:nvCxnSpPr>
+        <p:spPr bwMode="auto">
+          <a:xfrm flipV="1">
+            <a:off x="5716556" y="1396808"/>
+            <a:ext cx="0" cy="339725"/>
+          </a:xfrm>
+          <a:prstGeom prst="straightConnector1">
+            <a:avLst/>
+          </a:prstGeom>
+          <a:noFill/>
+          <a:ln w="9525" algn="ctr">
+            <a:solidFill>
+              <a:schemeClr val="tx1"/>
+            </a:solidFill>
+            <a:round/>
+            <a:headEnd/>
+            <a:tailEnd type="triangle" w="med" len="med"/>
+          </a:ln>
+        </p:spPr>
+      </p:cxnSp>
+      <p:sp>
+        <p:nvSpPr>
+          <p:cNvPr id="12" name="Text Box 8"/>
+          <p:cNvSpPr txBox="1">
+            <a:spLocks noChangeArrowheads="1"/>
+          </p:cNvSpPr>
+          <p:nvPr/>
+        </p:nvSpPr>
+        <p:spPr bwMode="auto">
+          <a:xfrm>
+            <a:off x="2733643" y="1122170"/>
+            <a:ext cx="290513" cy="415925"/>
+          </a:xfrm>
+          <a:prstGeom prst="rect">
+            <a:avLst/>
+          </a:prstGeom>
+          <a:noFill/>
+          <a:ln w="19050">
+            <a:solidFill>
+              <a:schemeClr val="tx1"/>
+            </a:solidFill>
+            <a:miter lim="800000"/>
+            <a:headEnd/>
+            <a:tailEnd/>
+          </a:ln>
+        </p:spPr>
+        <p:txBody>
+          <a:bodyPr>
+            <a:spAutoFit/>
+          </a:bodyPr>
+          <a:lstStyle/>
+          <a:p>
+            <a:pPr algn="ctr"/>
+            <a:r>
+              <a:rPr lang="en-US" altLang="en-US" sz="2000"/>
+              <a:t> </a:t>
+            </a:r>
+            <a:endParaRPr lang="en-AU" altLang="en-US" sz="2000"/>
+          </a:p>
+        </p:txBody>
+      </p:sp>
+      <p:sp>
+        <p:nvSpPr>
+          <p:cNvPr id="13" name="Text Box 11"/>
+          <p:cNvSpPr txBox="1">
+            <a:spLocks noChangeArrowheads="1"/>
+          </p:cNvSpPr>
+          <p:nvPr/>
+        </p:nvSpPr>
+        <p:spPr bwMode="auto">
+          <a:xfrm>
+            <a:off x="2463768" y="1736533"/>
+            <a:ext cx="822325" cy="298450"/>
+          </a:xfrm>
+          <a:prstGeom prst="rect">
+            <a:avLst/>
+          </a:prstGeom>
+          <a:noFill/>
+          <a:ln w="9525">
+            <a:noFill/>
+            <a:miter lim="800000"/>
+            <a:headEnd/>
+            <a:tailEnd/>
+          </a:ln>
+        </p:spPr>
+        <p:txBody>
+          <a:bodyPr wrap="none">
+            <a:spAutoFit/>
+          </a:bodyPr>
+          <a:lstStyle/>
+          <a:p>
+            <a:pPr algn="ctr">
+              <a:lnSpc>
+                <a:spcPts val="1600"/>
+              </a:lnSpc>
+            </a:pPr>
+            <a:r>
+              <a:rPr lang="en-US" altLang="en-US" sz="1400"/>
+              <a:t>imm[20]</a:t>
+            </a:r>
+            <a:endParaRPr lang="en-AU" altLang="en-US" sz="1400"/>
+          </a:p>
+        </p:txBody>
+      </p:sp>
+      <p:cxnSp>
+        <p:nvCxnSpPr>
+          <p:cNvPr id="14" name="Straight Arrow Connector 41"/>
+          <p:cNvCxnSpPr>
+            <a:cxnSpLocks noChangeShapeType="1"/>
+            <a:stCxn id="13" idx="0"/>
+          </p:cNvCxnSpPr>
+          <p:nvPr/>
+        </p:nvCxnSpPr>
+        <p:spPr bwMode="auto">
+          <a:xfrm flipV="1">
+            <a:off x="2874931" y="1396808"/>
+            <a:ext cx="0" cy="339725"/>
+          </a:xfrm>
+          <a:prstGeom prst="straightConnector1">
+            <a:avLst/>
+          </a:prstGeom>
+          <a:noFill/>
+          <a:ln w="9525" algn="ctr">
+            <a:solidFill>
+              <a:schemeClr val="tx1"/>
+            </a:solidFill>
+            <a:round/>
+            <a:headEnd/>
+            <a:tailEnd type="triangle" w="med" len="med"/>
+          </a:ln>
+        </p:spPr>
+      </p:cxnSp>
+      <p:sp>
+        <p:nvSpPr>
+          <p:cNvPr id="15" name="Text Box 8"/>
+          <p:cNvSpPr txBox="1">
+            <a:spLocks noChangeArrowheads="1"/>
+          </p:cNvSpPr>
+          <p:nvPr/>
+        </p:nvSpPr>
+        <p:spPr bwMode="auto">
+          <a:xfrm>
+            <a:off x="5861018" y="1122170"/>
+            <a:ext cx="1492250" cy="415925"/>
+          </a:xfrm>
+          <a:prstGeom prst="rect">
+            <a:avLst/>
+          </a:prstGeom>
+          <a:noFill/>
+          <a:ln w="19050">
+            <a:solidFill>
+              <a:schemeClr val="tx1"/>
+            </a:solidFill>
+            <a:miter lim="800000"/>
+            <a:headEnd/>
+            <a:tailEnd/>
+          </a:ln>
+        </p:spPr>
+        <p:txBody>
+          <a:bodyPr>
+            <a:spAutoFit/>
+          </a:bodyPr>
+          <a:lstStyle/>
+          <a:p>
+            <a:pPr algn="ctr"/>
+            <a:endParaRPr lang="en-AU" altLang="en-US" sz="2000"/>
+          </a:p>
+        </p:txBody>
+      </p:sp>
+      <p:sp>
+        <p:nvSpPr>
+          <p:cNvPr id="16" name="Text Box 8"/>
+          <p:cNvSpPr txBox="1">
+            <a:spLocks noChangeArrowheads="1"/>
+          </p:cNvSpPr>
+          <p:nvPr/>
+        </p:nvSpPr>
+        <p:spPr bwMode="auto">
+          <a:xfrm>
+            <a:off x="3024156" y="1122170"/>
+            <a:ext cx="2543175" cy="415925"/>
+          </a:xfrm>
+          <a:prstGeom prst="rect">
+            <a:avLst/>
+          </a:prstGeom>
+          <a:noFill/>
+          <a:ln w="19050">
+            <a:solidFill>
+              <a:schemeClr val="tx1"/>
+            </a:solidFill>
+            <a:miter lim="800000"/>
+            <a:headEnd/>
+            <a:tailEnd/>
+          </a:ln>
+        </p:spPr>
+        <p:txBody>
+          <a:bodyPr>
+            <a:spAutoFit/>
+          </a:bodyPr>
+          <a:lstStyle/>
+          <a:p>
+            <a:pPr algn="ctr"/>
+            <a:endParaRPr lang="en-AU" altLang="en-US" sz="2000"/>
+          </a:p>
+        </p:txBody>
+      </p:sp>
+      <p:sp>
+        <p:nvSpPr>
+          <p:cNvPr id="17" name="Text Box 11"/>
+          <p:cNvSpPr txBox="1">
+            <a:spLocks noChangeArrowheads="1"/>
+          </p:cNvSpPr>
+          <p:nvPr/>
+        </p:nvSpPr>
+        <p:spPr bwMode="auto">
+          <a:xfrm>
+            <a:off x="3633756" y="1226945"/>
+            <a:ext cx="1198562" cy="296863"/>
+          </a:xfrm>
+          <a:prstGeom prst="rect">
+            <a:avLst/>
+          </a:prstGeom>
+          <a:noFill/>
+          <a:ln w="9525">
+            <a:noFill/>
+            <a:miter lim="800000"/>
+            <a:headEnd/>
+            <a:tailEnd/>
+          </a:ln>
+        </p:spPr>
+        <p:txBody>
+          <a:bodyPr wrap="none">
+            <a:spAutoFit/>
+          </a:bodyPr>
+          <a:lstStyle/>
+          <a:p>
+            <a:pPr algn="ctr">
+              <a:lnSpc>
+                <a:spcPts val="1600"/>
+              </a:lnSpc>
+            </a:pPr>
+            <a:r>
+              <a:rPr lang="en-US" altLang="en-US"/>
+              <a:t>imm[10:1]</a:t>
+            </a:r>
+            <a:endParaRPr lang="en-AU" altLang="en-US"/>
+          </a:p>
+        </p:txBody>
+      </p:sp>
+      <p:sp>
+        <p:nvSpPr>
+          <p:cNvPr id="18" name="Text Box 11"/>
+          <p:cNvSpPr txBox="1">
+            <a:spLocks noChangeArrowheads="1"/>
+          </p:cNvSpPr>
+          <p:nvPr/>
+        </p:nvSpPr>
+        <p:spPr bwMode="auto">
+          <a:xfrm>
+            <a:off x="5910231" y="1226945"/>
+            <a:ext cx="1327150" cy="296863"/>
+          </a:xfrm>
+          <a:prstGeom prst="rect">
+            <a:avLst/>
+          </a:prstGeom>
+          <a:noFill/>
+          <a:ln w="9525">
+            <a:noFill/>
+            <a:miter lim="800000"/>
+            <a:headEnd/>
+            <a:tailEnd/>
+          </a:ln>
+        </p:spPr>
+        <p:txBody>
+          <a:bodyPr wrap="none">
+            <a:spAutoFit/>
+          </a:bodyPr>
+          <a:lstStyle/>
+          <a:p>
+            <a:pPr algn="ctr">
+              <a:lnSpc>
+                <a:spcPts val="1600"/>
+              </a:lnSpc>
+            </a:pPr>
+            <a:r>
+              <a:rPr lang="en-US" altLang="en-US"/>
+              <a:t>imm[19:12]</a:t>
+            </a:r>
+            <a:endParaRPr lang="en-AU" altLang="en-US"/>
+          </a:p>
+        </p:txBody>
+      </p:sp>
+    </p:spTree>
+  </p:cSld>
+  <p:clrMapOvr>
+    <a:masterClrMapping/>
+  </p:clrMapOvr>
+  <p:timing>
+    <p:tnLst>
+      <p:par>
+        <p:cTn id="1" dur="indefinite" restart="never" nodeType="tmRoot"/>
+      </p:par>
+    </p:tnLst>
+  </p:timing>
+</p:sld>
+</file>
+
+<file path=ppt/slides/slide12.xml><?xml version="1.0" encoding="utf-8"?>
+<p:sld xmlns:a="http://schemas.openxmlformats.org/drawingml/2006/main" xmlns:r="http://schemas.openxmlformats.org/officeDocument/2006/relationships" xmlns:p="http://schemas.openxmlformats.org/presentationml/2006/main">
+  <p:cSld>
+    <p:spTree>
+      <p:nvGrpSpPr>
+        <p:cNvPr id="1" name=""/>
+        <p:cNvGrpSpPr/>
+        <p:nvPr/>
+      </p:nvGrpSpPr>
+      <p:grpSpPr>
+        <a:xfrm>
+          <a:off x="0" y="0"/>
+          <a:ext cx="0" cy="0"/>
+          <a:chOff x="0" y="0"/>
+          <a:chExt cx="0" cy="0"/>
+        </a:xfrm>
+      </p:grpSpPr>
+      <p:sp>
+        <p:nvSpPr>
+          <p:cNvPr id="2" name="Содержимое 1"/>
+          <p:cNvSpPr>
+            <a:spLocks noGrp="1"/>
+          </p:cNvSpPr>
+          <p:nvPr>
+            <p:ph idx="1"/>
+          </p:nvPr>
+        </p:nvSpPr>
+        <p:spPr/>
+        <p:txBody>
+          <a:bodyPr/>
+          <a:lstStyle/>
+          <a:p>
+            <a:endParaRPr lang="ru-RU"/>
+          </a:p>
+        </p:txBody>
+      </p:sp>
+      <p:sp>
+        <p:nvSpPr>
+          <p:cNvPr id="3" name="Номер слайда 2"/>
+          <p:cNvSpPr>
+            <a:spLocks noGrp="1"/>
+          </p:cNvSpPr>
+          <p:nvPr>
+            <p:ph type="sldNum" sz="quarter" idx="12"/>
+          </p:nvPr>
+        </p:nvSpPr>
+        <p:spPr/>
+        <p:txBody>
+          <a:bodyPr/>
+          <a:lstStyle/>
+          <a:p>
+            <a:pPr algn="ctr"/>
+            <a:fld id="{1397BFD8-F312-4EF2-A268-44FB4BDDBBB0}" type="slidenum">
+              <a:rPr lang="ru-RU" smtClean="0"/>
+              <a:pPr algn="ctr"/>
+              <a:t>12</a:t>
+            </a:fld>
+            <a:endParaRPr lang="ru-RU" dirty="0"/>
+          </a:p>
+        </p:txBody>
+      </p:sp>
+      <p:sp>
+        <p:nvSpPr>
+          <p:cNvPr id="4" name="Заголовок 3"/>
+          <p:cNvSpPr>
+            <a:spLocks noGrp="1"/>
+          </p:cNvSpPr>
+          <p:nvPr>
+            <p:ph type="title"/>
+          </p:nvPr>
+        </p:nvSpPr>
+        <p:spPr/>
+        <p:txBody>
+          <a:bodyPr/>
+          <a:lstStyle/>
+          <a:p>
+            <a:r>
+              <a:rPr lang="en-US" altLang="en-US" dirty="0" smtClean="0"/>
+              <a:t>U-format Instructions</a:t>
+            </a:r>
+            <a:endParaRPr lang="ru-RU" dirty="0"/>
+          </a:p>
+        </p:txBody>
+      </p:sp>
+    </p:spTree>
+  </p:cSld>
+  <p:clrMapOvr>
+    <a:masterClrMapping/>
+  </p:clrMapOvr>
+  <p:timing>
+    <p:tnLst>
+      <p:par>
+        <p:cTn id="1" dur="indefinite" restart="never" nodeType="tmRoot"/>
+      </p:par>
+    </p:tnLst>
+  </p:timing>
+</p:sld>
+</file>
+
+<file path=ppt/slides/slide13.xml><?xml version="1.0" encoding="utf-8"?>
+<p:sld xmlns:a="http://schemas.openxmlformats.org/drawingml/2006/main" xmlns:r="http://schemas.openxmlformats.org/officeDocument/2006/relationships" xmlns:p="http://schemas.openxmlformats.org/presentationml/2006/main">
+  <p:cSld>
+    <p:spTree>
+      <p:nvGrpSpPr>
+        <p:cNvPr id="1" name=""/>
+        <p:cNvGrpSpPr/>
+        <p:nvPr/>
+      </p:nvGrpSpPr>
+      <p:grpSpPr>
+        <a:xfrm>
+          <a:off x="0" y="0"/>
+          <a:ext cx="0" cy="0"/>
+          <a:chOff x="0" y="0"/>
+          <a:chExt cx="0" cy="0"/>
+        </a:xfrm>
+      </p:grpSpPr>
+      <p:sp>
+        <p:nvSpPr>
+          <p:cNvPr id="3" name="Номер слайда 2"/>
+          <p:cNvSpPr>
+            <a:spLocks noGrp="1"/>
+          </p:cNvSpPr>
+          <p:nvPr>
+            <p:ph type="sldNum" sz="quarter" idx="12"/>
+          </p:nvPr>
+        </p:nvSpPr>
+        <p:spPr/>
+        <p:txBody>
+          <a:bodyPr/>
+          <a:lstStyle/>
+          <a:p>
+            <a:pPr algn="ctr"/>
+            <a:fld id="{1397BFD8-F312-4EF2-A268-44FB4BDDBBB0}" type="slidenum">
+              <a:rPr lang="ru-RU" smtClean="0"/>
+              <a:pPr algn="ctr"/>
+              <a:t>13</a:t>
             </a:fld>
             <a:endParaRPr lang="ru-RU" dirty="0"/>
           </a:p>
@@ -4430,7 +6209,7 @@
 </p:sld>
 </file>
 
-<file path=ppt/slides/slide12.xml><?xml version="1.0" encoding="utf-8"?>
+<file path=ppt/slides/slide14.xml><?xml version="1.0" encoding="utf-8"?>
 <p:sld xmlns:a="http://schemas.openxmlformats.org/drawingml/2006/main" xmlns:r="http://schemas.openxmlformats.org/officeDocument/2006/relationships" xmlns:p="http://schemas.openxmlformats.org/presentationml/2006/main">
   <p:cSld>
     <p:spTree>
@@ -4466,7 +6245,7 @@
             <a:fld id="{1397BFD8-F312-4EF2-A268-44FB4BDDBBB0}" type="slidenum">
               <a:rPr lang="ru-RU" smtClean="0"/>
               <a:pPr algn="ctr"/>
-              <a:t>12</a:t>
+              <a:t>14</a:t>
             </a:fld>
             <a:endParaRPr lang="ru-RU" dirty="0"/>
           </a:p>
@@ -4544,7 +6323,7 @@
 </p:sld>
 </file>
 
-<file path=ppt/slides/slide13.xml><?xml version="1.0" encoding="utf-8"?>
+<file path=ppt/slides/slide15.xml><?xml version="1.0" encoding="utf-8"?>
 <p:sld xmlns:a="http://schemas.openxmlformats.org/drawingml/2006/main" xmlns:r="http://schemas.openxmlformats.org/officeDocument/2006/relationships" xmlns:p="http://schemas.openxmlformats.org/presentationml/2006/main">
   <p:cSld>
     <p:spTree>
@@ -5043,7 +6822,7 @@
             <a:fld id="{1397BFD8-F312-4EF2-A268-44FB4BDDBBB0}" type="slidenum">
               <a:rPr lang="ru-RU" smtClean="0"/>
               <a:pPr algn="ctr"/>
-              <a:t>13</a:t>
+              <a:t>15</a:t>
             </a:fld>
             <a:endParaRPr lang="ru-RU" dirty="0"/>
           </a:p>
@@ -5052,7 +6831,7 @@
     </p:spTree>
     <p:extLst>
       <p:ext uri="{BB962C8B-B14F-4D97-AF65-F5344CB8AC3E}">
-        <p14:creationId xmlns:p14="http://schemas.microsoft.com/office/powerpoint/2010/main" xmlns="" val="4217875043"/>
+        <p14:creationId xmlns="" xmlns:p14="http://schemas.microsoft.com/office/powerpoint/2010/main" val="4217875043"/>
       </p:ext>
     </p:extLst>
   </p:cSld>
@@ -5070,6 +6849,774 @@
 </file>
 
 <file path=ppt/slides/slide2.xml><?xml version="1.0" encoding="utf-8"?>
+<p:sld xmlns:a="http://schemas.openxmlformats.org/drawingml/2006/main" xmlns:r="http://schemas.openxmlformats.org/officeDocument/2006/relationships" xmlns:p="http://schemas.openxmlformats.org/presentationml/2006/main">
+  <p:cSld>
+    <p:spTree>
+      <p:nvGrpSpPr>
+        <p:cNvPr id="1" name=""/>
+        <p:cNvGrpSpPr/>
+        <p:nvPr/>
+      </p:nvGrpSpPr>
+      <p:grpSpPr>
+        <a:xfrm>
+          <a:off x="0" y="0"/>
+          <a:ext cx="0" cy="0"/>
+          <a:chOff x="0" y="0"/>
+          <a:chExt cx="0" cy="0"/>
+        </a:xfrm>
+      </p:grpSpPr>
+      <p:sp>
+        <p:nvSpPr>
+          <p:cNvPr id="2" name="Содержимое 1"/>
+          <p:cNvSpPr>
+            <a:spLocks noGrp="1"/>
+          </p:cNvSpPr>
+          <p:nvPr>
+            <p:ph idx="1"/>
+          </p:nvPr>
+        </p:nvSpPr>
+        <p:spPr/>
+        <p:txBody>
+          <a:bodyPr/>
+          <a:lstStyle/>
+          <a:p>
+            <a:endParaRPr lang="ru-RU" dirty="0"/>
+          </a:p>
+        </p:txBody>
+      </p:sp>
+      <p:sp>
+        <p:nvSpPr>
+          <p:cNvPr id="3" name="Номер слайда 2"/>
+          <p:cNvSpPr>
+            <a:spLocks noGrp="1"/>
+          </p:cNvSpPr>
+          <p:nvPr>
+            <p:ph type="sldNum" sz="quarter" idx="12"/>
+          </p:nvPr>
+        </p:nvSpPr>
+        <p:spPr/>
+        <p:txBody>
+          <a:bodyPr/>
+          <a:lstStyle/>
+          <a:p>
+            <a:pPr algn="ctr"/>
+            <a:fld id="{1397BFD8-F312-4EF2-A268-44FB4BDDBBB0}" type="slidenum">
+              <a:rPr lang="ru-RU" smtClean="0"/>
+              <a:pPr algn="ctr"/>
+              <a:t>2</a:t>
+            </a:fld>
+            <a:endParaRPr lang="ru-RU" dirty="0"/>
+          </a:p>
+        </p:txBody>
+      </p:sp>
+      <p:sp>
+        <p:nvSpPr>
+          <p:cNvPr id="4" name="Заголовок 3"/>
+          <p:cNvSpPr>
+            <a:spLocks noGrp="1"/>
+          </p:cNvSpPr>
+          <p:nvPr>
+            <p:ph type="title"/>
+          </p:nvPr>
+        </p:nvSpPr>
+        <p:spPr/>
+        <p:txBody>
+          <a:bodyPr/>
+          <a:lstStyle/>
+          <a:p>
+            <a:r>
+              <a:rPr lang="en-US" dirty="0" smtClean="0"/>
+              <a:t>Stored Program Concept</a:t>
+            </a:r>
+            <a:endParaRPr lang="ru-RU" dirty="0"/>
+          </a:p>
+        </p:txBody>
+      </p:sp>
+    </p:spTree>
+  </p:cSld>
+  <p:clrMapOvr>
+    <a:masterClrMapping/>
+  </p:clrMapOvr>
+</p:sld>
+</file>
+
+<file path=ppt/slides/slide3.xml><?xml version="1.0" encoding="utf-8"?>
+<p:sld xmlns:a="http://schemas.openxmlformats.org/drawingml/2006/main" xmlns:r="http://schemas.openxmlformats.org/officeDocument/2006/relationships" xmlns:p="http://schemas.openxmlformats.org/presentationml/2006/main">
+  <p:cSld>
+    <p:spTree>
+      <p:nvGrpSpPr>
+        <p:cNvPr id="1" name=""/>
+        <p:cNvGrpSpPr/>
+        <p:nvPr/>
+      </p:nvGrpSpPr>
+      <p:grpSpPr>
+        <a:xfrm>
+          <a:off x="0" y="0"/>
+          <a:ext cx="0" cy="0"/>
+          <a:chOff x="0" y="0"/>
+          <a:chExt cx="0" cy="0"/>
+        </a:xfrm>
+      </p:grpSpPr>
+      <p:sp>
+        <p:nvSpPr>
+          <p:cNvPr id="2" name="Содержимое 1"/>
+          <p:cNvSpPr>
+            <a:spLocks noGrp="1"/>
+          </p:cNvSpPr>
+          <p:nvPr>
+            <p:ph idx="1"/>
+          </p:nvPr>
+        </p:nvSpPr>
+        <p:spPr>
+          <a:xfrm>
+            <a:off x="838201" y="1178052"/>
+            <a:ext cx="5111337" cy="5400877"/>
+          </a:xfrm>
+        </p:spPr>
+        <p:txBody>
+          <a:bodyPr>
+            <a:normAutofit/>
+          </a:bodyPr>
+          <a:lstStyle/>
+          <a:p>
+            <a:r>
+              <a:rPr lang="en-US" altLang="en-US" dirty="0" smtClean="0"/>
+              <a:t>Text: program code</a:t>
+            </a:r>
+          </a:p>
+          <a:p>
+            <a:r>
+              <a:rPr lang="en-US" altLang="en-US" dirty="0" smtClean="0"/>
+              <a:t>Static data: global variables</a:t>
+            </a:r>
+          </a:p>
+          <a:p>
+            <a:pPr lvl="1"/>
+            <a:r>
+              <a:rPr lang="en-US" altLang="en-US" dirty="0" smtClean="0"/>
+              <a:t>E.g</a:t>
+            </a:r>
+            <a:r>
+              <a:rPr lang="en-US" altLang="en-US" dirty="0" smtClean="0"/>
+              <a:t>., static variables in C, constant arrays and strings</a:t>
+            </a:r>
+          </a:p>
+          <a:p>
+            <a:r>
+              <a:rPr lang="en-US" altLang="en-US" dirty="0" smtClean="0"/>
+              <a:t>Dynamic </a:t>
+            </a:r>
+            <a:r>
+              <a:rPr lang="en-US" altLang="en-US" dirty="0" smtClean="0"/>
+              <a:t>data: heap</a:t>
+            </a:r>
+          </a:p>
+          <a:p>
+            <a:pPr lvl="1"/>
+            <a:r>
+              <a:rPr lang="en-US" altLang="en-US" dirty="0" smtClean="0"/>
+              <a:t>E.g</a:t>
+            </a:r>
+            <a:r>
+              <a:rPr lang="en-US" altLang="en-US" dirty="0" smtClean="0"/>
+              <a:t>., </a:t>
+            </a:r>
+            <a:r>
+              <a:rPr lang="en-US" altLang="en-US" dirty="0" err="1" smtClean="0"/>
+              <a:t>malloc</a:t>
+            </a:r>
+            <a:r>
+              <a:rPr lang="en-US" altLang="en-US" dirty="0" smtClean="0"/>
+              <a:t> in C, new in Java</a:t>
+            </a:r>
+          </a:p>
+          <a:p>
+            <a:r>
+              <a:rPr lang="en-US" altLang="en-US" dirty="0" smtClean="0"/>
+              <a:t>Stack: automatic </a:t>
+            </a:r>
+            <a:r>
+              <a:rPr lang="en-US" altLang="en-US" dirty="0" smtClean="0"/>
+              <a:t>storage</a:t>
+            </a:r>
+            <a:endParaRPr lang="ru-RU" dirty="0"/>
+          </a:p>
+        </p:txBody>
+      </p:sp>
+      <p:sp>
+        <p:nvSpPr>
+          <p:cNvPr id="3" name="Номер слайда 2"/>
+          <p:cNvSpPr>
+            <a:spLocks noGrp="1"/>
+          </p:cNvSpPr>
+          <p:nvPr>
+            <p:ph type="sldNum" sz="quarter" idx="12"/>
+          </p:nvPr>
+        </p:nvSpPr>
+        <p:spPr/>
+        <p:txBody>
+          <a:bodyPr/>
+          <a:lstStyle/>
+          <a:p>
+            <a:pPr algn="ctr"/>
+            <a:fld id="{1397BFD8-F312-4EF2-A268-44FB4BDDBBB0}" type="slidenum">
+              <a:rPr lang="ru-RU" smtClean="0"/>
+              <a:pPr algn="ctr"/>
+              <a:t>3</a:t>
+            </a:fld>
+            <a:endParaRPr lang="ru-RU" dirty="0"/>
+          </a:p>
+        </p:txBody>
+      </p:sp>
+      <p:sp>
+        <p:nvSpPr>
+          <p:cNvPr id="4" name="Заголовок 3"/>
+          <p:cNvSpPr>
+            <a:spLocks noGrp="1"/>
+          </p:cNvSpPr>
+          <p:nvPr>
+            <p:ph type="title"/>
+          </p:nvPr>
+        </p:nvSpPr>
+        <p:spPr/>
+        <p:txBody>
+          <a:bodyPr/>
+          <a:lstStyle/>
+          <a:p>
+            <a:r>
+              <a:rPr lang="en-US" dirty="0" smtClean="0"/>
+              <a:t>Memory Layout</a:t>
+            </a:r>
+            <a:endParaRPr lang="ru-RU" dirty="0"/>
+          </a:p>
+        </p:txBody>
+      </p:sp>
+      <p:sp>
+        <p:nvSpPr>
+          <p:cNvPr id="6" name="Прямоугольник 5"/>
+          <p:cNvSpPr/>
+          <p:nvPr/>
+        </p:nvSpPr>
+        <p:spPr>
+          <a:xfrm>
+            <a:off x="9015700" y="1211282"/>
+            <a:ext cx="2305049" cy="2199828"/>
+          </a:xfrm>
+          <a:prstGeom prst="rect">
+            <a:avLst/>
+          </a:prstGeom>
+          <a:solidFill>
+            <a:srgbClr val="F7B217"/>
+          </a:solidFill>
+          <a:ln w="25400">
+            <a:solidFill>
+              <a:srgbClr val="273272"/>
+            </a:solidFill>
+          </a:ln>
+        </p:spPr>
+        <p:style>
+          <a:lnRef idx="2">
+            <a:schemeClr val="accent1">
+              <a:shade val="50000"/>
+            </a:schemeClr>
+          </a:lnRef>
+          <a:fillRef idx="1">
+            <a:schemeClr val="accent1"/>
+          </a:fillRef>
+          <a:effectRef idx="0">
+            <a:schemeClr val="accent1"/>
+          </a:effectRef>
+          <a:fontRef idx="minor">
+            <a:schemeClr val="lt1"/>
+          </a:fontRef>
+        </p:style>
+        <p:txBody>
+          <a:bodyPr rtlCol="0" anchor="ctr"/>
+          <a:lstStyle/>
+          <a:p>
+            <a:pPr algn="ctr"/>
+            <a:r>
+              <a:rPr lang="en-US" sz="2800" dirty="0" smtClean="0">
+                <a:solidFill>
+                  <a:srgbClr val="273272"/>
+                </a:solidFill>
+              </a:rPr>
+              <a:t>Stack</a:t>
+            </a:r>
+          </a:p>
+          <a:p>
+            <a:pPr algn="ctr"/>
+            <a:endParaRPr lang="en-US" sz="3600" dirty="0" smtClean="0">
+              <a:solidFill>
+                <a:srgbClr val="273272"/>
+              </a:solidFill>
+            </a:endParaRPr>
+          </a:p>
+          <a:p>
+            <a:pPr algn="ctr"/>
+            <a:endParaRPr lang="en-US" sz="3600" dirty="0" smtClean="0">
+              <a:solidFill>
+                <a:srgbClr val="273272"/>
+              </a:solidFill>
+            </a:endParaRPr>
+          </a:p>
+          <a:p>
+            <a:pPr algn="ctr"/>
+            <a:r>
+              <a:rPr lang="en-US" sz="2800" dirty="0" smtClean="0">
+                <a:solidFill>
+                  <a:srgbClr val="273272"/>
+                </a:solidFill>
+              </a:rPr>
+              <a:t>Dynamic Data</a:t>
+            </a:r>
+            <a:endParaRPr lang="ru-RU" sz="2800" dirty="0">
+              <a:solidFill>
+                <a:srgbClr val="273272"/>
+              </a:solidFill>
+            </a:endParaRPr>
+          </a:p>
+        </p:txBody>
+      </p:sp>
+      <p:sp>
+        <p:nvSpPr>
+          <p:cNvPr id="7" name="Прямоугольник 6"/>
+          <p:cNvSpPr/>
+          <p:nvPr/>
+        </p:nvSpPr>
+        <p:spPr>
+          <a:xfrm>
+            <a:off x="9015247" y="3401546"/>
+            <a:ext cx="2305503" cy="970429"/>
+          </a:xfrm>
+          <a:prstGeom prst="rect">
+            <a:avLst/>
+          </a:prstGeom>
+          <a:solidFill>
+            <a:srgbClr val="F7B217"/>
+          </a:solidFill>
+          <a:ln w="25400">
+            <a:solidFill>
+              <a:srgbClr val="273272"/>
+            </a:solidFill>
+          </a:ln>
+        </p:spPr>
+        <p:style>
+          <a:lnRef idx="2">
+            <a:schemeClr val="accent1">
+              <a:shade val="50000"/>
+            </a:schemeClr>
+          </a:lnRef>
+          <a:fillRef idx="1">
+            <a:schemeClr val="accent1"/>
+          </a:fillRef>
+          <a:effectRef idx="0">
+            <a:schemeClr val="accent1"/>
+          </a:effectRef>
+          <a:fontRef idx="minor">
+            <a:schemeClr val="lt1"/>
+          </a:fontRef>
+        </p:style>
+        <p:txBody>
+          <a:bodyPr rtlCol="0" anchor="ctr"/>
+          <a:lstStyle/>
+          <a:p>
+            <a:pPr algn="ctr"/>
+            <a:r>
+              <a:rPr lang="en-US" sz="2800" dirty="0" smtClean="0">
+                <a:solidFill>
+                  <a:srgbClr val="273272"/>
+                </a:solidFill>
+              </a:rPr>
+              <a:t>Static Data</a:t>
+            </a:r>
+            <a:endParaRPr lang="ru-RU" sz="2800" dirty="0">
+              <a:solidFill>
+                <a:srgbClr val="273272"/>
+              </a:solidFill>
+            </a:endParaRPr>
+          </a:p>
+        </p:txBody>
+      </p:sp>
+      <p:sp>
+        <p:nvSpPr>
+          <p:cNvPr id="8" name="Прямоугольник 7"/>
+          <p:cNvSpPr/>
+          <p:nvPr/>
+        </p:nvSpPr>
+        <p:spPr>
+          <a:xfrm>
+            <a:off x="9012982" y="4358245"/>
+            <a:ext cx="2307768" cy="961888"/>
+          </a:xfrm>
+          <a:prstGeom prst="rect">
+            <a:avLst/>
+          </a:prstGeom>
+          <a:solidFill>
+            <a:srgbClr val="F7B217"/>
+          </a:solidFill>
+          <a:ln w="25400">
+            <a:solidFill>
+              <a:srgbClr val="273272"/>
+            </a:solidFill>
+          </a:ln>
+        </p:spPr>
+        <p:style>
+          <a:lnRef idx="2">
+            <a:schemeClr val="accent1">
+              <a:shade val="50000"/>
+            </a:schemeClr>
+          </a:lnRef>
+          <a:fillRef idx="1">
+            <a:schemeClr val="accent1"/>
+          </a:fillRef>
+          <a:effectRef idx="0">
+            <a:schemeClr val="accent1"/>
+          </a:effectRef>
+          <a:fontRef idx="minor">
+            <a:schemeClr val="lt1"/>
+          </a:fontRef>
+        </p:style>
+        <p:txBody>
+          <a:bodyPr rtlCol="0" anchor="ctr"/>
+          <a:lstStyle/>
+          <a:p>
+            <a:pPr algn="ctr"/>
+            <a:r>
+              <a:rPr lang="en-US" sz="2800" dirty="0" smtClean="0">
+                <a:solidFill>
+                  <a:srgbClr val="273272"/>
+                </a:solidFill>
+              </a:rPr>
+              <a:t>Text</a:t>
+            </a:r>
+            <a:endParaRPr lang="ru-RU" sz="2800" dirty="0">
+              <a:solidFill>
+                <a:srgbClr val="273272"/>
+              </a:solidFill>
+            </a:endParaRPr>
+          </a:p>
+        </p:txBody>
+      </p:sp>
+      <p:sp>
+        <p:nvSpPr>
+          <p:cNvPr id="9" name="Прямоугольник 8"/>
+          <p:cNvSpPr/>
+          <p:nvPr/>
+        </p:nvSpPr>
+        <p:spPr>
+          <a:xfrm>
+            <a:off x="9012982" y="5319675"/>
+            <a:ext cx="2307768" cy="785600"/>
+          </a:xfrm>
+          <a:prstGeom prst="rect">
+            <a:avLst/>
+          </a:prstGeom>
+          <a:solidFill>
+            <a:schemeClr val="bg1">
+              <a:lumMod val="75000"/>
+            </a:schemeClr>
+          </a:solidFill>
+          <a:ln w="25400">
+            <a:solidFill>
+              <a:srgbClr val="273272"/>
+            </a:solidFill>
+          </a:ln>
+        </p:spPr>
+        <p:style>
+          <a:lnRef idx="2">
+            <a:schemeClr val="accent1">
+              <a:shade val="50000"/>
+            </a:schemeClr>
+          </a:lnRef>
+          <a:fillRef idx="1">
+            <a:schemeClr val="accent1"/>
+          </a:fillRef>
+          <a:effectRef idx="0">
+            <a:schemeClr val="accent1"/>
+          </a:effectRef>
+          <a:fontRef idx="minor">
+            <a:schemeClr val="lt1"/>
+          </a:fontRef>
+        </p:style>
+        <p:txBody>
+          <a:bodyPr rtlCol="0" anchor="ctr"/>
+          <a:lstStyle/>
+          <a:p>
+            <a:pPr algn="ctr"/>
+            <a:r>
+              <a:rPr lang="en-US" sz="2800" dirty="0" smtClean="0">
+                <a:solidFill>
+                  <a:srgbClr val="273272"/>
+                </a:solidFill>
+              </a:rPr>
+              <a:t>Reserved</a:t>
+            </a:r>
+            <a:endParaRPr lang="ru-RU" sz="2800" dirty="0">
+              <a:solidFill>
+                <a:srgbClr val="273272"/>
+              </a:solidFill>
+            </a:endParaRPr>
+          </a:p>
+        </p:txBody>
+      </p:sp>
+      <p:sp>
+        <p:nvSpPr>
+          <p:cNvPr id="10" name="Стрелка вниз 9"/>
+          <p:cNvSpPr/>
+          <p:nvPr/>
+        </p:nvSpPr>
+        <p:spPr>
+          <a:xfrm>
+            <a:off x="10046527" y="1772076"/>
+            <a:ext cx="225631" cy="237506"/>
+          </a:xfrm>
+          <a:prstGeom prst="downArrow">
+            <a:avLst/>
+          </a:prstGeom>
+          <a:solidFill>
+            <a:srgbClr val="273272"/>
+          </a:solidFill>
+          <a:ln>
+            <a:solidFill>
+              <a:srgbClr val="273272"/>
+            </a:solidFill>
+          </a:ln>
+        </p:spPr>
+        <p:style>
+          <a:lnRef idx="2">
+            <a:schemeClr val="accent1">
+              <a:shade val="50000"/>
+            </a:schemeClr>
+          </a:lnRef>
+          <a:fillRef idx="1">
+            <a:schemeClr val="accent1"/>
+          </a:fillRef>
+          <a:effectRef idx="0">
+            <a:schemeClr val="accent1"/>
+          </a:effectRef>
+          <a:fontRef idx="minor">
+            <a:schemeClr val="lt1"/>
+          </a:fontRef>
+        </p:style>
+        <p:txBody>
+          <a:bodyPr rtlCol="0" anchor="ctr"/>
+          <a:lstStyle/>
+          <a:p>
+            <a:pPr algn="ctr"/>
+            <a:endParaRPr lang="ru-RU"/>
+          </a:p>
+        </p:txBody>
+      </p:sp>
+      <p:sp>
+        <p:nvSpPr>
+          <p:cNvPr id="12" name="Стрелка вверх 11"/>
+          <p:cNvSpPr/>
+          <p:nvPr/>
+        </p:nvSpPr>
+        <p:spPr>
+          <a:xfrm>
+            <a:off x="10058401" y="2607292"/>
+            <a:ext cx="225631" cy="237506"/>
+          </a:xfrm>
+          <a:prstGeom prst="upArrow">
+            <a:avLst/>
+          </a:prstGeom>
+          <a:solidFill>
+            <a:srgbClr val="273272"/>
+          </a:solidFill>
+          <a:ln>
+            <a:solidFill>
+              <a:srgbClr val="273272"/>
+            </a:solidFill>
+          </a:ln>
+        </p:spPr>
+        <p:style>
+          <a:lnRef idx="2">
+            <a:schemeClr val="accent1">
+              <a:shade val="50000"/>
+            </a:schemeClr>
+          </a:lnRef>
+          <a:fillRef idx="1">
+            <a:schemeClr val="accent1"/>
+          </a:fillRef>
+          <a:effectRef idx="0">
+            <a:schemeClr val="accent1"/>
+          </a:effectRef>
+          <a:fontRef idx="minor">
+            <a:schemeClr val="lt1"/>
+          </a:fontRef>
+        </p:style>
+        <p:txBody>
+          <a:bodyPr rtlCol="0" anchor="ctr"/>
+          <a:lstStyle/>
+          <a:p>
+            <a:pPr algn="ctr"/>
+            <a:endParaRPr lang="ru-RU"/>
+          </a:p>
+        </p:txBody>
+      </p:sp>
+      <p:sp>
+        <p:nvSpPr>
+          <p:cNvPr id="13" name="TextBox 12"/>
+          <p:cNvSpPr txBox="1"/>
+          <p:nvPr/>
+        </p:nvSpPr>
+        <p:spPr>
+          <a:xfrm>
+            <a:off x="5528627" y="5023247"/>
+            <a:ext cx="3550724" cy="558141"/>
+          </a:xfrm>
+          <a:prstGeom prst="rect">
+            <a:avLst/>
+          </a:prstGeom>
+          <a:noFill/>
+        </p:spPr>
+        <p:txBody>
+          <a:bodyPr wrap="square" lIns="72000" tIns="25200" rIns="0" bIns="25200" rtlCol="0" anchor="ctr" anchorCtr="0">
+            <a:normAutofit/>
+          </a:bodyPr>
+          <a:lstStyle/>
+          <a:p>
+            <a:r>
+              <a:rPr lang="en-US" sz="2200" b="1" dirty="0" smtClean="0">
+                <a:solidFill>
+                  <a:srgbClr val="2E5E8E"/>
+                </a:solidFill>
+              </a:rPr>
+              <a:t>PC = 0x 0000 0000 0040 0000</a:t>
+            </a:r>
+            <a:endParaRPr lang="ru-RU" sz="2200" b="1" dirty="0" smtClean="0">
+              <a:solidFill>
+                <a:srgbClr val="2E5E8E"/>
+              </a:solidFill>
+            </a:endParaRPr>
+          </a:p>
+        </p:txBody>
+      </p:sp>
+      <p:sp>
+        <p:nvSpPr>
+          <p:cNvPr id="14" name="TextBox 13"/>
+          <p:cNvSpPr txBox="1"/>
+          <p:nvPr/>
+        </p:nvSpPr>
+        <p:spPr>
+          <a:xfrm>
+            <a:off x="8714449" y="5816897"/>
+            <a:ext cx="346360" cy="558141"/>
+          </a:xfrm>
+          <a:prstGeom prst="rect">
+            <a:avLst/>
+          </a:prstGeom>
+          <a:noFill/>
+        </p:spPr>
+        <p:txBody>
+          <a:bodyPr wrap="square" lIns="72000" tIns="25200" rIns="0" bIns="25200" rtlCol="0" anchor="ctr" anchorCtr="0">
+            <a:normAutofit/>
+          </a:bodyPr>
+          <a:lstStyle/>
+          <a:p>
+            <a:r>
+              <a:rPr lang="en-US" sz="2200" b="1" dirty="0" smtClean="0">
+                <a:solidFill>
+                  <a:srgbClr val="2E5E8E"/>
+                </a:solidFill>
+              </a:rPr>
+              <a:t>0</a:t>
+            </a:r>
+            <a:endParaRPr lang="ru-RU" sz="2200" b="1" dirty="0" smtClean="0">
+              <a:solidFill>
+                <a:srgbClr val="2E5E8E"/>
+              </a:solidFill>
+            </a:endParaRPr>
+          </a:p>
+        </p:txBody>
+      </p:sp>
+      <p:sp>
+        <p:nvSpPr>
+          <p:cNvPr id="15" name="TextBox 14"/>
+          <p:cNvSpPr txBox="1"/>
+          <p:nvPr/>
+        </p:nvSpPr>
+        <p:spPr>
+          <a:xfrm>
+            <a:off x="5493106" y="4067760"/>
+            <a:ext cx="3501248" cy="558141"/>
+          </a:xfrm>
+          <a:prstGeom prst="rect">
+            <a:avLst/>
+          </a:prstGeom>
+          <a:noFill/>
+        </p:spPr>
+        <p:txBody>
+          <a:bodyPr wrap="square" lIns="72000" tIns="25200" rIns="0" bIns="25200" rtlCol="0" anchor="ctr" anchorCtr="0">
+            <a:normAutofit/>
+          </a:bodyPr>
+          <a:lstStyle/>
+          <a:p>
+            <a:r>
+              <a:rPr lang="en-US" sz="2200" b="1" dirty="0" smtClean="0">
+                <a:solidFill>
+                  <a:srgbClr val="2E5E8E"/>
+                </a:solidFill>
+              </a:rPr>
+              <a:t>GP = 0x 0000 0000 1000 0000</a:t>
+            </a:r>
+            <a:endParaRPr lang="ru-RU" sz="2200" b="1" dirty="0" smtClean="0">
+              <a:solidFill>
+                <a:srgbClr val="2E5E8E"/>
+              </a:solidFill>
+            </a:endParaRPr>
+          </a:p>
+        </p:txBody>
+      </p:sp>
+      <p:sp>
+        <p:nvSpPr>
+          <p:cNvPr id="16" name="TextBox 15"/>
+          <p:cNvSpPr txBox="1"/>
+          <p:nvPr/>
+        </p:nvSpPr>
+        <p:spPr>
+          <a:xfrm>
+            <a:off x="5529944" y="946170"/>
+            <a:ext cx="3606137" cy="558141"/>
+          </a:xfrm>
+          <a:prstGeom prst="rect">
+            <a:avLst/>
+          </a:prstGeom>
+          <a:noFill/>
+        </p:spPr>
+        <p:txBody>
+          <a:bodyPr wrap="square" lIns="72000" tIns="25200" rIns="0" bIns="25200" rtlCol="0" anchor="ctr" anchorCtr="0">
+            <a:normAutofit/>
+          </a:bodyPr>
+          <a:lstStyle/>
+          <a:p>
+            <a:r>
+              <a:rPr lang="en-US" sz="2200" b="1" dirty="0" smtClean="0">
+                <a:solidFill>
+                  <a:srgbClr val="2E5E8E"/>
+                </a:solidFill>
+              </a:rPr>
+              <a:t>SP = 0x 0000 003F FFFF FFFF0</a:t>
+            </a:r>
+            <a:endParaRPr lang="ru-RU" sz="2200" b="1" dirty="0" smtClean="0">
+              <a:solidFill>
+                <a:srgbClr val="2E5E8E"/>
+              </a:solidFill>
+            </a:endParaRPr>
+          </a:p>
+        </p:txBody>
+      </p:sp>
+    </p:spTree>
+  </p:cSld>
+  <p:clrMapOvr>
+    <a:masterClrMapping/>
+  </p:clrMapOvr>
+</p:sld>
+</file>
+
+<file path=ppt/slides/slide4.xml><?xml version="1.0" encoding="utf-8"?>
 <p:sld xmlns:a="http://schemas.openxmlformats.org/drawingml/2006/main" xmlns:r="http://schemas.openxmlformats.org/officeDocument/2006/relationships" xmlns:p="http://schemas.openxmlformats.org/presentationml/2006/main">
   <p:cSld>
     <p:spTree>
@@ -6927,7 +9474,7 @@
             <a:fld id="{1397BFD8-F312-4EF2-A268-44FB4BDDBBB0}" type="slidenum">
               <a:rPr lang="ru-RU" smtClean="0"/>
               <a:pPr algn="ctr"/>
-              <a:t>2</a:t>
+              <a:t>4</a:t>
             </a:fld>
             <a:endParaRPr lang="ru-RU" dirty="0"/>
           </a:p>
@@ -6951,733 +9498,6 @@
             <a:r>
               <a:rPr lang="en-US" dirty="0" smtClean="0"/>
               <a:t>RISC-V ISA Base and Extensions</a:t>
-            </a:r>
-            <a:endParaRPr lang="ru-RU" dirty="0"/>
-          </a:p>
-        </p:txBody>
-      </p:sp>
-    </p:spTree>
-  </p:cSld>
-  <p:clrMapOvr>
-    <a:masterClrMapping/>
-  </p:clrMapOvr>
-  <p:timing>
-    <p:tnLst>
-      <p:par>
-        <p:cTn id="1" dur="indefinite" restart="never" nodeType="tmRoot"/>
-      </p:par>
-    </p:tnLst>
-  </p:timing>
-</p:sld>
-</file>
-
-<file path=ppt/slides/slide3.xml><?xml version="1.0" encoding="utf-8"?>
-<p:sld xmlns:a="http://schemas.openxmlformats.org/drawingml/2006/main" xmlns:r="http://schemas.openxmlformats.org/officeDocument/2006/relationships" xmlns:p="http://schemas.openxmlformats.org/presentationml/2006/main">
-  <p:cSld>
-    <p:spTree>
-      <p:nvGrpSpPr>
-        <p:cNvPr id="1" name=""/>
-        <p:cNvGrpSpPr/>
-        <p:nvPr/>
-      </p:nvGrpSpPr>
-      <p:grpSpPr>
-        <a:xfrm>
-          <a:off x="0" y="0"/>
-          <a:ext cx="0" cy="0"/>
-          <a:chOff x="0" y="0"/>
-          <a:chExt cx="0" cy="0"/>
-        </a:xfrm>
-      </p:grpSpPr>
-      <p:sp>
-        <p:nvSpPr>
-          <p:cNvPr id="2" name="Содержимое 1"/>
-          <p:cNvSpPr>
-            <a:spLocks noGrp="1"/>
-          </p:cNvSpPr>
-          <p:nvPr>
-            <p:ph idx="1"/>
-          </p:nvPr>
-        </p:nvSpPr>
-        <p:spPr>
-          <a:xfrm>
-            <a:off x="838199" y="1178052"/>
-            <a:ext cx="10502463" cy="5464485"/>
-          </a:xfrm>
-        </p:spPr>
-        <p:txBody>
-          <a:bodyPr>
-            <a:normAutofit/>
-          </a:bodyPr>
-          <a:lstStyle/>
-          <a:p>
-            <a:r>
-              <a:rPr lang="en-US" altLang="en-US" b="1" dirty="0" smtClean="0"/>
-              <a:t>Design Principle 1: </a:t>
-            </a:r>
-            <a:r>
-              <a:rPr lang="en-US" altLang="en-US" dirty="0" smtClean="0"/>
-              <a:t>Simplicity favors regularity</a:t>
-            </a:r>
-          </a:p>
-          <a:p>
-            <a:pPr lvl="1"/>
-            <a:r>
-              <a:rPr lang="en-US" altLang="en-US" dirty="0" smtClean="0"/>
-              <a:t>Regularity makes implementation simpler</a:t>
-            </a:r>
-          </a:p>
-          <a:p>
-            <a:pPr lvl="1"/>
-            <a:r>
-              <a:rPr lang="en-US" altLang="en-US" dirty="0" smtClean="0"/>
-              <a:t>Simplicity enables higher performance at lower cost</a:t>
-            </a:r>
-            <a:endParaRPr lang="en-AU" altLang="en-US" dirty="0" smtClean="0"/>
-          </a:p>
-          <a:p>
-            <a:pPr>
-              <a:defRPr/>
-            </a:pPr>
-            <a:r>
-              <a:rPr lang="en-US" altLang="en-US" b="1" dirty="0" smtClean="0"/>
-              <a:t>Design Principle 2: </a:t>
-            </a:r>
-            <a:r>
-              <a:rPr lang="en-US" altLang="en-US" dirty="0" smtClean="0"/>
-              <a:t>Smaller is faster</a:t>
-            </a:r>
-          </a:p>
-          <a:p>
-            <a:pPr lvl="1">
-              <a:defRPr/>
-            </a:pPr>
-            <a:r>
-              <a:rPr lang="en-US" altLang="en-US" dirty="0" smtClean="0"/>
-              <a:t>c.f. main memory: millions of locations</a:t>
-            </a:r>
-          </a:p>
-          <a:p>
-            <a:r>
-              <a:rPr lang="en-US" altLang="en-US" b="1" dirty="0" smtClean="0"/>
-              <a:t>Design Principle 3: </a:t>
-            </a:r>
-            <a:r>
-              <a:rPr lang="en-US" altLang="en-US" dirty="0" smtClean="0"/>
-              <a:t>Good design demands good compromises</a:t>
-            </a:r>
-          </a:p>
-          <a:p>
-            <a:pPr lvl="1"/>
-            <a:r>
-              <a:rPr lang="en-US" altLang="en-US" dirty="0" smtClean="0"/>
-              <a:t>Different formats complicate decoding, but allow 32-bit instructions uniformly</a:t>
-            </a:r>
-          </a:p>
-          <a:p>
-            <a:pPr lvl="1"/>
-            <a:r>
-              <a:rPr lang="en-US" altLang="en-US" dirty="0" smtClean="0"/>
-              <a:t>Keep formats as similar as possible</a:t>
-            </a:r>
-          </a:p>
-          <a:p>
-            <a:pPr lvl="1">
-              <a:defRPr/>
-            </a:pPr>
-            <a:endParaRPr lang="en-US" altLang="en-US" dirty="0" smtClean="0"/>
-          </a:p>
-          <a:p>
-            <a:endParaRPr lang="ru-RU" dirty="0"/>
-          </a:p>
-        </p:txBody>
-      </p:sp>
-      <p:sp>
-        <p:nvSpPr>
-          <p:cNvPr id="3" name="Номер слайда 2"/>
-          <p:cNvSpPr>
-            <a:spLocks noGrp="1"/>
-          </p:cNvSpPr>
-          <p:nvPr>
-            <p:ph type="sldNum" sz="quarter" idx="12"/>
-          </p:nvPr>
-        </p:nvSpPr>
-        <p:spPr/>
-        <p:txBody>
-          <a:bodyPr/>
-          <a:lstStyle/>
-          <a:p>
-            <a:pPr algn="ctr"/>
-            <a:fld id="{1397BFD8-F312-4EF2-A268-44FB4BDDBBB0}" type="slidenum">
-              <a:rPr lang="ru-RU" smtClean="0"/>
-              <a:pPr algn="ctr"/>
-              <a:t>3</a:t>
-            </a:fld>
-            <a:endParaRPr lang="ru-RU" dirty="0"/>
-          </a:p>
-        </p:txBody>
-      </p:sp>
-      <p:sp>
-        <p:nvSpPr>
-          <p:cNvPr id="4" name="Заголовок 3"/>
-          <p:cNvSpPr>
-            <a:spLocks noGrp="1"/>
-          </p:cNvSpPr>
-          <p:nvPr>
-            <p:ph type="title"/>
-          </p:nvPr>
-        </p:nvSpPr>
-        <p:spPr/>
-        <p:txBody>
-          <a:bodyPr/>
-          <a:lstStyle/>
-          <a:p>
-            <a:r>
-              <a:rPr lang="en-US" dirty="0" smtClean="0"/>
-              <a:t>ISA Design Principles</a:t>
-            </a:r>
-            <a:endParaRPr lang="ru-RU" dirty="0"/>
-          </a:p>
-        </p:txBody>
-      </p:sp>
-    </p:spTree>
-  </p:cSld>
-  <p:clrMapOvr>
-    <a:masterClrMapping/>
-  </p:clrMapOvr>
-  <p:timing>
-    <p:tnLst>
-      <p:par>
-        <p:cTn id="1" dur="indefinite" restart="never" nodeType="tmRoot"/>
-      </p:par>
-    </p:tnLst>
-  </p:timing>
-</p:sld>
-</file>
-
-<file path=ppt/slides/slide4.xml><?xml version="1.0" encoding="utf-8"?>
-<p:sld xmlns:a="http://schemas.openxmlformats.org/drawingml/2006/main" xmlns:r="http://schemas.openxmlformats.org/officeDocument/2006/relationships" xmlns:p="http://schemas.openxmlformats.org/presentationml/2006/main">
-  <p:cSld>
-    <p:spTree>
-      <p:nvGrpSpPr>
-        <p:cNvPr id="1" name=""/>
-        <p:cNvGrpSpPr/>
-        <p:nvPr/>
-      </p:nvGrpSpPr>
-      <p:grpSpPr>
-        <a:xfrm>
-          <a:off x="0" y="0"/>
-          <a:ext cx="0" cy="0"/>
-          <a:chOff x="0" y="0"/>
-          <a:chExt cx="0" cy="0"/>
-        </a:xfrm>
-      </p:grpSpPr>
-      <p:sp>
-        <p:nvSpPr>
-          <p:cNvPr id="2" name="Содержимое 1"/>
-          <p:cNvSpPr>
-            <a:spLocks noGrp="1"/>
-          </p:cNvSpPr>
-          <p:nvPr>
-            <p:ph idx="1"/>
-          </p:nvPr>
-        </p:nvSpPr>
-        <p:spPr>
-          <a:xfrm>
-            <a:off x="838200" y="1040524"/>
-            <a:ext cx="10515600" cy="5770176"/>
-          </a:xfrm>
-        </p:spPr>
-        <p:txBody>
-          <a:bodyPr>
-            <a:normAutofit fontScale="77500" lnSpcReduction="20000"/>
-          </a:bodyPr>
-          <a:lstStyle/>
-          <a:p>
-            <a:pPr>
-              <a:lnSpc>
-                <a:spcPct val="120000"/>
-              </a:lnSpc>
-              <a:spcBef>
-                <a:spcPts val="600"/>
-              </a:spcBef>
-            </a:pPr>
-            <a:r>
-              <a:rPr lang="en-US" sz="4100" b="1" dirty="0" smtClean="0">
-                <a:solidFill>
-                  <a:srgbClr val="1E3272"/>
-                </a:solidFill>
-              </a:rPr>
-              <a:t>R-format: </a:t>
-            </a:r>
-            <a:r>
-              <a:rPr lang="en-US" sz="4100" dirty="0" smtClean="0">
-                <a:solidFill>
-                  <a:srgbClr val="1E3272"/>
-                </a:solidFill>
-              </a:rPr>
-              <a:t>instructions using 3 register inputs</a:t>
-            </a:r>
-          </a:p>
-          <a:p>
-            <a:pPr lvl="1">
-              <a:lnSpc>
-                <a:spcPct val="110000"/>
-              </a:lnSpc>
-              <a:spcBef>
-                <a:spcPts val="0"/>
-              </a:spcBef>
-            </a:pPr>
-            <a:r>
-              <a:rPr lang="en-US" sz="3600" dirty="0" smtClean="0">
-                <a:solidFill>
-                  <a:srgbClr val="1E3272"/>
-                </a:solidFill>
-              </a:rPr>
-              <a:t>add, </a:t>
-            </a:r>
-            <a:r>
-              <a:rPr lang="en-US" sz="3600" dirty="0" err="1" smtClean="0">
-                <a:solidFill>
-                  <a:srgbClr val="1E3272"/>
-                </a:solidFill>
-              </a:rPr>
-              <a:t>xor</a:t>
-            </a:r>
-            <a:r>
-              <a:rPr lang="en-US" sz="3600" dirty="0" smtClean="0">
-                <a:solidFill>
-                  <a:srgbClr val="1E3272"/>
-                </a:solidFill>
-              </a:rPr>
-              <a:t>, </a:t>
-            </a:r>
-            <a:r>
-              <a:rPr lang="en-US" sz="3600" dirty="0" err="1" smtClean="0">
-                <a:solidFill>
-                  <a:srgbClr val="1E3272"/>
-                </a:solidFill>
-              </a:rPr>
-              <a:t>mul</a:t>
-            </a:r>
-            <a:r>
-              <a:rPr lang="en-US" sz="3600" dirty="0" smtClean="0">
-                <a:solidFill>
-                  <a:srgbClr val="1E3272"/>
-                </a:solidFill>
-              </a:rPr>
-              <a:t> - arithmetic/logical ops</a:t>
-            </a:r>
-          </a:p>
-          <a:p>
-            <a:pPr>
-              <a:lnSpc>
-                <a:spcPct val="120000"/>
-              </a:lnSpc>
-              <a:spcBef>
-                <a:spcPts val="600"/>
-              </a:spcBef>
-            </a:pPr>
-            <a:r>
-              <a:rPr lang="en-US" sz="4100" b="1" dirty="0" smtClean="0">
-                <a:solidFill>
-                  <a:srgbClr val="1E3272"/>
-                </a:solidFill>
-              </a:rPr>
-              <a:t>I-format: </a:t>
-            </a:r>
-            <a:r>
-              <a:rPr lang="en-US" sz="4100" dirty="0" smtClean="0">
-                <a:solidFill>
-                  <a:srgbClr val="1E3272"/>
-                </a:solidFill>
-              </a:rPr>
-              <a:t>instructions with </a:t>
-            </a:r>
-            <a:r>
-              <a:rPr lang="en-US" sz="4100" dirty="0" err="1" smtClean="0">
-                <a:solidFill>
-                  <a:srgbClr val="1E3272"/>
-                </a:solidFill>
-              </a:rPr>
-              <a:t>immediates</a:t>
-            </a:r>
-            <a:r>
-              <a:rPr lang="en-US" sz="4100" dirty="0" smtClean="0">
-                <a:solidFill>
-                  <a:srgbClr val="1E3272"/>
-                </a:solidFill>
-              </a:rPr>
-              <a:t>, loads</a:t>
-            </a:r>
-          </a:p>
-          <a:p>
-            <a:pPr lvl="1">
-              <a:lnSpc>
-                <a:spcPct val="110000"/>
-              </a:lnSpc>
-              <a:spcBef>
-                <a:spcPts val="0"/>
-              </a:spcBef>
-            </a:pPr>
-            <a:r>
-              <a:rPr lang="en-US" sz="3600" dirty="0" smtClean="0">
-                <a:solidFill>
-                  <a:srgbClr val="1E3272"/>
-                </a:solidFill>
-              </a:rPr>
-              <a:t> addi, </a:t>
-            </a:r>
-            <a:r>
-              <a:rPr lang="en-US" sz="3600" dirty="0" err="1" smtClean="0">
-                <a:solidFill>
-                  <a:srgbClr val="1E3272"/>
-                </a:solidFill>
-              </a:rPr>
-              <a:t>lw</a:t>
-            </a:r>
-            <a:r>
-              <a:rPr lang="en-US" sz="3600" dirty="0" smtClean="0">
-                <a:solidFill>
-                  <a:srgbClr val="1E3272"/>
-                </a:solidFill>
-              </a:rPr>
-              <a:t>, </a:t>
-            </a:r>
-            <a:r>
-              <a:rPr lang="en-US" sz="3600" dirty="0" err="1" smtClean="0">
-                <a:solidFill>
-                  <a:srgbClr val="1E3272"/>
-                </a:solidFill>
-              </a:rPr>
-              <a:t>jalr</a:t>
-            </a:r>
-            <a:r>
-              <a:rPr lang="en-US" sz="3600" dirty="0" smtClean="0">
-                <a:solidFill>
-                  <a:srgbClr val="1E3272"/>
-                </a:solidFill>
-              </a:rPr>
-              <a:t>, </a:t>
-            </a:r>
-            <a:r>
-              <a:rPr lang="en-US" sz="3600" dirty="0" err="1" smtClean="0">
-                <a:solidFill>
-                  <a:srgbClr val="1E3272"/>
-                </a:solidFill>
-              </a:rPr>
-              <a:t>slli</a:t>
-            </a:r>
-            <a:endParaRPr lang="en-US" sz="3600" dirty="0" smtClean="0">
-              <a:solidFill>
-                <a:srgbClr val="1E3272"/>
-              </a:solidFill>
-            </a:endParaRPr>
-          </a:p>
-          <a:p>
-            <a:pPr>
-              <a:lnSpc>
-                <a:spcPct val="120000"/>
-              </a:lnSpc>
-              <a:spcBef>
-                <a:spcPts val="600"/>
-              </a:spcBef>
-            </a:pPr>
-            <a:r>
-              <a:rPr lang="en-US" sz="4100" b="1" dirty="0" smtClean="0">
-                <a:solidFill>
-                  <a:srgbClr val="1E3272"/>
-                </a:solidFill>
-              </a:rPr>
-              <a:t>S-format: </a:t>
-            </a:r>
-            <a:r>
-              <a:rPr lang="en-US" sz="4100" dirty="0" smtClean="0">
-                <a:solidFill>
-                  <a:srgbClr val="1E3272"/>
-                </a:solidFill>
-              </a:rPr>
-              <a:t>store instructions</a:t>
-            </a:r>
-          </a:p>
-          <a:p>
-            <a:pPr lvl="1">
-              <a:lnSpc>
-                <a:spcPct val="110000"/>
-              </a:lnSpc>
-              <a:spcBef>
-                <a:spcPts val="0"/>
-              </a:spcBef>
-            </a:pPr>
-            <a:r>
-              <a:rPr lang="en-US" sz="3600" dirty="0" smtClean="0">
-                <a:solidFill>
-                  <a:srgbClr val="1E3272"/>
-                </a:solidFill>
-              </a:rPr>
-              <a:t> sw, </a:t>
-            </a:r>
-            <a:r>
-              <a:rPr lang="en-US" sz="3600" dirty="0" err="1" smtClean="0">
-                <a:solidFill>
-                  <a:srgbClr val="1E3272"/>
-                </a:solidFill>
-              </a:rPr>
-              <a:t>sb</a:t>
-            </a:r>
-            <a:endParaRPr lang="en-US" sz="3600" dirty="0" smtClean="0">
-              <a:solidFill>
-                <a:srgbClr val="1E3272"/>
-              </a:solidFill>
-            </a:endParaRPr>
-          </a:p>
-          <a:p>
-            <a:pPr>
-              <a:lnSpc>
-                <a:spcPct val="120000"/>
-              </a:lnSpc>
-              <a:spcBef>
-                <a:spcPts val="600"/>
-              </a:spcBef>
-            </a:pPr>
-            <a:r>
-              <a:rPr lang="en-US" sz="4100" b="1" dirty="0" smtClean="0">
-                <a:solidFill>
-                  <a:srgbClr val="1E3272"/>
-                </a:solidFill>
-              </a:rPr>
-              <a:t>SB-format: </a:t>
-            </a:r>
-            <a:r>
-              <a:rPr lang="en-US" sz="4100" dirty="0" smtClean="0">
-                <a:solidFill>
-                  <a:srgbClr val="1E3272"/>
-                </a:solidFill>
-              </a:rPr>
-              <a:t>branch instructions</a:t>
-            </a:r>
-          </a:p>
-          <a:p>
-            <a:pPr lvl="1">
-              <a:lnSpc>
-                <a:spcPct val="110000"/>
-              </a:lnSpc>
-              <a:spcBef>
-                <a:spcPts val="0"/>
-              </a:spcBef>
-            </a:pPr>
-            <a:r>
-              <a:rPr lang="en-US" dirty="0" smtClean="0">
-                <a:solidFill>
-                  <a:srgbClr val="1E3272"/>
-                </a:solidFill>
-              </a:rPr>
-              <a:t> </a:t>
-            </a:r>
-            <a:r>
-              <a:rPr lang="en-US" sz="3600" dirty="0" err="1" smtClean="0">
-                <a:solidFill>
-                  <a:srgbClr val="1E3272"/>
-                </a:solidFill>
-              </a:rPr>
-              <a:t>beq</a:t>
-            </a:r>
-            <a:r>
-              <a:rPr lang="en-US" sz="3600" dirty="0" smtClean="0">
-                <a:solidFill>
-                  <a:srgbClr val="1E3272"/>
-                </a:solidFill>
-              </a:rPr>
-              <a:t>, </a:t>
-            </a:r>
-            <a:r>
-              <a:rPr lang="en-US" sz="3600" dirty="0" err="1" smtClean="0">
-                <a:solidFill>
-                  <a:srgbClr val="1E3272"/>
-                </a:solidFill>
-              </a:rPr>
-              <a:t>bge</a:t>
-            </a:r>
-            <a:endParaRPr lang="en-US" sz="3600" dirty="0" smtClean="0">
-              <a:solidFill>
-                <a:srgbClr val="1E3272"/>
-              </a:solidFill>
-            </a:endParaRPr>
-          </a:p>
-          <a:p>
-            <a:pPr>
-              <a:lnSpc>
-                <a:spcPct val="120000"/>
-              </a:lnSpc>
-              <a:spcBef>
-                <a:spcPts val="600"/>
-              </a:spcBef>
-            </a:pPr>
-            <a:r>
-              <a:rPr lang="en-US" sz="4100" b="1" dirty="0" smtClean="0">
-                <a:solidFill>
-                  <a:srgbClr val="1E3272"/>
-                </a:solidFill>
-              </a:rPr>
-              <a:t>U-format: </a:t>
-            </a:r>
-            <a:r>
-              <a:rPr lang="en-US" sz="4100" dirty="0" smtClean="0">
-                <a:solidFill>
-                  <a:srgbClr val="1E3272"/>
-                </a:solidFill>
-              </a:rPr>
-              <a:t>instructions with upper </a:t>
-            </a:r>
-            <a:r>
-              <a:rPr lang="en-US" sz="4100" dirty="0" err="1" smtClean="0">
-                <a:solidFill>
-                  <a:srgbClr val="1E3272"/>
-                </a:solidFill>
-              </a:rPr>
-              <a:t>immediates</a:t>
-            </a:r>
-            <a:endParaRPr lang="en-US" sz="4100" dirty="0" smtClean="0">
-              <a:solidFill>
-                <a:srgbClr val="1E3272"/>
-              </a:solidFill>
-            </a:endParaRPr>
-          </a:p>
-          <a:p>
-            <a:pPr lvl="1">
-              <a:lnSpc>
-                <a:spcPct val="110000"/>
-              </a:lnSpc>
-              <a:spcBef>
-                <a:spcPts val="0"/>
-              </a:spcBef>
-            </a:pPr>
-            <a:r>
-              <a:rPr lang="en-US" sz="3600" dirty="0" smtClean="0">
-                <a:solidFill>
-                  <a:srgbClr val="1E3272"/>
-                </a:solidFill>
-              </a:rPr>
-              <a:t>lui, </a:t>
-            </a:r>
-            <a:r>
-              <a:rPr lang="en-US" sz="3600" dirty="0" err="1" smtClean="0">
-                <a:solidFill>
-                  <a:srgbClr val="1E3272"/>
-                </a:solidFill>
-              </a:rPr>
-              <a:t>auipc</a:t>
-            </a:r>
-            <a:r>
-              <a:rPr lang="en-US" sz="3600" dirty="0" smtClean="0">
-                <a:solidFill>
-                  <a:srgbClr val="1E3272"/>
-                </a:solidFill>
-              </a:rPr>
-              <a:t> - upper immediate is 20-bits</a:t>
-            </a:r>
-          </a:p>
-          <a:p>
-            <a:pPr>
-              <a:lnSpc>
-                <a:spcPct val="120000"/>
-              </a:lnSpc>
-              <a:spcBef>
-                <a:spcPts val="600"/>
-              </a:spcBef>
-            </a:pPr>
-            <a:r>
-              <a:rPr lang="en-US" sz="4100" b="1" dirty="0" smtClean="0">
-                <a:solidFill>
-                  <a:srgbClr val="1E3272"/>
-                </a:solidFill>
-              </a:rPr>
-              <a:t>UJ-format: </a:t>
-            </a:r>
-            <a:r>
-              <a:rPr lang="en-US" sz="4100" dirty="0" smtClean="0">
-                <a:solidFill>
-                  <a:srgbClr val="1E3272"/>
-                </a:solidFill>
-              </a:rPr>
-              <a:t>the jump instruction</a:t>
-            </a:r>
-          </a:p>
-          <a:p>
-            <a:pPr lvl="1">
-              <a:lnSpc>
-                <a:spcPct val="110000"/>
-              </a:lnSpc>
-              <a:spcBef>
-                <a:spcPts val="0"/>
-              </a:spcBef>
-            </a:pPr>
-            <a:r>
-              <a:rPr lang="en-US" sz="3600" dirty="0" smtClean="0">
-                <a:solidFill>
-                  <a:srgbClr val="1E3272"/>
-                </a:solidFill>
-              </a:rPr>
-              <a:t> </a:t>
-            </a:r>
-            <a:r>
-              <a:rPr lang="en-US" sz="3600" dirty="0" err="1" smtClean="0">
-                <a:solidFill>
-                  <a:srgbClr val="1E3272"/>
-                </a:solidFill>
-              </a:rPr>
-              <a:t>jal</a:t>
-            </a:r>
-            <a:endParaRPr lang="ru-RU" sz="3600" dirty="0">
-              <a:solidFill>
-                <a:srgbClr val="1E3272"/>
-              </a:solidFill>
-            </a:endParaRPr>
-          </a:p>
-        </p:txBody>
-      </p:sp>
-      <p:sp>
-        <p:nvSpPr>
-          <p:cNvPr id="3" name="Номер слайда 2"/>
-          <p:cNvSpPr>
-            <a:spLocks noGrp="1"/>
-          </p:cNvSpPr>
-          <p:nvPr>
-            <p:ph type="sldNum" sz="quarter" idx="12"/>
-          </p:nvPr>
-        </p:nvSpPr>
-        <p:spPr/>
-        <p:txBody>
-          <a:bodyPr/>
-          <a:lstStyle/>
-          <a:p>
-            <a:pPr algn="ctr"/>
-            <a:fld id="{1397BFD8-F312-4EF2-A268-44FB4BDDBBB0}" type="slidenum">
-              <a:rPr lang="ru-RU" smtClean="0"/>
-              <a:pPr algn="ctr"/>
-              <a:t>4</a:t>
-            </a:fld>
-            <a:endParaRPr lang="ru-RU" dirty="0"/>
-          </a:p>
-        </p:txBody>
-      </p:sp>
-      <p:sp>
-        <p:nvSpPr>
-          <p:cNvPr id="4" name="Заголовок 3"/>
-          <p:cNvSpPr>
-            <a:spLocks noGrp="1"/>
-          </p:cNvSpPr>
-          <p:nvPr>
-            <p:ph type="title"/>
-          </p:nvPr>
-        </p:nvSpPr>
-        <p:spPr/>
-        <p:txBody>
-          <a:bodyPr/>
-          <a:lstStyle/>
-          <a:p>
-            <a:r>
-              <a:rPr lang="en-US" dirty="0" smtClean="0"/>
-              <a:t>Six Instruction Formats</a:t>
             </a:r>
             <a:endParaRPr lang="ru-RU" dirty="0"/>
           </a:p>
@@ -7727,6 +9547,742 @@
         </p:nvSpPr>
         <p:spPr>
           <a:xfrm>
+            <a:off x="838199" y="1178052"/>
+            <a:ext cx="10502463" cy="5464485"/>
+          </a:xfrm>
+        </p:spPr>
+        <p:txBody>
+          <a:bodyPr>
+            <a:normAutofit/>
+          </a:bodyPr>
+          <a:lstStyle/>
+          <a:p>
+            <a:r>
+              <a:rPr lang="en-US" altLang="en-US" b="1" dirty="0" smtClean="0"/>
+              <a:t>Design Principle 1: </a:t>
+            </a:r>
+            <a:r>
+              <a:rPr lang="en-US" altLang="en-US" dirty="0" smtClean="0"/>
+              <a:t>Simplicity favors regularity</a:t>
+            </a:r>
+          </a:p>
+          <a:p>
+            <a:pPr lvl="1"/>
+            <a:r>
+              <a:rPr lang="en-US" altLang="en-US" dirty="0" smtClean="0"/>
+              <a:t>Regularity makes implementation simpler</a:t>
+            </a:r>
+          </a:p>
+          <a:p>
+            <a:pPr lvl="1"/>
+            <a:r>
+              <a:rPr lang="en-US" altLang="en-US" dirty="0" smtClean="0"/>
+              <a:t>Simplicity enables higher performance at lower cost</a:t>
+            </a:r>
+            <a:endParaRPr lang="en-AU" altLang="en-US" dirty="0" smtClean="0"/>
+          </a:p>
+          <a:p>
+            <a:pPr>
+              <a:defRPr/>
+            </a:pPr>
+            <a:r>
+              <a:rPr lang="en-US" altLang="en-US" b="1" dirty="0" smtClean="0"/>
+              <a:t>Design Principle 2: </a:t>
+            </a:r>
+            <a:r>
+              <a:rPr lang="en-US" altLang="en-US" dirty="0" smtClean="0"/>
+              <a:t>Smaller is faster</a:t>
+            </a:r>
+          </a:p>
+          <a:p>
+            <a:pPr lvl="1">
+              <a:defRPr/>
+            </a:pPr>
+            <a:r>
+              <a:rPr lang="en-US" altLang="en-US" dirty="0" smtClean="0"/>
+              <a:t>32 </a:t>
+            </a:r>
+            <a:r>
+              <a:rPr lang="en-US" altLang="en-US" dirty="0" smtClean="0"/>
+              <a:t>registers, fewer </a:t>
+            </a:r>
+            <a:r>
+              <a:rPr lang="en-US" altLang="en-US" dirty="0" smtClean="0"/>
+              <a:t>instructions</a:t>
+            </a:r>
+            <a:endParaRPr lang="en-US" altLang="en-US" dirty="0" smtClean="0"/>
+          </a:p>
+          <a:p>
+            <a:r>
+              <a:rPr lang="en-US" altLang="en-US" b="1" dirty="0" smtClean="0"/>
+              <a:t>Design Principle 3: </a:t>
+            </a:r>
+            <a:r>
+              <a:rPr lang="en-US" altLang="en-US" dirty="0" smtClean="0"/>
+              <a:t>Good design demands good compromises</a:t>
+            </a:r>
+          </a:p>
+          <a:p>
+            <a:pPr lvl="1"/>
+            <a:r>
+              <a:rPr lang="en-US" altLang="en-US" dirty="0" smtClean="0"/>
+              <a:t>Different formats complicate decoding, but allow 32-bit instructions uniformly</a:t>
+            </a:r>
+          </a:p>
+          <a:p>
+            <a:pPr lvl="1"/>
+            <a:r>
+              <a:rPr lang="en-US" altLang="en-US" dirty="0" smtClean="0"/>
+              <a:t>Keep formats as similar as possible</a:t>
+            </a:r>
+          </a:p>
+          <a:p>
+            <a:pPr lvl="1">
+              <a:defRPr/>
+            </a:pPr>
+            <a:endParaRPr lang="en-US" altLang="en-US" dirty="0" smtClean="0"/>
+          </a:p>
+          <a:p>
+            <a:endParaRPr lang="ru-RU" dirty="0"/>
+          </a:p>
+        </p:txBody>
+      </p:sp>
+      <p:sp>
+        <p:nvSpPr>
+          <p:cNvPr id="3" name="Номер слайда 2"/>
+          <p:cNvSpPr>
+            <a:spLocks noGrp="1"/>
+          </p:cNvSpPr>
+          <p:nvPr>
+            <p:ph type="sldNum" sz="quarter" idx="12"/>
+          </p:nvPr>
+        </p:nvSpPr>
+        <p:spPr/>
+        <p:txBody>
+          <a:bodyPr/>
+          <a:lstStyle/>
+          <a:p>
+            <a:pPr algn="ctr"/>
+            <a:fld id="{1397BFD8-F312-4EF2-A268-44FB4BDDBBB0}" type="slidenum">
+              <a:rPr lang="ru-RU" smtClean="0"/>
+              <a:pPr algn="ctr"/>
+              <a:t>5</a:t>
+            </a:fld>
+            <a:endParaRPr lang="ru-RU" dirty="0"/>
+          </a:p>
+        </p:txBody>
+      </p:sp>
+      <p:sp>
+        <p:nvSpPr>
+          <p:cNvPr id="4" name="Заголовок 3"/>
+          <p:cNvSpPr>
+            <a:spLocks noGrp="1"/>
+          </p:cNvSpPr>
+          <p:nvPr>
+            <p:ph type="title"/>
+          </p:nvPr>
+        </p:nvSpPr>
+        <p:spPr/>
+        <p:txBody>
+          <a:bodyPr/>
+          <a:lstStyle/>
+          <a:p>
+            <a:r>
+              <a:rPr lang="en-US" dirty="0" smtClean="0"/>
+              <a:t>ISA Design Principles</a:t>
+            </a:r>
+            <a:endParaRPr lang="ru-RU" dirty="0"/>
+          </a:p>
+        </p:txBody>
+      </p:sp>
+    </p:spTree>
+  </p:cSld>
+  <p:clrMapOvr>
+    <a:masterClrMapping/>
+  </p:clrMapOvr>
+  <p:timing>
+    <p:tnLst>
+      <p:par>
+        <p:cTn id="1" dur="indefinite" restart="never" nodeType="tmRoot"/>
+      </p:par>
+    </p:tnLst>
+  </p:timing>
+</p:sld>
+</file>
+
+<file path=ppt/slides/slide6.xml><?xml version="1.0" encoding="utf-8"?>
+<p:sld xmlns:a="http://schemas.openxmlformats.org/drawingml/2006/main" xmlns:r="http://schemas.openxmlformats.org/officeDocument/2006/relationships" xmlns:p="http://schemas.openxmlformats.org/presentationml/2006/main">
+  <p:cSld>
+    <p:spTree>
+      <p:nvGrpSpPr>
+        <p:cNvPr id="1" name=""/>
+        <p:cNvGrpSpPr/>
+        <p:nvPr/>
+      </p:nvGrpSpPr>
+      <p:grpSpPr>
+        <a:xfrm>
+          <a:off x="0" y="0"/>
+          <a:ext cx="0" cy="0"/>
+          <a:chOff x="0" y="0"/>
+          <a:chExt cx="0" cy="0"/>
+        </a:xfrm>
+      </p:grpSpPr>
+      <p:sp>
+        <p:nvSpPr>
+          <p:cNvPr id="2" name="Содержимое 1"/>
+          <p:cNvSpPr>
+            <a:spLocks noGrp="1"/>
+          </p:cNvSpPr>
+          <p:nvPr>
+            <p:ph idx="1"/>
+          </p:nvPr>
+        </p:nvSpPr>
+        <p:spPr>
+          <a:xfrm>
+            <a:off x="838200" y="1040524"/>
+            <a:ext cx="10515600" cy="5770176"/>
+          </a:xfrm>
+        </p:spPr>
+        <p:txBody>
+          <a:bodyPr>
+            <a:normAutofit fontScale="77500" lnSpcReduction="20000"/>
+          </a:bodyPr>
+          <a:lstStyle/>
+          <a:p>
+            <a:pPr>
+              <a:lnSpc>
+                <a:spcPct val="120000"/>
+              </a:lnSpc>
+              <a:spcBef>
+                <a:spcPts val="600"/>
+              </a:spcBef>
+            </a:pPr>
+            <a:r>
+              <a:rPr lang="en-US" sz="4100" b="1" dirty="0" smtClean="0">
+                <a:solidFill>
+                  <a:srgbClr val="1E3272"/>
+                </a:solidFill>
+              </a:rPr>
+              <a:t>R-format: </a:t>
+            </a:r>
+            <a:r>
+              <a:rPr lang="en-US" sz="4100" dirty="0" smtClean="0">
+                <a:solidFill>
+                  <a:srgbClr val="1E3272"/>
+                </a:solidFill>
+              </a:rPr>
+              <a:t>instructions using 3 register inputs</a:t>
+            </a:r>
+          </a:p>
+          <a:p>
+            <a:pPr lvl="1">
+              <a:lnSpc>
+                <a:spcPct val="110000"/>
+              </a:lnSpc>
+              <a:spcBef>
+                <a:spcPts val="0"/>
+              </a:spcBef>
+            </a:pPr>
+            <a:r>
+              <a:rPr lang="en-US" sz="3600" dirty="0" smtClean="0">
+                <a:solidFill>
+                  <a:srgbClr val="1E3272"/>
+                </a:solidFill>
+              </a:rPr>
+              <a:t>add, </a:t>
+            </a:r>
+            <a:r>
+              <a:rPr lang="en-US" sz="3600" dirty="0" err="1" smtClean="0">
+                <a:solidFill>
+                  <a:srgbClr val="1E3272"/>
+                </a:solidFill>
+              </a:rPr>
+              <a:t>xor</a:t>
+            </a:r>
+            <a:r>
+              <a:rPr lang="en-US" sz="3600" dirty="0" smtClean="0">
+                <a:solidFill>
+                  <a:srgbClr val="1E3272"/>
+                </a:solidFill>
+              </a:rPr>
+              <a:t>, </a:t>
+            </a:r>
+            <a:r>
+              <a:rPr lang="en-US" sz="3600" dirty="0" err="1" smtClean="0">
+                <a:solidFill>
+                  <a:srgbClr val="1E3272"/>
+                </a:solidFill>
+              </a:rPr>
+              <a:t>mul</a:t>
+            </a:r>
+            <a:r>
+              <a:rPr lang="en-US" sz="3600" dirty="0" smtClean="0">
+                <a:solidFill>
+                  <a:srgbClr val="1E3272"/>
+                </a:solidFill>
+              </a:rPr>
+              <a:t> - arithmetic/logical ops</a:t>
+            </a:r>
+          </a:p>
+          <a:p>
+            <a:pPr>
+              <a:lnSpc>
+                <a:spcPct val="120000"/>
+              </a:lnSpc>
+              <a:spcBef>
+                <a:spcPts val="600"/>
+              </a:spcBef>
+            </a:pPr>
+            <a:r>
+              <a:rPr lang="en-US" sz="4100" b="1" dirty="0" smtClean="0">
+                <a:solidFill>
+                  <a:srgbClr val="1E3272"/>
+                </a:solidFill>
+              </a:rPr>
+              <a:t>I-format: </a:t>
+            </a:r>
+            <a:r>
+              <a:rPr lang="en-US" sz="4100" dirty="0" smtClean="0">
+                <a:solidFill>
+                  <a:srgbClr val="1E3272"/>
+                </a:solidFill>
+              </a:rPr>
+              <a:t>instructions with </a:t>
+            </a:r>
+            <a:r>
+              <a:rPr lang="en-US" sz="4100" dirty="0" err="1" smtClean="0">
+                <a:solidFill>
+                  <a:srgbClr val="1E3272"/>
+                </a:solidFill>
+              </a:rPr>
+              <a:t>immediates</a:t>
+            </a:r>
+            <a:r>
+              <a:rPr lang="en-US" sz="4100" dirty="0" smtClean="0">
+                <a:solidFill>
+                  <a:srgbClr val="1E3272"/>
+                </a:solidFill>
+              </a:rPr>
+              <a:t>, loads</a:t>
+            </a:r>
+          </a:p>
+          <a:p>
+            <a:pPr lvl="1">
+              <a:lnSpc>
+                <a:spcPct val="110000"/>
+              </a:lnSpc>
+              <a:spcBef>
+                <a:spcPts val="0"/>
+              </a:spcBef>
+            </a:pPr>
+            <a:r>
+              <a:rPr lang="en-US" sz="3600" dirty="0" smtClean="0">
+                <a:solidFill>
+                  <a:srgbClr val="1E3272"/>
+                </a:solidFill>
+              </a:rPr>
+              <a:t> addi, </a:t>
+            </a:r>
+            <a:r>
+              <a:rPr lang="en-US" sz="3600" dirty="0" err="1" smtClean="0">
+                <a:solidFill>
+                  <a:srgbClr val="1E3272"/>
+                </a:solidFill>
+              </a:rPr>
+              <a:t>lw</a:t>
+            </a:r>
+            <a:r>
+              <a:rPr lang="en-US" sz="3600" dirty="0" smtClean="0">
+                <a:solidFill>
+                  <a:srgbClr val="1E3272"/>
+                </a:solidFill>
+              </a:rPr>
+              <a:t>, </a:t>
+            </a:r>
+            <a:r>
+              <a:rPr lang="en-US" sz="3600" dirty="0" err="1" smtClean="0">
+                <a:solidFill>
+                  <a:srgbClr val="1E3272"/>
+                </a:solidFill>
+              </a:rPr>
+              <a:t>jalr</a:t>
+            </a:r>
+            <a:r>
+              <a:rPr lang="en-US" sz="3600" dirty="0" smtClean="0">
+                <a:solidFill>
+                  <a:srgbClr val="1E3272"/>
+                </a:solidFill>
+              </a:rPr>
+              <a:t>, </a:t>
+            </a:r>
+            <a:r>
+              <a:rPr lang="en-US" sz="3600" dirty="0" err="1" smtClean="0">
+                <a:solidFill>
+                  <a:srgbClr val="1E3272"/>
+                </a:solidFill>
+              </a:rPr>
+              <a:t>slli</a:t>
+            </a:r>
+            <a:endParaRPr lang="en-US" sz="3600" dirty="0" smtClean="0">
+              <a:solidFill>
+                <a:srgbClr val="1E3272"/>
+              </a:solidFill>
+            </a:endParaRPr>
+          </a:p>
+          <a:p>
+            <a:pPr>
+              <a:lnSpc>
+                <a:spcPct val="120000"/>
+              </a:lnSpc>
+              <a:spcBef>
+                <a:spcPts val="600"/>
+              </a:spcBef>
+            </a:pPr>
+            <a:r>
+              <a:rPr lang="en-US" sz="4100" b="1" dirty="0" smtClean="0">
+                <a:solidFill>
+                  <a:srgbClr val="1E3272"/>
+                </a:solidFill>
+              </a:rPr>
+              <a:t>S-format: </a:t>
+            </a:r>
+            <a:r>
+              <a:rPr lang="en-US" sz="4100" dirty="0" smtClean="0">
+                <a:solidFill>
+                  <a:srgbClr val="1E3272"/>
+                </a:solidFill>
+              </a:rPr>
+              <a:t>store instructions</a:t>
+            </a:r>
+          </a:p>
+          <a:p>
+            <a:pPr lvl="1">
+              <a:lnSpc>
+                <a:spcPct val="110000"/>
+              </a:lnSpc>
+              <a:spcBef>
+                <a:spcPts val="0"/>
+              </a:spcBef>
+            </a:pPr>
+            <a:r>
+              <a:rPr lang="en-US" sz="3600" dirty="0" smtClean="0">
+                <a:solidFill>
+                  <a:srgbClr val="1E3272"/>
+                </a:solidFill>
+              </a:rPr>
+              <a:t> sw, </a:t>
+            </a:r>
+            <a:r>
+              <a:rPr lang="en-US" sz="3600" dirty="0" err="1" smtClean="0">
+                <a:solidFill>
+                  <a:srgbClr val="1E3272"/>
+                </a:solidFill>
+              </a:rPr>
+              <a:t>sb</a:t>
+            </a:r>
+            <a:endParaRPr lang="en-US" sz="3600" dirty="0" smtClean="0">
+              <a:solidFill>
+                <a:srgbClr val="1E3272"/>
+              </a:solidFill>
+            </a:endParaRPr>
+          </a:p>
+          <a:p>
+            <a:pPr>
+              <a:lnSpc>
+                <a:spcPct val="120000"/>
+              </a:lnSpc>
+              <a:spcBef>
+                <a:spcPts val="600"/>
+              </a:spcBef>
+            </a:pPr>
+            <a:r>
+              <a:rPr lang="en-US" sz="4100" b="1" dirty="0" smtClean="0">
+                <a:solidFill>
+                  <a:srgbClr val="1E3272"/>
+                </a:solidFill>
+              </a:rPr>
+              <a:t>SB-format: </a:t>
+            </a:r>
+            <a:r>
+              <a:rPr lang="en-US" sz="4100" dirty="0" smtClean="0">
+                <a:solidFill>
+                  <a:srgbClr val="1E3272"/>
+                </a:solidFill>
+              </a:rPr>
+              <a:t>branch instructions</a:t>
+            </a:r>
+          </a:p>
+          <a:p>
+            <a:pPr lvl="1">
+              <a:lnSpc>
+                <a:spcPct val="110000"/>
+              </a:lnSpc>
+              <a:spcBef>
+                <a:spcPts val="0"/>
+              </a:spcBef>
+            </a:pPr>
+            <a:r>
+              <a:rPr lang="en-US" dirty="0" smtClean="0">
+                <a:solidFill>
+                  <a:srgbClr val="1E3272"/>
+                </a:solidFill>
+              </a:rPr>
+              <a:t> </a:t>
+            </a:r>
+            <a:r>
+              <a:rPr lang="en-US" sz="3600" dirty="0" err="1" smtClean="0">
+                <a:solidFill>
+                  <a:srgbClr val="1E3272"/>
+                </a:solidFill>
+              </a:rPr>
+              <a:t>beq</a:t>
+            </a:r>
+            <a:r>
+              <a:rPr lang="en-US" sz="3600" dirty="0" smtClean="0">
+                <a:solidFill>
+                  <a:srgbClr val="1E3272"/>
+                </a:solidFill>
+              </a:rPr>
+              <a:t>, </a:t>
+            </a:r>
+            <a:r>
+              <a:rPr lang="en-US" sz="3600" dirty="0" err="1" smtClean="0">
+                <a:solidFill>
+                  <a:srgbClr val="1E3272"/>
+                </a:solidFill>
+              </a:rPr>
+              <a:t>bge</a:t>
+            </a:r>
+            <a:endParaRPr lang="en-US" sz="3600" dirty="0" smtClean="0">
+              <a:solidFill>
+                <a:srgbClr val="1E3272"/>
+              </a:solidFill>
+            </a:endParaRPr>
+          </a:p>
+          <a:p>
+            <a:pPr>
+              <a:lnSpc>
+                <a:spcPct val="120000"/>
+              </a:lnSpc>
+              <a:spcBef>
+                <a:spcPts val="600"/>
+              </a:spcBef>
+            </a:pPr>
+            <a:r>
+              <a:rPr lang="en-US" sz="4100" b="1" dirty="0" smtClean="0">
+                <a:solidFill>
+                  <a:srgbClr val="1E3272"/>
+                </a:solidFill>
+              </a:rPr>
+              <a:t>U-format: </a:t>
+            </a:r>
+            <a:r>
+              <a:rPr lang="en-US" sz="4100" dirty="0" smtClean="0">
+                <a:solidFill>
+                  <a:srgbClr val="1E3272"/>
+                </a:solidFill>
+              </a:rPr>
+              <a:t>instructions with upper </a:t>
+            </a:r>
+            <a:r>
+              <a:rPr lang="en-US" sz="4100" dirty="0" err="1" smtClean="0">
+                <a:solidFill>
+                  <a:srgbClr val="1E3272"/>
+                </a:solidFill>
+              </a:rPr>
+              <a:t>immediates</a:t>
+            </a:r>
+            <a:endParaRPr lang="en-US" sz="4100" dirty="0" smtClean="0">
+              <a:solidFill>
+                <a:srgbClr val="1E3272"/>
+              </a:solidFill>
+            </a:endParaRPr>
+          </a:p>
+          <a:p>
+            <a:pPr lvl="1">
+              <a:lnSpc>
+                <a:spcPct val="110000"/>
+              </a:lnSpc>
+              <a:spcBef>
+                <a:spcPts val="0"/>
+              </a:spcBef>
+            </a:pPr>
+            <a:r>
+              <a:rPr lang="en-US" sz="3600" dirty="0" smtClean="0">
+                <a:solidFill>
+                  <a:srgbClr val="1E3272"/>
+                </a:solidFill>
+              </a:rPr>
+              <a:t>lui, </a:t>
+            </a:r>
+            <a:r>
+              <a:rPr lang="en-US" sz="3600" dirty="0" err="1" smtClean="0">
+                <a:solidFill>
+                  <a:srgbClr val="1E3272"/>
+                </a:solidFill>
+              </a:rPr>
+              <a:t>auipc</a:t>
+            </a:r>
+            <a:r>
+              <a:rPr lang="en-US" sz="3600" dirty="0" smtClean="0">
+                <a:solidFill>
+                  <a:srgbClr val="1E3272"/>
+                </a:solidFill>
+              </a:rPr>
+              <a:t> - upper immediate is 20-bits</a:t>
+            </a:r>
+          </a:p>
+          <a:p>
+            <a:pPr>
+              <a:lnSpc>
+                <a:spcPct val="120000"/>
+              </a:lnSpc>
+              <a:spcBef>
+                <a:spcPts val="600"/>
+              </a:spcBef>
+            </a:pPr>
+            <a:r>
+              <a:rPr lang="en-US" sz="4100" b="1" dirty="0" smtClean="0">
+                <a:solidFill>
+                  <a:srgbClr val="1E3272"/>
+                </a:solidFill>
+              </a:rPr>
+              <a:t>UJ-format: </a:t>
+            </a:r>
+            <a:r>
+              <a:rPr lang="en-US" sz="4100" dirty="0" smtClean="0">
+                <a:solidFill>
+                  <a:srgbClr val="1E3272"/>
+                </a:solidFill>
+              </a:rPr>
+              <a:t>the jump instruction</a:t>
+            </a:r>
+          </a:p>
+          <a:p>
+            <a:pPr lvl="1">
+              <a:lnSpc>
+                <a:spcPct val="110000"/>
+              </a:lnSpc>
+              <a:spcBef>
+                <a:spcPts val="0"/>
+              </a:spcBef>
+            </a:pPr>
+            <a:r>
+              <a:rPr lang="en-US" sz="3600" dirty="0" smtClean="0">
+                <a:solidFill>
+                  <a:srgbClr val="1E3272"/>
+                </a:solidFill>
+              </a:rPr>
+              <a:t> </a:t>
+            </a:r>
+            <a:r>
+              <a:rPr lang="en-US" sz="3600" dirty="0" err="1" smtClean="0">
+                <a:solidFill>
+                  <a:srgbClr val="1E3272"/>
+                </a:solidFill>
+              </a:rPr>
+              <a:t>jal</a:t>
+            </a:r>
+            <a:endParaRPr lang="ru-RU" sz="3600" dirty="0">
+              <a:solidFill>
+                <a:srgbClr val="1E3272"/>
+              </a:solidFill>
+            </a:endParaRPr>
+          </a:p>
+        </p:txBody>
+      </p:sp>
+      <p:sp>
+        <p:nvSpPr>
+          <p:cNvPr id="3" name="Номер слайда 2"/>
+          <p:cNvSpPr>
+            <a:spLocks noGrp="1"/>
+          </p:cNvSpPr>
+          <p:nvPr>
+            <p:ph type="sldNum" sz="quarter" idx="12"/>
+          </p:nvPr>
+        </p:nvSpPr>
+        <p:spPr/>
+        <p:txBody>
+          <a:bodyPr/>
+          <a:lstStyle/>
+          <a:p>
+            <a:pPr algn="ctr"/>
+            <a:fld id="{1397BFD8-F312-4EF2-A268-44FB4BDDBBB0}" type="slidenum">
+              <a:rPr lang="ru-RU" smtClean="0"/>
+              <a:pPr algn="ctr"/>
+              <a:t>6</a:t>
+            </a:fld>
+            <a:endParaRPr lang="ru-RU" dirty="0"/>
+          </a:p>
+        </p:txBody>
+      </p:sp>
+      <p:sp>
+        <p:nvSpPr>
+          <p:cNvPr id="4" name="Заголовок 3"/>
+          <p:cNvSpPr>
+            <a:spLocks noGrp="1"/>
+          </p:cNvSpPr>
+          <p:nvPr>
+            <p:ph type="title"/>
+          </p:nvPr>
+        </p:nvSpPr>
+        <p:spPr/>
+        <p:txBody>
+          <a:bodyPr/>
+          <a:lstStyle/>
+          <a:p>
+            <a:r>
+              <a:rPr lang="en-US" dirty="0" smtClean="0"/>
+              <a:t>Six Instruction Formats</a:t>
+            </a:r>
+            <a:endParaRPr lang="ru-RU" dirty="0"/>
+          </a:p>
+        </p:txBody>
+      </p:sp>
+    </p:spTree>
+  </p:cSld>
+  <p:clrMapOvr>
+    <a:masterClrMapping/>
+  </p:clrMapOvr>
+  <p:timing>
+    <p:tnLst>
+      <p:par>
+        <p:cTn id="1" dur="indefinite" restart="never" nodeType="tmRoot"/>
+      </p:par>
+    </p:tnLst>
+  </p:timing>
+</p:sld>
+</file>
+
+<file path=ppt/slides/slide7.xml><?xml version="1.0" encoding="utf-8"?>
+<p:sld xmlns:a="http://schemas.openxmlformats.org/drawingml/2006/main" xmlns:r="http://schemas.openxmlformats.org/officeDocument/2006/relationships" xmlns:p="http://schemas.openxmlformats.org/presentationml/2006/main">
+  <p:cSld>
+    <p:spTree>
+      <p:nvGrpSpPr>
+        <p:cNvPr id="1" name=""/>
+        <p:cNvGrpSpPr/>
+        <p:nvPr/>
+      </p:nvGrpSpPr>
+      <p:grpSpPr>
+        <a:xfrm>
+          <a:off x="0" y="0"/>
+          <a:ext cx="0" cy="0"/>
+          <a:chOff x="0" y="0"/>
+          <a:chExt cx="0" cy="0"/>
+        </a:xfrm>
+      </p:grpSpPr>
+      <p:sp>
+        <p:nvSpPr>
+          <p:cNvPr id="2" name="Содержимое 1"/>
+          <p:cNvSpPr>
+            <a:spLocks noGrp="1"/>
+          </p:cNvSpPr>
+          <p:nvPr>
+            <p:ph idx="1"/>
+          </p:nvPr>
+        </p:nvSpPr>
+        <p:spPr>
+          <a:xfrm>
             <a:off x="838199" y="3836273"/>
             <a:ext cx="10702159" cy="2995448"/>
           </a:xfrm>
@@ -7829,7 +10385,7 @@
             <a:fld id="{1397BFD8-F312-4EF2-A268-44FB4BDDBBB0}" type="slidenum">
               <a:rPr lang="ru-RU" smtClean="0"/>
               <a:pPr algn="ctr"/>
-              <a:t>5</a:t>
+              <a:t>7</a:t>
             </a:fld>
             <a:endParaRPr lang="ru-RU" dirty="0"/>
           </a:p>
@@ -9219,7 +11775,7 @@
 </p:sld>
 </file>
 
-<file path=ppt/slides/slide6.xml><?xml version="1.0" encoding="utf-8"?>
+<file path=ppt/slides/slide8.xml><?xml version="1.0" encoding="utf-8"?>
 <p:sld xmlns:a="http://schemas.openxmlformats.org/drawingml/2006/main" xmlns:r="http://schemas.openxmlformats.org/officeDocument/2006/relationships" xmlns:p="http://schemas.openxmlformats.org/presentationml/2006/main">
   <p:cSld>
     <p:spTree>
@@ -9304,7 +11860,7 @@
             <a:fld id="{1397BFD8-F312-4EF2-A268-44FB4BDDBBB0}" type="slidenum">
               <a:rPr lang="ru-RU" smtClean="0"/>
               <a:pPr algn="ctr"/>
-              <a:t>6</a:t>
+              <a:t>8</a:t>
             </a:fld>
             <a:endParaRPr lang="ru-RU" dirty="0"/>
           </a:p>
@@ -10404,7 +12960,7 @@
 </p:sld>
 </file>
 
-<file path=ppt/slides/slide7.xml><?xml version="1.0" encoding="utf-8"?>
+<file path=ppt/slides/slide9.xml><?xml version="1.0" encoding="utf-8"?>
 <p:sld xmlns:a="http://schemas.openxmlformats.org/drawingml/2006/main" xmlns:r="http://schemas.openxmlformats.org/officeDocument/2006/relationships" xmlns:p="http://schemas.openxmlformats.org/presentationml/2006/main">
   <p:cSld>
     <p:spTree>
@@ -10500,7 +13056,7 @@
             <a:fld id="{1397BFD8-F312-4EF2-A268-44FB4BDDBBB0}" type="slidenum">
               <a:rPr lang="ru-RU" smtClean="0"/>
               <a:pPr algn="ctr"/>
-              <a:t>7</a:t>
+              <a:t>9</a:t>
             </a:fld>
             <a:endParaRPr lang="ru-RU" dirty="0"/>
           </a:p>
@@ -11805,23 +14361,7 @@
                   <a:schemeClr val="accent6"/>
                 </a:solidFill>
               </a:rPr>
-              <a:t> </a:t>
-            </a:r>
-            <a:r>
-              <a:rPr lang="en-US" altLang="en-US" sz="3200" b="1" dirty="0" smtClean="0">
-                <a:solidFill>
-                  <a:schemeClr val="accent6"/>
-                </a:solidFill>
-              </a:rPr>
-              <a:t>= </a:t>
-            </a:r>
-            <a:r>
-              <a:rPr lang="en-US" altLang="en-US" sz="3200" b="1" dirty="0" smtClean="0">
-                <a:solidFill>
-                  <a:schemeClr val="accent6"/>
-                </a:solidFill>
-              </a:rPr>
-              <a:t>0x00532223</a:t>
+              <a:t> = 0x00532223</a:t>
             </a:r>
             <a:r>
               <a:rPr lang="en-US" altLang="en-US" sz="3200" b="1" baseline="-25000" dirty="0" smtClean="0">
@@ -11832,204 +14372,6 @@
               <a:t>16</a:t>
             </a:r>
             <a:endParaRPr lang="ru-RU" sz="3200" dirty="0"/>
-          </a:p>
-        </p:txBody>
-      </p:sp>
-    </p:spTree>
-  </p:cSld>
-  <p:clrMapOvr>
-    <a:masterClrMapping/>
-  </p:clrMapOvr>
-  <p:timing>
-    <p:tnLst>
-      <p:par>
-        <p:cTn id="1" dur="indefinite" restart="never" nodeType="tmRoot"/>
-      </p:par>
-    </p:tnLst>
-  </p:timing>
-</p:sld>
-</file>
-
-<file path=ppt/slides/slide8.xml><?xml version="1.0" encoding="utf-8"?>
-<p:sld xmlns:a="http://schemas.openxmlformats.org/drawingml/2006/main" xmlns:r="http://schemas.openxmlformats.org/officeDocument/2006/relationships" xmlns:p="http://schemas.openxmlformats.org/presentationml/2006/main">
-  <p:cSld>
-    <p:spTree>
-      <p:nvGrpSpPr>
-        <p:cNvPr id="1" name=""/>
-        <p:cNvGrpSpPr/>
-        <p:nvPr/>
-      </p:nvGrpSpPr>
-      <p:grpSpPr>
-        <a:xfrm>
-          <a:off x="0" y="0"/>
-          <a:ext cx="0" cy="0"/>
-          <a:chOff x="0" y="0"/>
-          <a:chExt cx="0" cy="0"/>
-        </a:xfrm>
-      </p:grpSpPr>
-      <p:sp>
-        <p:nvSpPr>
-          <p:cNvPr id="2" name="Содержимое 1"/>
-          <p:cNvSpPr>
-            <a:spLocks noGrp="1"/>
-          </p:cNvSpPr>
-          <p:nvPr>
-            <p:ph idx="1"/>
-          </p:nvPr>
-        </p:nvSpPr>
-        <p:spPr/>
-        <p:txBody>
-          <a:bodyPr/>
-          <a:lstStyle/>
-          <a:p>
-            <a:endParaRPr lang="ru-RU"/>
-          </a:p>
-        </p:txBody>
-      </p:sp>
-      <p:sp>
-        <p:nvSpPr>
-          <p:cNvPr id="3" name="Номер слайда 2"/>
-          <p:cNvSpPr>
-            <a:spLocks noGrp="1"/>
-          </p:cNvSpPr>
-          <p:nvPr>
-            <p:ph type="sldNum" sz="quarter" idx="12"/>
-          </p:nvPr>
-        </p:nvSpPr>
-        <p:spPr/>
-        <p:txBody>
-          <a:bodyPr/>
-          <a:lstStyle/>
-          <a:p>
-            <a:pPr algn="ctr"/>
-            <a:fld id="{1397BFD8-F312-4EF2-A268-44FB4BDDBBB0}" type="slidenum">
-              <a:rPr lang="ru-RU" smtClean="0"/>
-              <a:pPr algn="ctr"/>
-              <a:t>8</a:t>
-            </a:fld>
-            <a:endParaRPr lang="ru-RU" dirty="0"/>
-          </a:p>
-        </p:txBody>
-      </p:sp>
-      <p:sp>
-        <p:nvSpPr>
-          <p:cNvPr id="4" name="Заголовок 3"/>
-          <p:cNvSpPr>
-            <a:spLocks noGrp="1"/>
-          </p:cNvSpPr>
-          <p:nvPr>
-            <p:ph type="title"/>
-          </p:nvPr>
-        </p:nvSpPr>
-        <p:spPr/>
-        <p:txBody>
-          <a:bodyPr/>
-          <a:lstStyle/>
-          <a:p>
-            <a:r>
-              <a:rPr lang="en-US" altLang="en-US" dirty="0" smtClean="0"/>
-              <a:t>SB-format Instructions</a:t>
-            </a:r>
-            <a:endParaRPr lang="ru-RU" dirty="0"/>
-          </a:p>
-        </p:txBody>
-      </p:sp>
-    </p:spTree>
-  </p:cSld>
-  <p:clrMapOvr>
-    <a:masterClrMapping/>
-  </p:clrMapOvr>
-  <p:timing>
-    <p:tnLst>
-      <p:par>
-        <p:cTn id="1" dur="indefinite" restart="never" nodeType="tmRoot"/>
-      </p:par>
-    </p:tnLst>
-  </p:timing>
-</p:sld>
-</file>
-
-<file path=ppt/slides/slide9.xml><?xml version="1.0" encoding="utf-8"?>
-<p:sld xmlns:a="http://schemas.openxmlformats.org/drawingml/2006/main" xmlns:r="http://schemas.openxmlformats.org/officeDocument/2006/relationships" xmlns:p="http://schemas.openxmlformats.org/presentationml/2006/main">
-  <p:cSld>
-    <p:spTree>
-      <p:nvGrpSpPr>
-        <p:cNvPr id="1" name=""/>
-        <p:cNvGrpSpPr/>
-        <p:nvPr/>
-      </p:nvGrpSpPr>
-      <p:grpSpPr>
-        <a:xfrm>
-          <a:off x="0" y="0"/>
-          <a:ext cx="0" cy="0"/>
-          <a:chOff x="0" y="0"/>
-          <a:chExt cx="0" cy="0"/>
-        </a:xfrm>
-      </p:grpSpPr>
-      <p:sp>
-        <p:nvSpPr>
-          <p:cNvPr id="2" name="Содержимое 1"/>
-          <p:cNvSpPr>
-            <a:spLocks noGrp="1"/>
-          </p:cNvSpPr>
-          <p:nvPr>
-            <p:ph idx="1"/>
-          </p:nvPr>
-        </p:nvSpPr>
-        <p:spPr/>
-        <p:txBody>
-          <a:bodyPr/>
-          <a:lstStyle/>
-          <a:p>
-            <a:endParaRPr lang="ru-RU"/>
-          </a:p>
-        </p:txBody>
-      </p:sp>
-      <p:sp>
-        <p:nvSpPr>
-          <p:cNvPr id="3" name="Номер слайда 2"/>
-          <p:cNvSpPr>
-            <a:spLocks noGrp="1"/>
-          </p:cNvSpPr>
-          <p:nvPr>
-            <p:ph type="sldNum" sz="quarter" idx="12"/>
-          </p:nvPr>
-        </p:nvSpPr>
-        <p:spPr/>
-        <p:txBody>
-          <a:bodyPr/>
-          <a:lstStyle/>
-          <a:p>
-            <a:pPr algn="ctr"/>
-            <a:fld id="{1397BFD8-F312-4EF2-A268-44FB4BDDBBB0}" type="slidenum">
-              <a:rPr lang="ru-RU" smtClean="0"/>
-              <a:pPr algn="ctr"/>
-              <a:t>9</a:t>
-            </a:fld>
-            <a:endParaRPr lang="ru-RU" dirty="0"/>
-          </a:p>
-        </p:txBody>
-      </p:sp>
-      <p:sp>
-        <p:nvSpPr>
-          <p:cNvPr id="4" name="Заголовок 3"/>
-          <p:cNvSpPr>
-            <a:spLocks noGrp="1"/>
-          </p:cNvSpPr>
-          <p:nvPr>
-            <p:ph type="title"/>
-          </p:nvPr>
-        </p:nvSpPr>
-        <p:spPr/>
-        <p:txBody>
-          <a:bodyPr/>
-          <a:lstStyle/>
-          <a:p>
-            <a:r>
-              <a:rPr lang="en-US" altLang="en-US" dirty="0" smtClean="0"/>
-              <a:t>UJ-format Instructions</a:t>
-            </a:r>
-            <a:endParaRPr lang="ru-RU" dirty="0"/>
           </a:p>
         </p:txBody>
       </p:sp>
@@ -12323,7 +14665,7 @@
   <a:extraClrSchemeLst/>
   <a:extLst>
     <a:ext uri="{05A4C25C-085E-4340-85A3-A5531E510DB2}">
-      <thm15:themeFamily xmlns:thm15="http://schemas.microsoft.com/office/thememl/2012/main" xmlns="" name="Office Theme" id="{62F939B6-93AF-4DB8-9C6B-D6C7DFDC589F}" vid="{4A3C46E8-61CC-4603-A589-7422A47A8E4A}"/>
+      <thm15:themeFamily xmlns="" xmlns:thm15="http://schemas.microsoft.com/office/thememl/2012/main" name="Office Theme" id="{62F939B6-93AF-4DB8-9C6B-D6C7DFDC589F}" vid="{4A3C46E8-61CC-4603-A589-7422A47A8E4A}"/>
     </a:ext>
   </a:extLst>
 </a:theme>
@@ -12584,7 +14926,7 @@
   <a:extraClrSchemeLst/>
   <a:extLst>
     <a:ext uri="{05A4C25C-085E-4340-85A3-A5531E510DB2}">
-      <thm15:themeFamily xmlns:thm15="http://schemas.microsoft.com/office/thememl/2012/main" xmlns="" name="Office Theme" id="{62F939B6-93AF-4DB8-9C6B-D6C7DFDC589F}" vid="{4A3C46E8-61CC-4603-A589-7422A47A8E4A}"/>
+      <thm15:themeFamily xmlns="" xmlns:thm15="http://schemas.microsoft.com/office/thememl/2012/main" name="Office Theme" id="{62F939B6-93AF-4DB8-9C6B-D6C7DFDC589F}" vid="{4A3C46E8-61CC-4603-A589-7422A47A8E4A}"/>
     </a:ext>
   </a:extLst>
 </a:theme>
@@ -12845,7 +15187,7 @@
   <a:extraClrSchemeLst/>
   <a:extLst>
     <a:ext uri="{05A4C25C-085E-4340-85A3-A5531E510DB2}">
-      <thm15:themeFamily xmlns:thm15="http://schemas.microsoft.com/office/thememl/2012/main" xmlns="" name="Office Theme" id="{62F939B6-93AF-4DB8-9C6B-D6C7DFDC589F}" vid="{4A3C46E8-61CC-4603-A589-7422A47A8E4A}"/>
+      <thm15:themeFamily xmlns="" xmlns:thm15="http://schemas.microsoft.com/office/thememl/2012/main" name="Office Theme" id="{62F939B6-93AF-4DB8-9C6B-D6C7DFDC589F}" vid="{4A3C46E8-61CC-4603-A589-7422A47A8E4A}"/>
     </a:ext>
   </a:extLst>
 </a:theme>

--- a/docs/part1ca/04_Instructions/CA_Lecture_04.pptx
+++ b/docs/part1ca/04_Instructions/CA_Lecture_04.pptx
@@ -10557,30 +10557,6 @@
       </p:grpSpPr>
       <p:sp>
         <p:nvSpPr>
-          <p:cNvPr id="2" name="Содержимое 1"/>
-          <p:cNvSpPr>
-            <a:spLocks noGrp="1"/>
-          </p:cNvSpPr>
-          <p:nvPr>
-            <p:ph idx="1"/>
-          </p:nvPr>
-        </p:nvSpPr>
-        <p:spPr>
-          <a:xfrm>
-            <a:off x="838200" y="1178053"/>
-            <a:ext cx="7137400" cy="4997896"/>
-          </a:xfrm>
-        </p:spPr>
-        <p:txBody>
-          <a:bodyPr/>
-          <a:lstStyle/>
-          <a:p>
-            <a:endParaRPr lang="ru-RU" dirty="0"/>
-          </a:p>
-        </p:txBody>
-      </p:sp>
-      <p:sp>
-        <p:nvSpPr>
           <p:cNvPr id="3" name="Номер слайда 2"/>
           <p:cNvSpPr>
             <a:spLocks noGrp="1"/>
@@ -10629,14 +10605,14 @@
       </p:sp>
       <p:sp>
         <p:nvSpPr>
-          <p:cNvPr id="5" name="Прямоугольник 4"/>
+          <p:cNvPr id="6" name="Прямоугольник 5"/>
           <p:cNvSpPr/>
           <p:nvPr/>
         </p:nvSpPr>
         <p:spPr>
           <a:xfrm>
-            <a:off x="8001001" y="2304534"/>
-            <a:ext cx="3606799" cy="1384995"/>
+            <a:off x="1346200" y="973434"/>
+            <a:ext cx="2933700" cy="2034403"/>
           </a:xfrm>
           <a:prstGeom prst="rect">
             <a:avLst/>
@@ -10648,6 +10624,783 @@
           </a:bodyPr>
           <a:lstStyle/>
           <a:p>
+            <a:pPr>
+              <a:lnSpc>
+                <a:spcPct val="90000"/>
+              </a:lnSpc>
+              <a:spcAft>
+                <a:spcPts val="600"/>
+              </a:spcAft>
+            </a:pPr>
+            <a:r>
+              <a:rPr lang="en-US" sz="2800" b="1" dirty="0" smtClean="0">
+                <a:solidFill>
+                  <a:srgbClr val="273272"/>
+                </a:solidFill>
+              </a:rPr>
+              <a:t>Assembly Code</a:t>
+            </a:r>
+          </a:p>
+          <a:p>
+            <a:pPr>
+              <a:lnSpc>
+                <a:spcPct val="80000"/>
+              </a:lnSpc>
+            </a:pPr>
+            <a:r>
+              <a:rPr lang="en-US" sz="3000" dirty="0" smtClean="0">
+                <a:solidFill>
+                  <a:schemeClr val="accent6"/>
+                </a:solidFill>
+              </a:rPr>
+              <a:t>lw    t0</a:t>
+            </a:r>
+            <a:r>
+              <a:rPr lang="en-US" sz="3000" dirty="0" smtClean="0">
+                <a:solidFill>
+                  <a:schemeClr val="accent6"/>
+                </a:solidFill>
+              </a:rPr>
+              <a:t>, </a:t>
+            </a:r>
+            <a:r>
+              <a:rPr lang="en-US" sz="3000" dirty="0" smtClean="0">
+                <a:solidFill>
+                  <a:schemeClr val="accent6"/>
+                </a:solidFill>
+              </a:rPr>
+              <a:t>32 (t1</a:t>
+            </a:r>
+            <a:r>
+              <a:rPr lang="en-US" sz="3000" dirty="0" smtClean="0">
+                <a:solidFill>
+                  <a:schemeClr val="accent6"/>
+                </a:solidFill>
+              </a:rPr>
+              <a:t>)</a:t>
+            </a:r>
+          </a:p>
+          <a:p>
+            <a:pPr>
+              <a:lnSpc>
+                <a:spcPct val="80000"/>
+              </a:lnSpc>
+            </a:pPr>
+            <a:r>
+              <a:rPr lang="en-US" sz="3000" dirty="0" smtClean="0">
+                <a:solidFill>
+                  <a:schemeClr val="accent6"/>
+                </a:solidFill>
+              </a:rPr>
+              <a:t>add  s1</a:t>
+            </a:r>
+            <a:r>
+              <a:rPr lang="en-US" sz="3000" dirty="0" smtClean="0">
+                <a:solidFill>
+                  <a:schemeClr val="accent6"/>
+                </a:solidFill>
+              </a:rPr>
+              <a:t>, s0, </a:t>
+            </a:r>
+            <a:r>
+              <a:rPr lang="en-US" sz="3000" dirty="0" smtClean="0">
+                <a:solidFill>
+                  <a:schemeClr val="accent6"/>
+                </a:solidFill>
+              </a:rPr>
+              <a:t> s2</a:t>
+            </a:r>
+            <a:endParaRPr lang="en-US" sz="3000" dirty="0" smtClean="0">
+              <a:solidFill>
+                <a:schemeClr val="accent6"/>
+              </a:solidFill>
+            </a:endParaRPr>
+          </a:p>
+          <a:p>
+            <a:pPr>
+              <a:lnSpc>
+                <a:spcPct val="80000"/>
+              </a:lnSpc>
+            </a:pPr>
+            <a:r>
+              <a:rPr lang="en-US" sz="3000" dirty="0" err="1" smtClean="0">
+                <a:solidFill>
+                  <a:schemeClr val="accent6"/>
+                </a:solidFill>
+              </a:rPr>
+              <a:t>addi</a:t>
+            </a:r>
+            <a:r>
+              <a:rPr lang="en-US" sz="3000" dirty="0" smtClean="0">
+                <a:solidFill>
+                  <a:schemeClr val="accent6"/>
+                </a:solidFill>
+              </a:rPr>
+              <a:t> t0, s3, -12</a:t>
+            </a:r>
+          </a:p>
+          <a:p>
+            <a:pPr>
+              <a:lnSpc>
+                <a:spcPct val="80000"/>
+              </a:lnSpc>
+            </a:pPr>
+            <a:r>
+              <a:rPr lang="en-US" sz="3000" dirty="0" smtClean="0">
+                <a:solidFill>
+                  <a:schemeClr val="accent6"/>
+                </a:solidFill>
+              </a:rPr>
+              <a:t>sub </a:t>
+            </a:r>
+            <a:r>
+              <a:rPr lang="en-US" sz="3000" dirty="0" smtClean="0">
+                <a:solidFill>
+                  <a:schemeClr val="accent6"/>
+                </a:solidFill>
+              </a:rPr>
+              <a:t>  t0</a:t>
+            </a:r>
+            <a:r>
+              <a:rPr lang="en-US" sz="3000" dirty="0" smtClean="0">
+                <a:solidFill>
+                  <a:schemeClr val="accent6"/>
+                </a:solidFill>
+              </a:rPr>
+              <a:t>, t3, </a:t>
+            </a:r>
+            <a:r>
+              <a:rPr lang="en-US" sz="3000" dirty="0" smtClean="0">
+                <a:solidFill>
+                  <a:schemeClr val="accent6"/>
+                </a:solidFill>
+              </a:rPr>
+              <a:t> t5 </a:t>
+            </a:r>
+            <a:endParaRPr lang="ru-RU" sz="3000" dirty="0">
+              <a:solidFill>
+                <a:schemeClr val="accent6"/>
+              </a:solidFill>
+            </a:endParaRPr>
+          </a:p>
+        </p:txBody>
+      </p:sp>
+      <p:sp>
+        <p:nvSpPr>
+          <p:cNvPr id="7" name="Прямоугольник 6"/>
+          <p:cNvSpPr/>
+          <p:nvPr/>
+        </p:nvSpPr>
+        <p:spPr>
+          <a:xfrm>
+            <a:off x="8420100" y="973435"/>
+            <a:ext cx="2730500" cy="2059025"/>
+          </a:xfrm>
+          <a:prstGeom prst="rect">
+            <a:avLst/>
+          </a:prstGeom>
+        </p:spPr>
+        <p:txBody>
+          <a:bodyPr wrap="square">
+            <a:spAutoFit/>
+          </a:bodyPr>
+          <a:lstStyle/>
+          <a:p>
+            <a:pPr>
+              <a:lnSpc>
+                <a:spcPct val="90000"/>
+              </a:lnSpc>
+              <a:spcAft>
+                <a:spcPts val="600"/>
+              </a:spcAft>
+            </a:pPr>
+            <a:r>
+              <a:rPr lang="en-US" sz="2800" b="1" dirty="0" smtClean="0">
+                <a:solidFill>
+                  <a:srgbClr val="273272"/>
+                </a:solidFill>
+              </a:rPr>
+              <a:t>Machine Code</a:t>
+            </a:r>
+          </a:p>
+          <a:p>
+            <a:pPr>
+              <a:lnSpc>
+                <a:spcPct val="80000"/>
+              </a:lnSpc>
+            </a:pPr>
+            <a:r>
+              <a:rPr lang="en-US" sz="3200" dirty="0" smtClean="0">
+                <a:solidFill>
+                  <a:schemeClr val="accent6"/>
+                </a:solidFill>
+              </a:rPr>
+              <a:t> </a:t>
+            </a:r>
+            <a:r>
+              <a:rPr lang="en-US" sz="3000" dirty="0" smtClean="0">
+                <a:solidFill>
+                  <a:schemeClr val="accent6"/>
+                </a:solidFill>
+              </a:rPr>
+              <a:t>0x02032283</a:t>
+            </a:r>
+            <a:endParaRPr lang="en-US" sz="3000" dirty="0" smtClean="0">
+              <a:solidFill>
+                <a:schemeClr val="accent6"/>
+              </a:solidFill>
+            </a:endParaRPr>
+          </a:p>
+          <a:p>
+            <a:pPr>
+              <a:lnSpc>
+                <a:spcPct val="80000"/>
+              </a:lnSpc>
+            </a:pPr>
+            <a:r>
+              <a:rPr lang="en-US" sz="3000" dirty="0" smtClean="0">
+                <a:solidFill>
+                  <a:schemeClr val="accent6"/>
+                </a:solidFill>
+              </a:rPr>
+              <a:t> 0x012404B3</a:t>
+            </a:r>
+            <a:endParaRPr lang="en-US" sz="3000" dirty="0" smtClean="0">
+              <a:solidFill>
+                <a:schemeClr val="accent6"/>
+              </a:solidFill>
+            </a:endParaRPr>
+          </a:p>
+          <a:p>
+            <a:pPr>
+              <a:lnSpc>
+                <a:spcPct val="80000"/>
+              </a:lnSpc>
+            </a:pPr>
+            <a:r>
+              <a:rPr lang="en-US" sz="3000" dirty="0" smtClean="0">
+                <a:solidFill>
+                  <a:schemeClr val="accent6"/>
+                </a:solidFill>
+              </a:rPr>
+              <a:t> 0xFF498293</a:t>
+            </a:r>
+            <a:endParaRPr lang="en-US" sz="3000" dirty="0" smtClean="0">
+              <a:solidFill>
+                <a:schemeClr val="accent6"/>
+              </a:solidFill>
+            </a:endParaRPr>
+          </a:p>
+          <a:p>
+            <a:pPr>
+              <a:lnSpc>
+                <a:spcPct val="80000"/>
+              </a:lnSpc>
+            </a:pPr>
+            <a:r>
+              <a:rPr lang="en-US" sz="3000" dirty="0" smtClean="0">
+                <a:solidFill>
+                  <a:schemeClr val="accent6"/>
+                </a:solidFill>
+              </a:rPr>
+              <a:t> 0x41EE02B3</a:t>
+            </a:r>
+            <a:endParaRPr lang="ru-RU" sz="3000" dirty="0">
+              <a:solidFill>
+                <a:schemeClr val="accent6"/>
+              </a:solidFill>
+            </a:endParaRPr>
+          </a:p>
+        </p:txBody>
+      </p:sp>
+      <p:sp>
+        <p:nvSpPr>
+          <p:cNvPr id="8" name="Скругленный прямоугольник 7"/>
+          <p:cNvSpPr/>
+          <p:nvPr/>
+        </p:nvSpPr>
+        <p:spPr>
+          <a:xfrm>
+            <a:off x="3060700" y="3111500"/>
+            <a:ext cx="5219700" cy="3594100"/>
+          </a:xfrm>
+          <a:prstGeom prst="roundRect">
+            <a:avLst/>
+          </a:prstGeom>
+          <a:solidFill>
+            <a:schemeClr val="accent1"/>
+          </a:solidFill>
+          <a:ln w="25400">
+            <a:solidFill>
+              <a:srgbClr val="273272"/>
+            </a:solidFill>
+          </a:ln>
+        </p:spPr>
+        <p:style>
+          <a:lnRef idx="2">
+            <a:schemeClr val="accent1">
+              <a:shade val="50000"/>
+            </a:schemeClr>
+          </a:lnRef>
+          <a:fillRef idx="1">
+            <a:schemeClr val="accent1"/>
+          </a:fillRef>
+          <a:effectRef idx="0">
+            <a:schemeClr val="accent1"/>
+          </a:effectRef>
+          <a:fontRef idx="minor">
+            <a:schemeClr val="lt1"/>
+          </a:fontRef>
+        </p:style>
+        <p:txBody>
+          <a:bodyPr tIns="0" rtlCol="0" anchor="t" anchorCtr="1"/>
+          <a:lstStyle/>
+          <a:p>
+            <a:pPr algn="ctr"/>
+            <a:r>
+              <a:rPr lang="en-US" sz="3600" b="1" dirty="0" smtClean="0">
+                <a:solidFill>
+                  <a:srgbClr val="F7B217"/>
+                </a:solidFill>
+              </a:rPr>
+              <a:t>Memory</a:t>
+            </a:r>
+            <a:endParaRPr lang="ru-RU" sz="3600" b="1" dirty="0">
+              <a:solidFill>
+                <a:srgbClr val="F7B217"/>
+              </a:solidFill>
+            </a:endParaRPr>
+          </a:p>
+        </p:txBody>
+      </p:sp>
+      <p:sp>
+        <p:nvSpPr>
+          <p:cNvPr id="9" name="Прямоугольник 8"/>
+          <p:cNvSpPr/>
+          <p:nvPr/>
+        </p:nvSpPr>
+        <p:spPr>
+          <a:xfrm>
+            <a:off x="4211892" y="2444233"/>
+            <a:ext cx="3090608" cy="584775"/>
+          </a:xfrm>
+          <a:prstGeom prst="rect">
+            <a:avLst/>
+          </a:prstGeom>
+        </p:spPr>
+        <p:txBody>
+          <a:bodyPr wrap="square">
+            <a:spAutoFit/>
+          </a:bodyPr>
+          <a:lstStyle/>
+          <a:p>
+            <a:pPr algn="ctr"/>
+            <a:r>
+              <a:rPr lang="en-US" sz="3200" b="1" dirty="0" smtClean="0">
+                <a:solidFill>
+                  <a:srgbClr val="273272"/>
+                </a:solidFill>
+              </a:rPr>
+              <a:t>Stored Program</a:t>
+            </a:r>
+            <a:endParaRPr lang="ru-RU" sz="3200" dirty="0"/>
+          </a:p>
+        </p:txBody>
+      </p:sp>
+      <p:sp>
+        <p:nvSpPr>
+          <p:cNvPr id="10" name="Прямоугольник 9"/>
+          <p:cNvSpPr/>
+          <p:nvPr/>
+        </p:nvSpPr>
+        <p:spPr>
+          <a:xfrm>
+            <a:off x="3416300" y="3895636"/>
+            <a:ext cx="2159000" cy="2806922"/>
+          </a:xfrm>
+          <a:prstGeom prst="rect">
+            <a:avLst/>
+          </a:prstGeom>
+        </p:spPr>
+        <p:txBody>
+          <a:bodyPr wrap="square">
+            <a:spAutoFit/>
+          </a:bodyPr>
+          <a:lstStyle/>
+          <a:p>
+            <a:pPr>
+              <a:lnSpc>
+                <a:spcPct val="90000"/>
+              </a:lnSpc>
+            </a:pPr>
+            <a:r>
+              <a:rPr lang="en-US" sz="2800" b="1" dirty="0" smtClean="0">
+                <a:solidFill>
+                  <a:schemeClr val="bg1"/>
+                </a:solidFill>
+              </a:rPr>
+              <a:t>Address</a:t>
+            </a:r>
+          </a:p>
+          <a:p>
+            <a:pPr>
+              <a:lnSpc>
+                <a:spcPct val="90000"/>
+              </a:lnSpc>
+            </a:pPr>
+            <a:r>
+              <a:rPr lang="en-US" sz="2800" dirty="0" smtClean="0">
+                <a:solidFill>
+                  <a:schemeClr val="bg1"/>
+                </a:solidFill>
+              </a:rPr>
+              <a:t>…</a:t>
+            </a:r>
+          </a:p>
+          <a:p>
+            <a:pPr>
+              <a:lnSpc>
+                <a:spcPct val="90000"/>
+              </a:lnSpc>
+            </a:pPr>
+            <a:r>
+              <a:rPr lang="en-US" sz="2800" dirty="0" smtClean="0">
+                <a:solidFill>
+                  <a:schemeClr val="bg1"/>
+                </a:solidFill>
+              </a:rPr>
+              <a:t>0x00400000</a:t>
+            </a:r>
+            <a:endParaRPr lang="en-US" sz="2800" dirty="0" smtClean="0">
+              <a:solidFill>
+                <a:schemeClr val="bg1"/>
+              </a:solidFill>
+            </a:endParaRPr>
+          </a:p>
+          <a:p>
+            <a:pPr>
+              <a:lnSpc>
+                <a:spcPct val="90000"/>
+              </a:lnSpc>
+            </a:pPr>
+            <a:r>
+              <a:rPr lang="en-US" sz="2800" dirty="0" smtClean="0">
+                <a:solidFill>
+                  <a:schemeClr val="bg1"/>
+                </a:solidFill>
+              </a:rPr>
+              <a:t>0x00400004</a:t>
+            </a:r>
+          </a:p>
+          <a:p>
+            <a:pPr>
+              <a:lnSpc>
+                <a:spcPct val="90000"/>
+              </a:lnSpc>
+            </a:pPr>
+            <a:r>
+              <a:rPr lang="en-US" sz="2800" dirty="0" smtClean="0">
+                <a:solidFill>
+                  <a:schemeClr val="bg1"/>
+                </a:solidFill>
+              </a:rPr>
+              <a:t>0x00400008</a:t>
+            </a:r>
+          </a:p>
+          <a:p>
+            <a:pPr>
+              <a:lnSpc>
+                <a:spcPct val="90000"/>
+              </a:lnSpc>
+            </a:pPr>
+            <a:r>
+              <a:rPr lang="en-US" sz="2800" dirty="0" smtClean="0">
+                <a:solidFill>
+                  <a:schemeClr val="bg1"/>
+                </a:solidFill>
+              </a:rPr>
+              <a:t>0x0040000</a:t>
+            </a:r>
+            <a:r>
+              <a:rPr lang="ru-RU" sz="2800" dirty="0" smtClean="0">
+                <a:solidFill>
+                  <a:schemeClr val="bg1"/>
+                </a:solidFill>
+              </a:rPr>
+              <a:t>С</a:t>
+            </a:r>
+            <a:endParaRPr lang="en-US" sz="2800" dirty="0" smtClean="0">
+              <a:solidFill>
+                <a:schemeClr val="bg1"/>
+              </a:solidFill>
+            </a:endParaRPr>
+          </a:p>
+          <a:p>
+            <a:pPr>
+              <a:lnSpc>
+                <a:spcPct val="90000"/>
+              </a:lnSpc>
+            </a:pPr>
+            <a:r>
+              <a:rPr lang="en-US" sz="2800" dirty="0" smtClean="0">
+                <a:solidFill>
+                  <a:schemeClr val="bg1"/>
+                </a:solidFill>
+              </a:rPr>
+              <a:t>…</a:t>
+            </a:r>
+            <a:endParaRPr lang="ru-RU" sz="2800" dirty="0">
+              <a:solidFill>
+                <a:schemeClr val="bg1"/>
+              </a:solidFill>
+            </a:endParaRPr>
+          </a:p>
+        </p:txBody>
+      </p:sp>
+      <p:sp>
+        <p:nvSpPr>
+          <p:cNvPr id="11" name="Прямоугольник 10"/>
+          <p:cNvSpPr/>
+          <p:nvPr/>
+        </p:nvSpPr>
+        <p:spPr>
+          <a:xfrm>
+            <a:off x="5842000" y="3882936"/>
+            <a:ext cx="2159000" cy="2806922"/>
+          </a:xfrm>
+          <a:prstGeom prst="rect">
+            <a:avLst/>
+          </a:prstGeom>
+        </p:spPr>
+        <p:txBody>
+          <a:bodyPr wrap="square">
+            <a:spAutoFit/>
+          </a:bodyPr>
+          <a:lstStyle/>
+          <a:p>
+            <a:pPr>
+              <a:lnSpc>
+                <a:spcPct val="90000"/>
+              </a:lnSpc>
+            </a:pPr>
+            <a:r>
+              <a:rPr lang="en-US" sz="2800" b="1" dirty="0" smtClean="0">
+                <a:solidFill>
+                  <a:schemeClr val="bg1"/>
+                </a:solidFill>
+              </a:rPr>
+              <a:t>Instructions</a:t>
+            </a:r>
+          </a:p>
+          <a:p>
+            <a:pPr>
+              <a:lnSpc>
+                <a:spcPct val="90000"/>
+              </a:lnSpc>
+            </a:pPr>
+            <a:r>
+              <a:rPr lang="en-US" sz="2800" dirty="0" smtClean="0">
+                <a:solidFill>
+                  <a:schemeClr val="bg1"/>
+                </a:solidFill>
+              </a:rPr>
+              <a:t>…</a:t>
+            </a:r>
+          </a:p>
+          <a:p>
+            <a:pPr>
+              <a:lnSpc>
+                <a:spcPct val="90000"/>
+              </a:lnSpc>
+            </a:pPr>
+            <a:r>
+              <a:rPr lang="en-US" sz="2800" dirty="0" smtClean="0">
+                <a:solidFill>
+                  <a:schemeClr val="bg1"/>
+                </a:solidFill>
+              </a:rPr>
+              <a:t>0x02032283</a:t>
+            </a:r>
+          </a:p>
+          <a:p>
+            <a:pPr>
+              <a:lnSpc>
+                <a:spcPct val="90000"/>
+              </a:lnSpc>
+            </a:pPr>
+            <a:r>
+              <a:rPr lang="en-US" sz="2800" dirty="0" smtClean="0">
+                <a:solidFill>
+                  <a:schemeClr val="bg1"/>
+                </a:solidFill>
+              </a:rPr>
+              <a:t>0x012404B3</a:t>
+            </a:r>
+          </a:p>
+          <a:p>
+            <a:pPr>
+              <a:lnSpc>
+                <a:spcPct val="90000"/>
+              </a:lnSpc>
+            </a:pPr>
+            <a:r>
+              <a:rPr lang="en-US" sz="2800" dirty="0" smtClean="0">
+                <a:solidFill>
+                  <a:schemeClr val="bg1"/>
+                </a:solidFill>
+              </a:rPr>
+              <a:t>0xFF498293</a:t>
+            </a:r>
+          </a:p>
+          <a:p>
+            <a:pPr>
+              <a:lnSpc>
+                <a:spcPct val="90000"/>
+              </a:lnSpc>
+            </a:pPr>
+            <a:r>
+              <a:rPr lang="en-US" sz="2800" dirty="0" smtClean="0">
+                <a:solidFill>
+                  <a:schemeClr val="bg1"/>
+                </a:solidFill>
+              </a:rPr>
+              <a:t>0x41EE02B3</a:t>
+            </a:r>
+            <a:endParaRPr lang="en-US" sz="2800" dirty="0" smtClean="0">
+              <a:solidFill>
+                <a:schemeClr val="bg1"/>
+              </a:solidFill>
+            </a:endParaRPr>
+          </a:p>
+          <a:p>
+            <a:pPr>
+              <a:lnSpc>
+                <a:spcPct val="90000"/>
+              </a:lnSpc>
+            </a:pPr>
+            <a:r>
+              <a:rPr lang="en-US" sz="2800" dirty="0" smtClean="0">
+                <a:solidFill>
+                  <a:schemeClr val="bg1"/>
+                </a:solidFill>
+              </a:rPr>
+              <a:t>…</a:t>
+            </a:r>
+            <a:endParaRPr lang="ru-RU" sz="2800" dirty="0">
+              <a:solidFill>
+                <a:schemeClr val="bg1"/>
+              </a:solidFill>
+            </a:endParaRPr>
+          </a:p>
+        </p:txBody>
+      </p:sp>
+      <p:sp>
+        <p:nvSpPr>
+          <p:cNvPr id="12" name="Прямоугольник 11"/>
+          <p:cNvSpPr/>
+          <p:nvPr/>
+        </p:nvSpPr>
+        <p:spPr>
+          <a:xfrm>
+            <a:off x="3378200" y="5816600"/>
+            <a:ext cx="4470400" cy="457200"/>
+          </a:xfrm>
+          <a:prstGeom prst="rect">
+            <a:avLst/>
+          </a:prstGeom>
+          <a:noFill/>
+          <a:ln w="38100">
+            <a:solidFill>
+              <a:srgbClr val="273272"/>
+            </a:solidFill>
+            <a:prstDash val="dash"/>
+          </a:ln>
+        </p:spPr>
+        <p:style>
+          <a:lnRef idx="2">
+            <a:schemeClr val="accent1">
+              <a:shade val="50000"/>
+            </a:schemeClr>
+          </a:lnRef>
+          <a:fillRef idx="1">
+            <a:schemeClr val="accent1"/>
+          </a:fillRef>
+          <a:effectRef idx="0">
+            <a:schemeClr val="accent1"/>
+          </a:effectRef>
+          <a:fontRef idx="minor">
+            <a:schemeClr val="lt1"/>
+          </a:fontRef>
+        </p:style>
+        <p:txBody>
+          <a:bodyPr rtlCol="0" anchor="ctr"/>
+          <a:lstStyle/>
+          <a:p>
+            <a:pPr algn="ctr"/>
+            <a:endParaRPr lang="ru-RU"/>
+          </a:p>
+        </p:txBody>
+      </p:sp>
+      <p:cxnSp>
+        <p:nvCxnSpPr>
+          <p:cNvPr id="14" name="Прямая со стрелкой 13"/>
+          <p:cNvCxnSpPr>
+            <a:stCxn id="12" idx="3"/>
+            <a:endCxn id="5" idx="1"/>
+          </p:cNvCxnSpPr>
+          <p:nvPr/>
+        </p:nvCxnSpPr>
+        <p:spPr>
+          <a:xfrm flipV="1">
+            <a:off x="7848600" y="4819998"/>
+            <a:ext cx="673100" cy="1225202"/>
+          </a:xfrm>
+          <a:prstGeom prst="straightConnector1">
+            <a:avLst/>
+          </a:prstGeom>
+          <a:ln w="38100">
+            <a:solidFill>
+              <a:srgbClr val="273272"/>
+            </a:solidFill>
+            <a:tailEnd type="arrow"/>
+          </a:ln>
+        </p:spPr>
+        <p:style>
+          <a:lnRef idx="1">
+            <a:schemeClr val="accent1"/>
+          </a:lnRef>
+          <a:fillRef idx="0">
+            <a:schemeClr val="accent1"/>
+          </a:fillRef>
+          <a:effectRef idx="0">
+            <a:schemeClr val="accent1"/>
+          </a:effectRef>
+          <a:fontRef idx="minor">
+            <a:schemeClr val="tx1"/>
+          </a:fontRef>
+        </p:style>
+      </p:cxnSp>
+      <p:sp>
+        <p:nvSpPr>
+          <p:cNvPr id="5" name="Прямоугольник 4"/>
+          <p:cNvSpPr/>
+          <p:nvPr/>
+        </p:nvSpPr>
+        <p:spPr>
+          <a:xfrm>
+            <a:off x="8521700" y="4127500"/>
+            <a:ext cx="3479800" cy="1384995"/>
+          </a:xfrm>
+          <a:prstGeom prst="rect">
+            <a:avLst/>
+          </a:prstGeom>
+        </p:spPr>
+        <p:txBody>
+          <a:bodyPr wrap="square">
+            <a:spAutoFit/>
+          </a:bodyPr>
+          <a:lstStyle/>
+          <a:p>
             <a:r>
               <a:rPr lang="en-US" sz="2800" b="1" dirty="0" smtClean="0">
                 <a:solidFill>
@@ -10677,6 +11430,13 @@
   <p:clrMapOvr>
     <a:masterClrMapping/>
   </p:clrMapOvr>
+  <p:timing>
+    <p:tnLst>
+      <p:par>
+        <p:cTn id="1" dur="indefinite" restart="never" nodeType="tmRoot"/>
+      </p:par>
+    </p:tnLst>
+  </p:timing>
 </p:sld>
 </file>
 
@@ -13675,23 +14435,7 @@
                   <a:srgbClr val="1E3272"/>
                 </a:solidFill>
               </a:rPr>
-              <a:t> addi, </a:t>
-            </a:r>
-            <a:r>
-              <a:rPr lang="en-US" sz="3600" dirty="0" err="1" smtClean="0">
-                <a:solidFill>
-                  <a:srgbClr val="1E3272"/>
-                </a:solidFill>
-              </a:rPr>
-              <a:t>lw</a:t>
-            </a:r>
-            <a:r>
-              <a:rPr lang="en-US" sz="3600" dirty="0" smtClean="0">
-                <a:solidFill>
-                  <a:srgbClr val="1E3272"/>
-                </a:solidFill>
-              </a:rPr>
-              <a:t>, </a:t>
+              <a:t> addi, lw, </a:t>
             </a:r>
             <a:r>
               <a:rPr lang="en-US" sz="3600" dirty="0" err="1" smtClean="0">

--- a/docs/part1ca/04_Instructions/CA_Lecture_04.pptx
+++ b/docs/part1ca/04_Instructions/CA_Lecture_04.pptx
@@ -23,8 +23,8 @@
     <p:sldId id="312" r:id="rId11"/>
     <p:sldId id="313" r:id="rId12"/>
     <p:sldId id="318" r:id="rId13"/>
-    <p:sldId id="319" r:id="rId14"/>
-    <p:sldId id="320" r:id="rId15"/>
+    <p:sldId id="325" r:id="rId14"/>
+    <p:sldId id="319" r:id="rId15"/>
     <p:sldId id="317" r:id="rId16"/>
     <p:sldId id="316" r:id="rId17"/>
     <p:sldId id="272" r:id="rId18"/>
@@ -250,7 +250,7 @@
             <a:fld id="{D0106195-8D78-4F6F-B8E4-FA67975ACEF5}" type="datetimeFigureOut">
               <a:rPr lang="ru-RU" smtClean="0"/>
               <a:pPr/>
-              <a:t>16.11.2020</a:t>
+              <a:t>20.01.2021</a:t>
             </a:fld>
             <a:endParaRPr lang="ru-RU"/>
           </a:p>
@@ -418,7 +418,7 @@
             <a:fld id="{878212F1-C3D9-4F2B-8F42-5E960FE8BE51}" type="datetimeFigureOut">
               <a:rPr lang="ru-RU" smtClean="0"/>
               <a:pPr/>
-              <a:t>16.11.2020</a:t>
+              <a:t>20.01.2021</a:t>
             </a:fld>
             <a:endParaRPr lang="ru-RU"/>
           </a:p>
@@ -6867,8 +6867,8 @@
         </p:nvSpPr>
         <p:spPr>
           <a:xfrm>
-            <a:off x="838200" y="3357898"/>
-            <a:ext cx="10515600" cy="3274803"/>
+            <a:off x="838200" y="3916699"/>
+            <a:ext cx="10515600" cy="2890502"/>
           </a:xfrm>
         </p:spPr>
         <p:txBody>
@@ -6877,7 +6877,7 @@
           <a:p>
             <a:pPr>
               <a:spcBef>
-                <a:spcPts val="600"/>
+                <a:spcPts val="0"/>
               </a:spcBef>
             </a:pPr>
             <a:r>
@@ -6888,7 +6888,7 @@
           <a:p>
             <a:pPr lvl="1">
               <a:spcBef>
-                <a:spcPts val="600"/>
+                <a:spcPts val="0"/>
               </a:spcBef>
             </a:pPr>
             <a:r>
@@ -6903,7 +6903,7 @@
           <a:p>
             <a:pPr>
               <a:spcBef>
-                <a:spcPts val="600"/>
+                <a:spcPts val="0"/>
               </a:spcBef>
             </a:pPr>
             <a:r>
@@ -6914,7 +6914,7 @@
           <a:p>
             <a:pPr lvl="1">
               <a:spcBef>
-                <a:spcPts val="600"/>
+                <a:spcPts val="0"/>
               </a:spcBef>
             </a:pPr>
             <a:r>
@@ -6925,7 +6925,7 @@
           <a:p>
             <a:pPr>
               <a:spcBef>
-                <a:spcPts val="600"/>
+                <a:spcPts val="0"/>
               </a:spcBef>
             </a:pPr>
             <a:r>
@@ -6936,7 +6936,7 @@
           <a:p>
             <a:pPr lvl="1">
               <a:spcBef>
-                <a:spcPts val="600"/>
+                <a:spcPts val="0"/>
               </a:spcBef>
             </a:pPr>
             <a:r>
@@ -7564,8 +7564,8 @@
         </p:nvSpPr>
         <p:spPr bwMode="auto">
           <a:xfrm>
-            <a:off x="2782933" y="2494849"/>
-            <a:ext cx="1296987" cy="415925"/>
+            <a:off x="2782933" y="2573325"/>
+            <a:ext cx="1296987" cy="400110"/>
           </a:xfrm>
           <a:prstGeom prst="rect">
             <a:avLst/>
@@ -7573,7 +7573,7 @@
           <a:noFill/>
           <a:ln w="19050">
             <a:solidFill>
-              <a:schemeClr val="tx1"/>
+              <a:srgbClr val="1E3272"/>
             </a:solidFill>
             <a:miter lim="800000"/>
             <a:headEnd/>
@@ -7588,10 +7588,26 @@
           <a:p>
             <a:pPr algn="ctr"/>
             <a:r>
-              <a:rPr lang="en-US" altLang="en-US"/>
+              <a:rPr lang="en-US" altLang="en-US" sz="2000" dirty="0">
+                <a:solidFill>
+                  <a:srgbClr val="1E3272"/>
+                </a:solidFill>
+              </a:rPr>
               <a:t> </a:t>
             </a:r>
-            <a:endParaRPr lang="en-AU" altLang="en-US" sz="2000"/>
+            <a:r>
+              <a:rPr lang="en-US" altLang="en-US" sz="2000" dirty="0" smtClean="0">
+                <a:solidFill>
+                  <a:srgbClr val="1E3272"/>
+                </a:solidFill>
+              </a:rPr>
+              <a:t>0</a:t>
+            </a:r>
+            <a:endParaRPr lang="en-AU" altLang="en-US" sz="2000" dirty="0">
+              <a:solidFill>
+                <a:srgbClr val="1E3272"/>
+              </a:solidFill>
+            </a:endParaRPr>
           </a:p>
         </p:txBody>
       </p:sp>
@@ -7605,8 +7621,8 @@
         </p:nvSpPr>
         <p:spPr bwMode="auto">
           <a:xfrm>
-            <a:off x="4079920" y="2494849"/>
-            <a:ext cx="1079500" cy="415925"/>
+            <a:off x="4079920" y="2569369"/>
+            <a:ext cx="1079500" cy="404905"/>
           </a:xfrm>
           <a:prstGeom prst="rect">
             <a:avLst/>
@@ -7614,7 +7630,7 @@
           <a:noFill/>
           <a:ln w="19050">
             <a:solidFill>
-              <a:schemeClr val="tx1"/>
+              <a:srgbClr val="1E3272"/>
             </a:solidFill>
             <a:miter lim="800000"/>
             <a:headEnd/>
@@ -7622,17 +7638,25 @@
           </a:ln>
         </p:spPr>
         <p:txBody>
-          <a:bodyPr>
+          <a:bodyPr wrap="square">
             <a:spAutoFit/>
           </a:bodyPr>
           <a:lstStyle/>
           <a:p>
             <a:pPr algn="ctr"/>
             <a:r>
-              <a:rPr lang="en-US" altLang="en-US" sz="2000" dirty="0"/>
-              <a:t>rs2</a:t>
-            </a:r>
-            <a:endParaRPr lang="en-AU" altLang="en-US" sz="2000" dirty="0"/>
+              <a:rPr lang="en-AU" altLang="en-US" sz="2000" dirty="0" smtClean="0">
+                <a:solidFill>
+                  <a:srgbClr val="1E3272"/>
+                </a:solidFill>
+              </a:rPr>
+              <a:t>1</a:t>
+            </a:r>
+            <a:endParaRPr lang="en-AU" altLang="en-US" sz="2000" dirty="0">
+              <a:solidFill>
+                <a:srgbClr val="1E3272"/>
+              </a:solidFill>
+            </a:endParaRPr>
           </a:p>
         </p:txBody>
       </p:sp>
@@ -7646,7 +7670,7 @@
         </p:nvSpPr>
         <p:spPr bwMode="auto">
           <a:xfrm>
-            <a:off x="5159420" y="2494849"/>
+            <a:off x="5159420" y="2564699"/>
             <a:ext cx="1079500" cy="415925"/>
           </a:xfrm>
           <a:prstGeom prst="rect">
@@ -7655,7 +7679,7 @@
           <a:noFill/>
           <a:ln w="19050">
             <a:solidFill>
-              <a:schemeClr val="tx1"/>
+              <a:srgbClr val="1E3272"/>
             </a:solidFill>
             <a:miter lim="800000"/>
             <a:headEnd/>
@@ -7670,10 +7694,18 @@
           <a:p>
             <a:pPr algn="ctr"/>
             <a:r>
-              <a:rPr lang="en-US" altLang="en-US" sz="2000"/>
-              <a:t>rs1</a:t>
-            </a:r>
-            <a:endParaRPr lang="en-AU" altLang="en-US" sz="2000"/>
+              <a:rPr lang="en-AU" altLang="en-US" sz="2000" dirty="0" smtClean="0">
+                <a:solidFill>
+                  <a:srgbClr val="1E3272"/>
+                </a:solidFill>
+              </a:rPr>
+              <a:t>0</a:t>
+            </a:r>
+            <a:endParaRPr lang="en-AU" altLang="en-US" sz="2000" dirty="0">
+              <a:solidFill>
+                <a:srgbClr val="1E3272"/>
+              </a:solidFill>
+            </a:endParaRPr>
           </a:p>
         </p:txBody>
       </p:sp>
@@ -7687,7 +7719,7 @@
         </p:nvSpPr>
         <p:spPr bwMode="auto">
           <a:xfrm>
-            <a:off x="6240508" y="2494849"/>
+            <a:off x="6240508" y="2564699"/>
             <a:ext cx="936625" cy="415925"/>
           </a:xfrm>
           <a:prstGeom prst="rect">
@@ -7696,7 +7728,7 @@
           <a:noFill/>
           <a:ln w="19050">
             <a:solidFill>
-              <a:schemeClr val="tx1"/>
+              <a:srgbClr val="1E3272"/>
             </a:solidFill>
             <a:miter lim="800000"/>
             <a:headEnd/>
@@ -7711,10 +7743,18 @@
           <a:p>
             <a:pPr algn="ctr"/>
             <a:r>
-              <a:rPr lang="en-US" altLang="en-US" sz="2000"/>
-              <a:t>funct3</a:t>
-            </a:r>
-            <a:endParaRPr lang="en-AU" altLang="en-US" sz="2000"/>
+              <a:rPr lang="en-AU" altLang="en-US" sz="2000" dirty="0" smtClean="0">
+                <a:solidFill>
+                  <a:srgbClr val="1E3272"/>
+                </a:solidFill>
+              </a:rPr>
+              <a:t>0</a:t>
+            </a:r>
+            <a:endParaRPr lang="en-AU" altLang="en-US" sz="2000" dirty="0">
+              <a:solidFill>
+                <a:srgbClr val="1E3272"/>
+              </a:solidFill>
+            </a:endParaRPr>
           </a:p>
         </p:txBody>
       </p:sp>
@@ -7728,8 +7768,8 @@
         </p:nvSpPr>
         <p:spPr bwMode="auto">
           <a:xfrm>
-            <a:off x="8258220" y="2494849"/>
-            <a:ext cx="1296988" cy="415925"/>
+            <a:off x="8817020" y="2569369"/>
+            <a:ext cx="1296988" cy="404905"/>
           </a:xfrm>
           <a:prstGeom prst="rect">
             <a:avLst/>
@@ -7737,7 +7777,7 @@
           <a:noFill/>
           <a:ln w="19050">
             <a:solidFill>
-              <a:schemeClr val="tx1"/>
+              <a:srgbClr val="1E3272"/>
             </a:solidFill>
             <a:miter lim="800000"/>
             <a:headEnd/>
@@ -7745,6 +7785,111 @@
           </a:ln>
         </p:spPr>
         <p:txBody>
+          <a:bodyPr wrap="square">
+            <a:spAutoFit/>
+          </a:bodyPr>
+          <a:lstStyle/>
+          <a:p>
+            <a:pPr algn="ctr"/>
+            <a:r>
+              <a:rPr lang="en-AU" altLang="en-US" sz="2000" dirty="0" smtClean="0">
+                <a:solidFill>
+                  <a:srgbClr val="1E3272"/>
+                </a:solidFill>
+              </a:rPr>
+              <a:t>99</a:t>
+            </a:r>
+            <a:endParaRPr lang="en-AU" altLang="en-US" sz="2000" dirty="0">
+              <a:solidFill>
+                <a:srgbClr val="1E3272"/>
+              </a:solidFill>
+            </a:endParaRPr>
+          </a:p>
+        </p:txBody>
+      </p:sp>
+      <p:sp>
+        <p:nvSpPr>
+          <p:cNvPr id="25" name="Text Box 8"/>
+          <p:cNvSpPr txBox="1">
+            <a:spLocks noChangeArrowheads="1"/>
+          </p:cNvSpPr>
+          <p:nvPr/>
+        </p:nvSpPr>
+        <p:spPr bwMode="auto">
+          <a:xfrm>
+            <a:off x="8526508" y="2570240"/>
+            <a:ext cx="290512" cy="400110"/>
+          </a:xfrm>
+          <a:prstGeom prst="rect">
+            <a:avLst/>
+          </a:prstGeom>
+          <a:noFill/>
+          <a:ln w="19050">
+            <a:solidFill>
+              <a:srgbClr val="1E3272"/>
+            </a:solidFill>
+            <a:miter lim="800000"/>
+            <a:headEnd/>
+            <a:tailEnd/>
+          </a:ln>
+        </p:spPr>
+        <p:txBody>
+          <a:bodyPr wrap="square">
+            <a:spAutoFit/>
+          </a:bodyPr>
+          <a:lstStyle/>
+          <a:p>
+            <a:pPr algn="ctr">
+              <a:spcBef>
+                <a:spcPts val="600"/>
+              </a:spcBef>
+              <a:spcAft>
+                <a:spcPts val="100"/>
+              </a:spcAft>
+            </a:pPr>
+            <a:r>
+              <a:rPr lang="en-US" altLang="en-US" sz="2000" dirty="0" smtClean="0">
+                <a:solidFill>
+                  <a:srgbClr val="1E3272"/>
+                </a:solidFill>
+              </a:rPr>
+              <a:t>0</a:t>
+            </a:r>
+            <a:endParaRPr lang="en-AU" altLang="en-US" sz="2000" dirty="0">
+              <a:solidFill>
+                <a:srgbClr val="1E3272"/>
+              </a:solidFill>
+            </a:endParaRPr>
+          </a:p>
+        </p:txBody>
+      </p:sp>
+      <p:sp>
+        <p:nvSpPr>
+          <p:cNvPr id="26" name="Text Box 8"/>
+          <p:cNvSpPr txBox="1">
+            <a:spLocks noChangeArrowheads="1"/>
+          </p:cNvSpPr>
+          <p:nvPr/>
+        </p:nvSpPr>
+        <p:spPr bwMode="auto">
+          <a:xfrm>
+            <a:off x="2492420" y="2573325"/>
+            <a:ext cx="290513" cy="400110"/>
+          </a:xfrm>
+          <a:prstGeom prst="rect">
+            <a:avLst/>
+          </a:prstGeom>
+          <a:noFill/>
+          <a:ln w="19050">
+            <a:solidFill>
+              <a:srgbClr val="1E3272"/>
+            </a:solidFill>
+            <a:miter lim="800000"/>
+            <a:headEnd/>
+            <a:tailEnd/>
+          </a:ln>
+        </p:spPr>
+        <p:txBody>
           <a:bodyPr>
             <a:spAutoFit/>
           </a:bodyPr>
@@ -7752,16 +7897,24 @@
           <a:p>
             <a:pPr algn="ctr"/>
             <a:r>
-              <a:rPr lang="en-US" altLang="en-US" sz="2000"/>
-              <a:t>opcode</a:t>
-            </a:r>
-            <a:endParaRPr lang="en-AU" altLang="en-US" sz="2000"/>
-          </a:p>
-        </p:txBody>
-      </p:sp>
-      <p:sp>
-        <p:nvSpPr>
-          <p:cNvPr id="24" name="Text Box 15"/>
+              <a:rPr lang="en-US" altLang="en-US" sz="2000" dirty="0" smtClean="0">
+                <a:solidFill>
+                  <a:srgbClr val="1E3272"/>
+                </a:solidFill>
+              </a:rPr>
+              <a:t>0</a:t>
+            </a:r>
+            <a:endParaRPr lang="en-AU" altLang="en-US" sz="2000" dirty="0">
+              <a:solidFill>
+                <a:srgbClr val="1E3272"/>
+              </a:solidFill>
+            </a:endParaRPr>
+          </a:p>
+        </p:txBody>
+      </p:sp>
+      <p:sp>
+        <p:nvSpPr>
+          <p:cNvPr id="27" name="Text Box 8"/>
           <p:cNvSpPr txBox="1">
             <a:spLocks noChangeArrowheads="1"/>
           </p:cNvSpPr>
@@ -7769,8 +7922,506 @@
         </p:nvSpPr>
         <p:spPr bwMode="auto">
           <a:xfrm>
-            <a:off x="7318420" y="2431349"/>
-            <a:ext cx="531813" cy="501650"/>
+            <a:off x="7179544" y="2574131"/>
+            <a:ext cx="1342155" cy="400143"/>
+          </a:xfrm>
+          <a:prstGeom prst="rect">
+            <a:avLst/>
+          </a:prstGeom>
+          <a:noFill/>
+          <a:ln w="19050">
+            <a:solidFill>
+              <a:srgbClr val="1E3272"/>
+            </a:solidFill>
+            <a:miter lim="800000"/>
+            <a:headEnd/>
+            <a:tailEnd/>
+          </a:ln>
+        </p:spPr>
+        <p:txBody>
+          <a:bodyPr wrap="square">
+            <a:spAutoFit/>
+          </a:bodyPr>
+          <a:lstStyle/>
+          <a:p>
+            <a:pPr algn="ctr"/>
+            <a:r>
+              <a:rPr lang="en-US" altLang="en-US" sz="2000" dirty="0"/>
+              <a:t> </a:t>
+            </a:r>
+            <a:r>
+              <a:rPr lang="en-US" altLang="en-US" sz="2000" dirty="0" smtClean="0">
+                <a:solidFill>
+                  <a:srgbClr val="1E3272"/>
+                </a:solidFill>
+              </a:rPr>
+              <a:t>2</a:t>
+            </a:r>
+            <a:endParaRPr lang="en-AU" altLang="en-US" sz="2000" dirty="0">
+              <a:solidFill>
+                <a:srgbClr val="1E3272"/>
+              </a:solidFill>
+            </a:endParaRPr>
+          </a:p>
+        </p:txBody>
+      </p:sp>
+      <p:sp>
+        <p:nvSpPr>
+          <p:cNvPr id="28" name="Text Box 5"/>
+          <p:cNvSpPr txBox="1">
+            <a:spLocks noChangeArrowheads="1"/>
+          </p:cNvSpPr>
+          <p:nvPr/>
+        </p:nvSpPr>
+        <p:spPr bwMode="auto">
+          <a:xfrm>
+            <a:off x="2782933" y="2977448"/>
+            <a:ext cx="1296987" cy="400110"/>
+          </a:xfrm>
+          <a:prstGeom prst="rect">
+            <a:avLst/>
+          </a:prstGeom>
+          <a:noFill/>
+          <a:ln w="19050">
+            <a:solidFill>
+              <a:srgbClr val="1E3272"/>
+            </a:solidFill>
+            <a:miter lim="800000"/>
+            <a:headEnd/>
+            <a:tailEnd/>
+          </a:ln>
+        </p:spPr>
+        <p:txBody>
+          <a:bodyPr wrap="square">
+            <a:spAutoFit/>
+          </a:bodyPr>
+          <a:lstStyle/>
+          <a:p>
+            <a:pPr algn="ctr"/>
+            <a:r>
+              <a:rPr lang="en-US" altLang="en-US" sz="2000" dirty="0"/>
+              <a:t> </a:t>
+            </a:r>
+            <a:r>
+              <a:rPr lang="en-US" altLang="en-US" sz="2000" dirty="0" smtClean="0">
+                <a:solidFill>
+                  <a:srgbClr val="1E3272"/>
+                </a:solidFill>
+              </a:rPr>
+              <a:t>000000</a:t>
+            </a:r>
+            <a:endParaRPr lang="en-AU" altLang="en-US" sz="2000" dirty="0">
+              <a:solidFill>
+                <a:srgbClr val="1E3272"/>
+              </a:solidFill>
+            </a:endParaRPr>
+          </a:p>
+        </p:txBody>
+      </p:sp>
+      <p:sp>
+        <p:nvSpPr>
+          <p:cNvPr id="29" name="Text Box 6"/>
+          <p:cNvSpPr txBox="1">
+            <a:spLocks noChangeArrowheads="1"/>
+          </p:cNvSpPr>
+          <p:nvPr/>
+        </p:nvSpPr>
+        <p:spPr bwMode="auto">
+          <a:xfrm>
+            <a:off x="4079920" y="2977449"/>
+            <a:ext cx="1079500" cy="400751"/>
+          </a:xfrm>
+          <a:prstGeom prst="rect">
+            <a:avLst/>
+          </a:prstGeom>
+          <a:noFill/>
+          <a:ln w="19050">
+            <a:solidFill>
+              <a:srgbClr val="1E3272"/>
+            </a:solidFill>
+            <a:miter lim="800000"/>
+            <a:headEnd/>
+            <a:tailEnd/>
+          </a:ln>
+        </p:spPr>
+        <p:txBody>
+          <a:bodyPr wrap="square">
+            <a:spAutoFit/>
+          </a:bodyPr>
+          <a:lstStyle/>
+          <a:p>
+            <a:pPr algn="ctr"/>
+            <a:r>
+              <a:rPr lang="en-AU" altLang="en-US" sz="2000" dirty="0" smtClean="0">
+                <a:solidFill>
+                  <a:srgbClr val="1E3272"/>
+                </a:solidFill>
+              </a:rPr>
+              <a:t>00001</a:t>
+            </a:r>
+            <a:endParaRPr lang="en-AU" altLang="en-US" sz="2000" dirty="0">
+              <a:solidFill>
+                <a:srgbClr val="1E3272"/>
+              </a:solidFill>
+            </a:endParaRPr>
+          </a:p>
+        </p:txBody>
+      </p:sp>
+      <p:sp>
+        <p:nvSpPr>
+          <p:cNvPr id="30" name="Text Box 7"/>
+          <p:cNvSpPr txBox="1">
+            <a:spLocks noChangeArrowheads="1"/>
+          </p:cNvSpPr>
+          <p:nvPr/>
+        </p:nvSpPr>
+        <p:spPr bwMode="auto">
+          <a:xfrm>
+            <a:off x="5159420" y="2977450"/>
+            <a:ext cx="1079500" cy="403926"/>
+          </a:xfrm>
+          <a:prstGeom prst="rect">
+            <a:avLst/>
+          </a:prstGeom>
+          <a:noFill/>
+          <a:ln w="19050">
+            <a:solidFill>
+              <a:srgbClr val="1E3272"/>
+            </a:solidFill>
+            <a:miter lim="800000"/>
+            <a:headEnd/>
+            <a:tailEnd/>
+          </a:ln>
+        </p:spPr>
+        <p:txBody>
+          <a:bodyPr wrap="square">
+            <a:spAutoFit/>
+          </a:bodyPr>
+          <a:lstStyle/>
+          <a:p>
+            <a:pPr algn="ctr"/>
+            <a:r>
+              <a:rPr lang="en-AU" altLang="en-US" sz="2000" dirty="0" smtClean="0">
+                <a:solidFill>
+                  <a:srgbClr val="1E3272"/>
+                </a:solidFill>
+              </a:rPr>
+              <a:t>00000</a:t>
+            </a:r>
+            <a:endParaRPr lang="en-AU" altLang="en-US" sz="2000" dirty="0">
+              <a:solidFill>
+                <a:srgbClr val="1E3272"/>
+              </a:solidFill>
+            </a:endParaRPr>
+          </a:p>
+        </p:txBody>
+      </p:sp>
+      <p:sp>
+        <p:nvSpPr>
+          <p:cNvPr id="31" name="Text Box 9"/>
+          <p:cNvSpPr txBox="1">
+            <a:spLocks noChangeArrowheads="1"/>
+          </p:cNvSpPr>
+          <p:nvPr/>
+        </p:nvSpPr>
+        <p:spPr bwMode="auto">
+          <a:xfrm>
+            <a:off x="6240508" y="2977450"/>
+            <a:ext cx="936625" cy="403926"/>
+          </a:xfrm>
+          <a:prstGeom prst="rect">
+            <a:avLst/>
+          </a:prstGeom>
+          <a:noFill/>
+          <a:ln w="19050">
+            <a:solidFill>
+              <a:srgbClr val="1E3272"/>
+            </a:solidFill>
+            <a:miter lim="800000"/>
+            <a:headEnd/>
+            <a:tailEnd/>
+          </a:ln>
+        </p:spPr>
+        <p:txBody>
+          <a:bodyPr wrap="square">
+            <a:spAutoFit/>
+          </a:bodyPr>
+          <a:lstStyle/>
+          <a:p>
+            <a:pPr algn="ctr"/>
+            <a:r>
+              <a:rPr lang="en-AU" altLang="en-US" sz="2000" dirty="0" smtClean="0">
+                <a:solidFill>
+                  <a:srgbClr val="1E3272"/>
+                </a:solidFill>
+              </a:rPr>
+              <a:t>000</a:t>
+            </a:r>
+            <a:endParaRPr lang="en-AU" altLang="en-US" sz="2000" dirty="0">
+              <a:solidFill>
+                <a:srgbClr val="1E3272"/>
+              </a:solidFill>
+            </a:endParaRPr>
+          </a:p>
+        </p:txBody>
+      </p:sp>
+      <p:sp>
+        <p:nvSpPr>
+          <p:cNvPr id="32" name="Text Box 10"/>
+          <p:cNvSpPr txBox="1">
+            <a:spLocks noChangeArrowheads="1"/>
+          </p:cNvSpPr>
+          <p:nvPr/>
+        </p:nvSpPr>
+        <p:spPr bwMode="auto">
+          <a:xfrm>
+            <a:off x="8817020" y="2977449"/>
+            <a:ext cx="1296988" cy="407101"/>
+          </a:xfrm>
+          <a:prstGeom prst="rect">
+            <a:avLst/>
+          </a:prstGeom>
+          <a:noFill/>
+          <a:ln w="19050">
+            <a:solidFill>
+              <a:srgbClr val="1E3272"/>
+            </a:solidFill>
+            <a:miter lim="800000"/>
+            <a:headEnd/>
+            <a:tailEnd/>
+          </a:ln>
+        </p:spPr>
+        <p:txBody>
+          <a:bodyPr wrap="square">
+            <a:spAutoFit/>
+          </a:bodyPr>
+          <a:lstStyle/>
+          <a:p>
+            <a:pPr algn="ctr"/>
+            <a:r>
+              <a:rPr lang="en-AU" altLang="en-US" sz="2000" dirty="0" smtClean="0">
+                <a:solidFill>
+                  <a:srgbClr val="1E3272"/>
+                </a:solidFill>
+              </a:rPr>
+              <a:t>1100011</a:t>
+            </a:r>
+            <a:endParaRPr lang="en-AU" altLang="en-US" sz="2000" dirty="0">
+              <a:solidFill>
+                <a:srgbClr val="1E3272"/>
+              </a:solidFill>
+            </a:endParaRPr>
+          </a:p>
+        </p:txBody>
+      </p:sp>
+      <p:sp>
+        <p:nvSpPr>
+          <p:cNvPr id="33" name="Text Box 8"/>
+          <p:cNvSpPr txBox="1">
+            <a:spLocks noChangeArrowheads="1"/>
+          </p:cNvSpPr>
+          <p:nvPr/>
+        </p:nvSpPr>
+        <p:spPr bwMode="auto">
+          <a:xfrm>
+            <a:off x="8526508" y="2980548"/>
+            <a:ext cx="290512" cy="400110"/>
+          </a:xfrm>
+          <a:prstGeom prst="rect">
+            <a:avLst/>
+          </a:prstGeom>
+          <a:noFill/>
+          <a:ln w="19050">
+            <a:solidFill>
+              <a:srgbClr val="1E3272"/>
+            </a:solidFill>
+            <a:miter lim="800000"/>
+            <a:headEnd/>
+            <a:tailEnd/>
+          </a:ln>
+        </p:spPr>
+        <p:txBody>
+          <a:bodyPr wrap="square">
+            <a:spAutoFit/>
+          </a:bodyPr>
+          <a:lstStyle/>
+          <a:p>
+            <a:pPr algn="ctr"/>
+            <a:r>
+              <a:rPr lang="en-US" altLang="en-US" sz="2000" dirty="0" smtClean="0">
+                <a:solidFill>
+                  <a:srgbClr val="1E3272"/>
+                </a:solidFill>
+              </a:rPr>
+              <a:t>0</a:t>
+            </a:r>
+            <a:endParaRPr lang="en-AU" altLang="en-US" sz="2000" dirty="0">
+              <a:solidFill>
+                <a:srgbClr val="1E3272"/>
+              </a:solidFill>
+            </a:endParaRPr>
+          </a:p>
+        </p:txBody>
+      </p:sp>
+      <p:sp>
+        <p:nvSpPr>
+          <p:cNvPr id="34" name="Text Box 8"/>
+          <p:cNvSpPr txBox="1">
+            <a:spLocks noChangeArrowheads="1"/>
+          </p:cNvSpPr>
+          <p:nvPr/>
+        </p:nvSpPr>
+        <p:spPr bwMode="auto">
+          <a:xfrm>
+            <a:off x="2492420" y="2977449"/>
+            <a:ext cx="290513" cy="400110"/>
+          </a:xfrm>
+          <a:prstGeom prst="rect">
+            <a:avLst/>
+          </a:prstGeom>
+          <a:noFill/>
+          <a:ln w="19050">
+            <a:solidFill>
+              <a:srgbClr val="1E3272"/>
+            </a:solidFill>
+            <a:miter lim="800000"/>
+            <a:headEnd/>
+            <a:tailEnd/>
+          </a:ln>
+        </p:spPr>
+        <p:txBody>
+          <a:bodyPr>
+            <a:spAutoFit/>
+          </a:bodyPr>
+          <a:lstStyle/>
+          <a:p>
+            <a:pPr algn="ctr"/>
+            <a:r>
+              <a:rPr lang="en-US" altLang="en-US" sz="2000" dirty="0" smtClean="0">
+                <a:solidFill>
+                  <a:srgbClr val="1E3272"/>
+                </a:solidFill>
+              </a:rPr>
+              <a:t>0</a:t>
+            </a:r>
+            <a:endParaRPr lang="en-AU" altLang="en-US" sz="2000" dirty="0">
+              <a:solidFill>
+                <a:srgbClr val="1E3272"/>
+              </a:solidFill>
+            </a:endParaRPr>
+          </a:p>
+        </p:txBody>
+      </p:sp>
+      <p:sp>
+        <p:nvSpPr>
+          <p:cNvPr id="35" name="Text Box 8"/>
+          <p:cNvSpPr txBox="1">
+            <a:spLocks noChangeArrowheads="1"/>
+          </p:cNvSpPr>
+          <p:nvPr/>
+        </p:nvSpPr>
+        <p:spPr bwMode="auto">
+          <a:xfrm>
+            <a:off x="7179544" y="2977450"/>
+            <a:ext cx="1342155" cy="403926"/>
+          </a:xfrm>
+          <a:prstGeom prst="rect">
+            <a:avLst/>
+          </a:prstGeom>
+          <a:noFill/>
+          <a:ln w="19050">
+            <a:solidFill>
+              <a:srgbClr val="1E3272"/>
+            </a:solidFill>
+            <a:miter lim="800000"/>
+            <a:headEnd/>
+            <a:tailEnd/>
+          </a:ln>
+        </p:spPr>
+        <p:txBody>
+          <a:bodyPr wrap="square">
+            <a:spAutoFit/>
+          </a:bodyPr>
+          <a:lstStyle/>
+          <a:p>
+            <a:pPr algn="ctr"/>
+            <a:r>
+              <a:rPr lang="en-US" altLang="en-US" sz="2000" dirty="0">
+                <a:solidFill>
+                  <a:srgbClr val="1E3272"/>
+                </a:solidFill>
+              </a:rPr>
+              <a:t> </a:t>
+            </a:r>
+            <a:r>
+              <a:rPr lang="en-US" altLang="en-US" sz="2000" dirty="0" smtClean="0">
+                <a:solidFill>
+                  <a:srgbClr val="1E3272"/>
+                </a:solidFill>
+              </a:rPr>
+              <a:t>0010</a:t>
+            </a:r>
+            <a:endParaRPr lang="en-AU" altLang="en-US" sz="2000" dirty="0">
+              <a:solidFill>
+                <a:srgbClr val="1E3272"/>
+              </a:solidFill>
+            </a:endParaRPr>
+          </a:p>
+        </p:txBody>
+      </p:sp>
+      <p:sp>
+        <p:nvSpPr>
+          <p:cNvPr id="36" name="Прямоугольник 35"/>
+          <p:cNvSpPr/>
+          <p:nvPr/>
+        </p:nvSpPr>
+        <p:spPr>
+          <a:xfrm>
+            <a:off x="4945026" y="1936234"/>
+            <a:ext cx="3034805" cy="646331"/>
+          </a:xfrm>
+          <a:prstGeom prst="rect">
+            <a:avLst/>
+          </a:prstGeom>
+        </p:spPr>
+        <p:txBody>
+          <a:bodyPr wrap="none">
+            <a:spAutoFit/>
+          </a:bodyPr>
+          <a:lstStyle/>
+          <a:p>
+            <a:r>
+              <a:rPr lang="en-US" altLang="en-US" sz="3600" b="1" dirty="0" err="1" smtClean="0">
+                <a:solidFill>
+                  <a:schemeClr val="accent6"/>
+                </a:solidFill>
+              </a:rPr>
+              <a:t>beq</a:t>
+            </a:r>
+            <a:r>
+              <a:rPr lang="en-US" altLang="en-US" sz="3600" b="1" dirty="0" smtClean="0">
+                <a:solidFill>
+                  <a:schemeClr val="accent6"/>
+                </a:solidFill>
+              </a:rPr>
+              <a:t> x0, x1, 0x4</a:t>
+            </a:r>
+            <a:endParaRPr lang="ru-RU" sz="3600" dirty="0"/>
+          </a:p>
+        </p:txBody>
+      </p:sp>
+      <p:sp>
+        <p:nvSpPr>
+          <p:cNvPr id="37" name="Rectangle 35"/>
+          <p:cNvSpPr>
+            <a:spLocks noChangeArrowheads="1"/>
+          </p:cNvSpPr>
+          <p:nvPr/>
+        </p:nvSpPr>
+        <p:spPr bwMode="auto">
+          <a:xfrm>
+            <a:off x="886099" y="3421684"/>
+            <a:ext cx="10486094" cy="577474"/>
           </a:xfrm>
           <a:prstGeom prst="rect">
             <a:avLst/>
@@ -7784,34 +8435,85 @@
           </a:ln>
         </p:spPr>
         <p:txBody>
-          <a:bodyPr wrap="none">
-            <a:spAutoFit/>
-          </a:bodyPr>
-          <a:lstStyle/>
-          <a:p>
-            <a:pPr algn="ctr">
-              <a:lnSpc>
-                <a:spcPts val="1600"/>
-              </a:lnSpc>
+          <a:bodyPr/>
+          <a:lstStyle/>
+          <a:p>
+            <a:pPr marL="342900" indent="-342900" algn="ctr">
+              <a:spcBef>
+                <a:spcPct val="20000"/>
+              </a:spcBef>
+              <a:buClr>
+                <a:schemeClr val="folHlink"/>
+              </a:buClr>
+              <a:buSzPct val="60000"/>
             </a:pPr>
             <a:r>
-              <a:rPr lang="en-US" altLang="en-US" sz="1400"/>
-              <a:t>imm</a:t>
-            </a:r>
-            <a:br>
-              <a:rPr lang="en-US" altLang="en-US" sz="1400"/>
-            </a:br>
-            <a:r>
-              <a:rPr lang="en-US" altLang="en-US" sz="1400"/>
-              <a:t>[4:1]</a:t>
-            </a:r>
-            <a:endParaRPr lang="en-AU" altLang="en-US" sz="1400"/>
-          </a:p>
-        </p:txBody>
-      </p:sp>
-      <p:sp>
-        <p:nvSpPr>
-          <p:cNvPr id="25" name="Text Box 8"/>
+              <a:rPr lang="en-US" altLang="en-US" sz="3200" b="1" dirty="0" smtClean="0">
+                <a:solidFill>
+                  <a:schemeClr val="accent6"/>
+                </a:solidFill>
+              </a:rPr>
+              <a:t>0000 </a:t>
+            </a:r>
+            <a:r>
+              <a:rPr lang="en-US" altLang="en-US" sz="3200" b="1" dirty="0" smtClean="0">
+                <a:solidFill>
+                  <a:schemeClr val="accent6"/>
+                </a:solidFill>
+              </a:rPr>
+              <a:t>0000 0001 0000 0000 0010 0110 0011 </a:t>
+            </a:r>
+            <a:r>
+              <a:rPr lang="en-US" altLang="en-US" sz="3200" b="1" baseline="-25000" dirty="0" smtClean="0">
+                <a:solidFill>
+                  <a:schemeClr val="accent6"/>
+                </a:solidFill>
+              </a:rPr>
+              <a:t>two</a:t>
+            </a:r>
+            <a:r>
+              <a:rPr lang="en-US" altLang="en-US" sz="3200" b="1" dirty="0" smtClean="0">
+                <a:solidFill>
+                  <a:schemeClr val="accent6"/>
+                </a:solidFill>
+              </a:rPr>
+              <a:t> </a:t>
+            </a:r>
+            <a:r>
+              <a:rPr lang="en-US" altLang="en-US" sz="3200" b="1" dirty="0" smtClean="0">
+                <a:solidFill>
+                  <a:schemeClr val="accent6"/>
+                </a:solidFill>
+              </a:rPr>
+              <a:t>= </a:t>
+            </a:r>
+            <a:r>
+              <a:rPr lang="en-US" altLang="en-US" sz="3200" b="1" dirty="0" smtClean="0">
+                <a:solidFill>
+                  <a:schemeClr val="accent6"/>
+                </a:solidFill>
+              </a:rPr>
+              <a:t>00100263 </a:t>
+            </a:r>
+            <a:r>
+              <a:rPr lang="en-US" altLang="en-US" sz="3200" b="1" baseline="-25000" dirty="0" smtClean="0">
+                <a:solidFill>
+                  <a:schemeClr val="accent6"/>
+                </a:solidFill>
+              </a:rPr>
+              <a:t>16</a:t>
+            </a:r>
+            <a:endParaRPr lang="en-AU" altLang="en-US" sz="3200" b="1" dirty="0">
+              <a:solidFill>
+                <a:schemeClr val="accent6"/>
+              </a:solidFill>
+            </a:endParaRPr>
+          </a:p>
+        </p:txBody>
+      </p:sp>
+      <p:sp>
+        <p:nvSpPr>
+          <p:cNvPr id="38" name="Text Box 15"/>
           <p:cNvSpPr txBox="1">
             <a:spLocks noChangeArrowheads="1"/>
           </p:cNvSpPr>
@@ -7819,40 +8521,46 @@
         </p:nvSpPr>
         <p:spPr bwMode="auto">
           <a:xfrm>
-            <a:off x="7967708" y="2494849"/>
-            <a:ext cx="290512" cy="415925"/>
+            <a:off x="4305433" y="1658925"/>
+            <a:ext cx="763351" cy="400110"/>
           </a:xfrm>
           <a:prstGeom prst="rect">
             <a:avLst/>
           </a:prstGeom>
           <a:noFill/>
-          <a:ln w="19050">
-            <a:solidFill>
-              <a:schemeClr val="tx1"/>
-            </a:solidFill>
+          <a:ln w="9525">
+            <a:noFill/>
             <a:miter lim="800000"/>
             <a:headEnd/>
             <a:tailEnd/>
           </a:ln>
         </p:spPr>
         <p:txBody>
-          <a:bodyPr>
+          <a:bodyPr wrap="none">
             <a:spAutoFit/>
           </a:bodyPr>
           <a:lstStyle/>
           <a:p>
             <a:pPr algn="ctr"/>
             <a:r>
-              <a:rPr lang="en-US" altLang="en-US" sz="2000"/>
-              <a:t> </a:t>
-            </a:r>
-            <a:endParaRPr lang="en-AU" altLang="en-US" sz="2000"/>
-          </a:p>
-        </p:txBody>
-      </p:sp>
-      <p:sp>
-        <p:nvSpPr>
-          <p:cNvPr id="26" name="Text Box 8"/>
+              <a:rPr lang="en-US" altLang="en-US" sz="2000" b="1" dirty="0">
+                <a:solidFill>
+                  <a:srgbClr val="1E3272"/>
+                </a:solidFill>
+              </a:rPr>
+              <a:t>5 bits</a:t>
+            </a:r>
+            <a:endParaRPr lang="en-AU" altLang="en-US" sz="2000" b="1" dirty="0">
+              <a:solidFill>
+                <a:srgbClr val="1E3272"/>
+              </a:solidFill>
+            </a:endParaRPr>
+          </a:p>
+        </p:txBody>
+      </p:sp>
+      <p:sp>
+        <p:nvSpPr>
+          <p:cNvPr id="39" name="Text Box 15"/>
           <p:cNvSpPr txBox="1">
             <a:spLocks noChangeArrowheads="1"/>
           </p:cNvSpPr>
@@ -7860,40 +8568,46 @@
         </p:nvSpPr>
         <p:spPr bwMode="auto">
           <a:xfrm>
-            <a:off x="2492420" y="2494849"/>
-            <a:ext cx="290513" cy="415925"/>
+            <a:off x="5372233" y="1671625"/>
+            <a:ext cx="763351" cy="400110"/>
           </a:xfrm>
           <a:prstGeom prst="rect">
             <a:avLst/>
           </a:prstGeom>
           <a:noFill/>
-          <a:ln w="19050">
-            <a:solidFill>
-              <a:schemeClr val="tx1"/>
-            </a:solidFill>
+          <a:ln w="9525">
+            <a:noFill/>
             <a:miter lim="800000"/>
             <a:headEnd/>
             <a:tailEnd/>
           </a:ln>
         </p:spPr>
         <p:txBody>
-          <a:bodyPr>
+          <a:bodyPr wrap="none">
             <a:spAutoFit/>
           </a:bodyPr>
           <a:lstStyle/>
           <a:p>
             <a:pPr algn="ctr"/>
             <a:r>
-              <a:rPr lang="en-US" altLang="en-US" sz="2000"/>
-              <a:t> </a:t>
-            </a:r>
-            <a:endParaRPr lang="en-AU" altLang="en-US" sz="2000"/>
-          </a:p>
-        </p:txBody>
-      </p:sp>
-      <p:sp>
-        <p:nvSpPr>
-          <p:cNvPr id="27" name="Text Box 8"/>
+              <a:rPr lang="en-US" altLang="en-US" sz="2000" b="1" dirty="0">
+                <a:solidFill>
+                  <a:srgbClr val="1E3272"/>
+                </a:solidFill>
+              </a:rPr>
+              <a:t>5 bits</a:t>
+            </a:r>
+            <a:endParaRPr lang="en-AU" altLang="en-US" sz="2000" b="1" dirty="0">
+              <a:solidFill>
+                <a:srgbClr val="1E3272"/>
+              </a:solidFill>
+            </a:endParaRPr>
+          </a:p>
+        </p:txBody>
+      </p:sp>
+      <p:sp>
+        <p:nvSpPr>
+          <p:cNvPr id="40" name="Text Box 15"/>
           <p:cNvSpPr txBox="1">
             <a:spLocks noChangeArrowheads="1"/>
           </p:cNvSpPr>
@@ -7901,34 +8615,331 @@
         </p:nvSpPr>
         <p:spPr bwMode="auto">
           <a:xfrm>
-            <a:off x="7166845" y="2494849"/>
-            <a:ext cx="788988" cy="415925"/>
+            <a:off x="6388233" y="1671625"/>
+            <a:ext cx="763351" cy="400110"/>
           </a:xfrm>
           <a:prstGeom prst="rect">
             <a:avLst/>
           </a:prstGeom>
           <a:noFill/>
-          <a:ln w="19050">
-            <a:solidFill>
-              <a:schemeClr val="tx1"/>
-            </a:solidFill>
+          <a:ln w="9525">
+            <a:noFill/>
             <a:miter lim="800000"/>
             <a:headEnd/>
             <a:tailEnd/>
           </a:ln>
         </p:spPr>
         <p:txBody>
-          <a:bodyPr>
+          <a:bodyPr wrap="none">
             <a:spAutoFit/>
           </a:bodyPr>
           <a:lstStyle/>
           <a:p>
             <a:pPr algn="ctr"/>
             <a:r>
-              <a:rPr lang="en-US" altLang="en-US" sz="2000"/>
+              <a:rPr lang="en-US" altLang="en-US" sz="2000" b="1" dirty="0" smtClean="0">
+                <a:solidFill>
+                  <a:srgbClr val="1E3272"/>
+                </a:solidFill>
+              </a:rPr>
+              <a:t>3 </a:t>
+            </a:r>
+            <a:r>
+              <a:rPr lang="en-US" altLang="en-US" sz="2000" b="1" dirty="0">
+                <a:solidFill>
+                  <a:srgbClr val="1E3272"/>
+                </a:solidFill>
+              </a:rPr>
+              <a:t>bits</a:t>
+            </a:r>
+            <a:endParaRPr lang="en-AU" altLang="en-US" sz="2000" b="1" dirty="0">
+              <a:solidFill>
+                <a:srgbClr val="1E3272"/>
+              </a:solidFill>
+            </a:endParaRPr>
+          </a:p>
+        </p:txBody>
+      </p:sp>
+      <p:sp>
+        <p:nvSpPr>
+          <p:cNvPr id="41" name="Text Box 15"/>
+          <p:cNvSpPr txBox="1">
+            <a:spLocks noChangeArrowheads="1"/>
+          </p:cNvSpPr>
+          <p:nvPr/>
+        </p:nvSpPr>
+        <p:spPr bwMode="auto">
+          <a:xfrm>
+            <a:off x="9067933" y="1697025"/>
+            <a:ext cx="763351" cy="400110"/>
+          </a:xfrm>
+          <a:prstGeom prst="rect">
+            <a:avLst/>
+          </a:prstGeom>
+          <a:noFill/>
+          <a:ln w="9525">
+            <a:noFill/>
+            <a:miter lim="800000"/>
+            <a:headEnd/>
+            <a:tailEnd/>
+          </a:ln>
+        </p:spPr>
+        <p:txBody>
+          <a:bodyPr wrap="none">
+            <a:spAutoFit/>
+          </a:bodyPr>
+          <a:lstStyle/>
+          <a:p>
+            <a:pPr algn="ctr"/>
+            <a:r>
+              <a:rPr lang="en-US" altLang="en-US" sz="2000" b="1" dirty="0" smtClean="0">
+                <a:solidFill>
+                  <a:srgbClr val="1E3272"/>
+                </a:solidFill>
+              </a:rPr>
+              <a:t>7 </a:t>
+            </a:r>
+            <a:r>
+              <a:rPr lang="en-US" altLang="en-US" sz="2000" b="1" dirty="0">
+                <a:solidFill>
+                  <a:srgbClr val="1E3272"/>
+                </a:solidFill>
+              </a:rPr>
+              <a:t>bits</a:t>
+            </a:r>
+            <a:endParaRPr lang="en-AU" altLang="en-US" sz="2000" b="1" dirty="0">
+              <a:solidFill>
+                <a:srgbClr val="1E3272"/>
+              </a:solidFill>
+            </a:endParaRPr>
+          </a:p>
+        </p:txBody>
+      </p:sp>
+      <p:sp>
+        <p:nvSpPr>
+          <p:cNvPr id="42" name="Text Box 15"/>
+          <p:cNvSpPr txBox="1">
+            <a:spLocks noChangeArrowheads="1"/>
+          </p:cNvSpPr>
+          <p:nvPr/>
+        </p:nvSpPr>
+        <p:spPr bwMode="auto">
+          <a:xfrm>
+            <a:off x="7391533" y="1684325"/>
+            <a:ext cx="763351" cy="400110"/>
+          </a:xfrm>
+          <a:prstGeom prst="rect">
+            <a:avLst/>
+          </a:prstGeom>
+          <a:noFill/>
+          <a:ln w="9525">
+            <a:noFill/>
+            <a:miter lim="800000"/>
+            <a:headEnd/>
+            <a:tailEnd/>
+          </a:ln>
+        </p:spPr>
+        <p:txBody>
+          <a:bodyPr wrap="none">
+            <a:spAutoFit/>
+          </a:bodyPr>
+          <a:lstStyle/>
+          <a:p>
+            <a:pPr algn="ctr"/>
+            <a:r>
+              <a:rPr lang="en-US" altLang="en-US" sz="2000" b="1" dirty="0" smtClean="0">
+                <a:solidFill>
+                  <a:srgbClr val="1E3272"/>
+                </a:solidFill>
+              </a:rPr>
+              <a:t>5 </a:t>
+            </a:r>
+            <a:r>
+              <a:rPr lang="en-US" altLang="en-US" sz="2000" b="1" dirty="0">
+                <a:solidFill>
+                  <a:srgbClr val="1E3272"/>
+                </a:solidFill>
+              </a:rPr>
+              <a:t>bits</a:t>
+            </a:r>
+            <a:endParaRPr lang="en-AU" altLang="en-US" sz="2000" b="1" dirty="0">
+              <a:solidFill>
+                <a:srgbClr val="1E3272"/>
+              </a:solidFill>
+            </a:endParaRPr>
+          </a:p>
+        </p:txBody>
+      </p:sp>
+      <p:sp>
+        <p:nvSpPr>
+          <p:cNvPr id="43" name="Text Box 15"/>
+          <p:cNvSpPr txBox="1">
+            <a:spLocks noChangeArrowheads="1"/>
+          </p:cNvSpPr>
+          <p:nvPr/>
+        </p:nvSpPr>
+        <p:spPr bwMode="auto">
+          <a:xfrm>
+            <a:off x="3098933" y="1646225"/>
+            <a:ext cx="763351" cy="400110"/>
+          </a:xfrm>
+          <a:prstGeom prst="rect">
+            <a:avLst/>
+          </a:prstGeom>
+          <a:noFill/>
+          <a:ln w="9525">
+            <a:noFill/>
+            <a:miter lim="800000"/>
+            <a:headEnd/>
+            <a:tailEnd/>
+          </a:ln>
+        </p:spPr>
+        <p:txBody>
+          <a:bodyPr wrap="none">
+            <a:spAutoFit/>
+          </a:bodyPr>
+          <a:lstStyle/>
+          <a:p>
+            <a:pPr algn="ctr"/>
+            <a:r>
+              <a:rPr lang="en-US" altLang="en-US" sz="2000" b="1" dirty="0">
+                <a:solidFill>
+                  <a:srgbClr val="1E3272"/>
+                </a:solidFill>
+              </a:rPr>
+              <a:t>6</a:t>
+            </a:r>
+            <a:r>
+              <a:rPr lang="en-US" altLang="en-US" sz="2000" b="1" dirty="0" smtClean="0">
+                <a:solidFill>
+                  <a:srgbClr val="1E3272"/>
+                </a:solidFill>
+              </a:rPr>
               <a:t> </a:t>
             </a:r>
-            <a:endParaRPr lang="en-AU" altLang="en-US" sz="2000"/>
+            <a:r>
+              <a:rPr lang="en-US" altLang="en-US" sz="2000" b="1" dirty="0">
+                <a:solidFill>
+                  <a:srgbClr val="1E3272"/>
+                </a:solidFill>
+              </a:rPr>
+              <a:t>bits</a:t>
+            </a:r>
+            <a:endParaRPr lang="en-AU" altLang="en-US" sz="2000" b="1" dirty="0">
+              <a:solidFill>
+                <a:srgbClr val="1E3272"/>
+              </a:solidFill>
+            </a:endParaRPr>
+          </a:p>
+        </p:txBody>
+      </p:sp>
+      <p:sp>
+        <p:nvSpPr>
+          <p:cNvPr id="44" name="Text Box 15"/>
+          <p:cNvSpPr txBox="1">
+            <a:spLocks noChangeArrowheads="1"/>
+          </p:cNvSpPr>
+          <p:nvPr/>
+        </p:nvSpPr>
+        <p:spPr bwMode="auto">
+          <a:xfrm>
+            <a:off x="2362829" y="2027225"/>
+            <a:ext cx="660758" cy="400110"/>
+          </a:xfrm>
+          <a:prstGeom prst="rect">
+            <a:avLst/>
+          </a:prstGeom>
+          <a:noFill/>
+          <a:ln w="9525">
+            <a:noFill/>
+            <a:miter lim="800000"/>
+            <a:headEnd/>
+            <a:tailEnd/>
+          </a:ln>
+        </p:spPr>
+        <p:txBody>
+          <a:bodyPr wrap="none">
+            <a:spAutoFit/>
+          </a:bodyPr>
+          <a:lstStyle/>
+          <a:p>
+            <a:pPr algn="ctr"/>
+            <a:r>
+              <a:rPr lang="en-US" altLang="en-US" sz="2000" b="1" dirty="0" smtClean="0">
+                <a:solidFill>
+                  <a:srgbClr val="1E3272"/>
+                </a:solidFill>
+              </a:rPr>
+              <a:t>1</a:t>
+            </a:r>
+            <a:r>
+              <a:rPr lang="en-US" altLang="en-US" sz="2000" b="1" dirty="0" smtClean="0">
+                <a:solidFill>
+                  <a:srgbClr val="1E3272"/>
+                </a:solidFill>
+              </a:rPr>
+              <a:t> bit</a:t>
+            </a:r>
+            <a:endParaRPr lang="en-AU" altLang="en-US" sz="2000" b="1" dirty="0">
+              <a:solidFill>
+                <a:srgbClr val="1E3272"/>
+              </a:solidFill>
+            </a:endParaRPr>
+          </a:p>
+        </p:txBody>
+      </p:sp>
+      <p:sp>
+        <p:nvSpPr>
+          <p:cNvPr id="45" name="Text Box 15"/>
+          <p:cNvSpPr txBox="1">
+            <a:spLocks noChangeArrowheads="1"/>
+          </p:cNvSpPr>
+          <p:nvPr/>
+        </p:nvSpPr>
+        <p:spPr bwMode="auto">
+          <a:xfrm>
+            <a:off x="8204829" y="2078025"/>
+            <a:ext cx="660758" cy="400110"/>
+          </a:xfrm>
+          <a:prstGeom prst="rect">
+            <a:avLst/>
+          </a:prstGeom>
+          <a:noFill/>
+          <a:ln w="9525">
+            <a:noFill/>
+            <a:miter lim="800000"/>
+            <a:headEnd/>
+            <a:tailEnd/>
+          </a:ln>
+        </p:spPr>
+        <p:txBody>
+          <a:bodyPr wrap="none">
+            <a:spAutoFit/>
+          </a:bodyPr>
+          <a:lstStyle/>
+          <a:p>
+            <a:pPr algn="ctr"/>
+            <a:r>
+              <a:rPr lang="en-US" altLang="en-US" sz="2000" b="1" dirty="0" smtClean="0">
+                <a:solidFill>
+                  <a:srgbClr val="1E3272"/>
+                </a:solidFill>
+              </a:rPr>
+              <a:t>1</a:t>
+            </a:r>
+            <a:r>
+              <a:rPr lang="en-US" altLang="en-US" sz="2000" b="1" dirty="0" smtClean="0">
+                <a:solidFill>
+                  <a:srgbClr val="1E3272"/>
+                </a:solidFill>
+              </a:rPr>
+              <a:t> bit</a:t>
+            </a:r>
+            <a:endParaRPr lang="en-AU" altLang="en-US" sz="2000" b="1" dirty="0">
+              <a:solidFill>
+                <a:srgbClr val="1E3272"/>
+              </a:solidFill>
+            </a:endParaRPr>
           </a:p>
         </p:txBody>
       </p:sp>
@@ -7976,14 +8987,62 @@
         </p:nvSpPr>
         <p:spPr>
           <a:xfrm>
-            <a:off x="838200" y="2989943"/>
-            <a:ext cx="10515600" cy="3186006"/>
-          </a:xfrm>
-        </p:spPr>
-        <p:txBody>
-          <a:bodyPr/>
-          <a:lstStyle/>
-          <a:p>
+            <a:off x="838199" y="4052173"/>
+            <a:ext cx="10866121" cy="2412127"/>
+          </a:xfrm>
+        </p:spPr>
+        <p:txBody>
+          <a:bodyPr>
+            <a:normAutofit lnSpcReduction="10000"/>
+          </a:bodyPr>
+          <a:lstStyle/>
+          <a:p>
+            <a:pPr>
+              <a:lnSpc>
+                <a:spcPct val="100000"/>
+              </a:lnSpc>
+              <a:spcBef>
+                <a:spcPts val="0"/>
+              </a:spcBef>
+            </a:pPr>
+            <a:r>
+              <a:rPr lang="en-US" altLang="en-US" dirty="0" smtClean="0"/>
+              <a:t>Upper-immediate values: 20-bit values shifted left by 12 bits</a:t>
+            </a:r>
+            <a:endParaRPr lang="en-US" altLang="en-US" dirty="0" smtClean="0"/>
+          </a:p>
+          <a:p>
+            <a:pPr lvl="1">
+              <a:spcBef>
+                <a:spcPts val="0"/>
+              </a:spcBef>
+            </a:pPr>
+            <a:r>
+              <a:rPr lang="en-US" altLang="en-US" dirty="0" smtClean="0"/>
+              <a:t>opcode: operation code</a:t>
+            </a:r>
+          </a:p>
+          <a:p>
+            <a:pPr lvl="1">
+              <a:spcBef>
+                <a:spcPts val="0"/>
+              </a:spcBef>
+            </a:pPr>
+            <a:r>
+              <a:rPr lang="en-US" altLang="en-US" dirty="0" smtClean="0"/>
+              <a:t>rd: destination register number</a:t>
+            </a:r>
+          </a:p>
+          <a:p>
+            <a:pPr lvl="1">
+              <a:spcBef>
+                <a:spcPts val="0"/>
+              </a:spcBef>
+            </a:pPr>
+            <a:r>
+              <a:rPr lang="en-US" altLang="en-US" dirty="0" smtClean="0"/>
+              <a:t>imm: 20-bit immediate value</a:t>
+            </a:r>
             <a:endParaRPr lang="ru-RU" dirty="0"/>
           </a:p>
         </p:txBody>
@@ -8030,24 +9089,755 @@
           <a:p>
             <a:r>
               <a:rPr lang="en-US" altLang="en-US" dirty="0" smtClean="0"/>
-              <a:t>UJ-format Instructions</a:t>
+              <a:t>U-format </a:t>
+            </a:r>
+            <a:r>
+              <a:rPr lang="en-US" altLang="en-US" dirty="0" smtClean="0"/>
+              <a:t>Instructions</a:t>
             </a:r>
             <a:endParaRPr lang="ru-RU" dirty="0"/>
           </a:p>
         </p:txBody>
       </p:sp>
-      <p:sp>
-        <p:nvSpPr>
-          <p:cNvPr id="5" name="Text Box 8"/>
+      <p:grpSp>
+        <p:nvGrpSpPr>
+          <p:cNvPr id="5" name="Group 2"/>
+          <p:cNvGrpSpPr>
+            <a:grpSpLocks/>
+          </p:cNvGrpSpPr>
+          <p:nvPr/>
+        </p:nvGrpSpPr>
+        <p:grpSpPr bwMode="auto">
+          <a:xfrm>
+            <a:off x="2645663" y="1111122"/>
+            <a:ext cx="6772275" cy="875543"/>
+            <a:chOff x="1331640" y="1383660"/>
+            <a:chExt cx="6771978" cy="877133"/>
+          </a:xfrm>
+          <a:solidFill>
+            <a:srgbClr val="F7B217"/>
+          </a:solidFill>
+        </p:grpSpPr>
+        <p:sp>
+          <p:nvSpPr>
+            <p:cNvPr id="6" name="Text Box 5"/>
+            <p:cNvSpPr txBox="1">
+              <a:spLocks noChangeArrowheads="1"/>
+            </p:cNvSpPr>
+            <p:nvPr/>
+          </p:nvSpPr>
+          <p:spPr bwMode="auto">
+            <a:xfrm>
+              <a:off x="1331640" y="1383660"/>
+              <a:ext cx="4406951" cy="431670"/>
+            </a:xfrm>
+            <a:prstGeom prst="rect">
+              <a:avLst/>
+            </a:prstGeom>
+            <a:grpFill/>
+            <a:ln w="19050">
+              <a:solidFill>
+                <a:srgbClr val="1E3272"/>
+              </a:solidFill>
+              <a:miter lim="800000"/>
+              <a:headEnd/>
+              <a:tailEnd/>
+            </a:ln>
+          </p:spPr>
+          <p:txBody>
+            <a:bodyPr wrap="square" anchor="ctr">
+              <a:spAutoFit/>
+            </a:bodyPr>
+            <a:lstStyle/>
+            <a:p>
+              <a:pPr algn="ctr"/>
+              <a:r>
+                <a:rPr lang="en-US" altLang="en-US" sz="2200" dirty="0" err="1" smtClean="0">
+                  <a:solidFill>
+                    <a:srgbClr val="1E3272"/>
+                  </a:solidFill>
+                </a:rPr>
+                <a:t>imm</a:t>
+              </a:r>
+              <a:r>
+                <a:rPr lang="en-US" altLang="en-US" sz="2200" dirty="0" smtClean="0">
+                  <a:solidFill>
+                    <a:srgbClr val="1E3272"/>
+                  </a:solidFill>
+                </a:rPr>
+                <a:t>[31:12]</a:t>
+              </a:r>
+              <a:endParaRPr lang="en-AU" altLang="en-US" sz="2200" dirty="0">
+                <a:solidFill>
+                  <a:srgbClr val="1E3272"/>
+                </a:solidFill>
+              </a:endParaRPr>
+            </a:p>
+          </p:txBody>
+        </p:sp>
+        <p:sp>
+          <p:nvSpPr>
+            <p:cNvPr id="9" name="Text Box 8"/>
+            <p:cNvSpPr txBox="1">
+              <a:spLocks noChangeArrowheads="1"/>
+            </p:cNvSpPr>
+            <p:nvPr/>
+          </p:nvSpPr>
+          <p:spPr bwMode="auto">
+            <a:xfrm>
+              <a:off x="5727131" y="1383661"/>
+              <a:ext cx="1079500" cy="431670"/>
+            </a:xfrm>
+            <a:prstGeom prst="rect">
+              <a:avLst/>
+            </a:prstGeom>
+            <a:grpFill/>
+            <a:ln w="19050">
+              <a:solidFill>
+                <a:srgbClr val="1E3272"/>
+              </a:solidFill>
+              <a:miter lim="800000"/>
+              <a:headEnd/>
+              <a:tailEnd/>
+            </a:ln>
+          </p:spPr>
+          <p:txBody>
+            <a:bodyPr anchor="ctr">
+              <a:spAutoFit/>
+            </a:bodyPr>
+            <a:lstStyle/>
+            <a:p>
+              <a:pPr algn="ctr"/>
+              <a:r>
+                <a:rPr lang="en-US" altLang="en-US" sz="2200" dirty="0">
+                  <a:solidFill>
+                    <a:srgbClr val="1E3272"/>
+                  </a:solidFill>
+                </a:rPr>
+                <a:t>rd</a:t>
+              </a:r>
+              <a:endParaRPr lang="en-AU" altLang="en-US" sz="2200" dirty="0">
+                <a:solidFill>
+                  <a:srgbClr val="1E3272"/>
+                </a:solidFill>
+              </a:endParaRPr>
+            </a:p>
+          </p:txBody>
+        </p:sp>
+        <p:sp>
+          <p:nvSpPr>
+            <p:cNvPr id="11" name="Text Box 10"/>
+            <p:cNvSpPr txBox="1">
+              <a:spLocks noChangeArrowheads="1"/>
+            </p:cNvSpPr>
+            <p:nvPr/>
+          </p:nvSpPr>
+          <p:spPr bwMode="auto">
+            <a:xfrm>
+              <a:off x="6806631" y="1383661"/>
+              <a:ext cx="1296987" cy="431670"/>
+            </a:xfrm>
+            <a:prstGeom prst="rect">
+              <a:avLst/>
+            </a:prstGeom>
+            <a:grpFill/>
+            <a:ln w="19050">
+              <a:solidFill>
+                <a:srgbClr val="1E3272"/>
+              </a:solidFill>
+              <a:miter lim="800000"/>
+              <a:headEnd/>
+              <a:tailEnd/>
+            </a:ln>
+          </p:spPr>
+          <p:txBody>
+            <a:bodyPr anchor="ctr">
+              <a:spAutoFit/>
+            </a:bodyPr>
+            <a:lstStyle/>
+            <a:p>
+              <a:pPr algn="ctr"/>
+              <a:r>
+                <a:rPr lang="en-US" altLang="en-US" sz="2200" dirty="0">
+                  <a:solidFill>
+                    <a:srgbClr val="1E3272"/>
+                  </a:solidFill>
+                </a:rPr>
+                <a:t>opcode</a:t>
+              </a:r>
+              <a:endParaRPr lang="en-AU" altLang="en-US" sz="2200" dirty="0">
+                <a:solidFill>
+                  <a:srgbClr val="1E3272"/>
+                </a:solidFill>
+              </a:endParaRPr>
+            </a:p>
+          </p:txBody>
+        </p:sp>
+        <p:sp>
+          <p:nvSpPr>
+            <p:cNvPr id="14" name="Text Box 13"/>
+            <p:cNvSpPr txBox="1">
+              <a:spLocks noChangeArrowheads="1"/>
+            </p:cNvSpPr>
+            <p:nvPr/>
+          </p:nvSpPr>
+          <p:spPr bwMode="auto">
+            <a:xfrm>
+              <a:off x="3163837" y="1859956"/>
+              <a:ext cx="893154" cy="400837"/>
+            </a:xfrm>
+            <a:prstGeom prst="rect">
+              <a:avLst/>
+            </a:prstGeom>
+            <a:noFill/>
+            <a:ln w="9525">
+              <a:noFill/>
+              <a:miter lim="800000"/>
+              <a:headEnd/>
+              <a:tailEnd/>
+            </a:ln>
+          </p:spPr>
+          <p:txBody>
+            <a:bodyPr wrap="none">
+              <a:spAutoFit/>
+            </a:bodyPr>
+            <a:lstStyle/>
+            <a:p>
+              <a:pPr algn="ctr"/>
+              <a:r>
+                <a:rPr lang="en-US" altLang="en-US" sz="2000" b="1" dirty="0" smtClean="0">
+                  <a:solidFill>
+                    <a:srgbClr val="1E3272"/>
+                  </a:solidFill>
+                </a:rPr>
+                <a:t>20</a:t>
+              </a:r>
+              <a:r>
+                <a:rPr lang="en-US" altLang="en-US" sz="2000" b="1" dirty="0" smtClean="0">
+                  <a:solidFill>
+                    <a:srgbClr val="1E3272"/>
+                  </a:solidFill>
+                </a:rPr>
+                <a:t> </a:t>
+              </a:r>
+              <a:r>
+                <a:rPr lang="en-US" altLang="en-US" sz="2000" b="1" dirty="0">
+                  <a:solidFill>
+                    <a:srgbClr val="1E3272"/>
+                  </a:solidFill>
+                </a:rPr>
+                <a:t>bits</a:t>
+              </a:r>
+              <a:endParaRPr lang="en-AU" altLang="en-US" sz="2000" b="1" dirty="0">
+                <a:solidFill>
+                  <a:srgbClr val="1E3272"/>
+                </a:solidFill>
+              </a:endParaRPr>
+            </a:p>
+          </p:txBody>
+        </p:sp>
+        <p:sp>
+          <p:nvSpPr>
+            <p:cNvPr id="16" name="Text Box 15"/>
+            <p:cNvSpPr txBox="1">
+              <a:spLocks noChangeArrowheads="1"/>
+            </p:cNvSpPr>
+            <p:nvPr/>
+          </p:nvSpPr>
+          <p:spPr bwMode="auto">
+            <a:xfrm>
+              <a:off x="5899510" y="1830677"/>
+              <a:ext cx="763318" cy="400837"/>
+            </a:xfrm>
+            <a:prstGeom prst="rect">
+              <a:avLst/>
+            </a:prstGeom>
+            <a:noFill/>
+            <a:ln w="9525">
+              <a:noFill/>
+              <a:miter lim="800000"/>
+              <a:headEnd/>
+              <a:tailEnd/>
+            </a:ln>
+          </p:spPr>
+          <p:txBody>
+            <a:bodyPr wrap="none">
+              <a:spAutoFit/>
+            </a:bodyPr>
+            <a:lstStyle/>
+            <a:p>
+              <a:pPr algn="ctr"/>
+              <a:r>
+                <a:rPr lang="en-US" altLang="en-US" sz="2000" b="1" dirty="0">
+                  <a:solidFill>
+                    <a:srgbClr val="1E3272"/>
+                  </a:solidFill>
+                </a:rPr>
+                <a:t>5 bits</a:t>
+              </a:r>
+              <a:endParaRPr lang="en-AU" altLang="en-US" sz="2000" b="1" dirty="0">
+                <a:solidFill>
+                  <a:srgbClr val="1E3272"/>
+                </a:solidFill>
+              </a:endParaRPr>
+            </a:p>
+          </p:txBody>
+        </p:sp>
+      </p:grpSp>
+      <p:sp>
+        <p:nvSpPr>
+          <p:cNvPr id="32" name="Rectangle 37"/>
           <p:cNvSpPr txBox="1">
             <a:spLocks noChangeArrowheads="1"/>
           </p:cNvSpPr>
           <p:nvPr/>
         </p:nvSpPr>
+        <p:spPr>
+          <a:xfrm>
+            <a:off x="3300246" y="1924755"/>
+            <a:ext cx="5490817" cy="649288"/>
+          </a:xfrm>
+          <a:prstGeom prst="rect">
+            <a:avLst/>
+          </a:prstGeom>
+        </p:spPr>
+        <p:txBody>
+          <a:bodyPr vert="horz" lIns="91440" tIns="45720" rIns="91440" bIns="45720" rtlCol="0" anchor="ctr">
+            <a:normAutofit/>
+          </a:bodyPr>
+          <a:lstStyle/>
+          <a:p>
+            <a:pPr marL="228600" marR="0" lvl="0" indent="-228600" algn="ctr" defTabSz="914400" rtl="0" eaLnBrk="1" fontAlgn="auto" latinLnBrk="0" hangingPunct="1">
+              <a:lnSpc>
+                <a:spcPct val="90000"/>
+              </a:lnSpc>
+              <a:spcBef>
+                <a:spcPts val="1000"/>
+              </a:spcBef>
+              <a:spcAft>
+                <a:spcPts val="0"/>
+              </a:spcAft>
+              <a:buClrTx/>
+              <a:buSzTx/>
+              <a:buFont typeface="Wingdings" pitchFamily="2" charset="2"/>
+              <a:buNone/>
+              <a:tabLst/>
+              <a:defRPr/>
+            </a:pPr>
+            <a:r>
+              <a:rPr kumimoji="0" lang="en-US" altLang="en-US" sz="3600" b="0" i="0" u="none" strike="noStrike" kern="1200" cap="none" spc="0" normalizeH="0" baseline="0" noProof="0" dirty="0" smtClean="0">
+                <a:ln>
+                  <a:noFill/>
+                </a:ln>
+                <a:solidFill>
+                  <a:schemeClr val="accent6"/>
+                </a:solidFill>
+                <a:effectLst/>
+                <a:uLnTx/>
+                <a:uFillTx/>
+                <a:ea typeface="+mn-ea"/>
+                <a:cs typeface="+mn-cs"/>
+              </a:rPr>
+              <a:t>	</a:t>
+            </a:r>
+            <a:r>
+              <a:rPr kumimoji="0" lang="en-US" altLang="en-US" sz="3600" b="1" i="0" u="none" strike="noStrike" kern="1200" cap="none" spc="0" normalizeH="0" baseline="0" noProof="0" dirty="0" err="1" smtClean="0">
+                <a:ln>
+                  <a:noFill/>
+                </a:ln>
+                <a:solidFill>
+                  <a:schemeClr val="accent6"/>
+                </a:solidFill>
+                <a:effectLst/>
+                <a:uLnTx/>
+                <a:uFillTx/>
+                <a:ea typeface="+mn-ea"/>
+                <a:cs typeface="+mn-cs"/>
+              </a:rPr>
+              <a:t>lui</a:t>
+            </a:r>
+            <a:r>
+              <a:rPr kumimoji="0" lang="en-US" altLang="en-US" sz="3600" b="1" i="0" u="none" strike="noStrike" kern="1200" cap="none" spc="0" normalizeH="0" baseline="0" noProof="0" dirty="0" smtClean="0">
+                <a:ln>
+                  <a:noFill/>
+                </a:ln>
+                <a:solidFill>
+                  <a:schemeClr val="accent6"/>
+                </a:solidFill>
+                <a:effectLst/>
+                <a:uLnTx/>
+                <a:uFillTx/>
+                <a:ea typeface="+mn-ea"/>
+                <a:cs typeface="+mn-cs"/>
+              </a:rPr>
+              <a:t> x5, 0x12345</a:t>
+            </a:r>
+            <a:endParaRPr kumimoji="0" lang="en-US" altLang="en-US" sz="3600" b="1" i="0" u="none" strike="noStrike" kern="1200" cap="none" spc="0" normalizeH="0" baseline="0" noProof="0" dirty="0" smtClean="0">
+              <a:ln>
+                <a:noFill/>
+              </a:ln>
+              <a:solidFill>
+                <a:schemeClr val="accent6"/>
+              </a:solidFill>
+              <a:effectLst/>
+              <a:uLnTx/>
+              <a:uFillTx/>
+              <a:ea typeface="+mn-ea"/>
+              <a:cs typeface="+mn-cs"/>
+            </a:endParaRPr>
+          </a:p>
+        </p:txBody>
+      </p:sp>
+      <p:sp>
+        <p:nvSpPr>
+          <p:cNvPr id="33" name="Rectangle 35"/>
+          <p:cNvSpPr>
+            <a:spLocks noChangeArrowheads="1"/>
+          </p:cNvSpPr>
+          <p:nvPr/>
+        </p:nvSpPr>
         <p:spPr bwMode="auto">
           <a:xfrm>
-            <a:off x="7353268" y="1122170"/>
-            <a:ext cx="1079500" cy="415925"/>
+            <a:off x="886099" y="3269284"/>
+            <a:ext cx="10486094" cy="577474"/>
+          </a:xfrm>
+          <a:prstGeom prst="rect">
+            <a:avLst/>
+          </a:prstGeom>
+          <a:noFill/>
+          <a:ln w="9525">
+            <a:noFill/>
+            <a:miter lim="800000"/>
+            <a:headEnd/>
+            <a:tailEnd/>
+          </a:ln>
+        </p:spPr>
+        <p:txBody>
+          <a:bodyPr/>
+          <a:lstStyle/>
+          <a:p>
+            <a:pPr marL="342900" indent="-342900" algn="ctr">
+              <a:spcBef>
+                <a:spcPct val="20000"/>
+              </a:spcBef>
+              <a:buClr>
+                <a:schemeClr val="folHlink"/>
+              </a:buClr>
+              <a:buSzPct val="60000"/>
+            </a:pPr>
+            <a:r>
+              <a:rPr lang="en-US" altLang="en-US" sz="3200" b="1" dirty="0" smtClean="0">
+                <a:solidFill>
+                  <a:schemeClr val="accent6"/>
+                </a:solidFill>
+              </a:rPr>
+              <a:t>0001 0010 0011 0100 0101 0010 1011 0111</a:t>
+            </a:r>
+            <a:r>
+              <a:rPr lang="en-US" altLang="en-US" sz="3200" b="1" baseline="-25000" dirty="0" smtClean="0">
+                <a:solidFill>
+                  <a:schemeClr val="accent6"/>
+                </a:solidFill>
+              </a:rPr>
+              <a:t>two</a:t>
+            </a:r>
+            <a:r>
+              <a:rPr lang="en-US" altLang="en-US" sz="3200" b="1" dirty="0" smtClean="0">
+                <a:solidFill>
+                  <a:schemeClr val="accent6"/>
+                </a:solidFill>
+              </a:rPr>
+              <a:t> </a:t>
+            </a:r>
+            <a:r>
+              <a:rPr lang="en-US" altLang="en-US" sz="3200" b="1" dirty="0" smtClean="0">
+                <a:solidFill>
+                  <a:schemeClr val="accent6"/>
+                </a:solidFill>
+              </a:rPr>
+              <a:t>= </a:t>
+            </a:r>
+            <a:r>
+              <a:rPr lang="en-US" altLang="en-US" sz="3200" b="1" dirty="0" smtClean="0">
+                <a:solidFill>
+                  <a:schemeClr val="accent6"/>
+                </a:solidFill>
+              </a:rPr>
+              <a:t>123452b7</a:t>
+            </a:r>
+            <a:r>
+              <a:rPr lang="en-US" altLang="en-US" sz="3200" b="1" baseline="-25000" dirty="0" smtClean="0">
+                <a:solidFill>
+                  <a:schemeClr val="accent6"/>
+                </a:solidFill>
+              </a:rPr>
+              <a:t>16</a:t>
+            </a:r>
+            <a:endParaRPr lang="en-AU" altLang="en-US" sz="3200" b="1" dirty="0">
+              <a:solidFill>
+                <a:schemeClr val="accent6"/>
+              </a:solidFill>
+            </a:endParaRPr>
+          </a:p>
+        </p:txBody>
+      </p:sp>
+      <p:sp>
+        <p:nvSpPr>
+          <p:cNvPr id="34" name="Text Box 5"/>
+          <p:cNvSpPr txBox="1">
+            <a:spLocks noChangeArrowheads="1"/>
+          </p:cNvSpPr>
+          <p:nvPr/>
+        </p:nvSpPr>
+        <p:spPr bwMode="auto">
+          <a:xfrm>
+            <a:off x="2614175" y="2467436"/>
+            <a:ext cx="4406827" cy="415925"/>
+          </a:xfrm>
+          <a:prstGeom prst="rect">
+            <a:avLst/>
+          </a:prstGeom>
+          <a:noFill/>
+          <a:ln w="19050">
+            <a:solidFill>
+              <a:srgbClr val="1E3272"/>
+            </a:solidFill>
+            <a:miter lim="800000"/>
+            <a:headEnd/>
+            <a:tailEnd/>
+          </a:ln>
+        </p:spPr>
+        <p:txBody>
+          <a:bodyPr wrap="square">
+            <a:spAutoFit/>
+          </a:bodyPr>
+          <a:lstStyle/>
+          <a:p>
+            <a:pPr algn="ctr"/>
+            <a:r>
+              <a:rPr lang="en-US" altLang="en-US" sz="2000" dirty="0" smtClean="0">
+                <a:solidFill>
+                  <a:srgbClr val="1E3272"/>
+                </a:solidFill>
+              </a:rPr>
+              <a:t>0x12345</a:t>
+            </a:r>
+            <a:endParaRPr lang="en-AU" altLang="en-US" sz="2000" dirty="0">
+              <a:solidFill>
+                <a:srgbClr val="1E3272"/>
+              </a:solidFill>
+            </a:endParaRPr>
+          </a:p>
+        </p:txBody>
+      </p:sp>
+      <p:sp>
+        <p:nvSpPr>
+          <p:cNvPr id="37" name="Text Box 8"/>
+          <p:cNvSpPr txBox="1">
+            <a:spLocks noChangeArrowheads="1"/>
+          </p:cNvSpPr>
+          <p:nvPr/>
+        </p:nvSpPr>
+        <p:spPr bwMode="auto">
+          <a:xfrm>
+            <a:off x="7020472" y="2467436"/>
+            <a:ext cx="1084156" cy="415925"/>
+          </a:xfrm>
+          <a:prstGeom prst="rect">
+            <a:avLst/>
+          </a:prstGeom>
+          <a:noFill/>
+          <a:ln w="19050">
+            <a:solidFill>
+              <a:srgbClr val="1E3272"/>
+            </a:solidFill>
+            <a:miter lim="800000"/>
+            <a:headEnd/>
+            <a:tailEnd/>
+          </a:ln>
+        </p:spPr>
+        <p:txBody>
+          <a:bodyPr wrap="square">
+            <a:spAutoFit/>
+          </a:bodyPr>
+          <a:lstStyle/>
+          <a:p>
+            <a:pPr algn="ctr"/>
+            <a:r>
+              <a:rPr lang="en-US" altLang="en-US" sz="2000" dirty="0" smtClean="0">
+                <a:solidFill>
+                  <a:srgbClr val="1E3272"/>
+                </a:solidFill>
+              </a:rPr>
+              <a:t>5</a:t>
+            </a:r>
+            <a:endParaRPr lang="en-AU" altLang="en-US" sz="2000" dirty="0">
+              <a:solidFill>
+                <a:srgbClr val="1E3272"/>
+              </a:solidFill>
+            </a:endParaRPr>
+          </a:p>
+        </p:txBody>
+      </p:sp>
+      <p:sp>
+        <p:nvSpPr>
+          <p:cNvPr id="39" name="Text Box 10"/>
+          <p:cNvSpPr txBox="1">
+            <a:spLocks noChangeArrowheads="1"/>
+          </p:cNvSpPr>
+          <p:nvPr/>
+        </p:nvSpPr>
+        <p:spPr bwMode="auto">
+          <a:xfrm>
+            <a:off x="8099972" y="2467436"/>
+            <a:ext cx="1302582" cy="415925"/>
+          </a:xfrm>
+          <a:prstGeom prst="rect">
+            <a:avLst/>
+          </a:prstGeom>
+          <a:noFill/>
+          <a:ln w="19050">
+            <a:solidFill>
+              <a:srgbClr val="1E3272"/>
+            </a:solidFill>
+            <a:miter lim="800000"/>
+            <a:headEnd/>
+            <a:tailEnd/>
+          </a:ln>
+        </p:spPr>
+        <p:txBody>
+          <a:bodyPr wrap="square">
+            <a:spAutoFit/>
+          </a:bodyPr>
+          <a:lstStyle/>
+          <a:p>
+            <a:pPr algn="ctr"/>
+            <a:r>
+              <a:rPr lang="en-US" altLang="en-US" sz="2000" dirty="0" smtClean="0">
+                <a:solidFill>
+                  <a:srgbClr val="1E3272"/>
+                </a:solidFill>
+              </a:rPr>
+              <a:t>55</a:t>
+            </a:r>
+            <a:endParaRPr lang="en-AU" altLang="en-US" sz="2000" dirty="0">
+              <a:solidFill>
+                <a:srgbClr val="1E3272"/>
+              </a:solidFill>
+            </a:endParaRPr>
+          </a:p>
+        </p:txBody>
+      </p:sp>
+      <p:sp>
+        <p:nvSpPr>
+          <p:cNvPr id="40" name="Text Box 5"/>
+          <p:cNvSpPr txBox="1">
+            <a:spLocks noChangeArrowheads="1"/>
+          </p:cNvSpPr>
+          <p:nvPr/>
+        </p:nvSpPr>
+        <p:spPr bwMode="auto">
+          <a:xfrm>
+            <a:off x="2614175" y="2878771"/>
+            <a:ext cx="4406827" cy="415925"/>
+          </a:xfrm>
+          <a:prstGeom prst="rect">
+            <a:avLst/>
+          </a:prstGeom>
+          <a:noFill/>
+          <a:ln w="19050">
+            <a:solidFill>
+              <a:srgbClr val="1E3272"/>
+            </a:solidFill>
+            <a:miter lim="800000"/>
+            <a:headEnd/>
+            <a:tailEnd/>
+          </a:ln>
+        </p:spPr>
+        <p:txBody>
+          <a:bodyPr wrap="square">
+            <a:spAutoFit/>
+          </a:bodyPr>
+          <a:lstStyle/>
+          <a:p>
+            <a:pPr algn="ctr"/>
+            <a:r>
+              <a:rPr lang="en-US" altLang="en-US" sz="2000" dirty="0" smtClean="0">
+                <a:solidFill>
+                  <a:srgbClr val="1E3272"/>
+                </a:solidFill>
+              </a:rPr>
+              <a:t>0001 0010 0011 0100 0101</a:t>
+            </a:r>
+            <a:endParaRPr lang="en-AU" altLang="en-US" sz="2000" dirty="0">
+              <a:solidFill>
+                <a:srgbClr val="1E3272"/>
+              </a:solidFill>
+            </a:endParaRPr>
+          </a:p>
+        </p:txBody>
+      </p:sp>
+      <p:sp>
+        <p:nvSpPr>
+          <p:cNvPr id="43" name="Text Box 8"/>
+          <p:cNvSpPr txBox="1">
+            <a:spLocks noChangeArrowheads="1"/>
+          </p:cNvSpPr>
+          <p:nvPr/>
+        </p:nvSpPr>
+        <p:spPr bwMode="auto">
+          <a:xfrm>
+            <a:off x="7020472" y="2878771"/>
+            <a:ext cx="1084156" cy="415925"/>
+          </a:xfrm>
+          <a:prstGeom prst="rect">
+            <a:avLst/>
+          </a:prstGeom>
+          <a:noFill/>
+          <a:ln w="19050">
+            <a:solidFill>
+              <a:srgbClr val="1E3272"/>
+            </a:solidFill>
+            <a:miter lim="800000"/>
+            <a:headEnd/>
+            <a:tailEnd/>
+          </a:ln>
+        </p:spPr>
+        <p:txBody>
+          <a:bodyPr wrap="square">
+            <a:spAutoFit/>
+          </a:bodyPr>
+          <a:lstStyle/>
+          <a:p>
+            <a:pPr algn="ctr"/>
+            <a:r>
+              <a:rPr lang="en-US" altLang="en-US" sz="2000" dirty="0" smtClean="0">
+                <a:solidFill>
+                  <a:srgbClr val="1E3272"/>
+                </a:solidFill>
+              </a:rPr>
+              <a:t>00101</a:t>
+            </a:r>
+            <a:endParaRPr lang="en-AU" altLang="en-US" sz="2000" dirty="0">
+              <a:solidFill>
+                <a:srgbClr val="1E3272"/>
+              </a:solidFill>
+            </a:endParaRPr>
+          </a:p>
+        </p:txBody>
+      </p:sp>
+      <p:sp>
+        <p:nvSpPr>
+          <p:cNvPr id="45" name="Text Box 10"/>
+          <p:cNvSpPr txBox="1">
+            <a:spLocks noChangeArrowheads="1"/>
+          </p:cNvSpPr>
+          <p:nvPr/>
+        </p:nvSpPr>
+        <p:spPr bwMode="auto">
+          <a:xfrm>
+            <a:off x="8099972" y="2878771"/>
+            <a:ext cx="1302582" cy="415925"/>
           </a:xfrm>
           <a:prstGeom prst="rect">
             <a:avLst/>
@@ -8063,520 +9853,25 @@
           </a:ln>
         </p:spPr>
         <p:txBody>
-          <a:bodyPr>
+          <a:bodyPr wrap="square">
             <a:spAutoFit/>
           </a:bodyPr>
           <a:lstStyle/>
           <a:p>
             <a:pPr algn="ctr"/>
             <a:r>
-              <a:rPr lang="en-US" altLang="en-US" sz="2000"/>
-              <a:t>rd</a:t>
-            </a:r>
-            <a:endParaRPr lang="en-AU" altLang="en-US" sz="2000"/>
-          </a:p>
-        </p:txBody>
-      </p:sp>
-      <p:sp>
-        <p:nvSpPr>
-          <p:cNvPr id="6" name="Text Box 10"/>
-          <p:cNvSpPr txBox="1">
-            <a:spLocks noChangeArrowheads="1"/>
-          </p:cNvSpPr>
-          <p:nvPr/>
-        </p:nvSpPr>
-        <p:spPr bwMode="auto">
-          <a:xfrm>
-            <a:off x="8432768" y="1122170"/>
-            <a:ext cx="1296988" cy="415925"/>
-          </a:xfrm>
-          <a:prstGeom prst="rect">
-            <a:avLst/>
-          </a:prstGeom>
-          <a:noFill/>
-          <a:ln w="19050">
-            <a:solidFill>
-              <a:schemeClr val="tx1"/>
-            </a:solidFill>
-            <a:miter lim="800000"/>
-            <a:headEnd/>
-            <a:tailEnd/>
-          </a:ln>
-        </p:spPr>
-        <p:txBody>
-          <a:bodyPr>
-            <a:spAutoFit/>
-          </a:bodyPr>
-          <a:lstStyle/>
-          <a:p>
-            <a:pPr algn="ctr"/>
-            <a:r>
-              <a:rPr lang="en-US" altLang="en-US" sz="2000"/>
-              <a:t>opcode</a:t>
-            </a:r>
-            <a:endParaRPr lang="en-AU" altLang="en-US" sz="2000"/>
-          </a:p>
-        </p:txBody>
-      </p:sp>
-      <p:sp>
-        <p:nvSpPr>
-          <p:cNvPr id="7" name="Text Box 12"/>
-          <p:cNvSpPr txBox="1">
-            <a:spLocks noChangeArrowheads="1"/>
-          </p:cNvSpPr>
-          <p:nvPr/>
-        </p:nvSpPr>
-        <p:spPr bwMode="auto">
-          <a:xfrm>
-            <a:off x="8720106" y="1565083"/>
-            <a:ext cx="674687" cy="338137"/>
-          </a:xfrm>
-          <a:prstGeom prst="rect">
-            <a:avLst/>
-          </a:prstGeom>
-          <a:noFill/>
-          <a:ln w="9525">
-            <a:noFill/>
-            <a:miter lim="800000"/>
-            <a:headEnd/>
-            <a:tailEnd/>
-          </a:ln>
-        </p:spPr>
-        <p:txBody>
-          <a:bodyPr wrap="none">
-            <a:spAutoFit/>
-          </a:bodyPr>
-          <a:lstStyle/>
-          <a:p>
-            <a:pPr algn="ctr"/>
-            <a:r>
-              <a:rPr lang="en-US" altLang="en-US" sz="1600"/>
-              <a:t>7 bits</a:t>
-            </a:r>
-            <a:endParaRPr lang="en-AU" altLang="en-US" sz="1600"/>
-          </a:p>
-        </p:txBody>
-      </p:sp>
-      <p:sp>
-        <p:nvSpPr>
-          <p:cNvPr id="8" name="Text Box 15"/>
-          <p:cNvSpPr txBox="1">
-            <a:spLocks noChangeArrowheads="1"/>
-          </p:cNvSpPr>
-          <p:nvPr/>
-        </p:nvSpPr>
-        <p:spPr bwMode="auto">
-          <a:xfrm>
-            <a:off x="7572343" y="1565083"/>
-            <a:ext cx="669925" cy="336550"/>
-          </a:xfrm>
-          <a:prstGeom prst="rect">
-            <a:avLst/>
-          </a:prstGeom>
-          <a:noFill/>
-          <a:ln w="9525">
-            <a:noFill/>
-            <a:miter lim="800000"/>
-            <a:headEnd/>
-            <a:tailEnd/>
-          </a:ln>
-        </p:spPr>
-        <p:txBody>
-          <a:bodyPr wrap="none">
-            <a:spAutoFit/>
-          </a:bodyPr>
-          <a:lstStyle/>
-          <a:p>
-            <a:pPr algn="ctr"/>
-            <a:r>
-              <a:rPr lang="en-US" altLang="en-US" sz="1600"/>
-              <a:t>5 bits</a:t>
-            </a:r>
-            <a:endParaRPr lang="en-AU" altLang="en-US" sz="1600"/>
-          </a:p>
-        </p:txBody>
-      </p:sp>
-      <p:sp>
-        <p:nvSpPr>
-          <p:cNvPr id="9" name="Text Box 8"/>
-          <p:cNvSpPr txBox="1">
-            <a:spLocks noChangeArrowheads="1"/>
-          </p:cNvSpPr>
-          <p:nvPr/>
-        </p:nvSpPr>
-        <p:spPr bwMode="auto">
-          <a:xfrm>
-            <a:off x="5570506" y="1122170"/>
-            <a:ext cx="290512" cy="415925"/>
-          </a:xfrm>
-          <a:prstGeom prst="rect">
-            <a:avLst/>
-          </a:prstGeom>
-          <a:noFill/>
-          <a:ln w="19050">
-            <a:solidFill>
-              <a:schemeClr val="tx1"/>
-            </a:solidFill>
-            <a:miter lim="800000"/>
-            <a:headEnd/>
-            <a:tailEnd/>
-          </a:ln>
-        </p:spPr>
-        <p:txBody>
-          <a:bodyPr>
-            <a:spAutoFit/>
-          </a:bodyPr>
-          <a:lstStyle/>
-          <a:p>
-            <a:pPr algn="ctr"/>
-            <a:r>
-              <a:rPr lang="en-US" altLang="en-US" sz="2000"/>
-              <a:t> </a:t>
-            </a:r>
-            <a:endParaRPr lang="en-AU" altLang="en-US" sz="2000"/>
-          </a:p>
-        </p:txBody>
-      </p:sp>
-      <p:sp>
-        <p:nvSpPr>
-          <p:cNvPr id="10" name="Text Box 11"/>
-          <p:cNvSpPr txBox="1">
-            <a:spLocks noChangeArrowheads="1"/>
-          </p:cNvSpPr>
-          <p:nvPr/>
-        </p:nvSpPr>
-        <p:spPr bwMode="auto">
-          <a:xfrm>
-            <a:off x="5311743" y="1736533"/>
-            <a:ext cx="808038" cy="298450"/>
-          </a:xfrm>
-          <a:prstGeom prst="rect">
-            <a:avLst/>
-          </a:prstGeom>
-          <a:noFill/>
-          <a:ln w="9525">
-            <a:noFill/>
-            <a:miter lim="800000"/>
-            <a:headEnd/>
-            <a:tailEnd/>
-          </a:ln>
-        </p:spPr>
-        <p:txBody>
-          <a:bodyPr wrap="none">
-            <a:spAutoFit/>
-          </a:bodyPr>
-          <a:lstStyle/>
-          <a:p>
-            <a:pPr algn="ctr">
-              <a:lnSpc>
-                <a:spcPts val="1600"/>
-              </a:lnSpc>
-            </a:pPr>
-            <a:r>
-              <a:rPr lang="en-US" altLang="en-US" sz="1400"/>
-              <a:t>imm[11]</a:t>
-            </a:r>
-            <a:endParaRPr lang="en-AU" altLang="en-US" sz="1400"/>
-          </a:p>
-        </p:txBody>
-      </p:sp>
-      <p:cxnSp>
-        <p:nvCxnSpPr>
-          <p:cNvPr id="11" name="Straight Arrow Connector 38"/>
-          <p:cNvCxnSpPr>
-            <a:cxnSpLocks noChangeShapeType="1"/>
-            <a:stCxn id="10" idx="0"/>
-          </p:cNvCxnSpPr>
-          <p:nvPr/>
-        </p:nvCxnSpPr>
-        <p:spPr bwMode="auto">
-          <a:xfrm flipV="1">
-            <a:off x="5716556" y="1396808"/>
-            <a:ext cx="0" cy="339725"/>
-          </a:xfrm>
-          <a:prstGeom prst="straightConnector1">
-            <a:avLst/>
-          </a:prstGeom>
-          <a:noFill/>
-          <a:ln w="9525" algn="ctr">
-            <a:solidFill>
-              <a:schemeClr val="tx1"/>
-            </a:solidFill>
-            <a:round/>
-            <a:headEnd/>
-            <a:tailEnd type="triangle" w="med" len="med"/>
-          </a:ln>
-        </p:spPr>
-      </p:cxnSp>
-      <p:sp>
-        <p:nvSpPr>
-          <p:cNvPr id="12" name="Text Box 8"/>
-          <p:cNvSpPr txBox="1">
-            <a:spLocks noChangeArrowheads="1"/>
-          </p:cNvSpPr>
-          <p:nvPr/>
-        </p:nvSpPr>
-        <p:spPr bwMode="auto">
-          <a:xfrm>
-            <a:off x="2733643" y="1122170"/>
-            <a:ext cx="290513" cy="415925"/>
-          </a:xfrm>
-          <a:prstGeom prst="rect">
-            <a:avLst/>
-          </a:prstGeom>
-          <a:noFill/>
-          <a:ln w="19050">
-            <a:solidFill>
-              <a:schemeClr val="tx1"/>
-            </a:solidFill>
-            <a:miter lim="800000"/>
-            <a:headEnd/>
-            <a:tailEnd/>
-          </a:ln>
-        </p:spPr>
-        <p:txBody>
-          <a:bodyPr>
-            <a:spAutoFit/>
-          </a:bodyPr>
-          <a:lstStyle/>
-          <a:p>
-            <a:pPr algn="ctr"/>
-            <a:r>
-              <a:rPr lang="en-US" altLang="en-US" sz="2000"/>
-              <a:t> </a:t>
-            </a:r>
-            <a:endParaRPr lang="en-AU" altLang="en-US" sz="2000"/>
-          </a:p>
-        </p:txBody>
-      </p:sp>
-      <p:sp>
-        <p:nvSpPr>
-          <p:cNvPr id="13" name="Text Box 11"/>
-          <p:cNvSpPr txBox="1">
-            <a:spLocks noChangeArrowheads="1"/>
-          </p:cNvSpPr>
-          <p:nvPr/>
-        </p:nvSpPr>
-        <p:spPr bwMode="auto">
-          <a:xfrm>
-            <a:off x="2463768" y="1736533"/>
-            <a:ext cx="822325" cy="298450"/>
-          </a:xfrm>
-          <a:prstGeom prst="rect">
-            <a:avLst/>
-          </a:prstGeom>
-          <a:noFill/>
-          <a:ln w="9525">
-            <a:noFill/>
-            <a:miter lim="800000"/>
-            <a:headEnd/>
-            <a:tailEnd/>
-          </a:ln>
-        </p:spPr>
-        <p:txBody>
-          <a:bodyPr wrap="none">
-            <a:spAutoFit/>
-          </a:bodyPr>
-          <a:lstStyle/>
-          <a:p>
-            <a:pPr algn="ctr">
-              <a:lnSpc>
-                <a:spcPts val="1600"/>
-              </a:lnSpc>
-            </a:pPr>
-            <a:r>
-              <a:rPr lang="en-US" altLang="en-US" sz="1400"/>
-              <a:t>imm[20]</a:t>
-            </a:r>
-            <a:endParaRPr lang="en-AU" altLang="en-US" sz="1400"/>
-          </a:p>
-        </p:txBody>
-      </p:sp>
-      <p:cxnSp>
-        <p:nvCxnSpPr>
-          <p:cNvPr id="14" name="Straight Arrow Connector 41"/>
-          <p:cNvCxnSpPr>
-            <a:cxnSpLocks noChangeShapeType="1"/>
-            <a:stCxn id="13" idx="0"/>
-          </p:cNvCxnSpPr>
-          <p:nvPr/>
-        </p:nvCxnSpPr>
-        <p:spPr bwMode="auto">
-          <a:xfrm flipV="1">
-            <a:off x="2874931" y="1396808"/>
-            <a:ext cx="0" cy="339725"/>
-          </a:xfrm>
-          <a:prstGeom prst="straightConnector1">
-            <a:avLst/>
-          </a:prstGeom>
-          <a:noFill/>
-          <a:ln w="9525" algn="ctr">
-            <a:solidFill>
-              <a:schemeClr val="tx1"/>
-            </a:solidFill>
-            <a:round/>
-            <a:headEnd/>
-            <a:tailEnd type="triangle" w="med" len="med"/>
-          </a:ln>
-        </p:spPr>
-      </p:cxnSp>
-      <p:sp>
-        <p:nvSpPr>
-          <p:cNvPr id="15" name="Text Box 8"/>
-          <p:cNvSpPr txBox="1">
-            <a:spLocks noChangeArrowheads="1"/>
-          </p:cNvSpPr>
-          <p:nvPr/>
-        </p:nvSpPr>
-        <p:spPr bwMode="auto">
-          <a:xfrm>
-            <a:off x="5861018" y="1122170"/>
-            <a:ext cx="1492250" cy="415925"/>
-          </a:xfrm>
-          <a:prstGeom prst="rect">
-            <a:avLst/>
-          </a:prstGeom>
-          <a:noFill/>
-          <a:ln w="19050">
-            <a:solidFill>
-              <a:schemeClr val="tx1"/>
-            </a:solidFill>
-            <a:miter lim="800000"/>
-            <a:headEnd/>
-            <a:tailEnd/>
-          </a:ln>
-        </p:spPr>
-        <p:txBody>
-          <a:bodyPr>
-            <a:spAutoFit/>
-          </a:bodyPr>
-          <a:lstStyle/>
-          <a:p>
-            <a:pPr algn="ctr"/>
-            <a:endParaRPr lang="en-AU" altLang="en-US" sz="2000"/>
-          </a:p>
-        </p:txBody>
-      </p:sp>
-      <p:sp>
-        <p:nvSpPr>
-          <p:cNvPr id="16" name="Text Box 8"/>
-          <p:cNvSpPr txBox="1">
-            <a:spLocks noChangeArrowheads="1"/>
-          </p:cNvSpPr>
-          <p:nvPr/>
-        </p:nvSpPr>
-        <p:spPr bwMode="auto">
-          <a:xfrm>
-            <a:off x="3024156" y="1122170"/>
-            <a:ext cx="2543175" cy="415925"/>
-          </a:xfrm>
-          <a:prstGeom prst="rect">
-            <a:avLst/>
-          </a:prstGeom>
-          <a:noFill/>
-          <a:ln w="19050">
-            <a:solidFill>
-              <a:schemeClr val="tx1"/>
-            </a:solidFill>
-            <a:miter lim="800000"/>
-            <a:headEnd/>
-            <a:tailEnd/>
-          </a:ln>
-        </p:spPr>
-        <p:txBody>
-          <a:bodyPr>
-            <a:spAutoFit/>
-          </a:bodyPr>
-          <a:lstStyle/>
-          <a:p>
-            <a:pPr algn="ctr"/>
-            <a:endParaRPr lang="en-AU" altLang="en-US" sz="2000"/>
-          </a:p>
-        </p:txBody>
-      </p:sp>
-      <p:sp>
-        <p:nvSpPr>
-          <p:cNvPr id="17" name="Text Box 11"/>
-          <p:cNvSpPr txBox="1">
-            <a:spLocks noChangeArrowheads="1"/>
-          </p:cNvSpPr>
-          <p:nvPr/>
-        </p:nvSpPr>
-        <p:spPr bwMode="auto">
-          <a:xfrm>
-            <a:off x="3633756" y="1226945"/>
-            <a:ext cx="1198562" cy="296863"/>
-          </a:xfrm>
-          <a:prstGeom prst="rect">
-            <a:avLst/>
-          </a:prstGeom>
-          <a:noFill/>
-          <a:ln w="9525">
-            <a:noFill/>
-            <a:miter lim="800000"/>
-            <a:headEnd/>
-            <a:tailEnd/>
-          </a:ln>
-        </p:spPr>
-        <p:txBody>
-          <a:bodyPr wrap="none">
-            <a:spAutoFit/>
-          </a:bodyPr>
-          <a:lstStyle/>
-          <a:p>
-            <a:pPr algn="ctr">
-              <a:lnSpc>
-                <a:spcPts val="1600"/>
-              </a:lnSpc>
-            </a:pPr>
-            <a:r>
-              <a:rPr lang="en-US" altLang="en-US"/>
-              <a:t>imm[10:1]</a:t>
-            </a:r>
-            <a:endParaRPr lang="en-AU" altLang="en-US"/>
-          </a:p>
-        </p:txBody>
-      </p:sp>
-      <p:sp>
-        <p:nvSpPr>
-          <p:cNvPr id="18" name="Text Box 11"/>
-          <p:cNvSpPr txBox="1">
-            <a:spLocks noChangeArrowheads="1"/>
-          </p:cNvSpPr>
-          <p:nvPr/>
-        </p:nvSpPr>
-        <p:spPr bwMode="auto">
-          <a:xfrm>
-            <a:off x="5910231" y="1226945"/>
-            <a:ext cx="1327150" cy="296863"/>
-          </a:xfrm>
-          <a:prstGeom prst="rect">
-            <a:avLst/>
-          </a:prstGeom>
-          <a:noFill/>
-          <a:ln w="9525">
-            <a:noFill/>
-            <a:miter lim="800000"/>
-            <a:headEnd/>
-            <a:tailEnd/>
-          </a:ln>
-        </p:spPr>
-        <p:txBody>
-          <a:bodyPr wrap="none">
-            <a:spAutoFit/>
-          </a:bodyPr>
-          <a:lstStyle/>
-          <a:p>
-            <a:pPr algn="ctr">
-              <a:lnSpc>
-                <a:spcPts val="1600"/>
-              </a:lnSpc>
-            </a:pPr>
-            <a:r>
-              <a:rPr lang="en-US" altLang="en-US"/>
-              <a:t>imm[19:12]</a:t>
-            </a:r>
-            <a:endParaRPr lang="en-AU" altLang="en-US"/>
+              <a:rPr lang="en-US" altLang="en-US" sz="2000" dirty="0" smtClean="0">
+                <a:solidFill>
+                  <a:srgbClr val="1E3272"/>
+                </a:solidFill>
+              </a:rPr>
+              <a:t>0110111</a:t>
+            </a:r>
+            <a:endParaRPr lang="en-AU" altLang="en-US" sz="2000" dirty="0">
+              <a:solidFill>
+                <a:srgbClr val="1E3272"/>
+              </a:solidFill>
+            </a:endParaRPr>
           </a:p>
         </p:txBody>
       </p:sp>
@@ -8614,25 +9909,6 @@
       </p:grpSpPr>
       <p:sp>
         <p:nvSpPr>
-          <p:cNvPr id="2" name="Содержимое 1"/>
-          <p:cNvSpPr>
-            <a:spLocks noGrp="1"/>
-          </p:cNvSpPr>
-          <p:nvPr>
-            <p:ph idx="1"/>
-          </p:nvPr>
-        </p:nvSpPr>
-        <p:spPr/>
-        <p:txBody>
-          <a:bodyPr/>
-          <a:lstStyle/>
-          <a:p>
-            <a:endParaRPr lang="ru-RU"/>
-          </a:p>
-        </p:txBody>
-      </p:sp>
-      <p:sp>
-        <p:nvSpPr>
           <p:cNvPr id="3" name="Номер слайда 2"/>
           <p:cNvSpPr>
             <a:spLocks noGrp="1"/>
@@ -8673,9 +9949,1638 @@
           <a:p>
             <a:r>
               <a:rPr lang="en-US" altLang="en-US" dirty="0" smtClean="0"/>
-              <a:t>U-format Instructions</a:t>
+              <a:t>UJ-format Instructions</a:t>
             </a:r>
             <a:endParaRPr lang="ru-RU" dirty="0"/>
+          </a:p>
+        </p:txBody>
+      </p:sp>
+      <p:sp>
+        <p:nvSpPr>
+          <p:cNvPr id="5" name="Text Box 8"/>
+          <p:cNvSpPr txBox="1">
+            <a:spLocks noChangeArrowheads="1"/>
+          </p:cNvSpPr>
+          <p:nvPr/>
+        </p:nvSpPr>
+        <p:spPr bwMode="auto">
+          <a:xfrm>
+            <a:off x="7353268" y="1122170"/>
+            <a:ext cx="1079500" cy="415925"/>
+          </a:xfrm>
+          <a:prstGeom prst="rect">
+            <a:avLst/>
+          </a:prstGeom>
+          <a:solidFill>
+            <a:srgbClr val="F3B217"/>
+          </a:solidFill>
+          <a:ln w="19050">
+            <a:solidFill>
+              <a:srgbClr val="1E3272"/>
+            </a:solidFill>
+            <a:miter lim="800000"/>
+            <a:headEnd/>
+            <a:tailEnd/>
+          </a:ln>
+        </p:spPr>
+        <p:txBody>
+          <a:bodyPr>
+            <a:spAutoFit/>
+          </a:bodyPr>
+          <a:lstStyle/>
+          <a:p>
+            <a:pPr algn="ctr"/>
+            <a:r>
+              <a:rPr lang="en-US" altLang="en-US" sz="2000" b="1" dirty="0">
+                <a:solidFill>
+                  <a:srgbClr val="1E3272"/>
+                </a:solidFill>
+              </a:rPr>
+              <a:t>rd</a:t>
+            </a:r>
+            <a:endParaRPr lang="en-AU" altLang="en-US" sz="2000" b="1" dirty="0">
+              <a:solidFill>
+                <a:srgbClr val="1E3272"/>
+              </a:solidFill>
+            </a:endParaRPr>
+          </a:p>
+        </p:txBody>
+      </p:sp>
+      <p:sp>
+        <p:nvSpPr>
+          <p:cNvPr id="6" name="Text Box 10"/>
+          <p:cNvSpPr txBox="1">
+            <a:spLocks noChangeArrowheads="1"/>
+          </p:cNvSpPr>
+          <p:nvPr/>
+        </p:nvSpPr>
+        <p:spPr bwMode="auto">
+          <a:xfrm>
+            <a:off x="8432768" y="1122170"/>
+            <a:ext cx="1296988" cy="415925"/>
+          </a:xfrm>
+          <a:prstGeom prst="rect">
+            <a:avLst/>
+          </a:prstGeom>
+          <a:solidFill>
+            <a:srgbClr val="F3B217"/>
+          </a:solidFill>
+          <a:ln w="19050">
+            <a:solidFill>
+              <a:srgbClr val="1E3272"/>
+            </a:solidFill>
+            <a:miter lim="800000"/>
+            <a:headEnd/>
+            <a:tailEnd/>
+          </a:ln>
+        </p:spPr>
+        <p:txBody>
+          <a:bodyPr>
+            <a:spAutoFit/>
+          </a:bodyPr>
+          <a:lstStyle/>
+          <a:p>
+            <a:pPr algn="ctr"/>
+            <a:r>
+              <a:rPr lang="en-US" altLang="en-US" sz="2000" b="1" dirty="0" err="1">
+                <a:solidFill>
+                  <a:srgbClr val="1E3272"/>
+                </a:solidFill>
+              </a:rPr>
+              <a:t>opcode</a:t>
+            </a:r>
+            <a:endParaRPr lang="en-AU" altLang="en-US" sz="2000" b="1" dirty="0">
+              <a:solidFill>
+                <a:srgbClr val="1E3272"/>
+              </a:solidFill>
+            </a:endParaRPr>
+          </a:p>
+        </p:txBody>
+      </p:sp>
+      <p:sp>
+        <p:nvSpPr>
+          <p:cNvPr id="9" name="Text Box 8"/>
+          <p:cNvSpPr txBox="1">
+            <a:spLocks noChangeArrowheads="1"/>
+          </p:cNvSpPr>
+          <p:nvPr/>
+        </p:nvSpPr>
+        <p:spPr bwMode="auto">
+          <a:xfrm>
+            <a:off x="5570506" y="1122170"/>
+            <a:ext cx="290512" cy="415925"/>
+          </a:xfrm>
+          <a:prstGeom prst="rect">
+            <a:avLst/>
+          </a:prstGeom>
+          <a:solidFill>
+            <a:srgbClr val="F3B217"/>
+          </a:solidFill>
+          <a:ln w="19050">
+            <a:solidFill>
+              <a:srgbClr val="1E3272"/>
+            </a:solidFill>
+            <a:miter lim="800000"/>
+            <a:headEnd/>
+            <a:tailEnd/>
+          </a:ln>
+        </p:spPr>
+        <p:txBody>
+          <a:bodyPr>
+            <a:spAutoFit/>
+          </a:bodyPr>
+          <a:lstStyle/>
+          <a:p>
+            <a:pPr algn="ctr"/>
+            <a:r>
+              <a:rPr lang="en-US" altLang="en-US" sz="2000"/>
+              <a:t> </a:t>
+            </a:r>
+            <a:endParaRPr lang="en-AU" altLang="en-US" sz="2000"/>
+          </a:p>
+        </p:txBody>
+      </p:sp>
+      <p:sp>
+        <p:nvSpPr>
+          <p:cNvPr id="10" name="Text Box 11"/>
+          <p:cNvSpPr txBox="1">
+            <a:spLocks noChangeArrowheads="1"/>
+          </p:cNvSpPr>
+          <p:nvPr/>
+        </p:nvSpPr>
+        <p:spPr bwMode="auto">
+          <a:xfrm>
+            <a:off x="5306034" y="1614613"/>
+            <a:ext cx="819456" cy="297517"/>
+          </a:xfrm>
+          <a:prstGeom prst="rect">
+            <a:avLst/>
+          </a:prstGeom>
+          <a:noFill/>
+          <a:ln w="9525">
+            <a:noFill/>
+            <a:miter lim="800000"/>
+            <a:headEnd/>
+            <a:tailEnd/>
+          </a:ln>
+        </p:spPr>
+        <p:txBody>
+          <a:bodyPr wrap="none">
+            <a:spAutoFit/>
+          </a:bodyPr>
+          <a:lstStyle/>
+          <a:p>
+            <a:pPr algn="ctr">
+              <a:lnSpc>
+                <a:spcPts val="1600"/>
+              </a:lnSpc>
+            </a:pPr>
+            <a:r>
+              <a:rPr lang="en-US" altLang="en-US" sz="1400" b="1" dirty="0" err="1">
+                <a:solidFill>
+                  <a:srgbClr val="1E3272"/>
+                </a:solidFill>
+              </a:rPr>
+              <a:t>imm</a:t>
+            </a:r>
+            <a:r>
+              <a:rPr lang="en-US" altLang="en-US" sz="1400" b="1" dirty="0">
+                <a:solidFill>
+                  <a:srgbClr val="1E3272"/>
+                </a:solidFill>
+              </a:rPr>
+              <a:t>[11]</a:t>
+            </a:r>
+            <a:endParaRPr lang="en-AU" altLang="en-US" sz="1400" b="1" dirty="0">
+              <a:solidFill>
+                <a:srgbClr val="1E3272"/>
+              </a:solidFill>
+            </a:endParaRPr>
+          </a:p>
+        </p:txBody>
+      </p:sp>
+      <p:cxnSp>
+        <p:nvCxnSpPr>
+          <p:cNvPr id="11" name="Straight Arrow Connector 38"/>
+          <p:cNvCxnSpPr>
+            <a:cxnSpLocks noChangeShapeType="1"/>
+            <a:stCxn id="10" idx="0"/>
+          </p:cNvCxnSpPr>
+          <p:nvPr/>
+        </p:nvCxnSpPr>
+        <p:spPr bwMode="auto">
+          <a:xfrm flipV="1">
+            <a:off x="5715762" y="1274889"/>
+            <a:ext cx="794" cy="339724"/>
+          </a:xfrm>
+          <a:prstGeom prst="straightConnector1">
+            <a:avLst/>
+          </a:prstGeom>
+          <a:noFill/>
+          <a:ln w="25400" algn="ctr">
+            <a:solidFill>
+              <a:srgbClr val="1E3272"/>
+            </a:solidFill>
+            <a:round/>
+            <a:headEnd/>
+            <a:tailEnd type="triangle" w="med" len="med"/>
+          </a:ln>
+        </p:spPr>
+      </p:cxnSp>
+      <p:sp>
+        <p:nvSpPr>
+          <p:cNvPr id="12" name="Text Box 8"/>
+          <p:cNvSpPr txBox="1">
+            <a:spLocks noChangeArrowheads="1"/>
+          </p:cNvSpPr>
+          <p:nvPr/>
+        </p:nvSpPr>
+        <p:spPr bwMode="auto">
+          <a:xfrm>
+            <a:off x="2733643" y="1122170"/>
+            <a:ext cx="290513" cy="415925"/>
+          </a:xfrm>
+          <a:prstGeom prst="rect">
+            <a:avLst/>
+          </a:prstGeom>
+          <a:solidFill>
+            <a:srgbClr val="F3B217"/>
+          </a:solidFill>
+          <a:ln w="19050">
+            <a:solidFill>
+              <a:srgbClr val="1E3272"/>
+            </a:solidFill>
+            <a:miter lim="800000"/>
+            <a:headEnd/>
+            <a:tailEnd/>
+          </a:ln>
+        </p:spPr>
+        <p:txBody>
+          <a:bodyPr>
+            <a:spAutoFit/>
+          </a:bodyPr>
+          <a:lstStyle/>
+          <a:p>
+            <a:pPr algn="ctr"/>
+            <a:r>
+              <a:rPr lang="en-US" altLang="en-US" sz="2000"/>
+              <a:t> </a:t>
+            </a:r>
+            <a:endParaRPr lang="en-AU" altLang="en-US" sz="2000"/>
+          </a:p>
+        </p:txBody>
+      </p:sp>
+      <p:sp>
+        <p:nvSpPr>
+          <p:cNvPr id="13" name="Text Box 11"/>
+          <p:cNvSpPr txBox="1">
+            <a:spLocks noChangeArrowheads="1"/>
+          </p:cNvSpPr>
+          <p:nvPr/>
+        </p:nvSpPr>
+        <p:spPr bwMode="auto">
+          <a:xfrm>
+            <a:off x="2479008" y="1645093"/>
+            <a:ext cx="822325" cy="298450"/>
+          </a:xfrm>
+          <a:prstGeom prst="rect">
+            <a:avLst/>
+          </a:prstGeom>
+          <a:noFill/>
+          <a:ln w="9525">
+            <a:noFill/>
+            <a:miter lim="800000"/>
+            <a:headEnd/>
+            <a:tailEnd/>
+          </a:ln>
+        </p:spPr>
+        <p:txBody>
+          <a:bodyPr wrap="none">
+            <a:spAutoFit/>
+          </a:bodyPr>
+          <a:lstStyle/>
+          <a:p>
+            <a:pPr algn="ctr">
+              <a:lnSpc>
+                <a:spcPts val="1600"/>
+              </a:lnSpc>
+            </a:pPr>
+            <a:r>
+              <a:rPr lang="en-US" altLang="en-US" sz="1400" b="1" dirty="0" err="1">
+                <a:solidFill>
+                  <a:srgbClr val="1E3272"/>
+                </a:solidFill>
+              </a:rPr>
+              <a:t>imm</a:t>
+            </a:r>
+            <a:r>
+              <a:rPr lang="en-US" altLang="en-US" sz="1400" b="1" dirty="0">
+                <a:solidFill>
+                  <a:srgbClr val="1E3272"/>
+                </a:solidFill>
+              </a:rPr>
+              <a:t>[20]</a:t>
+            </a:r>
+            <a:endParaRPr lang="en-AU" altLang="en-US" sz="1400" b="1" dirty="0">
+              <a:solidFill>
+                <a:srgbClr val="1E3272"/>
+              </a:solidFill>
+            </a:endParaRPr>
+          </a:p>
+        </p:txBody>
+      </p:sp>
+      <p:cxnSp>
+        <p:nvCxnSpPr>
+          <p:cNvPr id="14" name="Straight Arrow Connector 41"/>
+          <p:cNvCxnSpPr>
+            <a:cxnSpLocks noChangeShapeType="1"/>
+            <a:stCxn id="13" idx="0"/>
+          </p:cNvCxnSpPr>
+          <p:nvPr/>
+        </p:nvCxnSpPr>
+        <p:spPr bwMode="auto">
+          <a:xfrm flipV="1">
+            <a:off x="2890171" y="1305368"/>
+            <a:ext cx="0" cy="339725"/>
+          </a:xfrm>
+          <a:prstGeom prst="straightConnector1">
+            <a:avLst/>
+          </a:prstGeom>
+          <a:noFill/>
+          <a:ln w="25400" algn="ctr">
+            <a:solidFill>
+              <a:srgbClr val="1E3272"/>
+            </a:solidFill>
+            <a:round/>
+            <a:headEnd/>
+            <a:tailEnd type="triangle" w="med" len="med"/>
+          </a:ln>
+        </p:spPr>
+      </p:cxnSp>
+      <p:sp>
+        <p:nvSpPr>
+          <p:cNvPr id="15" name="Text Box 8"/>
+          <p:cNvSpPr txBox="1">
+            <a:spLocks noChangeArrowheads="1"/>
+          </p:cNvSpPr>
+          <p:nvPr/>
+        </p:nvSpPr>
+        <p:spPr bwMode="auto">
+          <a:xfrm>
+            <a:off x="5861018" y="1123952"/>
+            <a:ext cx="1492250" cy="409574"/>
+          </a:xfrm>
+          <a:prstGeom prst="rect">
+            <a:avLst/>
+          </a:prstGeom>
+          <a:solidFill>
+            <a:srgbClr val="F3B217"/>
+          </a:solidFill>
+          <a:ln w="19050">
+            <a:solidFill>
+              <a:srgbClr val="1E3272"/>
+            </a:solidFill>
+            <a:miter lim="800000"/>
+            <a:headEnd/>
+            <a:tailEnd/>
+          </a:ln>
+        </p:spPr>
+        <p:txBody>
+          <a:bodyPr wrap="square" anchor="ctr">
+            <a:noAutofit/>
+          </a:bodyPr>
+          <a:lstStyle/>
+          <a:p>
+            <a:pPr algn="ctr"/>
+            <a:r>
+              <a:rPr lang="en-US" altLang="en-US" sz="2000" b="1" dirty="0" smtClean="0">
+                <a:solidFill>
+                  <a:srgbClr val="1E3272"/>
+                </a:solidFill>
+              </a:rPr>
+              <a:t>imm[19:12</a:t>
+            </a:r>
+            <a:r>
+              <a:rPr lang="en-US" altLang="en-US" sz="2000" b="1" dirty="0" smtClean="0">
+                <a:solidFill>
+                  <a:srgbClr val="1E3272"/>
+                </a:solidFill>
+              </a:rPr>
+              <a:t>]</a:t>
+            </a:r>
+            <a:endParaRPr lang="en-AU" altLang="en-US" sz="2000" b="1" dirty="0">
+              <a:solidFill>
+                <a:srgbClr val="1E3272"/>
+              </a:solidFill>
+            </a:endParaRPr>
+          </a:p>
+        </p:txBody>
+      </p:sp>
+      <p:sp>
+        <p:nvSpPr>
+          <p:cNvPr id="16" name="Text Box 8"/>
+          <p:cNvSpPr txBox="1">
+            <a:spLocks noChangeArrowheads="1"/>
+          </p:cNvSpPr>
+          <p:nvPr/>
+        </p:nvSpPr>
+        <p:spPr bwMode="auto">
+          <a:xfrm>
+            <a:off x="3024156" y="1122170"/>
+            <a:ext cx="2543175" cy="409450"/>
+          </a:xfrm>
+          <a:prstGeom prst="rect">
+            <a:avLst/>
+          </a:prstGeom>
+          <a:solidFill>
+            <a:srgbClr val="F3B217"/>
+          </a:solidFill>
+          <a:ln w="19050">
+            <a:solidFill>
+              <a:srgbClr val="1E3272"/>
+            </a:solidFill>
+            <a:miter lim="800000"/>
+            <a:headEnd/>
+            <a:tailEnd/>
+          </a:ln>
+        </p:spPr>
+        <p:txBody>
+          <a:bodyPr anchor="ctr">
+            <a:noAutofit/>
+          </a:bodyPr>
+          <a:lstStyle/>
+          <a:p>
+            <a:pPr algn="ctr">
+              <a:lnSpc>
+                <a:spcPts val="1600"/>
+              </a:lnSpc>
+            </a:pPr>
+            <a:r>
+              <a:rPr lang="en-US" altLang="en-US" sz="2000" b="1" dirty="0" smtClean="0">
+                <a:solidFill>
+                  <a:srgbClr val="1E3272"/>
+                </a:solidFill>
+              </a:rPr>
+              <a:t>imm[10:1]</a:t>
+            </a:r>
+            <a:endParaRPr lang="en-AU" altLang="en-US" sz="2000" b="1" dirty="0">
+              <a:solidFill>
+                <a:srgbClr val="1E3272"/>
+              </a:solidFill>
+            </a:endParaRPr>
+          </a:p>
+        </p:txBody>
+      </p:sp>
+      <p:sp>
+        <p:nvSpPr>
+          <p:cNvPr id="20" name="Text Box 15"/>
+          <p:cNvSpPr txBox="1">
+            <a:spLocks noChangeArrowheads="1"/>
+          </p:cNvSpPr>
+          <p:nvPr/>
+        </p:nvSpPr>
+        <p:spPr bwMode="auto">
+          <a:xfrm>
+            <a:off x="8679313" y="1605585"/>
+            <a:ext cx="763351" cy="400110"/>
+          </a:xfrm>
+          <a:prstGeom prst="rect">
+            <a:avLst/>
+          </a:prstGeom>
+          <a:noFill/>
+          <a:ln w="9525">
+            <a:noFill/>
+            <a:miter lim="800000"/>
+            <a:headEnd/>
+            <a:tailEnd/>
+          </a:ln>
+        </p:spPr>
+        <p:txBody>
+          <a:bodyPr wrap="none">
+            <a:spAutoFit/>
+          </a:bodyPr>
+          <a:lstStyle/>
+          <a:p>
+            <a:pPr algn="ctr"/>
+            <a:r>
+              <a:rPr lang="en-US" altLang="en-US" sz="2000" b="1" dirty="0" smtClean="0">
+                <a:solidFill>
+                  <a:srgbClr val="1E3272"/>
+                </a:solidFill>
+              </a:rPr>
+              <a:t>7 </a:t>
+            </a:r>
+            <a:r>
+              <a:rPr lang="en-US" altLang="en-US" sz="2000" b="1" dirty="0">
+                <a:solidFill>
+                  <a:srgbClr val="1E3272"/>
+                </a:solidFill>
+              </a:rPr>
+              <a:t>bits</a:t>
+            </a:r>
+            <a:endParaRPr lang="en-AU" altLang="en-US" sz="2000" b="1" dirty="0">
+              <a:solidFill>
+                <a:srgbClr val="1E3272"/>
+              </a:solidFill>
+            </a:endParaRPr>
+          </a:p>
+        </p:txBody>
+      </p:sp>
+      <p:sp>
+        <p:nvSpPr>
+          <p:cNvPr id="21" name="Text Box 15"/>
+          <p:cNvSpPr txBox="1">
+            <a:spLocks noChangeArrowheads="1"/>
+          </p:cNvSpPr>
+          <p:nvPr/>
+        </p:nvSpPr>
+        <p:spPr bwMode="auto">
+          <a:xfrm>
+            <a:off x="7543933" y="1582725"/>
+            <a:ext cx="763351" cy="400110"/>
+          </a:xfrm>
+          <a:prstGeom prst="rect">
+            <a:avLst/>
+          </a:prstGeom>
+          <a:noFill/>
+          <a:ln w="9525">
+            <a:noFill/>
+            <a:miter lim="800000"/>
+            <a:headEnd/>
+            <a:tailEnd/>
+          </a:ln>
+        </p:spPr>
+        <p:txBody>
+          <a:bodyPr wrap="none">
+            <a:spAutoFit/>
+          </a:bodyPr>
+          <a:lstStyle/>
+          <a:p>
+            <a:pPr algn="ctr"/>
+            <a:r>
+              <a:rPr lang="en-US" altLang="en-US" sz="2000" b="1" dirty="0" smtClean="0">
+                <a:solidFill>
+                  <a:srgbClr val="1E3272"/>
+                </a:solidFill>
+              </a:rPr>
+              <a:t>5 </a:t>
+            </a:r>
+            <a:r>
+              <a:rPr lang="en-US" altLang="en-US" sz="2000" b="1" dirty="0">
+                <a:solidFill>
+                  <a:srgbClr val="1E3272"/>
+                </a:solidFill>
+              </a:rPr>
+              <a:t>bits</a:t>
+            </a:r>
+            <a:endParaRPr lang="en-AU" altLang="en-US" sz="2000" b="1" dirty="0">
+              <a:solidFill>
+                <a:srgbClr val="1E3272"/>
+              </a:solidFill>
+            </a:endParaRPr>
+          </a:p>
+        </p:txBody>
+      </p:sp>
+      <p:sp>
+        <p:nvSpPr>
+          <p:cNvPr id="22" name="Text Box 15"/>
+          <p:cNvSpPr txBox="1">
+            <a:spLocks noChangeArrowheads="1"/>
+          </p:cNvSpPr>
+          <p:nvPr/>
+        </p:nvSpPr>
+        <p:spPr bwMode="auto">
+          <a:xfrm>
+            <a:off x="3851892" y="1597965"/>
+            <a:ext cx="893193" cy="400110"/>
+          </a:xfrm>
+          <a:prstGeom prst="rect">
+            <a:avLst/>
+          </a:prstGeom>
+          <a:noFill/>
+          <a:ln w="9525">
+            <a:noFill/>
+            <a:miter lim="800000"/>
+            <a:headEnd/>
+            <a:tailEnd/>
+          </a:ln>
+        </p:spPr>
+        <p:txBody>
+          <a:bodyPr wrap="none">
+            <a:spAutoFit/>
+          </a:bodyPr>
+          <a:lstStyle/>
+          <a:p>
+            <a:pPr algn="ctr"/>
+            <a:r>
+              <a:rPr lang="en-US" altLang="en-US" sz="2000" b="1" dirty="0" smtClean="0">
+                <a:solidFill>
+                  <a:srgbClr val="1E3272"/>
+                </a:solidFill>
+              </a:rPr>
+              <a:t>11 </a:t>
+            </a:r>
+            <a:r>
+              <a:rPr lang="en-US" altLang="en-US" sz="2000" b="1" dirty="0">
+                <a:solidFill>
+                  <a:srgbClr val="1E3272"/>
+                </a:solidFill>
+              </a:rPr>
+              <a:t>bits</a:t>
+            </a:r>
+            <a:endParaRPr lang="en-AU" altLang="en-US" sz="2000" b="1" dirty="0">
+              <a:solidFill>
+                <a:srgbClr val="1E3272"/>
+              </a:solidFill>
+            </a:endParaRPr>
+          </a:p>
+        </p:txBody>
+      </p:sp>
+      <p:sp>
+        <p:nvSpPr>
+          <p:cNvPr id="23" name="Text Box 15"/>
+          <p:cNvSpPr txBox="1">
+            <a:spLocks noChangeArrowheads="1"/>
+          </p:cNvSpPr>
+          <p:nvPr/>
+        </p:nvSpPr>
+        <p:spPr bwMode="auto">
+          <a:xfrm>
+            <a:off x="6271393" y="1605585"/>
+            <a:ext cx="763351" cy="400110"/>
+          </a:xfrm>
+          <a:prstGeom prst="rect">
+            <a:avLst/>
+          </a:prstGeom>
+          <a:noFill/>
+          <a:ln w="9525">
+            <a:noFill/>
+            <a:miter lim="800000"/>
+            <a:headEnd/>
+            <a:tailEnd/>
+          </a:ln>
+        </p:spPr>
+        <p:txBody>
+          <a:bodyPr wrap="none">
+            <a:spAutoFit/>
+          </a:bodyPr>
+          <a:lstStyle/>
+          <a:p>
+            <a:pPr algn="ctr"/>
+            <a:r>
+              <a:rPr lang="en-US" altLang="en-US" sz="2000" b="1" dirty="0" smtClean="0">
+                <a:solidFill>
+                  <a:srgbClr val="1E3272"/>
+                </a:solidFill>
+              </a:rPr>
+              <a:t>7 </a:t>
+            </a:r>
+            <a:r>
+              <a:rPr lang="en-US" altLang="en-US" sz="2000" b="1" dirty="0">
+                <a:solidFill>
+                  <a:srgbClr val="1E3272"/>
+                </a:solidFill>
+              </a:rPr>
+              <a:t>bits</a:t>
+            </a:r>
+            <a:endParaRPr lang="en-AU" altLang="en-US" sz="2000" b="1" dirty="0">
+              <a:solidFill>
+                <a:srgbClr val="1E3272"/>
+              </a:solidFill>
+            </a:endParaRPr>
+          </a:p>
+        </p:txBody>
+      </p:sp>
+      <p:sp>
+        <p:nvSpPr>
+          <p:cNvPr id="24" name="Text Box 15"/>
+          <p:cNvSpPr txBox="1">
+            <a:spLocks noChangeArrowheads="1"/>
+          </p:cNvSpPr>
+          <p:nvPr/>
+        </p:nvSpPr>
+        <p:spPr bwMode="auto">
+          <a:xfrm>
+            <a:off x="2596509" y="1887525"/>
+            <a:ext cx="660758" cy="400110"/>
+          </a:xfrm>
+          <a:prstGeom prst="rect">
+            <a:avLst/>
+          </a:prstGeom>
+          <a:noFill/>
+          <a:ln w="9525">
+            <a:noFill/>
+            <a:miter lim="800000"/>
+            <a:headEnd/>
+            <a:tailEnd/>
+          </a:ln>
+        </p:spPr>
+        <p:txBody>
+          <a:bodyPr wrap="none">
+            <a:spAutoFit/>
+          </a:bodyPr>
+          <a:lstStyle/>
+          <a:p>
+            <a:pPr algn="ctr"/>
+            <a:r>
+              <a:rPr lang="en-US" altLang="en-US" sz="2000" b="1" dirty="0" smtClean="0">
+                <a:solidFill>
+                  <a:srgbClr val="1E3272"/>
+                </a:solidFill>
+              </a:rPr>
+              <a:t>1 bit</a:t>
+            </a:r>
+            <a:endParaRPr lang="en-AU" altLang="en-US" sz="2000" b="1" dirty="0">
+              <a:solidFill>
+                <a:srgbClr val="1E3272"/>
+              </a:solidFill>
+            </a:endParaRPr>
+          </a:p>
+        </p:txBody>
+      </p:sp>
+      <p:sp>
+        <p:nvSpPr>
+          <p:cNvPr id="25" name="Text Box 15"/>
+          <p:cNvSpPr txBox="1">
+            <a:spLocks noChangeArrowheads="1"/>
+          </p:cNvSpPr>
+          <p:nvPr/>
+        </p:nvSpPr>
+        <p:spPr bwMode="auto">
+          <a:xfrm>
+            <a:off x="5385429" y="1872285"/>
+            <a:ext cx="660758" cy="400110"/>
+          </a:xfrm>
+          <a:prstGeom prst="rect">
+            <a:avLst/>
+          </a:prstGeom>
+          <a:noFill/>
+          <a:ln w="9525">
+            <a:noFill/>
+            <a:miter lim="800000"/>
+            <a:headEnd/>
+            <a:tailEnd/>
+          </a:ln>
+        </p:spPr>
+        <p:txBody>
+          <a:bodyPr wrap="none">
+            <a:spAutoFit/>
+          </a:bodyPr>
+          <a:lstStyle/>
+          <a:p>
+            <a:pPr algn="ctr"/>
+            <a:r>
+              <a:rPr lang="en-US" altLang="en-US" sz="2000" b="1" dirty="0" smtClean="0">
+                <a:solidFill>
+                  <a:srgbClr val="1E3272"/>
+                </a:solidFill>
+              </a:rPr>
+              <a:t>1 bit</a:t>
+            </a:r>
+            <a:endParaRPr lang="en-AU" altLang="en-US" sz="2000" b="1" dirty="0">
+              <a:solidFill>
+                <a:srgbClr val="1E3272"/>
+              </a:solidFill>
+            </a:endParaRPr>
+          </a:p>
+        </p:txBody>
+      </p:sp>
+      <p:sp>
+        <p:nvSpPr>
+          <p:cNvPr id="26" name="Text Box 8"/>
+          <p:cNvSpPr txBox="1">
+            <a:spLocks noChangeArrowheads="1"/>
+          </p:cNvSpPr>
+          <p:nvPr/>
+        </p:nvSpPr>
+        <p:spPr bwMode="auto">
+          <a:xfrm>
+            <a:off x="7302472" y="2802174"/>
+            <a:ext cx="1079500" cy="415925"/>
+          </a:xfrm>
+          <a:prstGeom prst="rect">
+            <a:avLst/>
+          </a:prstGeom>
+          <a:solidFill>
+            <a:schemeClr val="bg1"/>
+          </a:solidFill>
+          <a:ln w="19050">
+            <a:solidFill>
+              <a:srgbClr val="1E3272"/>
+            </a:solidFill>
+            <a:miter lim="800000"/>
+            <a:headEnd/>
+            <a:tailEnd/>
+          </a:ln>
+        </p:spPr>
+        <p:txBody>
+          <a:bodyPr>
+            <a:spAutoFit/>
+          </a:bodyPr>
+          <a:lstStyle/>
+          <a:p>
+            <a:pPr algn="ctr"/>
+            <a:r>
+              <a:rPr lang="en-US" altLang="en-US" sz="2000" dirty="0" smtClean="0">
+                <a:solidFill>
+                  <a:srgbClr val="1E3272"/>
+                </a:solidFill>
+              </a:rPr>
+              <a:t>5</a:t>
+            </a:r>
+            <a:endParaRPr lang="en-AU" altLang="en-US" sz="2000" dirty="0">
+              <a:solidFill>
+                <a:srgbClr val="1E3272"/>
+              </a:solidFill>
+            </a:endParaRPr>
+          </a:p>
+        </p:txBody>
+      </p:sp>
+      <p:sp>
+        <p:nvSpPr>
+          <p:cNvPr id="27" name="Text Box 10"/>
+          <p:cNvSpPr txBox="1">
+            <a:spLocks noChangeArrowheads="1"/>
+          </p:cNvSpPr>
+          <p:nvPr/>
+        </p:nvSpPr>
+        <p:spPr bwMode="auto">
+          <a:xfrm>
+            <a:off x="8381972" y="2802174"/>
+            <a:ext cx="1296988" cy="415925"/>
+          </a:xfrm>
+          <a:prstGeom prst="rect">
+            <a:avLst/>
+          </a:prstGeom>
+          <a:solidFill>
+            <a:schemeClr val="bg1"/>
+          </a:solidFill>
+          <a:ln w="19050">
+            <a:solidFill>
+              <a:srgbClr val="1E3272"/>
+            </a:solidFill>
+            <a:miter lim="800000"/>
+            <a:headEnd/>
+            <a:tailEnd/>
+          </a:ln>
+        </p:spPr>
+        <p:txBody>
+          <a:bodyPr>
+            <a:spAutoFit/>
+          </a:bodyPr>
+          <a:lstStyle/>
+          <a:p>
+            <a:pPr algn="ctr"/>
+            <a:r>
+              <a:rPr lang="en-US" altLang="en-US" sz="2000" dirty="0" smtClean="0">
+                <a:solidFill>
+                  <a:srgbClr val="1E3272"/>
+                </a:solidFill>
+              </a:rPr>
+              <a:t>111</a:t>
+            </a:r>
+            <a:endParaRPr lang="en-AU" altLang="en-US" sz="2000" dirty="0">
+              <a:solidFill>
+                <a:srgbClr val="1E3272"/>
+              </a:solidFill>
+            </a:endParaRPr>
+          </a:p>
+        </p:txBody>
+      </p:sp>
+      <p:sp>
+        <p:nvSpPr>
+          <p:cNvPr id="28" name="Text Box 8"/>
+          <p:cNvSpPr txBox="1">
+            <a:spLocks noChangeArrowheads="1"/>
+          </p:cNvSpPr>
+          <p:nvPr/>
+        </p:nvSpPr>
+        <p:spPr bwMode="auto">
+          <a:xfrm>
+            <a:off x="5519710" y="2802174"/>
+            <a:ext cx="290512" cy="400110"/>
+          </a:xfrm>
+          <a:prstGeom prst="rect">
+            <a:avLst/>
+          </a:prstGeom>
+          <a:solidFill>
+            <a:schemeClr val="bg1"/>
+          </a:solidFill>
+          <a:ln w="19050">
+            <a:solidFill>
+              <a:srgbClr val="1E3272"/>
+            </a:solidFill>
+            <a:miter lim="800000"/>
+            <a:headEnd/>
+            <a:tailEnd/>
+          </a:ln>
+        </p:spPr>
+        <p:txBody>
+          <a:bodyPr>
+            <a:spAutoFit/>
+          </a:bodyPr>
+          <a:lstStyle/>
+          <a:p>
+            <a:pPr algn="ctr"/>
+            <a:r>
+              <a:rPr lang="en-US" altLang="en-US" sz="2000" dirty="0" smtClean="0">
+                <a:solidFill>
+                  <a:srgbClr val="1E3272"/>
+                </a:solidFill>
+              </a:rPr>
+              <a:t>0</a:t>
+            </a:r>
+            <a:endParaRPr lang="en-AU" altLang="en-US" sz="2000" dirty="0">
+              <a:solidFill>
+                <a:srgbClr val="1E3272"/>
+              </a:solidFill>
+            </a:endParaRPr>
+          </a:p>
+        </p:txBody>
+      </p:sp>
+      <p:sp>
+        <p:nvSpPr>
+          <p:cNvPr id="30" name="Text Box 8"/>
+          <p:cNvSpPr txBox="1">
+            <a:spLocks noChangeArrowheads="1"/>
+          </p:cNvSpPr>
+          <p:nvPr/>
+        </p:nvSpPr>
+        <p:spPr bwMode="auto">
+          <a:xfrm>
+            <a:off x="2682847" y="2802174"/>
+            <a:ext cx="290513" cy="400110"/>
+          </a:xfrm>
+          <a:prstGeom prst="rect">
+            <a:avLst/>
+          </a:prstGeom>
+          <a:solidFill>
+            <a:schemeClr val="bg1"/>
+          </a:solidFill>
+          <a:ln w="19050">
+            <a:solidFill>
+              <a:srgbClr val="1E3272"/>
+            </a:solidFill>
+            <a:miter lim="800000"/>
+            <a:headEnd/>
+            <a:tailEnd/>
+          </a:ln>
+        </p:spPr>
+        <p:txBody>
+          <a:bodyPr>
+            <a:spAutoFit/>
+          </a:bodyPr>
+          <a:lstStyle/>
+          <a:p>
+            <a:pPr algn="ctr"/>
+            <a:r>
+              <a:rPr lang="en-AU" altLang="en-US" sz="2000" dirty="0" smtClean="0">
+                <a:solidFill>
+                  <a:srgbClr val="1E3272"/>
+                </a:solidFill>
+              </a:rPr>
+              <a:t>0</a:t>
+            </a:r>
+            <a:endParaRPr lang="en-AU" altLang="en-US" sz="2000" dirty="0">
+              <a:solidFill>
+                <a:srgbClr val="1E3272"/>
+              </a:solidFill>
+            </a:endParaRPr>
+          </a:p>
+        </p:txBody>
+      </p:sp>
+      <p:sp>
+        <p:nvSpPr>
+          <p:cNvPr id="32" name="Text Box 8"/>
+          <p:cNvSpPr txBox="1">
+            <a:spLocks noChangeArrowheads="1"/>
+          </p:cNvSpPr>
+          <p:nvPr/>
+        </p:nvSpPr>
+        <p:spPr bwMode="auto">
+          <a:xfrm>
+            <a:off x="5810222" y="2803956"/>
+            <a:ext cx="1492250" cy="409574"/>
+          </a:xfrm>
+          <a:prstGeom prst="rect">
+            <a:avLst/>
+          </a:prstGeom>
+          <a:solidFill>
+            <a:schemeClr val="bg1"/>
+          </a:solidFill>
+          <a:ln w="19050">
+            <a:solidFill>
+              <a:srgbClr val="1E3272"/>
+            </a:solidFill>
+            <a:miter lim="800000"/>
+            <a:headEnd/>
+            <a:tailEnd/>
+          </a:ln>
+        </p:spPr>
+        <p:txBody>
+          <a:bodyPr wrap="square" anchor="ctr">
+            <a:noAutofit/>
+          </a:bodyPr>
+          <a:lstStyle/>
+          <a:p>
+            <a:pPr algn="ctr"/>
+            <a:r>
+              <a:rPr lang="en-US" altLang="en-US" sz="2000" dirty="0" smtClean="0">
+                <a:solidFill>
+                  <a:srgbClr val="1E3272"/>
+                </a:solidFill>
+              </a:rPr>
+              <a:t>0</a:t>
+            </a:r>
+            <a:endParaRPr lang="en-AU" altLang="en-US" sz="2000" dirty="0">
+              <a:solidFill>
+                <a:srgbClr val="1E3272"/>
+              </a:solidFill>
+            </a:endParaRPr>
+          </a:p>
+        </p:txBody>
+      </p:sp>
+      <p:sp>
+        <p:nvSpPr>
+          <p:cNvPr id="33" name="Text Box 8"/>
+          <p:cNvSpPr txBox="1">
+            <a:spLocks noChangeArrowheads="1"/>
+          </p:cNvSpPr>
+          <p:nvPr/>
+        </p:nvSpPr>
+        <p:spPr bwMode="auto">
+          <a:xfrm>
+            <a:off x="2973360" y="2802174"/>
+            <a:ext cx="2543175" cy="409450"/>
+          </a:xfrm>
+          <a:prstGeom prst="rect">
+            <a:avLst/>
+          </a:prstGeom>
+          <a:solidFill>
+            <a:schemeClr val="bg1"/>
+          </a:solidFill>
+          <a:ln w="19050">
+            <a:solidFill>
+              <a:srgbClr val="1E3272"/>
+            </a:solidFill>
+            <a:miter lim="800000"/>
+            <a:headEnd/>
+            <a:tailEnd/>
+          </a:ln>
+        </p:spPr>
+        <p:txBody>
+          <a:bodyPr anchor="ctr">
+            <a:noAutofit/>
+          </a:bodyPr>
+          <a:lstStyle/>
+          <a:p>
+            <a:pPr algn="ctr">
+              <a:lnSpc>
+                <a:spcPts val="1600"/>
+              </a:lnSpc>
+            </a:pPr>
+            <a:r>
+              <a:rPr lang="en-US" altLang="en-US" sz="2000" dirty="0" smtClean="0">
+                <a:solidFill>
+                  <a:srgbClr val="1E3272"/>
+                </a:solidFill>
+              </a:rPr>
+              <a:t>4</a:t>
+            </a:r>
+            <a:endParaRPr lang="en-AU" altLang="en-US" sz="2000" dirty="0">
+              <a:solidFill>
+                <a:srgbClr val="1E3272"/>
+              </a:solidFill>
+            </a:endParaRPr>
+          </a:p>
+        </p:txBody>
+      </p:sp>
+      <p:sp>
+        <p:nvSpPr>
+          <p:cNvPr id="34" name="Text Box 8"/>
+          <p:cNvSpPr txBox="1">
+            <a:spLocks noChangeArrowheads="1"/>
+          </p:cNvSpPr>
+          <p:nvPr/>
+        </p:nvSpPr>
+        <p:spPr bwMode="auto">
+          <a:xfrm>
+            <a:off x="7302472" y="3206034"/>
+            <a:ext cx="1079500" cy="415925"/>
+          </a:xfrm>
+          <a:prstGeom prst="rect">
+            <a:avLst/>
+          </a:prstGeom>
+          <a:solidFill>
+            <a:schemeClr val="bg1"/>
+          </a:solidFill>
+          <a:ln w="19050">
+            <a:solidFill>
+              <a:srgbClr val="1E3272"/>
+            </a:solidFill>
+            <a:miter lim="800000"/>
+            <a:headEnd/>
+            <a:tailEnd/>
+          </a:ln>
+        </p:spPr>
+        <p:txBody>
+          <a:bodyPr>
+            <a:spAutoFit/>
+          </a:bodyPr>
+          <a:lstStyle/>
+          <a:p>
+            <a:pPr algn="ctr"/>
+            <a:r>
+              <a:rPr lang="en-US" altLang="en-US" sz="2000" dirty="0" smtClean="0">
+                <a:solidFill>
+                  <a:srgbClr val="1E3272"/>
+                </a:solidFill>
+              </a:rPr>
+              <a:t>00101</a:t>
+            </a:r>
+            <a:endParaRPr lang="en-AU" altLang="en-US" sz="2000" dirty="0">
+              <a:solidFill>
+                <a:srgbClr val="1E3272"/>
+              </a:solidFill>
+            </a:endParaRPr>
+          </a:p>
+        </p:txBody>
+      </p:sp>
+      <p:sp>
+        <p:nvSpPr>
+          <p:cNvPr id="35" name="Text Box 10"/>
+          <p:cNvSpPr txBox="1">
+            <a:spLocks noChangeArrowheads="1"/>
+          </p:cNvSpPr>
+          <p:nvPr/>
+        </p:nvSpPr>
+        <p:spPr bwMode="auto">
+          <a:xfrm>
+            <a:off x="8381972" y="3206034"/>
+            <a:ext cx="1296988" cy="415925"/>
+          </a:xfrm>
+          <a:prstGeom prst="rect">
+            <a:avLst/>
+          </a:prstGeom>
+          <a:solidFill>
+            <a:schemeClr val="bg1"/>
+          </a:solidFill>
+          <a:ln w="19050">
+            <a:solidFill>
+              <a:srgbClr val="1E3272"/>
+            </a:solidFill>
+            <a:miter lim="800000"/>
+            <a:headEnd/>
+            <a:tailEnd/>
+          </a:ln>
+        </p:spPr>
+        <p:txBody>
+          <a:bodyPr>
+            <a:spAutoFit/>
+          </a:bodyPr>
+          <a:lstStyle/>
+          <a:p>
+            <a:pPr algn="ctr"/>
+            <a:r>
+              <a:rPr lang="en-US" altLang="en-US" sz="2000" dirty="0" smtClean="0">
+                <a:solidFill>
+                  <a:srgbClr val="1E3272"/>
+                </a:solidFill>
+              </a:rPr>
+              <a:t>1101111</a:t>
+            </a:r>
+            <a:endParaRPr lang="en-AU" altLang="en-US" sz="2000" dirty="0">
+              <a:solidFill>
+                <a:srgbClr val="1E3272"/>
+              </a:solidFill>
+            </a:endParaRPr>
+          </a:p>
+        </p:txBody>
+      </p:sp>
+      <p:sp>
+        <p:nvSpPr>
+          <p:cNvPr id="36" name="Text Box 8"/>
+          <p:cNvSpPr txBox="1">
+            <a:spLocks noChangeArrowheads="1"/>
+          </p:cNvSpPr>
+          <p:nvPr/>
+        </p:nvSpPr>
+        <p:spPr bwMode="auto">
+          <a:xfrm>
+            <a:off x="5519710" y="3206034"/>
+            <a:ext cx="290512" cy="400110"/>
+          </a:xfrm>
+          <a:prstGeom prst="rect">
+            <a:avLst/>
+          </a:prstGeom>
+          <a:solidFill>
+            <a:schemeClr val="bg1"/>
+          </a:solidFill>
+          <a:ln w="19050">
+            <a:solidFill>
+              <a:srgbClr val="1E3272"/>
+            </a:solidFill>
+            <a:miter lim="800000"/>
+            <a:headEnd/>
+            <a:tailEnd/>
+          </a:ln>
+        </p:spPr>
+        <p:txBody>
+          <a:bodyPr>
+            <a:spAutoFit/>
+          </a:bodyPr>
+          <a:lstStyle/>
+          <a:p>
+            <a:pPr algn="ctr"/>
+            <a:r>
+              <a:rPr lang="en-US" altLang="en-US" sz="2000" dirty="0" smtClean="0">
+                <a:solidFill>
+                  <a:srgbClr val="1E3272"/>
+                </a:solidFill>
+              </a:rPr>
+              <a:t>0</a:t>
+            </a:r>
+            <a:endParaRPr lang="en-AU" altLang="en-US" sz="2000" dirty="0">
+              <a:solidFill>
+                <a:srgbClr val="1E3272"/>
+              </a:solidFill>
+            </a:endParaRPr>
+          </a:p>
+        </p:txBody>
+      </p:sp>
+      <p:sp>
+        <p:nvSpPr>
+          <p:cNvPr id="37" name="Text Box 8"/>
+          <p:cNvSpPr txBox="1">
+            <a:spLocks noChangeArrowheads="1"/>
+          </p:cNvSpPr>
+          <p:nvPr/>
+        </p:nvSpPr>
+        <p:spPr bwMode="auto">
+          <a:xfrm>
+            <a:off x="2682847" y="3206034"/>
+            <a:ext cx="290513" cy="400110"/>
+          </a:xfrm>
+          <a:prstGeom prst="rect">
+            <a:avLst/>
+          </a:prstGeom>
+          <a:solidFill>
+            <a:schemeClr val="bg1"/>
+          </a:solidFill>
+          <a:ln w="19050">
+            <a:solidFill>
+              <a:srgbClr val="1E3272"/>
+            </a:solidFill>
+            <a:miter lim="800000"/>
+            <a:headEnd/>
+            <a:tailEnd/>
+          </a:ln>
+        </p:spPr>
+        <p:txBody>
+          <a:bodyPr>
+            <a:spAutoFit/>
+          </a:bodyPr>
+          <a:lstStyle/>
+          <a:p>
+            <a:pPr algn="ctr"/>
+            <a:r>
+              <a:rPr lang="en-US" altLang="en-US" sz="2000" dirty="0" smtClean="0">
+                <a:solidFill>
+                  <a:srgbClr val="1E3272"/>
+                </a:solidFill>
+              </a:rPr>
+              <a:t>0</a:t>
+            </a:r>
+            <a:endParaRPr lang="en-AU" altLang="en-US" sz="2000" dirty="0">
+              <a:solidFill>
+                <a:srgbClr val="1E3272"/>
+              </a:solidFill>
+            </a:endParaRPr>
+          </a:p>
+        </p:txBody>
+      </p:sp>
+      <p:sp>
+        <p:nvSpPr>
+          <p:cNvPr id="38" name="Text Box 8"/>
+          <p:cNvSpPr txBox="1">
+            <a:spLocks noChangeArrowheads="1"/>
+          </p:cNvSpPr>
+          <p:nvPr/>
+        </p:nvSpPr>
+        <p:spPr bwMode="auto">
+          <a:xfrm>
+            <a:off x="5810222" y="3207816"/>
+            <a:ext cx="1492250" cy="409574"/>
+          </a:xfrm>
+          <a:prstGeom prst="rect">
+            <a:avLst/>
+          </a:prstGeom>
+          <a:solidFill>
+            <a:schemeClr val="bg1"/>
+          </a:solidFill>
+          <a:ln w="19050">
+            <a:solidFill>
+              <a:srgbClr val="1E3272"/>
+            </a:solidFill>
+            <a:miter lim="800000"/>
+            <a:headEnd/>
+            <a:tailEnd/>
+          </a:ln>
+        </p:spPr>
+        <p:txBody>
+          <a:bodyPr wrap="square" anchor="ctr">
+            <a:noAutofit/>
+          </a:bodyPr>
+          <a:lstStyle/>
+          <a:p>
+            <a:pPr algn="ctr"/>
+            <a:r>
+              <a:rPr lang="en-US" altLang="en-US" sz="2000" dirty="0" smtClean="0">
+                <a:solidFill>
+                  <a:srgbClr val="1E3272"/>
+                </a:solidFill>
+              </a:rPr>
+              <a:t>0</a:t>
+            </a:r>
+            <a:endParaRPr lang="en-AU" altLang="en-US" sz="2000" dirty="0">
+              <a:solidFill>
+                <a:srgbClr val="1E3272"/>
+              </a:solidFill>
+            </a:endParaRPr>
+          </a:p>
+        </p:txBody>
+      </p:sp>
+      <p:sp>
+        <p:nvSpPr>
+          <p:cNvPr id="39" name="Text Box 8"/>
+          <p:cNvSpPr txBox="1">
+            <a:spLocks noChangeArrowheads="1"/>
+          </p:cNvSpPr>
+          <p:nvPr/>
+        </p:nvSpPr>
+        <p:spPr bwMode="auto">
+          <a:xfrm>
+            <a:off x="2973360" y="3206034"/>
+            <a:ext cx="2543175" cy="409450"/>
+          </a:xfrm>
+          <a:prstGeom prst="rect">
+            <a:avLst/>
+          </a:prstGeom>
+          <a:solidFill>
+            <a:schemeClr val="bg1"/>
+          </a:solidFill>
+          <a:ln w="19050">
+            <a:solidFill>
+              <a:srgbClr val="1E3272"/>
+            </a:solidFill>
+            <a:miter lim="800000"/>
+            <a:headEnd/>
+            <a:tailEnd/>
+          </a:ln>
+        </p:spPr>
+        <p:txBody>
+          <a:bodyPr anchor="ctr">
+            <a:noAutofit/>
+          </a:bodyPr>
+          <a:lstStyle/>
+          <a:p>
+            <a:pPr algn="ctr">
+              <a:lnSpc>
+                <a:spcPts val="1600"/>
+              </a:lnSpc>
+            </a:pPr>
+            <a:r>
+              <a:rPr lang="en-AU" altLang="en-US" sz="2000" dirty="0" smtClean="0">
+                <a:solidFill>
+                  <a:srgbClr val="1E3272"/>
+                </a:solidFill>
+              </a:rPr>
+              <a:t>00000000100</a:t>
+            </a:r>
+            <a:endParaRPr lang="en-AU" altLang="en-US" sz="2000" dirty="0">
+              <a:solidFill>
+                <a:srgbClr val="1E3272"/>
+              </a:solidFill>
+            </a:endParaRPr>
+          </a:p>
+        </p:txBody>
+      </p:sp>
+      <p:sp>
+        <p:nvSpPr>
+          <p:cNvPr id="40" name="Содержимое 1"/>
+          <p:cNvSpPr>
+            <a:spLocks noGrp="1"/>
+          </p:cNvSpPr>
+          <p:nvPr>
+            <p:ph idx="1"/>
+          </p:nvPr>
+        </p:nvSpPr>
+        <p:spPr>
+          <a:xfrm>
+            <a:off x="838199" y="4166473"/>
+            <a:ext cx="10866121" cy="2412127"/>
+          </a:xfrm>
+        </p:spPr>
+        <p:txBody>
+          <a:bodyPr>
+            <a:normAutofit/>
+          </a:bodyPr>
+          <a:lstStyle/>
+          <a:p>
+            <a:pPr>
+              <a:lnSpc>
+                <a:spcPct val="100000"/>
+              </a:lnSpc>
+              <a:spcBef>
+                <a:spcPts val="0"/>
+              </a:spcBef>
+            </a:pPr>
+            <a:r>
+              <a:rPr lang="en-US" altLang="en-US" dirty="0" smtClean="0"/>
+              <a:t>Jump instructions</a:t>
+            </a:r>
+            <a:endParaRPr lang="en-US" altLang="en-US" dirty="0" smtClean="0"/>
+          </a:p>
+          <a:p>
+            <a:pPr lvl="1">
+              <a:spcBef>
+                <a:spcPts val="0"/>
+              </a:spcBef>
+            </a:pPr>
+            <a:r>
+              <a:rPr lang="en-US" altLang="en-US" dirty="0" smtClean="0"/>
+              <a:t>opcode: operation code</a:t>
+            </a:r>
+          </a:p>
+          <a:p>
+            <a:pPr lvl="1">
+              <a:spcBef>
+                <a:spcPts val="0"/>
+              </a:spcBef>
+            </a:pPr>
+            <a:r>
+              <a:rPr lang="en-US" altLang="en-US" dirty="0" smtClean="0"/>
+              <a:t>rd: destination </a:t>
+            </a:r>
+            <a:r>
+              <a:rPr lang="en-US" altLang="en-US" dirty="0" smtClean="0"/>
+              <a:t>link register</a:t>
+            </a:r>
+            <a:endParaRPr lang="en-US" altLang="en-US" dirty="0" smtClean="0"/>
+          </a:p>
+          <a:p>
+            <a:pPr lvl="1">
+              <a:spcBef>
+                <a:spcPts val="0"/>
+              </a:spcBef>
+            </a:pPr>
+            <a:r>
+              <a:rPr lang="en-US" altLang="en-US" dirty="0" smtClean="0"/>
+              <a:t>imm: signed offset in multiples of 2 bytes added to PC</a:t>
+            </a:r>
+            <a:endParaRPr lang="ru-RU" dirty="0"/>
+          </a:p>
+        </p:txBody>
+      </p:sp>
+      <p:sp>
+        <p:nvSpPr>
+          <p:cNvPr id="41" name="Rectangle 35"/>
+          <p:cNvSpPr>
+            <a:spLocks noChangeArrowheads="1"/>
+          </p:cNvSpPr>
+          <p:nvPr/>
+        </p:nvSpPr>
+        <p:spPr bwMode="auto">
+          <a:xfrm>
+            <a:off x="886099" y="3675684"/>
+            <a:ext cx="10486094" cy="577474"/>
+          </a:xfrm>
+          <a:prstGeom prst="rect">
+            <a:avLst/>
+          </a:prstGeom>
+          <a:noFill/>
+          <a:ln w="9525">
+            <a:noFill/>
+            <a:miter lim="800000"/>
+            <a:headEnd/>
+            <a:tailEnd/>
+          </a:ln>
+        </p:spPr>
+        <p:txBody>
+          <a:bodyPr/>
+          <a:lstStyle/>
+          <a:p>
+            <a:pPr marL="342900" indent="-342900" algn="ctr">
+              <a:spcBef>
+                <a:spcPct val="20000"/>
+              </a:spcBef>
+              <a:buClr>
+                <a:schemeClr val="folHlink"/>
+              </a:buClr>
+              <a:buSzPct val="60000"/>
+            </a:pPr>
+            <a:r>
+              <a:rPr lang="en-US" altLang="en-US" sz="3200" b="1" dirty="0" smtClean="0">
+                <a:solidFill>
+                  <a:schemeClr val="accent6"/>
+                </a:solidFill>
+              </a:rPr>
+              <a:t>0000 0000 0100 0000 0000 0010 1110 </a:t>
+            </a:r>
+            <a:r>
+              <a:rPr lang="en-US" altLang="en-US" sz="3200" b="1" dirty="0" smtClean="0">
+                <a:solidFill>
+                  <a:schemeClr val="accent6"/>
+                </a:solidFill>
+              </a:rPr>
+              <a:t>1111</a:t>
+            </a:r>
+            <a:r>
+              <a:rPr lang="en-US" altLang="en-US" sz="3200" b="1" baseline="-25000" dirty="0" smtClean="0">
+                <a:solidFill>
+                  <a:schemeClr val="accent6"/>
+                </a:solidFill>
+              </a:rPr>
+              <a:t>two</a:t>
+            </a:r>
+            <a:r>
+              <a:rPr lang="en-US" altLang="en-US" sz="3200" b="1" dirty="0" smtClean="0">
+                <a:solidFill>
+                  <a:schemeClr val="accent6"/>
+                </a:solidFill>
+              </a:rPr>
+              <a:t> </a:t>
+            </a:r>
+            <a:r>
+              <a:rPr lang="en-US" altLang="en-US" sz="3200" b="1" dirty="0" smtClean="0">
+                <a:solidFill>
+                  <a:schemeClr val="accent6"/>
+                </a:solidFill>
+              </a:rPr>
+              <a:t>= </a:t>
+            </a:r>
+            <a:r>
+              <a:rPr lang="en-US" altLang="en-US" sz="3200" b="1" dirty="0" smtClean="0">
+                <a:solidFill>
+                  <a:schemeClr val="accent6"/>
+                </a:solidFill>
+              </a:rPr>
+              <a:t>004002ef</a:t>
+            </a:r>
+            <a:r>
+              <a:rPr lang="en-US" altLang="en-US" sz="3200" b="1" baseline="-25000" dirty="0" smtClean="0">
+                <a:solidFill>
+                  <a:schemeClr val="accent6"/>
+                </a:solidFill>
+              </a:rPr>
+              <a:t>16</a:t>
+            </a:r>
+            <a:endParaRPr lang="en-AU" altLang="en-US" sz="3200" b="1" dirty="0">
+              <a:solidFill>
+                <a:schemeClr val="accent6"/>
+              </a:solidFill>
+            </a:endParaRPr>
+          </a:p>
+        </p:txBody>
+      </p:sp>
+      <p:sp>
+        <p:nvSpPr>
+          <p:cNvPr id="42" name="Прямоугольник 41"/>
+          <p:cNvSpPr/>
+          <p:nvPr/>
+        </p:nvSpPr>
+        <p:spPr>
+          <a:xfrm>
+            <a:off x="4945026" y="2101334"/>
+            <a:ext cx="2097049" cy="646331"/>
+          </a:xfrm>
+          <a:prstGeom prst="rect">
+            <a:avLst/>
+          </a:prstGeom>
+        </p:spPr>
+        <p:txBody>
+          <a:bodyPr wrap="none">
+            <a:spAutoFit/>
+          </a:bodyPr>
+          <a:lstStyle/>
+          <a:p>
+            <a:r>
+              <a:rPr lang="en-US" altLang="en-US" sz="3600" b="1" dirty="0" err="1" smtClean="0">
+                <a:solidFill>
+                  <a:schemeClr val="accent6"/>
+                </a:solidFill>
+              </a:rPr>
+              <a:t>jal</a:t>
+            </a:r>
+            <a:r>
+              <a:rPr lang="en-US" altLang="en-US" sz="3600" b="1" dirty="0" smtClean="0">
+                <a:solidFill>
+                  <a:schemeClr val="accent6"/>
+                </a:solidFill>
+              </a:rPr>
+              <a:t> x5, 0x4</a:t>
+            </a:r>
+            <a:endParaRPr lang="ru-RU" sz="3600" dirty="0"/>
           </a:p>
         </p:txBody>
       </p:sp>
@@ -8776,8 +11681,8 @@
         </p:blipFill>
         <p:spPr bwMode="auto">
           <a:xfrm>
-            <a:off x="2360611" y="1230311"/>
-            <a:ext cx="8022352" cy="5184050"/>
+            <a:off x="1852610" y="1090610"/>
+            <a:ext cx="8523749" cy="5508053"/>
           </a:xfrm>
           <a:prstGeom prst="rect">
             <a:avLst/>
@@ -9602,7 +12507,6 @@
               <a:rPr lang="en-US" dirty="0" smtClean="0"/>
               <a:t>Control</a:t>
             </a:r>
-            <a:endParaRPr lang="en-US" dirty="0" smtClean="0"/>
           </a:p>
           <a:p>
             <a:pPr>
@@ -9715,7 +12619,7 @@
             <a:avLst/>
           </a:prstGeom>
           <a:solidFill>
-            <a:schemeClr val="accent1"/>
+            <a:srgbClr val="2F5CB5"/>
           </a:solidFill>
           <a:ln w="25400">
             <a:solidFill>
@@ -9775,7 +12679,7 @@
             <a:avLst/>
           </a:prstGeom>
           <a:solidFill>
-            <a:schemeClr val="accent1"/>
+            <a:srgbClr val="2F5CB5"/>
           </a:solidFill>
           <a:ln w="25400">
             <a:solidFill>
@@ -9835,7 +12739,7 @@
             <a:avLst/>
           </a:prstGeom>
           <a:solidFill>
-            <a:schemeClr val="accent1"/>
+            <a:srgbClr val="2F5CB5"/>
           </a:solidFill>
           <a:ln w="25400">
             <a:solidFill>
@@ -10162,7 +13066,7 @@
             <a:avLst/>
           </a:prstGeom>
           <a:solidFill>
-            <a:schemeClr val="accent1"/>
+            <a:srgbClr val="2F5CB5"/>
           </a:solidFill>
           <a:ln w="25400">
             <a:solidFill>
@@ -10341,15 +13245,7 @@
             </a:pPr>
             <a:r>
               <a:rPr lang="en-US" dirty="0" smtClean="0"/>
-              <a:t>32-bit instructions </a:t>
-            </a:r>
-            <a:r>
-              <a:rPr lang="en-US" dirty="0" smtClean="0"/>
-              <a:t>and </a:t>
-            </a:r>
-            <a:r>
-              <a:rPr lang="en-US" dirty="0" smtClean="0"/>
-              <a:t>data stored in memory</a:t>
+              <a:t>32-bit instructions and data stored in memory</a:t>
             </a:r>
           </a:p>
           <a:p>
@@ -10363,17 +13259,8 @@
             </a:pPr>
             <a:r>
               <a:rPr lang="en-US" dirty="0" smtClean="0"/>
-              <a:t>Program is a sequence </a:t>
-            </a:r>
-            <a:r>
-              <a:rPr lang="en-US" dirty="0" smtClean="0"/>
-              <a:t>of </a:t>
-            </a:r>
-            <a:r>
-              <a:rPr lang="en-US" dirty="0" smtClean="0"/>
-              <a:t>instructions</a:t>
-            </a:r>
-            <a:endParaRPr lang="en-US" dirty="0" smtClean="0"/>
+              <a:t>Program is a sequence of instructions</a:t>
+            </a:r>
           </a:p>
           <a:p>
             <a:pPr>
@@ -10400,19 +13287,7 @@
             </a:pPr>
             <a:r>
               <a:rPr lang="en-US" sz="3500" dirty="0" smtClean="0"/>
-              <a:t>Simply load the new </a:t>
-            </a:r>
-            <a:r>
-              <a:rPr lang="en-US" sz="3500" dirty="0" smtClean="0"/>
-              <a:t>program </a:t>
-            </a:r>
-            <a:r>
-              <a:rPr lang="en-US" sz="3500" dirty="0" smtClean="0"/>
-              <a:t>into </a:t>
-            </a:r>
-            <a:r>
-              <a:rPr lang="en-US" sz="3500" dirty="0" smtClean="0"/>
-              <a:t>memory</a:t>
+              <a:t>Simply load the new program into memory</a:t>
             </a:r>
           </a:p>
           <a:p>
@@ -10440,11 +13315,7 @@
             </a:pPr>
             <a:r>
               <a:rPr lang="en-US" dirty="0" smtClean="0"/>
-              <a:t>CPU </a:t>
-            </a:r>
-            <a:r>
-              <a:rPr lang="en-US" dirty="0" smtClean="0"/>
-              <a:t>fetches (reads) instructions from memory in sequence </a:t>
+              <a:t>CPU fetches (reads) instructions from memory in sequence </a:t>
             </a:r>
           </a:p>
           <a:p>
@@ -10458,17 +13329,8 @@
             </a:pPr>
             <a:r>
               <a:rPr lang="en-US" dirty="0" smtClean="0"/>
-              <a:t>CPU performs </a:t>
-            </a:r>
-            <a:r>
-              <a:rPr lang="en-US" dirty="0" smtClean="0"/>
-              <a:t>the specified </a:t>
-            </a:r>
-            <a:r>
-              <a:rPr lang="en-US" dirty="0" smtClean="0"/>
-              <a:t>operations</a:t>
-            </a:r>
-            <a:endParaRPr lang="en-US" dirty="0" smtClean="0"/>
+              <a:t>CPU performs the specified operations</a:t>
+            </a:r>
           </a:p>
           <a:p>
             <a:endParaRPr lang="ru-RU" dirty="0"/>
@@ -10611,8 +13473,8 @@
         </p:nvSpPr>
         <p:spPr>
           <a:xfrm>
-            <a:off x="1346200" y="973434"/>
-            <a:ext cx="2933700" cy="2034403"/>
+            <a:off x="1676400" y="973434"/>
+            <a:ext cx="2933700" cy="2111347"/>
           </a:xfrm>
           <a:prstGeom prst="rect">
             <a:avLst/>
@@ -10629,7 +13491,7 @@
                 <a:spcPct val="90000"/>
               </a:lnSpc>
               <a:spcAft>
-                <a:spcPts val="600"/>
+                <a:spcPts val="1200"/>
               </a:spcAft>
             </a:pPr>
             <a:r>
@@ -10653,31 +13515,7 @@
                   <a:schemeClr val="accent6"/>
                 </a:solidFill>
               </a:rPr>
-              <a:t>lw    t0</a:t>
-            </a:r>
-            <a:r>
-              <a:rPr lang="en-US" sz="3000" dirty="0" smtClean="0">
-                <a:solidFill>
-                  <a:schemeClr val="accent6"/>
-                </a:solidFill>
-              </a:rPr>
-              <a:t>, </a:t>
-            </a:r>
-            <a:r>
-              <a:rPr lang="en-US" sz="3000" dirty="0" smtClean="0">
-                <a:solidFill>
-                  <a:schemeClr val="accent6"/>
-                </a:solidFill>
-              </a:rPr>
-              <a:t>32 (t1</a:t>
-            </a:r>
-            <a:r>
-              <a:rPr lang="en-US" sz="3000" dirty="0" smtClean="0">
-                <a:solidFill>
-                  <a:schemeClr val="accent6"/>
-                </a:solidFill>
-              </a:rPr>
-              <a:t>)</a:t>
+              <a:t>lw    t0, 32 (t1)</a:t>
             </a:r>
           </a:p>
           <a:p>
@@ -10692,29 +13530,8 @@
                   <a:schemeClr val="accent6"/>
                 </a:solidFill>
               </a:rPr>
-              <a:t>add  s1</a:t>
-            </a:r>
-            <a:r>
-              <a:rPr lang="en-US" sz="3000" dirty="0" smtClean="0">
-                <a:solidFill>
-                  <a:schemeClr val="accent6"/>
-                </a:solidFill>
-              </a:rPr>
-              <a:t>, s0, </a:t>
-            </a:r>
-            <a:r>
-              <a:rPr lang="en-US" sz="3000" dirty="0" smtClean="0">
-                <a:solidFill>
-                  <a:schemeClr val="accent6"/>
-                </a:solidFill>
-              </a:rPr>
-              <a:t> s2</a:t>
-            </a:r>
-            <a:endParaRPr lang="en-US" sz="3000" dirty="0" smtClean="0">
-              <a:solidFill>
-                <a:schemeClr val="accent6"/>
-              </a:solidFill>
-            </a:endParaRPr>
+              <a:t>add  s1, s0,  s2</a:t>
+            </a:r>
           </a:p>
           <a:p>
             <a:pPr>
@@ -10751,31 +13568,7 @@
                   <a:schemeClr val="accent6"/>
                 </a:solidFill>
               </a:rPr>
-              <a:t>sub </a:t>
-            </a:r>
-            <a:r>
-              <a:rPr lang="en-US" sz="3000" dirty="0" smtClean="0">
-                <a:solidFill>
-                  <a:schemeClr val="accent6"/>
-                </a:solidFill>
-              </a:rPr>
-              <a:t>  t0</a:t>
-            </a:r>
-            <a:r>
-              <a:rPr lang="en-US" sz="3000" dirty="0" smtClean="0">
-                <a:solidFill>
-                  <a:schemeClr val="accent6"/>
-                </a:solidFill>
-              </a:rPr>
-              <a:t>, t3, </a:t>
-            </a:r>
-            <a:r>
-              <a:rPr lang="en-US" sz="3000" dirty="0" smtClean="0">
-                <a:solidFill>
-                  <a:schemeClr val="accent6"/>
-                </a:solidFill>
-              </a:rPr>
-              <a:t> t5 </a:t>
+              <a:t>sub   t0, t3,  t5 </a:t>
             </a:r>
             <a:endParaRPr lang="ru-RU" sz="3000" dirty="0">
               <a:solidFill>
@@ -10793,8 +13586,8 @@
         </p:nvSpPr>
         <p:spPr>
           <a:xfrm>
-            <a:off x="8420100" y="973435"/>
-            <a:ext cx="2730500" cy="2059025"/>
+            <a:off x="8445500" y="973435"/>
+            <a:ext cx="2730500" cy="2135969"/>
           </a:xfrm>
           <a:prstGeom prst="rect">
             <a:avLst/>
@@ -10811,7 +13604,7 @@
                 <a:spcPct val="90000"/>
               </a:lnSpc>
               <a:spcAft>
-                <a:spcPts val="600"/>
+                <a:spcPts val="1200"/>
               </a:spcAft>
             </a:pPr>
             <a:r>
@@ -10845,11 +13638,6 @@
               </a:rPr>
               <a:t>0x02032283</a:t>
             </a:r>
-            <a:endParaRPr lang="en-US" sz="3000" dirty="0" smtClean="0">
-              <a:solidFill>
-                <a:schemeClr val="accent6"/>
-              </a:solidFill>
-            </a:endParaRPr>
           </a:p>
           <a:p>
             <a:pPr>
@@ -10865,11 +13653,6 @@
               </a:rPr>
               <a:t> 0x012404B3</a:t>
             </a:r>
-            <a:endParaRPr lang="en-US" sz="3000" dirty="0" smtClean="0">
-              <a:solidFill>
-                <a:schemeClr val="accent6"/>
-              </a:solidFill>
-            </a:endParaRPr>
           </a:p>
           <a:p>
             <a:pPr>
@@ -10885,11 +13668,6 @@
               </a:rPr>
               <a:t> 0xFF498293</a:t>
             </a:r>
-            <a:endParaRPr lang="en-US" sz="3000" dirty="0" smtClean="0">
-              <a:solidFill>
-                <a:schemeClr val="accent6"/>
-              </a:solidFill>
-            </a:endParaRPr>
           </a:p>
           <a:p>
             <a:pPr>
@@ -10921,14 +13699,14 @@
         </p:nvSpPr>
         <p:spPr>
           <a:xfrm>
-            <a:off x="3060700" y="3111500"/>
-            <a:ext cx="5219700" cy="3594100"/>
+            <a:off x="3797300" y="3060700"/>
+            <a:ext cx="4953000" cy="3594100"/>
           </a:xfrm>
           <a:prstGeom prst="roundRect">
             <a:avLst/>
           </a:prstGeom>
           <a:solidFill>
-            <a:schemeClr val="accent1"/>
+            <a:srgbClr val="2F5CB5"/>
           </a:solidFill>
           <a:ln w="25400">
             <a:solidFill>
@@ -10981,8 +13759,8 @@
         </p:nvSpPr>
         <p:spPr>
           <a:xfrm>
-            <a:off x="4211892" y="2444233"/>
-            <a:ext cx="3090608" cy="584775"/>
+            <a:off x="4567492" y="2418833"/>
+            <a:ext cx="3573208" cy="646331"/>
           </a:xfrm>
           <a:prstGeom prst="rect">
             <a:avLst/>
@@ -10996,14 +13774,14 @@
           <a:p>
             <a:pPr algn="ctr"/>
             <a:r>
-              <a:rPr lang="en-US" sz="3200" b="1" dirty="0" smtClean="0">
+              <a:rPr lang="en-US" sz="3600" b="1" dirty="0" smtClean="0">
                 <a:solidFill>
                   <a:srgbClr val="273272"/>
                 </a:solidFill>
               </a:rPr>
               <a:t>Stored Program</a:t>
             </a:r>
-            <a:endParaRPr lang="ru-RU" sz="3200" dirty="0"/>
+            <a:endParaRPr lang="ru-RU" sz="3600" dirty="0"/>
           </a:p>
         </p:txBody>
       </p:sp>
@@ -11015,7 +13793,7 @@
         </p:nvSpPr>
         <p:spPr>
           <a:xfrm>
-            <a:off x="3416300" y="3895636"/>
+            <a:off x="4089400" y="3844836"/>
             <a:ext cx="2159000" cy="2806922"/>
           </a:xfrm>
           <a:prstGeom prst="rect">
@@ -11071,6 +13849,59 @@
               </a:rPr>
               <a:t>0x00400000</a:t>
             </a:r>
+          </a:p>
+          <a:p>
+            <a:pPr>
+              <a:lnSpc>
+                <a:spcPct val="90000"/>
+              </a:lnSpc>
+            </a:pPr>
+            <a:r>
+              <a:rPr lang="en-US" sz="2800" dirty="0" smtClean="0">
+                <a:solidFill>
+                  <a:schemeClr val="bg1"/>
+                </a:solidFill>
+              </a:rPr>
+              <a:t>0x00400004</a:t>
+            </a:r>
+          </a:p>
+          <a:p>
+            <a:pPr>
+              <a:lnSpc>
+                <a:spcPct val="90000"/>
+              </a:lnSpc>
+            </a:pPr>
+            <a:r>
+              <a:rPr lang="en-US" sz="2800" dirty="0" smtClean="0">
+                <a:solidFill>
+                  <a:schemeClr val="bg1"/>
+                </a:solidFill>
+              </a:rPr>
+              <a:t>0x00400008</a:t>
+            </a:r>
+          </a:p>
+          <a:p>
+            <a:pPr>
+              <a:lnSpc>
+                <a:spcPct val="90000"/>
+              </a:lnSpc>
+            </a:pPr>
+            <a:r>
+              <a:rPr lang="en-US" sz="2800" dirty="0" smtClean="0">
+                <a:solidFill>
+                  <a:schemeClr val="bg1"/>
+                </a:solidFill>
+              </a:rPr>
+              <a:t>0x0040000</a:t>
+            </a:r>
+            <a:r>
+              <a:rPr lang="ru-RU" sz="2800" dirty="0" smtClean="0">
+                <a:solidFill>
+                  <a:schemeClr val="bg1"/>
+                </a:solidFill>
+              </a:rPr>
+              <a:t>С</a:t>
+            </a:r>
             <a:endParaRPr lang="en-US" sz="2800" dirty="0" smtClean="0">
               <a:solidFill>
                 <a:schemeClr val="bg1"/>
@@ -11089,9 +13920,36 @@
                   <a:schemeClr val="bg1"/>
                 </a:solidFill>
               </a:rPr>
-              <a:t>0x00400004</a:t>
-            </a:r>
-          </a:p>
+              <a:t>…</a:t>
+            </a:r>
+            <a:endParaRPr lang="ru-RU" sz="2800" dirty="0">
+              <a:solidFill>
+                <a:schemeClr val="bg1"/>
+              </a:solidFill>
+            </a:endParaRPr>
+          </a:p>
+        </p:txBody>
+      </p:sp>
+      <p:sp>
+        <p:nvSpPr>
+          <p:cNvPr id="11" name="Прямоугольник 10"/>
+          <p:cNvSpPr/>
+          <p:nvPr/>
+        </p:nvSpPr>
+        <p:spPr>
+          <a:xfrm>
+            <a:off x="6553200" y="3832136"/>
+            <a:ext cx="2159000" cy="2806922"/>
+          </a:xfrm>
+          <a:prstGeom prst="rect">
+            <a:avLst/>
+          </a:prstGeom>
+        </p:spPr>
+        <p:txBody>
+          <a:bodyPr wrap="square">
+            <a:spAutoFit/>
+          </a:bodyPr>
+          <a:lstStyle/>
           <a:p>
             <a:pPr>
               <a:lnSpc>
@@ -11099,12 +13957,12 @@
               </a:lnSpc>
             </a:pPr>
             <a:r>
-              <a:rPr lang="en-US" sz="2800" dirty="0" smtClean="0">
+              <a:rPr lang="en-US" sz="2800" b="1" dirty="0" smtClean="0">
                 <a:solidFill>
                   <a:schemeClr val="bg1"/>
                 </a:solidFill>
               </a:rPr>
-              <a:t>0x00400008</a:t>
+              <a:t>Instructions</a:t>
             </a:r>
           </a:p>
           <a:p>
@@ -11119,21 +13977,8 @@
                   <a:schemeClr val="bg1"/>
                 </a:solidFill>
               </a:rPr>
-              <a:t>0x0040000</a:t>
-            </a:r>
-            <a:r>
-              <a:rPr lang="ru-RU" sz="2800" dirty="0" smtClean="0">
-                <a:solidFill>
-                  <a:schemeClr val="bg1"/>
-                </a:solidFill>
-              </a:rPr>
-              <a:t>С</a:t>
-            </a:r>
-            <a:endParaRPr lang="en-US" sz="2800" dirty="0" smtClean="0">
-              <a:solidFill>
-                <a:schemeClr val="bg1"/>
-              </a:solidFill>
-            </a:endParaRPr>
+              <a:t>…</a:t>
+            </a:r>
           </a:p>
           <a:p>
             <a:pPr>
@@ -11147,6 +13992,66 @@
                   <a:schemeClr val="bg1"/>
                 </a:solidFill>
               </a:rPr>
+              <a:t>0x02032283</a:t>
+            </a:r>
+          </a:p>
+          <a:p>
+            <a:pPr>
+              <a:lnSpc>
+                <a:spcPct val="90000"/>
+              </a:lnSpc>
+            </a:pPr>
+            <a:r>
+              <a:rPr lang="en-US" sz="2800" dirty="0" smtClean="0">
+                <a:solidFill>
+                  <a:schemeClr val="bg1"/>
+                </a:solidFill>
+              </a:rPr>
+              <a:t>0x012404B3</a:t>
+            </a:r>
+          </a:p>
+          <a:p>
+            <a:pPr>
+              <a:lnSpc>
+                <a:spcPct val="90000"/>
+              </a:lnSpc>
+            </a:pPr>
+            <a:r>
+              <a:rPr lang="en-US" sz="2800" dirty="0" smtClean="0">
+                <a:solidFill>
+                  <a:schemeClr val="bg1"/>
+                </a:solidFill>
+              </a:rPr>
+              <a:t>0xFF498293</a:t>
+            </a:r>
+          </a:p>
+          <a:p>
+            <a:pPr>
+              <a:lnSpc>
+                <a:spcPct val="90000"/>
+              </a:lnSpc>
+            </a:pPr>
+            <a:r>
+              <a:rPr lang="en-US" sz="2800" dirty="0" smtClean="0">
+                <a:solidFill>
+                  <a:schemeClr val="bg1"/>
+                </a:solidFill>
+              </a:rPr>
+              <a:t>0x41EE02B3</a:t>
+            </a:r>
+          </a:p>
+          <a:p>
+            <a:pPr>
+              <a:lnSpc>
+                <a:spcPct val="90000"/>
+              </a:lnSpc>
+            </a:pPr>
+            <a:r>
+              <a:rPr lang="en-US" sz="2800" dirty="0" smtClean="0">
+                <a:solidFill>
+                  <a:schemeClr val="bg1"/>
+                </a:solidFill>
+              </a:rPr>
               <a:t>…</a:t>
             </a:r>
             <a:endParaRPr lang="ru-RU" sz="2800" dirty="0">
@@ -11159,150 +14064,13 @@
       </p:sp>
       <p:sp>
         <p:nvSpPr>
-          <p:cNvPr id="11" name="Прямоугольник 10"/>
-          <p:cNvSpPr/>
-          <p:nvPr/>
-        </p:nvSpPr>
-        <p:spPr>
-          <a:xfrm>
-            <a:off x="5842000" y="3882936"/>
-            <a:ext cx="2159000" cy="2806922"/>
-          </a:xfrm>
-          <a:prstGeom prst="rect">
-            <a:avLst/>
-          </a:prstGeom>
-        </p:spPr>
-        <p:txBody>
-          <a:bodyPr wrap="square">
-            <a:spAutoFit/>
-          </a:bodyPr>
-          <a:lstStyle/>
-          <a:p>
-            <a:pPr>
-              <a:lnSpc>
-                <a:spcPct val="90000"/>
-              </a:lnSpc>
-            </a:pPr>
-            <a:r>
-              <a:rPr lang="en-US" sz="2800" b="1" dirty="0" smtClean="0">
-                <a:solidFill>
-                  <a:schemeClr val="bg1"/>
-                </a:solidFill>
-              </a:rPr>
-              <a:t>Instructions</a:t>
-            </a:r>
-          </a:p>
-          <a:p>
-            <a:pPr>
-              <a:lnSpc>
-                <a:spcPct val="90000"/>
-              </a:lnSpc>
-            </a:pPr>
-            <a:r>
-              <a:rPr lang="en-US" sz="2800" dirty="0" smtClean="0">
-                <a:solidFill>
-                  <a:schemeClr val="bg1"/>
-                </a:solidFill>
-              </a:rPr>
-              <a:t>…</a:t>
-            </a:r>
-          </a:p>
-          <a:p>
-            <a:pPr>
-              <a:lnSpc>
-                <a:spcPct val="90000"/>
-              </a:lnSpc>
-            </a:pPr>
-            <a:r>
-              <a:rPr lang="en-US" sz="2800" dirty="0" smtClean="0">
-                <a:solidFill>
-                  <a:schemeClr val="bg1"/>
-                </a:solidFill>
-              </a:rPr>
-              <a:t>0x02032283</a:t>
-            </a:r>
-          </a:p>
-          <a:p>
-            <a:pPr>
-              <a:lnSpc>
-                <a:spcPct val="90000"/>
-              </a:lnSpc>
-            </a:pPr>
-            <a:r>
-              <a:rPr lang="en-US" sz="2800" dirty="0" smtClean="0">
-                <a:solidFill>
-                  <a:schemeClr val="bg1"/>
-                </a:solidFill>
-              </a:rPr>
-              <a:t>0x012404B3</a:t>
-            </a:r>
-          </a:p>
-          <a:p>
-            <a:pPr>
-              <a:lnSpc>
-                <a:spcPct val="90000"/>
-              </a:lnSpc>
-            </a:pPr>
-            <a:r>
-              <a:rPr lang="en-US" sz="2800" dirty="0" smtClean="0">
-                <a:solidFill>
-                  <a:schemeClr val="bg1"/>
-                </a:solidFill>
-              </a:rPr>
-              <a:t>0xFF498293</a:t>
-            </a:r>
-          </a:p>
-          <a:p>
-            <a:pPr>
-              <a:lnSpc>
-                <a:spcPct val="90000"/>
-              </a:lnSpc>
-            </a:pPr>
-            <a:r>
-              <a:rPr lang="en-US" sz="2800" dirty="0" smtClean="0">
-                <a:solidFill>
-                  <a:schemeClr val="bg1"/>
-                </a:solidFill>
-              </a:rPr>
-              <a:t>0x41EE02B3</a:t>
-            </a:r>
-            <a:endParaRPr lang="en-US" sz="2800" dirty="0" smtClean="0">
-              <a:solidFill>
-                <a:schemeClr val="bg1"/>
-              </a:solidFill>
-            </a:endParaRPr>
-          </a:p>
-          <a:p>
-            <a:pPr>
-              <a:lnSpc>
-                <a:spcPct val="90000"/>
-              </a:lnSpc>
-            </a:pPr>
-            <a:r>
-              <a:rPr lang="en-US" sz="2800" dirty="0" smtClean="0">
-                <a:solidFill>
-                  <a:schemeClr val="bg1"/>
-                </a:solidFill>
-              </a:rPr>
-              <a:t>…</a:t>
-            </a:r>
-            <a:endParaRPr lang="ru-RU" sz="2800" dirty="0">
-              <a:solidFill>
-                <a:schemeClr val="bg1"/>
-              </a:solidFill>
-            </a:endParaRPr>
-          </a:p>
-        </p:txBody>
-      </p:sp>
-      <p:sp>
-        <p:nvSpPr>
           <p:cNvPr id="12" name="Прямоугольник 11"/>
           <p:cNvSpPr/>
           <p:nvPr/>
         </p:nvSpPr>
         <p:spPr>
           <a:xfrm>
-            <a:off x="3378200" y="5816600"/>
+            <a:off x="4064000" y="5765800"/>
             <a:ext cx="4470400" cy="457200"/>
           </a:xfrm>
           <a:prstGeom prst="rect">
@@ -11311,7 +14079,7 @@
           <a:noFill/>
           <a:ln w="38100">
             <a:solidFill>
-              <a:srgbClr val="273272"/>
+              <a:srgbClr val="F7B217"/>
             </a:solidFill>
             <a:prstDash val="dash"/>
           </a:ln>
@@ -11344,21 +14112,18 @@
       <p:cxnSp>
         <p:nvCxnSpPr>
           <p:cNvPr id="14" name="Прямая со стрелкой 13"/>
-          <p:cNvCxnSpPr>
-            <a:stCxn id="12" idx="3"/>
-            <a:endCxn id="5" idx="1"/>
-          </p:cNvCxnSpPr>
+          <p:cNvCxnSpPr/>
           <p:nvPr/>
         </p:nvCxnSpPr>
         <p:spPr>
-          <a:xfrm flipV="1">
-            <a:off x="7848600" y="4819998"/>
-            <a:ext cx="673100" cy="1225202"/>
+          <a:xfrm>
+            <a:off x="2717800" y="5080000"/>
+            <a:ext cx="1282700" cy="939800"/>
           </a:xfrm>
           <a:prstGeom prst="straightConnector1">
             <a:avLst/>
           </a:prstGeom>
-          <a:ln w="38100">
+          <a:ln w="50800">
             <a:solidFill>
               <a:srgbClr val="273272"/>
             </a:solidFill>
@@ -11388,7 +14153,7 @@
         </p:nvSpPr>
         <p:spPr>
           <a:xfrm>
-            <a:off x="8521700" y="4127500"/>
+            <a:off x="266700" y="3987800"/>
             <a:ext cx="3479800" cy="1384995"/>
           </a:xfrm>
           <a:prstGeom prst="rect">
@@ -11597,11 +14362,7 @@
           <a:p>
             <a:r>
               <a:rPr lang="en-US" dirty="0" smtClean="0"/>
-              <a:t>Memory </a:t>
-            </a:r>
-            <a:r>
-              <a:rPr lang="en-US" dirty="0" smtClean="0"/>
-              <a:t>Layout</a:t>
+              <a:t>Memory Layout</a:t>
             </a:r>
             <a:endParaRPr lang="ru-RU" dirty="0"/>
           </a:p>
@@ -11829,9 +14590,7 @@
             <a:avLst/>
           </a:prstGeom>
           <a:solidFill>
-            <a:schemeClr val="bg1">
-              <a:lumMod val="75000"/>
-            </a:schemeClr>
+            <a:srgbClr val="2F5CB5"/>
           </a:solidFill>
           <a:ln w="25400">
             <a:solidFill>
@@ -11863,14 +14622,14 @@
             <a:r>
               <a:rPr lang="en-US" sz="2800" dirty="0" smtClean="0">
                 <a:solidFill>
-                  <a:srgbClr val="273272"/>
+                  <a:schemeClr val="bg1"/>
                 </a:solidFill>
               </a:rPr>
               <a:t>Reserved</a:t>
             </a:r>
             <a:endParaRPr lang="ru-RU" sz="2800" dirty="0">
               <a:solidFill>
-                <a:srgbClr val="273272"/>
+                <a:schemeClr val="bg1"/>
               </a:solidFill>
             </a:endParaRPr>
           </a:p>
@@ -11884,7 +14643,7 @@
         </p:nvSpPr>
         <p:spPr>
           <a:xfrm>
-            <a:off x="10046527" y="1772076"/>
+            <a:off x="10046527" y="1810176"/>
             <a:ext cx="225631" cy="237506"/>
           </a:xfrm>
           <a:prstGeom prst="downArrow">
@@ -11932,7 +14691,7 @@
         </p:nvSpPr>
         <p:spPr>
           <a:xfrm>
-            <a:off x="10058401" y="2607292"/>
+            <a:off x="10058401" y="2594592"/>
             <a:ext cx="225631" cy="237506"/>
           </a:xfrm>
           <a:prstGeom prst="upArrow">
@@ -12000,23 +14759,7 @@
                   <a:srgbClr val="2E5E8E"/>
                 </a:solidFill>
               </a:rPr>
-              <a:t>PC = 0x </a:t>
-            </a:r>
-            <a:r>
-              <a:rPr lang="en-US" sz="2200" b="1" dirty="0" smtClean="0">
-                <a:solidFill>
-                  <a:srgbClr val="2E5E8E"/>
-                </a:solidFill>
-              </a:rPr>
-              <a:t>0040 </a:t>
-            </a:r>
-            <a:r>
-              <a:rPr lang="en-US" sz="2200" b="1" dirty="0" smtClean="0">
-                <a:solidFill>
-                  <a:srgbClr val="2E5E8E"/>
-                </a:solidFill>
-              </a:rPr>
-              <a:t>0000</a:t>
+              <a:t>PC = 0x 0040 0000</a:t>
             </a:r>
             <a:endParaRPr lang="ru-RU" sz="2200" b="1" dirty="0" smtClean="0">
               <a:solidFill>
@@ -12092,15 +14835,7 @@
                   <a:srgbClr val="2E5E8E"/>
                 </a:solidFill>
               </a:rPr>
-              <a:t>GP = </a:t>
-            </a:r>
-            <a:r>
-              <a:rPr lang="en-US" sz="2200" b="1" dirty="0" smtClean="0">
-                <a:solidFill>
-                  <a:srgbClr val="2E5E8E"/>
-                </a:solidFill>
-              </a:rPr>
-              <a:t>0x 1000 8000</a:t>
+              <a:t>GP = 0x 1000 8000</a:t>
             </a:r>
             <a:endParaRPr lang="ru-RU" sz="2200" b="1" dirty="0" smtClean="0">
               <a:solidFill>
@@ -12138,15 +14873,7 @@
                   <a:srgbClr val="2E5E8E"/>
                 </a:solidFill>
               </a:rPr>
-              <a:t>SP = </a:t>
-            </a:r>
-            <a:r>
-              <a:rPr lang="en-US" sz="2200" b="1" dirty="0" smtClean="0">
-                <a:solidFill>
-                  <a:srgbClr val="2E5E8E"/>
-                </a:solidFill>
-              </a:rPr>
-              <a:t>0x 7FFF EFFC</a:t>
+              <a:t>SP = 0x 7FFF EFFC</a:t>
             </a:r>
             <a:endParaRPr lang="ru-RU" sz="2200" b="1" dirty="0" smtClean="0">
               <a:solidFill>
@@ -14052,11 +16779,7 @@
           <a:p>
             <a:r>
               <a:rPr lang="en-US" dirty="0" smtClean="0"/>
-              <a:t>RISC-V </a:t>
-            </a:r>
-            <a:r>
-              <a:rPr lang="en-US" dirty="0" smtClean="0"/>
-              <a:t>Instructions</a:t>
+              <a:t>RISC-V Instructions</a:t>
             </a:r>
             <a:endParaRPr lang="ru-RU" dirty="0"/>
           </a:p>
@@ -14106,13 +16829,13 @@
         </p:nvSpPr>
         <p:spPr>
           <a:xfrm>
-            <a:off x="838199" y="1178052"/>
-            <a:ext cx="10502463" cy="5464485"/>
+            <a:off x="774699" y="1178052"/>
+            <a:ext cx="10871201" cy="5464485"/>
           </a:xfrm>
         </p:spPr>
         <p:txBody>
           <a:bodyPr>
-            <a:normAutofit/>
+            <a:normAutofit fontScale="92500" lnSpcReduction="10000"/>
           </a:bodyPr>
           <a:lstStyle/>
           <a:p>
@@ -14136,17 +16859,55 @@
             <a:pPr lvl="1"/>
             <a:r>
               <a:rPr lang="en-US" altLang="en-US" dirty="0" smtClean="0"/>
-              <a:t>Simplicity enables higher performance at lower cost</a:t>
+              <a:t>Simplicity enables higher performance at lower </a:t>
+            </a:r>
+            <a:r>
+              <a:rPr lang="en-US" altLang="en-US" dirty="0" smtClean="0"/>
+              <a:t>cost</a:t>
+            </a:r>
+            <a:endParaRPr lang="ru-RU" altLang="en-US" dirty="0" smtClean="0"/>
+          </a:p>
+          <a:p>
+            <a:pPr>
+              <a:spcBef>
+                <a:spcPts val="1200"/>
+              </a:spcBef>
+            </a:pPr>
+            <a:r>
+              <a:rPr lang="en-US" altLang="en-US" b="1" dirty="0" smtClean="0"/>
+              <a:t>Design Principle </a:t>
+            </a:r>
+            <a:r>
+              <a:rPr lang="en-US" altLang="en-US" b="1" dirty="0" smtClean="0"/>
+              <a:t>2: </a:t>
+            </a:r>
+            <a:r>
+              <a:rPr lang="en-US" altLang="en-US" dirty="0" smtClean="0"/>
+              <a:t>Make the common case fast</a:t>
+            </a:r>
+          </a:p>
+          <a:p>
+            <a:pPr lvl="1"/>
+            <a:r>
+              <a:rPr lang="en-US" altLang="en-US" dirty="0" smtClean="0"/>
+              <a:t>Most common cases affect the performance the most</a:t>
             </a:r>
             <a:endParaRPr lang="en-AU" altLang="en-US" dirty="0" smtClean="0"/>
           </a:p>
           <a:p>
             <a:pPr>
+              <a:spcBef>
+                <a:spcPts val="1200"/>
+              </a:spcBef>
               <a:defRPr/>
             </a:pPr>
             <a:r>
               <a:rPr lang="en-US" altLang="en-US" b="1" dirty="0" smtClean="0"/>
-              <a:t>Design Principle 2: </a:t>
+              <a:t>Design Principle </a:t>
+            </a:r>
+            <a:r>
+              <a:rPr lang="en-US" altLang="en-US" b="1" dirty="0" smtClean="0"/>
+              <a:t>3: </a:t>
             </a:r>
             <a:r>
               <a:rPr lang="en-US" altLang="en-US" dirty="0" smtClean="0"/>
@@ -14163,9 +16924,18 @@
             </a:r>
           </a:p>
           <a:p>
+            <a:pPr>
+              <a:spcBef>
+                <a:spcPts val="1200"/>
+              </a:spcBef>
+            </a:pPr>
             <a:r>
               <a:rPr lang="en-US" altLang="en-US" b="1" dirty="0" smtClean="0"/>
-              <a:t>Design Principle 3: </a:t>
+              <a:t>Design Principle </a:t>
+            </a:r>
+            <a:r>
+              <a:rPr lang="en-US" altLang="en-US" b="1" dirty="0" smtClean="0"/>
+              <a:t>4: </a:t>
             </a:r>
             <a:r>
               <a:rPr lang="en-US" altLang="en-US" dirty="0" smtClean="0"/>
@@ -14239,11 +17009,7 @@
           <a:p>
             <a:r>
               <a:rPr lang="en-US" dirty="0" smtClean="0"/>
-              <a:t>Design </a:t>
-            </a:r>
-            <a:r>
-              <a:rPr lang="en-US" dirty="0" smtClean="0"/>
-              <a:t>Principles</a:t>
+              <a:t>Design Principles</a:t>
             </a:r>
             <a:endParaRPr lang="ru-RU" dirty="0"/>
           </a:p>
@@ -14293,7 +17059,7 @@
         </p:nvSpPr>
         <p:spPr>
           <a:xfrm>
-            <a:off x="838200" y="1040524"/>
+            <a:off x="838200" y="1002424"/>
             <a:ext cx="10515600" cy="5770176"/>
           </a:xfrm>
         </p:spPr>

--- a/docs/part1ca/04_Instructions/CA_Lecture_04.pptx
+++ b/docs/part1ca/04_Instructions/CA_Lecture_04.pptx
@@ -128,7 +128,7 @@
   </p:defaultTextStyle>
   <p:extLst>
     <p:ext uri="{EFAFB233-063F-42B5-8137-9DF3F51BA10A}">
-      <p15:sldGuideLst xmlns:p15="http://schemas.microsoft.com/office/powerpoint/2012/main" xmlns="">
+      <p15:sldGuideLst xmlns="" xmlns:p15="http://schemas.microsoft.com/office/powerpoint/2012/main">
         <p15:guide id="1" orient="horz" pos="2160">
           <p15:clr>
             <a:srgbClr val="A4A3A4"/>
@@ -142,7 +142,7 @@
       </p15:sldGuideLst>
     </p:ext>
     <p:ext uri="{2D200454-40CA-4A62-9FC3-DE9A4176ACB9}">
-      <p15:notesGuideLst xmlns:p15="http://schemas.microsoft.com/office/powerpoint/2012/main" xmlns="">
+      <p15:notesGuideLst xmlns="" xmlns:p15="http://schemas.microsoft.com/office/powerpoint/2012/main">
         <p15:guide id="1" orient="horz" pos="2880">
           <p15:clr>
             <a:srgbClr val="A4A3A4"/>
@@ -326,7 +326,7 @@
     </p:spTree>
     <p:extLst>
       <p:ext uri="{BB962C8B-B14F-4D97-AF65-F5344CB8AC3E}">
-        <p14:creationId xmlns:p14="http://schemas.microsoft.com/office/powerpoint/2010/main" xmlns="" val="827279973"/>
+        <p14:creationId xmlns="" xmlns:p14="http://schemas.microsoft.com/office/powerpoint/2010/main" val="827279973"/>
       </p:ext>
     </p:extLst>
   </p:cSld>
@@ -587,7 +587,7 @@
     </p:spTree>
     <p:extLst>
       <p:ext uri="{BB962C8B-B14F-4D97-AF65-F5344CB8AC3E}">
-        <p14:creationId xmlns:p14="http://schemas.microsoft.com/office/powerpoint/2010/main" xmlns="" val="3865021395"/>
+        <p14:creationId xmlns="" xmlns:p14="http://schemas.microsoft.com/office/powerpoint/2010/main" val="3865021395"/>
       </p:ext>
     </p:extLst>
   </p:cSld>
@@ -801,7 +801,7 @@
     </p:spTree>
     <p:extLst>
       <p:ext uri="{BB962C8B-B14F-4D97-AF65-F5344CB8AC3E}">
-        <p14:creationId xmlns:p14="http://schemas.microsoft.com/office/powerpoint/2010/main" xmlns="" val="2381791527"/>
+        <p14:creationId xmlns="" xmlns:p14="http://schemas.microsoft.com/office/powerpoint/2010/main" val="2381791527"/>
       </p:ext>
     </p:extLst>
   </p:cSld>
@@ -924,7 +924,7 @@
     </p:spTree>
     <p:extLst>
       <p:ext uri="{BB962C8B-B14F-4D97-AF65-F5344CB8AC3E}">
-        <p14:creationId xmlns:p14="http://schemas.microsoft.com/office/powerpoint/2010/main" xmlns="" val="1915950851"/>
+        <p14:creationId xmlns="" xmlns:p14="http://schemas.microsoft.com/office/powerpoint/2010/main" val="1915950851"/>
       </p:ext>
     </p:extLst>
   </p:cSld>
@@ -1184,7 +1184,7 @@
     </p:spTree>
     <p:extLst>
       <p:ext uri="{BB962C8B-B14F-4D97-AF65-F5344CB8AC3E}">
-        <p14:creationId xmlns:p14="http://schemas.microsoft.com/office/powerpoint/2010/main" xmlns="" val="322455162"/>
+        <p14:creationId xmlns="" xmlns:p14="http://schemas.microsoft.com/office/powerpoint/2010/main" val="322455162"/>
       </p:ext>
     </p:extLst>
   </p:cSld>
@@ -1358,7 +1358,7 @@
     </p:spTree>
     <p:extLst>
       <p:ext uri="{BB962C8B-B14F-4D97-AF65-F5344CB8AC3E}">
-        <p14:creationId xmlns:p14="http://schemas.microsoft.com/office/powerpoint/2010/main" xmlns="" val="971117636"/>
+        <p14:creationId xmlns="" xmlns:p14="http://schemas.microsoft.com/office/powerpoint/2010/main" val="971117636"/>
       </p:ext>
     </p:extLst>
   </p:cSld>
@@ -1535,7 +1535,7 @@
     </p:spTree>
     <p:extLst>
       <p:ext uri="{BB962C8B-B14F-4D97-AF65-F5344CB8AC3E}">
-        <p14:creationId xmlns:p14="http://schemas.microsoft.com/office/powerpoint/2010/main" xmlns="" val="3348877825"/>
+        <p14:creationId xmlns="" xmlns:p14="http://schemas.microsoft.com/office/powerpoint/2010/main" val="3348877825"/>
       </p:ext>
     </p:extLst>
   </p:cSld>
@@ -1860,7 +1860,7 @@
     </p:spTree>
     <p:extLst>
       <p:ext uri="{BB962C8B-B14F-4D97-AF65-F5344CB8AC3E}">
-        <p14:creationId xmlns:p14="http://schemas.microsoft.com/office/powerpoint/2010/main" xmlns="" val="3256953994"/>
+        <p14:creationId xmlns="" xmlns:p14="http://schemas.microsoft.com/office/powerpoint/2010/main" val="3256953994"/>
       </p:ext>
     </p:extLst>
   </p:cSld>
@@ -2110,7 +2110,7 @@
     </p:spTree>
     <p:extLst>
       <p:ext uri="{BB962C8B-B14F-4D97-AF65-F5344CB8AC3E}">
-        <p14:creationId xmlns:p14="http://schemas.microsoft.com/office/powerpoint/2010/main" xmlns="" val="3067076846"/>
+        <p14:creationId xmlns="" xmlns:p14="http://schemas.microsoft.com/office/powerpoint/2010/main" val="3067076846"/>
       </p:ext>
     </p:extLst>
   </p:cSld>
@@ -2346,7 +2346,7 @@
     </p:spTree>
     <p:extLst>
       <p:ext uri="{BB962C8B-B14F-4D97-AF65-F5344CB8AC3E}">
-        <p14:creationId xmlns:p14="http://schemas.microsoft.com/office/powerpoint/2010/main" xmlns="" val="3710015975"/>
+        <p14:creationId xmlns="" xmlns:p14="http://schemas.microsoft.com/office/powerpoint/2010/main" val="3710015975"/>
       </p:ext>
     </p:extLst>
   </p:cSld>
@@ -2717,7 +2717,7 @@
     </p:spTree>
     <p:extLst>
       <p:ext uri="{BB962C8B-B14F-4D97-AF65-F5344CB8AC3E}">
-        <p14:creationId xmlns:p14="http://schemas.microsoft.com/office/powerpoint/2010/main" xmlns="" val="4075590966"/>
+        <p14:creationId xmlns="" xmlns:p14="http://schemas.microsoft.com/office/powerpoint/2010/main" val="4075590966"/>
       </p:ext>
     </p:extLst>
   </p:cSld>
@@ -2839,7 +2839,7 @@
     </p:spTree>
     <p:extLst>
       <p:ext uri="{BB962C8B-B14F-4D97-AF65-F5344CB8AC3E}">
-        <p14:creationId xmlns:p14="http://schemas.microsoft.com/office/powerpoint/2010/main" xmlns="" val="2889604898"/>
+        <p14:creationId xmlns="" xmlns:p14="http://schemas.microsoft.com/office/powerpoint/2010/main" val="2889604898"/>
       </p:ext>
     </p:extLst>
   </p:cSld>
@@ -2938,7 +2938,7 @@
     </p:spTree>
     <p:extLst>
       <p:ext uri="{BB962C8B-B14F-4D97-AF65-F5344CB8AC3E}">
-        <p14:creationId xmlns:p14="http://schemas.microsoft.com/office/powerpoint/2010/main" xmlns="" val="152384765"/>
+        <p14:creationId xmlns="" xmlns:p14="http://schemas.microsoft.com/office/powerpoint/2010/main" val="152384765"/>
       </p:ext>
     </p:extLst>
   </p:cSld>
@@ -3219,7 +3219,7 @@
     </p:spTree>
     <p:extLst>
       <p:ext uri="{BB962C8B-B14F-4D97-AF65-F5344CB8AC3E}">
-        <p14:creationId xmlns:p14="http://schemas.microsoft.com/office/powerpoint/2010/main" xmlns="" val="2127791886"/>
+        <p14:creationId xmlns="" xmlns:p14="http://schemas.microsoft.com/office/powerpoint/2010/main" val="2127791886"/>
       </p:ext>
     </p:extLst>
   </p:cSld>
@@ -3476,7 +3476,7 @@
     </p:spTree>
     <p:extLst>
       <p:ext uri="{BB962C8B-B14F-4D97-AF65-F5344CB8AC3E}">
-        <p14:creationId xmlns:p14="http://schemas.microsoft.com/office/powerpoint/2010/main" xmlns="" val="1752705130"/>
+        <p14:creationId xmlns="" xmlns:p14="http://schemas.microsoft.com/office/powerpoint/2010/main" val="1752705130"/>
       </p:ext>
     </p:extLst>
   </p:cSld>
@@ -3729,7 +3729,7 @@
     </p:spTree>
     <p:extLst>
       <p:ext uri="{BB962C8B-B14F-4D97-AF65-F5344CB8AC3E}">
-        <p14:creationId xmlns:p14="http://schemas.microsoft.com/office/powerpoint/2010/main" xmlns="" val="968833914"/>
+        <p14:creationId xmlns="" xmlns:p14="http://schemas.microsoft.com/office/powerpoint/2010/main" val="968833914"/>
       </p:ext>
     </p:extLst>
   </p:cSld>
@@ -4206,7 +4206,7 @@
     </p:spTree>
     <p:extLst>
       <p:ext uri="{BB962C8B-B14F-4D97-AF65-F5344CB8AC3E}">
-        <p14:creationId xmlns:p14="http://schemas.microsoft.com/office/powerpoint/2010/main" xmlns="" val="2492894732"/>
+        <p14:creationId xmlns="" xmlns:p14="http://schemas.microsoft.com/office/powerpoint/2010/main" val="2492894732"/>
       </p:ext>
     </p:extLst>
   </p:cSld>
@@ -6918,9 +6918,10 @@
               </a:spcBef>
             </a:pPr>
             <a:r>
-              <a:rPr lang="en-US" altLang="en-US" dirty="0" smtClean="0"/>
-              <a:t>Forward or backward</a:t>
-            </a:r>
+              <a:rPr lang="en-US" altLang="en-US" smtClean="0"/>
+              <a:t>Branch range is +/- 4KB</a:t>
+            </a:r>
+            <a:endParaRPr lang="en-US" altLang="en-US" dirty="0" smtClean="0"/>
           </a:p>
           <a:p>
             <a:pPr>
@@ -8453,7 +8454,15 @@
                   <a:schemeClr val="accent6"/>
                 </a:solidFill>
               </a:rPr>
-              <a:t>0000 </a:t>
+              <a:t>0000 0000 0001 0000 0000 0010 0110 0011 </a:t>
+            </a:r>
+            <a:r>
+              <a:rPr lang="en-US" altLang="en-US" sz="3200" b="1" baseline="-25000" dirty="0" smtClean="0">
+                <a:solidFill>
+                  <a:schemeClr val="accent6"/>
+                </a:solidFill>
+              </a:rPr>
+              <a:t>two</a:t>
             </a:r>
             <a:r>
               <a:rPr lang="en-US" altLang="en-US" sz="3200" b="1" dirty="0" smtClean="0">
@@ -8461,39 +8470,7 @@
                   <a:schemeClr val="accent6"/>
                 </a:solidFill>
               </a:rPr>
-              <a:t>0000 0001 0000 0000 0010 0110 0011 </a:t>
-            </a:r>
-            <a:r>
-              <a:rPr lang="en-US" altLang="en-US" sz="3200" b="1" baseline="-25000" dirty="0" smtClean="0">
-                <a:solidFill>
-                  <a:schemeClr val="accent6"/>
-                </a:solidFill>
-              </a:rPr>
-              <a:t>two</a:t>
-            </a:r>
-            <a:r>
-              <a:rPr lang="en-US" altLang="en-US" sz="3200" b="1" dirty="0" smtClean="0">
-                <a:solidFill>
-                  <a:schemeClr val="accent6"/>
-                </a:solidFill>
-              </a:rPr>
-              <a:t> </a:t>
-            </a:r>
-            <a:r>
-              <a:rPr lang="en-US" altLang="en-US" sz="3200" b="1" dirty="0" smtClean="0">
-                <a:solidFill>
-                  <a:schemeClr val="accent6"/>
-                </a:solidFill>
-              </a:rPr>
-              <a:t>= </a:t>
-            </a:r>
-            <a:r>
-              <a:rPr lang="en-US" altLang="en-US" sz="3200" b="1" dirty="0" smtClean="0">
-                <a:solidFill>
-                  <a:schemeClr val="accent6"/>
-                </a:solidFill>
-              </a:rPr>
-              <a:t>00100263 </a:t>
+              <a:t> = 00100263 </a:t>
             </a:r>
             <a:r>
               <a:rPr lang="en-US" altLang="en-US" sz="3200" b="1" baseline="-25000" dirty="0" smtClean="0">
@@ -8870,15 +8847,7 @@
                   <a:srgbClr val="1E3272"/>
                 </a:solidFill>
               </a:rPr>
-              <a:t>1</a:t>
-            </a:r>
-            <a:r>
-              <a:rPr lang="en-US" altLang="en-US" sz="2000" b="1" dirty="0" smtClean="0">
-                <a:solidFill>
-                  <a:srgbClr val="1E3272"/>
-                </a:solidFill>
-              </a:rPr>
-              <a:t> bit</a:t>
+              <a:t>1 bit</a:t>
             </a:r>
             <a:endParaRPr lang="en-AU" altLang="en-US" sz="2000" b="1" dirty="0">
               <a:solidFill>
@@ -8925,15 +8894,7 @@
                   <a:srgbClr val="1E3272"/>
                 </a:solidFill>
               </a:rPr>
-              <a:t>1</a:t>
-            </a:r>
-            <a:r>
-              <a:rPr lang="en-US" altLang="en-US" sz="2000" b="1" dirty="0" smtClean="0">
-                <a:solidFill>
-                  <a:srgbClr val="1E3272"/>
-                </a:solidFill>
-              </a:rPr>
-              <a:t> bit</a:t>
+              <a:t>1 bit</a:t>
             </a:r>
             <a:endParaRPr lang="en-AU" altLang="en-US" sz="2000" b="1" dirty="0">
               <a:solidFill>
@@ -9009,7 +8970,6 @@
               <a:rPr lang="en-US" altLang="en-US" dirty="0" smtClean="0"/>
               <a:t>Upper-immediate values: 20-bit values shifted left by 12 bits</a:t>
             </a:r>
-            <a:endParaRPr lang="en-US" altLang="en-US" dirty="0" smtClean="0"/>
           </a:p>
           <a:p>
             <a:pPr lvl="1">
@@ -9089,11 +9049,7 @@
           <a:p>
             <a:r>
               <a:rPr lang="en-US" altLang="en-US" dirty="0" smtClean="0"/>
-              <a:t>U-format </a:t>
-            </a:r>
-            <a:r>
-              <a:rPr lang="en-US" altLang="en-US" dirty="0" smtClean="0"/>
-              <a:t>Instructions</a:t>
+              <a:t>U-format Instructions</a:t>
             </a:r>
             <a:endParaRPr lang="ru-RU" dirty="0"/>
           </a:p>
@@ -9310,15 +9266,7 @@
                     <a:srgbClr val="1E3272"/>
                   </a:solidFill>
                 </a:rPr>
-                <a:t>20</a:t>
-              </a:r>
-              <a:r>
-                <a:rPr lang="en-US" altLang="en-US" sz="2000" b="1" dirty="0" smtClean="0">
-                  <a:solidFill>
-                    <a:srgbClr val="1E3272"/>
-                  </a:solidFill>
-                </a:rPr>
-                <a:t> </a:t>
+                <a:t>20 </a:t>
               </a:r>
               <a:r>
                 <a:rPr lang="en-US" altLang="en-US" sz="2000" b="1" dirty="0">
@@ -9472,19 +9420,6 @@
               </a:rPr>
               <a:t> x5, 0x12345</a:t>
             </a:r>
-            <a:endParaRPr kumimoji="0" lang="en-US" altLang="en-US" sz="3600" b="1" i="0" u="none" strike="noStrike" kern="1200" cap="none" spc="0" normalizeH="0" baseline="0" noProof="0" dirty="0" smtClean="0">
-              <a:ln>
-                <a:noFill/>
-              </a:ln>
-              <a:solidFill>
-                <a:schemeClr val="accent6"/>
-              </a:solidFill>
-              <a:effectLst/>
-              <a:uLnTx/>
-              <a:uFillTx/>
-              <a:ea typeface="+mn-ea"/>
-              <a:cs typeface="+mn-cs"/>
-            </a:endParaRPr>
           </a:p>
         </p:txBody>
       </p:sp>
@@ -9547,23 +9482,7 @@
                   <a:schemeClr val="accent6"/>
                 </a:solidFill>
               </a:rPr>
-              <a:t> </a:t>
-            </a:r>
-            <a:r>
-              <a:rPr lang="en-US" altLang="en-US" sz="3200" b="1" dirty="0" smtClean="0">
-                <a:solidFill>
-                  <a:schemeClr val="accent6"/>
-                </a:solidFill>
-              </a:rPr>
-              <a:t>= </a:t>
-            </a:r>
-            <a:r>
-              <a:rPr lang="en-US" altLang="en-US" sz="3200" b="1" dirty="0" smtClean="0">
-                <a:solidFill>
-                  <a:schemeClr val="accent6"/>
-                </a:solidFill>
-              </a:rPr>
-              <a:t>123452b7</a:t>
+              <a:t> = 123452b7</a:t>
             </a:r>
             <a:r>
               <a:rPr lang="en-US" altLang="en-US" sz="3200" b="1" baseline="-25000" dirty="0" smtClean="0">
@@ -10358,15 +10277,7 @@
                   <a:srgbClr val="1E3272"/>
                 </a:solidFill>
               </a:rPr>
-              <a:t>imm[19:12</a:t>
-            </a:r>
-            <a:r>
-              <a:rPr lang="en-US" altLang="en-US" sz="2000" b="1" dirty="0" smtClean="0">
-                <a:solidFill>
-                  <a:srgbClr val="1E3272"/>
-                </a:solidFill>
-              </a:rPr>
-              <a:t>]</a:t>
+              <a:t>imm[19:12]</a:t>
             </a:r>
             <a:endParaRPr lang="en-AU" altLang="en-US" sz="2000" b="1" dirty="0">
               <a:solidFill>
@@ -10578,7 +10489,23 @@
                   <a:srgbClr val="1E3272"/>
                 </a:solidFill>
               </a:rPr>
-              <a:t>11 </a:t>
+              <a:t>1</a:t>
+            </a:r>
+            <a:r>
+              <a:rPr lang="ru-RU" altLang="en-US" sz="2000" b="1" dirty="0" smtClean="0">
+                <a:solidFill>
+                  <a:srgbClr val="1E3272"/>
+                </a:solidFill>
+              </a:rPr>
+              <a:t>0</a:t>
+            </a:r>
+            <a:r>
+              <a:rPr lang="en-US" altLang="en-US" sz="2000" b="1" dirty="0" smtClean="0">
+                <a:solidFill>
+                  <a:srgbClr val="1E3272"/>
+                </a:solidFill>
+              </a:rPr>
+              <a:t> </a:t>
             </a:r>
             <a:r>
               <a:rPr lang="en-US" altLang="en-US" sz="2000" b="1" dirty="0">
@@ -10628,12 +10555,20 @@
           <a:p>
             <a:pPr algn="ctr"/>
             <a:r>
+              <a:rPr lang="ru-RU" altLang="en-US" sz="2000" b="1" dirty="0" smtClean="0">
+                <a:solidFill>
+                  <a:srgbClr val="1E3272"/>
+                </a:solidFill>
+              </a:rPr>
+              <a:t>8</a:t>
+            </a:r>
+            <a:r>
               <a:rPr lang="en-US" altLang="en-US" sz="2000" b="1" dirty="0" smtClean="0">
                 <a:solidFill>
                   <a:srgbClr val="1E3272"/>
                 </a:solidFill>
               </a:rPr>
-              <a:t>7 </a:t>
+              <a:t> </a:t>
             </a:r>
             <a:r>
               <a:rPr lang="en-US" altLang="en-US" sz="2000" b="1" dirty="0">
@@ -10755,7 +10690,7 @@
         </p:nvSpPr>
         <p:spPr bwMode="auto">
           <a:xfrm>
-            <a:off x="7302472" y="2802174"/>
+            <a:off x="7302472" y="2649774"/>
             <a:ext cx="1079500" cy="415925"/>
           </a:xfrm>
           <a:prstGeom prst="rect">
@@ -10806,7 +10741,7 @@
         </p:nvSpPr>
         <p:spPr bwMode="auto">
           <a:xfrm>
-            <a:off x="8381972" y="2802174"/>
+            <a:off x="8381972" y="2649774"/>
             <a:ext cx="1296988" cy="415925"/>
           </a:xfrm>
           <a:prstGeom prst="rect">
@@ -10857,7 +10792,7 @@
         </p:nvSpPr>
         <p:spPr bwMode="auto">
           <a:xfrm>
-            <a:off x="5519710" y="2802174"/>
+            <a:off x="5519710" y="2649774"/>
             <a:ext cx="290512" cy="400110"/>
           </a:xfrm>
           <a:prstGeom prst="rect">
@@ -10908,7 +10843,7 @@
         </p:nvSpPr>
         <p:spPr bwMode="auto">
           <a:xfrm>
-            <a:off x="2682847" y="2802174"/>
+            <a:off x="2682847" y="2649774"/>
             <a:ext cx="290513" cy="400110"/>
           </a:xfrm>
           <a:prstGeom prst="rect">
@@ -10959,7 +10894,7 @@
         </p:nvSpPr>
         <p:spPr bwMode="auto">
           <a:xfrm>
-            <a:off x="5810222" y="2803956"/>
+            <a:off x="5810222" y="2651556"/>
             <a:ext cx="1492250" cy="409574"/>
           </a:xfrm>
           <a:prstGeom prst="rect">
@@ -11010,7 +10945,7 @@
         </p:nvSpPr>
         <p:spPr bwMode="auto">
           <a:xfrm>
-            <a:off x="2973360" y="2802174"/>
+            <a:off x="2973360" y="2649774"/>
             <a:ext cx="2543175" cy="409450"/>
           </a:xfrm>
           <a:prstGeom prst="rect">
@@ -11040,12 +10975,12 @@
               </a:lnSpc>
             </a:pPr>
             <a:r>
-              <a:rPr lang="en-US" altLang="en-US" sz="2000" dirty="0" smtClean="0">
+              <a:rPr lang="ru-RU" altLang="en-US" sz="2000" dirty="0" smtClean="0">
                 <a:solidFill>
                   <a:srgbClr val="1E3272"/>
                 </a:solidFill>
               </a:rPr>
-              <a:t>4</a:t>
+              <a:t>2</a:t>
             </a:r>
             <a:endParaRPr lang="en-AU" altLang="en-US" sz="2000" dirty="0">
               <a:solidFill>
@@ -11065,7 +11000,7 @@
         </p:nvSpPr>
         <p:spPr bwMode="auto">
           <a:xfrm>
-            <a:off x="7302472" y="3206034"/>
+            <a:off x="7302472" y="3053634"/>
             <a:ext cx="1079500" cy="415925"/>
           </a:xfrm>
           <a:prstGeom prst="rect">
@@ -11116,7 +11051,7 @@
         </p:nvSpPr>
         <p:spPr bwMode="auto">
           <a:xfrm>
-            <a:off x="8381972" y="3206034"/>
+            <a:off x="8381972" y="3053634"/>
             <a:ext cx="1296988" cy="415925"/>
           </a:xfrm>
           <a:prstGeom prst="rect">
@@ -11167,7 +11102,7 @@
         </p:nvSpPr>
         <p:spPr bwMode="auto">
           <a:xfrm>
-            <a:off x="5519710" y="3206034"/>
+            <a:off x="5519710" y="3053634"/>
             <a:ext cx="290512" cy="400110"/>
           </a:xfrm>
           <a:prstGeom prst="rect">
@@ -11218,7 +11153,7 @@
         </p:nvSpPr>
         <p:spPr bwMode="auto">
           <a:xfrm>
-            <a:off x="2682847" y="3206034"/>
+            <a:off x="2682847" y="3053634"/>
             <a:ext cx="290513" cy="400110"/>
           </a:xfrm>
           <a:prstGeom prst="rect">
@@ -11269,7 +11204,7 @@
         </p:nvSpPr>
         <p:spPr bwMode="auto">
           <a:xfrm>
-            <a:off x="5810222" y="3207816"/>
+            <a:off x="5810222" y="3055416"/>
             <a:ext cx="1492250" cy="409574"/>
           </a:xfrm>
           <a:prstGeom prst="rect">
@@ -11295,6 +11230,14 @@
           <a:p>
             <a:pPr algn="ctr"/>
             <a:r>
+              <a:rPr lang="ru-RU" altLang="en-US" sz="2000" dirty="0" smtClean="0">
+                <a:solidFill>
+                  <a:srgbClr val="1E3272"/>
+                </a:solidFill>
+              </a:rPr>
+              <a:t>0000000</a:t>
+            </a:r>
+            <a:r>
               <a:rPr lang="en-US" altLang="en-US" sz="2000" dirty="0" smtClean="0">
                 <a:solidFill>
                   <a:srgbClr val="1E3272"/>
@@ -11320,7 +11263,7 @@
         </p:nvSpPr>
         <p:spPr bwMode="auto">
           <a:xfrm>
-            <a:off x="2973360" y="3206034"/>
+            <a:off x="2973360" y="3053634"/>
             <a:ext cx="2543175" cy="409450"/>
           </a:xfrm>
           <a:prstGeom prst="rect">
@@ -11355,7 +11298,7 @@
                   <a:srgbClr val="1E3272"/>
                 </a:solidFill>
               </a:rPr>
-              <a:t>00000000100</a:t>
+              <a:t>0000000010</a:t>
             </a:r>
             <a:endParaRPr lang="en-AU" altLang="en-US" sz="2000" dirty="0">
               <a:solidFill>
@@ -11377,8 +11320,8 @@
         </p:nvSpPr>
         <p:spPr>
           <a:xfrm>
-            <a:off x="838199" y="4166473"/>
-            <a:ext cx="10866121" cy="2412127"/>
+            <a:off x="838199" y="3911600"/>
+            <a:ext cx="10866121" cy="2895600"/>
           </a:xfrm>
         </p:spPr>
         <p:txBody>
@@ -11399,7 +11342,6 @@
               <a:rPr lang="en-US" altLang="en-US" dirty="0" smtClean="0"/>
               <a:t>Jump instructions</a:t>
             </a:r>
-            <a:endParaRPr lang="en-US" altLang="en-US" dirty="0" smtClean="0"/>
           </a:p>
           <a:p>
             <a:pPr lvl="1">
@@ -11420,13 +11362,8 @@
             </a:pPr>
             <a:r>
               <a:rPr lang="en-US" altLang="en-US" dirty="0" smtClean="0"/>
-              <a:t>rd: destination </a:t>
-            </a:r>
-            <a:r>
-              <a:rPr lang="en-US" altLang="en-US" dirty="0" smtClean="0"/>
-              <a:t>link register</a:t>
-            </a:r>
-            <a:endParaRPr lang="en-US" altLang="en-US" dirty="0" smtClean="0"/>
+              <a:t>rd: destination link register</a:t>
+            </a:r>
           </a:p>
           <a:p>
             <a:pPr lvl="1">
@@ -11436,9 +11373,51 @@
             </a:pPr>
             <a:r>
               <a:rPr lang="en-US" altLang="en-US" dirty="0" smtClean="0"/>
-              <a:t>imm: signed offset in multiples of 2 bytes added to PC</a:t>
-            </a:r>
-            <a:endParaRPr lang="ru-RU" dirty="0"/>
+              <a:t>imm: signed offset in multiples of 2 bytes added to </a:t>
+            </a:r>
+            <a:r>
+              <a:rPr lang="en-US" altLang="en-US" dirty="0" smtClean="0"/>
+              <a:t>PC</a:t>
+            </a:r>
+            <a:endParaRPr lang="ru-RU" altLang="en-US" dirty="0" smtClean="0"/>
+          </a:p>
+          <a:p>
+            <a:pPr lvl="1">
+              <a:spcBef>
+                <a:spcPts val="0"/>
+              </a:spcBef>
+            </a:pPr>
+            <a:r>
+              <a:rPr lang="en-US" altLang="en-US" dirty="0" smtClean="0"/>
+              <a:t>Target </a:t>
+            </a:r>
+            <a:r>
+              <a:rPr lang="en-US" altLang="en-US" dirty="0" smtClean="0"/>
+              <a:t>address = PC + immediate × </a:t>
+            </a:r>
+            <a:r>
+              <a:rPr lang="en-US" altLang="en-US" dirty="0" smtClean="0"/>
+              <a:t>2</a:t>
+            </a:r>
+          </a:p>
+          <a:p>
+            <a:pPr lvl="1">
+              <a:spcBef>
+                <a:spcPts val="0"/>
+              </a:spcBef>
+            </a:pPr>
+            <a:r>
+              <a:rPr lang="en-US" dirty="0" smtClean="0"/>
+              <a:t>Jump range is +/- 1MB</a:t>
+            </a:r>
+          </a:p>
+          <a:p>
+            <a:pPr lvl="1">
+              <a:spcBef>
+                <a:spcPts val="0"/>
+              </a:spcBef>
+            </a:pPr>
+            <a:endParaRPr lang="en-US" altLang="en-US" dirty="0" smtClean="0"/>
           </a:p>
         </p:txBody>
       </p:sp>
@@ -11452,7 +11431,7 @@
         </p:nvSpPr>
         <p:spPr bwMode="auto">
           <a:xfrm>
-            <a:off x="886099" y="3675684"/>
+            <a:off x="886099" y="3472484"/>
             <a:ext cx="10486094" cy="577474"/>
           </a:xfrm>
           <a:prstGeom prst="rect">
@@ -11485,7 +11464,15 @@
                   <a:schemeClr val="accent6"/>
                 </a:solidFill>
               </a:rPr>
-              <a:t>0000 0000 0100 0000 0000 0010 1110 </a:t>
+              <a:t>0000 0000 0100 0000 0000 0010 1110 1111</a:t>
+            </a:r>
+            <a:r>
+              <a:rPr lang="en-US" altLang="en-US" sz="3200" b="1" baseline="-25000" dirty="0" smtClean="0">
+                <a:solidFill>
+                  <a:schemeClr val="accent6"/>
+                </a:solidFill>
+              </a:rPr>
+              <a:t>two</a:t>
             </a:r>
             <a:r>
               <a:rPr lang="en-US" altLang="en-US" sz="3200" b="1" dirty="0" smtClean="0">
@@ -11493,39 +11480,7 @@
                   <a:schemeClr val="accent6"/>
                 </a:solidFill>
               </a:rPr>
-              <a:t>1111</a:t>
-            </a:r>
-            <a:r>
-              <a:rPr lang="en-US" altLang="en-US" sz="3200" b="1" baseline="-25000" dirty="0" smtClean="0">
-                <a:solidFill>
-                  <a:schemeClr val="accent6"/>
-                </a:solidFill>
-              </a:rPr>
-              <a:t>two</a:t>
-            </a:r>
-            <a:r>
-              <a:rPr lang="en-US" altLang="en-US" sz="3200" b="1" dirty="0" smtClean="0">
-                <a:solidFill>
-                  <a:schemeClr val="accent6"/>
-                </a:solidFill>
-              </a:rPr>
-              <a:t> </a:t>
-            </a:r>
-            <a:r>
-              <a:rPr lang="en-US" altLang="en-US" sz="3200" b="1" dirty="0" smtClean="0">
-                <a:solidFill>
-                  <a:schemeClr val="accent6"/>
-                </a:solidFill>
-              </a:rPr>
-              <a:t>= </a:t>
-            </a:r>
-            <a:r>
-              <a:rPr lang="en-US" altLang="en-US" sz="3200" b="1" dirty="0" smtClean="0">
-                <a:solidFill>
-                  <a:schemeClr val="accent6"/>
-                </a:solidFill>
-              </a:rPr>
-              <a:t>004002ef</a:t>
+              <a:t> = 004002ef</a:t>
             </a:r>
             <a:r>
               <a:rPr lang="en-US" altLang="en-US" sz="3200" b="1" baseline="-25000" dirty="0" smtClean="0">
@@ -11551,7 +11506,7 @@
         </p:nvSpPr>
         <p:spPr>
           <a:xfrm>
-            <a:off x="4945026" y="2101334"/>
+            <a:off x="5148226" y="2037834"/>
             <a:ext cx="2097049" cy="646331"/>
           </a:xfrm>
           <a:prstGeom prst="rect">
@@ -12333,7 +12288,7 @@
     </p:spTree>
     <p:extLst>
       <p:ext uri="{BB962C8B-B14F-4D97-AF65-F5344CB8AC3E}">
-        <p14:creationId xmlns:p14="http://schemas.microsoft.com/office/powerpoint/2010/main" xmlns="" val="4217875043"/>
+        <p14:creationId xmlns="" xmlns:p14="http://schemas.microsoft.com/office/powerpoint/2010/main" val="4217875043"/>
       </p:ext>
     </p:extLst>
   </p:cSld>
@@ -16859,11 +16814,7 @@
             <a:pPr lvl="1"/>
             <a:r>
               <a:rPr lang="en-US" altLang="en-US" dirty="0" smtClean="0"/>
-              <a:t>Simplicity enables higher performance at lower </a:t>
-            </a:r>
-            <a:r>
-              <a:rPr lang="en-US" altLang="en-US" dirty="0" smtClean="0"/>
-              <a:t>cost</a:t>
+              <a:t>Simplicity enables higher performance at lower cost</a:t>
             </a:r>
             <a:endParaRPr lang="ru-RU" altLang="en-US" dirty="0" smtClean="0"/>
           </a:p>
@@ -16875,11 +16826,7 @@
             </a:pPr>
             <a:r>
               <a:rPr lang="en-US" altLang="en-US" b="1" dirty="0" smtClean="0"/>
-              <a:t>Design Principle </a:t>
-            </a:r>
-            <a:r>
-              <a:rPr lang="en-US" altLang="en-US" b="1" dirty="0" smtClean="0"/>
-              <a:t>2: </a:t>
+              <a:t>Design Principle 2: </a:t>
             </a:r>
             <a:r>
               <a:rPr lang="en-US" altLang="en-US" dirty="0" smtClean="0"/>
@@ -16903,11 +16850,7 @@
             </a:pPr>
             <a:r>
               <a:rPr lang="en-US" altLang="en-US" b="1" dirty="0" smtClean="0"/>
-              <a:t>Design Principle </a:t>
-            </a:r>
-            <a:r>
-              <a:rPr lang="en-US" altLang="en-US" b="1" dirty="0" smtClean="0"/>
-              <a:t>3: </a:t>
+              <a:t>Design Principle 3: </a:t>
             </a:r>
             <a:r>
               <a:rPr lang="en-US" altLang="en-US" dirty="0" smtClean="0"/>
@@ -16931,11 +16874,7 @@
             </a:pPr>
             <a:r>
               <a:rPr lang="en-US" altLang="en-US" b="1" dirty="0" smtClean="0"/>
-              <a:t>Design Principle </a:t>
-            </a:r>
-            <a:r>
-              <a:rPr lang="en-US" altLang="en-US" b="1" dirty="0" smtClean="0"/>
-              <a:t>4: </a:t>
+              <a:t>Design Principle 4: </a:t>
             </a:r>
             <a:r>
               <a:rPr lang="en-US" altLang="en-US" dirty="0" smtClean="0"/>
@@ -19354,7 +19293,7 @@
   <a:extraClrSchemeLst/>
   <a:extLst>
     <a:ext uri="{05A4C25C-085E-4340-85A3-A5531E510DB2}">
-      <thm15:themeFamily xmlns:thm15="http://schemas.microsoft.com/office/thememl/2012/main" xmlns="" name="Office Theme" id="{62F939B6-93AF-4DB8-9C6B-D6C7DFDC589F}" vid="{4A3C46E8-61CC-4603-A589-7422A47A8E4A}"/>
+      <thm15:themeFamily xmlns="" xmlns:thm15="http://schemas.microsoft.com/office/thememl/2012/main" name="Office Theme" id="{62F939B6-93AF-4DB8-9C6B-D6C7DFDC589F}" vid="{4A3C46E8-61CC-4603-A589-7422A47A8E4A}"/>
     </a:ext>
   </a:extLst>
 </a:theme>
@@ -19615,7 +19554,7 @@
   <a:extraClrSchemeLst/>
   <a:extLst>
     <a:ext uri="{05A4C25C-085E-4340-85A3-A5531E510DB2}">
-      <thm15:themeFamily xmlns:thm15="http://schemas.microsoft.com/office/thememl/2012/main" xmlns="" name="Office Theme" id="{62F939B6-93AF-4DB8-9C6B-D6C7DFDC589F}" vid="{4A3C46E8-61CC-4603-A589-7422A47A8E4A}"/>
+      <thm15:themeFamily xmlns="" xmlns:thm15="http://schemas.microsoft.com/office/thememl/2012/main" name="Office Theme" id="{62F939B6-93AF-4DB8-9C6B-D6C7DFDC589F}" vid="{4A3C46E8-61CC-4603-A589-7422A47A8E4A}"/>
     </a:ext>
   </a:extLst>
 </a:theme>
@@ -19876,7 +19815,7 @@
   <a:extraClrSchemeLst/>
   <a:extLst>
     <a:ext uri="{05A4C25C-085E-4340-85A3-A5531E510DB2}">
-      <thm15:themeFamily xmlns:thm15="http://schemas.microsoft.com/office/thememl/2012/main" xmlns="" name="Office Theme" id="{62F939B6-93AF-4DB8-9C6B-D6C7DFDC589F}" vid="{4A3C46E8-61CC-4603-A589-7422A47A8E4A}"/>
+      <thm15:themeFamily xmlns="" xmlns:thm15="http://schemas.microsoft.com/office/thememl/2012/main" name="Office Theme" id="{62F939B6-93AF-4DB8-9C6B-D6C7DFDC589F}" vid="{4A3C46E8-61CC-4603-A589-7422A47A8E4A}"/>
     </a:ext>
   </a:extLst>
 </a:theme>
